--- a/PPT内容.pptx
+++ b/PPT内容.pptx
@@ -5,7 +5,7 @@
     <p:sldMasterId id="2147483648" r:id="rId1"/>
   </p:sldMasterIdLst>
   <p:notesMasterIdLst>
-    <p:notesMasterId r:id="rId18"/>
+    <p:notesMasterId r:id="rId23"/>
   </p:notesMasterIdLst>
   <p:sldIdLst>
     <p:sldId id="422" r:id="rId2"/>
@@ -15,20 +15,25 @@
     <p:sldId id="429" r:id="rId6"/>
     <p:sldId id="430" r:id="rId7"/>
     <p:sldId id="438" r:id="rId8"/>
-    <p:sldId id="440" r:id="rId9"/>
-    <p:sldId id="431" r:id="rId10"/>
-    <p:sldId id="437" r:id="rId11"/>
-    <p:sldId id="432" r:id="rId12"/>
-    <p:sldId id="434" r:id="rId13"/>
-    <p:sldId id="435" r:id="rId14"/>
-    <p:sldId id="439" r:id="rId15"/>
-    <p:sldId id="436" r:id="rId16"/>
-    <p:sldId id="357" r:id="rId17"/>
+    <p:sldId id="442" r:id="rId9"/>
+    <p:sldId id="440" r:id="rId10"/>
+    <p:sldId id="441" r:id="rId11"/>
+    <p:sldId id="443" r:id="rId12"/>
+    <p:sldId id="444" r:id="rId13"/>
+    <p:sldId id="445" r:id="rId14"/>
+    <p:sldId id="431" r:id="rId15"/>
+    <p:sldId id="437" r:id="rId16"/>
+    <p:sldId id="432" r:id="rId17"/>
+    <p:sldId id="434" r:id="rId18"/>
+    <p:sldId id="435" r:id="rId19"/>
+    <p:sldId id="439" r:id="rId20"/>
+    <p:sldId id="436" r:id="rId21"/>
+    <p:sldId id="357" r:id="rId22"/>
   </p:sldIdLst>
   <p:sldSz cx="9144000" cy="6858000" type="screen4x3"/>
   <p:notesSz cx="6858000" cy="9144000"/>
   <p:custDataLst>
-    <p:tags r:id="rId19"/>
+    <p:tags r:id="rId24"/>
   </p:custDataLst>
   <p:defaultTextStyle>
     <a:defPPr>
@@ -486,6 +491,809 @@
     </a:lvl9pPr>
   </p:notesStyle>
 </p:notesMaster>
+</file>
+
+<file path=ppt/notesSlides/notesSlide1.xml><?xml version="1.0" encoding="utf-8"?>
+<p:notes xmlns:a="http://schemas.openxmlformats.org/drawingml/2006/main" xmlns:r="http://schemas.openxmlformats.org/officeDocument/2006/relationships" xmlns:p="http://schemas.openxmlformats.org/presentationml/2006/main">
+  <p:cSld>
+    <p:spTree>
+      <p:nvGrpSpPr>
+        <p:cNvPr id="1" name=""/>
+        <p:cNvGrpSpPr/>
+        <p:nvPr/>
+      </p:nvGrpSpPr>
+      <p:grpSpPr>
+        <a:xfrm>
+          <a:off x="0" y="0"/>
+          <a:ext cx="0" cy="0"/>
+          <a:chOff x="0" y="0"/>
+          <a:chExt cx="0" cy="0"/>
+        </a:xfrm>
+      </p:grpSpPr>
+      <p:sp>
+        <p:nvSpPr>
+          <p:cNvPr id="2" name="幻灯片图像占位符 1"/>
+          <p:cNvSpPr>
+            <a:spLocks noGrp="1" noRot="1" noChangeAspect="1"/>
+          </p:cNvSpPr>
+          <p:nvPr>
+            <p:ph type="sldImg"/>
+          </p:nvPr>
+        </p:nvSpPr>
+        <p:spPr/>
+      </p:sp>
+      <p:sp>
+        <p:nvSpPr>
+          <p:cNvPr id="3" name="备注占位符 2"/>
+          <p:cNvSpPr>
+            <a:spLocks noGrp="1"/>
+          </p:cNvSpPr>
+          <p:nvPr>
+            <p:ph type="body" idx="1"/>
+          </p:nvPr>
+        </p:nvSpPr>
+        <p:spPr/>
+        <p:txBody>
+          <a:bodyPr/>
+          <a:lstStyle/>
+          <a:p>
+            <a:endParaRPr lang="zh-CN" altLang="en-US" dirty="0"/>
+          </a:p>
+        </p:txBody>
+      </p:sp>
+      <p:sp>
+        <p:nvSpPr>
+          <p:cNvPr id="4" name="灯片编号占位符 3"/>
+          <p:cNvSpPr>
+            <a:spLocks noGrp="1"/>
+          </p:cNvSpPr>
+          <p:nvPr>
+            <p:ph type="sldNum" sz="quarter" idx="5"/>
+          </p:nvPr>
+        </p:nvSpPr>
+        <p:spPr/>
+        <p:txBody>
+          <a:bodyPr/>
+          <a:lstStyle/>
+          <a:p>
+            <a:fld id="{F9E1B693-632D-4080-9CF6-EA28B66DC801}" type="slidenum">
+              <a:rPr lang="zh-CN" altLang="en-US" smtClean="0"/>
+              <a:t>5</a:t>
+            </a:fld>
+            <a:endParaRPr lang="zh-CN" altLang="en-US"/>
+          </a:p>
+        </p:txBody>
+      </p:sp>
+    </p:spTree>
+    <p:extLst>
+      <p:ext uri="{BB962C8B-B14F-4D97-AF65-F5344CB8AC3E}">
+        <p14:creationId xmlns:p14="http://schemas.microsoft.com/office/powerpoint/2010/main" val="2626909840"/>
+      </p:ext>
+    </p:extLst>
+  </p:cSld>
+  <p:clrMapOvr>
+    <a:masterClrMapping/>
+  </p:clrMapOvr>
+</p:notes>
+</file>
+
+<file path=ppt/notesSlides/notesSlide2.xml><?xml version="1.0" encoding="utf-8"?>
+<p:notes xmlns:a="http://schemas.openxmlformats.org/drawingml/2006/main" xmlns:r="http://schemas.openxmlformats.org/officeDocument/2006/relationships" xmlns:p="http://schemas.openxmlformats.org/presentationml/2006/main">
+  <p:cSld>
+    <p:spTree>
+      <p:nvGrpSpPr>
+        <p:cNvPr id="1" name=""/>
+        <p:cNvGrpSpPr/>
+        <p:nvPr/>
+      </p:nvGrpSpPr>
+      <p:grpSpPr>
+        <a:xfrm>
+          <a:off x="0" y="0"/>
+          <a:ext cx="0" cy="0"/>
+          <a:chOff x="0" y="0"/>
+          <a:chExt cx="0" cy="0"/>
+        </a:xfrm>
+      </p:grpSpPr>
+      <p:sp>
+        <p:nvSpPr>
+          <p:cNvPr id="2" name="幻灯片图像占位符 1"/>
+          <p:cNvSpPr>
+            <a:spLocks noGrp="1" noRot="1" noChangeAspect="1"/>
+          </p:cNvSpPr>
+          <p:nvPr>
+            <p:ph type="sldImg"/>
+          </p:nvPr>
+        </p:nvSpPr>
+        <p:spPr/>
+      </p:sp>
+      <p:sp>
+        <p:nvSpPr>
+          <p:cNvPr id="3" name="备注占位符 2"/>
+          <p:cNvSpPr>
+            <a:spLocks noGrp="1"/>
+          </p:cNvSpPr>
+          <p:nvPr>
+            <p:ph type="body" idx="1"/>
+          </p:nvPr>
+        </p:nvSpPr>
+        <p:spPr/>
+        <p:txBody>
+          <a:bodyPr/>
+          <a:lstStyle/>
+          <a:p>
+            <a:r>
+              <a:rPr lang="en-US" altLang="zh-CN" dirty="0"/>
+              <a:t>[1]</a:t>
+            </a:r>
+            <a:r>
+              <a:rPr lang="zh-CN" altLang="en-US" dirty="0"/>
+              <a:t>我们来看看官方的函数式组件怎么写  在</a:t>
+            </a:r>
+            <a:r>
+              <a:rPr lang="en-US" altLang="zh-CN" dirty="0" err="1"/>
+              <a:t>App.tsx</a:t>
+            </a:r>
+            <a:endParaRPr lang="zh-CN" altLang="en-US" dirty="0"/>
+          </a:p>
+        </p:txBody>
+      </p:sp>
+      <p:sp>
+        <p:nvSpPr>
+          <p:cNvPr id="4" name="灯片编号占位符 3"/>
+          <p:cNvSpPr>
+            <a:spLocks noGrp="1"/>
+          </p:cNvSpPr>
+          <p:nvPr>
+            <p:ph type="sldNum" sz="quarter" idx="5"/>
+          </p:nvPr>
+        </p:nvSpPr>
+        <p:spPr/>
+        <p:txBody>
+          <a:bodyPr/>
+          <a:lstStyle/>
+          <a:p>
+            <a:fld id="{F9E1B693-632D-4080-9CF6-EA28B66DC801}" type="slidenum">
+              <a:rPr lang="zh-CN" altLang="en-US" smtClean="0"/>
+              <a:t>8</a:t>
+            </a:fld>
+            <a:endParaRPr lang="zh-CN" altLang="en-US"/>
+          </a:p>
+        </p:txBody>
+      </p:sp>
+    </p:spTree>
+    <p:extLst>
+      <p:ext uri="{BB962C8B-B14F-4D97-AF65-F5344CB8AC3E}">
+        <p14:creationId xmlns:p14="http://schemas.microsoft.com/office/powerpoint/2010/main" val="1148448319"/>
+      </p:ext>
+    </p:extLst>
+  </p:cSld>
+  <p:clrMapOvr>
+    <a:masterClrMapping/>
+  </p:clrMapOvr>
+</p:notes>
+</file>
+
+<file path=ppt/notesSlides/notesSlide3.xml><?xml version="1.0" encoding="utf-8"?>
+<p:notes xmlns:a="http://schemas.openxmlformats.org/drawingml/2006/main" xmlns:r="http://schemas.openxmlformats.org/officeDocument/2006/relationships" xmlns:p="http://schemas.openxmlformats.org/presentationml/2006/main">
+  <p:cSld>
+    <p:spTree>
+      <p:nvGrpSpPr>
+        <p:cNvPr id="1" name=""/>
+        <p:cNvGrpSpPr/>
+        <p:nvPr/>
+      </p:nvGrpSpPr>
+      <p:grpSpPr>
+        <a:xfrm>
+          <a:off x="0" y="0"/>
+          <a:ext cx="0" cy="0"/>
+          <a:chOff x="0" y="0"/>
+          <a:chExt cx="0" cy="0"/>
+        </a:xfrm>
+      </p:grpSpPr>
+      <p:sp>
+        <p:nvSpPr>
+          <p:cNvPr id="2" name="幻灯片图像占位符 1"/>
+          <p:cNvSpPr>
+            <a:spLocks noGrp="1" noRot="1" noChangeAspect="1"/>
+          </p:cNvSpPr>
+          <p:nvPr>
+            <p:ph type="sldImg"/>
+          </p:nvPr>
+        </p:nvSpPr>
+        <p:spPr/>
+      </p:sp>
+      <p:sp>
+        <p:nvSpPr>
+          <p:cNvPr id="3" name="备注占位符 2"/>
+          <p:cNvSpPr>
+            <a:spLocks noGrp="1"/>
+          </p:cNvSpPr>
+          <p:nvPr>
+            <p:ph type="body" idx="1"/>
+          </p:nvPr>
+        </p:nvSpPr>
+        <p:spPr/>
+        <p:txBody>
+          <a:bodyPr/>
+          <a:lstStyle/>
+          <a:p>
+            <a:r>
+              <a:rPr lang="en-US" altLang="zh-CN" dirty="0"/>
+              <a:t>[1]</a:t>
+            </a:r>
+            <a:r>
+              <a:rPr lang="zh-CN" altLang="en-US" dirty="0"/>
+              <a:t>但其实这种写法是比较难维护和读懂的，那</a:t>
+            </a:r>
+            <a:r>
+              <a:rPr lang="en-US" altLang="zh-CN" dirty="0"/>
+              <a:t>react</a:t>
+            </a:r>
+            <a:r>
+              <a:rPr lang="zh-CN" altLang="en-US" dirty="0"/>
+              <a:t>是否还有别的方法去编写</a:t>
+            </a:r>
+            <a:r>
+              <a:rPr lang="en-US" altLang="zh-CN" dirty="0"/>
+              <a:t>HTML</a:t>
+            </a:r>
+            <a:r>
+              <a:rPr lang="zh-CN" altLang="en-US" dirty="0"/>
+              <a:t>呢？</a:t>
+            </a:r>
+            <a:endParaRPr lang="en-US" altLang="zh-CN" dirty="0"/>
+          </a:p>
+          <a:p>
+            <a:r>
+              <a:rPr lang="en-US" altLang="zh-CN" dirty="0"/>
+              <a:t>[2]React</a:t>
+            </a:r>
+            <a:r>
+              <a:rPr lang="zh-CN" altLang="en-US" dirty="0"/>
+              <a:t>编程也强烈推荐使用它，它让代码更易于编写和阅读。</a:t>
+            </a:r>
+          </a:p>
+        </p:txBody>
+      </p:sp>
+      <p:sp>
+        <p:nvSpPr>
+          <p:cNvPr id="4" name="灯片编号占位符 3"/>
+          <p:cNvSpPr>
+            <a:spLocks noGrp="1"/>
+          </p:cNvSpPr>
+          <p:nvPr>
+            <p:ph type="sldNum" sz="quarter" idx="5"/>
+          </p:nvPr>
+        </p:nvSpPr>
+        <p:spPr/>
+        <p:txBody>
+          <a:bodyPr/>
+          <a:lstStyle/>
+          <a:p>
+            <a:fld id="{F9E1B693-632D-4080-9CF6-EA28B66DC801}" type="slidenum">
+              <a:rPr lang="zh-CN" altLang="en-US" smtClean="0"/>
+              <a:t>9</a:t>
+            </a:fld>
+            <a:endParaRPr lang="zh-CN" altLang="en-US"/>
+          </a:p>
+        </p:txBody>
+      </p:sp>
+    </p:spTree>
+    <p:extLst>
+      <p:ext uri="{BB962C8B-B14F-4D97-AF65-F5344CB8AC3E}">
+        <p14:creationId xmlns:p14="http://schemas.microsoft.com/office/powerpoint/2010/main" val="3309156422"/>
+      </p:ext>
+    </p:extLst>
+  </p:cSld>
+  <p:clrMapOvr>
+    <a:masterClrMapping/>
+  </p:clrMapOvr>
+</p:notes>
+</file>
+
+<file path=ppt/notesSlides/notesSlide4.xml><?xml version="1.0" encoding="utf-8"?>
+<p:notes xmlns:a="http://schemas.openxmlformats.org/drawingml/2006/main" xmlns:r="http://schemas.openxmlformats.org/officeDocument/2006/relationships" xmlns:p="http://schemas.openxmlformats.org/presentationml/2006/main">
+  <p:cSld>
+    <p:spTree>
+      <p:nvGrpSpPr>
+        <p:cNvPr id="1" name=""/>
+        <p:cNvGrpSpPr/>
+        <p:nvPr/>
+      </p:nvGrpSpPr>
+      <p:grpSpPr>
+        <a:xfrm>
+          <a:off x="0" y="0"/>
+          <a:ext cx="0" cy="0"/>
+          <a:chOff x="0" y="0"/>
+          <a:chExt cx="0" cy="0"/>
+        </a:xfrm>
+      </p:grpSpPr>
+      <p:sp>
+        <p:nvSpPr>
+          <p:cNvPr id="2" name="幻灯片图像占位符 1"/>
+          <p:cNvSpPr>
+            <a:spLocks noGrp="1" noRot="1" noChangeAspect="1"/>
+          </p:cNvSpPr>
+          <p:nvPr>
+            <p:ph type="sldImg"/>
+          </p:nvPr>
+        </p:nvSpPr>
+        <p:spPr/>
+      </p:sp>
+      <p:sp>
+        <p:nvSpPr>
+          <p:cNvPr id="3" name="备注占位符 2"/>
+          <p:cNvSpPr>
+            <a:spLocks noGrp="1"/>
+          </p:cNvSpPr>
+          <p:nvPr>
+            <p:ph type="body" idx="1"/>
+          </p:nvPr>
+        </p:nvSpPr>
+        <p:spPr/>
+        <p:txBody>
+          <a:bodyPr/>
+          <a:lstStyle/>
+          <a:p>
+            <a:r>
+              <a:rPr lang="en-US" altLang="zh-CN" dirty="0"/>
+              <a:t>[1]</a:t>
+            </a:r>
+            <a:r>
+              <a:rPr lang="zh-CN" altLang="en-US" dirty="0"/>
+              <a:t>那有的人会说，我</a:t>
+            </a:r>
+            <a:r>
+              <a:rPr lang="en-US" altLang="zh-CN" dirty="0"/>
+              <a:t>html</a:t>
+            </a:r>
+            <a:r>
+              <a:rPr lang="zh-CN" altLang="en-US" dirty="0"/>
+              <a:t>的数据不是静态的，是动态渲染的，那怎么做呢？</a:t>
+            </a:r>
+            <a:endParaRPr lang="en-US" altLang="zh-CN" dirty="0"/>
+          </a:p>
+          <a:p>
+            <a:r>
+              <a:rPr lang="en-US" altLang="zh-CN" dirty="0"/>
+              <a:t>[2]style= XXX</a:t>
+            </a:r>
+            <a:r>
+              <a:rPr lang="zh-CN" altLang="en-US" dirty="0"/>
+              <a:t>，外面的括号是把里面的当做</a:t>
+            </a:r>
+            <a:r>
+              <a:rPr lang="en-US" altLang="zh-CN" dirty="0"/>
+              <a:t>JS</a:t>
+            </a:r>
+            <a:r>
+              <a:rPr lang="zh-CN" altLang="en-US" dirty="0"/>
+              <a:t>表达式去执行，里面的括号是</a:t>
+            </a:r>
+            <a:r>
+              <a:rPr lang="en-US" altLang="zh-CN" dirty="0"/>
+              <a:t>style</a:t>
+            </a:r>
+            <a:r>
+              <a:rPr lang="zh-CN" altLang="en-US" dirty="0"/>
+              <a:t>的括号</a:t>
+            </a:r>
+            <a:endParaRPr lang="en-US" altLang="zh-CN" dirty="0"/>
+          </a:p>
+          <a:p>
+            <a:r>
+              <a:rPr lang="en-US" altLang="zh-CN" dirty="0"/>
+              <a:t>    </a:t>
+            </a:r>
+            <a:r>
+              <a:rPr lang="zh-CN" altLang="en-US" dirty="0"/>
+              <a:t>用</a:t>
+            </a:r>
+            <a:r>
+              <a:rPr lang="en-US" altLang="zh-CN" dirty="0" err="1"/>
+              <a:t>className</a:t>
+            </a:r>
+            <a:r>
+              <a:rPr lang="zh-CN" altLang="en-US" dirty="0"/>
+              <a:t>是因为，</a:t>
+            </a:r>
+            <a:r>
+              <a:rPr lang="en-US" altLang="zh-CN" dirty="0"/>
+              <a:t>class</a:t>
+            </a:r>
+            <a:r>
+              <a:rPr lang="zh-CN" altLang="en-US" dirty="0"/>
+              <a:t>是</a:t>
+            </a:r>
+            <a:r>
+              <a:rPr lang="en-US" altLang="zh-CN" dirty="0"/>
+              <a:t>react</a:t>
+            </a:r>
+            <a:r>
+              <a:rPr lang="zh-CN" altLang="en-US" dirty="0"/>
+              <a:t>类组件的关键字，在这里不加赘述</a:t>
+            </a:r>
+          </a:p>
+        </p:txBody>
+      </p:sp>
+      <p:sp>
+        <p:nvSpPr>
+          <p:cNvPr id="4" name="灯片编号占位符 3"/>
+          <p:cNvSpPr>
+            <a:spLocks noGrp="1"/>
+          </p:cNvSpPr>
+          <p:nvPr>
+            <p:ph type="sldNum" sz="quarter" idx="5"/>
+          </p:nvPr>
+        </p:nvSpPr>
+        <p:spPr/>
+        <p:txBody>
+          <a:bodyPr/>
+          <a:lstStyle/>
+          <a:p>
+            <a:fld id="{F9E1B693-632D-4080-9CF6-EA28B66DC801}" type="slidenum">
+              <a:rPr lang="zh-CN" altLang="en-US" smtClean="0"/>
+              <a:t>10</a:t>
+            </a:fld>
+            <a:endParaRPr lang="zh-CN" altLang="en-US"/>
+          </a:p>
+        </p:txBody>
+      </p:sp>
+    </p:spTree>
+    <p:extLst>
+      <p:ext uri="{BB962C8B-B14F-4D97-AF65-F5344CB8AC3E}">
+        <p14:creationId xmlns:p14="http://schemas.microsoft.com/office/powerpoint/2010/main" val="746675372"/>
+      </p:ext>
+    </p:extLst>
+  </p:cSld>
+  <p:clrMapOvr>
+    <a:masterClrMapping/>
+  </p:clrMapOvr>
+</p:notes>
+</file>
+
+<file path=ppt/notesSlides/notesSlide5.xml><?xml version="1.0" encoding="utf-8"?>
+<p:notes xmlns:a="http://schemas.openxmlformats.org/drawingml/2006/main" xmlns:r="http://schemas.openxmlformats.org/officeDocument/2006/relationships" xmlns:p="http://schemas.openxmlformats.org/presentationml/2006/main">
+  <p:cSld>
+    <p:spTree>
+      <p:nvGrpSpPr>
+        <p:cNvPr id="1" name=""/>
+        <p:cNvGrpSpPr/>
+        <p:nvPr/>
+      </p:nvGrpSpPr>
+      <p:grpSpPr>
+        <a:xfrm>
+          <a:off x="0" y="0"/>
+          <a:ext cx="0" cy="0"/>
+          <a:chOff x="0" y="0"/>
+          <a:chExt cx="0" cy="0"/>
+        </a:xfrm>
+      </p:grpSpPr>
+      <p:sp>
+        <p:nvSpPr>
+          <p:cNvPr id="2" name="幻灯片图像占位符 1"/>
+          <p:cNvSpPr>
+            <a:spLocks noGrp="1" noRot="1" noChangeAspect="1"/>
+          </p:cNvSpPr>
+          <p:nvPr>
+            <p:ph type="sldImg"/>
+          </p:nvPr>
+        </p:nvSpPr>
+        <p:spPr/>
+      </p:sp>
+      <p:sp>
+        <p:nvSpPr>
+          <p:cNvPr id="3" name="备注占位符 2"/>
+          <p:cNvSpPr>
+            <a:spLocks noGrp="1"/>
+          </p:cNvSpPr>
+          <p:nvPr>
+            <p:ph type="body" idx="1"/>
+          </p:nvPr>
+        </p:nvSpPr>
+        <p:spPr/>
+        <p:txBody>
+          <a:bodyPr/>
+          <a:lstStyle/>
+          <a:p>
+            <a:endParaRPr lang="zh-CN" altLang="en-US" dirty="0"/>
+          </a:p>
+        </p:txBody>
+      </p:sp>
+      <p:sp>
+        <p:nvSpPr>
+          <p:cNvPr id="4" name="灯片编号占位符 3"/>
+          <p:cNvSpPr>
+            <a:spLocks noGrp="1"/>
+          </p:cNvSpPr>
+          <p:nvPr>
+            <p:ph type="sldNum" sz="quarter" idx="5"/>
+          </p:nvPr>
+        </p:nvSpPr>
+        <p:spPr/>
+        <p:txBody>
+          <a:bodyPr/>
+          <a:lstStyle/>
+          <a:p>
+            <a:fld id="{F9E1B693-632D-4080-9CF6-EA28B66DC801}" type="slidenum">
+              <a:rPr lang="zh-CN" altLang="en-US" smtClean="0"/>
+              <a:t>11</a:t>
+            </a:fld>
+            <a:endParaRPr lang="zh-CN" altLang="en-US"/>
+          </a:p>
+        </p:txBody>
+      </p:sp>
+    </p:spTree>
+    <p:extLst>
+      <p:ext uri="{BB962C8B-B14F-4D97-AF65-F5344CB8AC3E}">
+        <p14:creationId xmlns:p14="http://schemas.microsoft.com/office/powerpoint/2010/main" val="2522619145"/>
+      </p:ext>
+    </p:extLst>
+  </p:cSld>
+  <p:clrMapOvr>
+    <a:masterClrMapping/>
+  </p:clrMapOvr>
+</p:notes>
+</file>
+
+<file path=ppt/notesSlides/notesSlide6.xml><?xml version="1.0" encoding="utf-8"?>
+<p:notes xmlns:a="http://schemas.openxmlformats.org/drawingml/2006/main" xmlns:r="http://schemas.openxmlformats.org/officeDocument/2006/relationships" xmlns:p="http://schemas.openxmlformats.org/presentationml/2006/main">
+  <p:cSld>
+    <p:spTree>
+      <p:nvGrpSpPr>
+        <p:cNvPr id="1" name=""/>
+        <p:cNvGrpSpPr/>
+        <p:nvPr/>
+      </p:nvGrpSpPr>
+      <p:grpSpPr>
+        <a:xfrm>
+          <a:off x="0" y="0"/>
+          <a:ext cx="0" cy="0"/>
+          <a:chOff x="0" y="0"/>
+          <a:chExt cx="0" cy="0"/>
+        </a:xfrm>
+      </p:grpSpPr>
+      <p:sp>
+        <p:nvSpPr>
+          <p:cNvPr id="2" name="幻灯片图像占位符 1"/>
+          <p:cNvSpPr>
+            <a:spLocks noGrp="1" noRot="1" noChangeAspect="1"/>
+          </p:cNvSpPr>
+          <p:nvPr>
+            <p:ph type="sldImg"/>
+          </p:nvPr>
+        </p:nvSpPr>
+        <p:spPr/>
+      </p:sp>
+      <p:sp>
+        <p:nvSpPr>
+          <p:cNvPr id="3" name="备注占位符 2"/>
+          <p:cNvSpPr>
+            <a:spLocks noGrp="1"/>
+          </p:cNvSpPr>
+          <p:nvPr>
+            <p:ph type="body" idx="1"/>
+          </p:nvPr>
+        </p:nvSpPr>
+        <p:spPr/>
+        <p:txBody>
+          <a:bodyPr/>
+          <a:lstStyle/>
+          <a:p>
+            <a:r>
+              <a:rPr lang="en-US" altLang="zh-CN" dirty="0"/>
+              <a:t>[1]diff</a:t>
+            </a:r>
+            <a:r>
+              <a:rPr lang="zh-CN" altLang="en-US" dirty="0"/>
+              <a:t>算法：① 如果根元素的类型不同，</a:t>
+            </a:r>
+            <a:r>
+              <a:rPr lang="en-US" altLang="zh-CN" dirty="0"/>
+              <a:t>React</a:t>
+            </a:r>
+            <a:r>
+              <a:rPr lang="zh-CN" altLang="en-US" dirty="0"/>
+              <a:t>会将旧树完全拆除，并从头构建新的树。</a:t>
+            </a:r>
+            <a:endParaRPr lang="en-US" altLang="zh-CN" dirty="0"/>
+          </a:p>
+          <a:p>
+            <a:r>
+              <a:rPr lang="zh-CN" altLang="en-US" dirty="0"/>
+              <a:t>② 如果比较的是两个相同类型的</a:t>
+            </a:r>
+            <a:r>
+              <a:rPr lang="en-US" altLang="zh-CN" dirty="0"/>
+              <a:t>Dom</a:t>
+            </a:r>
+            <a:r>
+              <a:rPr lang="zh-CN" altLang="en-US" dirty="0"/>
+              <a:t>元素，</a:t>
+            </a:r>
+            <a:r>
+              <a:rPr lang="en-US" altLang="zh-CN" dirty="0"/>
+              <a:t>React</a:t>
+            </a:r>
+            <a:r>
+              <a:rPr lang="zh-CN" altLang="en-US" dirty="0"/>
+              <a:t>会查看两者的属性，保持相同的底层</a:t>
+            </a:r>
+            <a:r>
+              <a:rPr lang="en-US" altLang="zh-CN" dirty="0"/>
+              <a:t>Dom</a:t>
+            </a:r>
+            <a:r>
+              <a:rPr lang="zh-CN" altLang="en-US" dirty="0"/>
+              <a:t>节点，并只更新发生变化的属性。</a:t>
+            </a:r>
+          </a:p>
+        </p:txBody>
+      </p:sp>
+      <p:sp>
+        <p:nvSpPr>
+          <p:cNvPr id="4" name="灯片编号占位符 3"/>
+          <p:cNvSpPr>
+            <a:spLocks noGrp="1"/>
+          </p:cNvSpPr>
+          <p:nvPr>
+            <p:ph type="sldNum" sz="quarter" idx="5"/>
+          </p:nvPr>
+        </p:nvSpPr>
+        <p:spPr/>
+        <p:txBody>
+          <a:bodyPr/>
+          <a:lstStyle/>
+          <a:p>
+            <a:fld id="{F9E1B693-632D-4080-9CF6-EA28B66DC801}" type="slidenum">
+              <a:rPr lang="zh-CN" altLang="en-US" smtClean="0"/>
+              <a:t>12</a:t>
+            </a:fld>
+            <a:endParaRPr lang="zh-CN" altLang="en-US"/>
+          </a:p>
+        </p:txBody>
+      </p:sp>
+    </p:spTree>
+    <p:extLst>
+      <p:ext uri="{BB962C8B-B14F-4D97-AF65-F5344CB8AC3E}">
+        <p14:creationId xmlns:p14="http://schemas.microsoft.com/office/powerpoint/2010/main" val="2636798532"/>
+      </p:ext>
+    </p:extLst>
+  </p:cSld>
+  <p:clrMapOvr>
+    <a:masterClrMapping/>
+  </p:clrMapOvr>
+</p:notes>
+</file>
+
+<file path=ppt/notesSlides/notesSlide7.xml><?xml version="1.0" encoding="utf-8"?>
+<p:notes xmlns:a="http://schemas.openxmlformats.org/drawingml/2006/main" xmlns:r="http://schemas.openxmlformats.org/officeDocument/2006/relationships" xmlns:p="http://schemas.openxmlformats.org/presentationml/2006/main">
+  <p:cSld>
+    <p:spTree>
+      <p:nvGrpSpPr>
+        <p:cNvPr id="1" name=""/>
+        <p:cNvGrpSpPr/>
+        <p:nvPr/>
+      </p:nvGrpSpPr>
+      <p:grpSpPr>
+        <a:xfrm>
+          <a:off x="0" y="0"/>
+          <a:ext cx="0" cy="0"/>
+          <a:chOff x="0" y="0"/>
+          <a:chExt cx="0" cy="0"/>
+        </a:xfrm>
+      </p:grpSpPr>
+      <p:sp>
+        <p:nvSpPr>
+          <p:cNvPr id="2" name="幻灯片图像占位符 1"/>
+          <p:cNvSpPr>
+            <a:spLocks noGrp="1" noRot="1" noChangeAspect="1"/>
+          </p:cNvSpPr>
+          <p:nvPr>
+            <p:ph type="sldImg"/>
+          </p:nvPr>
+        </p:nvSpPr>
+        <p:spPr/>
+      </p:sp>
+      <p:sp>
+        <p:nvSpPr>
+          <p:cNvPr id="3" name="备注占位符 2"/>
+          <p:cNvSpPr>
+            <a:spLocks noGrp="1"/>
+          </p:cNvSpPr>
+          <p:nvPr>
+            <p:ph type="body" idx="1"/>
+          </p:nvPr>
+        </p:nvSpPr>
+        <p:spPr/>
+        <p:txBody>
+          <a:bodyPr/>
+          <a:lstStyle/>
+          <a:p>
+            <a:r>
+              <a:rPr lang="en-US" altLang="zh-CN" dirty="0"/>
+              <a:t>[1]diff</a:t>
+            </a:r>
+            <a:r>
+              <a:rPr lang="zh-CN" altLang="en-US" dirty="0"/>
+              <a:t>算法：① 如果根元素的类型不同，</a:t>
+            </a:r>
+            <a:r>
+              <a:rPr lang="en-US" altLang="zh-CN" dirty="0"/>
+              <a:t>React</a:t>
+            </a:r>
+            <a:r>
+              <a:rPr lang="zh-CN" altLang="en-US" dirty="0"/>
+              <a:t>会将旧树完全拆除，并从头构建新的树。</a:t>
+            </a:r>
+            <a:endParaRPr lang="en-US" altLang="zh-CN" dirty="0"/>
+          </a:p>
+          <a:p>
+            <a:r>
+              <a:rPr lang="zh-CN" altLang="en-US" dirty="0"/>
+              <a:t>② 如果比较的是两个相同类型的</a:t>
+            </a:r>
+            <a:r>
+              <a:rPr lang="en-US" altLang="zh-CN" dirty="0"/>
+              <a:t>Dom</a:t>
+            </a:r>
+            <a:r>
+              <a:rPr lang="zh-CN" altLang="en-US" dirty="0"/>
+              <a:t>元素，</a:t>
+            </a:r>
+            <a:r>
+              <a:rPr lang="en-US" altLang="zh-CN" dirty="0"/>
+              <a:t>React</a:t>
+            </a:r>
+            <a:r>
+              <a:rPr lang="zh-CN" altLang="en-US" dirty="0"/>
+              <a:t>会查看两者的属性，保持相同的底层</a:t>
+            </a:r>
+            <a:r>
+              <a:rPr lang="en-US" altLang="zh-CN" dirty="0"/>
+              <a:t>Dom</a:t>
+            </a:r>
+            <a:r>
+              <a:rPr lang="zh-CN" altLang="en-US" dirty="0"/>
+              <a:t>节点，并只更新发生变化的属性。</a:t>
+            </a:r>
+          </a:p>
+        </p:txBody>
+      </p:sp>
+      <p:sp>
+        <p:nvSpPr>
+          <p:cNvPr id="4" name="灯片编号占位符 3"/>
+          <p:cNvSpPr>
+            <a:spLocks noGrp="1"/>
+          </p:cNvSpPr>
+          <p:nvPr>
+            <p:ph type="sldNum" sz="quarter" idx="5"/>
+          </p:nvPr>
+        </p:nvSpPr>
+        <p:spPr/>
+        <p:txBody>
+          <a:bodyPr/>
+          <a:lstStyle/>
+          <a:p>
+            <a:fld id="{F9E1B693-632D-4080-9CF6-EA28B66DC801}" type="slidenum">
+              <a:rPr lang="zh-CN" altLang="en-US" smtClean="0"/>
+              <a:t>13</a:t>
+            </a:fld>
+            <a:endParaRPr lang="zh-CN" altLang="en-US"/>
+          </a:p>
+        </p:txBody>
+      </p:sp>
+    </p:spTree>
+    <p:extLst>
+      <p:ext uri="{BB962C8B-B14F-4D97-AF65-F5344CB8AC3E}">
+        <p14:creationId xmlns:p14="http://schemas.microsoft.com/office/powerpoint/2010/main" val="47811639"/>
+      </p:ext>
+    </p:extLst>
+  </p:cSld>
+  <p:clrMapOvr>
+    <a:masterClrMapping/>
+  </p:clrMapOvr>
+</p:notes>
 </file>
 
 <file path=ppt/slideLayouts/slideLayout1.xml><?xml version="1.0" encoding="utf-8"?>
@@ -2027,14 +2835,45 @@
       </p:grpSpPr>
       <p:sp>
         <p:nvSpPr>
-          <p:cNvPr id="4" name="文本框 3"/>
+          <p:cNvPr id="2" name="标题 1"/>
+          <p:cNvSpPr>
+            <a:spLocks noGrp="1"/>
+          </p:cNvSpPr>
+          <p:nvPr>
+            <p:ph type="title"/>
+          </p:nvPr>
+        </p:nvSpPr>
+        <p:spPr/>
+        <p:txBody>
+          <a:bodyPr/>
+          <a:lstStyle/>
+          <a:p>
+            <a:r>
+              <a:rPr lang="en-US" altLang="zh-CN" dirty="0"/>
+              <a:t>React</a:t>
+            </a:r>
+            <a:r>
+              <a:rPr lang="zh-CN" altLang="en-US" dirty="0"/>
+              <a:t>基础</a:t>
+            </a:r>
+            <a:endParaRPr lang="zh-CN" altLang="en-US" sz="2400" b="1" dirty="0">
+              <a:solidFill>
+                <a:schemeClr val="tx1"/>
+              </a:solidFill>
+            </a:endParaRPr>
+          </a:p>
+        </p:txBody>
+      </p:sp>
+      <p:sp>
+        <p:nvSpPr>
+          <p:cNvPr id="3" name="文本框 2"/>
           <p:cNvSpPr txBox="1"/>
           <p:nvPr/>
         </p:nvSpPr>
         <p:spPr>
           <a:xfrm>
-            <a:off x="1482826" y="2251392"/>
-            <a:ext cx="1712328" cy="1862048"/>
+            <a:off x="515073" y="685165"/>
+            <a:ext cx="7552481" cy="3139321"/>
           </a:xfrm>
           <a:prstGeom prst="rect">
             <a:avLst/>
@@ -2042,147 +2881,194 @@
           <a:noFill/>
         </p:spPr>
         <p:txBody>
-          <a:bodyPr wrap="none" rtlCol="0">
+          <a:bodyPr wrap="square" rtlCol="0">
             <a:spAutoFit/>
           </a:bodyPr>
           <a:lstStyle/>
           <a:p>
-            <a:pPr algn="ctr"/>
-            <a:r>
-              <a:rPr lang="en-US" altLang="zh-CN" sz="11500" dirty="0">
+            <a:r>
+              <a:rPr lang="en-US" altLang="zh-CN" dirty="0"/>
+              <a:t>4</a:t>
+            </a:r>
+            <a:r>
+              <a:rPr lang="zh-CN" altLang="en-US" dirty="0"/>
+              <a:t>、</a:t>
+            </a:r>
+            <a:r>
+              <a:rPr lang="en-US" altLang="zh-CN" dirty="0"/>
+              <a:t>[1]</a:t>
+            </a:r>
+            <a:r>
+              <a:rPr lang="zh-CN" altLang="en-US" dirty="0"/>
+              <a:t>在</a:t>
+            </a:r>
+            <a:r>
+              <a:rPr lang="en-US" altLang="zh-CN" dirty="0"/>
+              <a:t>JSX</a:t>
+            </a:r>
+            <a:r>
+              <a:rPr lang="zh-CN" altLang="en-US" dirty="0"/>
+              <a:t>中使用</a:t>
+            </a:r>
+            <a:r>
+              <a:rPr lang="en-US" altLang="zh-CN" dirty="0"/>
+              <a:t>JavaScript</a:t>
+            </a:r>
+            <a:r>
+              <a:rPr lang="zh-CN" altLang="en-US" dirty="0"/>
+              <a:t>表达式</a:t>
+            </a:r>
+            <a:endParaRPr lang="en-US" altLang="zh-CN" dirty="0"/>
+          </a:p>
+          <a:p>
+            <a:endParaRPr lang="en-US" altLang="zh-CN" dirty="0"/>
+          </a:p>
+          <a:p>
+            <a:r>
+              <a:rPr lang="en-US" altLang="zh-CN" dirty="0"/>
+              <a:t>JSX</a:t>
+            </a:r>
+            <a:r>
+              <a:rPr lang="zh-CN" altLang="en-US" dirty="0"/>
+              <a:t>提供了一个大括号 </a:t>
+            </a:r>
+            <a:r>
+              <a:rPr lang="en-US" altLang="zh-CN" dirty="0"/>
+              <a:t>{} </a:t>
+            </a:r>
+            <a:r>
+              <a:rPr lang="zh-CN" altLang="en-US" dirty="0"/>
+              <a:t>，可以在</a:t>
+            </a:r>
+            <a:r>
+              <a:rPr lang="en-US" altLang="zh-CN" dirty="0"/>
+              <a:t>JSX</a:t>
+            </a:r>
+            <a:r>
+              <a:rPr lang="zh-CN" altLang="en-US" dirty="0"/>
+              <a:t>中使用</a:t>
+            </a:r>
+            <a:r>
+              <a:rPr lang="en-US" altLang="zh-CN" dirty="0"/>
+              <a:t>JavaScript</a:t>
+            </a:r>
+            <a:r>
+              <a:rPr lang="zh-CN" altLang="en-US" dirty="0"/>
+              <a:t>表达式。</a:t>
+            </a:r>
+            <a:endParaRPr lang="en-US" altLang="zh-CN" dirty="0"/>
+          </a:p>
+          <a:p>
+            <a:endParaRPr lang="en-US" altLang="zh-CN" dirty="0"/>
+          </a:p>
+          <a:p>
+            <a:pPr marL="285750" indent="-285750">
+              <a:buFont typeface="Arial" panose="020B0604020202020204" pitchFamily="34" charset="0"/>
+              <a:buChar char="•"/>
+            </a:pPr>
+            <a:r>
+              <a:rPr lang="en-US" altLang="zh-CN" dirty="0">
                 <a:solidFill>
-                  <a:srgbClr val="FF9933"/>
+                  <a:srgbClr val="6796E6"/>
                 </a:solidFill>
-                <a:latin typeface="Impact" panose="020B0806030902050204" pitchFamily="34" charset="0"/>
+                <a:latin typeface="Consolas" panose="020B0609020204030204" pitchFamily="49" charset="0"/>
               </a:rPr>
-              <a:t>04</a:t>
-            </a:r>
-          </a:p>
-        </p:txBody>
-      </p:sp>
-      <p:sp>
-        <p:nvSpPr>
-          <p:cNvPr id="5" name="文本框 4"/>
-          <p:cNvSpPr txBox="1"/>
+              <a:t> </a:t>
+            </a:r>
+            <a:r>
+              <a:rPr lang="zh-CN" altLang="en-US" dirty="0"/>
+              <a:t>三元运算符</a:t>
+            </a:r>
+          </a:p>
+          <a:p>
+            <a:pPr marL="285750" indent="-285750">
+              <a:buFont typeface="Arial" panose="020B0604020202020204" pitchFamily="34" charset="0"/>
+              <a:buChar char="•"/>
+            </a:pPr>
+            <a:r>
+              <a:rPr lang="zh-CN" altLang="en-US" dirty="0"/>
+              <a:t>  变量</a:t>
+            </a:r>
+          </a:p>
+          <a:p>
+            <a:pPr marL="285750" indent="-285750">
+              <a:buFont typeface="Arial" panose="020B0604020202020204" pitchFamily="34" charset="0"/>
+              <a:buChar char="•"/>
+            </a:pPr>
+            <a:r>
+              <a:rPr lang="zh-CN" altLang="en-US" dirty="0"/>
+              <a:t>  函数调用</a:t>
+            </a:r>
+          </a:p>
+          <a:p>
+            <a:pPr marL="285750" indent="-285750">
+              <a:buFont typeface="Arial" panose="020B0604020202020204" pitchFamily="34" charset="0"/>
+              <a:buChar char="•"/>
+            </a:pPr>
+            <a:r>
+              <a:rPr lang="zh-CN" altLang="en-US" dirty="0"/>
+              <a:t>  对象</a:t>
+            </a:r>
+            <a:r>
+              <a:rPr lang="en-US" altLang="zh-CN" dirty="0"/>
+              <a:t>[2]</a:t>
+            </a:r>
+            <a:endParaRPr lang="zh-CN" altLang="en-US" dirty="0"/>
+          </a:p>
+          <a:p>
+            <a:pPr marL="285750" indent="-285750">
+              <a:buFont typeface="Arial" panose="020B0604020202020204" pitchFamily="34" charset="0"/>
+              <a:buChar char="•"/>
+            </a:pPr>
+            <a:r>
+              <a:rPr lang="zh-CN" altLang="en-US" dirty="0"/>
+              <a:t>  作为属性变量</a:t>
+            </a:r>
+          </a:p>
+          <a:p>
+            <a:endParaRPr lang="en-US" altLang="zh-CN" dirty="0"/>
+          </a:p>
+          <a:p>
+            <a:endParaRPr lang="zh-CN" altLang="en-US" dirty="0"/>
+          </a:p>
+        </p:txBody>
+      </p:sp>
+      <p:pic>
+        <p:nvPicPr>
+          <p:cNvPr id="5" name="图片 4">
+            <a:extLst>
+              <a:ext uri="{FF2B5EF4-FFF2-40B4-BE49-F238E27FC236}">
+                <a16:creationId xmlns:a16="http://schemas.microsoft.com/office/drawing/2014/main" id="{9CAAD6E4-EAC2-035B-2100-58974A935B11}"/>
+              </a:ext>
+            </a:extLst>
+          </p:cNvPr>
+          <p:cNvPicPr>
+            <a:picLocks noChangeAspect="1"/>
+          </p:cNvPicPr>
           <p:nvPr/>
-        </p:nvSpPr>
+        </p:nvPicPr>
+        <p:blipFill>
+          <a:blip r:embed="rId3"/>
+          <a:stretch>
+            <a:fillRect/>
+          </a:stretch>
+        </p:blipFill>
         <p:spPr>
           <a:xfrm>
-            <a:off x="3226435" y="2465070"/>
-            <a:ext cx="4943475" cy="922020"/>
+            <a:off x="2497724" y="1599577"/>
+            <a:ext cx="5947654" cy="5074316"/>
           </a:xfrm>
           <a:prstGeom prst="rect">
             <a:avLst/>
           </a:prstGeom>
-          <a:noFill/>
         </p:spPr>
-        <p:txBody>
-          <a:bodyPr wrap="square" rtlCol="0">
-            <a:spAutoFit/>
-            <a:scene3d>
-              <a:camera prst="orthographicFront"/>
-              <a:lightRig rig="threePt" dir="t"/>
-            </a:scene3d>
-            <a:sp3d contourW="12700"/>
-          </a:bodyPr>
-          <a:lstStyle/>
-          <a:p>
-            <a:r>
-              <a:rPr lang="en-US" altLang="zh-CN" sz="5400" b="1" dirty="0">
-                <a:solidFill>
-                  <a:schemeClr val="tx1"/>
-                </a:solidFill>
-              </a:rPr>
-              <a:t>React</a:t>
-            </a:r>
-            <a:r>
-              <a:rPr lang="zh-CN" altLang="en-US" sz="5400" b="1" dirty="0">
-                <a:solidFill>
-                  <a:schemeClr val="tx1"/>
-                </a:solidFill>
-              </a:rPr>
-              <a:t>进阶</a:t>
-            </a:r>
-          </a:p>
-        </p:txBody>
-      </p:sp>
-      <p:sp>
-        <p:nvSpPr>
-          <p:cNvPr id="2" name="文本框 1"/>
-          <p:cNvSpPr txBox="1"/>
-          <p:nvPr/>
-        </p:nvSpPr>
-        <p:spPr>
-          <a:xfrm>
-            <a:off x="2957331" y="3429000"/>
-            <a:ext cx="4595150" cy="1076325"/>
-          </a:xfrm>
-          <a:prstGeom prst="rect">
-            <a:avLst/>
-          </a:prstGeom>
-          <a:noFill/>
-        </p:spPr>
-        <p:txBody>
-          <a:bodyPr wrap="square" rtlCol="0">
-            <a:spAutoFit/>
-          </a:bodyPr>
-          <a:lstStyle/>
-          <a:p>
-            <a:pPr marL="742950" lvl="1" indent="-285750">
-              <a:buFont typeface="Arial" panose="020B0604020202020204" pitchFamily="34" charset="0"/>
-              <a:buChar char="•"/>
-            </a:pPr>
-            <a:r>
-              <a:rPr lang="zh-CN" sz="1600" dirty="0">
-                <a:solidFill>
-                  <a:schemeClr val="bg2"/>
-                </a:solidFill>
-              </a:rPr>
-              <a:t>组件化开发</a:t>
-            </a:r>
-          </a:p>
-          <a:p>
-            <a:pPr marL="742950" lvl="1" indent="-285750">
-              <a:buFont typeface="Arial" panose="020B0604020202020204" pitchFamily="34" charset="0"/>
-              <a:buChar char="•"/>
-            </a:pPr>
-            <a:r>
-              <a:rPr lang="zh-CN" sz="1600" dirty="0">
-                <a:solidFill>
-                  <a:schemeClr val="bg2"/>
-                </a:solidFill>
-              </a:rPr>
-              <a:t>组件通信方式</a:t>
-            </a:r>
-          </a:p>
-          <a:p>
-            <a:pPr marL="742950" lvl="1" indent="-285750">
-              <a:buFont typeface="Arial" panose="020B0604020202020204" pitchFamily="34" charset="0"/>
-              <a:buChar char="•"/>
-            </a:pPr>
-            <a:r>
-              <a:rPr lang="zh-CN" sz="1600" dirty="0">
-                <a:solidFill>
-                  <a:schemeClr val="bg2"/>
-                </a:solidFill>
-              </a:rPr>
-              <a:t>路由</a:t>
-            </a:r>
-          </a:p>
-          <a:p>
-            <a:pPr marL="742950" lvl="1" indent="-285750">
-              <a:buFont typeface="Arial" panose="020B0604020202020204" pitchFamily="34" charset="0"/>
-              <a:buChar char="•"/>
-            </a:pPr>
-            <a:endParaRPr lang="en-US" altLang="zh-CN" sz="1600" dirty="0">
-              <a:solidFill>
-                <a:schemeClr val="bg2"/>
-              </a:solidFill>
-            </a:endParaRPr>
-          </a:p>
-        </p:txBody>
-      </p:sp>
+      </p:pic>
     </p:spTree>
+    <p:extLst>
+      <p:ext uri="{BB962C8B-B14F-4D97-AF65-F5344CB8AC3E}">
+        <p14:creationId xmlns:p14="http://schemas.microsoft.com/office/powerpoint/2010/main" val="1288954791"/>
+      </p:ext>
+    </p:extLst>
   </p:cSld>
   <p:clrMapOvr>
     <a:masterClrMapping/>
@@ -2209,14 +3095,45 @@
       </p:grpSpPr>
       <p:sp>
         <p:nvSpPr>
-          <p:cNvPr id="4" name="文本框 3"/>
+          <p:cNvPr id="2" name="标题 1"/>
+          <p:cNvSpPr>
+            <a:spLocks noGrp="1"/>
+          </p:cNvSpPr>
+          <p:nvPr>
+            <p:ph type="title"/>
+          </p:nvPr>
+        </p:nvSpPr>
+        <p:spPr/>
+        <p:txBody>
+          <a:bodyPr/>
+          <a:lstStyle/>
+          <a:p>
+            <a:r>
+              <a:rPr lang="en-US" altLang="zh-CN" dirty="0"/>
+              <a:t>React</a:t>
+            </a:r>
+            <a:r>
+              <a:rPr lang="zh-CN" altLang="en-US" dirty="0"/>
+              <a:t>基础</a:t>
+            </a:r>
+            <a:endParaRPr lang="zh-CN" altLang="en-US" sz="2400" b="1" dirty="0">
+              <a:solidFill>
+                <a:schemeClr val="tx1"/>
+              </a:solidFill>
+            </a:endParaRPr>
+          </a:p>
+        </p:txBody>
+      </p:sp>
+      <p:sp>
+        <p:nvSpPr>
+          <p:cNvPr id="3" name="文本框 2"/>
           <p:cNvSpPr txBox="1"/>
           <p:nvPr/>
         </p:nvSpPr>
         <p:spPr>
           <a:xfrm>
-            <a:off x="1455575" y="2251392"/>
-            <a:ext cx="1766830" cy="1862048"/>
+            <a:off x="515073" y="685165"/>
+            <a:ext cx="7552481" cy="1754326"/>
           </a:xfrm>
           <a:prstGeom prst="rect">
             <a:avLst/>
@@ -2224,122 +3141,81 @@
           <a:noFill/>
         </p:spPr>
         <p:txBody>
-          <a:bodyPr wrap="none" rtlCol="0">
+          <a:bodyPr wrap="square" rtlCol="0">
             <a:spAutoFit/>
           </a:bodyPr>
           <a:lstStyle/>
           <a:p>
-            <a:pPr algn="ctr"/>
-            <a:r>
-              <a:rPr lang="en-US" altLang="zh-CN" sz="11500" dirty="0">
-                <a:solidFill>
-                  <a:srgbClr val="FF9933"/>
-                </a:solidFill>
-                <a:latin typeface="Impact" panose="020B0806030902050204" pitchFamily="34" charset="0"/>
-              </a:rPr>
-              <a:t>05</a:t>
-            </a:r>
-          </a:p>
-        </p:txBody>
-      </p:sp>
-      <p:sp>
-        <p:nvSpPr>
-          <p:cNvPr id="5" name="文本框 4"/>
-          <p:cNvSpPr txBox="1"/>
+            <a:r>
+              <a:rPr lang="en-US" altLang="zh-CN" dirty="0"/>
+              <a:t>5</a:t>
+            </a:r>
+            <a:r>
+              <a:rPr lang="zh-CN" altLang="en-US" dirty="0"/>
+              <a:t>、条件渲染</a:t>
+            </a:r>
+            <a:endParaRPr lang="en-US" altLang="zh-CN" dirty="0"/>
+          </a:p>
+          <a:p>
+            <a:endParaRPr lang="en-US" altLang="zh-CN" dirty="0"/>
+          </a:p>
+          <a:p>
+            <a:r>
+              <a:rPr lang="zh-CN" altLang="en-US" dirty="0"/>
+              <a:t>根据某个条件动态展示某段</a:t>
+            </a:r>
+            <a:r>
+              <a:rPr lang="en-US" altLang="zh-CN" dirty="0"/>
+              <a:t>JSX</a:t>
+            </a:r>
+          </a:p>
+          <a:p>
+            <a:endParaRPr lang="en-US" altLang="zh-CN" dirty="0"/>
+          </a:p>
+          <a:p>
+            <a:endParaRPr lang="en-US" altLang="zh-CN" dirty="0"/>
+          </a:p>
+          <a:p>
+            <a:endParaRPr lang="zh-CN" altLang="en-US" dirty="0"/>
+          </a:p>
+        </p:txBody>
+      </p:sp>
+      <p:pic>
+        <p:nvPicPr>
+          <p:cNvPr id="6" name="图片 5">
+            <a:extLst>
+              <a:ext uri="{FF2B5EF4-FFF2-40B4-BE49-F238E27FC236}">
+                <a16:creationId xmlns:a16="http://schemas.microsoft.com/office/drawing/2014/main" id="{8A4FB459-F3CF-3518-C2DF-C045A88A0042}"/>
+              </a:ext>
+            </a:extLst>
+          </p:cNvPr>
+          <p:cNvPicPr>
+            <a:picLocks noChangeAspect="1"/>
+          </p:cNvPicPr>
           <p:nvPr/>
-        </p:nvSpPr>
+        </p:nvPicPr>
+        <p:blipFill>
+          <a:blip r:embed="rId3"/>
+          <a:stretch>
+            <a:fillRect/>
+          </a:stretch>
+        </p:blipFill>
         <p:spPr>
           <a:xfrm>
-            <a:off x="3226435" y="2465070"/>
-            <a:ext cx="4900295" cy="1014730"/>
+            <a:off x="546765" y="1879520"/>
+            <a:ext cx="4959605" cy="1549480"/>
           </a:xfrm>
           <a:prstGeom prst="rect">
             <a:avLst/>
           </a:prstGeom>
-          <a:noFill/>
         </p:spPr>
-        <p:txBody>
-          <a:bodyPr wrap="square" rtlCol="0">
-            <a:spAutoFit/>
-            <a:scene3d>
-              <a:camera prst="orthographicFront"/>
-              <a:lightRig rig="threePt" dir="t"/>
-            </a:scene3d>
-            <a:sp3d contourW="12700"/>
-          </a:bodyPr>
-          <a:lstStyle/>
-          <a:p>
-            <a:r>
-              <a:rPr lang="zh-CN" altLang="en-US" sz="6000" b="1" dirty="0">
-                <a:solidFill>
-                  <a:schemeClr val="tx1"/>
-                </a:solidFill>
-              </a:rPr>
-              <a:t>实践演练</a:t>
-            </a:r>
-            <a:r>
-              <a:rPr lang="en-US" altLang="zh-CN" sz="6000" b="1" dirty="0">
-                <a:solidFill>
-                  <a:schemeClr val="tx1"/>
-                </a:solidFill>
-              </a:rPr>
-              <a:t>2</a:t>
-            </a:r>
-          </a:p>
-        </p:txBody>
-      </p:sp>
-      <p:sp>
-        <p:nvSpPr>
-          <p:cNvPr id="3" name="文本框 2"/>
-          <p:cNvSpPr txBox="1"/>
-          <p:nvPr/>
-        </p:nvSpPr>
-        <p:spPr>
-          <a:xfrm>
-            <a:off x="2929842" y="3562638"/>
-            <a:ext cx="4574892" cy="645160"/>
-          </a:xfrm>
-          <a:prstGeom prst="rect">
-            <a:avLst/>
-          </a:prstGeom>
-          <a:noFill/>
-        </p:spPr>
-        <p:txBody>
-          <a:bodyPr wrap="square">
-            <a:spAutoFit/>
-          </a:bodyPr>
-          <a:lstStyle/>
-          <a:p>
-            <a:pPr marL="742950" lvl="1" indent="-285750">
-              <a:buFont typeface="Arial" panose="020B0604020202020204" pitchFamily="34" charset="0"/>
-              <a:buChar char="•"/>
-            </a:pPr>
-            <a:r>
-              <a:rPr lang="zh-CN" altLang="en-US" dirty="0">
-                <a:solidFill>
-                  <a:schemeClr val="bg2"/>
-                </a:solidFill>
-              </a:rPr>
-              <a:t>模拟页面跳转</a:t>
-            </a:r>
-          </a:p>
-          <a:p>
-            <a:pPr marL="742950" lvl="1" indent="-285750">
-              <a:buFont typeface="Arial" panose="020B0604020202020204" pitchFamily="34" charset="0"/>
-              <a:buChar char="•"/>
-            </a:pPr>
-            <a:r>
-              <a:rPr lang="zh-CN" altLang="en-US" dirty="0">
-                <a:solidFill>
-                  <a:schemeClr val="bg2"/>
-                </a:solidFill>
-              </a:rPr>
-              <a:t>组件复用场景</a:t>
-            </a:r>
-          </a:p>
-        </p:txBody>
-      </p:sp>
+      </p:pic>
     </p:spTree>
+    <p:extLst>
+      <p:ext uri="{BB962C8B-B14F-4D97-AF65-F5344CB8AC3E}">
+        <p14:creationId xmlns:p14="http://schemas.microsoft.com/office/powerpoint/2010/main" val="3769074380"/>
+      </p:ext>
+    </p:extLst>
   </p:cSld>
   <p:clrMapOvr>
     <a:masterClrMapping/>
@@ -2366,14 +3242,45 @@
       </p:grpSpPr>
       <p:sp>
         <p:nvSpPr>
-          <p:cNvPr id="4" name="文本框 3"/>
+          <p:cNvPr id="2" name="标题 1"/>
+          <p:cNvSpPr>
+            <a:spLocks noGrp="1"/>
+          </p:cNvSpPr>
+          <p:nvPr>
+            <p:ph type="title"/>
+          </p:nvPr>
+        </p:nvSpPr>
+        <p:spPr/>
+        <p:txBody>
+          <a:bodyPr/>
+          <a:lstStyle/>
+          <a:p>
+            <a:r>
+              <a:rPr lang="en-US" altLang="zh-CN" dirty="0"/>
+              <a:t>React</a:t>
+            </a:r>
+            <a:r>
+              <a:rPr lang="zh-CN" altLang="en-US" dirty="0"/>
+              <a:t>基础</a:t>
+            </a:r>
+            <a:endParaRPr lang="zh-CN" altLang="en-US" sz="2400" b="1" dirty="0">
+              <a:solidFill>
+                <a:schemeClr val="tx1"/>
+              </a:solidFill>
+            </a:endParaRPr>
+          </a:p>
+        </p:txBody>
+      </p:sp>
+      <p:sp>
+        <p:nvSpPr>
+          <p:cNvPr id="3" name="文本框 2"/>
           <p:cNvSpPr txBox="1"/>
           <p:nvPr/>
         </p:nvSpPr>
         <p:spPr>
           <a:xfrm>
-            <a:off x="1452369" y="2251392"/>
-            <a:ext cx="1773242" cy="1862048"/>
+            <a:off x="451961" y="685165"/>
+            <a:ext cx="7552481" cy="2862322"/>
           </a:xfrm>
           <a:prstGeom prst="rect">
             <a:avLst/>
@@ -2381,226 +3288,127 @@
           <a:noFill/>
         </p:spPr>
         <p:txBody>
-          <a:bodyPr wrap="none" rtlCol="0">
+          <a:bodyPr wrap="square" rtlCol="0">
             <a:spAutoFit/>
           </a:bodyPr>
           <a:lstStyle/>
           <a:p>
-            <a:pPr algn="ctr"/>
-            <a:r>
-              <a:rPr lang="en-US" altLang="zh-CN" sz="11500" dirty="0">
-                <a:solidFill>
-                  <a:srgbClr val="FF9933"/>
-                </a:solidFill>
-                <a:latin typeface="Impact" panose="020B0806030902050204" pitchFamily="34" charset="0"/>
-              </a:rPr>
-              <a:t>06</a:t>
-            </a:r>
-          </a:p>
-        </p:txBody>
-      </p:sp>
-      <p:sp>
-        <p:nvSpPr>
-          <p:cNvPr id="5" name="文本框 4"/>
-          <p:cNvSpPr txBox="1"/>
+            <a:r>
+              <a:rPr lang="en-US" altLang="zh-CN" dirty="0"/>
+              <a:t>6</a:t>
+            </a:r>
+            <a:r>
+              <a:rPr lang="zh-CN" altLang="en-US" dirty="0"/>
+              <a:t>、列表渲染</a:t>
+            </a:r>
+            <a:endParaRPr lang="en-US" altLang="zh-CN" dirty="0"/>
+          </a:p>
+          <a:p>
+            <a:endParaRPr lang="en-US" altLang="zh-CN" dirty="0"/>
+          </a:p>
+          <a:p>
+            <a:r>
+              <a:rPr lang="zh-CN" altLang="en-US" dirty="0"/>
+              <a:t>为了列表的复用和重排，设置 </a:t>
+            </a:r>
+            <a:r>
+              <a:rPr lang="en-US" altLang="zh-CN" dirty="0"/>
+              <a:t>key </a:t>
+            </a:r>
+            <a:r>
+              <a:rPr lang="zh-CN" altLang="en-US" dirty="0"/>
+              <a:t>值</a:t>
+            </a:r>
+            <a:r>
+              <a:rPr lang="en-US" altLang="zh-CN" dirty="0"/>
+              <a:t>[1]</a:t>
+            </a:r>
+            <a:r>
+              <a:rPr lang="zh-CN" altLang="en-US" dirty="0"/>
+              <a:t>，提高性能；理想的 </a:t>
+            </a:r>
+            <a:r>
+              <a:rPr lang="en-US" altLang="zh-CN" dirty="0"/>
+              <a:t>key </a:t>
+            </a:r>
+            <a:r>
+              <a:rPr lang="zh-CN" altLang="en-US" dirty="0"/>
+              <a:t>是 </a:t>
+            </a:r>
+            <a:r>
+              <a:rPr lang="en-US" altLang="zh-CN" dirty="0"/>
+              <a:t>item.id</a:t>
+            </a:r>
+            <a:r>
+              <a:rPr lang="zh-CN" altLang="en-US" dirty="0"/>
+              <a:t>，如果不涉及列表的增加删除重排，可以设置成索引。经常是对一个数组进行</a:t>
+            </a:r>
+            <a:r>
+              <a:rPr lang="en-US" altLang="zh-CN" dirty="0"/>
+              <a:t>map</a:t>
+            </a:r>
+            <a:r>
+              <a:rPr lang="zh-CN" altLang="en-US" dirty="0"/>
+              <a:t>遍历展示</a:t>
+            </a:r>
+            <a:r>
+              <a:rPr lang="en-US" altLang="zh-CN" dirty="0"/>
+              <a:t>JSX</a:t>
+            </a:r>
+          </a:p>
+          <a:p>
+            <a:endParaRPr lang="en-US" altLang="zh-CN" dirty="0"/>
+          </a:p>
+          <a:p>
+            <a:endParaRPr lang="zh-CN" altLang="en-US" dirty="0"/>
+          </a:p>
+          <a:p>
+            <a:endParaRPr lang="en-US" altLang="zh-CN" dirty="0"/>
+          </a:p>
+          <a:p>
+            <a:endParaRPr lang="en-US" altLang="zh-CN" dirty="0"/>
+          </a:p>
+          <a:p>
+            <a:endParaRPr lang="zh-CN" altLang="en-US" dirty="0"/>
+          </a:p>
+        </p:txBody>
+      </p:sp>
+      <p:pic>
+        <p:nvPicPr>
+          <p:cNvPr id="5" name="图片 4">
+            <a:extLst>
+              <a:ext uri="{FF2B5EF4-FFF2-40B4-BE49-F238E27FC236}">
+                <a16:creationId xmlns:a16="http://schemas.microsoft.com/office/drawing/2014/main" id="{66234DAA-8D9D-F1BA-043F-051B727B2535}"/>
+              </a:ext>
+            </a:extLst>
+          </p:cNvPr>
+          <p:cNvPicPr>
+            <a:picLocks noChangeAspect="1"/>
+          </p:cNvPicPr>
           <p:nvPr/>
-        </p:nvSpPr>
+        </p:nvPicPr>
+        <p:blipFill>
+          <a:blip r:embed="rId3"/>
+          <a:stretch>
+            <a:fillRect/>
+          </a:stretch>
+        </p:blipFill>
         <p:spPr>
           <a:xfrm>
-            <a:off x="3225800" y="2160270"/>
-            <a:ext cx="5217160" cy="1753235"/>
+            <a:off x="3908121" y="2010144"/>
+            <a:ext cx="3584743" cy="4678788"/>
           </a:xfrm>
           <a:prstGeom prst="rect">
             <a:avLst/>
           </a:prstGeom>
-          <a:noFill/>
         </p:spPr>
-        <p:txBody>
-          <a:bodyPr wrap="square" rtlCol="0">
-            <a:spAutoFit/>
-            <a:scene3d>
-              <a:camera prst="orthographicFront"/>
-              <a:lightRig rig="threePt" dir="t"/>
-            </a:scene3d>
-            <a:sp3d contourW="12700"/>
-          </a:bodyPr>
-          <a:lstStyle/>
-          <a:p>
-            <a:r>
-              <a:rPr lang="en-US" altLang="zh-CN" sz="5400" b="1" dirty="0" err="1"/>
-              <a:t>Ant</a:t>
-            </a:r>
-            <a:r>
-              <a:rPr lang="en-US" altLang="zh-CN" sz="5400" b="1" dirty="0"/>
-              <a:t> Design &amp; Procomponent</a:t>
-            </a:r>
-            <a:endParaRPr lang="zh-CN" altLang="en-US" sz="5400" b="1" dirty="0">
-              <a:solidFill>
-                <a:schemeClr val="tx1"/>
-              </a:solidFill>
-            </a:endParaRPr>
-          </a:p>
-        </p:txBody>
-      </p:sp>
-      <p:sp>
-        <p:nvSpPr>
-          <p:cNvPr id="2" name="文本框 1"/>
-          <p:cNvSpPr txBox="1"/>
-          <p:nvPr/>
-        </p:nvSpPr>
-        <p:spPr>
-          <a:xfrm>
-            <a:off x="3225941" y="3913801"/>
-            <a:ext cx="5054596" cy="1476375"/>
-          </a:xfrm>
-          <a:prstGeom prst="rect">
-            <a:avLst/>
-          </a:prstGeom>
-          <a:noFill/>
-        </p:spPr>
-        <p:txBody>
-          <a:bodyPr wrap="square">
-            <a:spAutoFit/>
-          </a:bodyPr>
-          <a:lstStyle/>
-          <a:p>
-            <a:pPr marL="742950" lvl="1" indent="-285750">
-              <a:buFont typeface="Arial" panose="020B0604020202020204" pitchFamily="34" charset="0"/>
-              <a:buChar char="•"/>
-            </a:pPr>
-            <a:r>
-              <a:rPr lang="zh-CN" altLang="en-US" dirty="0">
-                <a:solidFill>
-                  <a:schemeClr val="bg2"/>
-                </a:solidFill>
-              </a:rPr>
-              <a:t>文档阅读</a:t>
-            </a:r>
-            <a:endParaRPr lang="en-US" altLang="zh-CN" dirty="0">
-              <a:solidFill>
-                <a:schemeClr val="bg2"/>
-              </a:solidFill>
-            </a:endParaRPr>
-          </a:p>
-          <a:p>
-            <a:pPr marL="742950" lvl="1" indent="-285750">
-              <a:buFont typeface="Arial" panose="020B0604020202020204" pitchFamily="34" charset="0"/>
-              <a:buChar char="•"/>
-            </a:pPr>
-            <a:r>
-              <a:rPr lang="zh-CN" altLang="en-US" dirty="0">
-                <a:solidFill>
-                  <a:schemeClr val="bg2"/>
-                </a:solidFill>
-              </a:rPr>
-              <a:t>介绍常用的蚂蚁组件，实践演练</a:t>
-            </a:r>
-          </a:p>
-          <a:p>
-            <a:pPr marL="742950" lvl="1" indent="-285750">
-              <a:buFont typeface="Arial" panose="020B0604020202020204" pitchFamily="34" charset="0"/>
-              <a:buChar char="•"/>
-            </a:pPr>
-            <a:r>
-              <a:rPr lang="zh-CN" altLang="en-US" dirty="0">
-                <a:solidFill>
-                  <a:schemeClr val="bg2"/>
-                </a:solidFill>
-              </a:rPr>
-              <a:t>修改蚂蚁组件的样式</a:t>
-            </a:r>
-            <a:r>
-              <a:rPr lang="en-US" altLang="zh-CN" dirty="0">
-                <a:solidFill>
-                  <a:schemeClr val="bg2"/>
-                </a:solidFill>
-              </a:rPr>
-              <a:t> </a:t>
-            </a:r>
-            <a:r>
-              <a:rPr lang="zh-CN" altLang="en-US" dirty="0">
-                <a:solidFill>
-                  <a:schemeClr val="bg2"/>
-                </a:solidFill>
-              </a:rPr>
-              <a:t>【挂在</a:t>
-            </a:r>
-            <a:r>
-              <a:rPr lang="en-US" altLang="zh-CN" dirty="0">
-                <a:solidFill>
-                  <a:schemeClr val="bg2"/>
-                </a:solidFill>
-              </a:rPr>
-              <a:t>React.Portal</a:t>
-            </a:r>
-            <a:r>
-              <a:rPr lang="zh-CN" altLang="en-US" dirty="0">
-                <a:solidFill>
-                  <a:schemeClr val="bg2"/>
-                </a:solidFill>
-              </a:rPr>
-              <a:t>的特殊点】</a:t>
-            </a:r>
-            <a:endParaRPr lang="en-US" altLang="zh-CN" dirty="0">
-              <a:solidFill>
-                <a:schemeClr val="bg2"/>
-              </a:solidFill>
-            </a:endParaRPr>
-          </a:p>
-          <a:p>
-            <a:pPr marL="742950" lvl="1" indent="-285750">
-              <a:buFont typeface="Arial" panose="020B0604020202020204" pitchFamily="34" charset="0"/>
-              <a:buChar char="•"/>
-            </a:pPr>
-            <a:r>
-              <a:rPr lang="en-US" altLang="zh-CN" dirty="0" err="1">
-                <a:solidFill>
-                  <a:schemeClr val="bg2"/>
-                </a:solidFill>
-              </a:rPr>
-              <a:t>Antd</a:t>
-            </a:r>
-            <a:r>
-              <a:rPr lang="en-US" altLang="zh-CN" dirty="0">
-                <a:solidFill>
-                  <a:schemeClr val="bg2"/>
-                </a:solidFill>
-              </a:rPr>
-              <a:t> Design</a:t>
-            </a:r>
-            <a:r>
-              <a:rPr lang="zh-CN" altLang="en-US" dirty="0">
-                <a:solidFill>
-                  <a:schemeClr val="bg2"/>
-                </a:solidFill>
-              </a:rPr>
-              <a:t>与</a:t>
-            </a:r>
-            <a:r>
-              <a:rPr lang="en-US" altLang="zh-CN" dirty="0" err="1">
-                <a:solidFill>
-                  <a:schemeClr val="bg2"/>
-                </a:solidFill>
-              </a:rPr>
-              <a:t>ProComponent</a:t>
-            </a:r>
-            <a:r>
-              <a:rPr lang="zh-CN" altLang="en-US" dirty="0">
-                <a:solidFill>
-                  <a:schemeClr val="bg2"/>
-                </a:solidFill>
-              </a:rPr>
-              <a:t>的关系</a:t>
-            </a:r>
-            <a:endParaRPr lang="en-US" altLang="zh-CN" dirty="0">
-              <a:solidFill>
-                <a:schemeClr val="bg2"/>
-              </a:solidFill>
-            </a:endParaRPr>
-          </a:p>
-        </p:txBody>
-      </p:sp>
+      </p:pic>
     </p:spTree>
+    <p:extLst>
+      <p:ext uri="{BB962C8B-B14F-4D97-AF65-F5344CB8AC3E}">
+        <p14:creationId xmlns:p14="http://schemas.microsoft.com/office/powerpoint/2010/main" val="4217619318"/>
+      </p:ext>
+    </p:extLst>
   </p:cSld>
   <p:clrMapOvr>
     <a:masterClrMapping/>
@@ -2627,14 +3435,45 @@
       </p:grpSpPr>
       <p:sp>
         <p:nvSpPr>
-          <p:cNvPr id="4" name="文本框 3"/>
+          <p:cNvPr id="2" name="标题 1"/>
+          <p:cNvSpPr>
+            <a:spLocks noGrp="1"/>
+          </p:cNvSpPr>
+          <p:nvPr>
+            <p:ph type="title"/>
+          </p:nvPr>
+        </p:nvSpPr>
+        <p:spPr/>
+        <p:txBody>
+          <a:bodyPr/>
+          <a:lstStyle/>
+          <a:p>
+            <a:r>
+              <a:rPr lang="en-US" altLang="zh-CN" dirty="0"/>
+              <a:t>React</a:t>
+            </a:r>
+            <a:r>
+              <a:rPr lang="zh-CN" altLang="en-US" dirty="0"/>
+              <a:t>基础</a:t>
+            </a:r>
+            <a:endParaRPr lang="zh-CN" altLang="en-US" sz="2400" b="1" dirty="0">
+              <a:solidFill>
+                <a:schemeClr val="tx1"/>
+              </a:solidFill>
+            </a:endParaRPr>
+          </a:p>
+        </p:txBody>
+      </p:sp>
+      <p:sp>
+        <p:nvSpPr>
+          <p:cNvPr id="3" name="文本框 2"/>
           <p:cNvSpPr txBox="1"/>
           <p:nvPr/>
         </p:nvSpPr>
         <p:spPr>
           <a:xfrm>
-            <a:off x="1562976" y="2251392"/>
-            <a:ext cx="1552028" cy="1862048"/>
+            <a:off x="451961" y="685165"/>
+            <a:ext cx="7552481" cy="2862322"/>
           </a:xfrm>
           <a:prstGeom prst="rect">
             <a:avLst/>
@@ -2642,118 +3481,127 @@
           <a:noFill/>
         </p:spPr>
         <p:txBody>
-          <a:bodyPr wrap="none" rtlCol="0">
+          <a:bodyPr wrap="square" rtlCol="0">
             <a:spAutoFit/>
           </a:bodyPr>
           <a:lstStyle/>
           <a:p>
-            <a:pPr algn="ctr"/>
-            <a:r>
-              <a:rPr lang="en-US" altLang="zh-CN" sz="11500" dirty="0">
-                <a:solidFill>
-                  <a:srgbClr val="FF9933"/>
-                </a:solidFill>
-                <a:latin typeface="Impact" panose="020B0806030902050204" pitchFamily="34" charset="0"/>
-              </a:rPr>
-              <a:t>07</a:t>
-            </a:r>
-          </a:p>
-        </p:txBody>
-      </p:sp>
-      <p:sp>
-        <p:nvSpPr>
-          <p:cNvPr id="5" name="文本框 4"/>
-          <p:cNvSpPr txBox="1"/>
+            <a:r>
+              <a:rPr lang="en-US" altLang="zh-CN" dirty="0"/>
+              <a:t>7</a:t>
+            </a:r>
+            <a:r>
+              <a:rPr lang="zh-CN" altLang="en-US" dirty="0"/>
+              <a:t>、事件绑定</a:t>
+            </a:r>
+            <a:endParaRPr lang="en-US" altLang="zh-CN" dirty="0"/>
+          </a:p>
+          <a:p>
+            <a:endParaRPr lang="en-US" altLang="zh-CN" dirty="0"/>
+          </a:p>
+          <a:p>
+            <a:r>
+              <a:rPr lang="zh-CN" altLang="en-US" dirty="0"/>
+              <a:t>为了列表的复用和重排，设置 </a:t>
+            </a:r>
+            <a:r>
+              <a:rPr lang="en-US" altLang="zh-CN" dirty="0"/>
+              <a:t>key </a:t>
+            </a:r>
+            <a:r>
+              <a:rPr lang="zh-CN" altLang="en-US" dirty="0"/>
+              <a:t>值</a:t>
+            </a:r>
+            <a:r>
+              <a:rPr lang="en-US" altLang="zh-CN" dirty="0"/>
+              <a:t>[1]</a:t>
+            </a:r>
+            <a:r>
+              <a:rPr lang="zh-CN" altLang="en-US" dirty="0"/>
+              <a:t>，提高性能；理想的 </a:t>
+            </a:r>
+            <a:r>
+              <a:rPr lang="en-US" altLang="zh-CN" dirty="0"/>
+              <a:t>key </a:t>
+            </a:r>
+            <a:r>
+              <a:rPr lang="zh-CN" altLang="en-US" dirty="0"/>
+              <a:t>是 </a:t>
+            </a:r>
+            <a:r>
+              <a:rPr lang="en-US" altLang="zh-CN" dirty="0"/>
+              <a:t>item.id</a:t>
+            </a:r>
+            <a:r>
+              <a:rPr lang="zh-CN" altLang="en-US" dirty="0"/>
+              <a:t>，如果不涉及列表的增加删除重排，可以设置成索引。经常是对一个数组进行</a:t>
+            </a:r>
+            <a:r>
+              <a:rPr lang="en-US" altLang="zh-CN" dirty="0"/>
+              <a:t>map</a:t>
+            </a:r>
+            <a:r>
+              <a:rPr lang="zh-CN" altLang="en-US" dirty="0"/>
+              <a:t>遍历展示</a:t>
+            </a:r>
+            <a:r>
+              <a:rPr lang="en-US" altLang="zh-CN" dirty="0"/>
+              <a:t>JSX</a:t>
+            </a:r>
+          </a:p>
+          <a:p>
+            <a:endParaRPr lang="en-US" altLang="zh-CN" dirty="0"/>
+          </a:p>
+          <a:p>
+            <a:endParaRPr lang="zh-CN" altLang="en-US" dirty="0"/>
+          </a:p>
+          <a:p>
+            <a:endParaRPr lang="en-US" altLang="zh-CN" dirty="0"/>
+          </a:p>
+          <a:p>
+            <a:endParaRPr lang="en-US" altLang="zh-CN" dirty="0"/>
+          </a:p>
+          <a:p>
+            <a:endParaRPr lang="zh-CN" altLang="en-US" dirty="0"/>
+          </a:p>
+        </p:txBody>
+      </p:sp>
+      <p:pic>
+        <p:nvPicPr>
+          <p:cNvPr id="5" name="图片 4">
+            <a:extLst>
+              <a:ext uri="{FF2B5EF4-FFF2-40B4-BE49-F238E27FC236}">
+                <a16:creationId xmlns:a16="http://schemas.microsoft.com/office/drawing/2014/main" id="{66234DAA-8D9D-F1BA-043F-051B727B2535}"/>
+              </a:ext>
+            </a:extLst>
+          </p:cNvPr>
+          <p:cNvPicPr>
+            <a:picLocks noChangeAspect="1"/>
+          </p:cNvPicPr>
           <p:nvPr/>
-        </p:nvSpPr>
+        </p:nvPicPr>
+        <p:blipFill>
+          <a:blip r:embed="rId3"/>
+          <a:stretch>
+            <a:fillRect/>
+          </a:stretch>
+        </p:blipFill>
         <p:spPr>
           <a:xfrm>
-            <a:off x="3226435" y="2465070"/>
-            <a:ext cx="4900295" cy="922020"/>
+            <a:off x="3908121" y="2010144"/>
+            <a:ext cx="3584743" cy="4678788"/>
           </a:xfrm>
           <a:prstGeom prst="rect">
             <a:avLst/>
           </a:prstGeom>
-          <a:noFill/>
         </p:spPr>
-        <p:txBody>
-          <a:bodyPr wrap="square" rtlCol="0">
-            <a:spAutoFit/>
-            <a:scene3d>
-              <a:camera prst="orthographicFront"/>
-              <a:lightRig rig="threePt" dir="t"/>
-            </a:scene3d>
-            <a:sp3d contourW="12700"/>
-          </a:bodyPr>
-          <a:lstStyle/>
-          <a:p>
-            <a:r>
-              <a:rPr lang="zh-CN" altLang="en-US" sz="5400" b="1" dirty="0">
-                <a:solidFill>
-                  <a:schemeClr val="tx1"/>
-                </a:solidFill>
-              </a:rPr>
-              <a:t>总结</a:t>
-            </a:r>
-          </a:p>
-        </p:txBody>
-      </p:sp>
-      <p:sp>
-        <p:nvSpPr>
-          <p:cNvPr id="2" name="文本框 1"/>
-          <p:cNvSpPr txBox="1"/>
-          <p:nvPr>
-            <p:custDataLst>
-              <p:tags r:id="rId1"/>
-            </p:custDataLst>
-          </p:nvPr>
-        </p:nvSpPr>
-        <p:spPr>
-          <a:xfrm>
-            <a:off x="3225941" y="3480096"/>
-            <a:ext cx="5054596" cy="645160"/>
-          </a:xfrm>
-          <a:prstGeom prst="rect">
-            <a:avLst/>
-          </a:prstGeom>
-          <a:noFill/>
-        </p:spPr>
-        <p:txBody>
-          <a:bodyPr wrap="square">
-            <a:spAutoFit/>
-          </a:bodyPr>
-          <a:lstStyle/>
-          <a:p>
-            <a:pPr marL="742950" lvl="1" indent="-285750">
-              <a:buFont typeface="Arial" panose="020B0604020202020204" pitchFamily="34" charset="0"/>
-              <a:buChar char="•"/>
-            </a:pPr>
-            <a:r>
-              <a:rPr lang="zh-CN" dirty="0">
-                <a:solidFill>
-                  <a:schemeClr val="bg2"/>
-                </a:solidFill>
-              </a:rPr>
-              <a:t>开发规范</a:t>
-            </a:r>
-          </a:p>
-          <a:p>
-            <a:pPr marL="742950" lvl="1" indent="-285750">
-              <a:buFont typeface="Arial" panose="020B0604020202020204" pitchFamily="34" charset="0"/>
-              <a:buChar char="•"/>
-            </a:pPr>
-            <a:r>
-              <a:rPr lang="zh-CN" dirty="0">
-                <a:solidFill>
-                  <a:schemeClr val="bg2"/>
-                </a:solidFill>
-              </a:rPr>
-              <a:t>学习资源推荐</a:t>
-            </a:r>
-          </a:p>
-        </p:txBody>
-      </p:sp>
+      </p:pic>
     </p:spTree>
+    <p:extLst>
+      <p:ext uri="{BB962C8B-B14F-4D97-AF65-F5344CB8AC3E}">
+        <p14:creationId xmlns:p14="http://schemas.microsoft.com/office/powerpoint/2010/main" val="3645203355"/>
+      </p:ext>
+    </p:extLst>
   </p:cSld>
   <p:clrMapOvr>
     <a:masterClrMapping/>
@@ -2780,45 +3628,14 @@
       </p:grpSpPr>
       <p:sp>
         <p:nvSpPr>
-          <p:cNvPr id="2" name="标题 1"/>
-          <p:cNvSpPr>
-            <a:spLocks noGrp="1"/>
-          </p:cNvSpPr>
-          <p:nvPr>
-            <p:ph type="title"/>
-          </p:nvPr>
-        </p:nvSpPr>
-        <p:spPr/>
-        <p:txBody>
-          <a:bodyPr/>
-          <a:lstStyle/>
-          <a:p>
-            <a:r>
-              <a:rPr lang="en-US" altLang="zh-CN" dirty="0"/>
-              <a:t>React</a:t>
-            </a:r>
-            <a:r>
-              <a:rPr lang="zh-CN" altLang="en-US" dirty="0"/>
-              <a:t>基础</a:t>
-            </a:r>
-            <a:endParaRPr lang="zh-CN" altLang="en-US" sz="2400" b="1" dirty="0">
-              <a:solidFill>
-                <a:schemeClr val="tx1"/>
-              </a:solidFill>
-            </a:endParaRPr>
-          </a:p>
-        </p:txBody>
-      </p:sp>
-      <p:sp>
-        <p:nvSpPr>
-          <p:cNvPr id="3" name="文本框 2"/>
+          <p:cNvPr id="4" name="文本框 3"/>
           <p:cNvSpPr txBox="1"/>
           <p:nvPr/>
         </p:nvSpPr>
         <p:spPr>
           <a:xfrm>
-            <a:off x="515073" y="685165"/>
-            <a:ext cx="7552481" cy="1754326"/>
+            <a:off x="1460384" y="2251392"/>
+            <a:ext cx="1757212" cy="1862048"/>
           </a:xfrm>
           <a:prstGeom prst="rect">
             <a:avLst/>
@@ -2826,114 +3643,121 @@
           <a:noFill/>
         </p:spPr>
         <p:txBody>
+          <a:bodyPr wrap="none" rtlCol="0">
+            <a:spAutoFit/>
+          </a:bodyPr>
+          <a:lstStyle/>
+          <a:p>
+            <a:pPr algn="ctr"/>
+            <a:r>
+              <a:rPr lang="en-US" altLang="zh-CN" sz="11500" dirty="0">
+                <a:solidFill>
+                  <a:srgbClr val="FF9933"/>
+                </a:solidFill>
+                <a:latin typeface="Impact" panose="020B0806030902050204" pitchFamily="34" charset="0"/>
+              </a:rPr>
+              <a:t>03</a:t>
+            </a:r>
+          </a:p>
+        </p:txBody>
+      </p:sp>
+      <p:sp>
+        <p:nvSpPr>
+          <p:cNvPr id="5" name="文本框 4"/>
+          <p:cNvSpPr txBox="1"/>
+          <p:nvPr/>
+        </p:nvSpPr>
+        <p:spPr>
+          <a:xfrm>
+            <a:off x="3226435" y="2465070"/>
+            <a:ext cx="4900295" cy="922020"/>
+          </a:xfrm>
+          <a:prstGeom prst="rect">
+            <a:avLst/>
+          </a:prstGeom>
+          <a:noFill/>
+        </p:spPr>
+        <p:txBody>
+          <a:bodyPr wrap="square" rtlCol="0">
+            <a:spAutoFit/>
+            <a:scene3d>
+              <a:camera prst="orthographicFront"/>
+              <a:lightRig rig="threePt" dir="t"/>
+            </a:scene3d>
+            <a:sp3d contourW="12700"/>
+          </a:bodyPr>
+          <a:lstStyle/>
+          <a:p>
+            <a:r>
+              <a:rPr lang="zh-CN" altLang="en-US" sz="5400" b="1" dirty="0">
+                <a:solidFill>
+                  <a:schemeClr val="tx1"/>
+                </a:solidFill>
+              </a:rPr>
+              <a:t>实践演练</a:t>
+            </a:r>
+            <a:r>
+              <a:rPr lang="en-US" altLang="zh-CN" sz="5400" b="1" dirty="0">
+                <a:solidFill>
+                  <a:schemeClr val="tx1"/>
+                </a:solidFill>
+              </a:rPr>
+              <a:t>1</a:t>
+            </a:r>
+          </a:p>
+        </p:txBody>
+      </p:sp>
+      <p:sp>
+        <p:nvSpPr>
+          <p:cNvPr id="2" name="文本框 1"/>
+          <p:cNvSpPr txBox="1"/>
+          <p:nvPr/>
+        </p:nvSpPr>
+        <p:spPr>
+          <a:xfrm>
+            <a:off x="3287210" y="3429000"/>
+            <a:ext cx="4595150" cy="337185"/>
+          </a:xfrm>
+          <a:prstGeom prst="rect">
+            <a:avLst/>
+          </a:prstGeom>
+          <a:noFill/>
+        </p:spPr>
+        <p:txBody>
           <a:bodyPr wrap="square" rtlCol="0">
             <a:spAutoFit/>
           </a:bodyPr>
           <a:lstStyle/>
           <a:p>
-            <a:r>
-              <a:rPr lang="en-US" altLang="zh-CN" dirty="0"/>
-              <a:t>1</a:t>
-            </a:r>
-            <a:r>
-              <a:rPr lang="zh-CN" altLang="en-US" dirty="0"/>
-              <a:t>、</a:t>
-            </a:r>
-            <a:r>
-              <a:rPr lang="en-US" altLang="zh-CN" dirty="0"/>
-              <a:t>React</a:t>
-            </a:r>
-            <a:r>
-              <a:rPr lang="zh-CN" altLang="en-US" dirty="0"/>
-              <a:t>起源与发展</a:t>
-            </a:r>
-            <a:endParaRPr lang="en-US" altLang="zh-CN" dirty="0"/>
-          </a:p>
-          <a:p>
-            <a:r>
-              <a:rPr lang="en-US" altLang="zh-CN" b="1" i="0" dirty="0">
-                <a:effectLst/>
+            <a:pPr marL="285750" indent="-285750">
+              <a:buFont typeface="Arial" panose="020B0604020202020204" pitchFamily="34" charset="0"/>
+              <a:buChar char="•"/>
+            </a:pPr>
+            <a:r>
+              <a:rPr lang="en-US" altLang="zh-CN" sz="1600" dirty="0">
+                <a:solidFill>
+                  <a:schemeClr val="bg2"/>
+                </a:solidFill>
               </a:rPr>
-              <a:t>      </a:t>
-            </a:r>
-            <a:r>
-              <a:rPr lang="en-US" altLang="zh-CN" dirty="0"/>
-              <a:t>2013 </a:t>
-            </a:r>
-            <a:r>
-              <a:rPr lang="zh-CN" altLang="en-US" dirty="0"/>
-              <a:t>年 </a:t>
-            </a:r>
-            <a:r>
-              <a:rPr lang="en-US" altLang="zh-CN" dirty="0"/>
-              <a:t>5 </a:t>
-            </a:r>
-            <a:r>
-              <a:rPr lang="zh-CN" altLang="en-US" dirty="0"/>
-              <a:t>月起源于 </a:t>
-            </a:r>
-            <a:r>
-              <a:rPr lang="en-US" altLang="zh-CN" dirty="0"/>
-              <a:t>Facebook </a:t>
-            </a:r>
-            <a:r>
-              <a:rPr lang="zh-CN" altLang="en-US" dirty="0"/>
-              <a:t>的内部项目</a:t>
-            </a:r>
-          </a:p>
-          <a:p>
-            <a:endParaRPr lang="en-US" altLang="zh-CN" dirty="0"/>
-          </a:p>
-          <a:p>
-            <a:r>
-              <a:rPr lang="en-US" altLang="zh-CN" dirty="0"/>
-              <a:t>2</a:t>
-            </a:r>
-            <a:r>
-              <a:rPr lang="zh-CN" altLang="en-US" dirty="0"/>
-              <a:t>、学习资源</a:t>
-            </a:r>
-            <a:endParaRPr lang="en-US" altLang="zh-CN" dirty="0"/>
-          </a:p>
-          <a:p>
-            <a:r>
-              <a:rPr lang="en-US" altLang="zh-CN" dirty="0"/>
-              <a:t>  react</a:t>
-            </a:r>
-            <a:r>
-              <a:rPr lang="zh-CN" altLang="en-US" dirty="0"/>
-              <a:t>中文网：</a:t>
-            </a:r>
-            <a:r>
-              <a:rPr lang="en-US" altLang="zh-CN" dirty="0">
-                <a:hlinkClick r:id="rId2"/>
+              <a:t>TodoList</a:t>
+            </a:r>
+            <a:r>
+              <a:rPr lang="zh-CN" altLang="en-US" sz="1600" dirty="0">
+                <a:solidFill>
+                  <a:schemeClr val="bg2"/>
+                </a:solidFill>
               </a:rPr>
-              <a:t>https://react.docschina.org/learn#updating-the-screen</a:t>
-            </a:r>
-            <a:endParaRPr lang="en-US" altLang="zh-CN" dirty="0"/>
-          </a:p>
-          <a:p>
-            <a:r>
-              <a:rPr lang="en-US" altLang="zh-CN" dirty="0"/>
-              <a:t>  Hooks</a:t>
-            </a:r>
-            <a:r>
-              <a:rPr lang="zh-CN" altLang="en-US" dirty="0"/>
-              <a:t>：</a:t>
-            </a:r>
-            <a:r>
-              <a:rPr lang="en-US" altLang="zh-CN" dirty="0"/>
-              <a:t>https://react.docschina.org/reference/react/hooks</a:t>
-            </a:r>
+              <a:t>案例 </a:t>
+            </a:r>
+            <a:endParaRPr lang="en-US" altLang="zh-CN" sz="1600" dirty="0">
+              <a:solidFill>
+                <a:schemeClr val="bg2"/>
+              </a:solidFill>
+            </a:endParaRPr>
           </a:p>
         </p:txBody>
       </p:sp>
     </p:spTree>
-    <p:extLst>
-      <p:ext uri="{BB962C8B-B14F-4D97-AF65-F5344CB8AC3E}">
-        <p14:creationId xmlns:p14="http://schemas.microsoft.com/office/powerpoint/2010/main" val="3408414575"/>
-      </p:ext>
-    </p:extLst>
   </p:cSld>
   <p:clrMapOvr>
     <a:masterClrMapping/>
@@ -2966,8 +3790,8 @@
         </p:nvSpPr>
         <p:spPr>
           <a:xfrm>
-            <a:off x="1457178" y="2251392"/>
-            <a:ext cx="1763624" cy="1862048"/>
+            <a:off x="1482826" y="2251392"/>
+            <a:ext cx="1712328" cy="1862048"/>
           </a:xfrm>
           <a:prstGeom prst="rect">
             <a:avLst/>
@@ -2988,7 +3812,7 @@
                 </a:solidFill>
                 <a:latin typeface="Impact" panose="020B0806030902050204" pitchFamily="34" charset="0"/>
               </a:rPr>
-              <a:t>08</a:t>
+              <a:t>04</a:t>
             </a:r>
           </a:p>
         </p:txBody>
@@ -3002,7 +3826,7 @@
         <p:spPr>
           <a:xfrm>
             <a:off x="3226435" y="2465070"/>
-            <a:ext cx="4900295" cy="1014730"/>
+            <a:ext cx="4943475" cy="922020"/>
           </a:xfrm>
           <a:prstGeom prst="rect">
             <a:avLst/>
@@ -3021,13 +3845,97 @@
           <a:lstStyle/>
           <a:p>
             <a:r>
-              <a:rPr lang="zh-CN" altLang="en-US" sz="6000" b="1" dirty="0">
+              <a:rPr lang="en-US" altLang="zh-CN" sz="5400" b="1" dirty="0">
                 <a:solidFill>
                   <a:schemeClr val="tx1"/>
                 </a:solidFill>
               </a:rPr>
-              <a:t>答疑</a:t>
-            </a:r>
+              <a:t>React</a:t>
+            </a:r>
+            <a:r>
+              <a:rPr lang="zh-CN" altLang="en-US" sz="5400" b="1" dirty="0">
+                <a:solidFill>
+                  <a:schemeClr val="tx1"/>
+                </a:solidFill>
+              </a:rPr>
+              <a:t>进阶</a:t>
+            </a:r>
+          </a:p>
+        </p:txBody>
+      </p:sp>
+      <p:sp>
+        <p:nvSpPr>
+          <p:cNvPr id="2" name="文本框 1"/>
+          <p:cNvSpPr txBox="1"/>
+          <p:nvPr/>
+        </p:nvSpPr>
+        <p:spPr>
+          <a:xfrm>
+            <a:off x="2957331" y="3429000"/>
+            <a:ext cx="4595150" cy="1076325"/>
+          </a:xfrm>
+          <a:prstGeom prst="rect">
+            <a:avLst/>
+          </a:prstGeom>
+          <a:noFill/>
+        </p:spPr>
+        <p:txBody>
+          <a:bodyPr wrap="square" rtlCol="0">
+            <a:spAutoFit/>
+          </a:bodyPr>
+          <a:lstStyle/>
+          <a:p>
+            <a:pPr marL="742950" lvl="1" indent="-285750">
+              <a:buFont typeface="Arial" panose="020B0604020202020204" pitchFamily="34" charset="0"/>
+              <a:buChar char="•"/>
+            </a:pPr>
+            <a:r>
+              <a:rPr lang="zh-CN" sz="1600" dirty="0">
+                <a:solidFill>
+                  <a:schemeClr val="bg2"/>
+                </a:solidFill>
+              </a:rPr>
+              <a:t>组件化开发</a:t>
+            </a:r>
+          </a:p>
+          <a:p>
+            <a:pPr marL="742950" lvl="1" indent="-285750">
+              <a:buFont typeface="Arial" panose="020B0604020202020204" pitchFamily="34" charset="0"/>
+              <a:buChar char="•"/>
+            </a:pPr>
+            <a:r>
+              <a:rPr lang="zh-CN" sz="1600" dirty="0">
+                <a:solidFill>
+                  <a:schemeClr val="bg2"/>
+                </a:solidFill>
+              </a:rPr>
+              <a:t>组件通信方式</a:t>
+            </a:r>
+          </a:p>
+          <a:p>
+            <a:pPr marL="742950" lvl="1" indent="-285750">
+              <a:buFont typeface="Arial" panose="020B0604020202020204" pitchFamily="34" charset="0"/>
+              <a:buChar char="•"/>
+            </a:pPr>
+            <a:r>
+              <a:rPr lang="zh-CN" sz="1600" dirty="0">
+                <a:solidFill>
+                  <a:schemeClr val="bg2"/>
+                </a:solidFill>
+              </a:rPr>
+              <a:t>路由</a:t>
+            </a:r>
+          </a:p>
+          <a:p>
+            <a:pPr marL="742950" lvl="1" indent="-285750">
+              <a:buFont typeface="Arial" panose="020B0604020202020204" pitchFamily="34" charset="0"/>
+              <a:buChar char="•"/>
+            </a:pPr>
+            <a:endParaRPr lang="en-US" altLang="zh-CN" sz="1600" dirty="0">
+              <a:solidFill>
+                <a:schemeClr val="bg2"/>
+              </a:solidFill>
+            </a:endParaRPr>
           </a:p>
         </p:txBody>
       </p:sp>
@@ -3056,163 +3964,16 @@
           <a:chExt cx="0" cy="0"/>
         </a:xfrm>
       </p:grpSpPr>
-      <p:pic>
-        <p:nvPicPr>
-          <p:cNvPr id="11" name="图片 10" descr="6"/>
-          <p:cNvPicPr>
-            <a:picLocks noChangeAspect="1"/>
-          </p:cNvPicPr>
+      <p:sp>
+        <p:nvSpPr>
+          <p:cNvPr id="4" name="文本框 3"/>
+          <p:cNvSpPr txBox="1"/>
           <p:nvPr/>
-        </p:nvPicPr>
-        <p:blipFill>
-          <a:blip r:embed="rId3">
-            <a:grayscl/>
-          </a:blip>
-          <a:srcRect l="18807" t="10567"/>
-          <a:stretch>
-            <a:fillRect/>
-          </a:stretch>
-        </p:blipFill>
+        </p:nvSpPr>
         <p:spPr>
           <a:xfrm>
-            <a:off x="-76200" y="-10795"/>
-            <a:ext cx="9493250" cy="6971665"/>
-          </a:xfrm>
-          <a:prstGeom prst="rect">
-            <a:avLst/>
-          </a:prstGeom>
-        </p:spPr>
-      </p:pic>
-      <p:sp>
-        <p:nvSpPr>
-          <p:cNvPr id="6" name="矩形 5"/>
-          <p:cNvSpPr/>
-          <p:nvPr/>
-        </p:nvSpPr>
-        <p:spPr>
-          <a:xfrm>
-            <a:off x="-123825" y="-59690"/>
-            <a:ext cx="9582150" cy="7132320"/>
-          </a:xfrm>
-          <a:prstGeom prst="rect">
-            <a:avLst/>
-          </a:prstGeom>
-          <a:solidFill>
-            <a:schemeClr val="tx1">
-              <a:lumMod val="65000"/>
-              <a:lumOff val="35000"/>
-              <a:alpha val="78000"/>
-            </a:schemeClr>
-          </a:solidFill>
-          <a:ln>
-            <a:noFill/>
-          </a:ln>
-        </p:spPr>
-        <p:style>
-          <a:lnRef idx="2">
-            <a:schemeClr val="accent1">
-              <a:shade val="50000"/>
-            </a:schemeClr>
-          </a:lnRef>
-          <a:fillRef idx="1">
-            <a:schemeClr val="accent1"/>
-          </a:fillRef>
-          <a:effectRef idx="0">
-            <a:schemeClr val="accent1"/>
-          </a:effectRef>
-          <a:fontRef idx="minor">
-            <a:schemeClr val="lt1"/>
-          </a:fontRef>
-        </p:style>
-        <p:txBody>
-          <a:bodyPr rtlCol="0" anchor="ctr"/>
-          <a:lstStyle/>
-          <a:p>
-            <a:pPr algn="ctr"/>
-            <a:endParaRPr lang="zh-CN" altLang="en-US"/>
-          </a:p>
-        </p:txBody>
-      </p:sp>
-      <p:pic>
-        <p:nvPicPr>
-          <p:cNvPr id="7" name="图片 6" descr="PPT尾页"/>
-          <p:cNvPicPr>
-            <a:picLocks noChangeAspect="1"/>
-          </p:cNvPicPr>
-          <p:nvPr/>
-        </p:nvPicPr>
-        <p:blipFill>
-          <a:blip r:embed="rId4"/>
-          <a:stretch>
-            <a:fillRect/>
-          </a:stretch>
-        </p:blipFill>
-        <p:spPr>
-          <a:xfrm>
-            <a:off x="3143250" y="3968115"/>
-            <a:ext cx="5471160" cy="1463040"/>
-          </a:xfrm>
-          <a:prstGeom prst="rect">
-            <a:avLst/>
-          </a:prstGeom>
-        </p:spPr>
-      </p:pic>
-      <p:sp>
-        <p:nvSpPr>
-          <p:cNvPr id="8" name="矩形 7"/>
-          <p:cNvSpPr/>
-          <p:nvPr/>
-        </p:nvSpPr>
-        <p:spPr>
-          <a:xfrm>
-            <a:off x="-247015" y="1267460"/>
-            <a:ext cx="4175760" cy="1167765"/>
-          </a:xfrm>
-          <a:prstGeom prst="rect">
-            <a:avLst/>
-          </a:prstGeom>
-          <a:solidFill>
-            <a:srgbClr val="FF9935"/>
-          </a:solidFill>
-          <a:ln>
-            <a:noFill/>
-          </a:ln>
-        </p:spPr>
-        <p:style>
-          <a:lnRef idx="2">
-            <a:schemeClr val="accent1">
-              <a:shade val="50000"/>
-            </a:schemeClr>
-          </a:lnRef>
-          <a:fillRef idx="1">
-            <a:schemeClr val="accent1"/>
-          </a:fillRef>
-          <a:effectRef idx="0">
-            <a:schemeClr val="accent1"/>
-          </a:effectRef>
-          <a:fontRef idx="minor">
-            <a:schemeClr val="lt1"/>
-          </a:fontRef>
-        </p:style>
-        <p:txBody>
-          <a:bodyPr rtlCol="0" anchor="ctr"/>
-          <a:lstStyle/>
-          <a:p>
-            <a:pPr algn="ctr"/>
-            <a:endParaRPr lang="zh-CN" altLang="en-US"/>
-          </a:p>
-        </p:txBody>
-      </p:sp>
-      <p:sp>
-        <p:nvSpPr>
-          <p:cNvPr id="10" name="文本框 9"/>
-          <p:cNvSpPr txBox="1"/>
-          <p:nvPr/>
-        </p:nvSpPr>
-        <p:spPr>
-          <a:xfrm>
-            <a:off x="514985" y="1403350"/>
-            <a:ext cx="3230880" cy="922020"/>
+            <a:off x="1455575" y="2251392"/>
+            <a:ext cx="1766830" cy="1862048"/>
           </a:xfrm>
           <a:prstGeom prst="rect">
             <a:avLst/>
@@ -3225,22 +3986,711 @@
           </a:bodyPr>
           <a:lstStyle/>
           <a:p>
-            <a:pPr algn="dist"/>
-            <a:r>
-              <a:rPr lang="en-US" altLang="zh-CN" sz="5400" b="1">
+            <a:pPr algn="ctr"/>
+            <a:r>
+              <a:rPr lang="en-US" altLang="zh-CN" sz="11500" dirty="0">
                 <a:solidFill>
-                  <a:schemeClr val="bg1"/>
+                  <a:srgbClr val="FF9933"/>
+                </a:solidFill>
+                <a:latin typeface="Impact" panose="020B0806030902050204" pitchFamily="34" charset="0"/>
+              </a:rPr>
+              <a:t>05</a:t>
+            </a:r>
+          </a:p>
+        </p:txBody>
+      </p:sp>
+      <p:sp>
+        <p:nvSpPr>
+          <p:cNvPr id="5" name="文本框 4"/>
+          <p:cNvSpPr txBox="1"/>
+          <p:nvPr/>
+        </p:nvSpPr>
+        <p:spPr>
+          <a:xfrm>
+            <a:off x="3226435" y="2465070"/>
+            <a:ext cx="4900295" cy="1014730"/>
+          </a:xfrm>
+          <a:prstGeom prst="rect">
+            <a:avLst/>
+          </a:prstGeom>
+          <a:noFill/>
+        </p:spPr>
+        <p:txBody>
+          <a:bodyPr wrap="square" rtlCol="0">
+            <a:spAutoFit/>
+            <a:scene3d>
+              <a:camera prst="orthographicFront"/>
+              <a:lightRig rig="threePt" dir="t"/>
+            </a:scene3d>
+            <a:sp3d contourW="12700"/>
+          </a:bodyPr>
+          <a:lstStyle/>
+          <a:p>
+            <a:r>
+              <a:rPr lang="zh-CN" altLang="en-US" sz="6000" b="1" dirty="0">
+                <a:solidFill>
+                  <a:schemeClr val="tx1"/>
                 </a:solidFill>
               </a:rPr>
-              <a:t>THANKS.</a:t>
+              <a:t>实践演练</a:t>
+            </a:r>
+            <a:r>
+              <a:rPr lang="en-US" altLang="zh-CN" sz="6000" b="1" dirty="0">
+                <a:solidFill>
+                  <a:schemeClr val="tx1"/>
+                </a:solidFill>
+              </a:rPr>
+              <a:t>2</a:t>
+            </a:r>
+          </a:p>
+        </p:txBody>
+      </p:sp>
+      <p:sp>
+        <p:nvSpPr>
+          <p:cNvPr id="3" name="文本框 2"/>
+          <p:cNvSpPr txBox="1"/>
+          <p:nvPr/>
+        </p:nvSpPr>
+        <p:spPr>
+          <a:xfrm>
+            <a:off x="2929842" y="3562638"/>
+            <a:ext cx="4574892" cy="645160"/>
+          </a:xfrm>
+          <a:prstGeom prst="rect">
+            <a:avLst/>
+          </a:prstGeom>
+          <a:noFill/>
+        </p:spPr>
+        <p:txBody>
+          <a:bodyPr wrap="square">
+            <a:spAutoFit/>
+          </a:bodyPr>
+          <a:lstStyle/>
+          <a:p>
+            <a:pPr marL="742950" lvl="1" indent="-285750">
+              <a:buFont typeface="Arial" panose="020B0604020202020204" pitchFamily="34" charset="0"/>
+              <a:buChar char="•"/>
+            </a:pPr>
+            <a:r>
+              <a:rPr lang="zh-CN" altLang="en-US" dirty="0">
+                <a:solidFill>
+                  <a:schemeClr val="bg2"/>
+                </a:solidFill>
+              </a:rPr>
+              <a:t>模拟页面跳转</a:t>
+            </a:r>
+          </a:p>
+          <a:p>
+            <a:pPr marL="742950" lvl="1" indent="-285750">
+              <a:buFont typeface="Arial" panose="020B0604020202020204" pitchFamily="34" charset="0"/>
+              <a:buChar char="•"/>
+            </a:pPr>
+            <a:r>
+              <a:rPr lang="zh-CN" altLang="en-US" dirty="0">
+                <a:solidFill>
+                  <a:schemeClr val="bg2"/>
+                </a:solidFill>
+              </a:rPr>
+              <a:t>组件复用场景</a:t>
             </a:r>
           </a:p>
         </p:txBody>
       </p:sp>
     </p:spTree>
-    <p:custDataLst>
-      <p:tags r:id="rId1"/>
-    </p:custDataLst>
+  </p:cSld>
+  <p:clrMapOvr>
+    <a:masterClrMapping/>
+  </p:clrMapOvr>
+</p:sld>
+</file>
+
+<file path=ppt/slides/slide17.xml><?xml version="1.0" encoding="utf-8"?>
+<p:sld xmlns:a="http://schemas.openxmlformats.org/drawingml/2006/main" xmlns:r="http://schemas.openxmlformats.org/officeDocument/2006/relationships" xmlns:p="http://schemas.openxmlformats.org/presentationml/2006/main">
+  <p:cSld>
+    <p:spTree>
+      <p:nvGrpSpPr>
+        <p:cNvPr id="1" name=""/>
+        <p:cNvGrpSpPr/>
+        <p:nvPr/>
+      </p:nvGrpSpPr>
+      <p:grpSpPr>
+        <a:xfrm>
+          <a:off x="0" y="0"/>
+          <a:ext cx="0" cy="0"/>
+          <a:chOff x="0" y="0"/>
+          <a:chExt cx="0" cy="0"/>
+        </a:xfrm>
+      </p:grpSpPr>
+      <p:sp>
+        <p:nvSpPr>
+          <p:cNvPr id="4" name="文本框 3"/>
+          <p:cNvSpPr txBox="1"/>
+          <p:nvPr/>
+        </p:nvSpPr>
+        <p:spPr>
+          <a:xfrm>
+            <a:off x="1452369" y="2251392"/>
+            <a:ext cx="1773242" cy="1862048"/>
+          </a:xfrm>
+          <a:prstGeom prst="rect">
+            <a:avLst/>
+          </a:prstGeom>
+          <a:noFill/>
+        </p:spPr>
+        <p:txBody>
+          <a:bodyPr wrap="none" rtlCol="0">
+            <a:spAutoFit/>
+          </a:bodyPr>
+          <a:lstStyle/>
+          <a:p>
+            <a:pPr algn="ctr"/>
+            <a:r>
+              <a:rPr lang="en-US" altLang="zh-CN" sz="11500" dirty="0">
+                <a:solidFill>
+                  <a:srgbClr val="FF9933"/>
+                </a:solidFill>
+                <a:latin typeface="Impact" panose="020B0806030902050204" pitchFamily="34" charset="0"/>
+              </a:rPr>
+              <a:t>06</a:t>
+            </a:r>
+          </a:p>
+        </p:txBody>
+      </p:sp>
+      <p:sp>
+        <p:nvSpPr>
+          <p:cNvPr id="5" name="文本框 4"/>
+          <p:cNvSpPr txBox="1"/>
+          <p:nvPr/>
+        </p:nvSpPr>
+        <p:spPr>
+          <a:xfrm>
+            <a:off x="3225800" y="2160270"/>
+            <a:ext cx="5217160" cy="1753235"/>
+          </a:xfrm>
+          <a:prstGeom prst="rect">
+            <a:avLst/>
+          </a:prstGeom>
+          <a:noFill/>
+        </p:spPr>
+        <p:txBody>
+          <a:bodyPr wrap="square" rtlCol="0">
+            <a:spAutoFit/>
+            <a:scene3d>
+              <a:camera prst="orthographicFront"/>
+              <a:lightRig rig="threePt" dir="t"/>
+            </a:scene3d>
+            <a:sp3d contourW="12700"/>
+          </a:bodyPr>
+          <a:lstStyle/>
+          <a:p>
+            <a:r>
+              <a:rPr lang="en-US" altLang="zh-CN" sz="5400" b="1" dirty="0" err="1"/>
+              <a:t>Ant</a:t>
+            </a:r>
+            <a:r>
+              <a:rPr lang="en-US" altLang="zh-CN" sz="5400" b="1" dirty="0"/>
+              <a:t> Design &amp; Procomponent</a:t>
+            </a:r>
+            <a:endParaRPr lang="zh-CN" altLang="en-US" sz="5400" b="1" dirty="0">
+              <a:solidFill>
+                <a:schemeClr val="tx1"/>
+              </a:solidFill>
+            </a:endParaRPr>
+          </a:p>
+        </p:txBody>
+      </p:sp>
+      <p:sp>
+        <p:nvSpPr>
+          <p:cNvPr id="2" name="文本框 1"/>
+          <p:cNvSpPr txBox="1"/>
+          <p:nvPr/>
+        </p:nvSpPr>
+        <p:spPr>
+          <a:xfrm>
+            <a:off x="3225941" y="3913801"/>
+            <a:ext cx="5054596" cy="1476375"/>
+          </a:xfrm>
+          <a:prstGeom prst="rect">
+            <a:avLst/>
+          </a:prstGeom>
+          <a:noFill/>
+        </p:spPr>
+        <p:txBody>
+          <a:bodyPr wrap="square">
+            <a:spAutoFit/>
+          </a:bodyPr>
+          <a:lstStyle/>
+          <a:p>
+            <a:pPr marL="742950" lvl="1" indent="-285750">
+              <a:buFont typeface="Arial" panose="020B0604020202020204" pitchFamily="34" charset="0"/>
+              <a:buChar char="•"/>
+            </a:pPr>
+            <a:r>
+              <a:rPr lang="zh-CN" altLang="en-US" dirty="0">
+                <a:solidFill>
+                  <a:schemeClr val="bg2"/>
+                </a:solidFill>
+              </a:rPr>
+              <a:t>文档阅读</a:t>
+            </a:r>
+            <a:endParaRPr lang="en-US" altLang="zh-CN" dirty="0">
+              <a:solidFill>
+                <a:schemeClr val="bg2"/>
+              </a:solidFill>
+            </a:endParaRPr>
+          </a:p>
+          <a:p>
+            <a:pPr marL="742950" lvl="1" indent="-285750">
+              <a:buFont typeface="Arial" panose="020B0604020202020204" pitchFamily="34" charset="0"/>
+              <a:buChar char="•"/>
+            </a:pPr>
+            <a:r>
+              <a:rPr lang="zh-CN" altLang="en-US" dirty="0">
+                <a:solidFill>
+                  <a:schemeClr val="bg2"/>
+                </a:solidFill>
+              </a:rPr>
+              <a:t>介绍常用的蚂蚁组件，实践演练</a:t>
+            </a:r>
+          </a:p>
+          <a:p>
+            <a:pPr marL="742950" lvl="1" indent="-285750">
+              <a:buFont typeface="Arial" panose="020B0604020202020204" pitchFamily="34" charset="0"/>
+              <a:buChar char="•"/>
+            </a:pPr>
+            <a:r>
+              <a:rPr lang="zh-CN" altLang="en-US" dirty="0">
+                <a:solidFill>
+                  <a:schemeClr val="bg2"/>
+                </a:solidFill>
+              </a:rPr>
+              <a:t>修改蚂蚁组件的样式</a:t>
+            </a:r>
+            <a:r>
+              <a:rPr lang="en-US" altLang="zh-CN" dirty="0">
+                <a:solidFill>
+                  <a:schemeClr val="bg2"/>
+                </a:solidFill>
+              </a:rPr>
+              <a:t> </a:t>
+            </a:r>
+            <a:r>
+              <a:rPr lang="zh-CN" altLang="en-US" dirty="0">
+                <a:solidFill>
+                  <a:schemeClr val="bg2"/>
+                </a:solidFill>
+              </a:rPr>
+              <a:t>【挂在</a:t>
+            </a:r>
+            <a:r>
+              <a:rPr lang="en-US" altLang="zh-CN" dirty="0">
+                <a:solidFill>
+                  <a:schemeClr val="bg2"/>
+                </a:solidFill>
+              </a:rPr>
+              <a:t>React.Portal</a:t>
+            </a:r>
+            <a:r>
+              <a:rPr lang="zh-CN" altLang="en-US" dirty="0">
+                <a:solidFill>
+                  <a:schemeClr val="bg2"/>
+                </a:solidFill>
+              </a:rPr>
+              <a:t>的特殊点】</a:t>
+            </a:r>
+            <a:endParaRPr lang="en-US" altLang="zh-CN" dirty="0">
+              <a:solidFill>
+                <a:schemeClr val="bg2"/>
+              </a:solidFill>
+            </a:endParaRPr>
+          </a:p>
+          <a:p>
+            <a:pPr marL="742950" lvl="1" indent="-285750">
+              <a:buFont typeface="Arial" panose="020B0604020202020204" pitchFamily="34" charset="0"/>
+              <a:buChar char="•"/>
+            </a:pPr>
+            <a:r>
+              <a:rPr lang="en-US" altLang="zh-CN" dirty="0" err="1">
+                <a:solidFill>
+                  <a:schemeClr val="bg2"/>
+                </a:solidFill>
+              </a:rPr>
+              <a:t>Antd</a:t>
+            </a:r>
+            <a:r>
+              <a:rPr lang="en-US" altLang="zh-CN" dirty="0">
+                <a:solidFill>
+                  <a:schemeClr val="bg2"/>
+                </a:solidFill>
+              </a:rPr>
+              <a:t> Design</a:t>
+            </a:r>
+            <a:r>
+              <a:rPr lang="zh-CN" altLang="en-US" dirty="0">
+                <a:solidFill>
+                  <a:schemeClr val="bg2"/>
+                </a:solidFill>
+              </a:rPr>
+              <a:t>与</a:t>
+            </a:r>
+            <a:r>
+              <a:rPr lang="en-US" altLang="zh-CN" dirty="0" err="1">
+                <a:solidFill>
+                  <a:schemeClr val="bg2"/>
+                </a:solidFill>
+              </a:rPr>
+              <a:t>ProComponent</a:t>
+            </a:r>
+            <a:r>
+              <a:rPr lang="zh-CN" altLang="en-US" dirty="0">
+                <a:solidFill>
+                  <a:schemeClr val="bg2"/>
+                </a:solidFill>
+              </a:rPr>
+              <a:t>的关系</a:t>
+            </a:r>
+            <a:endParaRPr lang="en-US" altLang="zh-CN" dirty="0">
+              <a:solidFill>
+                <a:schemeClr val="bg2"/>
+              </a:solidFill>
+            </a:endParaRPr>
+          </a:p>
+        </p:txBody>
+      </p:sp>
+    </p:spTree>
+  </p:cSld>
+  <p:clrMapOvr>
+    <a:masterClrMapping/>
+  </p:clrMapOvr>
+</p:sld>
+</file>
+
+<file path=ppt/slides/slide18.xml><?xml version="1.0" encoding="utf-8"?>
+<p:sld xmlns:a="http://schemas.openxmlformats.org/drawingml/2006/main" xmlns:r="http://schemas.openxmlformats.org/officeDocument/2006/relationships" xmlns:p="http://schemas.openxmlformats.org/presentationml/2006/main">
+  <p:cSld>
+    <p:spTree>
+      <p:nvGrpSpPr>
+        <p:cNvPr id="1" name=""/>
+        <p:cNvGrpSpPr/>
+        <p:nvPr/>
+      </p:nvGrpSpPr>
+      <p:grpSpPr>
+        <a:xfrm>
+          <a:off x="0" y="0"/>
+          <a:ext cx="0" cy="0"/>
+          <a:chOff x="0" y="0"/>
+          <a:chExt cx="0" cy="0"/>
+        </a:xfrm>
+      </p:grpSpPr>
+      <p:sp>
+        <p:nvSpPr>
+          <p:cNvPr id="4" name="文本框 3"/>
+          <p:cNvSpPr txBox="1"/>
+          <p:nvPr/>
+        </p:nvSpPr>
+        <p:spPr>
+          <a:xfrm>
+            <a:off x="1562976" y="2251392"/>
+            <a:ext cx="1552028" cy="1862048"/>
+          </a:xfrm>
+          <a:prstGeom prst="rect">
+            <a:avLst/>
+          </a:prstGeom>
+          <a:noFill/>
+        </p:spPr>
+        <p:txBody>
+          <a:bodyPr wrap="none" rtlCol="0">
+            <a:spAutoFit/>
+          </a:bodyPr>
+          <a:lstStyle/>
+          <a:p>
+            <a:pPr algn="ctr"/>
+            <a:r>
+              <a:rPr lang="en-US" altLang="zh-CN" sz="11500" dirty="0">
+                <a:solidFill>
+                  <a:srgbClr val="FF9933"/>
+                </a:solidFill>
+                <a:latin typeface="Impact" panose="020B0806030902050204" pitchFamily="34" charset="0"/>
+              </a:rPr>
+              <a:t>07</a:t>
+            </a:r>
+          </a:p>
+        </p:txBody>
+      </p:sp>
+      <p:sp>
+        <p:nvSpPr>
+          <p:cNvPr id="5" name="文本框 4"/>
+          <p:cNvSpPr txBox="1"/>
+          <p:nvPr/>
+        </p:nvSpPr>
+        <p:spPr>
+          <a:xfrm>
+            <a:off x="3226435" y="2465070"/>
+            <a:ext cx="4900295" cy="922020"/>
+          </a:xfrm>
+          <a:prstGeom prst="rect">
+            <a:avLst/>
+          </a:prstGeom>
+          <a:noFill/>
+        </p:spPr>
+        <p:txBody>
+          <a:bodyPr wrap="square" rtlCol="0">
+            <a:spAutoFit/>
+            <a:scene3d>
+              <a:camera prst="orthographicFront"/>
+              <a:lightRig rig="threePt" dir="t"/>
+            </a:scene3d>
+            <a:sp3d contourW="12700"/>
+          </a:bodyPr>
+          <a:lstStyle/>
+          <a:p>
+            <a:r>
+              <a:rPr lang="zh-CN" altLang="en-US" sz="5400" b="1" dirty="0">
+                <a:solidFill>
+                  <a:schemeClr val="tx1"/>
+                </a:solidFill>
+              </a:rPr>
+              <a:t>总结</a:t>
+            </a:r>
+          </a:p>
+        </p:txBody>
+      </p:sp>
+      <p:sp>
+        <p:nvSpPr>
+          <p:cNvPr id="2" name="文本框 1"/>
+          <p:cNvSpPr txBox="1"/>
+          <p:nvPr>
+            <p:custDataLst>
+              <p:tags r:id="rId1"/>
+            </p:custDataLst>
+          </p:nvPr>
+        </p:nvSpPr>
+        <p:spPr>
+          <a:xfrm>
+            <a:off x="3225941" y="3480096"/>
+            <a:ext cx="5054596" cy="645160"/>
+          </a:xfrm>
+          <a:prstGeom prst="rect">
+            <a:avLst/>
+          </a:prstGeom>
+          <a:noFill/>
+        </p:spPr>
+        <p:txBody>
+          <a:bodyPr wrap="square">
+            <a:spAutoFit/>
+          </a:bodyPr>
+          <a:lstStyle/>
+          <a:p>
+            <a:pPr marL="742950" lvl="1" indent="-285750">
+              <a:buFont typeface="Arial" panose="020B0604020202020204" pitchFamily="34" charset="0"/>
+              <a:buChar char="•"/>
+            </a:pPr>
+            <a:r>
+              <a:rPr lang="zh-CN" dirty="0">
+                <a:solidFill>
+                  <a:schemeClr val="bg2"/>
+                </a:solidFill>
+              </a:rPr>
+              <a:t>开发规范</a:t>
+            </a:r>
+          </a:p>
+          <a:p>
+            <a:pPr marL="742950" lvl="1" indent="-285750">
+              <a:buFont typeface="Arial" panose="020B0604020202020204" pitchFamily="34" charset="0"/>
+              <a:buChar char="•"/>
+            </a:pPr>
+            <a:r>
+              <a:rPr lang="zh-CN" dirty="0">
+                <a:solidFill>
+                  <a:schemeClr val="bg2"/>
+                </a:solidFill>
+              </a:rPr>
+              <a:t>学习资源推荐</a:t>
+            </a:r>
+          </a:p>
+        </p:txBody>
+      </p:sp>
+    </p:spTree>
+  </p:cSld>
+  <p:clrMapOvr>
+    <a:masterClrMapping/>
+  </p:clrMapOvr>
+</p:sld>
+</file>
+
+<file path=ppt/slides/slide19.xml><?xml version="1.0" encoding="utf-8"?>
+<p:sld xmlns:a="http://schemas.openxmlformats.org/drawingml/2006/main" xmlns:r="http://schemas.openxmlformats.org/officeDocument/2006/relationships" xmlns:p="http://schemas.openxmlformats.org/presentationml/2006/main">
+  <p:cSld>
+    <p:spTree>
+      <p:nvGrpSpPr>
+        <p:cNvPr id="1" name=""/>
+        <p:cNvGrpSpPr/>
+        <p:nvPr/>
+      </p:nvGrpSpPr>
+      <p:grpSpPr>
+        <a:xfrm>
+          <a:off x="0" y="0"/>
+          <a:ext cx="0" cy="0"/>
+          <a:chOff x="0" y="0"/>
+          <a:chExt cx="0" cy="0"/>
+        </a:xfrm>
+      </p:grpSpPr>
+      <p:sp>
+        <p:nvSpPr>
+          <p:cNvPr id="2" name="标题 1"/>
+          <p:cNvSpPr>
+            <a:spLocks noGrp="1"/>
+          </p:cNvSpPr>
+          <p:nvPr>
+            <p:ph type="title"/>
+          </p:nvPr>
+        </p:nvSpPr>
+        <p:spPr/>
+        <p:txBody>
+          <a:bodyPr/>
+          <a:lstStyle/>
+          <a:p>
+            <a:r>
+              <a:rPr lang="en-US" altLang="zh-CN" dirty="0"/>
+              <a:t>React</a:t>
+            </a:r>
+            <a:r>
+              <a:rPr lang="zh-CN" altLang="en-US" dirty="0"/>
+              <a:t>基础</a:t>
+            </a:r>
+            <a:endParaRPr lang="zh-CN" altLang="en-US" sz="2400" b="1" dirty="0">
+              <a:solidFill>
+                <a:schemeClr val="tx1"/>
+              </a:solidFill>
+            </a:endParaRPr>
+          </a:p>
+        </p:txBody>
+      </p:sp>
+      <p:sp>
+        <p:nvSpPr>
+          <p:cNvPr id="3" name="文本框 2"/>
+          <p:cNvSpPr txBox="1"/>
+          <p:nvPr/>
+        </p:nvSpPr>
+        <p:spPr>
+          <a:xfrm>
+            <a:off x="515073" y="685165"/>
+            <a:ext cx="7552481" cy="1754326"/>
+          </a:xfrm>
+          <a:prstGeom prst="rect">
+            <a:avLst/>
+          </a:prstGeom>
+          <a:noFill/>
+        </p:spPr>
+        <p:txBody>
+          <a:bodyPr wrap="square" rtlCol="0">
+            <a:spAutoFit/>
+          </a:bodyPr>
+          <a:lstStyle/>
+          <a:p>
+            <a:r>
+              <a:rPr lang="en-US" altLang="zh-CN" dirty="0"/>
+              <a:t>1</a:t>
+            </a:r>
+            <a:r>
+              <a:rPr lang="zh-CN" altLang="en-US" dirty="0"/>
+              <a:t>、</a:t>
+            </a:r>
+            <a:r>
+              <a:rPr lang="en-US" altLang="zh-CN" dirty="0"/>
+              <a:t>React</a:t>
+            </a:r>
+            <a:r>
+              <a:rPr lang="zh-CN" altLang="en-US" dirty="0"/>
+              <a:t>起源与发展</a:t>
+            </a:r>
+            <a:endParaRPr lang="en-US" altLang="zh-CN" dirty="0"/>
+          </a:p>
+          <a:p>
+            <a:r>
+              <a:rPr lang="en-US" altLang="zh-CN" b="1" i="0" dirty="0">
+                <a:effectLst/>
+              </a:rPr>
+              <a:t>      </a:t>
+            </a:r>
+            <a:r>
+              <a:rPr lang="en-US" altLang="zh-CN" dirty="0"/>
+              <a:t>2013 </a:t>
+            </a:r>
+            <a:r>
+              <a:rPr lang="zh-CN" altLang="en-US" dirty="0"/>
+              <a:t>年 </a:t>
+            </a:r>
+            <a:r>
+              <a:rPr lang="en-US" altLang="zh-CN" dirty="0"/>
+              <a:t>5 </a:t>
+            </a:r>
+            <a:r>
+              <a:rPr lang="zh-CN" altLang="en-US" dirty="0"/>
+              <a:t>月起源于 </a:t>
+            </a:r>
+            <a:r>
+              <a:rPr lang="en-US" altLang="zh-CN" dirty="0"/>
+              <a:t>Facebook </a:t>
+            </a:r>
+            <a:r>
+              <a:rPr lang="zh-CN" altLang="en-US" dirty="0"/>
+              <a:t>的内部项目</a:t>
+            </a:r>
+          </a:p>
+          <a:p>
+            <a:endParaRPr lang="en-US" altLang="zh-CN" dirty="0"/>
+          </a:p>
+          <a:p>
+            <a:r>
+              <a:rPr lang="en-US" altLang="zh-CN" dirty="0"/>
+              <a:t>2</a:t>
+            </a:r>
+            <a:r>
+              <a:rPr lang="zh-CN" altLang="en-US" dirty="0"/>
+              <a:t>、学习资源</a:t>
+            </a:r>
+            <a:endParaRPr lang="en-US" altLang="zh-CN" dirty="0"/>
+          </a:p>
+          <a:p>
+            <a:r>
+              <a:rPr lang="en-US" altLang="zh-CN" dirty="0"/>
+              <a:t>  react</a:t>
+            </a:r>
+            <a:r>
+              <a:rPr lang="zh-CN" altLang="en-US" dirty="0"/>
+              <a:t>中文网：</a:t>
+            </a:r>
+            <a:r>
+              <a:rPr lang="en-US" altLang="zh-CN" dirty="0">
+                <a:hlinkClick r:id="rId2"/>
+              </a:rPr>
+              <a:t>https://react.docschina.org/learn#updating-the-screen</a:t>
+            </a:r>
+            <a:endParaRPr lang="en-US" altLang="zh-CN" dirty="0"/>
+          </a:p>
+          <a:p>
+            <a:r>
+              <a:rPr lang="en-US" altLang="zh-CN" dirty="0"/>
+              <a:t>  Hooks</a:t>
+            </a:r>
+            <a:r>
+              <a:rPr lang="zh-CN" altLang="en-US" dirty="0"/>
+              <a:t>：</a:t>
+            </a:r>
+            <a:r>
+              <a:rPr lang="en-US" altLang="zh-CN" dirty="0"/>
+              <a:t>https://react.docschina.org/reference/react/hooks</a:t>
+            </a:r>
+          </a:p>
+        </p:txBody>
+      </p:sp>
+    </p:spTree>
+    <p:extLst>
+      <p:ext uri="{BB962C8B-B14F-4D97-AF65-F5344CB8AC3E}">
+        <p14:creationId xmlns:p14="http://schemas.microsoft.com/office/powerpoint/2010/main" val="3408414575"/>
+      </p:ext>
+    </p:extLst>
   </p:cSld>
   <p:clrMapOvr>
     <a:masterClrMapping/>
@@ -3560,6 +5010,313 @@
                 </a:solidFill>
               </a:rPr>
               <a:t>2024.01.02</a:t>
+            </a:r>
+          </a:p>
+        </p:txBody>
+      </p:sp>
+    </p:spTree>
+    <p:custDataLst>
+      <p:tags r:id="rId1"/>
+    </p:custDataLst>
+  </p:cSld>
+  <p:clrMapOvr>
+    <a:masterClrMapping/>
+  </p:clrMapOvr>
+</p:sld>
+</file>
+
+<file path=ppt/slides/slide20.xml><?xml version="1.0" encoding="utf-8"?>
+<p:sld xmlns:a="http://schemas.openxmlformats.org/drawingml/2006/main" xmlns:r="http://schemas.openxmlformats.org/officeDocument/2006/relationships" xmlns:p="http://schemas.openxmlformats.org/presentationml/2006/main">
+  <p:cSld>
+    <p:spTree>
+      <p:nvGrpSpPr>
+        <p:cNvPr id="1" name=""/>
+        <p:cNvGrpSpPr/>
+        <p:nvPr/>
+      </p:nvGrpSpPr>
+      <p:grpSpPr>
+        <a:xfrm>
+          <a:off x="0" y="0"/>
+          <a:ext cx="0" cy="0"/>
+          <a:chOff x="0" y="0"/>
+          <a:chExt cx="0" cy="0"/>
+        </a:xfrm>
+      </p:grpSpPr>
+      <p:sp>
+        <p:nvSpPr>
+          <p:cNvPr id="4" name="文本框 3"/>
+          <p:cNvSpPr txBox="1"/>
+          <p:nvPr/>
+        </p:nvSpPr>
+        <p:spPr>
+          <a:xfrm>
+            <a:off x="1457178" y="2251392"/>
+            <a:ext cx="1763624" cy="1862048"/>
+          </a:xfrm>
+          <a:prstGeom prst="rect">
+            <a:avLst/>
+          </a:prstGeom>
+          <a:noFill/>
+        </p:spPr>
+        <p:txBody>
+          <a:bodyPr wrap="none" rtlCol="0">
+            <a:spAutoFit/>
+          </a:bodyPr>
+          <a:lstStyle/>
+          <a:p>
+            <a:pPr algn="ctr"/>
+            <a:r>
+              <a:rPr lang="en-US" altLang="zh-CN" sz="11500" dirty="0">
+                <a:solidFill>
+                  <a:srgbClr val="FF9933"/>
+                </a:solidFill>
+                <a:latin typeface="Impact" panose="020B0806030902050204" pitchFamily="34" charset="0"/>
+              </a:rPr>
+              <a:t>08</a:t>
+            </a:r>
+          </a:p>
+        </p:txBody>
+      </p:sp>
+      <p:sp>
+        <p:nvSpPr>
+          <p:cNvPr id="5" name="文本框 4"/>
+          <p:cNvSpPr txBox="1"/>
+          <p:nvPr/>
+        </p:nvSpPr>
+        <p:spPr>
+          <a:xfrm>
+            <a:off x="3226435" y="2465070"/>
+            <a:ext cx="4900295" cy="1014730"/>
+          </a:xfrm>
+          <a:prstGeom prst="rect">
+            <a:avLst/>
+          </a:prstGeom>
+          <a:noFill/>
+        </p:spPr>
+        <p:txBody>
+          <a:bodyPr wrap="square" rtlCol="0">
+            <a:spAutoFit/>
+            <a:scene3d>
+              <a:camera prst="orthographicFront"/>
+              <a:lightRig rig="threePt" dir="t"/>
+            </a:scene3d>
+            <a:sp3d contourW="12700"/>
+          </a:bodyPr>
+          <a:lstStyle/>
+          <a:p>
+            <a:r>
+              <a:rPr lang="zh-CN" altLang="en-US" sz="6000" b="1" dirty="0">
+                <a:solidFill>
+                  <a:schemeClr val="tx1"/>
+                </a:solidFill>
+              </a:rPr>
+              <a:t>答疑</a:t>
+            </a:r>
+          </a:p>
+        </p:txBody>
+      </p:sp>
+    </p:spTree>
+  </p:cSld>
+  <p:clrMapOvr>
+    <a:masterClrMapping/>
+  </p:clrMapOvr>
+</p:sld>
+</file>
+
+<file path=ppt/slides/slide21.xml><?xml version="1.0" encoding="utf-8"?>
+<p:sld xmlns:a="http://schemas.openxmlformats.org/drawingml/2006/main" xmlns:r="http://schemas.openxmlformats.org/officeDocument/2006/relationships" xmlns:p="http://schemas.openxmlformats.org/presentationml/2006/main">
+  <p:cSld>
+    <p:spTree>
+      <p:nvGrpSpPr>
+        <p:cNvPr id="1" name=""/>
+        <p:cNvGrpSpPr/>
+        <p:nvPr/>
+      </p:nvGrpSpPr>
+      <p:grpSpPr>
+        <a:xfrm>
+          <a:off x="0" y="0"/>
+          <a:ext cx="0" cy="0"/>
+          <a:chOff x="0" y="0"/>
+          <a:chExt cx="0" cy="0"/>
+        </a:xfrm>
+      </p:grpSpPr>
+      <p:pic>
+        <p:nvPicPr>
+          <p:cNvPr id="11" name="图片 10" descr="6"/>
+          <p:cNvPicPr>
+            <a:picLocks noChangeAspect="1"/>
+          </p:cNvPicPr>
+          <p:nvPr/>
+        </p:nvPicPr>
+        <p:blipFill>
+          <a:blip r:embed="rId3">
+            <a:grayscl/>
+          </a:blip>
+          <a:srcRect l="18807" t="10567"/>
+          <a:stretch>
+            <a:fillRect/>
+          </a:stretch>
+        </p:blipFill>
+        <p:spPr>
+          <a:xfrm>
+            <a:off x="-76200" y="-10795"/>
+            <a:ext cx="9493250" cy="6971665"/>
+          </a:xfrm>
+          <a:prstGeom prst="rect">
+            <a:avLst/>
+          </a:prstGeom>
+        </p:spPr>
+      </p:pic>
+      <p:sp>
+        <p:nvSpPr>
+          <p:cNvPr id="6" name="矩形 5"/>
+          <p:cNvSpPr/>
+          <p:nvPr/>
+        </p:nvSpPr>
+        <p:spPr>
+          <a:xfrm>
+            <a:off x="-123825" y="-59690"/>
+            <a:ext cx="9582150" cy="7132320"/>
+          </a:xfrm>
+          <a:prstGeom prst="rect">
+            <a:avLst/>
+          </a:prstGeom>
+          <a:solidFill>
+            <a:schemeClr val="tx1">
+              <a:lumMod val="65000"/>
+              <a:lumOff val="35000"/>
+              <a:alpha val="78000"/>
+            </a:schemeClr>
+          </a:solidFill>
+          <a:ln>
+            <a:noFill/>
+          </a:ln>
+        </p:spPr>
+        <p:style>
+          <a:lnRef idx="2">
+            <a:schemeClr val="accent1">
+              <a:shade val="50000"/>
+            </a:schemeClr>
+          </a:lnRef>
+          <a:fillRef idx="1">
+            <a:schemeClr val="accent1"/>
+          </a:fillRef>
+          <a:effectRef idx="0">
+            <a:schemeClr val="accent1"/>
+          </a:effectRef>
+          <a:fontRef idx="minor">
+            <a:schemeClr val="lt1"/>
+          </a:fontRef>
+        </p:style>
+        <p:txBody>
+          <a:bodyPr rtlCol="0" anchor="ctr"/>
+          <a:lstStyle/>
+          <a:p>
+            <a:pPr algn="ctr"/>
+            <a:endParaRPr lang="zh-CN" altLang="en-US"/>
+          </a:p>
+        </p:txBody>
+      </p:sp>
+      <p:pic>
+        <p:nvPicPr>
+          <p:cNvPr id="7" name="图片 6" descr="PPT尾页"/>
+          <p:cNvPicPr>
+            <a:picLocks noChangeAspect="1"/>
+          </p:cNvPicPr>
+          <p:nvPr/>
+        </p:nvPicPr>
+        <p:blipFill>
+          <a:blip r:embed="rId4"/>
+          <a:stretch>
+            <a:fillRect/>
+          </a:stretch>
+        </p:blipFill>
+        <p:spPr>
+          <a:xfrm>
+            <a:off x="3143250" y="3968115"/>
+            <a:ext cx="5471160" cy="1463040"/>
+          </a:xfrm>
+          <a:prstGeom prst="rect">
+            <a:avLst/>
+          </a:prstGeom>
+        </p:spPr>
+      </p:pic>
+      <p:sp>
+        <p:nvSpPr>
+          <p:cNvPr id="8" name="矩形 7"/>
+          <p:cNvSpPr/>
+          <p:nvPr/>
+        </p:nvSpPr>
+        <p:spPr>
+          <a:xfrm>
+            <a:off x="-247015" y="1267460"/>
+            <a:ext cx="4175760" cy="1167765"/>
+          </a:xfrm>
+          <a:prstGeom prst="rect">
+            <a:avLst/>
+          </a:prstGeom>
+          <a:solidFill>
+            <a:srgbClr val="FF9935"/>
+          </a:solidFill>
+          <a:ln>
+            <a:noFill/>
+          </a:ln>
+        </p:spPr>
+        <p:style>
+          <a:lnRef idx="2">
+            <a:schemeClr val="accent1">
+              <a:shade val="50000"/>
+            </a:schemeClr>
+          </a:lnRef>
+          <a:fillRef idx="1">
+            <a:schemeClr val="accent1"/>
+          </a:fillRef>
+          <a:effectRef idx="0">
+            <a:schemeClr val="accent1"/>
+          </a:effectRef>
+          <a:fontRef idx="minor">
+            <a:schemeClr val="lt1"/>
+          </a:fontRef>
+        </p:style>
+        <p:txBody>
+          <a:bodyPr rtlCol="0" anchor="ctr"/>
+          <a:lstStyle/>
+          <a:p>
+            <a:pPr algn="ctr"/>
+            <a:endParaRPr lang="zh-CN" altLang="en-US"/>
+          </a:p>
+        </p:txBody>
+      </p:sp>
+      <p:sp>
+        <p:nvSpPr>
+          <p:cNvPr id="10" name="文本框 9"/>
+          <p:cNvSpPr txBox="1"/>
+          <p:nvPr/>
+        </p:nvSpPr>
+        <p:spPr>
+          <a:xfrm>
+            <a:off x="514985" y="1403350"/>
+            <a:ext cx="3230880" cy="922020"/>
+          </a:xfrm>
+          <a:prstGeom prst="rect">
+            <a:avLst/>
+          </a:prstGeom>
+          <a:noFill/>
+        </p:spPr>
+        <p:txBody>
+          <a:bodyPr wrap="none" rtlCol="0">
+            <a:spAutoFit/>
+          </a:bodyPr>
+          <a:lstStyle/>
+          <a:p>
+            <a:pPr algn="dist"/>
+            <a:r>
+              <a:rPr lang="en-US" altLang="zh-CN" sz="5400" b="1">
+                <a:solidFill>
+                  <a:schemeClr val="bg1"/>
+                </a:solidFill>
+              </a:rPr>
+              <a:t>THANKS.</a:t>
             </a:r>
           </a:p>
         </p:txBody>
@@ -4578,13 +6335,13 @@
                 <a:solidFill>
                   <a:schemeClr val="tx1"/>
                 </a:solidFill>
-                <a:hlinkClick r:id="rId2"/>
+                <a:hlinkClick r:id="rId3"/>
               </a:rPr>
               <a:t>React</a:t>
             </a:r>
             <a:r>
               <a:rPr lang="zh-CN" altLang="en-US" sz="2400" b="1" dirty="0">
-                <a:hlinkClick r:id="rId2"/>
+                <a:hlinkClick r:id="rId3"/>
               </a:rPr>
               <a:t>介绍</a:t>
             </a:r>
@@ -5064,6 +6821,27 @@
               <a:buChar char="•"/>
             </a:pPr>
             <a:r>
+              <a:rPr lang="zh-CN" altLang="en-US" sz="1600" dirty="0">
+                <a:solidFill>
+                  <a:schemeClr val="bg2"/>
+                </a:solidFill>
+                <a:sym typeface="+mn-ea"/>
+              </a:rPr>
+              <a:t>函数式组件</a:t>
+            </a:r>
+            <a:endParaRPr lang="en-US" altLang="zh-CN" sz="1600" dirty="0">
+              <a:solidFill>
+                <a:schemeClr val="bg2"/>
+              </a:solidFill>
+              <a:sym typeface="+mn-ea"/>
+            </a:endParaRPr>
+          </a:p>
+          <a:p>
+            <a:pPr marL="285750" indent="-285750">
+              <a:buFont typeface="Arial" panose="020B0604020202020204" pitchFamily="34" charset="0"/>
+              <a:buChar char="•"/>
+            </a:pPr>
+            <a:r>
               <a:rPr lang="en-US" altLang="zh-CN" sz="1600" dirty="0">
                 <a:solidFill>
                   <a:schemeClr val="bg2"/>
@@ -5099,28 +6877,43 @@
                 </a:solidFill>
                 <a:sym typeface="+mn-ea"/>
               </a:rPr>
-              <a:t>组件样式</a:t>
-            </a:r>
-            <a:endParaRPr lang="en-US" altLang="zh-CN" sz="1600" dirty="0">
-              <a:solidFill>
-                <a:schemeClr val="bg2"/>
-              </a:solidFill>
-              <a:sym typeface="+mn-ea"/>
-            </a:endParaRPr>
-          </a:p>
-          <a:p>
-            <a:pPr marL="285750" indent="-285750">
-              <a:buFont typeface="Arial" panose="020B0604020202020204" pitchFamily="34" charset="0"/>
-              <a:buChar char="•"/>
-            </a:pPr>
-            <a:r>
-              <a:rPr lang="zh-CN" altLang="en-US" sz="1600">
+              <a:t>在</a:t>
+            </a:r>
+            <a:r>
+              <a:rPr lang="en-US" altLang="zh-CN" sz="1600" dirty="0">
                 <a:solidFill>
                   <a:schemeClr val="bg2"/>
                 </a:solidFill>
                 <a:sym typeface="+mn-ea"/>
               </a:rPr>
-              <a:t>数据绑定</a:t>
+              <a:t>JSX</a:t>
+            </a:r>
+            <a:r>
+              <a:rPr lang="zh-CN" altLang="en-US" sz="1600" dirty="0">
+                <a:solidFill>
+                  <a:schemeClr val="bg2"/>
+                </a:solidFill>
+                <a:sym typeface="+mn-ea"/>
+              </a:rPr>
+              <a:t>中使用</a:t>
+            </a:r>
+            <a:r>
+              <a:rPr lang="en-US" altLang="zh-CN" sz="1600" dirty="0">
+                <a:solidFill>
+                  <a:schemeClr val="bg2"/>
+                </a:solidFill>
+                <a:sym typeface="+mn-ea"/>
+              </a:rPr>
+              <a:t>JavaScript</a:t>
+            </a:r>
+            <a:r>
+              <a:rPr lang="zh-CN" altLang="en-US" sz="1600" dirty="0">
+                <a:solidFill>
+                  <a:schemeClr val="bg2"/>
+                </a:solidFill>
+                <a:sym typeface="+mn-ea"/>
+              </a:rPr>
+              <a:t>表达式</a:t>
             </a:r>
             <a:endParaRPr lang="en-US" altLang="zh-CN" sz="1600" dirty="0">
               <a:solidFill>
@@ -5521,10 +7314,10 @@
       </p:sp>
       <p:pic>
         <p:nvPicPr>
-          <p:cNvPr id="5" name="图片 4">
+          <p:cNvPr id="6" name="图片 5">
             <a:extLst>
               <a:ext uri="{FF2B5EF4-FFF2-40B4-BE49-F238E27FC236}">
-                <a16:creationId xmlns:a16="http://schemas.microsoft.com/office/drawing/2014/main" id="{C058E559-FEC1-5855-EF3B-4FBC974562FD}"/>
+                <a16:creationId xmlns:a16="http://schemas.microsoft.com/office/drawing/2014/main" id="{421331C9-8068-5BDB-7895-88A13C6D8501}"/>
               </a:ext>
             </a:extLst>
           </p:cNvPr>
@@ -5541,8 +7334,8 @@
         </p:blipFill>
         <p:spPr>
           <a:xfrm>
-            <a:off x="916333" y="1441983"/>
-            <a:ext cx="2959252" cy="812842"/>
+            <a:off x="916333" y="1446246"/>
+            <a:ext cx="4934204" cy="762039"/>
           </a:xfrm>
           <a:prstGeom prst="rect">
             <a:avLst/>
@@ -5551,10 +7344,10 @@
       </p:pic>
       <p:pic>
         <p:nvPicPr>
-          <p:cNvPr id="7" name="图片 6">
+          <p:cNvPr id="9" name="图片 8">
             <a:extLst>
               <a:ext uri="{FF2B5EF4-FFF2-40B4-BE49-F238E27FC236}">
-                <a16:creationId xmlns:a16="http://schemas.microsoft.com/office/drawing/2014/main" id="{37F3D2B0-2CE9-585C-1C30-E9E235905A9B}"/>
+                <a16:creationId xmlns:a16="http://schemas.microsoft.com/office/drawing/2014/main" id="{E3DC787F-9746-B825-BB73-1AEE5BA371C2}"/>
               </a:ext>
             </a:extLst>
           </p:cNvPr>
@@ -5571,8 +7364,8 @@
         </p:blipFill>
         <p:spPr>
           <a:xfrm>
-            <a:off x="916333" y="3906220"/>
-            <a:ext cx="3029106" cy="514376"/>
+            <a:off x="842690" y="3917340"/>
+            <a:ext cx="4667490" cy="520727"/>
           </a:xfrm>
           <a:prstGeom prst="rect">
             <a:avLst/>
@@ -5649,7 +7442,7 @@
         <p:spPr>
           <a:xfrm>
             <a:off x="515073" y="685165"/>
-            <a:ext cx="7552481" cy="3139321"/>
+            <a:ext cx="7552481" cy="646331"/>
           </a:xfrm>
           <a:prstGeom prst="rect">
             <a:avLst/>
@@ -5668,17 +7461,12 @@
             </a:r>
             <a:r>
               <a:rPr lang="zh-CN" altLang="en-US" dirty="0"/>
-              <a:t>、</a:t>
-            </a:r>
-            <a:r>
-              <a:rPr lang="en-US" altLang="zh-CN" dirty="0"/>
-              <a:t>JSX</a:t>
-            </a:r>
-            <a:r>
-              <a:rPr lang="zh-CN" altLang="en-US" dirty="0"/>
-              <a:t>语法</a:t>
-            </a:r>
-            <a:endParaRPr lang="en-US" altLang="zh-CN" dirty="0"/>
+              <a:t>、函数式组件</a:t>
+            </a:r>
+            <a:r>
+              <a:rPr lang="en-US" altLang="zh-CN" dirty="0"/>
+              <a:t>[1]</a:t>
+            </a:r>
           </a:p>
           <a:p>
             <a:r>
@@ -5687,48 +7475,6 @@
               </a:rPr>
               <a:t>      </a:t>
             </a:r>
-            <a:r>
-              <a:rPr lang="zh-CN" altLang="en-US" dirty="0"/>
-              <a:t>全局安装：</a:t>
-            </a:r>
-            <a:endParaRPr lang="en-US" altLang="zh-CN" dirty="0"/>
-          </a:p>
-          <a:p>
-            <a:r>
-              <a:rPr lang="en-US" altLang="zh-CN" dirty="0"/>
-              <a:t>	</a:t>
-            </a:r>
-          </a:p>
-          <a:p>
-            <a:endParaRPr lang="en-US" altLang="zh-CN" dirty="0"/>
-          </a:p>
-          <a:p>
-            <a:endParaRPr lang="en-US" altLang="zh-CN" dirty="0"/>
-          </a:p>
-          <a:p>
-            <a:endParaRPr lang="en-US" altLang="zh-CN" dirty="0"/>
-          </a:p>
-          <a:p>
-            <a:r>
-              <a:rPr lang="en-US" altLang="zh-CN" dirty="0"/>
-              <a:t>      </a:t>
-            </a:r>
-            <a:r>
-              <a:rPr lang="zh-CN" altLang="en-US" dirty="0"/>
-              <a:t>临时安装：</a:t>
-            </a:r>
-            <a:endParaRPr lang="en-US" altLang="zh-CN" dirty="0"/>
-          </a:p>
-          <a:p>
-            <a:endParaRPr lang="en-US" altLang="zh-CN" dirty="0"/>
-          </a:p>
-          <a:p>
-            <a:endParaRPr lang="zh-CN" altLang="en-US" dirty="0"/>
-          </a:p>
-          <a:p>
-            <a:endParaRPr lang="en-US" altLang="zh-CN" dirty="0"/>
-          </a:p>
-          <a:p>
             <a:endParaRPr lang="zh-CN" altLang="en-US" dirty="0"/>
           </a:p>
         </p:txBody>
@@ -5738,37 +7484,7 @@
           <p:cNvPr id="5" name="图片 4">
             <a:extLst>
               <a:ext uri="{FF2B5EF4-FFF2-40B4-BE49-F238E27FC236}">
-                <a16:creationId xmlns:a16="http://schemas.microsoft.com/office/drawing/2014/main" id="{C058E559-FEC1-5855-EF3B-4FBC974562FD}"/>
-              </a:ext>
-            </a:extLst>
-          </p:cNvPr>
-          <p:cNvPicPr>
-            <a:picLocks noChangeAspect="1"/>
-          </p:cNvPicPr>
-          <p:nvPr/>
-        </p:nvPicPr>
-        <p:blipFill>
-          <a:blip r:embed="rId2"/>
-          <a:stretch>
-            <a:fillRect/>
-          </a:stretch>
-        </p:blipFill>
-        <p:spPr>
-          <a:xfrm>
-            <a:off x="916333" y="1441983"/>
-            <a:ext cx="2959252" cy="812842"/>
-          </a:xfrm>
-          <a:prstGeom prst="rect">
-            <a:avLst/>
-          </a:prstGeom>
-        </p:spPr>
-      </p:pic>
-      <p:pic>
-        <p:nvPicPr>
-          <p:cNvPr id="7" name="图片 6">
-            <a:extLst>
-              <a:ext uri="{FF2B5EF4-FFF2-40B4-BE49-F238E27FC236}">
-                <a16:creationId xmlns:a16="http://schemas.microsoft.com/office/drawing/2014/main" id="{37F3D2B0-2CE9-585C-1C30-E9E235905A9B}"/>
+                <a16:creationId xmlns:a16="http://schemas.microsoft.com/office/drawing/2014/main" id="{462DD05A-4DF2-2F56-A805-6E257216A817}"/>
               </a:ext>
             </a:extLst>
           </p:cNvPr>
@@ -5785,8 +7501,8 @@
         </p:blipFill>
         <p:spPr>
           <a:xfrm>
-            <a:off x="916333" y="2912050"/>
-            <a:ext cx="3029106" cy="514376"/>
+            <a:off x="562641" y="1209478"/>
+            <a:ext cx="4927853" cy="1765391"/>
           </a:xfrm>
           <a:prstGeom prst="rect">
             <a:avLst/>
@@ -5796,7 +7512,7 @@
     </p:spTree>
     <p:extLst>
       <p:ext uri="{BB962C8B-B14F-4D97-AF65-F5344CB8AC3E}">
-        <p14:creationId xmlns:p14="http://schemas.microsoft.com/office/powerpoint/2010/main" val="4145618858"/>
+        <p14:creationId xmlns:p14="http://schemas.microsoft.com/office/powerpoint/2010/main" val="3251142193"/>
       </p:ext>
     </p:extLst>
   </p:cSld>
@@ -5825,14 +7541,45 @@
       </p:grpSpPr>
       <p:sp>
         <p:nvSpPr>
-          <p:cNvPr id="4" name="文本框 3"/>
+          <p:cNvPr id="2" name="标题 1"/>
+          <p:cNvSpPr>
+            <a:spLocks noGrp="1"/>
+          </p:cNvSpPr>
+          <p:nvPr>
+            <p:ph type="title"/>
+          </p:nvPr>
+        </p:nvSpPr>
+        <p:spPr/>
+        <p:txBody>
+          <a:bodyPr/>
+          <a:lstStyle/>
+          <a:p>
+            <a:r>
+              <a:rPr lang="en-US" altLang="zh-CN" dirty="0"/>
+              <a:t>React</a:t>
+            </a:r>
+            <a:r>
+              <a:rPr lang="zh-CN" altLang="en-US" dirty="0"/>
+              <a:t>基础</a:t>
+            </a:r>
+            <a:endParaRPr lang="zh-CN" altLang="en-US" sz="2400" b="1" dirty="0">
+              <a:solidFill>
+                <a:schemeClr val="tx1"/>
+              </a:solidFill>
+            </a:endParaRPr>
+          </a:p>
+        </p:txBody>
+      </p:sp>
+      <p:sp>
+        <p:nvSpPr>
+          <p:cNvPr id="3" name="文本框 2"/>
           <p:cNvSpPr txBox="1"/>
           <p:nvPr/>
         </p:nvSpPr>
         <p:spPr>
           <a:xfrm>
-            <a:off x="1460384" y="2251392"/>
-            <a:ext cx="1757212" cy="1862048"/>
+            <a:off x="515073" y="685165"/>
+            <a:ext cx="7552481" cy="2308324"/>
           </a:xfrm>
           <a:prstGeom prst="rect">
             <a:avLst/>
@@ -5840,121 +7587,162 @@
           <a:noFill/>
         </p:spPr>
         <p:txBody>
-          <a:bodyPr wrap="none" rtlCol="0">
+          <a:bodyPr wrap="square" rtlCol="0">
             <a:spAutoFit/>
           </a:bodyPr>
           <a:lstStyle/>
           <a:p>
-            <a:pPr algn="ctr"/>
-            <a:r>
-              <a:rPr lang="en-US" altLang="zh-CN" sz="11500" dirty="0">
-                <a:solidFill>
-                  <a:srgbClr val="FF9933"/>
-                </a:solidFill>
-                <a:latin typeface="Impact" panose="020B0806030902050204" pitchFamily="34" charset="0"/>
-              </a:rPr>
-              <a:t>03</a:t>
-            </a:r>
-          </a:p>
-        </p:txBody>
-      </p:sp>
-      <p:sp>
-        <p:nvSpPr>
-          <p:cNvPr id="5" name="文本框 4"/>
-          <p:cNvSpPr txBox="1"/>
+            <a:r>
+              <a:rPr lang="en-US" altLang="zh-CN" dirty="0"/>
+              <a:t>3</a:t>
+            </a:r>
+            <a:r>
+              <a:rPr lang="zh-CN" altLang="en-US" dirty="0"/>
+              <a:t>、</a:t>
+            </a:r>
+            <a:r>
+              <a:rPr lang="en-US" altLang="zh-CN" dirty="0"/>
+              <a:t>JSX</a:t>
+            </a:r>
+            <a:r>
+              <a:rPr lang="zh-CN" altLang="en-US" dirty="0"/>
+              <a:t>语法</a:t>
+            </a:r>
+            <a:endParaRPr lang="en-US" altLang="zh-CN" dirty="0"/>
+          </a:p>
+          <a:p>
+            <a:endParaRPr lang="en-US" altLang="zh-CN" dirty="0"/>
+          </a:p>
+          <a:p>
+            <a:r>
+              <a:rPr lang="en-US" altLang="zh-CN" dirty="0"/>
+              <a:t>JSX</a:t>
+            </a:r>
+            <a:r>
+              <a:rPr lang="zh-CN" altLang="en-US" dirty="0"/>
+              <a:t>是</a:t>
+            </a:r>
+            <a:r>
+              <a:rPr lang="en-US" altLang="zh-CN" dirty="0"/>
+              <a:t>JavaScript</a:t>
+            </a:r>
+            <a:r>
+              <a:rPr lang="zh-CN" altLang="en-US" dirty="0"/>
+              <a:t>语法的扩展，它可以让我们在</a:t>
+            </a:r>
+            <a:r>
+              <a:rPr lang="en-US" altLang="zh-CN" dirty="0"/>
+              <a:t>JavaScript</a:t>
+            </a:r>
+            <a:r>
+              <a:rPr lang="zh-CN" altLang="en-US" dirty="0"/>
+              <a:t>中编写类似</a:t>
+            </a:r>
+            <a:r>
+              <a:rPr lang="en-US" altLang="zh-CN" dirty="0"/>
+              <a:t>HTML</a:t>
+            </a:r>
+            <a:r>
+              <a:rPr lang="zh-CN" altLang="en-US" dirty="0"/>
+              <a:t>的代码。</a:t>
+            </a:r>
+            <a:endParaRPr lang="en-US" altLang="zh-CN" dirty="0"/>
+          </a:p>
+          <a:p>
+            <a:endParaRPr lang="en-US" altLang="zh-CN" dirty="0"/>
+          </a:p>
+          <a:p>
+            <a:r>
+              <a:rPr lang="zh-CN" altLang="en-US" dirty="0"/>
+              <a:t>原始写法： </a:t>
+            </a:r>
+            <a:r>
+              <a:rPr lang="en-US" altLang="zh-CN" dirty="0"/>
+              <a:t>[1]			  	</a:t>
+            </a:r>
+            <a:r>
+              <a:rPr lang="zh-CN" altLang="en-US" dirty="0"/>
+              <a:t>现代写法：</a:t>
+            </a:r>
+            <a:r>
+              <a:rPr lang="en-US" altLang="zh-CN" dirty="0"/>
+              <a:t>[2]</a:t>
+            </a:r>
+          </a:p>
+          <a:p>
+            <a:endParaRPr lang="en-US" altLang="zh-CN" dirty="0"/>
+          </a:p>
+          <a:p>
+            <a:endParaRPr lang="zh-CN" altLang="en-US" dirty="0"/>
+          </a:p>
+        </p:txBody>
+      </p:sp>
+      <p:pic>
+        <p:nvPicPr>
+          <p:cNvPr id="6" name="图片 5">
+            <a:extLst>
+              <a:ext uri="{FF2B5EF4-FFF2-40B4-BE49-F238E27FC236}">
+                <a16:creationId xmlns:a16="http://schemas.microsoft.com/office/drawing/2014/main" id="{DB118E3D-A931-2793-31C1-17941DFD0F70}"/>
+              </a:ext>
+            </a:extLst>
+          </p:cNvPr>
+          <p:cNvPicPr>
+            <a:picLocks noChangeAspect="1"/>
+          </p:cNvPicPr>
           <p:nvPr/>
-        </p:nvSpPr>
+        </p:nvPicPr>
+        <p:blipFill>
+          <a:blip r:embed="rId3"/>
+          <a:stretch>
+            <a:fillRect/>
+          </a:stretch>
+        </p:blipFill>
         <p:spPr>
           <a:xfrm>
-            <a:off x="3226435" y="2465070"/>
-            <a:ext cx="4900295" cy="922020"/>
+            <a:off x="515073" y="2504891"/>
+            <a:ext cx="3922183" cy="3265090"/>
           </a:xfrm>
           <a:prstGeom prst="rect">
             <a:avLst/>
           </a:prstGeom>
-          <a:noFill/>
         </p:spPr>
-        <p:txBody>
-          <a:bodyPr wrap="square" rtlCol="0">
-            <a:spAutoFit/>
-            <a:scene3d>
-              <a:camera prst="orthographicFront"/>
-              <a:lightRig rig="threePt" dir="t"/>
-            </a:scene3d>
-            <a:sp3d contourW="12700"/>
-          </a:bodyPr>
-          <a:lstStyle/>
-          <a:p>
-            <a:r>
-              <a:rPr lang="zh-CN" altLang="en-US" sz="5400" b="1" dirty="0">
-                <a:solidFill>
-                  <a:schemeClr val="tx1"/>
-                </a:solidFill>
-              </a:rPr>
-              <a:t>实践演练</a:t>
-            </a:r>
-            <a:r>
-              <a:rPr lang="en-US" altLang="zh-CN" sz="5400" b="1" dirty="0">
-                <a:solidFill>
-                  <a:schemeClr val="tx1"/>
-                </a:solidFill>
-              </a:rPr>
-              <a:t>1</a:t>
-            </a:r>
-          </a:p>
-        </p:txBody>
-      </p:sp>
-      <p:sp>
-        <p:nvSpPr>
-          <p:cNvPr id="2" name="文本框 1"/>
-          <p:cNvSpPr txBox="1"/>
+      </p:pic>
+      <p:pic>
+        <p:nvPicPr>
+          <p:cNvPr id="9" name="图片 8">
+            <a:extLst>
+              <a:ext uri="{FF2B5EF4-FFF2-40B4-BE49-F238E27FC236}">
+                <a16:creationId xmlns:a16="http://schemas.microsoft.com/office/drawing/2014/main" id="{72F85291-A585-F5A2-DCEE-D8FCE1577F12}"/>
+              </a:ext>
+            </a:extLst>
+          </p:cNvPr>
+          <p:cNvPicPr>
+            <a:picLocks noChangeAspect="1"/>
+          </p:cNvPicPr>
           <p:nvPr/>
-        </p:nvSpPr>
+        </p:nvPicPr>
+        <p:blipFill>
+          <a:blip r:embed="rId4"/>
+          <a:stretch>
+            <a:fillRect/>
+          </a:stretch>
+        </p:blipFill>
         <p:spPr>
           <a:xfrm>
-            <a:off x="3287210" y="3429000"/>
-            <a:ext cx="4595150" cy="337185"/>
+            <a:off x="4881173" y="2504892"/>
+            <a:ext cx="3980958" cy="3105820"/>
           </a:xfrm>
           <a:prstGeom prst="rect">
             <a:avLst/>
           </a:prstGeom>
-          <a:noFill/>
         </p:spPr>
-        <p:txBody>
-          <a:bodyPr wrap="square" rtlCol="0">
-            <a:spAutoFit/>
-          </a:bodyPr>
-          <a:lstStyle/>
-          <a:p>
-            <a:pPr marL="285750" indent="-285750">
-              <a:buFont typeface="Arial" panose="020B0604020202020204" pitchFamily="34" charset="0"/>
-              <a:buChar char="•"/>
-            </a:pPr>
-            <a:r>
-              <a:rPr lang="en-US" altLang="zh-CN" sz="1600" dirty="0">
-                <a:solidFill>
-                  <a:schemeClr val="bg2"/>
-                </a:solidFill>
-              </a:rPr>
-              <a:t>TodoList</a:t>
-            </a:r>
-            <a:r>
-              <a:rPr lang="zh-CN" altLang="en-US" sz="1600" dirty="0">
-                <a:solidFill>
-                  <a:schemeClr val="bg2"/>
-                </a:solidFill>
-              </a:rPr>
-              <a:t>案例 </a:t>
-            </a:r>
-            <a:endParaRPr lang="en-US" altLang="zh-CN" sz="1600" dirty="0">
-              <a:solidFill>
-                <a:schemeClr val="bg2"/>
-              </a:solidFill>
-            </a:endParaRPr>
-          </a:p>
-        </p:txBody>
-      </p:sp>
+      </p:pic>
     </p:spTree>
+    <p:extLst>
+      <p:ext uri="{BB962C8B-B14F-4D97-AF65-F5344CB8AC3E}">
+        <p14:creationId xmlns:p14="http://schemas.microsoft.com/office/powerpoint/2010/main" val="4145618858"/>
+      </p:ext>
+    </p:extLst>
   </p:cSld>
   <p:clrMapOvr>
     <a:masterClrMapping/>

--- a/PPT内容.pptx
+++ b/PPT内容.pptx
@@ -5,7 +5,7 @@
     <p:sldMasterId id="2147483648" r:id="rId1"/>
   </p:sldMasterIdLst>
   <p:notesMasterIdLst>
-    <p:notesMasterId r:id="rId23"/>
+    <p:notesMasterId r:id="rId38"/>
   </p:notesMasterIdLst>
   <p:sldIdLst>
     <p:sldId id="422" r:id="rId2"/>
@@ -21,19 +21,34 @@
     <p:sldId id="443" r:id="rId12"/>
     <p:sldId id="444" r:id="rId13"/>
     <p:sldId id="445" r:id="rId14"/>
-    <p:sldId id="431" r:id="rId15"/>
-    <p:sldId id="437" r:id="rId16"/>
-    <p:sldId id="432" r:id="rId17"/>
-    <p:sldId id="434" r:id="rId18"/>
-    <p:sldId id="435" r:id="rId19"/>
-    <p:sldId id="439" r:id="rId20"/>
-    <p:sldId id="436" r:id="rId21"/>
-    <p:sldId id="357" r:id="rId22"/>
+    <p:sldId id="446" r:id="rId15"/>
+    <p:sldId id="448" r:id="rId16"/>
+    <p:sldId id="452" r:id="rId17"/>
+    <p:sldId id="449" r:id="rId18"/>
+    <p:sldId id="450" r:id="rId19"/>
+    <p:sldId id="451" r:id="rId20"/>
+    <p:sldId id="454" r:id="rId21"/>
+    <p:sldId id="461" r:id="rId22"/>
+    <p:sldId id="431" r:id="rId23"/>
+    <p:sldId id="453" r:id="rId24"/>
+    <p:sldId id="437" r:id="rId25"/>
+    <p:sldId id="455" r:id="rId26"/>
+    <p:sldId id="456" r:id="rId27"/>
+    <p:sldId id="460" r:id="rId28"/>
+    <p:sldId id="457" r:id="rId29"/>
+    <p:sldId id="458" r:id="rId30"/>
+    <p:sldId id="459" r:id="rId31"/>
+    <p:sldId id="432" r:id="rId32"/>
+    <p:sldId id="434" r:id="rId33"/>
+    <p:sldId id="435" r:id="rId34"/>
+    <p:sldId id="439" r:id="rId35"/>
+    <p:sldId id="436" r:id="rId36"/>
+    <p:sldId id="357" r:id="rId37"/>
   </p:sldIdLst>
   <p:sldSz cx="9144000" cy="6858000" type="screen4x3"/>
   <p:notesSz cx="6858000" cy="9144000"/>
   <p:custDataLst>
-    <p:tags r:id="rId24"/>
+    <p:tags r:id="rId39"/>
   </p:custDataLst>
   <p:defaultTextStyle>
     <a:defPPr>
@@ -231,7 +246,7 @@
           <a:p>
             <a:fld id="{7F25A8C7-CC1A-4A08-9B4B-31F43B054C7F}" type="datetimeFigureOut">
               <a:rPr lang="zh-CN" altLang="en-US" smtClean="0"/>
-              <a:t>2023/12/31</a:t>
+              <a:t>2024/1/1</a:t>
             </a:fld>
             <a:endParaRPr lang="zh-CN" altLang="en-US"/>
           </a:p>
@@ -577,6 +592,963 @@
 </p:notes>
 </file>
 
+<file path=ppt/notesSlides/notesSlide10.xml><?xml version="1.0" encoding="utf-8"?>
+<p:notes xmlns:a="http://schemas.openxmlformats.org/drawingml/2006/main" xmlns:r="http://schemas.openxmlformats.org/officeDocument/2006/relationships" xmlns:p="http://schemas.openxmlformats.org/presentationml/2006/main">
+  <p:cSld>
+    <p:spTree>
+      <p:nvGrpSpPr>
+        <p:cNvPr id="1" name=""/>
+        <p:cNvGrpSpPr/>
+        <p:nvPr/>
+      </p:nvGrpSpPr>
+      <p:grpSpPr>
+        <a:xfrm>
+          <a:off x="0" y="0"/>
+          <a:ext cx="0" cy="0"/>
+          <a:chOff x="0" y="0"/>
+          <a:chExt cx="0" cy="0"/>
+        </a:xfrm>
+      </p:grpSpPr>
+      <p:sp>
+        <p:nvSpPr>
+          <p:cNvPr id="2" name="幻灯片图像占位符 1"/>
+          <p:cNvSpPr>
+            <a:spLocks noGrp="1" noRot="1" noChangeAspect="1"/>
+          </p:cNvSpPr>
+          <p:nvPr>
+            <p:ph type="sldImg"/>
+          </p:nvPr>
+        </p:nvSpPr>
+        <p:spPr/>
+      </p:sp>
+      <p:sp>
+        <p:nvSpPr>
+          <p:cNvPr id="3" name="备注占位符 2"/>
+          <p:cNvSpPr>
+            <a:spLocks noGrp="1"/>
+          </p:cNvSpPr>
+          <p:nvPr>
+            <p:ph type="body" idx="1"/>
+          </p:nvPr>
+        </p:nvSpPr>
+        <p:spPr/>
+        <p:txBody>
+          <a:bodyPr/>
+          <a:lstStyle/>
+          <a:p>
+            <a:r>
+              <a:rPr lang="en-US" altLang="zh-CN" dirty="0"/>
+              <a:t>[1]</a:t>
+            </a:r>
+            <a:r>
+              <a:rPr lang="zh-CN" altLang="en-US" dirty="0"/>
+              <a:t>涉及到父子组件，后面讲</a:t>
+            </a:r>
+          </a:p>
+        </p:txBody>
+      </p:sp>
+      <p:sp>
+        <p:nvSpPr>
+          <p:cNvPr id="4" name="灯片编号占位符 3"/>
+          <p:cNvSpPr>
+            <a:spLocks noGrp="1"/>
+          </p:cNvSpPr>
+          <p:nvPr>
+            <p:ph type="sldNum" sz="quarter" idx="5"/>
+          </p:nvPr>
+        </p:nvSpPr>
+        <p:spPr/>
+        <p:txBody>
+          <a:bodyPr/>
+          <a:lstStyle/>
+          <a:p>
+            <a:fld id="{F9E1B693-632D-4080-9CF6-EA28B66DC801}" type="slidenum">
+              <a:rPr lang="zh-CN" altLang="en-US" smtClean="0"/>
+              <a:t>16</a:t>
+            </a:fld>
+            <a:endParaRPr lang="zh-CN" altLang="en-US"/>
+          </a:p>
+        </p:txBody>
+      </p:sp>
+    </p:spTree>
+    <p:extLst>
+      <p:ext uri="{BB962C8B-B14F-4D97-AF65-F5344CB8AC3E}">
+        <p14:creationId xmlns:p14="http://schemas.microsoft.com/office/powerpoint/2010/main" val="3887661602"/>
+      </p:ext>
+    </p:extLst>
+  </p:cSld>
+  <p:clrMapOvr>
+    <a:masterClrMapping/>
+  </p:clrMapOvr>
+</p:notes>
+</file>
+
+<file path=ppt/notesSlides/notesSlide11.xml><?xml version="1.0" encoding="utf-8"?>
+<p:notes xmlns:a="http://schemas.openxmlformats.org/drawingml/2006/main" xmlns:r="http://schemas.openxmlformats.org/officeDocument/2006/relationships" xmlns:p="http://schemas.openxmlformats.org/presentationml/2006/main">
+  <p:cSld>
+    <p:spTree>
+      <p:nvGrpSpPr>
+        <p:cNvPr id="1" name=""/>
+        <p:cNvGrpSpPr/>
+        <p:nvPr/>
+      </p:nvGrpSpPr>
+      <p:grpSpPr>
+        <a:xfrm>
+          <a:off x="0" y="0"/>
+          <a:ext cx="0" cy="0"/>
+          <a:chOff x="0" y="0"/>
+          <a:chExt cx="0" cy="0"/>
+        </a:xfrm>
+      </p:grpSpPr>
+      <p:sp>
+        <p:nvSpPr>
+          <p:cNvPr id="2" name="幻灯片图像占位符 1"/>
+          <p:cNvSpPr>
+            <a:spLocks noGrp="1" noRot="1" noChangeAspect="1"/>
+          </p:cNvSpPr>
+          <p:nvPr>
+            <p:ph type="sldImg"/>
+          </p:nvPr>
+        </p:nvSpPr>
+        <p:spPr/>
+      </p:sp>
+      <p:sp>
+        <p:nvSpPr>
+          <p:cNvPr id="3" name="备注占位符 2"/>
+          <p:cNvSpPr>
+            <a:spLocks noGrp="1"/>
+          </p:cNvSpPr>
+          <p:nvPr>
+            <p:ph type="body" idx="1"/>
+          </p:nvPr>
+        </p:nvSpPr>
+        <p:spPr/>
+        <p:txBody>
+          <a:bodyPr/>
+          <a:lstStyle/>
+          <a:p>
+            <a:endParaRPr lang="zh-CN" altLang="en-US" dirty="0"/>
+          </a:p>
+        </p:txBody>
+      </p:sp>
+      <p:sp>
+        <p:nvSpPr>
+          <p:cNvPr id="4" name="灯片编号占位符 3"/>
+          <p:cNvSpPr>
+            <a:spLocks noGrp="1"/>
+          </p:cNvSpPr>
+          <p:nvPr>
+            <p:ph type="sldNum" sz="quarter" idx="5"/>
+          </p:nvPr>
+        </p:nvSpPr>
+        <p:spPr/>
+        <p:txBody>
+          <a:bodyPr/>
+          <a:lstStyle/>
+          <a:p>
+            <a:fld id="{F9E1B693-632D-4080-9CF6-EA28B66DC801}" type="slidenum">
+              <a:rPr lang="zh-CN" altLang="en-US" smtClean="0"/>
+              <a:t>17</a:t>
+            </a:fld>
+            <a:endParaRPr lang="zh-CN" altLang="en-US"/>
+          </a:p>
+        </p:txBody>
+      </p:sp>
+    </p:spTree>
+    <p:extLst>
+      <p:ext uri="{BB962C8B-B14F-4D97-AF65-F5344CB8AC3E}">
+        <p14:creationId xmlns:p14="http://schemas.microsoft.com/office/powerpoint/2010/main" val="2002208467"/>
+      </p:ext>
+    </p:extLst>
+  </p:cSld>
+  <p:clrMapOvr>
+    <a:masterClrMapping/>
+  </p:clrMapOvr>
+</p:notes>
+</file>
+
+<file path=ppt/notesSlides/notesSlide12.xml><?xml version="1.0" encoding="utf-8"?>
+<p:notes xmlns:a="http://schemas.openxmlformats.org/drawingml/2006/main" xmlns:r="http://schemas.openxmlformats.org/officeDocument/2006/relationships" xmlns:p="http://schemas.openxmlformats.org/presentationml/2006/main">
+  <p:cSld>
+    <p:spTree>
+      <p:nvGrpSpPr>
+        <p:cNvPr id="1" name=""/>
+        <p:cNvGrpSpPr/>
+        <p:nvPr/>
+      </p:nvGrpSpPr>
+      <p:grpSpPr>
+        <a:xfrm>
+          <a:off x="0" y="0"/>
+          <a:ext cx="0" cy="0"/>
+          <a:chOff x="0" y="0"/>
+          <a:chExt cx="0" cy="0"/>
+        </a:xfrm>
+      </p:grpSpPr>
+      <p:sp>
+        <p:nvSpPr>
+          <p:cNvPr id="2" name="幻灯片图像占位符 1"/>
+          <p:cNvSpPr>
+            <a:spLocks noGrp="1" noRot="1" noChangeAspect="1"/>
+          </p:cNvSpPr>
+          <p:nvPr>
+            <p:ph type="sldImg"/>
+          </p:nvPr>
+        </p:nvSpPr>
+        <p:spPr/>
+      </p:sp>
+      <p:sp>
+        <p:nvSpPr>
+          <p:cNvPr id="3" name="备注占位符 2"/>
+          <p:cNvSpPr>
+            <a:spLocks noGrp="1"/>
+          </p:cNvSpPr>
+          <p:nvPr>
+            <p:ph type="body" idx="1"/>
+          </p:nvPr>
+        </p:nvSpPr>
+        <p:spPr/>
+        <p:txBody>
+          <a:bodyPr/>
+          <a:lstStyle/>
+          <a:p>
+            <a:endParaRPr lang="zh-CN" altLang="en-US" dirty="0"/>
+          </a:p>
+        </p:txBody>
+      </p:sp>
+      <p:sp>
+        <p:nvSpPr>
+          <p:cNvPr id="4" name="灯片编号占位符 3"/>
+          <p:cNvSpPr>
+            <a:spLocks noGrp="1"/>
+          </p:cNvSpPr>
+          <p:nvPr>
+            <p:ph type="sldNum" sz="quarter" idx="5"/>
+          </p:nvPr>
+        </p:nvSpPr>
+        <p:spPr/>
+        <p:txBody>
+          <a:bodyPr/>
+          <a:lstStyle/>
+          <a:p>
+            <a:fld id="{F9E1B693-632D-4080-9CF6-EA28B66DC801}" type="slidenum">
+              <a:rPr lang="zh-CN" altLang="en-US" smtClean="0"/>
+              <a:t>18</a:t>
+            </a:fld>
+            <a:endParaRPr lang="zh-CN" altLang="en-US"/>
+          </a:p>
+        </p:txBody>
+      </p:sp>
+    </p:spTree>
+    <p:extLst>
+      <p:ext uri="{BB962C8B-B14F-4D97-AF65-F5344CB8AC3E}">
+        <p14:creationId xmlns:p14="http://schemas.microsoft.com/office/powerpoint/2010/main" val="1585967685"/>
+      </p:ext>
+    </p:extLst>
+  </p:cSld>
+  <p:clrMapOvr>
+    <a:masterClrMapping/>
+  </p:clrMapOvr>
+</p:notes>
+</file>
+
+<file path=ppt/notesSlides/notesSlide13.xml><?xml version="1.0" encoding="utf-8"?>
+<p:notes xmlns:a="http://schemas.openxmlformats.org/drawingml/2006/main" xmlns:r="http://schemas.openxmlformats.org/officeDocument/2006/relationships" xmlns:p="http://schemas.openxmlformats.org/presentationml/2006/main">
+  <p:cSld>
+    <p:spTree>
+      <p:nvGrpSpPr>
+        <p:cNvPr id="1" name=""/>
+        <p:cNvGrpSpPr/>
+        <p:nvPr/>
+      </p:nvGrpSpPr>
+      <p:grpSpPr>
+        <a:xfrm>
+          <a:off x="0" y="0"/>
+          <a:ext cx="0" cy="0"/>
+          <a:chOff x="0" y="0"/>
+          <a:chExt cx="0" cy="0"/>
+        </a:xfrm>
+      </p:grpSpPr>
+      <p:sp>
+        <p:nvSpPr>
+          <p:cNvPr id="2" name="幻灯片图像占位符 1"/>
+          <p:cNvSpPr>
+            <a:spLocks noGrp="1" noRot="1" noChangeAspect="1"/>
+          </p:cNvSpPr>
+          <p:nvPr>
+            <p:ph type="sldImg"/>
+          </p:nvPr>
+        </p:nvSpPr>
+        <p:spPr/>
+      </p:sp>
+      <p:sp>
+        <p:nvSpPr>
+          <p:cNvPr id="3" name="备注占位符 2"/>
+          <p:cNvSpPr>
+            <a:spLocks noGrp="1"/>
+          </p:cNvSpPr>
+          <p:nvPr>
+            <p:ph type="body" idx="1"/>
+          </p:nvPr>
+        </p:nvSpPr>
+        <p:spPr/>
+        <p:txBody>
+          <a:bodyPr/>
+          <a:lstStyle/>
+          <a:p>
+            <a:r>
+              <a:rPr lang="en-US" altLang="zh-CN" dirty="0"/>
+              <a:t>[1]</a:t>
+            </a:r>
+            <a:r>
+              <a:rPr lang="zh-CN" altLang="en-US" dirty="0"/>
+              <a:t> 模拟到组件通信，后面讲</a:t>
+            </a:r>
+          </a:p>
+        </p:txBody>
+      </p:sp>
+      <p:sp>
+        <p:nvSpPr>
+          <p:cNvPr id="4" name="灯片编号占位符 3"/>
+          <p:cNvSpPr>
+            <a:spLocks noGrp="1"/>
+          </p:cNvSpPr>
+          <p:nvPr>
+            <p:ph type="sldNum" sz="quarter" idx="5"/>
+          </p:nvPr>
+        </p:nvSpPr>
+        <p:spPr/>
+        <p:txBody>
+          <a:bodyPr/>
+          <a:lstStyle/>
+          <a:p>
+            <a:fld id="{F9E1B693-632D-4080-9CF6-EA28B66DC801}" type="slidenum">
+              <a:rPr lang="zh-CN" altLang="en-US" smtClean="0"/>
+              <a:t>19</a:t>
+            </a:fld>
+            <a:endParaRPr lang="zh-CN" altLang="en-US"/>
+          </a:p>
+        </p:txBody>
+      </p:sp>
+    </p:spTree>
+    <p:extLst>
+      <p:ext uri="{BB962C8B-B14F-4D97-AF65-F5344CB8AC3E}">
+        <p14:creationId xmlns:p14="http://schemas.microsoft.com/office/powerpoint/2010/main" val="1278806417"/>
+      </p:ext>
+    </p:extLst>
+  </p:cSld>
+  <p:clrMapOvr>
+    <a:masterClrMapping/>
+  </p:clrMapOvr>
+</p:notes>
+</file>
+
+<file path=ppt/notesSlides/notesSlide14.xml><?xml version="1.0" encoding="utf-8"?>
+<p:notes xmlns:a="http://schemas.openxmlformats.org/drawingml/2006/main" xmlns:r="http://schemas.openxmlformats.org/officeDocument/2006/relationships" xmlns:p="http://schemas.openxmlformats.org/presentationml/2006/main">
+  <p:cSld>
+    <p:spTree>
+      <p:nvGrpSpPr>
+        <p:cNvPr id="1" name=""/>
+        <p:cNvGrpSpPr/>
+        <p:nvPr/>
+      </p:nvGrpSpPr>
+      <p:grpSpPr>
+        <a:xfrm>
+          <a:off x="0" y="0"/>
+          <a:ext cx="0" cy="0"/>
+          <a:chOff x="0" y="0"/>
+          <a:chExt cx="0" cy="0"/>
+        </a:xfrm>
+      </p:grpSpPr>
+      <p:sp>
+        <p:nvSpPr>
+          <p:cNvPr id="2" name="幻灯片图像占位符 1"/>
+          <p:cNvSpPr>
+            <a:spLocks noGrp="1" noRot="1" noChangeAspect="1"/>
+          </p:cNvSpPr>
+          <p:nvPr>
+            <p:ph type="sldImg"/>
+          </p:nvPr>
+        </p:nvSpPr>
+        <p:spPr/>
+      </p:sp>
+      <p:sp>
+        <p:nvSpPr>
+          <p:cNvPr id="3" name="备注占位符 2"/>
+          <p:cNvSpPr>
+            <a:spLocks noGrp="1"/>
+          </p:cNvSpPr>
+          <p:nvPr>
+            <p:ph type="body" idx="1"/>
+          </p:nvPr>
+        </p:nvSpPr>
+        <p:spPr/>
+        <p:txBody>
+          <a:bodyPr/>
+          <a:lstStyle/>
+          <a:p>
+            <a:endParaRPr lang="zh-CN" altLang="en-US" dirty="0"/>
+          </a:p>
+        </p:txBody>
+      </p:sp>
+      <p:sp>
+        <p:nvSpPr>
+          <p:cNvPr id="4" name="灯片编号占位符 3"/>
+          <p:cNvSpPr>
+            <a:spLocks noGrp="1"/>
+          </p:cNvSpPr>
+          <p:nvPr>
+            <p:ph type="sldNum" sz="quarter" idx="5"/>
+          </p:nvPr>
+        </p:nvSpPr>
+        <p:spPr/>
+        <p:txBody>
+          <a:bodyPr/>
+          <a:lstStyle/>
+          <a:p>
+            <a:fld id="{F9E1B693-632D-4080-9CF6-EA28B66DC801}" type="slidenum">
+              <a:rPr lang="zh-CN" altLang="en-US" smtClean="0"/>
+              <a:t>20</a:t>
+            </a:fld>
+            <a:endParaRPr lang="zh-CN" altLang="en-US"/>
+          </a:p>
+        </p:txBody>
+      </p:sp>
+    </p:spTree>
+    <p:extLst>
+      <p:ext uri="{BB962C8B-B14F-4D97-AF65-F5344CB8AC3E}">
+        <p14:creationId xmlns:p14="http://schemas.microsoft.com/office/powerpoint/2010/main" val="3032576476"/>
+      </p:ext>
+    </p:extLst>
+  </p:cSld>
+  <p:clrMapOvr>
+    <a:masterClrMapping/>
+  </p:clrMapOvr>
+</p:notes>
+</file>
+
+<file path=ppt/notesSlides/notesSlide15.xml><?xml version="1.0" encoding="utf-8"?>
+<p:notes xmlns:a="http://schemas.openxmlformats.org/drawingml/2006/main" xmlns:r="http://schemas.openxmlformats.org/officeDocument/2006/relationships" xmlns:p="http://schemas.openxmlformats.org/presentationml/2006/main">
+  <p:cSld>
+    <p:spTree>
+      <p:nvGrpSpPr>
+        <p:cNvPr id="1" name=""/>
+        <p:cNvGrpSpPr/>
+        <p:nvPr/>
+      </p:nvGrpSpPr>
+      <p:grpSpPr>
+        <a:xfrm>
+          <a:off x="0" y="0"/>
+          <a:ext cx="0" cy="0"/>
+          <a:chOff x="0" y="0"/>
+          <a:chExt cx="0" cy="0"/>
+        </a:xfrm>
+      </p:grpSpPr>
+      <p:sp>
+        <p:nvSpPr>
+          <p:cNvPr id="2" name="幻灯片图像占位符 1"/>
+          <p:cNvSpPr>
+            <a:spLocks noGrp="1" noRot="1" noChangeAspect="1"/>
+          </p:cNvSpPr>
+          <p:nvPr>
+            <p:ph type="sldImg"/>
+          </p:nvPr>
+        </p:nvSpPr>
+        <p:spPr/>
+      </p:sp>
+      <p:sp>
+        <p:nvSpPr>
+          <p:cNvPr id="3" name="备注占位符 2"/>
+          <p:cNvSpPr>
+            <a:spLocks noGrp="1"/>
+          </p:cNvSpPr>
+          <p:nvPr>
+            <p:ph type="body" idx="1"/>
+          </p:nvPr>
+        </p:nvSpPr>
+        <p:spPr/>
+        <p:txBody>
+          <a:bodyPr/>
+          <a:lstStyle/>
+          <a:p>
+            <a:endParaRPr lang="zh-CN" altLang="en-US" dirty="0"/>
+          </a:p>
+        </p:txBody>
+      </p:sp>
+      <p:sp>
+        <p:nvSpPr>
+          <p:cNvPr id="4" name="灯片编号占位符 3"/>
+          <p:cNvSpPr>
+            <a:spLocks noGrp="1"/>
+          </p:cNvSpPr>
+          <p:nvPr>
+            <p:ph type="sldNum" sz="quarter" idx="5"/>
+          </p:nvPr>
+        </p:nvSpPr>
+        <p:spPr/>
+        <p:txBody>
+          <a:bodyPr/>
+          <a:lstStyle/>
+          <a:p>
+            <a:fld id="{F9E1B693-632D-4080-9CF6-EA28B66DC801}" type="slidenum">
+              <a:rPr lang="zh-CN" altLang="en-US" smtClean="0"/>
+              <a:t>21</a:t>
+            </a:fld>
+            <a:endParaRPr lang="zh-CN" altLang="en-US"/>
+          </a:p>
+        </p:txBody>
+      </p:sp>
+    </p:spTree>
+    <p:extLst>
+      <p:ext uri="{BB962C8B-B14F-4D97-AF65-F5344CB8AC3E}">
+        <p14:creationId xmlns:p14="http://schemas.microsoft.com/office/powerpoint/2010/main" val="1042035529"/>
+      </p:ext>
+    </p:extLst>
+  </p:cSld>
+  <p:clrMapOvr>
+    <a:masterClrMapping/>
+  </p:clrMapOvr>
+</p:notes>
+</file>
+
+<file path=ppt/notesSlides/notesSlide16.xml><?xml version="1.0" encoding="utf-8"?>
+<p:notes xmlns:a="http://schemas.openxmlformats.org/drawingml/2006/main" xmlns:r="http://schemas.openxmlformats.org/officeDocument/2006/relationships" xmlns:p="http://schemas.openxmlformats.org/presentationml/2006/main">
+  <p:cSld>
+    <p:spTree>
+      <p:nvGrpSpPr>
+        <p:cNvPr id="1" name=""/>
+        <p:cNvGrpSpPr/>
+        <p:nvPr/>
+      </p:nvGrpSpPr>
+      <p:grpSpPr>
+        <a:xfrm>
+          <a:off x="0" y="0"/>
+          <a:ext cx="0" cy="0"/>
+          <a:chOff x="0" y="0"/>
+          <a:chExt cx="0" cy="0"/>
+        </a:xfrm>
+      </p:grpSpPr>
+      <p:sp>
+        <p:nvSpPr>
+          <p:cNvPr id="2" name="幻灯片图像占位符 1"/>
+          <p:cNvSpPr>
+            <a:spLocks noGrp="1" noRot="1" noChangeAspect="1"/>
+          </p:cNvSpPr>
+          <p:nvPr>
+            <p:ph type="sldImg"/>
+          </p:nvPr>
+        </p:nvSpPr>
+        <p:spPr/>
+      </p:sp>
+      <p:sp>
+        <p:nvSpPr>
+          <p:cNvPr id="3" name="备注占位符 2"/>
+          <p:cNvSpPr>
+            <a:spLocks noGrp="1"/>
+          </p:cNvSpPr>
+          <p:nvPr>
+            <p:ph type="body" idx="1"/>
+          </p:nvPr>
+        </p:nvSpPr>
+        <p:spPr/>
+        <p:txBody>
+          <a:bodyPr/>
+          <a:lstStyle/>
+          <a:p>
+            <a:pPr marL="0" marR="0" lvl="0" indent="0" algn="l" defTabSz="914400" rtl="0" eaLnBrk="1" fontAlgn="auto" latinLnBrk="0" hangingPunct="1">
+              <a:lnSpc>
+                <a:spcPct val="100000"/>
+              </a:lnSpc>
+              <a:spcBef>
+                <a:spcPts val="0"/>
+              </a:spcBef>
+              <a:spcAft>
+                <a:spcPts val="0"/>
+              </a:spcAft>
+              <a:buClrTx/>
+              <a:buSzTx/>
+              <a:buFontTx/>
+              <a:buNone/>
+              <a:tabLst/>
+              <a:defRPr/>
+            </a:pPr>
+            <a:r>
+              <a:rPr lang="zh-CN" altLang="en-US" b="0" dirty="0">
+                <a:solidFill>
+                  <a:srgbClr val="6A9955"/>
+                </a:solidFill>
+                <a:effectLst/>
+                <a:latin typeface="Consolas" panose="020B0609020204030204" pitchFamily="49" charset="0"/>
+              </a:rPr>
+              <a:t>通过这个案例，我们对</a:t>
+            </a:r>
+            <a:r>
+              <a:rPr lang="en-US" altLang="zh-CN" b="0" dirty="0">
+                <a:solidFill>
+                  <a:srgbClr val="6A9955"/>
+                </a:solidFill>
+                <a:effectLst/>
+                <a:latin typeface="Consolas" panose="020B0609020204030204" pitchFamily="49" charset="0"/>
+              </a:rPr>
+              <a:t>JSX</a:t>
+            </a:r>
+            <a:r>
+              <a:rPr lang="zh-CN" altLang="en-US" b="0" dirty="0">
+                <a:solidFill>
+                  <a:srgbClr val="6A9955"/>
+                </a:solidFill>
+                <a:effectLst/>
+                <a:latin typeface="Consolas" panose="020B0609020204030204" pitchFamily="49" charset="0"/>
+              </a:rPr>
+              <a:t>，组件样式，条件渲染，列表渲染，事件点击，表单受控等知识进行了练习，接下来进入</a:t>
+            </a:r>
+            <a:r>
+              <a:rPr lang="en-US" altLang="zh-CN" b="0" dirty="0">
+                <a:solidFill>
+                  <a:srgbClr val="6A9955"/>
+                </a:solidFill>
+                <a:effectLst/>
+                <a:latin typeface="Consolas" panose="020B0609020204030204" pitchFamily="49" charset="0"/>
+              </a:rPr>
+              <a:t>react</a:t>
+            </a:r>
+            <a:r>
+              <a:rPr lang="zh-CN" altLang="en-US" b="0" dirty="0">
+                <a:solidFill>
+                  <a:srgbClr val="6A9955"/>
+                </a:solidFill>
+                <a:effectLst/>
+                <a:latin typeface="Consolas" panose="020B0609020204030204" pitchFamily="49" charset="0"/>
+              </a:rPr>
+              <a:t>进阶模块。</a:t>
+            </a:r>
+            <a:endParaRPr lang="zh-CN" altLang="en-US" b="0" dirty="0">
+              <a:solidFill>
+                <a:srgbClr val="CCCCCC"/>
+              </a:solidFill>
+              <a:effectLst/>
+              <a:latin typeface="Consolas" panose="020B0609020204030204" pitchFamily="49" charset="0"/>
+            </a:endParaRPr>
+          </a:p>
+          <a:p>
+            <a:endParaRPr lang="zh-CN" altLang="en-US" dirty="0"/>
+          </a:p>
+        </p:txBody>
+      </p:sp>
+      <p:sp>
+        <p:nvSpPr>
+          <p:cNvPr id="4" name="灯片编号占位符 3"/>
+          <p:cNvSpPr>
+            <a:spLocks noGrp="1"/>
+          </p:cNvSpPr>
+          <p:nvPr>
+            <p:ph type="sldNum" sz="quarter" idx="5"/>
+          </p:nvPr>
+        </p:nvSpPr>
+        <p:spPr/>
+        <p:txBody>
+          <a:bodyPr/>
+          <a:lstStyle/>
+          <a:p>
+            <a:fld id="{F9E1B693-632D-4080-9CF6-EA28B66DC801}" type="slidenum">
+              <a:rPr lang="zh-CN" altLang="en-US" smtClean="0"/>
+              <a:t>23</a:t>
+            </a:fld>
+            <a:endParaRPr lang="zh-CN" altLang="en-US"/>
+          </a:p>
+        </p:txBody>
+      </p:sp>
+    </p:spTree>
+    <p:extLst>
+      <p:ext uri="{BB962C8B-B14F-4D97-AF65-F5344CB8AC3E}">
+        <p14:creationId xmlns:p14="http://schemas.microsoft.com/office/powerpoint/2010/main" val="3280530011"/>
+      </p:ext>
+    </p:extLst>
+  </p:cSld>
+  <p:clrMapOvr>
+    <a:masterClrMapping/>
+  </p:clrMapOvr>
+</p:notes>
+</file>
+
+<file path=ppt/notesSlides/notesSlide17.xml><?xml version="1.0" encoding="utf-8"?>
+<p:notes xmlns:a="http://schemas.openxmlformats.org/drawingml/2006/main" xmlns:r="http://schemas.openxmlformats.org/officeDocument/2006/relationships" xmlns:p="http://schemas.openxmlformats.org/presentationml/2006/main">
+  <p:cSld>
+    <p:spTree>
+      <p:nvGrpSpPr>
+        <p:cNvPr id="1" name=""/>
+        <p:cNvGrpSpPr/>
+        <p:nvPr/>
+      </p:nvGrpSpPr>
+      <p:grpSpPr>
+        <a:xfrm>
+          <a:off x="0" y="0"/>
+          <a:ext cx="0" cy="0"/>
+          <a:chOff x="0" y="0"/>
+          <a:chExt cx="0" cy="0"/>
+        </a:xfrm>
+      </p:grpSpPr>
+      <p:sp>
+        <p:nvSpPr>
+          <p:cNvPr id="2" name="幻灯片图像占位符 1"/>
+          <p:cNvSpPr>
+            <a:spLocks noGrp="1" noRot="1" noChangeAspect="1"/>
+          </p:cNvSpPr>
+          <p:nvPr>
+            <p:ph type="sldImg"/>
+          </p:nvPr>
+        </p:nvSpPr>
+        <p:spPr/>
+      </p:sp>
+      <p:sp>
+        <p:nvSpPr>
+          <p:cNvPr id="3" name="备注占位符 2"/>
+          <p:cNvSpPr>
+            <a:spLocks noGrp="1"/>
+          </p:cNvSpPr>
+          <p:nvPr>
+            <p:ph type="body" idx="1"/>
+          </p:nvPr>
+        </p:nvSpPr>
+        <p:spPr/>
+        <p:txBody>
+          <a:bodyPr/>
+          <a:lstStyle/>
+          <a:p>
+            <a:r>
+              <a:rPr lang="en-US" altLang="zh-CN" dirty="0"/>
+              <a:t>[1]</a:t>
+            </a:r>
+            <a:r>
+              <a:rPr lang="zh-CN" altLang="en-US" dirty="0"/>
+              <a:t>在</a:t>
+            </a:r>
+            <a:r>
+              <a:rPr lang="en-US" altLang="zh-CN" dirty="0"/>
+              <a:t>react</a:t>
+            </a:r>
+            <a:r>
+              <a:rPr lang="zh-CN" altLang="en-US" dirty="0"/>
+              <a:t>中，万物皆组件化，一个函数就是一个组件，在这之前的案例其实已经感受到了。一个页面你可以拆成多个组件去写，组件可以实现代码复用的功能，另外还有让代码结构更清晰，一块都可以拆成一个组件。组件内可以套用组件，每个组件都有自己的实例。 看这张原型图，讲</a:t>
+            </a:r>
+            <a:r>
+              <a:rPr lang="en-US" altLang="zh-CN" dirty="0"/>
+              <a:t>….</a:t>
+            </a:r>
+            <a:endParaRPr lang="zh-CN" altLang="en-US" dirty="0"/>
+          </a:p>
+        </p:txBody>
+      </p:sp>
+      <p:sp>
+        <p:nvSpPr>
+          <p:cNvPr id="4" name="灯片编号占位符 3"/>
+          <p:cNvSpPr>
+            <a:spLocks noGrp="1"/>
+          </p:cNvSpPr>
+          <p:nvPr>
+            <p:ph type="sldNum" sz="quarter" idx="5"/>
+          </p:nvPr>
+        </p:nvSpPr>
+        <p:spPr/>
+        <p:txBody>
+          <a:bodyPr/>
+          <a:lstStyle/>
+          <a:p>
+            <a:fld id="{F9E1B693-632D-4080-9CF6-EA28B66DC801}" type="slidenum">
+              <a:rPr lang="zh-CN" altLang="en-US" smtClean="0"/>
+              <a:t>25</a:t>
+            </a:fld>
+            <a:endParaRPr lang="zh-CN" altLang="en-US"/>
+          </a:p>
+        </p:txBody>
+      </p:sp>
+    </p:spTree>
+    <p:extLst>
+      <p:ext uri="{BB962C8B-B14F-4D97-AF65-F5344CB8AC3E}">
+        <p14:creationId xmlns:p14="http://schemas.microsoft.com/office/powerpoint/2010/main" val="297479630"/>
+      </p:ext>
+    </p:extLst>
+  </p:cSld>
+  <p:clrMapOvr>
+    <a:masterClrMapping/>
+  </p:clrMapOvr>
+</p:notes>
+</file>
+
+<file path=ppt/notesSlides/notesSlide18.xml><?xml version="1.0" encoding="utf-8"?>
+<p:notes xmlns:a="http://schemas.openxmlformats.org/drawingml/2006/main" xmlns:r="http://schemas.openxmlformats.org/officeDocument/2006/relationships" xmlns:p="http://schemas.openxmlformats.org/presentationml/2006/main">
+  <p:cSld>
+    <p:spTree>
+      <p:nvGrpSpPr>
+        <p:cNvPr id="1" name=""/>
+        <p:cNvGrpSpPr/>
+        <p:nvPr/>
+      </p:nvGrpSpPr>
+      <p:grpSpPr>
+        <a:xfrm>
+          <a:off x="0" y="0"/>
+          <a:ext cx="0" cy="0"/>
+          <a:chOff x="0" y="0"/>
+          <a:chExt cx="0" cy="0"/>
+        </a:xfrm>
+      </p:grpSpPr>
+      <p:sp>
+        <p:nvSpPr>
+          <p:cNvPr id="2" name="幻灯片图像占位符 1"/>
+          <p:cNvSpPr>
+            <a:spLocks noGrp="1" noRot="1" noChangeAspect="1"/>
+          </p:cNvSpPr>
+          <p:nvPr>
+            <p:ph type="sldImg"/>
+          </p:nvPr>
+        </p:nvSpPr>
+        <p:spPr/>
+      </p:sp>
+      <p:sp>
+        <p:nvSpPr>
+          <p:cNvPr id="3" name="备注占位符 2"/>
+          <p:cNvSpPr>
+            <a:spLocks noGrp="1"/>
+          </p:cNvSpPr>
+          <p:nvPr>
+            <p:ph type="body" idx="1"/>
+          </p:nvPr>
+        </p:nvSpPr>
+        <p:spPr/>
+        <p:txBody>
+          <a:bodyPr/>
+          <a:lstStyle/>
+          <a:p>
+            <a:r>
+              <a:rPr lang="en-US" altLang="zh-CN" dirty="0"/>
+              <a:t>[1]</a:t>
+            </a:r>
+            <a:r>
+              <a:rPr lang="zh-CN" altLang="en-US" dirty="0"/>
+              <a:t>既然都是组件化开发，那组件间怎么通信呢？</a:t>
+            </a:r>
+          </a:p>
+        </p:txBody>
+      </p:sp>
+      <p:sp>
+        <p:nvSpPr>
+          <p:cNvPr id="4" name="灯片编号占位符 3"/>
+          <p:cNvSpPr>
+            <a:spLocks noGrp="1"/>
+          </p:cNvSpPr>
+          <p:nvPr>
+            <p:ph type="sldNum" sz="quarter" idx="5"/>
+          </p:nvPr>
+        </p:nvSpPr>
+        <p:spPr/>
+        <p:txBody>
+          <a:bodyPr/>
+          <a:lstStyle/>
+          <a:p>
+            <a:fld id="{F9E1B693-632D-4080-9CF6-EA28B66DC801}" type="slidenum">
+              <a:rPr lang="zh-CN" altLang="en-US" smtClean="0"/>
+              <a:t>26</a:t>
+            </a:fld>
+            <a:endParaRPr lang="zh-CN" altLang="en-US"/>
+          </a:p>
+        </p:txBody>
+      </p:sp>
+    </p:spTree>
+    <p:extLst>
+      <p:ext uri="{BB962C8B-B14F-4D97-AF65-F5344CB8AC3E}">
+        <p14:creationId xmlns:p14="http://schemas.microsoft.com/office/powerpoint/2010/main" val="2947814344"/>
+      </p:ext>
+    </p:extLst>
+  </p:cSld>
+  <p:clrMapOvr>
+    <a:masterClrMapping/>
+  </p:clrMapOvr>
+</p:notes>
+</file>
+
+<file path=ppt/notesSlides/notesSlide19.xml><?xml version="1.0" encoding="utf-8"?>
+<p:notes xmlns:a="http://schemas.openxmlformats.org/drawingml/2006/main" xmlns:r="http://schemas.openxmlformats.org/officeDocument/2006/relationships" xmlns:p="http://schemas.openxmlformats.org/presentationml/2006/main">
+  <p:cSld>
+    <p:spTree>
+      <p:nvGrpSpPr>
+        <p:cNvPr id="1" name=""/>
+        <p:cNvGrpSpPr/>
+        <p:nvPr/>
+      </p:nvGrpSpPr>
+      <p:grpSpPr>
+        <a:xfrm>
+          <a:off x="0" y="0"/>
+          <a:ext cx="0" cy="0"/>
+          <a:chOff x="0" y="0"/>
+          <a:chExt cx="0" cy="0"/>
+        </a:xfrm>
+      </p:grpSpPr>
+      <p:sp>
+        <p:nvSpPr>
+          <p:cNvPr id="2" name="幻灯片图像占位符 1"/>
+          <p:cNvSpPr>
+            <a:spLocks noGrp="1" noRot="1" noChangeAspect="1"/>
+          </p:cNvSpPr>
+          <p:nvPr>
+            <p:ph type="sldImg"/>
+          </p:nvPr>
+        </p:nvSpPr>
+        <p:spPr/>
+      </p:sp>
+      <p:sp>
+        <p:nvSpPr>
+          <p:cNvPr id="3" name="备注占位符 2"/>
+          <p:cNvSpPr>
+            <a:spLocks noGrp="1"/>
+          </p:cNvSpPr>
+          <p:nvPr>
+            <p:ph type="body" idx="1"/>
+          </p:nvPr>
+        </p:nvSpPr>
+        <p:spPr/>
+        <p:txBody>
+          <a:bodyPr/>
+          <a:lstStyle/>
+          <a:p>
+            <a:endParaRPr lang="zh-CN" altLang="en-US" dirty="0"/>
+          </a:p>
+        </p:txBody>
+      </p:sp>
+      <p:sp>
+        <p:nvSpPr>
+          <p:cNvPr id="4" name="灯片编号占位符 3"/>
+          <p:cNvSpPr>
+            <a:spLocks noGrp="1"/>
+          </p:cNvSpPr>
+          <p:nvPr>
+            <p:ph type="sldNum" sz="quarter" idx="5"/>
+          </p:nvPr>
+        </p:nvSpPr>
+        <p:spPr/>
+        <p:txBody>
+          <a:bodyPr/>
+          <a:lstStyle/>
+          <a:p>
+            <a:fld id="{F9E1B693-632D-4080-9CF6-EA28B66DC801}" type="slidenum">
+              <a:rPr lang="zh-CN" altLang="en-US" smtClean="0"/>
+              <a:t>27</a:t>
+            </a:fld>
+            <a:endParaRPr lang="zh-CN" altLang="en-US"/>
+          </a:p>
+        </p:txBody>
+      </p:sp>
+    </p:spTree>
+    <p:extLst>
+      <p:ext uri="{BB962C8B-B14F-4D97-AF65-F5344CB8AC3E}">
+        <p14:creationId xmlns:p14="http://schemas.microsoft.com/office/powerpoint/2010/main" val="2605058571"/>
+      </p:ext>
+    </p:extLst>
+  </p:cSld>
+  <p:clrMapOvr>
+    <a:masterClrMapping/>
+  </p:clrMapOvr>
+</p:notes>
+</file>
+
 <file path=ppt/notesSlides/notesSlide2.xml><?xml version="1.0" encoding="utf-8"?>
 <p:notes xmlns:a="http://schemas.openxmlformats.org/drawingml/2006/main" xmlns:r="http://schemas.openxmlformats.org/officeDocument/2006/relationships" xmlns:p="http://schemas.openxmlformats.org/presentationml/2006/main">
   <p:cSld>
@@ -627,7 +1599,15 @@
             </a:r>
             <a:r>
               <a:rPr lang="zh-CN" altLang="en-US" dirty="0"/>
-              <a:t>我们来看看官方的函数式组件怎么写  在</a:t>
+              <a:t>在</a:t>
+            </a:r>
+            <a:r>
+              <a:rPr lang="en-US" altLang="zh-CN" dirty="0"/>
+              <a:t>react</a:t>
+            </a:r>
+            <a:r>
+              <a:rPr lang="zh-CN" altLang="en-US" dirty="0"/>
+              <a:t>中不管是个处理事件、一个方法、乃至一个组件，都推崇函数式编程的写法。那先来看看官方的函数式组件怎么写  在</a:t>
             </a:r>
             <a:r>
               <a:rPr lang="en-US" altLang="zh-CN" dirty="0" err="1"/>
@@ -664,6 +1644,288 @@
     <p:extLst>
       <p:ext uri="{BB962C8B-B14F-4D97-AF65-F5344CB8AC3E}">
         <p14:creationId xmlns:p14="http://schemas.microsoft.com/office/powerpoint/2010/main" val="1148448319"/>
+      </p:ext>
+    </p:extLst>
+  </p:cSld>
+  <p:clrMapOvr>
+    <a:masterClrMapping/>
+  </p:clrMapOvr>
+</p:notes>
+</file>
+
+<file path=ppt/notesSlides/notesSlide20.xml><?xml version="1.0" encoding="utf-8"?>
+<p:notes xmlns:a="http://schemas.openxmlformats.org/drawingml/2006/main" xmlns:r="http://schemas.openxmlformats.org/officeDocument/2006/relationships" xmlns:p="http://schemas.openxmlformats.org/presentationml/2006/main">
+  <p:cSld>
+    <p:spTree>
+      <p:nvGrpSpPr>
+        <p:cNvPr id="1" name=""/>
+        <p:cNvGrpSpPr/>
+        <p:nvPr/>
+      </p:nvGrpSpPr>
+      <p:grpSpPr>
+        <a:xfrm>
+          <a:off x="0" y="0"/>
+          <a:ext cx="0" cy="0"/>
+          <a:chOff x="0" y="0"/>
+          <a:chExt cx="0" cy="0"/>
+        </a:xfrm>
+      </p:grpSpPr>
+      <p:sp>
+        <p:nvSpPr>
+          <p:cNvPr id="2" name="幻灯片图像占位符 1"/>
+          <p:cNvSpPr>
+            <a:spLocks noGrp="1" noRot="1" noChangeAspect="1"/>
+          </p:cNvSpPr>
+          <p:nvPr>
+            <p:ph type="sldImg"/>
+          </p:nvPr>
+        </p:nvSpPr>
+        <p:spPr/>
+      </p:sp>
+      <p:sp>
+        <p:nvSpPr>
+          <p:cNvPr id="3" name="备注占位符 2"/>
+          <p:cNvSpPr>
+            <a:spLocks noGrp="1"/>
+          </p:cNvSpPr>
+          <p:nvPr>
+            <p:ph type="body" idx="1"/>
+          </p:nvPr>
+        </p:nvSpPr>
+        <p:spPr/>
+        <p:txBody>
+          <a:bodyPr/>
+          <a:lstStyle/>
+          <a:p>
+            <a:r>
+              <a:rPr lang="en-US" altLang="zh-CN" dirty="0"/>
+              <a:t>[1]</a:t>
+            </a:r>
+            <a:r>
+              <a:rPr lang="zh-CN" altLang="en-US" dirty="0"/>
+              <a:t>见</a:t>
+            </a:r>
+            <a:r>
+              <a:rPr lang="en-US" altLang="zh-CN" dirty="0"/>
+              <a:t>19</a:t>
+            </a:r>
+            <a:r>
+              <a:rPr lang="zh-CN" altLang="en-US" dirty="0"/>
+              <a:t>页</a:t>
+            </a:r>
+          </a:p>
+        </p:txBody>
+      </p:sp>
+      <p:sp>
+        <p:nvSpPr>
+          <p:cNvPr id="4" name="灯片编号占位符 3"/>
+          <p:cNvSpPr>
+            <a:spLocks noGrp="1"/>
+          </p:cNvSpPr>
+          <p:nvPr>
+            <p:ph type="sldNum" sz="quarter" idx="5"/>
+          </p:nvPr>
+        </p:nvSpPr>
+        <p:spPr/>
+        <p:txBody>
+          <a:bodyPr/>
+          <a:lstStyle/>
+          <a:p>
+            <a:fld id="{F9E1B693-632D-4080-9CF6-EA28B66DC801}" type="slidenum">
+              <a:rPr lang="zh-CN" altLang="en-US" smtClean="0"/>
+              <a:t>28</a:t>
+            </a:fld>
+            <a:endParaRPr lang="zh-CN" altLang="en-US"/>
+          </a:p>
+        </p:txBody>
+      </p:sp>
+    </p:spTree>
+    <p:extLst>
+      <p:ext uri="{BB962C8B-B14F-4D97-AF65-F5344CB8AC3E}">
+        <p14:creationId xmlns:p14="http://schemas.microsoft.com/office/powerpoint/2010/main" val="3759162428"/>
+      </p:ext>
+    </p:extLst>
+  </p:cSld>
+  <p:clrMapOvr>
+    <a:masterClrMapping/>
+  </p:clrMapOvr>
+</p:notes>
+</file>
+
+<file path=ppt/notesSlides/notesSlide21.xml><?xml version="1.0" encoding="utf-8"?>
+<p:notes xmlns:a="http://schemas.openxmlformats.org/drawingml/2006/main" xmlns:r="http://schemas.openxmlformats.org/officeDocument/2006/relationships" xmlns:p="http://schemas.openxmlformats.org/presentationml/2006/main">
+  <p:cSld>
+    <p:spTree>
+      <p:nvGrpSpPr>
+        <p:cNvPr id="1" name=""/>
+        <p:cNvGrpSpPr/>
+        <p:nvPr/>
+      </p:nvGrpSpPr>
+      <p:grpSpPr>
+        <a:xfrm>
+          <a:off x="0" y="0"/>
+          <a:ext cx="0" cy="0"/>
+          <a:chOff x="0" y="0"/>
+          <a:chExt cx="0" cy="0"/>
+        </a:xfrm>
+      </p:grpSpPr>
+      <p:sp>
+        <p:nvSpPr>
+          <p:cNvPr id="2" name="幻灯片图像占位符 1"/>
+          <p:cNvSpPr>
+            <a:spLocks noGrp="1" noRot="1" noChangeAspect="1"/>
+          </p:cNvSpPr>
+          <p:nvPr>
+            <p:ph type="sldImg"/>
+          </p:nvPr>
+        </p:nvSpPr>
+        <p:spPr/>
+      </p:sp>
+      <p:sp>
+        <p:nvSpPr>
+          <p:cNvPr id="3" name="备注占位符 2"/>
+          <p:cNvSpPr>
+            <a:spLocks noGrp="1"/>
+          </p:cNvSpPr>
+          <p:nvPr>
+            <p:ph type="body" idx="1"/>
+          </p:nvPr>
+        </p:nvSpPr>
+        <p:spPr/>
+        <p:txBody>
+          <a:bodyPr/>
+          <a:lstStyle/>
+          <a:p>
+            <a:endParaRPr lang="zh-CN" altLang="en-US" dirty="0"/>
+          </a:p>
+        </p:txBody>
+      </p:sp>
+      <p:sp>
+        <p:nvSpPr>
+          <p:cNvPr id="4" name="灯片编号占位符 3"/>
+          <p:cNvSpPr>
+            <a:spLocks noGrp="1"/>
+          </p:cNvSpPr>
+          <p:nvPr>
+            <p:ph type="sldNum" sz="quarter" idx="5"/>
+          </p:nvPr>
+        </p:nvSpPr>
+        <p:spPr/>
+        <p:txBody>
+          <a:bodyPr/>
+          <a:lstStyle/>
+          <a:p>
+            <a:fld id="{F9E1B693-632D-4080-9CF6-EA28B66DC801}" type="slidenum">
+              <a:rPr lang="zh-CN" altLang="en-US" smtClean="0"/>
+              <a:t>29</a:t>
+            </a:fld>
+            <a:endParaRPr lang="zh-CN" altLang="en-US"/>
+          </a:p>
+        </p:txBody>
+      </p:sp>
+    </p:spTree>
+    <p:extLst>
+      <p:ext uri="{BB962C8B-B14F-4D97-AF65-F5344CB8AC3E}">
+        <p14:creationId xmlns:p14="http://schemas.microsoft.com/office/powerpoint/2010/main" val="2553569737"/>
+      </p:ext>
+    </p:extLst>
+  </p:cSld>
+  <p:clrMapOvr>
+    <a:masterClrMapping/>
+  </p:clrMapOvr>
+</p:notes>
+</file>
+
+<file path=ppt/notesSlides/notesSlide22.xml><?xml version="1.0" encoding="utf-8"?>
+<p:notes xmlns:a="http://schemas.openxmlformats.org/drawingml/2006/main" xmlns:r="http://schemas.openxmlformats.org/officeDocument/2006/relationships" xmlns:p="http://schemas.openxmlformats.org/presentationml/2006/main">
+  <p:cSld>
+    <p:spTree>
+      <p:nvGrpSpPr>
+        <p:cNvPr id="1" name=""/>
+        <p:cNvGrpSpPr/>
+        <p:nvPr/>
+      </p:nvGrpSpPr>
+      <p:grpSpPr>
+        <a:xfrm>
+          <a:off x="0" y="0"/>
+          <a:ext cx="0" cy="0"/>
+          <a:chOff x="0" y="0"/>
+          <a:chExt cx="0" cy="0"/>
+        </a:xfrm>
+      </p:grpSpPr>
+      <p:sp>
+        <p:nvSpPr>
+          <p:cNvPr id="2" name="幻灯片图像占位符 1"/>
+          <p:cNvSpPr>
+            <a:spLocks noGrp="1" noRot="1" noChangeAspect="1"/>
+          </p:cNvSpPr>
+          <p:nvPr>
+            <p:ph type="sldImg"/>
+          </p:nvPr>
+        </p:nvSpPr>
+        <p:spPr/>
+      </p:sp>
+      <p:sp>
+        <p:nvSpPr>
+          <p:cNvPr id="3" name="备注占位符 2"/>
+          <p:cNvSpPr>
+            <a:spLocks noGrp="1"/>
+          </p:cNvSpPr>
+          <p:nvPr>
+            <p:ph type="body" idx="1"/>
+          </p:nvPr>
+        </p:nvSpPr>
+        <p:spPr/>
+        <p:txBody>
+          <a:bodyPr/>
+          <a:lstStyle/>
+          <a:p>
+            <a:r>
+              <a:rPr lang="en-US" altLang="zh-CN" dirty="0"/>
+              <a:t>[1]</a:t>
+            </a:r>
+            <a:r>
+              <a:rPr lang="zh-CN" altLang="en-US" dirty="0"/>
+              <a:t>见</a:t>
+            </a:r>
+            <a:r>
+              <a:rPr lang="en-US" altLang="zh-CN" dirty="0"/>
+              <a:t>20</a:t>
+            </a:r>
+            <a:r>
+              <a:rPr lang="zh-CN" altLang="en-US" dirty="0"/>
+              <a:t>页</a:t>
+            </a:r>
+          </a:p>
+        </p:txBody>
+      </p:sp>
+      <p:sp>
+        <p:nvSpPr>
+          <p:cNvPr id="4" name="灯片编号占位符 3"/>
+          <p:cNvSpPr>
+            <a:spLocks noGrp="1"/>
+          </p:cNvSpPr>
+          <p:nvPr>
+            <p:ph type="sldNum" sz="quarter" idx="5"/>
+          </p:nvPr>
+        </p:nvSpPr>
+        <p:spPr/>
+        <p:txBody>
+          <a:bodyPr/>
+          <a:lstStyle/>
+          <a:p>
+            <a:fld id="{F9E1B693-632D-4080-9CF6-EA28B66DC801}" type="slidenum">
+              <a:rPr lang="zh-CN" altLang="en-US" smtClean="0"/>
+              <a:t>30</a:t>
+            </a:fld>
+            <a:endParaRPr lang="zh-CN" altLang="en-US"/>
+          </a:p>
+        </p:txBody>
+      </p:sp>
+    </p:spTree>
+    <p:extLst>
+      <p:ext uri="{BB962C8B-B14F-4D97-AF65-F5344CB8AC3E}">
+        <p14:creationId xmlns:p14="http://schemas.microsoft.com/office/powerpoint/2010/main" val="122962551"/>
       </p:ext>
     </p:extLst>
   </p:cSld>
@@ -1212,50 +2474,11 @@
           <a:p>
             <a:r>
               <a:rPr lang="en-US" altLang="zh-CN" dirty="0"/>
-              <a:t>[1]diff</a:t>
-            </a:r>
-            <a:r>
-              <a:rPr lang="zh-CN" altLang="en-US" dirty="0"/>
-              <a:t>算法：① 如果根元素的类型不同，</a:t>
-            </a:r>
-            <a:r>
-              <a:rPr lang="en-US" altLang="zh-CN" dirty="0"/>
-              <a:t>React</a:t>
-            </a:r>
-            <a:r>
-              <a:rPr lang="zh-CN" altLang="en-US" dirty="0"/>
-              <a:t>会将旧树完全拆除，并从头构建新的树。</a:t>
-            </a:r>
-            <a:endParaRPr lang="en-US" altLang="zh-CN" dirty="0"/>
-          </a:p>
-          <a:p>
-            <a:r>
-              <a:rPr lang="zh-CN" altLang="en-US" dirty="0"/>
-              <a:t>② 如果比较的是两个相同类型的</a:t>
-            </a:r>
-            <a:r>
-              <a:rPr lang="en-US" altLang="zh-CN" dirty="0"/>
-              <a:t>Dom</a:t>
-            </a:r>
-            <a:r>
-              <a:rPr lang="zh-CN" altLang="en-US" dirty="0"/>
-              <a:t>元素，</a:t>
-            </a:r>
-            <a:r>
-              <a:rPr lang="en-US" altLang="zh-CN" dirty="0"/>
-              <a:t>React</a:t>
-            </a:r>
-            <a:r>
-              <a:rPr lang="zh-CN" altLang="en-US" dirty="0"/>
-              <a:t>会查看两者的属性，保持相同的底层</a:t>
-            </a:r>
-            <a:r>
-              <a:rPr lang="en-US" altLang="zh-CN" dirty="0"/>
-              <a:t>Dom</a:t>
-            </a:r>
-            <a:r>
-              <a:rPr lang="zh-CN" altLang="en-US" dirty="0"/>
-              <a:t>节点，并只更新发生变化的属性。</a:t>
+              <a:t>[1]</a:t>
+            </a:r>
+            <a:r>
+              <a:rPr lang="zh-CN" altLang="en-US" dirty="0"/>
+              <a:t>然后现在来看看函数式组件中怎么绑定事件的，看看代码：</a:t>
             </a:r>
           </a:p>
         </p:txBody>
@@ -1287,6 +2510,226 @@
     <p:extLst>
       <p:ext uri="{BB962C8B-B14F-4D97-AF65-F5344CB8AC3E}">
         <p14:creationId xmlns:p14="http://schemas.microsoft.com/office/powerpoint/2010/main" val="47811639"/>
+      </p:ext>
+    </p:extLst>
+  </p:cSld>
+  <p:clrMapOvr>
+    <a:masterClrMapping/>
+  </p:clrMapOvr>
+</p:notes>
+</file>
+
+<file path=ppt/notesSlides/notesSlide8.xml><?xml version="1.0" encoding="utf-8"?>
+<p:notes xmlns:a="http://schemas.openxmlformats.org/drawingml/2006/main" xmlns:r="http://schemas.openxmlformats.org/officeDocument/2006/relationships" xmlns:p="http://schemas.openxmlformats.org/presentationml/2006/main">
+  <p:cSld>
+    <p:spTree>
+      <p:nvGrpSpPr>
+        <p:cNvPr id="1" name=""/>
+        <p:cNvGrpSpPr/>
+        <p:nvPr/>
+      </p:nvGrpSpPr>
+      <p:grpSpPr>
+        <a:xfrm>
+          <a:off x="0" y="0"/>
+          <a:ext cx="0" cy="0"/>
+          <a:chOff x="0" y="0"/>
+          <a:chExt cx="0" cy="0"/>
+        </a:xfrm>
+      </p:grpSpPr>
+      <p:sp>
+        <p:nvSpPr>
+          <p:cNvPr id="2" name="幻灯片图像占位符 1"/>
+          <p:cNvSpPr>
+            <a:spLocks noGrp="1" noRot="1" noChangeAspect="1"/>
+          </p:cNvSpPr>
+          <p:nvPr>
+            <p:ph type="sldImg"/>
+          </p:nvPr>
+        </p:nvSpPr>
+        <p:spPr/>
+      </p:sp>
+      <p:sp>
+        <p:nvSpPr>
+          <p:cNvPr id="3" name="备注占位符 2"/>
+          <p:cNvSpPr>
+            <a:spLocks noGrp="1"/>
+          </p:cNvSpPr>
+          <p:nvPr>
+            <p:ph type="body" idx="1"/>
+          </p:nvPr>
+        </p:nvSpPr>
+        <p:spPr/>
+        <p:txBody>
+          <a:bodyPr/>
+          <a:lstStyle/>
+          <a:p>
+            <a:r>
+              <a:rPr lang="en-US" altLang="zh-CN" dirty="0"/>
+              <a:t>[1]</a:t>
+            </a:r>
+            <a:r>
+              <a:rPr lang="zh-CN" altLang="en-US" dirty="0"/>
+              <a:t>在这之前我们写的函数组件都是无状态的纯函数组件，那如果想让一个组件它有自己的状态和副作用呢，那就需要使用到</a:t>
+            </a:r>
+            <a:r>
+              <a:rPr lang="en-US" altLang="zh-CN" dirty="0"/>
+              <a:t>hooks</a:t>
+            </a:r>
+            <a:r>
+              <a:rPr lang="zh-CN" altLang="en-US" dirty="0"/>
+              <a:t>了，</a:t>
+            </a:r>
+            <a:r>
+              <a:rPr lang="en-US" altLang="zh-CN" dirty="0"/>
+              <a:t>hooks</a:t>
+            </a:r>
+            <a:r>
+              <a:rPr lang="zh-CN" altLang="en-US" dirty="0"/>
+              <a:t>是</a:t>
+            </a:r>
+            <a:r>
+              <a:rPr lang="en-US" altLang="zh-CN" dirty="0"/>
+              <a:t>react16.8</a:t>
+            </a:r>
+            <a:r>
+              <a:rPr lang="zh-CN" altLang="en-US" dirty="0"/>
+              <a:t>版本之后出来的，它的标志是必须以</a:t>
+            </a:r>
+            <a:r>
+              <a:rPr lang="en-US" altLang="zh-CN" dirty="0"/>
+              <a:t>use</a:t>
+            </a:r>
+            <a:r>
+              <a:rPr lang="zh-CN" altLang="en-US" dirty="0"/>
+              <a:t>开头的。然后我们来看看</a:t>
+            </a:r>
+            <a:r>
+              <a:rPr lang="en-US" altLang="zh-CN" dirty="0"/>
+              <a:t>react</a:t>
+            </a:r>
+            <a:r>
+              <a:rPr lang="zh-CN" altLang="en-US" dirty="0"/>
+              <a:t>提供的最基本的几个</a:t>
+            </a:r>
+            <a:r>
+              <a:rPr lang="en-US" altLang="zh-CN" dirty="0"/>
+              <a:t>hooks</a:t>
+            </a:r>
+            <a:endParaRPr lang="zh-CN" altLang="en-US" dirty="0"/>
+          </a:p>
+        </p:txBody>
+      </p:sp>
+      <p:sp>
+        <p:nvSpPr>
+          <p:cNvPr id="4" name="灯片编号占位符 3"/>
+          <p:cNvSpPr>
+            <a:spLocks noGrp="1"/>
+          </p:cNvSpPr>
+          <p:nvPr>
+            <p:ph type="sldNum" sz="quarter" idx="5"/>
+          </p:nvPr>
+        </p:nvSpPr>
+        <p:spPr/>
+        <p:txBody>
+          <a:bodyPr/>
+          <a:lstStyle/>
+          <a:p>
+            <a:fld id="{F9E1B693-632D-4080-9CF6-EA28B66DC801}" type="slidenum">
+              <a:rPr lang="zh-CN" altLang="en-US" smtClean="0"/>
+              <a:t>14</a:t>
+            </a:fld>
+            <a:endParaRPr lang="zh-CN" altLang="en-US"/>
+          </a:p>
+        </p:txBody>
+      </p:sp>
+    </p:spTree>
+    <p:extLst>
+      <p:ext uri="{BB962C8B-B14F-4D97-AF65-F5344CB8AC3E}">
+        <p14:creationId xmlns:p14="http://schemas.microsoft.com/office/powerpoint/2010/main" val="362164744"/>
+      </p:ext>
+    </p:extLst>
+  </p:cSld>
+  <p:clrMapOvr>
+    <a:masterClrMapping/>
+  </p:clrMapOvr>
+</p:notes>
+</file>
+
+<file path=ppt/notesSlides/notesSlide9.xml><?xml version="1.0" encoding="utf-8"?>
+<p:notes xmlns:a="http://schemas.openxmlformats.org/drawingml/2006/main" xmlns:r="http://schemas.openxmlformats.org/officeDocument/2006/relationships" xmlns:p="http://schemas.openxmlformats.org/presentationml/2006/main">
+  <p:cSld>
+    <p:spTree>
+      <p:nvGrpSpPr>
+        <p:cNvPr id="1" name=""/>
+        <p:cNvGrpSpPr/>
+        <p:nvPr/>
+      </p:nvGrpSpPr>
+      <p:grpSpPr>
+        <a:xfrm>
+          <a:off x="0" y="0"/>
+          <a:ext cx="0" cy="0"/>
+          <a:chOff x="0" y="0"/>
+          <a:chExt cx="0" cy="0"/>
+        </a:xfrm>
+      </p:grpSpPr>
+      <p:sp>
+        <p:nvSpPr>
+          <p:cNvPr id="2" name="幻灯片图像占位符 1"/>
+          <p:cNvSpPr>
+            <a:spLocks noGrp="1" noRot="1" noChangeAspect="1"/>
+          </p:cNvSpPr>
+          <p:nvPr>
+            <p:ph type="sldImg"/>
+          </p:nvPr>
+        </p:nvSpPr>
+        <p:spPr/>
+      </p:sp>
+      <p:sp>
+        <p:nvSpPr>
+          <p:cNvPr id="3" name="备注占位符 2"/>
+          <p:cNvSpPr>
+            <a:spLocks noGrp="1"/>
+          </p:cNvSpPr>
+          <p:nvPr>
+            <p:ph type="body" idx="1"/>
+          </p:nvPr>
+        </p:nvSpPr>
+        <p:spPr/>
+        <p:txBody>
+          <a:bodyPr/>
+          <a:lstStyle/>
+          <a:p>
+            <a:endParaRPr lang="zh-CN" altLang="en-US" dirty="0"/>
+          </a:p>
+        </p:txBody>
+      </p:sp>
+      <p:sp>
+        <p:nvSpPr>
+          <p:cNvPr id="4" name="灯片编号占位符 3"/>
+          <p:cNvSpPr>
+            <a:spLocks noGrp="1"/>
+          </p:cNvSpPr>
+          <p:nvPr>
+            <p:ph type="sldNum" sz="quarter" idx="5"/>
+          </p:nvPr>
+        </p:nvSpPr>
+        <p:spPr/>
+        <p:txBody>
+          <a:bodyPr/>
+          <a:lstStyle/>
+          <a:p>
+            <a:fld id="{F9E1B693-632D-4080-9CF6-EA28B66DC801}" type="slidenum">
+              <a:rPr lang="zh-CN" altLang="en-US" smtClean="0"/>
+              <a:t>15</a:t>
+            </a:fld>
+            <a:endParaRPr lang="zh-CN" altLang="en-US"/>
+          </a:p>
+        </p:txBody>
+      </p:sp>
+    </p:spTree>
+    <p:extLst>
+      <p:ext uri="{BB962C8B-B14F-4D97-AF65-F5344CB8AC3E}">
+        <p14:creationId xmlns:p14="http://schemas.microsoft.com/office/powerpoint/2010/main" val="910686043"/>
       </p:ext>
     </p:extLst>
   </p:cSld>
@@ -1365,7 +2808,7 @@
           <a:p>
             <a:fld id="{760FBDFE-C587-4B4C-A407-44438C67B59E}" type="datetimeFigureOut">
               <a:rPr lang="zh-CN" altLang="en-US" smtClean="0"/>
-              <a:t>2023/12/31</a:t>
+              <a:t>2024/1/1</a:t>
             </a:fld>
             <a:endParaRPr lang="zh-CN" altLang="en-US" dirty="0"/>
           </a:p>
@@ -1523,7 +2966,7 @@
           <a:p>
             <a:fld id="{D997B5FA-0921-464F-AAE1-844C04324D75}" type="datetimeFigureOut">
               <a:rPr lang="zh-CN" altLang="en-US" smtClean="0"/>
-              <a:t>2023/12/31</a:t>
+              <a:t>2024/1/1</a:t>
             </a:fld>
             <a:endParaRPr lang="zh-CN" altLang="en-US" dirty="0"/>
           </a:p>
@@ -1613,7 +3056,7 @@
           <a:p>
             <a:fld id="{D997B5FA-0921-464F-AAE1-844C04324D75}" type="datetimeFigureOut">
               <a:rPr lang="zh-CN" altLang="en-US" smtClean="0"/>
-              <a:t>2023/12/31</a:t>
+              <a:t>2024/1/1</a:t>
             </a:fld>
             <a:endParaRPr lang="zh-CN" altLang="en-US" dirty="0"/>
           </a:p>
@@ -1891,7 +3334,7 @@
           <a:p>
             <a:fld id="{D997B5FA-0921-464F-AAE1-844C04324D75}" type="datetimeFigureOut">
               <a:rPr lang="zh-CN" altLang="en-US" smtClean="0"/>
-              <a:t>2023/12/31</a:t>
+              <a:t>2024/1/1</a:t>
             </a:fld>
             <a:endParaRPr lang="zh-CN" altLang="en-US" dirty="0"/>
           </a:p>
@@ -2049,7 +3492,7 @@
           <a:p>
             <a:fld id="{D997B5FA-0921-464F-AAE1-844C04324D75}" type="datetimeFigureOut">
               <a:rPr lang="zh-CN" altLang="en-US" smtClean="0"/>
-              <a:t>2023/12/31</a:t>
+              <a:t>2024/1/1</a:t>
             </a:fld>
             <a:endParaRPr lang="zh-CN" altLang="en-US" dirty="0"/>
           </a:p>
@@ -2254,7 +3697,7 @@
           <a:p>
             <a:fld id="{D997B5FA-0921-464F-AAE1-844C04324D75}" type="datetimeFigureOut">
               <a:rPr lang="zh-CN" altLang="en-US" smtClean="0"/>
-              <a:t>2023/12/31</a:t>
+              <a:t>2024/1/1</a:t>
             </a:fld>
             <a:endParaRPr lang="zh-CN" altLang="en-US" dirty="0"/>
           </a:p>
@@ -3473,7 +4916,7 @@
         <p:spPr>
           <a:xfrm>
             <a:off x="451961" y="685165"/>
-            <a:ext cx="7552481" cy="2862322"/>
+            <a:ext cx="8460307" cy="2308324"/>
           </a:xfrm>
           <a:prstGeom prst="rect">
             <a:avLst/>
@@ -3497,63 +4940,37 @@
             <a:endParaRPr lang="en-US" altLang="zh-CN" dirty="0"/>
           </a:p>
           <a:p>
-            <a:endParaRPr lang="en-US" altLang="zh-CN" dirty="0"/>
-          </a:p>
-          <a:p>
-            <a:r>
-              <a:rPr lang="zh-CN" altLang="en-US" dirty="0"/>
-              <a:t>为了列表的复用和重排，设置 </a:t>
-            </a:r>
-            <a:r>
-              <a:rPr lang="en-US" altLang="zh-CN" dirty="0"/>
-              <a:t>key </a:t>
-            </a:r>
-            <a:r>
-              <a:rPr lang="zh-CN" altLang="en-US" dirty="0"/>
-              <a:t>值</a:t>
+            <a:r>
+              <a:rPr lang="en-US" altLang="zh-CN" dirty="0"/>
+              <a:t>React</a:t>
+            </a:r>
+            <a:r>
+              <a:rPr lang="zh-CN" altLang="en-US" dirty="0"/>
+              <a:t>中的事件绑定跟普通事件不太一样，普通事件是小驼峰命名法，它绑定是直接绑定在当前元素身上；而</a:t>
+            </a:r>
+            <a:r>
+              <a:rPr lang="en-US" altLang="zh-CN" dirty="0"/>
+              <a:t>react</a:t>
+            </a:r>
+            <a:r>
+              <a:rPr lang="zh-CN" altLang="en-US" dirty="0"/>
+              <a:t>中是大驼峰命名，它是把所有事件都绑定在根节点身上，采用事件代理的方式冒泡到当前元素。但相同的是都有</a:t>
+            </a:r>
+            <a:r>
+              <a:rPr lang="en-US" altLang="zh-CN" dirty="0"/>
+              <a:t>event</a:t>
+            </a:r>
+            <a:r>
+              <a:rPr lang="zh-CN" altLang="en-US" dirty="0"/>
+              <a:t>对象。</a:t>
             </a:r>
             <a:r>
               <a:rPr lang="en-US" altLang="zh-CN" dirty="0"/>
               <a:t>[1]</a:t>
             </a:r>
-            <a:r>
-              <a:rPr lang="zh-CN" altLang="en-US" dirty="0"/>
-              <a:t>，提高性能；理想的 </a:t>
-            </a:r>
-            <a:r>
-              <a:rPr lang="en-US" altLang="zh-CN" dirty="0"/>
-              <a:t>key </a:t>
-            </a:r>
-            <a:r>
-              <a:rPr lang="zh-CN" altLang="en-US" dirty="0"/>
-              <a:t>是 </a:t>
-            </a:r>
-            <a:r>
-              <a:rPr lang="en-US" altLang="zh-CN" dirty="0"/>
-              <a:t>item.id</a:t>
-            </a:r>
-            <a:r>
-              <a:rPr lang="zh-CN" altLang="en-US" dirty="0"/>
-              <a:t>，如果不涉及列表的增加删除重排，可以设置成索引。经常是对一个数组进行</a:t>
-            </a:r>
-            <a:r>
-              <a:rPr lang="en-US" altLang="zh-CN" dirty="0"/>
-              <a:t>map</a:t>
-            </a:r>
-            <a:r>
-              <a:rPr lang="zh-CN" altLang="en-US" dirty="0"/>
-              <a:t>遍历展示</a:t>
-            </a:r>
-            <a:r>
-              <a:rPr lang="en-US" altLang="zh-CN" dirty="0"/>
-              <a:t>JSX</a:t>
-            </a:r>
-          </a:p>
-          <a:p>
-            <a:endParaRPr lang="en-US" altLang="zh-CN" dirty="0"/>
-          </a:p>
-          <a:p>
-            <a:endParaRPr lang="zh-CN" altLang="en-US" dirty="0"/>
+          </a:p>
+          <a:p>
+            <a:endParaRPr lang="en-US" altLang="zh-CN" dirty="0"/>
           </a:p>
           <a:p>
             <a:endParaRPr lang="en-US" altLang="zh-CN" dirty="0"/>
@@ -3568,10 +4985,10 @@
       </p:sp>
       <p:pic>
         <p:nvPicPr>
-          <p:cNvPr id="5" name="图片 4">
+          <p:cNvPr id="6" name="图片 5">
             <a:extLst>
               <a:ext uri="{FF2B5EF4-FFF2-40B4-BE49-F238E27FC236}">
-                <a16:creationId xmlns:a16="http://schemas.microsoft.com/office/drawing/2014/main" id="{66234DAA-8D9D-F1BA-043F-051B727B2535}"/>
+                <a16:creationId xmlns:a16="http://schemas.microsoft.com/office/drawing/2014/main" id="{17585899-2934-A279-A630-CD4787E5A266}"/>
               </a:ext>
             </a:extLst>
           </p:cNvPr>
@@ -3588,8 +5005,8 @@
         </p:blipFill>
         <p:spPr>
           <a:xfrm>
-            <a:off x="3908121" y="2010144"/>
-            <a:ext cx="3584743" cy="4678788"/>
+            <a:off x="4171167" y="1925681"/>
+            <a:ext cx="4097549" cy="4879559"/>
           </a:xfrm>
           <a:prstGeom prst="rect">
             <a:avLst/>
@@ -3628,14 +5045,45 @@
       </p:grpSpPr>
       <p:sp>
         <p:nvSpPr>
-          <p:cNvPr id="4" name="文本框 3"/>
+          <p:cNvPr id="2" name="标题 1"/>
+          <p:cNvSpPr>
+            <a:spLocks noGrp="1"/>
+          </p:cNvSpPr>
+          <p:nvPr>
+            <p:ph type="title"/>
+          </p:nvPr>
+        </p:nvSpPr>
+        <p:spPr/>
+        <p:txBody>
+          <a:bodyPr/>
+          <a:lstStyle/>
+          <a:p>
+            <a:r>
+              <a:rPr lang="en-US" altLang="zh-CN" dirty="0"/>
+              <a:t>React</a:t>
+            </a:r>
+            <a:r>
+              <a:rPr lang="zh-CN" altLang="en-US" dirty="0"/>
+              <a:t>基础</a:t>
+            </a:r>
+            <a:endParaRPr lang="zh-CN" altLang="en-US" sz="2400" b="1" dirty="0">
+              <a:solidFill>
+                <a:schemeClr val="tx1"/>
+              </a:solidFill>
+            </a:endParaRPr>
+          </a:p>
+        </p:txBody>
+      </p:sp>
+      <p:sp>
+        <p:nvSpPr>
+          <p:cNvPr id="3" name="文本框 2"/>
           <p:cNvSpPr txBox="1"/>
           <p:nvPr/>
         </p:nvSpPr>
         <p:spPr>
           <a:xfrm>
-            <a:off x="1460384" y="2251392"/>
-            <a:ext cx="1757212" cy="1862048"/>
+            <a:off x="451961" y="685165"/>
+            <a:ext cx="4282877" cy="4247317"/>
           </a:xfrm>
           <a:prstGeom prst="rect">
             <a:avLst/>
@@ -3643,121 +5091,193 @@
           <a:noFill/>
         </p:spPr>
         <p:txBody>
-          <a:bodyPr wrap="none" rtlCol="0">
+          <a:bodyPr wrap="square" rtlCol="0">
             <a:spAutoFit/>
           </a:bodyPr>
           <a:lstStyle/>
           <a:p>
-            <a:pPr algn="ctr"/>
-            <a:r>
-              <a:rPr lang="en-US" altLang="zh-CN" sz="11500" dirty="0">
+            <a:r>
+              <a:rPr lang="en-US" altLang="zh-CN" dirty="0"/>
+              <a:t>8</a:t>
+            </a:r>
+            <a:r>
+              <a:rPr lang="zh-CN" altLang="en-US" dirty="0"/>
+              <a:t>、</a:t>
+            </a:r>
+            <a:r>
+              <a:rPr lang="en-US" altLang="zh-CN" dirty="0"/>
+              <a:t> [1]</a:t>
+            </a:r>
+            <a:r>
+              <a:rPr lang="zh-CN" altLang="en-US" dirty="0"/>
+              <a:t>使用</a:t>
+            </a:r>
+            <a:r>
+              <a:rPr lang="en-US" altLang="zh-CN" dirty="0"/>
+              <a:t>hooks</a:t>
+            </a:r>
+          </a:p>
+          <a:p>
+            <a:endParaRPr lang="en-US" altLang="zh-CN" dirty="0"/>
+          </a:p>
+          <a:p>
+            <a:pPr marL="285750" indent="-285750">
+              <a:buFont typeface="Arial" panose="020B0604020202020204" pitchFamily="34" charset="0"/>
+              <a:buChar char="•"/>
+            </a:pPr>
+            <a:r>
+              <a:rPr lang="en-US" altLang="zh-CN" dirty="0" err="1"/>
+              <a:t>useState</a:t>
+            </a:r>
+            <a:r>
+              <a:rPr lang="zh-CN" altLang="en-US" dirty="0"/>
+              <a:t>：参数是由数组解构出来的，有缓存状态的功能；每次 </a:t>
+            </a:r>
+            <a:r>
+              <a:rPr lang="en-US" altLang="zh-CN" dirty="0" err="1"/>
+              <a:t>useState</a:t>
+            </a:r>
+            <a:r>
+              <a:rPr lang="en-US" altLang="zh-CN" dirty="0"/>
+              <a:t> </a:t>
+            </a:r>
+            <a:r>
+              <a:rPr lang="zh-CN" altLang="en-US" dirty="0"/>
+              <a:t>改变了，整个函数都会重新渲染，但是 </a:t>
+            </a:r>
+            <a:r>
+              <a:rPr lang="en-US" altLang="zh-CN" dirty="0"/>
+              <a:t>state </a:t>
+            </a:r>
+            <a:r>
+              <a:rPr lang="zh-CN" altLang="en-US" dirty="0"/>
+              <a:t>的值是在上一次的基础上进行的更新。</a:t>
+            </a:r>
+          </a:p>
+          <a:p>
+            <a:pPr marL="285750" indent="-285750">
+              <a:buFont typeface="Arial" panose="020B0604020202020204" pitchFamily="34" charset="0"/>
+              <a:buChar char="•"/>
+            </a:pPr>
+            <a:endParaRPr lang="en-US" altLang="zh-CN" dirty="0"/>
+          </a:p>
+          <a:p>
+            <a:endParaRPr lang="en-US" altLang="zh-CN" dirty="0"/>
+          </a:p>
+          <a:p>
+            <a:endParaRPr lang="en-US" altLang="zh-CN" dirty="0"/>
+          </a:p>
+          <a:p>
+            <a:r>
+              <a:rPr lang="zh-CN" altLang="en-US" dirty="0">
                 <a:solidFill>
-                  <a:srgbClr val="FF9933"/>
+                  <a:srgbClr val="FF0000"/>
                 </a:solidFill>
-                <a:latin typeface="Impact" panose="020B0806030902050204" pitchFamily="34" charset="0"/>
               </a:rPr>
-              <a:t>03</a:t>
-            </a:r>
-          </a:p>
-        </p:txBody>
-      </p:sp>
-      <p:sp>
-        <p:nvSpPr>
-          <p:cNvPr id="5" name="文本框 4"/>
-          <p:cNvSpPr txBox="1"/>
+              <a:t>使用</a:t>
+            </a:r>
+            <a:r>
+              <a:rPr lang="en-US" altLang="zh-CN" dirty="0">
+                <a:solidFill>
+                  <a:srgbClr val="FF0000"/>
+                </a:solidFill>
+              </a:rPr>
+              <a:t>hooks</a:t>
+            </a:r>
+            <a:r>
+              <a:rPr lang="zh-CN" altLang="en-US" dirty="0">
+                <a:solidFill>
+                  <a:srgbClr val="FF0000"/>
+                </a:solidFill>
+              </a:rPr>
+              <a:t>的注意事项：</a:t>
+            </a:r>
+            <a:endParaRPr lang="en-US" altLang="zh-CN" dirty="0">
+              <a:solidFill>
+                <a:srgbClr val="FF0000"/>
+              </a:solidFill>
+            </a:endParaRPr>
+          </a:p>
+          <a:p>
+            <a:r>
+              <a:rPr lang="en-US" altLang="zh-CN" dirty="0">
+                <a:solidFill>
+                  <a:srgbClr val="FF0000"/>
+                </a:solidFill>
+              </a:rPr>
+              <a:t>use</a:t>
+            </a:r>
+            <a:r>
+              <a:rPr lang="zh-CN" altLang="en-US" dirty="0">
+                <a:solidFill>
+                  <a:srgbClr val="FF0000"/>
+                </a:solidFill>
+              </a:rPr>
+              <a:t>开头的必须在组件顶层使用，如果你的组件没有大写，那就会报错了；不能用在</a:t>
+            </a:r>
+            <a:r>
+              <a:rPr lang="en-US" altLang="zh-CN" dirty="0">
+                <a:solidFill>
+                  <a:srgbClr val="FF0000"/>
+                </a:solidFill>
+              </a:rPr>
+              <a:t>if</a:t>
+            </a:r>
+            <a:r>
+              <a:rPr lang="zh-CN" altLang="en-US" dirty="0">
+                <a:solidFill>
+                  <a:srgbClr val="FF0000"/>
+                </a:solidFill>
+              </a:rPr>
+              <a:t>条件或渲染里面</a:t>
+            </a:r>
+            <a:endParaRPr lang="en-US" altLang="zh-CN" dirty="0">
+              <a:solidFill>
+                <a:srgbClr val="FF0000"/>
+              </a:solidFill>
+            </a:endParaRPr>
+          </a:p>
+          <a:p>
+            <a:endParaRPr lang="en-US" altLang="zh-CN" dirty="0"/>
+          </a:p>
+        </p:txBody>
+      </p:sp>
+      <p:pic>
+        <p:nvPicPr>
+          <p:cNvPr id="5" name="图片 4">
+            <a:extLst>
+              <a:ext uri="{FF2B5EF4-FFF2-40B4-BE49-F238E27FC236}">
+                <a16:creationId xmlns:a16="http://schemas.microsoft.com/office/drawing/2014/main" id="{A024CBD5-672E-CDDE-8D87-85488D05F714}"/>
+              </a:ext>
+            </a:extLst>
+          </p:cNvPr>
+          <p:cNvPicPr>
+            <a:picLocks noChangeAspect="1"/>
+          </p:cNvPicPr>
           <p:nvPr/>
-        </p:nvSpPr>
+        </p:nvPicPr>
+        <p:blipFill>
+          <a:blip r:embed="rId3"/>
+          <a:stretch>
+            <a:fillRect/>
+          </a:stretch>
+        </p:blipFill>
         <p:spPr>
           <a:xfrm>
-            <a:off x="3226435" y="2465070"/>
-            <a:ext cx="4900295" cy="922020"/>
+            <a:off x="4865149" y="732772"/>
+            <a:ext cx="4008518" cy="5715243"/>
           </a:xfrm>
           <a:prstGeom prst="rect">
             <a:avLst/>
           </a:prstGeom>
-          <a:noFill/>
         </p:spPr>
-        <p:txBody>
-          <a:bodyPr wrap="square" rtlCol="0">
-            <a:spAutoFit/>
-            <a:scene3d>
-              <a:camera prst="orthographicFront"/>
-              <a:lightRig rig="threePt" dir="t"/>
-            </a:scene3d>
-            <a:sp3d contourW="12700"/>
-          </a:bodyPr>
-          <a:lstStyle/>
-          <a:p>
-            <a:r>
-              <a:rPr lang="zh-CN" altLang="en-US" sz="5400" b="1" dirty="0">
-                <a:solidFill>
-                  <a:schemeClr val="tx1"/>
-                </a:solidFill>
-              </a:rPr>
-              <a:t>实践演练</a:t>
-            </a:r>
-            <a:r>
-              <a:rPr lang="en-US" altLang="zh-CN" sz="5400" b="1" dirty="0">
-                <a:solidFill>
-                  <a:schemeClr val="tx1"/>
-                </a:solidFill>
-              </a:rPr>
-              <a:t>1</a:t>
-            </a:r>
-          </a:p>
-        </p:txBody>
-      </p:sp>
-      <p:sp>
-        <p:nvSpPr>
-          <p:cNvPr id="2" name="文本框 1"/>
-          <p:cNvSpPr txBox="1"/>
-          <p:nvPr/>
-        </p:nvSpPr>
-        <p:spPr>
-          <a:xfrm>
-            <a:off x="3287210" y="3429000"/>
-            <a:ext cx="4595150" cy="337185"/>
-          </a:xfrm>
-          <a:prstGeom prst="rect">
-            <a:avLst/>
-          </a:prstGeom>
-          <a:noFill/>
-        </p:spPr>
-        <p:txBody>
-          <a:bodyPr wrap="square" rtlCol="0">
-            <a:spAutoFit/>
-          </a:bodyPr>
-          <a:lstStyle/>
-          <a:p>
-            <a:pPr marL="285750" indent="-285750">
-              <a:buFont typeface="Arial" panose="020B0604020202020204" pitchFamily="34" charset="0"/>
-              <a:buChar char="•"/>
-            </a:pPr>
-            <a:r>
-              <a:rPr lang="en-US" altLang="zh-CN" sz="1600" dirty="0">
-                <a:solidFill>
-                  <a:schemeClr val="bg2"/>
-                </a:solidFill>
-              </a:rPr>
-              <a:t>TodoList</a:t>
-            </a:r>
-            <a:r>
-              <a:rPr lang="zh-CN" altLang="en-US" sz="1600" dirty="0">
-                <a:solidFill>
-                  <a:schemeClr val="bg2"/>
-                </a:solidFill>
-              </a:rPr>
-              <a:t>案例 </a:t>
-            </a:r>
-            <a:endParaRPr lang="en-US" altLang="zh-CN" sz="1600" dirty="0">
-              <a:solidFill>
-                <a:schemeClr val="bg2"/>
-              </a:solidFill>
-            </a:endParaRPr>
-          </a:p>
-        </p:txBody>
-      </p:sp>
+      </p:pic>
     </p:spTree>
+    <p:extLst>
+      <p:ext uri="{BB962C8B-B14F-4D97-AF65-F5344CB8AC3E}">
+        <p14:creationId xmlns:p14="http://schemas.microsoft.com/office/powerpoint/2010/main" val="3436965599"/>
+      </p:ext>
+    </p:extLst>
   </p:cSld>
   <p:clrMapOvr>
     <a:masterClrMapping/>
@@ -3784,14 +5304,45 @@
       </p:grpSpPr>
       <p:sp>
         <p:nvSpPr>
-          <p:cNvPr id="4" name="文本框 3"/>
+          <p:cNvPr id="2" name="标题 1"/>
+          <p:cNvSpPr>
+            <a:spLocks noGrp="1"/>
+          </p:cNvSpPr>
+          <p:nvPr>
+            <p:ph type="title"/>
+          </p:nvPr>
+        </p:nvSpPr>
+        <p:spPr/>
+        <p:txBody>
+          <a:bodyPr/>
+          <a:lstStyle/>
+          <a:p>
+            <a:r>
+              <a:rPr lang="en-US" altLang="zh-CN" dirty="0"/>
+              <a:t>React</a:t>
+            </a:r>
+            <a:r>
+              <a:rPr lang="zh-CN" altLang="en-US" dirty="0"/>
+              <a:t>基础</a:t>
+            </a:r>
+            <a:endParaRPr lang="zh-CN" altLang="en-US" sz="2400" b="1" dirty="0">
+              <a:solidFill>
+                <a:schemeClr val="tx1"/>
+              </a:solidFill>
+            </a:endParaRPr>
+          </a:p>
+        </p:txBody>
+      </p:sp>
+      <p:sp>
+        <p:nvSpPr>
+          <p:cNvPr id="3" name="文本框 2"/>
           <p:cNvSpPr txBox="1"/>
           <p:nvPr/>
         </p:nvSpPr>
         <p:spPr>
           <a:xfrm>
-            <a:off x="1482826" y="2251392"/>
-            <a:ext cx="1712328" cy="1862048"/>
+            <a:off x="451961" y="685165"/>
+            <a:ext cx="5566795" cy="3416320"/>
           </a:xfrm>
           <a:prstGeom prst="rect">
             <a:avLst/>
@@ -3799,34 +5350,149 @@
           <a:noFill/>
         </p:spPr>
         <p:txBody>
-          <a:bodyPr wrap="none" rtlCol="0">
+          <a:bodyPr wrap="square" rtlCol="0">
             <a:spAutoFit/>
           </a:bodyPr>
           <a:lstStyle/>
           <a:p>
-            <a:pPr algn="ctr"/>
-            <a:r>
-              <a:rPr lang="en-US" altLang="zh-CN" sz="11500" dirty="0">
-                <a:solidFill>
-                  <a:srgbClr val="FF9933"/>
-                </a:solidFill>
-                <a:latin typeface="Impact" panose="020B0806030902050204" pitchFamily="34" charset="0"/>
-              </a:rPr>
-              <a:t>04</a:t>
-            </a:r>
-          </a:p>
-        </p:txBody>
-      </p:sp>
-      <p:sp>
-        <p:nvSpPr>
-          <p:cNvPr id="5" name="文本框 4"/>
+            <a:r>
+              <a:rPr lang="en-US" altLang="zh-CN" dirty="0"/>
+              <a:t>8</a:t>
+            </a:r>
+            <a:r>
+              <a:rPr lang="zh-CN" altLang="en-US" dirty="0"/>
+              <a:t>、</a:t>
+            </a:r>
+            <a:r>
+              <a:rPr lang="en-US" altLang="zh-CN" dirty="0"/>
+              <a:t> [1]</a:t>
+            </a:r>
+            <a:r>
+              <a:rPr lang="zh-CN" altLang="en-US" dirty="0"/>
+              <a:t>使用</a:t>
+            </a:r>
+            <a:r>
+              <a:rPr lang="en-US" altLang="zh-CN" dirty="0"/>
+              <a:t>hooks</a:t>
+            </a:r>
+          </a:p>
+          <a:p>
+            <a:endParaRPr lang="en-US" altLang="zh-CN" dirty="0"/>
+          </a:p>
+          <a:p>
+            <a:pPr marL="285750" indent="-285750">
+              <a:buFont typeface="Arial" panose="020B0604020202020204" pitchFamily="34" charset="0"/>
+              <a:buChar char="•"/>
+            </a:pPr>
+            <a:r>
+              <a:rPr lang="en-US" altLang="zh-CN" dirty="0" err="1"/>
+              <a:t>useEffect</a:t>
+            </a:r>
+            <a:r>
+              <a:rPr lang="zh-CN" altLang="en-US" dirty="0"/>
+              <a:t>：让组件拥有副作用的钩子函数。</a:t>
+            </a:r>
+            <a:endParaRPr lang="en-US" altLang="zh-CN" dirty="0"/>
+          </a:p>
+          <a:p>
+            <a:pPr marL="285750" indent="-285750">
+              <a:buFont typeface="Arial" panose="020B0604020202020204" pitchFamily="34" charset="0"/>
+              <a:buChar char="•"/>
+            </a:pPr>
+            <a:endParaRPr lang="en-US" altLang="zh-CN" dirty="0"/>
+          </a:p>
+          <a:p>
+            <a:r>
+              <a:rPr lang="zh-CN" altLang="en-US" dirty="0"/>
+              <a:t>① 依赖项为</a:t>
+            </a:r>
+            <a:r>
+              <a:rPr lang="en-US" altLang="zh-CN" dirty="0"/>
+              <a:t>[]</a:t>
+            </a:r>
+            <a:r>
+              <a:rPr lang="zh-CN" altLang="en-US" dirty="0"/>
+              <a:t>，只会执行一次</a:t>
+            </a:r>
+            <a:endParaRPr lang="en-US" altLang="zh-CN" dirty="0"/>
+          </a:p>
+          <a:p>
+            <a:r>
+              <a:rPr lang="zh-CN" altLang="en-US" sz="1400" dirty="0"/>
+              <a:t>使用场景：经常用来请求接口</a:t>
+            </a:r>
+            <a:endParaRPr lang="en-US" altLang="zh-CN" sz="1400" dirty="0"/>
+          </a:p>
+          <a:p>
+            <a:endParaRPr lang="en-US" altLang="zh-CN" dirty="0"/>
+          </a:p>
+          <a:p>
+            <a:endParaRPr lang="zh-CN" altLang="en-US" dirty="0"/>
+          </a:p>
+          <a:p>
+            <a:pPr marL="285750" indent="-285750">
+              <a:buFont typeface="Arial" panose="020B0604020202020204" pitchFamily="34" charset="0"/>
+              <a:buChar char="•"/>
+            </a:pPr>
+            <a:endParaRPr lang="en-US" altLang="zh-CN" dirty="0"/>
+          </a:p>
+          <a:p>
+            <a:endParaRPr lang="en-US" altLang="zh-CN" dirty="0"/>
+          </a:p>
+          <a:p>
+            <a:endParaRPr lang="en-US" altLang="zh-CN" dirty="0"/>
+          </a:p>
+          <a:p>
+            <a:endParaRPr lang="zh-CN" altLang="en-US" dirty="0"/>
+          </a:p>
+        </p:txBody>
+      </p:sp>
+      <p:pic>
+        <p:nvPicPr>
+          <p:cNvPr id="6" name="图片 5">
+            <a:extLst>
+              <a:ext uri="{FF2B5EF4-FFF2-40B4-BE49-F238E27FC236}">
+                <a16:creationId xmlns:a16="http://schemas.microsoft.com/office/drawing/2014/main" id="{A2857932-8559-8CD8-5E11-8F28CEA37549}"/>
+              </a:ext>
+            </a:extLst>
+          </p:cNvPr>
+          <p:cNvPicPr>
+            <a:picLocks noChangeAspect="1"/>
+          </p:cNvPicPr>
+          <p:nvPr/>
+        </p:nvPicPr>
+        <p:blipFill>
+          <a:blip r:embed="rId3"/>
+          <a:stretch>
+            <a:fillRect/>
+          </a:stretch>
+        </p:blipFill>
+        <p:spPr>
+          <a:xfrm>
+            <a:off x="4381976" y="1646355"/>
+            <a:ext cx="3499030" cy="1632034"/>
+          </a:xfrm>
+          <a:prstGeom prst="rect">
+            <a:avLst/>
+          </a:prstGeom>
+        </p:spPr>
+      </p:pic>
+      <p:sp>
+        <p:nvSpPr>
+          <p:cNvPr id="7" name="文本框 6">
+            <a:extLst>
+              <a:ext uri="{FF2B5EF4-FFF2-40B4-BE49-F238E27FC236}">
+                <a16:creationId xmlns:a16="http://schemas.microsoft.com/office/drawing/2014/main" id="{3DF6F4CB-1FEF-A230-2FEB-E9D9B1903A0F}"/>
+              </a:ext>
+            </a:extLst>
+          </p:cNvPr>
           <p:cNvSpPr txBox="1"/>
           <p:nvPr/>
         </p:nvSpPr>
         <p:spPr>
           <a:xfrm>
-            <a:off x="3226435" y="2465070"/>
-            <a:ext cx="4943475" cy="922020"/>
+            <a:off x="370540" y="3658244"/>
+            <a:ext cx="3669103" cy="1723549"/>
           </a:xfrm>
           <a:prstGeom prst="rect">
             <a:avLst/>
@@ -3836,110 +5502,87 @@
         <p:txBody>
           <a:bodyPr wrap="square" rtlCol="0">
             <a:spAutoFit/>
-            <a:scene3d>
-              <a:camera prst="orthographicFront"/>
-              <a:lightRig rig="threePt" dir="t"/>
-            </a:scene3d>
-            <a:sp3d contourW="12700"/>
           </a:bodyPr>
           <a:lstStyle/>
           <a:p>
             <a:r>
-              <a:rPr lang="en-US" altLang="zh-CN" sz="5400" b="1" dirty="0">
-                <a:solidFill>
-                  <a:schemeClr val="tx1"/>
-                </a:solidFill>
-              </a:rPr>
-              <a:t>React</a:t>
-            </a:r>
-            <a:r>
-              <a:rPr lang="zh-CN" altLang="en-US" sz="5400" b="1" dirty="0">
-                <a:solidFill>
-                  <a:schemeClr val="tx1"/>
-                </a:solidFill>
-              </a:rPr>
-              <a:t>进阶</a:t>
-            </a:r>
-          </a:p>
-        </p:txBody>
-      </p:sp>
-      <p:sp>
-        <p:nvSpPr>
-          <p:cNvPr id="2" name="文本框 1"/>
-          <p:cNvSpPr txBox="1"/>
+              <a:rPr lang="zh-CN" altLang="en-US" dirty="0"/>
+              <a:t>② 依赖项 </a:t>
+            </a:r>
+            <a:r>
+              <a:rPr lang="en-US" altLang="zh-CN" dirty="0"/>
+              <a:t>[] </a:t>
+            </a:r>
+            <a:r>
+              <a:rPr lang="zh-CN" altLang="en-US" dirty="0"/>
+              <a:t>有放变量，只要变量一改变，就会执行</a:t>
+            </a:r>
+            <a:endParaRPr lang="en-US" altLang="zh-CN" dirty="0"/>
+          </a:p>
+          <a:p>
+            <a:r>
+              <a:rPr lang="zh-CN" altLang="en-US" sz="1400" dirty="0"/>
+              <a:t>使用场景：① 用于列表页进入详情页，需要拿到最新</a:t>
+            </a:r>
+            <a:r>
+              <a:rPr lang="en-US" altLang="zh-CN" sz="1400" dirty="0"/>
+              <a:t>id</a:t>
+            </a:r>
+            <a:r>
+              <a:rPr lang="zh-CN" altLang="en-US" sz="1400" dirty="0"/>
+              <a:t>去获取请求</a:t>
+            </a:r>
+            <a:endParaRPr lang="en-US" altLang="zh-CN" sz="1400" dirty="0"/>
+          </a:p>
+          <a:p>
+            <a:r>
+              <a:rPr lang="zh-CN" altLang="en-US" sz="1400" dirty="0"/>
+              <a:t>② 父组件调用子组件并传参给子组件，子组件要拿到最新的变量去做额外操作，如表单赋值等</a:t>
+            </a:r>
+            <a:r>
+              <a:rPr lang="en-US" altLang="zh-CN" sz="1400" dirty="0"/>
+              <a:t>….</a:t>
+            </a:r>
+            <a:endParaRPr lang="zh-CN" altLang="en-US" sz="1400" dirty="0"/>
+          </a:p>
+        </p:txBody>
+      </p:sp>
+      <p:pic>
+        <p:nvPicPr>
+          <p:cNvPr id="9" name="图片 8">
+            <a:extLst>
+              <a:ext uri="{FF2B5EF4-FFF2-40B4-BE49-F238E27FC236}">
+                <a16:creationId xmlns:a16="http://schemas.microsoft.com/office/drawing/2014/main" id="{46D2A11E-3B8B-B33E-877D-B0311428D520}"/>
+              </a:ext>
+            </a:extLst>
+          </p:cNvPr>
+          <p:cNvPicPr>
+            <a:picLocks noChangeAspect="1"/>
+          </p:cNvPicPr>
           <p:nvPr/>
-        </p:nvSpPr>
+        </p:nvPicPr>
+        <p:blipFill>
+          <a:blip r:embed="rId4"/>
+          <a:stretch>
+            <a:fillRect/>
+          </a:stretch>
+        </p:blipFill>
         <p:spPr>
           <a:xfrm>
-            <a:off x="2957331" y="3429000"/>
-            <a:ext cx="4595150" cy="1076325"/>
+            <a:off x="4319346" y="3528477"/>
+            <a:ext cx="4600811" cy="2904966"/>
           </a:xfrm>
           <a:prstGeom prst="rect">
             <a:avLst/>
           </a:prstGeom>
-          <a:noFill/>
         </p:spPr>
-        <p:txBody>
-          <a:bodyPr wrap="square" rtlCol="0">
-            <a:spAutoFit/>
-          </a:bodyPr>
-          <a:lstStyle/>
-          <a:p>
-            <a:pPr marL="742950" lvl="1" indent="-285750">
-              <a:buFont typeface="Arial" panose="020B0604020202020204" pitchFamily="34" charset="0"/>
-              <a:buChar char="•"/>
-            </a:pPr>
-            <a:r>
-              <a:rPr lang="zh-CN" sz="1600" dirty="0">
-                <a:solidFill>
-                  <a:schemeClr val="bg2"/>
-                </a:solidFill>
-              </a:rPr>
-              <a:t>组件化开发</a:t>
-            </a:r>
-          </a:p>
-          <a:p>
-            <a:pPr marL="742950" lvl="1" indent="-285750">
-              <a:buFont typeface="Arial" panose="020B0604020202020204" pitchFamily="34" charset="0"/>
-              <a:buChar char="•"/>
-            </a:pPr>
-            <a:r>
-              <a:rPr lang="zh-CN" sz="1600" dirty="0">
-                <a:solidFill>
-                  <a:schemeClr val="bg2"/>
-                </a:solidFill>
-              </a:rPr>
-              <a:t>组件通信方式</a:t>
-            </a:r>
-          </a:p>
-          <a:p>
-            <a:pPr marL="742950" lvl="1" indent="-285750">
-              <a:buFont typeface="Arial" panose="020B0604020202020204" pitchFamily="34" charset="0"/>
-              <a:buChar char="•"/>
-            </a:pPr>
-            <a:r>
-              <a:rPr lang="zh-CN" sz="1600" dirty="0">
-                <a:solidFill>
-                  <a:schemeClr val="bg2"/>
-                </a:solidFill>
-              </a:rPr>
-              <a:t>路由</a:t>
-            </a:r>
-          </a:p>
-          <a:p>
-            <a:pPr marL="742950" lvl="1" indent="-285750">
-              <a:buFont typeface="Arial" panose="020B0604020202020204" pitchFamily="34" charset="0"/>
-              <a:buChar char="•"/>
-            </a:pPr>
-            <a:endParaRPr lang="en-US" altLang="zh-CN" sz="1600" dirty="0">
-              <a:solidFill>
-                <a:schemeClr val="bg2"/>
-              </a:solidFill>
-            </a:endParaRPr>
-          </a:p>
-        </p:txBody>
-      </p:sp>
+      </p:pic>
     </p:spTree>
+    <p:extLst>
+      <p:ext uri="{BB962C8B-B14F-4D97-AF65-F5344CB8AC3E}">
+        <p14:creationId xmlns:p14="http://schemas.microsoft.com/office/powerpoint/2010/main" val="2265152661"/>
+      </p:ext>
+    </p:extLst>
   </p:cSld>
   <p:clrMapOvr>
     <a:masterClrMapping/>
@@ -3966,14 +5609,45 @@
       </p:grpSpPr>
       <p:sp>
         <p:nvSpPr>
-          <p:cNvPr id="4" name="文本框 3"/>
+          <p:cNvPr id="2" name="标题 1"/>
+          <p:cNvSpPr>
+            <a:spLocks noGrp="1"/>
+          </p:cNvSpPr>
+          <p:nvPr>
+            <p:ph type="title"/>
+          </p:nvPr>
+        </p:nvSpPr>
+        <p:spPr/>
+        <p:txBody>
+          <a:bodyPr/>
+          <a:lstStyle/>
+          <a:p>
+            <a:r>
+              <a:rPr lang="en-US" altLang="zh-CN" dirty="0"/>
+              <a:t>React</a:t>
+            </a:r>
+            <a:r>
+              <a:rPr lang="zh-CN" altLang="en-US" dirty="0"/>
+              <a:t>基础</a:t>
+            </a:r>
+            <a:endParaRPr lang="zh-CN" altLang="en-US" sz="2400" b="1" dirty="0">
+              <a:solidFill>
+                <a:schemeClr val="tx1"/>
+              </a:solidFill>
+            </a:endParaRPr>
+          </a:p>
+        </p:txBody>
+      </p:sp>
+      <p:sp>
+        <p:nvSpPr>
+          <p:cNvPr id="3" name="文本框 2"/>
           <p:cNvSpPr txBox="1"/>
           <p:nvPr/>
         </p:nvSpPr>
         <p:spPr>
           <a:xfrm>
-            <a:off x="1455575" y="2251392"/>
-            <a:ext cx="1766830" cy="1862048"/>
+            <a:off x="451962" y="685165"/>
+            <a:ext cx="4013567" cy="4247317"/>
           </a:xfrm>
           <a:prstGeom prst="rect">
             <a:avLst/>
@@ -3981,122 +5655,150 @@
           <a:noFill/>
         </p:spPr>
         <p:txBody>
-          <a:bodyPr wrap="none" rtlCol="0">
+          <a:bodyPr wrap="square" rtlCol="0">
             <a:spAutoFit/>
           </a:bodyPr>
           <a:lstStyle/>
           <a:p>
-            <a:pPr algn="ctr"/>
-            <a:r>
-              <a:rPr lang="en-US" altLang="zh-CN" sz="11500" dirty="0">
+            <a:r>
+              <a:rPr lang="en-US" altLang="zh-CN" dirty="0"/>
+              <a:t>8</a:t>
+            </a:r>
+            <a:r>
+              <a:rPr lang="zh-CN" altLang="en-US" dirty="0"/>
+              <a:t>、</a:t>
+            </a:r>
+            <a:r>
+              <a:rPr lang="en-US" altLang="zh-CN" dirty="0"/>
+              <a:t> [1]</a:t>
+            </a:r>
+            <a:r>
+              <a:rPr lang="zh-CN" altLang="en-US" dirty="0"/>
+              <a:t>使用</a:t>
+            </a:r>
+            <a:r>
+              <a:rPr lang="en-US" altLang="zh-CN" dirty="0"/>
+              <a:t>hooks</a:t>
+            </a:r>
+          </a:p>
+          <a:p>
+            <a:endParaRPr lang="en-US" altLang="zh-CN" dirty="0"/>
+          </a:p>
+          <a:p>
+            <a:pPr marL="285750" indent="-285750">
+              <a:buFont typeface="Arial" panose="020B0604020202020204" pitchFamily="34" charset="0"/>
+              <a:buChar char="•"/>
+            </a:pPr>
+            <a:r>
+              <a:rPr lang="en-US" altLang="zh-CN" dirty="0" err="1"/>
+              <a:t>useEffect</a:t>
+            </a:r>
+            <a:r>
+              <a:rPr lang="zh-CN" altLang="en-US" dirty="0"/>
+              <a:t>：让组件拥有副作用的钩子函数。</a:t>
+            </a:r>
+            <a:endParaRPr lang="en-US" altLang="zh-CN" dirty="0"/>
+          </a:p>
+          <a:p>
+            <a:endParaRPr lang="en-US" altLang="zh-CN" dirty="0"/>
+          </a:p>
+          <a:p>
+            <a:r>
+              <a:rPr lang="zh-CN" altLang="en-US" dirty="0"/>
+              <a:t>③ 清除组件的副作用</a:t>
+            </a:r>
+            <a:r>
+              <a:rPr lang="en-US" altLang="zh-CN" dirty="0"/>
+              <a:t>[1]</a:t>
+            </a:r>
+            <a:r>
+              <a:rPr lang="zh-CN" altLang="en-US" dirty="0"/>
+              <a:t>：</a:t>
+            </a:r>
+            <a:r>
+              <a:rPr lang="en-US" altLang="zh-CN" b="0" i="0" dirty="0">
                 <a:solidFill>
-                  <a:srgbClr val="FF9933"/>
+                  <a:srgbClr val="333333"/>
                 </a:solidFill>
-                <a:latin typeface="Impact" panose="020B0806030902050204" pitchFamily="34" charset="0"/>
+                <a:effectLst/>
+                <a:latin typeface="Helvetica Neue"/>
               </a:rPr>
-              <a:t>05</a:t>
-            </a:r>
-          </a:p>
-        </p:txBody>
-      </p:sp>
-      <p:sp>
-        <p:nvSpPr>
-          <p:cNvPr id="5" name="文本框 4"/>
-          <p:cNvSpPr txBox="1"/>
+              <a:t>return </a:t>
+            </a:r>
+            <a:r>
+              <a:rPr lang="zh-CN" altLang="en-US" b="0" i="0" dirty="0">
+                <a:solidFill>
+                  <a:srgbClr val="333333"/>
+                </a:solidFill>
+                <a:effectLst/>
+                <a:latin typeface="Helvetica Neue"/>
+              </a:rPr>
+              <a:t>一个回调函数，清除函数副作用。通常是清除全局挂载的一些事件等</a:t>
+            </a:r>
+          </a:p>
+          <a:p>
+            <a:endParaRPr lang="en-US" altLang="zh-CN" dirty="0"/>
+          </a:p>
+          <a:p>
+            <a:endParaRPr lang="en-US" altLang="zh-CN" dirty="0"/>
+          </a:p>
+          <a:p>
+            <a:endParaRPr lang="zh-CN" altLang="en-US" dirty="0"/>
+          </a:p>
+          <a:p>
+            <a:pPr marL="285750" indent="-285750">
+              <a:buFont typeface="Arial" panose="020B0604020202020204" pitchFamily="34" charset="0"/>
+              <a:buChar char="•"/>
+            </a:pPr>
+            <a:endParaRPr lang="en-US" altLang="zh-CN" dirty="0"/>
+          </a:p>
+          <a:p>
+            <a:endParaRPr lang="en-US" altLang="zh-CN" dirty="0"/>
+          </a:p>
+          <a:p>
+            <a:endParaRPr lang="en-US" altLang="zh-CN" dirty="0"/>
+          </a:p>
+          <a:p>
+            <a:endParaRPr lang="zh-CN" altLang="en-US" dirty="0"/>
+          </a:p>
+        </p:txBody>
+      </p:sp>
+      <p:pic>
+        <p:nvPicPr>
+          <p:cNvPr id="5" name="图片 4">
+            <a:extLst>
+              <a:ext uri="{FF2B5EF4-FFF2-40B4-BE49-F238E27FC236}">
+                <a16:creationId xmlns:a16="http://schemas.microsoft.com/office/drawing/2014/main" id="{5455DD66-732B-7A55-35D6-49C76607A6BB}"/>
+              </a:ext>
+            </a:extLst>
+          </p:cNvPr>
+          <p:cNvPicPr>
+            <a:picLocks noChangeAspect="1"/>
+          </p:cNvPicPr>
           <p:nvPr/>
-        </p:nvSpPr>
+        </p:nvPicPr>
+        <p:blipFill>
+          <a:blip r:embed="rId3"/>
+          <a:stretch>
+            <a:fillRect/>
+          </a:stretch>
+        </p:blipFill>
         <p:spPr>
           <a:xfrm>
-            <a:off x="3226435" y="2465070"/>
-            <a:ext cx="4900295" cy="1014730"/>
+            <a:off x="4678473" y="790319"/>
+            <a:ext cx="4279935" cy="5388779"/>
           </a:xfrm>
           <a:prstGeom prst="rect">
             <a:avLst/>
           </a:prstGeom>
-          <a:noFill/>
         </p:spPr>
-        <p:txBody>
-          <a:bodyPr wrap="square" rtlCol="0">
-            <a:spAutoFit/>
-            <a:scene3d>
-              <a:camera prst="orthographicFront"/>
-              <a:lightRig rig="threePt" dir="t"/>
-            </a:scene3d>
-            <a:sp3d contourW="12700"/>
-          </a:bodyPr>
-          <a:lstStyle/>
-          <a:p>
-            <a:r>
-              <a:rPr lang="zh-CN" altLang="en-US" sz="6000" b="1" dirty="0">
-                <a:solidFill>
-                  <a:schemeClr val="tx1"/>
-                </a:solidFill>
-              </a:rPr>
-              <a:t>实践演练</a:t>
-            </a:r>
-            <a:r>
-              <a:rPr lang="en-US" altLang="zh-CN" sz="6000" b="1" dirty="0">
-                <a:solidFill>
-                  <a:schemeClr val="tx1"/>
-                </a:solidFill>
-              </a:rPr>
-              <a:t>2</a:t>
-            </a:r>
-          </a:p>
-        </p:txBody>
-      </p:sp>
-      <p:sp>
-        <p:nvSpPr>
-          <p:cNvPr id="3" name="文本框 2"/>
-          <p:cNvSpPr txBox="1"/>
-          <p:nvPr/>
-        </p:nvSpPr>
-        <p:spPr>
-          <a:xfrm>
-            <a:off x="2929842" y="3562638"/>
-            <a:ext cx="4574892" cy="645160"/>
-          </a:xfrm>
-          <a:prstGeom prst="rect">
-            <a:avLst/>
-          </a:prstGeom>
-          <a:noFill/>
-        </p:spPr>
-        <p:txBody>
-          <a:bodyPr wrap="square">
-            <a:spAutoFit/>
-          </a:bodyPr>
-          <a:lstStyle/>
-          <a:p>
-            <a:pPr marL="742950" lvl="1" indent="-285750">
-              <a:buFont typeface="Arial" panose="020B0604020202020204" pitchFamily="34" charset="0"/>
-              <a:buChar char="•"/>
-            </a:pPr>
-            <a:r>
-              <a:rPr lang="zh-CN" altLang="en-US" dirty="0">
-                <a:solidFill>
-                  <a:schemeClr val="bg2"/>
-                </a:solidFill>
-              </a:rPr>
-              <a:t>模拟页面跳转</a:t>
-            </a:r>
-          </a:p>
-          <a:p>
-            <a:pPr marL="742950" lvl="1" indent="-285750">
-              <a:buFont typeface="Arial" panose="020B0604020202020204" pitchFamily="34" charset="0"/>
-              <a:buChar char="•"/>
-            </a:pPr>
-            <a:r>
-              <a:rPr lang="zh-CN" altLang="en-US" dirty="0">
-                <a:solidFill>
-                  <a:schemeClr val="bg2"/>
-                </a:solidFill>
-              </a:rPr>
-              <a:t>组件复用场景</a:t>
-            </a:r>
-          </a:p>
-        </p:txBody>
-      </p:sp>
+      </p:pic>
     </p:spTree>
+    <p:extLst>
+      <p:ext uri="{BB962C8B-B14F-4D97-AF65-F5344CB8AC3E}">
+        <p14:creationId xmlns:p14="http://schemas.microsoft.com/office/powerpoint/2010/main" val="3532429390"/>
+      </p:ext>
+    </p:extLst>
   </p:cSld>
   <p:clrMapOvr>
     <a:masterClrMapping/>
@@ -4123,14 +5825,45 @@
       </p:grpSpPr>
       <p:sp>
         <p:nvSpPr>
-          <p:cNvPr id="4" name="文本框 3"/>
+          <p:cNvPr id="2" name="标题 1"/>
+          <p:cNvSpPr>
+            <a:spLocks noGrp="1"/>
+          </p:cNvSpPr>
+          <p:nvPr>
+            <p:ph type="title"/>
+          </p:nvPr>
+        </p:nvSpPr>
+        <p:spPr/>
+        <p:txBody>
+          <a:bodyPr/>
+          <a:lstStyle/>
+          <a:p>
+            <a:r>
+              <a:rPr lang="en-US" altLang="zh-CN" dirty="0"/>
+              <a:t>React</a:t>
+            </a:r>
+            <a:r>
+              <a:rPr lang="zh-CN" altLang="en-US" dirty="0"/>
+              <a:t>基础</a:t>
+            </a:r>
+            <a:endParaRPr lang="zh-CN" altLang="en-US" sz="2400" b="1" dirty="0">
+              <a:solidFill>
+                <a:schemeClr val="tx1"/>
+              </a:solidFill>
+            </a:endParaRPr>
+          </a:p>
+        </p:txBody>
+      </p:sp>
+      <p:sp>
+        <p:nvSpPr>
+          <p:cNvPr id="3" name="文本框 2"/>
           <p:cNvSpPr txBox="1"/>
           <p:nvPr/>
         </p:nvSpPr>
         <p:spPr>
           <a:xfrm>
-            <a:off x="1452369" y="2251392"/>
-            <a:ext cx="1773242" cy="1862048"/>
+            <a:off x="451962" y="685165"/>
+            <a:ext cx="3500000" cy="4524315"/>
           </a:xfrm>
           <a:prstGeom prst="rect">
             <a:avLst/>
@@ -4138,226 +5871,143 @@
           <a:noFill/>
         </p:spPr>
         <p:txBody>
-          <a:bodyPr wrap="none" rtlCol="0">
+          <a:bodyPr wrap="square" rtlCol="0">
             <a:spAutoFit/>
           </a:bodyPr>
           <a:lstStyle/>
           <a:p>
-            <a:pPr algn="ctr"/>
-            <a:r>
-              <a:rPr lang="en-US" altLang="zh-CN" sz="11500" dirty="0">
-                <a:solidFill>
-                  <a:srgbClr val="FF9933"/>
-                </a:solidFill>
-                <a:latin typeface="Impact" panose="020B0806030902050204" pitchFamily="34" charset="0"/>
-              </a:rPr>
-              <a:t>06</a:t>
-            </a:r>
-          </a:p>
-        </p:txBody>
-      </p:sp>
-      <p:sp>
-        <p:nvSpPr>
-          <p:cNvPr id="5" name="文本框 4"/>
-          <p:cNvSpPr txBox="1"/>
+            <a:r>
+              <a:rPr lang="en-US" altLang="zh-CN" dirty="0"/>
+              <a:t>8</a:t>
+            </a:r>
+            <a:r>
+              <a:rPr lang="zh-CN" altLang="en-US" dirty="0"/>
+              <a:t>、</a:t>
+            </a:r>
+            <a:r>
+              <a:rPr lang="en-US" altLang="zh-CN" dirty="0"/>
+              <a:t> [1]</a:t>
+            </a:r>
+            <a:r>
+              <a:rPr lang="zh-CN" altLang="en-US" dirty="0"/>
+              <a:t>使用</a:t>
+            </a:r>
+            <a:r>
+              <a:rPr lang="en-US" altLang="zh-CN" dirty="0"/>
+              <a:t>hooks</a:t>
+            </a:r>
+          </a:p>
+          <a:p>
+            <a:endParaRPr lang="en-US" altLang="zh-CN" dirty="0"/>
+          </a:p>
+          <a:p>
+            <a:pPr marL="285750" indent="-285750">
+              <a:buFont typeface="Arial" panose="020B0604020202020204" pitchFamily="34" charset="0"/>
+              <a:buChar char="•"/>
+            </a:pPr>
+            <a:r>
+              <a:rPr lang="en-US" altLang="zh-CN" dirty="0" err="1"/>
+              <a:t>useMemo</a:t>
+            </a:r>
+            <a:endParaRPr lang="en-US" altLang="zh-CN" dirty="0"/>
+          </a:p>
+          <a:p>
+            <a:pPr marL="285750" indent="-285750">
+              <a:buFont typeface="Arial" panose="020B0604020202020204" pitchFamily="34" charset="0"/>
+              <a:buChar char="•"/>
+            </a:pPr>
+            <a:endParaRPr lang="en-US" altLang="zh-CN" dirty="0"/>
+          </a:p>
+          <a:p>
+            <a:r>
+              <a:rPr lang="zh-CN" altLang="en-US" dirty="0"/>
+              <a:t>计算属性作用。当依赖项改变才会重新执行这段函数，不改变一直拿到的是缓存的结果。比 </a:t>
+            </a:r>
+            <a:r>
+              <a:rPr lang="en-US" altLang="zh-CN" dirty="0" err="1"/>
+              <a:t>useEffect</a:t>
+            </a:r>
+            <a:r>
+              <a:rPr lang="en-US" altLang="zh-CN" dirty="0"/>
+              <a:t> </a:t>
+            </a:r>
+            <a:r>
+              <a:rPr lang="zh-CN" altLang="en-US" dirty="0"/>
+              <a:t>先执行，所以如果计算体内有 </a:t>
+            </a:r>
+            <a:r>
+              <a:rPr lang="en-US" altLang="zh-CN" dirty="0" err="1"/>
+              <a:t>useEffect</a:t>
+            </a:r>
+            <a:r>
+              <a:rPr lang="en-US" altLang="zh-CN" dirty="0"/>
+              <a:t> </a:t>
+            </a:r>
+            <a:r>
+              <a:rPr lang="zh-CN" altLang="en-US" dirty="0"/>
+              <a:t>获取的变量，依赖项需加上</a:t>
+            </a:r>
+          </a:p>
+          <a:p>
+            <a:endParaRPr lang="en-US" altLang="zh-CN" dirty="0"/>
+          </a:p>
+          <a:p>
+            <a:endParaRPr lang="zh-CN" altLang="en-US" dirty="0"/>
+          </a:p>
+          <a:p>
+            <a:pPr marL="285750" indent="-285750">
+              <a:buFont typeface="Arial" panose="020B0604020202020204" pitchFamily="34" charset="0"/>
+              <a:buChar char="•"/>
+            </a:pPr>
+            <a:endParaRPr lang="en-US" altLang="zh-CN" dirty="0"/>
+          </a:p>
+          <a:p>
+            <a:endParaRPr lang="en-US" altLang="zh-CN" dirty="0"/>
+          </a:p>
+          <a:p>
+            <a:endParaRPr lang="en-US" altLang="zh-CN" dirty="0"/>
+          </a:p>
+          <a:p>
+            <a:endParaRPr lang="zh-CN" altLang="en-US" dirty="0"/>
+          </a:p>
+        </p:txBody>
+      </p:sp>
+      <p:pic>
+        <p:nvPicPr>
+          <p:cNvPr id="5" name="图片 4">
+            <a:extLst>
+              <a:ext uri="{FF2B5EF4-FFF2-40B4-BE49-F238E27FC236}">
+                <a16:creationId xmlns:a16="http://schemas.microsoft.com/office/drawing/2014/main" id="{43BF8F62-D2EB-BBAE-AC83-70ED724C6B08}"/>
+              </a:ext>
+            </a:extLst>
+          </p:cNvPr>
+          <p:cNvPicPr>
+            <a:picLocks noChangeAspect="1"/>
+          </p:cNvPicPr>
           <p:nvPr/>
-        </p:nvSpPr>
+        </p:nvPicPr>
+        <p:blipFill>
+          <a:blip r:embed="rId3"/>
+          <a:stretch>
+            <a:fillRect/>
+          </a:stretch>
+        </p:blipFill>
         <p:spPr>
           <a:xfrm>
-            <a:off x="3225800" y="2160270"/>
-            <a:ext cx="5217160" cy="1753235"/>
+            <a:off x="3911415" y="582459"/>
+            <a:ext cx="5026235" cy="5968653"/>
           </a:xfrm>
           <a:prstGeom prst="rect">
             <a:avLst/>
           </a:prstGeom>
-          <a:noFill/>
         </p:spPr>
-        <p:txBody>
-          <a:bodyPr wrap="square" rtlCol="0">
-            <a:spAutoFit/>
-            <a:scene3d>
-              <a:camera prst="orthographicFront"/>
-              <a:lightRig rig="threePt" dir="t"/>
-            </a:scene3d>
-            <a:sp3d contourW="12700"/>
-          </a:bodyPr>
-          <a:lstStyle/>
-          <a:p>
-            <a:r>
-              <a:rPr lang="en-US" altLang="zh-CN" sz="5400" b="1" dirty="0" err="1"/>
-              <a:t>Ant</a:t>
-            </a:r>
-            <a:r>
-              <a:rPr lang="en-US" altLang="zh-CN" sz="5400" b="1" dirty="0"/>
-              <a:t> Design &amp; Procomponent</a:t>
-            </a:r>
-            <a:endParaRPr lang="zh-CN" altLang="en-US" sz="5400" b="1" dirty="0">
-              <a:solidFill>
-                <a:schemeClr val="tx1"/>
-              </a:solidFill>
-            </a:endParaRPr>
-          </a:p>
-        </p:txBody>
-      </p:sp>
-      <p:sp>
-        <p:nvSpPr>
-          <p:cNvPr id="2" name="文本框 1"/>
-          <p:cNvSpPr txBox="1"/>
-          <p:nvPr/>
-        </p:nvSpPr>
-        <p:spPr>
-          <a:xfrm>
-            <a:off x="3225941" y="3913801"/>
-            <a:ext cx="5054596" cy="1476375"/>
-          </a:xfrm>
-          <a:prstGeom prst="rect">
-            <a:avLst/>
-          </a:prstGeom>
-          <a:noFill/>
-        </p:spPr>
-        <p:txBody>
-          <a:bodyPr wrap="square">
-            <a:spAutoFit/>
-          </a:bodyPr>
-          <a:lstStyle/>
-          <a:p>
-            <a:pPr marL="742950" lvl="1" indent="-285750">
-              <a:buFont typeface="Arial" panose="020B0604020202020204" pitchFamily="34" charset="0"/>
-              <a:buChar char="•"/>
-            </a:pPr>
-            <a:r>
-              <a:rPr lang="zh-CN" altLang="en-US" dirty="0">
-                <a:solidFill>
-                  <a:schemeClr val="bg2"/>
-                </a:solidFill>
-              </a:rPr>
-              <a:t>文档阅读</a:t>
-            </a:r>
-            <a:endParaRPr lang="en-US" altLang="zh-CN" dirty="0">
-              <a:solidFill>
-                <a:schemeClr val="bg2"/>
-              </a:solidFill>
-            </a:endParaRPr>
-          </a:p>
-          <a:p>
-            <a:pPr marL="742950" lvl="1" indent="-285750">
-              <a:buFont typeface="Arial" panose="020B0604020202020204" pitchFamily="34" charset="0"/>
-              <a:buChar char="•"/>
-            </a:pPr>
-            <a:r>
-              <a:rPr lang="zh-CN" altLang="en-US" dirty="0">
-                <a:solidFill>
-                  <a:schemeClr val="bg2"/>
-                </a:solidFill>
-              </a:rPr>
-              <a:t>介绍常用的蚂蚁组件，实践演练</a:t>
-            </a:r>
-          </a:p>
-          <a:p>
-            <a:pPr marL="742950" lvl="1" indent="-285750">
-              <a:buFont typeface="Arial" panose="020B0604020202020204" pitchFamily="34" charset="0"/>
-              <a:buChar char="•"/>
-            </a:pPr>
-            <a:r>
-              <a:rPr lang="zh-CN" altLang="en-US" dirty="0">
-                <a:solidFill>
-                  <a:schemeClr val="bg2"/>
-                </a:solidFill>
-              </a:rPr>
-              <a:t>修改蚂蚁组件的样式</a:t>
-            </a:r>
-            <a:r>
-              <a:rPr lang="en-US" altLang="zh-CN" dirty="0">
-                <a:solidFill>
-                  <a:schemeClr val="bg2"/>
-                </a:solidFill>
-              </a:rPr>
-              <a:t> </a:t>
-            </a:r>
-            <a:r>
-              <a:rPr lang="zh-CN" altLang="en-US" dirty="0">
-                <a:solidFill>
-                  <a:schemeClr val="bg2"/>
-                </a:solidFill>
-              </a:rPr>
-              <a:t>【挂在</a:t>
-            </a:r>
-            <a:r>
-              <a:rPr lang="en-US" altLang="zh-CN" dirty="0">
-                <a:solidFill>
-                  <a:schemeClr val="bg2"/>
-                </a:solidFill>
-              </a:rPr>
-              <a:t>React.Portal</a:t>
-            </a:r>
-            <a:r>
-              <a:rPr lang="zh-CN" altLang="en-US" dirty="0">
-                <a:solidFill>
-                  <a:schemeClr val="bg2"/>
-                </a:solidFill>
-              </a:rPr>
-              <a:t>的特殊点】</a:t>
-            </a:r>
-            <a:endParaRPr lang="en-US" altLang="zh-CN" dirty="0">
-              <a:solidFill>
-                <a:schemeClr val="bg2"/>
-              </a:solidFill>
-            </a:endParaRPr>
-          </a:p>
-          <a:p>
-            <a:pPr marL="742950" lvl="1" indent="-285750">
-              <a:buFont typeface="Arial" panose="020B0604020202020204" pitchFamily="34" charset="0"/>
-              <a:buChar char="•"/>
-            </a:pPr>
-            <a:r>
-              <a:rPr lang="en-US" altLang="zh-CN" dirty="0" err="1">
-                <a:solidFill>
-                  <a:schemeClr val="bg2"/>
-                </a:solidFill>
-              </a:rPr>
-              <a:t>Antd</a:t>
-            </a:r>
-            <a:r>
-              <a:rPr lang="en-US" altLang="zh-CN" dirty="0">
-                <a:solidFill>
-                  <a:schemeClr val="bg2"/>
-                </a:solidFill>
-              </a:rPr>
-              <a:t> Design</a:t>
-            </a:r>
-            <a:r>
-              <a:rPr lang="zh-CN" altLang="en-US" dirty="0">
-                <a:solidFill>
-                  <a:schemeClr val="bg2"/>
-                </a:solidFill>
-              </a:rPr>
-              <a:t>与</a:t>
-            </a:r>
-            <a:r>
-              <a:rPr lang="en-US" altLang="zh-CN" dirty="0" err="1">
-                <a:solidFill>
-                  <a:schemeClr val="bg2"/>
-                </a:solidFill>
-              </a:rPr>
-              <a:t>ProComponent</a:t>
-            </a:r>
-            <a:r>
-              <a:rPr lang="zh-CN" altLang="en-US" dirty="0">
-                <a:solidFill>
-                  <a:schemeClr val="bg2"/>
-                </a:solidFill>
-              </a:rPr>
-              <a:t>的关系</a:t>
-            </a:r>
-            <a:endParaRPr lang="en-US" altLang="zh-CN" dirty="0">
-              <a:solidFill>
-                <a:schemeClr val="bg2"/>
-              </a:solidFill>
-            </a:endParaRPr>
-          </a:p>
-        </p:txBody>
-      </p:sp>
+      </p:pic>
     </p:spTree>
+    <p:extLst>
+      <p:ext uri="{BB962C8B-B14F-4D97-AF65-F5344CB8AC3E}">
+        <p14:creationId xmlns:p14="http://schemas.microsoft.com/office/powerpoint/2010/main" val="1320079562"/>
+      </p:ext>
+    </p:extLst>
   </p:cSld>
   <p:clrMapOvr>
     <a:masterClrMapping/>
@@ -4384,14 +6034,45 @@
       </p:grpSpPr>
       <p:sp>
         <p:nvSpPr>
-          <p:cNvPr id="4" name="文本框 3"/>
+          <p:cNvPr id="2" name="标题 1"/>
+          <p:cNvSpPr>
+            <a:spLocks noGrp="1"/>
+          </p:cNvSpPr>
+          <p:nvPr>
+            <p:ph type="title"/>
+          </p:nvPr>
+        </p:nvSpPr>
+        <p:spPr/>
+        <p:txBody>
+          <a:bodyPr/>
+          <a:lstStyle/>
+          <a:p>
+            <a:r>
+              <a:rPr lang="en-US" altLang="zh-CN" dirty="0"/>
+              <a:t>React</a:t>
+            </a:r>
+            <a:r>
+              <a:rPr lang="zh-CN" altLang="en-US" dirty="0"/>
+              <a:t>基础</a:t>
+            </a:r>
+            <a:endParaRPr lang="zh-CN" altLang="en-US" sz="2400" b="1" dirty="0">
+              <a:solidFill>
+                <a:schemeClr val="tx1"/>
+              </a:solidFill>
+            </a:endParaRPr>
+          </a:p>
+        </p:txBody>
+      </p:sp>
+      <p:sp>
+        <p:nvSpPr>
+          <p:cNvPr id="3" name="文本框 2"/>
           <p:cNvSpPr txBox="1"/>
           <p:nvPr/>
         </p:nvSpPr>
         <p:spPr>
           <a:xfrm>
-            <a:off x="1562976" y="2251392"/>
-            <a:ext cx="1552028" cy="1862048"/>
+            <a:off x="451962" y="685165"/>
+            <a:ext cx="8579304" cy="7571303"/>
           </a:xfrm>
           <a:prstGeom prst="rect">
             <a:avLst/>
@@ -4399,118 +6080,230 @@
           <a:noFill/>
         </p:spPr>
         <p:txBody>
-          <a:bodyPr wrap="none" rtlCol="0">
+          <a:bodyPr wrap="square" rtlCol="0">
             <a:spAutoFit/>
           </a:bodyPr>
           <a:lstStyle/>
           <a:p>
-            <a:pPr algn="ctr"/>
-            <a:r>
-              <a:rPr lang="en-US" altLang="zh-CN" sz="11500" dirty="0">
+            <a:r>
+              <a:rPr lang="en-US" altLang="zh-CN" dirty="0"/>
+              <a:t>8</a:t>
+            </a:r>
+            <a:r>
+              <a:rPr lang="zh-CN" altLang="en-US" dirty="0"/>
+              <a:t>、</a:t>
+            </a:r>
+            <a:r>
+              <a:rPr lang="en-US" altLang="zh-CN" dirty="0"/>
+              <a:t> [1]</a:t>
+            </a:r>
+            <a:r>
+              <a:rPr lang="zh-CN" altLang="en-US" dirty="0"/>
+              <a:t>使用</a:t>
+            </a:r>
+            <a:r>
+              <a:rPr lang="en-US" altLang="zh-CN" dirty="0"/>
+              <a:t>hooks                              </a:t>
+            </a:r>
+            <a:r>
+              <a:rPr lang="zh-CN" altLang="en-US" dirty="0"/>
+              <a:t>② </a:t>
+            </a:r>
+            <a:r>
+              <a:rPr lang="zh-CN" altLang="en-US" b="0" i="0" dirty="0">
                 <a:solidFill>
-                  <a:srgbClr val="FF9933"/>
+                  <a:srgbClr val="333333"/>
                 </a:solidFill>
-                <a:latin typeface="Impact" panose="020B0806030902050204" pitchFamily="34" charset="0"/>
+                <a:effectLst/>
+                <a:latin typeface="Helvetica Neue"/>
               </a:rPr>
-              <a:t>07</a:t>
-            </a:r>
-          </a:p>
-        </p:txBody>
-      </p:sp>
-      <p:sp>
-        <p:nvSpPr>
-          <p:cNvPr id="5" name="文本框 4"/>
-          <p:cNvSpPr txBox="1"/>
+              <a:t>保存变量：用于存储不需要刷新视图的变量</a:t>
+            </a:r>
+            <a:endParaRPr lang="en-US" altLang="zh-CN" dirty="0"/>
+          </a:p>
+          <a:p>
+            <a:endParaRPr lang="en-US" altLang="zh-CN" dirty="0"/>
+          </a:p>
+          <a:p>
+            <a:pPr marL="285750" indent="-285750">
+              <a:buFont typeface="Arial" panose="020B0604020202020204" pitchFamily="34" charset="0"/>
+              <a:buChar char="•"/>
+            </a:pPr>
+            <a:r>
+              <a:rPr lang="en-US" altLang="zh-CN" dirty="0" err="1"/>
+              <a:t>useRef</a:t>
+            </a:r>
+            <a:r>
+              <a:rPr lang="en-US" altLang="zh-CN" dirty="0"/>
+              <a:t> </a:t>
+            </a:r>
+          </a:p>
+          <a:p>
+            <a:pPr marL="285750" indent="-285750">
+              <a:buFont typeface="Arial" panose="020B0604020202020204" pitchFamily="34" charset="0"/>
+              <a:buChar char="•"/>
+            </a:pPr>
+            <a:endParaRPr lang="en-US" altLang="zh-CN" dirty="0"/>
+          </a:p>
+          <a:p>
+            <a:r>
+              <a:rPr lang="zh-CN" altLang="en-US" dirty="0"/>
+              <a:t>① 获取</a:t>
+            </a:r>
+            <a:r>
+              <a:rPr lang="en-US" altLang="zh-CN" dirty="0" err="1"/>
+              <a:t>dom</a:t>
+            </a:r>
+            <a:r>
+              <a:rPr lang="zh-CN" altLang="en-US" dirty="0"/>
+              <a:t>节点</a:t>
+            </a:r>
+            <a:endParaRPr lang="zh-CN" altLang="en-US" b="0" i="0" dirty="0">
+              <a:solidFill>
+                <a:srgbClr val="333333"/>
+              </a:solidFill>
+              <a:effectLst/>
+              <a:latin typeface="Helvetica Neue"/>
+            </a:endParaRPr>
+          </a:p>
+          <a:p>
+            <a:endParaRPr lang="en-US" altLang="zh-CN" dirty="0"/>
+          </a:p>
+          <a:p>
+            <a:endParaRPr lang="en-US" altLang="zh-CN" dirty="0"/>
+          </a:p>
+          <a:p>
+            <a:endParaRPr lang="en-US" altLang="zh-CN" dirty="0"/>
+          </a:p>
+          <a:p>
+            <a:endParaRPr lang="en-US" altLang="zh-CN" dirty="0"/>
+          </a:p>
+          <a:p>
+            <a:endParaRPr lang="en-US" altLang="zh-CN" dirty="0"/>
+          </a:p>
+          <a:p>
+            <a:endParaRPr lang="en-US" altLang="zh-CN" dirty="0"/>
+          </a:p>
+          <a:p>
+            <a:endParaRPr lang="en-US" altLang="zh-CN" dirty="0"/>
+          </a:p>
+          <a:p>
+            <a:endParaRPr lang="en-US" altLang="zh-CN" dirty="0"/>
+          </a:p>
+          <a:p>
+            <a:endParaRPr lang="en-US" altLang="zh-CN" dirty="0"/>
+          </a:p>
+          <a:p>
+            <a:endParaRPr lang="en-US" altLang="zh-CN" dirty="0"/>
+          </a:p>
+          <a:p>
+            <a:endParaRPr lang="en-US" altLang="zh-CN" dirty="0"/>
+          </a:p>
+          <a:p>
+            <a:endParaRPr lang="en-US" altLang="zh-CN" dirty="0"/>
+          </a:p>
+          <a:p>
+            <a:endParaRPr lang="en-US" altLang="zh-CN" dirty="0"/>
+          </a:p>
+          <a:p>
+            <a:endParaRPr lang="en-US" altLang="zh-CN" dirty="0"/>
+          </a:p>
+          <a:p>
+            <a:endParaRPr lang="en-US" altLang="zh-CN" dirty="0"/>
+          </a:p>
+          <a:p>
+            <a:endParaRPr lang="en-US" altLang="zh-CN" dirty="0"/>
+          </a:p>
+          <a:p>
+            <a:endParaRPr lang="en-US" altLang="zh-CN" dirty="0"/>
+          </a:p>
+          <a:p>
+            <a:endParaRPr lang="zh-CN" altLang="en-US" dirty="0"/>
+          </a:p>
+          <a:p>
+            <a:pPr marL="285750" indent="-285750">
+              <a:buFont typeface="Arial" panose="020B0604020202020204" pitchFamily="34" charset="0"/>
+              <a:buChar char="•"/>
+            </a:pPr>
+            <a:endParaRPr lang="en-US" altLang="zh-CN" dirty="0"/>
+          </a:p>
+          <a:p>
+            <a:endParaRPr lang="en-US" altLang="zh-CN" dirty="0"/>
+          </a:p>
+          <a:p>
+            <a:endParaRPr lang="en-US" altLang="zh-CN" dirty="0"/>
+          </a:p>
+          <a:p>
+            <a:endParaRPr lang="zh-CN" altLang="en-US" dirty="0"/>
+          </a:p>
+        </p:txBody>
+      </p:sp>
+      <p:pic>
+        <p:nvPicPr>
+          <p:cNvPr id="6" name="图片 5">
+            <a:extLst>
+              <a:ext uri="{FF2B5EF4-FFF2-40B4-BE49-F238E27FC236}">
+                <a16:creationId xmlns:a16="http://schemas.microsoft.com/office/drawing/2014/main" id="{D7467313-4046-CB3D-2C40-161885527D3E}"/>
+              </a:ext>
+            </a:extLst>
+          </p:cNvPr>
+          <p:cNvPicPr>
+            <a:picLocks noChangeAspect="1"/>
+          </p:cNvPicPr>
           <p:nvPr/>
-        </p:nvSpPr>
+        </p:nvPicPr>
+        <p:blipFill>
+          <a:blip r:embed="rId3"/>
+          <a:stretch>
+            <a:fillRect/>
+          </a:stretch>
+        </p:blipFill>
         <p:spPr>
           <a:xfrm>
-            <a:off x="3226435" y="2465070"/>
-            <a:ext cx="4900295" cy="922020"/>
+            <a:off x="513568" y="2276958"/>
+            <a:ext cx="3029177" cy="3820721"/>
           </a:xfrm>
           <a:prstGeom prst="rect">
             <a:avLst/>
           </a:prstGeom>
-          <a:noFill/>
         </p:spPr>
-        <p:txBody>
-          <a:bodyPr wrap="square" rtlCol="0">
-            <a:spAutoFit/>
-            <a:scene3d>
-              <a:camera prst="orthographicFront"/>
-              <a:lightRig rig="threePt" dir="t"/>
-            </a:scene3d>
-            <a:sp3d contourW="12700"/>
-          </a:bodyPr>
-          <a:lstStyle/>
-          <a:p>
-            <a:r>
-              <a:rPr lang="zh-CN" altLang="en-US" sz="5400" b="1" dirty="0">
-                <a:solidFill>
-                  <a:schemeClr val="tx1"/>
-                </a:solidFill>
-              </a:rPr>
-              <a:t>总结</a:t>
-            </a:r>
-          </a:p>
-        </p:txBody>
-      </p:sp>
-      <p:sp>
-        <p:nvSpPr>
-          <p:cNvPr id="2" name="文本框 1"/>
-          <p:cNvSpPr txBox="1"/>
-          <p:nvPr>
-            <p:custDataLst>
-              <p:tags r:id="rId1"/>
-            </p:custDataLst>
-          </p:nvPr>
-        </p:nvSpPr>
+      </p:pic>
+      <p:pic>
+        <p:nvPicPr>
+          <p:cNvPr id="8" name="图片 7">
+            <a:extLst>
+              <a:ext uri="{FF2B5EF4-FFF2-40B4-BE49-F238E27FC236}">
+                <a16:creationId xmlns:a16="http://schemas.microsoft.com/office/drawing/2014/main" id="{020D19FB-CEB1-0B9E-293F-131D03812845}"/>
+              </a:ext>
+            </a:extLst>
+          </p:cNvPr>
+          <p:cNvPicPr>
+            <a:picLocks noChangeAspect="1"/>
+          </p:cNvPicPr>
+          <p:nvPr/>
+        </p:nvPicPr>
+        <p:blipFill>
+          <a:blip r:embed="rId4"/>
+          <a:stretch>
+            <a:fillRect/>
+          </a:stretch>
+        </p:blipFill>
         <p:spPr>
           <a:xfrm>
-            <a:off x="3225941" y="3480096"/>
-            <a:ext cx="5054596" cy="645160"/>
+            <a:off x="4515632" y="1197180"/>
+            <a:ext cx="3413344" cy="5478337"/>
           </a:xfrm>
           <a:prstGeom prst="rect">
             <a:avLst/>
           </a:prstGeom>
-          <a:noFill/>
         </p:spPr>
-        <p:txBody>
-          <a:bodyPr wrap="square">
-            <a:spAutoFit/>
-          </a:bodyPr>
-          <a:lstStyle/>
-          <a:p>
-            <a:pPr marL="742950" lvl="1" indent="-285750">
-              <a:buFont typeface="Arial" panose="020B0604020202020204" pitchFamily="34" charset="0"/>
-              <a:buChar char="•"/>
-            </a:pPr>
-            <a:r>
-              <a:rPr lang="zh-CN" dirty="0">
-                <a:solidFill>
-                  <a:schemeClr val="bg2"/>
-                </a:solidFill>
-              </a:rPr>
-              <a:t>开发规范</a:t>
-            </a:r>
-          </a:p>
-          <a:p>
-            <a:pPr marL="742950" lvl="1" indent="-285750">
-              <a:buFont typeface="Arial" panose="020B0604020202020204" pitchFamily="34" charset="0"/>
-              <a:buChar char="•"/>
-            </a:pPr>
-            <a:r>
-              <a:rPr lang="zh-CN" dirty="0">
-                <a:solidFill>
-                  <a:schemeClr val="bg2"/>
-                </a:solidFill>
-              </a:rPr>
-              <a:t>学习资源推荐</a:t>
-            </a:r>
-          </a:p>
-        </p:txBody>
-      </p:sp>
+      </p:pic>
     </p:spTree>
+    <p:extLst>
+      <p:ext uri="{BB962C8B-B14F-4D97-AF65-F5344CB8AC3E}">
+        <p14:creationId xmlns:p14="http://schemas.microsoft.com/office/powerpoint/2010/main" val="3244938362"/>
+      </p:ext>
+    </p:extLst>
   </p:cSld>
   <p:clrMapOvr>
     <a:masterClrMapping/>
@@ -4574,8 +6367,8 @@
         </p:nvSpPr>
         <p:spPr>
           <a:xfrm>
-            <a:off x="515073" y="685165"/>
-            <a:ext cx="7552481" cy="1754326"/>
+            <a:off x="451962" y="685165"/>
+            <a:ext cx="3963463" cy="8679299"/>
           </a:xfrm>
           <a:prstGeom prst="rect">
             <a:avLst/>
@@ -4590,7 +6383,7 @@
           <a:p>
             <a:r>
               <a:rPr lang="en-US" altLang="zh-CN" dirty="0"/>
-              <a:t>1</a:t>
+              <a:t>8</a:t>
             </a:r>
             <a:r>
               <a:rPr lang="zh-CN" altLang="en-US" dirty="0"/>
@@ -4598,97 +6391,207 @@
             </a:r>
             <a:r>
               <a:rPr lang="en-US" altLang="zh-CN" dirty="0"/>
-              <a:t>React</a:t>
-            </a:r>
-            <a:r>
-              <a:rPr lang="zh-CN" altLang="en-US" dirty="0"/>
-              <a:t>起源与发展</a:t>
-            </a:r>
-            <a:endParaRPr lang="en-US" altLang="zh-CN" dirty="0"/>
-          </a:p>
-          <a:p>
-            <a:r>
-              <a:rPr lang="en-US" altLang="zh-CN" b="1" i="0" dirty="0">
+              <a:t> [1]</a:t>
+            </a:r>
+            <a:r>
+              <a:rPr lang="zh-CN" altLang="en-US" dirty="0"/>
+              <a:t>使用</a:t>
+            </a:r>
+            <a:r>
+              <a:rPr lang="en-US" altLang="zh-CN" dirty="0"/>
+              <a:t>hooks</a:t>
+            </a:r>
+          </a:p>
+          <a:p>
+            <a:r>
+              <a:rPr lang="en-US" altLang="zh-CN" dirty="0"/>
+              <a:t>                              </a:t>
+            </a:r>
+          </a:p>
+          <a:p>
+            <a:pPr marL="285750" indent="-285750">
+              <a:buFont typeface="Arial" panose="020B0604020202020204" pitchFamily="34" charset="0"/>
+              <a:buChar char="•"/>
+            </a:pPr>
+            <a:r>
+              <a:rPr lang="en-US" altLang="zh-CN" dirty="0" err="1"/>
+              <a:t>useRef</a:t>
+            </a:r>
+            <a:r>
+              <a:rPr lang="en-US" altLang="zh-CN" dirty="0"/>
+              <a:t> </a:t>
+            </a:r>
+          </a:p>
+          <a:p>
+            <a:pPr marL="285750" indent="-285750">
+              <a:buFont typeface="Arial" panose="020B0604020202020204" pitchFamily="34" charset="0"/>
+              <a:buChar char="•"/>
+            </a:pPr>
+            <a:endParaRPr lang="en-US" altLang="zh-CN" dirty="0"/>
+          </a:p>
+          <a:p>
+            <a:r>
+              <a:rPr lang="zh-CN" altLang="en-US" dirty="0">
+                <a:solidFill>
+                  <a:srgbClr val="333333"/>
+                </a:solidFill>
+                <a:latin typeface="Helvetica Neue"/>
+              </a:rPr>
+              <a:t>③ </a:t>
+            </a:r>
+            <a:r>
+              <a:rPr lang="zh-CN" altLang="en-US" b="0" i="0" dirty="0">
+                <a:solidFill>
+                  <a:srgbClr val="333333"/>
+                </a:solidFill>
                 <a:effectLst/>
+                <a:latin typeface="Helvetica Neue"/>
               </a:rPr>
-              <a:t>      </a:t>
-            </a:r>
-            <a:r>
-              <a:rPr lang="en-US" altLang="zh-CN" dirty="0"/>
-              <a:t>2013 </a:t>
-            </a:r>
-            <a:r>
-              <a:rPr lang="zh-CN" altLang="en-US" dirty="0"/>
-              <a:t>年 </a:t>
-            </a:r>
-            <a:r>
-              <a:rPr lang="en-US" altLang="zh-CN" dirty="0"/>
-              <a:t>5 </a:t>
-            </a:r>
-            <a:r>
-              <a:rPr lang="zh-CN" altLang="en-US" dirty="0"/>
-              <a:t>月起源于 </a:t>
-            </a:r>
-            <a:r>
-              <a:rPr lang="en-US" altLang="zh-CN" dirty="0"/>
-              <a:t>Facebook </a:t>
-            </a:r>
-            <a:r>
-              <a:rPr lang="zh-CN" altLang="en-US" dirty="0"/>
-              <a:t>的内部项目</a:t>
-            </a:r>
-          </a:p>
-          <a:p>
-            <a:endParaRPr lang="en-US" altLang="zh-CN" dirty="0"/>
-          </a:p>
-          <a:p>
-            <a:r>
-              <a:rPr lang="en-US" altLang="zh-CN" dirty="0"/>
-              <a:t>2</a:t>
-            </a:r>
-            <a:r>
-              <a:rPr lang="zh-CN" altLang="en-US" dirty="0"/>
-              <a:t>、学习资源</a:t>
-            </a:r>
-            <a:endParaRPr lang="en-US" altLang="zh-CN" dirty="0"/>
-          </a:p>
-          <a:p>
-            <a:r>
-              <a:rPr lang="en-US" altLang="zh-CN" dirty="0"/>
-              <a:t>  react</a:t>
-            </a:r>
-            <a:r>
-              <a:rPr lang="zh-CN" altLang="en-US" dirty="0"/>
-              <a:t>中文网：</a:t>
+              <a:t>获取子组件实例</a:t>
             </a:r>
             <a:r>
               <a:rPr lang="en-US" altLang="zh-CN" dirty="0">
-                <a:hlinkClick r:id="rId2"/>
+                <a:solidFill>
+                  <a:srgbClr val="333333"/>
+                </a:solidFill>
+                <a:latin typeface="Helvetica Neue"/>
               </a:rPr>
-              <a:t>https://react.docschina.org/learn#updating-the-screen</a:t>
-            </a:r>
-            <a:endParaRPr lang="en-US" altLang="zh-CN" dirty="0"/>
-          </a:p>
-          <a:p>
-            <a:r>
-              <a:rPr lang="en-US" altLang="zh-CN" dirty="0"/>
-              <a:t>  Hooks</a:t>
-            </a:r>
-            <a:r>
-              <a:rPr lang="zh-CN" altLang="en-US" dirty="0"/>
-              <a:t>：</a:t>
-            </a:r>
-            <a:r>
-              <a:rPr lang="en-US" altLang="zh-CN" dirty="0"/>
-              <a:t>https://react.docschina.org/reference/react/hooks</a:t>
-            </a:r>
-          </a:p>
-        </p:txBody>
-      </p:sp>
+              <a:t>[1]</a:t>
+            </a:r>
+            <a:endParaRPr lang="en-US" altLang="zh-CN" dirty="0"/>
+          </a:p>
+          <a:p>
+            <a:endParaRPr lang="zh-CN" altLang="en-US" b="0" i="0" dirty="0">
+              <a:solidFill>
+                <a:srgbClr val="333333"/>
+              </a:solidFill>
+              <a:effectLst/>
+              <a:latin typeface="Helvetica Neue"/>
+            </a:endParaRPr>
+          </a:p>
+          <a:p>
+            <a:r>
+              <a:rPr lang="zh-CN" altLang="en-US" dirty="0"/>
+              <a:t>当父组件调用子组件时，想要获取子组件上的某些 </a:t>
+            </a:r>
+            <a:r>
+              <a:rPr lang="en-US" altLang="zh-CN" dirty="0"/>
+              <a:t>state </a:t>
+            </a:r>
+            <a:r>
+              <a:rPr lang="zh-CN" altLang="en-US" dirty="0"/>
+              <a:t>或方法</a:t>
+            </a:r>
+          </a:p>
+          <a:p>
+            <a:endParaRPr lang="en-US" altLang="zh-CN" dirty="0"/>
+          </a:p>
+          <a:p>
+            <a:endParaRPr lang="en-US" altLang="zh-CN" dirty="0"/>
+          </a:p>
+          <a:p>
+            <a:endParaRPr lang="en-US" altLang="zh-CN" dirty="0"/>
+          </a:p>
+          <a:p>
+            <a:endParaRPr lang="en-US" altLang="zh-CN" dirty="0"/>
+          </a:p>
+          <a:p>
+            <a:endParaRPr lang="en-US" altLang="zh-CN" dirty="0"/>
+          </a:p>
+          <a:p>
+            <a:endParaRPr lang="en-US" altLang="zh-CN" dirty="0"/>
+          </a:p>
+          <a:p>
+            <a:endParaRPr lang="en-US" altLang="zh-CN" dirty="0"/>
+          </a:p>
+          <a:p>
+            <a:endParaRPr lang="en-US" altLang="zh-CN" dirty="0"/>
+          </a:p>
+          <a:p>
+            <a:endParaRPr lang="en-US" altLang="zh-CN" dirty="0"/>
+          </a:p>
+          <a:p>
+            <a:endParaRPr lang="en-US" altLang="zh-CN" dirty="0"/>
+          </a:p>
+          <a:p>
+            <a:endParaRPr lang="en-US" altLang="zh-CN" dirty="0"/>
+          </a:p>
+          <a:p>
+            <a:endParaRPr lang="en-US" altLang="zh-CN" dirty="0"/>
+          </a:p>
+          <a:p>
+            <a:endParaRPr lang="en-US" altLang="zh-CN" dirty="0"/>
+          </a:p>
+          <a:p>
+            <a:endParaRPr lang="en-US" altLang="zh-CN" dirty="0"/>
+          </a:p>
+          <a:p>
+            <a:endParaRPr lang="en-US" altLang="zh-CN" dirty="0"/>
+          </a:p>
+          <a:p>
+            <a:endParaRPr lang="en-US" altLang="zh-CN" dirty="0"/>
+          </a:p>
+          <a:p>
+            <a:endParaRPr lang="en-US" altLang="zh-CN" dirty="0"/>
+          </a:p>
+          <a:p>
+            <a:endParaRPr lang="en-US" altLang="zh-CN" dirty="0"/>
+          </a:p>
+          <a:p>
+            <a:endParaRPr lang="zh-CN" altLang="en-US" dirty="0"/>
+          </a:p>
+          <a:p>
+            <a:pPr marL="285750" indent="-285750">
+              <a:buFont typeface="Arial" panose="020B0604020202020204" pitchFamily="34" charset="0"/>
+              <a:buChar char="•"/>
+            </a:pPr>
+            <a:endParaRPr lang="en-US" altLang="zh-CN" dirty="0"/>
+          </a:p>
+          <a:p>
+            <a:endParaRPr lang="en-US" altLang="zh-CN" dirty="0"/>
+          </a:p>
+          <a:p>
+            <a:endParaRPr lang="en-US" altLang="zh-CN" dirty="0"/>
+          </a:p>
+          <a:p>
+            <a:endParaRPr lang="zh-CN" altLang="en-US" dirty="0"/>
+          </a:p>
+        </p:txBody>
+      </p:sp>
+      <p:pic>
+        <p:nvPicPr>
+          <p:cNvPr id="5" name="图片 4">
+            <a:extLst>
+              <a:ext uri="{FF2B5EF4-FFF2-40B4-BE49-F238E27FC236}">
+                <a16:creationId xmlns:a16="http://schemas.microsoft.com/office/drawing/2014/main" id="{EE526D25-92AF-A093-34B3-7840AD1E0FC1}"/>
+              </a:ext>
+            </a:extLst>
+          </p:cNvPr>
+          <p:cNvPicPr>
+            <a:picLocks noChangeAspect="1"/>
+          </p:cNvPicPr>
+          <p:nvPr/>
+        </p:nvPicPr>
+        <p:blipFill>
+          <a:blip r:embed="rId3"/>
+          <a:stretch>
+            <a:fillRect/>
+          </a:stretch>
+        </p:blipFill>
+        <p:spPr>
+          <a:xfrm>
+            <a:off x="4321480" y="685165"/>
+            <a:ext cx="4694972" cy="5812822"/>
+          </a:xfrm>
+          <a:prstGeom prst="rect">
+            <a:avLst/>
+          </a:prstGeom>
+        </p:spPr>
+      </p:pic>
     </p:spTree>
     <p:extLst>
       <p:ext uri="{BB962C8B-B14F-4D97-AF65-F5344CB8AC3E}">
-        <p14:creationId xmlns:p14="http://schemas.microsoft.com/office/powerpoint/2010/main" val="3408414575"/>
+        <p14:creationId xmlns:p14="http://schemas.microsoft.com/office/powerpoint/2010/main" val="1872052321"/>
       </p:ext>
     </p:extLst>
   </p:cSld>
@@ -5044,14 +6947,45 @@
       </p:grpSpPr>
       <p:sp>
         <p:nvSpPr>
-          <p:cNvPr id="4" name="文本框 3"/>
+          <p:cNvPr id="2" name="标题 1"/>
+          <p:cNvSpPr>
+            <a:spLocks noGrp="1"/>
+          </p:cNvSpPr>
+          <p:nvPr>
+            <p:ph type="title"/>
+          </p:nvPr>
+        </p:nvSpPr>
+        <p:spPr/>
+        <p:txBody>
+          <a:bodyPr/>
+          <a:lstStyle/>
+          <a:p>
+            <a:r>
+              <a:rPr lang="en-US" altLang="zh-CN" dirty="0"/>
+              <a:t>React</a:t>
+            </a:r>
+            <a:r>
+              <a:rPr lang="zh-CN" altLang="en-US" dirty="0"/>
+              <a:t>基础</a:t>
+            </a:r>
+            <a:endParaRPr lang="zh-CN" altLang="en-US" sz="2400" b="1" dirty="0">
+              <a:solidFill>
+                <a:schemeClr val="tx1"/>
+              </a:solidFill>
+            </a:endParaRPr>
+          </a:p>
+        </p:txBody>
+      </p:sp>
+      <p:sp>
+        <p:nvSpPr>
+          <p:cNvPr id="3" name="文本框 2"/>
           <p:cNvSpPr txBox="1"/>
           <p:nvPr/>
         </p:nvSpPr>
         <p:spPr>
           <a:xfrm>
-            <a:off x="1457178" y="2251392"/>
-            <a:ext cx="1763624" cy="1862048"/>
+            <a:off x="451962" y="685165"/>
+            <a:ext cx="4771391" cy="8125301"/>
           </a:xfrm>
           <a:prstGeom prst="rect">
             <a:avLst/>
@@ -5059,63 +6993,239 @@
           <a:noFill/>
         </p:spPr>
         <p:txBody>
-          <a:bodyPr wrap="none" rtlCol="0">
+          <a:bodyPr wrap="square" rtlCol="0">
             <a:spAutoFit/>
           </a:bodyPr>
           <a:lstStyle/>
           <a:p>
-            <a:pPr algn="ctr"/>
-            <a:r>
-              <a:rPr lang="en-US" altLang="zh-CN" sz="11500" dirty="0">
-                <a:solidFill>
-                  <a:srgbClr val="FF9933"/>
-                </a:solidFill>
-                <a:latin typeface="Impact" panose="020B0806030902050204" pitchFamily="34" charset="0"/>
-              </a:rPr>
-              <a:t>08</a:t>
-            </a:r>
-          </a:p>
-        </p:txBody>
-      </p:sp>
-      <p:sp>
-        <p:nvSpPr>
-          <p:cNvPr id="5" name="文本框 4"/>
-          <p:cNvSpPr txBox="1"/>
+            <a:r>
+              <a:rPr lang="en-US" altLang="zh-CN" dirty="0"/>
+              <a:t>8</a:t>
+            </a:r>
+            <a:r>
+              <a:rPr lang="zh-CN" altLang="en-US" dirty="0"/>
+              <a:t>、</a:t>
+            </a:r>
+            <a:r>
+              <a:rPr lang="en-US" altLang="zh-CN" dirty="0"/>
+              <a:t> [1]</a:t>
+            </a:r>
+            <a:r>
+              <a:rPr lang="zh-CN" altLang="en-US" dirty="0"/>
+              <a:t>使用</a:t>
+            </a:r>
+            <a:r>
+              <a:rPr lang="en-US" altLang="zh-CN" dirty="0"/>
+              <a:t>hooks</a:t>
+            </a:r>
+          </a:p>
+          <a:p>
+            <a:r>
+              <a:rPr lang="en-US" altLang="zh-CN" dirty="0"/>
+              <a:t>                              </a:t>
+            </a:r>
+          </a:p>
+          <a:p>
+            <a:pPr marL="285750" indent="-285750">
+              <a:buFont typeface="Arial" panose="020B0604020202020204" pitchFamily="34" charset="0"/>
+              <a:buChar char="•"/>
+            </a:pPr>
+            <a:r>
+              <a:rPr lang="en-US" altLang="zh-CN" dirty="0" err="1"/>
+              <a:t>useContext</a:t>
+            </a:r>
+            <a:r>
+              <a:rPr lang="zh-CN" altLang="en-US" dirty="0"/>
+              <a:t>：跨层级组件共享数据层，但是组件必须包裹在</a:t>
+            </a:r>
+            <a:r>
+              <a:rPr lang="en-US" altLang="zh-CN" dirty="0"/>
+              <a:t>context</a:t>
+            </a:r>
+            <a:r>
+              <a:rPr lang="zh-CN" altLang="en-US" dirty="0"/>
+              <a:t>上下文内</a:t>
+            </a:r>
+            <a:endParaRPr lang="en-US" altLang="zh-CN" dirty="0"/>
+          </a:p>
+          <a:p>
+            <a:pPr marL="285750" indent="-285750">
+              <a:buFont typeface="Arial" panose="020B0604020202020204" pitchFamily="34" charset="0"/>
+              <a:buChar char="•"/>
+            </a:pPr>
+            <a:endParaRPr lang="en-US" altLang="zh-CN" dirty="0"/>
+          </a:p>
+          <a:p>
+            <a:endParaRPr lang="en-US" altLang="zh-CN" dirty="0"/>
+          </a:p>
+          <a:p>
+            <a:endParaRPr lang="en-US" altLang="zh-CN" dirty="0"/>
+          </a:p>
+          <a:p>
+            <a:endParaRPr lang="en-US" altLang="zh-CN" dirty="0"/>
+          </a:p>
+          <a:p>
+            <a:endParaRPr lang="en-US" altLang="zh-CN" dirty="0"/>
+          </a:p>
+          <a:p>
+            <a:endParaRPr lang="en-US" altLang="zh-CN" dirty="0"/>
+          </a:p>
+          <a:p>
+            <a:endParaRPr lang="en-US" altLang="zh-CN" dirty="0"/>
+          </a:p>
+          <a:p>
+            <a:endParaRPr lang="en-US" altLang="zh-CN" dirty="0"/>
+          </a:p>
+          <a:p>
+            <a:endParaRPr lang="en-US" altLang="zh-CN" dirty="0"/>
+          </a:p>
+          <a:p>
+            <a:endParaRPr lang="en-US" altLang="zh-CN" dirty="0"/>
+          </a:p>
+          <a:p>
+            <a:endParaRPr lang="en-US" altLang="zh-CN" dirty="0"/>
+          </a:p>
+          <a:p>
+            <a:endParaRPr lang="en-US" altLang="zh-CN" dirty="0"/>
+          </a:p>
+          <a:p>
+            <a:endParaRPr lang="en-US" altLang="zh-CN" dirty="0"/>
+          </a:p>
+          <a:p>
+            <a:endParaRPr lang="en-US" altLang="zh-CN" dirty="0"/>
+          </a:p>
+          <a:p>
+            <a:endParaRPr lang="en-US" altLang="zh-CN" dirty="0"/>
+          </a:p>
+          <a:p>
+            <a:endParaRPr lang="en-US" altLang="zh-CN" dirty="0"/>
+          </a:p>
+          <a:p>
+            <a:endParaRPr lang="en-US" altLang="zh-CN" dirty="0"/>
+          </a:p>
+          <a:p>
+            <a:endParaRPr lang="en-US" altLang="zh-CN" dirty="0"/>
+          </a:p>
+          <a:p>
+            <a:endParaRPr lang="en-US" altLang="zh-CN" dirty="0"/>
+          </a:p>
+          <a:p>
+            <a:endParaRPr lang="zh-CN" altLang="en-US" dirty="0"/>
+          </a:p>
+          <a:p>
+            <a:pPr marL="285750" indent="-285750">
+              <a:buFont typeface="Arial" panose="020B0604020202020204" pitchFamily="34" charset="0"/>
+              <a:buChar char="•"/>
+            </a:pPr>
+            <a:endParaRPr lang="en-US" altLang="zh-CN" dirty="0"/>
+          </a:p>
+          <a:p>
+            <a:endParaRPr lang="en-US" altLang="zh-CN" dirty="0"/>
+          </a:p>
+          <a:p>
+            <a:endParaRPr lang="en-US" altLang="zh-CN" dirty="0"/>
+          </a:p>
+          <a:p>
+            <a:endParaRPr lang="zh-CN" altLang="en-US" dirty="0"/>
+          </a:p>
+        </p:txBody>
+      </p:sp>
+      <p:pic>
+        <p:nvPicPr>
+          <p:cNvPr id="6" name="图片 5">
+            <a:extLst>
+              <a:ext uri="{FF2B5EF4-FFF2-40B4-BE49-F238E27FC236}">
+                <a16:creationId xmlns:a16="http://schemas.microsoft.com/office/drawing/2014/main" id="{F8DEEA57-6EB9-3638-3061-03893322021D}"/>
+              </a:ext>
+            </a:extLst>
+          </p:cNvPr>
+          <p:cNvPicPr>
+            <a:picLocks noChangeAspect="1"/>
+          </p:cNvPicPr>
           <p:nvPr/>
-        </p:nvSpPr>
+        </p:nvPicPr>
+        <p:blipFill>
+          <a:blip r:embed="rId3"/>
+          <a:stretch>
+            <a:fillRect/>
+          </a:stretch>
+        </p:blipFill>
         <p:spPr>
           <a:xfrm>
-            <a:off x="3226435" y="2465070"/>
-            <a:ext cx="4900295" cy="1014730"/>
+            <a:off x="5676332" y="601249"/>
+            <a:ext cx="3422548" cy="6036047"/>
           </a:xfrm>
           <a:prstGeom prst="rect">
             <a:avLst/>
           </a:prstGeom>
-          <a:noFill/>
         </p:spPr>
-        <p:txBody>
-          <a:bodyPr wrap="square" rtlCol="0">
-            <a:spAutoFit/>
-            <a:scene3d>
-              <a:camera prst="orthographicFront"/>
-              <a:lightRig rig="threePt" dir="t"/>
-            </a:scene3d>
-            <a:sp3d contourW="12700"/>
-          </a:bodyPr>
-          <a:lstStyle/>
-          <a:p>
-            <a:r>
-              <a:rPr lang="zh-CN" altLang="en-US" sz="6000" b="1" dirty="0">
-                <a:solidFill>
-                  <a:schemeClr val="tx1"/>
-                </a:solidFill>
-              </a:rPr>
-              <a:t>答疑</a:t>
-            </a:r>
-          </a:p>
-        </p:txBody>
-      </p:sp>
+      </p:pic>
+      <p:pic>
+        <p:nvPicPr>
+          <p:cNvPr id="8" name="图片 7">
+            <a:extLst>
+              <a:ext uri="{FF2B5EF4-FFF2-40B4-BE49-F238E27FC236}">
+                <a16:creationId xmlns:a16="http://schemas.microsoft.com/office/drawing/2014/main" id="{D1EBBB05-1B89-BFBA-CB8F-00F7D076FEA5}"/>
+              </a:ext>
+            </a:extLst>
+          </p:cNvPr>
+          <p:cNvPicPr>
+            <a:picLocks noChangeAspect="1"/>
+          </p:cNvPicPr>
+          <p:nvPr/>
+        </p:nvPicPr>
+        <p:blipFill>
+          <a:blip r:embed="rId4"/>
+          <a:stretch>
+            <a:fillRect/>
+          </a:stretch>
+        </p:blipFill>
+        <p:spPr>
+          <a:xfrm>
+            <a:off x="2929535" y="1903956"/>
+            <a:ext cx="2671641" cy="4824562"/>
+          </a:xfrm>
+          <a:prstGeom prst="rect">
+            <a:avLst/>
+          </a:prstGeom>
+        </p:spPr>
+      </p:pic>
+      <p:pic>
+        <p:nvPicPr>
+          <p:cNvPr id="10" name="图片 9">
+            <a:extLst>
+              <a:ext uri="{FF2B5EF4-FFF2-40B4-BE49-F238E27FC236}">
+                <a16:creationId xmlns:a16="http://schemas.microsoft.com/office/drawing/2014/main" id="{401C9B94-9C47-5201-80C3-A26CBD00ED92}"/>
+              </a:ext>
+            </a:extLst>
+          </p:cNvPr>
+          <p:cNvPicPr>
+            <a:picLocks noChangeAspect="1"/>
+          </p:cNvPicPr>
+          <p:nvPr/>
+        </p:nvPicPr>
+        <p:blipFill>
+          <a:blip r:embed="rId5"/>
+          <a:stretch>
+            <a:fillRect/>
+          </a:stretch>
+        </p:blipFill>
+        <p:spPr>
+          <a:xfrm>
+            <a:off x="266479" y="3619272"/>
+            <a:ext cx="4305521" cy="1860646"/>
+          </a:xfrm>
+          <a:prstGeom prst="rect">
+            <a:avLst/>
+          </a:prstGeom>
+        </p:spPr>
+      </p:pic>
     </p:spTree>
+    <p:extLst>
+      <p:ext uri="{BB962C8B-B14F-4D97-AF65-F5344CB8AC3E}">
+        <p14:creationId xmlns:p14="http://schemas.microsoft.com/office/powerpoint/2010/main" val="4209527234"/>
+      </p:ext>
+    </p:extLst>
   </p:cSld>
   <p:clrMapOvr>
     <a:masterClrMapping/>
@@ -5140,86 +7250,878 @@
           <a:chExt cx="0" cy="0"/>
         </a:xfrm>
       </p:grpSpPr>
+      <p:sp>
+        <p:nvSpPr>
+          <p:cNvPr id="2" name="标题 1"/>
+          <p:cNvSpPr>
+            <a:spLocks noGrp="1"/>
+          </p:cNvSpPr>
+          <p:nvPr>
+            <p:ph type="title"/>
+          </p:nvPr>
+        </p:nvSpPr>
+        <p:spPr/>
+        <p:txBody>
+          <a:bodyPr/>
+          <a:lstStyle/>
+          <a:p>
+            <a:r>
+              <a:rPr lang="en-US" altLang="zh-CN" dirty="0"/>
+              <a:t>React</a:t>
+            </a:r>
+            <a:r>
+              <a:rPr lang="zh-CN" altLang="en-US" dirty="0"/>
+              <a:t>基础</a:t>
+            </a:r>
+            <a:endParaRPr lang="zh-CN" altLang="en-US" sz="2400" b="1" dirty="0">
+              <a:solidFill>
+                <a:schemeClr val="tx1"/>
+              </a:solidFill>
+            </a:endParaRPr>
+          </a:p>
+        </p:txBody>
+      </p:sp>
+      <p:sp>
+        <p:nvSpPr>
+          <p:cNvPr id="3" name="文本框 2"/>
+          <p:cNvSpPr txBox="1"/>
+          <p:nvPr/>
+        </p:nvSpPr>
+        <p:spPr>
+          <a:xfrm>
+            <a:off x="451962" y="685165"/>
+            <a:ext cx="4771391" cy="7294305"/>
+          </a:xfrm>
+          <a:prstGeom prst="rect">
+            <a:avLst/>
+          </a:prstGeom>
+          <a:noFill/>
+        </p:spPr>
+        <p:txBody>
+          <a:bodyPr wrap="square" rtlCol="0">
+            <a:spAutoFit/>
+          </a:bodyPr>
+          <a:lstStyle/>
+          <a:p>
+            <a:r>
+              <a:rPr lang="en-US" altLang="zh-CN" dirty="0"/>
+              <a:t>9</a:t>
+            </a:r>
+            <a:r>
+              <a:rPr lang="zh-CN" altLang="en-US" dirty="0"/>
+              <a:t>、</a:t>
+            </a:r>
+            <a:r>
+              <a:rPr lang="en-US" altLang="zh-CN" dirty="0"/>
+              <a:t> </a:t>
+            </a:r>
+            <a:r>
+              <a:rPr lang="zh-CN" altLang="en-US" dirty="0"/>
+              <a:t>表单受控</a:t>
+            </a:r>
+            <a:r>
+              <a:rPr lang="en-US" altLang="zh-CN" dirty="0"/>
+              <a:t>-</a:t>
+            </a:r>
+            <a:r>
+              <a:rPr lang="zh-CN" altLang="en-US" dirty="0"/>
+              <a:t>实现双向绑定</a:t>
+            </a:r>
+            <a:endParaRPr lang="en-US" altLang="zh-CN" dirty="0"/>
+          </a:p>
+          <a:p>
+            <a:r>
+              <a:rPr lang="en-US" altLang="zh-CN" dirty="0"/>
+              <a:t>                              </a:t>
+            </a:r>
+          </a:p>
+          <a:p>
+            <a:pPr marL="285750" indent="-285750">
+              <a:buFont typeface="Arial" panose="020B0604020202020204" pitchFamily="34" charset="0"/>
+              <a:buChar char="•"/>
+            </a:pPr>
+            <a:endParaRPr lang="en-US" altLang="zh-CN" dirty="0"/>
+          </a:p>
+          <a:p>
+            <a:endParaRPr lang="en-US" altLang="zh-CN" dirty="0"/>
+          </a:p>
+          <a:p>
+            <a:endParaRPr lang="en-US" altLang="zh-CN" dirty="0"/>
+          </a:p>
+          <a:p>
+            <a:endParaRPr lang="en-US" altLang="zh-CN" dirty="0"/>
+          </a:p>
+          <a:p>
+            <a:endParaRPr lang="en-US" altLang="zh-CN" dirty="0"/>
+          </a:p>
+          <a:p>
+            <a:endParaRPr lang="en-US" altLang="zh-CN" dirty="0"/>
+          </a:p>
+          <a:p>
+            <a:endParaRPr lang="en-US" altLang="zh-CN" dirty="0"/>
+          </a:p>
+          <a:p>
+            <a:endParaRPr lang="en-US" altLang="zh-CN" dirty="0"/>
+          </a:p>
+          <a:p>
+            <a:endParaRPr lang="en-US" altLang="zh-CN" dirty="0"/>
+          </a:p>
+          <a:p>
+            <a:endParaRPr lang="en-US" altLang="zh-CN" dirty="0"/>
+          </a:p>
+          <a:p>
+            <a:endParaRPr lang="en-US" altLang="zh-CN" dirty="0"/>
+          </a:p>
+          <a:p>
+            <a:endParaRPr lang="en-US" altLang="zh-CN" dirty="0"/>
+          </a:p>
+          <a:p>
+            <a:endParaRPr lang="en-US" altLang="zh-CN" dirty="0"/>
+          </a:p>
+          <a:p>
+            <a:endParaRPr lang="en-US" altLang="zh-CN" dirty="0"/>
+          </a:p>
+          <a:p>
+            <a:endParaRPr lang="en-US" altLang="zh-CN" dirty="0"/>
+          </a:p>
+          <a:p>
+            <a:endParaRPr lang="en-US" altLang="zh-CN" dirty="0"/>
+          </a:p>
+          <a:p>
+            <a:endParaRPr lang="en-US" altLang="zh-CN" dirty="0"/>
+          </a:p>
+          <a:p>
+            <a:endParaRPr lang="en-US" altLang="zh-CN" dirty="0"/>
+          </a:p>
+          <a:p>
+            <a:endParaRPr lang="en-US" altLang="zh-CN" dirty="0"/>
+          </a:p>
+          <a:p>
+            <a:endParaRPr lang="zh-CN" altLang="en-US" dirty="0"/>
+          </a:p>
+          <a:p>
+            <a:pPr marL="285750" indent="-285750">
+              <a:buFont typeface="Arial" panose="020B0604020202020204" pitchFamily="34" charset="0"/>
+              <a:buChar char="•"/>
+            </a:pPr>
+            <a:endParaRPr lang="en-US" altLang="zh-CN" dirty="0"/>
+          </a:p>
+          <a:p>
+            <a:endParaRPr lang="en-US" altLang="zh-CN" dirty="0"/>
+          </a:p>
+          <a:p>
+            <a:endParaRPr lang="en-US" altLang="zh-CN" dirty="0"/>
+          </a:p>
+          <a:p>
+            <a:endParaRPr lang="zh-CN" altLang="en-US" dirty="0"/>
+          </a:p>
+        </p:txBody>
+      </p:sp>
+    </p:spTree>
+    <p:extLst>
+      <p:ext uri="{BB962C8B-B14F-4D97-AF65-F5344CB8AC3E}">
+        <p14:creationId xmlns:p14="http://schemas.microsoft.com/office/powerpoint/2010/main" val="1199656099"/>
+      </p:ext>
+    </p:extLst>
+  </p:cSld>
+  <p:clrMapOvr>
+    <a:masterClrMapping/>
+  </p:clrMapOvr>
+</p:sld>
+</file>
+
+<file path=ppt/slides/slide22.xml><?xml version="1.0" encoding="utf-8"?>
+<p:sld xmlns:a="http://schemas.openxmlformats.org/drawingml/2006/main" xmlns:r="http://schemas.openxmlformats.org/officeDocument/2006/relationships" xmlns:p="http://schemas.openxmlformats.org/presentationml/2006/main">
+  <p:cSld>
+    <p:spTree>
+      <p:nvGrpSpPr>
+        <p:cNvPr id="1" name=""/>
+        <p:cNvGrpSpPr/>
+        <p:nvPr/>
+      </p:nvGrpSpPr>
+      <p:grpSpPr>
+        <a:xfrm>
+          <a:off x="0" y="0"/>
+          <a:ext cx="0" cy="0"/>
+          <a:chOff x="0" y="0"/>
+          <a:chExt cx="0" cy="0"/>
+        </a:xfrm>
+      </p:grpSpPr>
+      <p:sp>
+        <p:nvSpPr>
+          <p:cNvPr id="4" name="文本框 3"/>
+          <p:cNvSpPr txBox="1"/>
+          <p:nvPr/>
+        </p:nvSpPr>
+        <p:spPr>
+          <a:xfrm>
+            <a:off x="1460384" y="2251392"/>
+            <a:ext cx="1757212" cy="1862048"/>
+          </a:xfrm>
+          <a:prstGeom prst="rect">
+            <a:avLst/>
+          </a:prstGeom>
+          <a:noFill/>
+        </p:spPr>
+        <p:txBody>
+          <a:bodyPr wrap="none" rtlCol="0">
+            <a:spAutoFit/>
+          </a:bodyPr>
+          <a:lstStyle/>
+          <a:p>
+            <a:pPr algn="ctr"/>
+            <a:r>
+              <a:rPr lang="en-US" altLang="zh-CN" sz="11500" dirty="0">
+                <a:solidFill>
+                  <a:srgbClr val="FF9933"/>
+                </a:solidFill>
+                <a:latin typeface="Impact" panose="020B0806030902050204" pitchFamily="34" charset="0"/>
+              </a:rPr>
+              <a:t>03</a:t>
+            </a:r>
+          </a:p>
+        </p:txBody>
+      </p:sp>
+      <p:sp>
+        <p:nvSpPr>
+          <p:cNvPr id="5" name="文本框 4"/>
+          <p:cNvSpPr txBox="1"/>
+          <p:nvPr/>
+        </p:nvSpPr>
+        <p:spPr>
+          <a:xfrm>
+            <a:off x="3226435" y="2465070"/>
+            <a:ext cx="4900295" cy="922020"/>
+          </a:xfrm>
+          <a:prstGeom prst="rect">
+            <a:avLst/>
+          </a:prstGeom>
+          <a:noFill/>
+        </p:spPr>
+        <p:txBody>
+          <a:bodyPr wrap="square" rtlCol="0">
+            <a:spAutoFit/>
+            <a:scene3d>
+              <a:camera prst="orthographicFront"/>
+              <a:lightRig rig="threePt" dir="t"/>
+            </a:scene3d>
+            <a:sp3d contourW="12700"/>
+          </a:bodyPr>
+          <a:lstStyle/>
+          <a:p>
+            <a:r>
+              <a:rPr lang="zh-CN" altLang="en-US" sz="5400" b="1" dirty="0">
+                <a:solidFill>
+                  <a:schemeClr val="tx1"/>
+                </a:solidFill>
+              </a:rPr>
+              <a:t>实践演练</a:t>
+            </a:r>
+            <a:r>
+              <a:rPr lang="en-US" altLang="zh-CN" sz="5400" b="1" dirty="0">
+                <a:solidFill>
+                  <a:schemeClr val="tx1"/>
+                </a:solidFill>
+              </a:rPr>
+              <a:t>1</a:t>
+            </a:r>
+          </a:p>
+        </p:txBody>
+      </p:sp>
+      <p:sp>
+        <p:nvSpPr>
+          <p:cNvPr id="2" name="文本框 1"/>
+          <p:cNvSpPr txBox="1"/>
+          <p:nvPr/>
+        </p:nvSpPr>
+        <p:spPr>
+          <a:xfrm>
+            <a:off x="3287210" y="3429000"/>
+            <a:ext cx="4595150" cy="337185"/>
+          </a:xfrm>
+          <a:prstGeom prst="rect">
+            <a:avLst/>
+          </a:prstGeom>
+          <a:noFill/>
+        </p:spPr>
+        <p:txBody>
+          <a:bodyPr wrap="square" rtlCol="0">
+            <a:spAutoFit/>
+          </a:bodyPr>
+          <a:lstStyle/>
+          <a:p>
+            <a:pPr marL="285750" indent="-285750">
+              <a:buFont typeface="Arial" panose="020B0604020202020204" pitchFamily="34" charset="0"/>
+              <a:buChar char="•"/>
+            </a:pPr>
+            <a:r>
+              <a:rPr lang="en-US" altLang="zh-CN" sz="1600" dirty="0">
+                <a:solidFill>
+                  <a:schemeClr val="bg2"/>
+                </a:solidFill>
+              </a:rPr>
+              <a:t>TodoList</a:t>
+            </a:r>
+            <a:r>
+              <a:rPr lang="zh-CN" altLang="en-US" sz="1600" dirty="0">
+                <a:solidFill>
+                  <a:schemeClr val="bg2"/>
+                </a:solidFill>
+              </a:rPr>
+              <a:t>案例 </a:t>
+            </a:r>
+            <a:endParaRPr lang="en-US" altLang="zh-CN" sz="1600" dirty="0">
+              <a:solidFill>
+                <a:schemeClr val="bg2"/>
+              </a:solidFill>
+            </a:endParaRPr>
+          </a:p>
+        </p:txBody>
+      </p:sp>
+    </p:spTree>
+  </p:cSld>
+  <p:clrMapOvr>
+    <a:masterClrMapping/>
+  </p:clrMapOvr>
+</p:sld>
+</file>
+
+<file path=ppt/slides/slide23.xml><?xml version="1.0" encoding="utf-8"?>
+<p:sld xmlns:a="http://schemas.openxmlformats.org/drawingml/2006/main" xmlns:r="http://schemas.openxmlformats.org/officeDocument/2006/relationships" xmlns:p="http://schemas.openxmlformats.org/presentationml/2006/main">
+  <p:cSld>
+    <p:spTree>
+      <p:nvGrpSpPr>
+        <p:cNvPr id="1" name=""/>
+        <p:cNvGrpSpPr/>
+        <p:nvPr/>
+      </p:nvGrpSpPr>
+      <p:grpSpPr>
+        <a:xfrm>
+          <a:off x="0" y="0"/>
+          <a:ext cx="0" cy="0"/>
+          <a:chOff x="0" y="0"/>
+          <a:chExt cx="0" cy="0"/>
+        </a:xfrm>
+      </p:grpSpPr>
+      <p:sp>
+        <p:nvSpPr>
+          <p:cNvPr id="2" name="标题 1"/>
+          <p:cNvSpPr>
+            <a:spLocks noGrp="1"/>
+          </p:cNvSpPr>
+          <p:nvPr>
+            <p:ph type="title"/>
+          </p:nvPr>
+        </p:nvSpPr>
+        <p:spPr/>
+        <p:txBody>
+          <a:bodyPr/>
+          <a:lstStyle/>
+          <a:p>
+            <a:r>
+              <a:rPr lang="zh-CN" altLang="en-US" dirty="0"/>
+              <a:t>实践演练</a:t>
+            </a:r>
+            <a:r>
+              <a:rPr lang="en-US" altLang="zh-CN" dirty="0"/>
+              <a:t>1</a:t>
+            </a:r>
+            <a:endParaRPr lang="zh-CN" altLang="en-US" sz="2400" b="1" dirty="0">
+              <a:solidFill>
+                <a:schemeClr val="tx1"/>
+              </a:solidFill>
+            </a:endParaRPr>
+          </a:p>
+        </p:txBody>
+      </p:sp>
+      <p:sp>
+        <p:nvSpPr>
+          <p:cNvPr id="4" name="文本框 3">
+            <a:extLst>
+              <a:ext uri="{FF2B5EF4-FFF2-40B4-BE49-F238E27FC236}">
+                <a16:creationId xmlns:a16="http://schemas.microsoft.com/office/drawing/2014/main" id="{73341736-9E32-BC10-BE30-23B9D182274A}"/>
+              </a:ext>
+            </a:extLst>
+          </p:cNvPr>
+          <p:cNvSpPr txBox="1"/>
+          <p:nvPr/>
+        </p:nvSpPr>
+        <p:spPr>
+          <a:xfrm>
+            <a:off x="657616" y="970767"/>
+            <a:ext cx="3914384" cy="369332"/>
+          </a:xfrm>
+          <a:prstGeom prst="rect">
+            <a:avLst/>
+          </a:prstGeom>
+          <a:noFill/>
+        </p:spPr>
+        <p:txBody>
+          <a:bodyPr wrap="square" rtlCol="0">
+            <a:spAutoFit/>
+          </a:bodyPr>
+          <a:lstStyle/>
+          <a:p>
+            <a:r>
+              <a:rPr lang="zh-CN" altLang="en-US" dirty="0"/>
+              <a:t>移步代码</a:t>
+            </a:r>
+            <a:r>
+              <a:rPr lang="en-US" altLang="zh-CN" dirty="0" err="1"/>
+              <a:t>TodoList</a:t>
+            </a:r>
+            <a:r>
+              <a:rPr lang="zh-CN" altLang="en-US" dirty="0"/>
+              <a:t>案例</a:t>
+            </a:r>
+            <a:r>
+              <a:rPr lang="en-US" altLang="zh-CN" dirty="0"/>
+              <a:t>[1]</a:t>
+            </a:r>
+            <a:endParaRPr lang="zh-CN" altLang="en-US" dirty="0"/>
+          </a:p>
+        </p:txBody>
+      </p:sp>
+    </p:spTree>
+    <p:extLst>
+      <p:ext uri="{BB962C8B-B14F-4D97-AF65-F5344CB8AC3E}">
+        <p14:creationId xmlns:p14="http://schemas.microsoft.com/office/powerpoint/2010/main" val="2308301348"/>
+      </p:ext>
+    </p:extLst>
+  </p:cSld>
+  <p:clrMapOvr>
+    <a:masterClrMapping/>
+  </p:clrMapOvr>
+</p:sld>
+</file>
+
+<file path=ppt/slides/slide24.xml><?xml version="1.0" encoding="utf-8"?>
+<p:sld xmlns:a="http://schemas.openxmlformats.org/drawingml/2006/main" xmlns:r="http://schemas.openxmlformats.org/officeDocument/2006/relationships" xmlns:p="http://schemas.openxmlformats.org/presentationml/2006/main">
+  <p:cSld>
+    <p:spTree>
+      <p:nvGrpSpPr>
+        <p:cNvPr id="1" name=""/>
+        <p:cNvGrpSpPr/>
+        <p:nvPr/>
+      </p:nvGrpSpPr>
+      <p:grpSpPr>
+        <a:xfrm>
+          <a:off x="0" y="0"/>
+          <a:ext cx="0" cy="0"/>
+          <a:chOff x="0" y="0"/>
+          <a:chExt cx="0" cy="0"/>
+        </a:xfrm>
+      </p:grpSpPr>
+      <p:sp>
+        <p:nvSpPr>
+          <p:cNvPr id="4" name="文本框 3"/>
+          <p:cNvSpPr txBox="1"/>
+          <p:nvPr/>
+        </p:nvSpPr>
+        <p:spPr>
+          <a:xfrm>
+            <a:off x="1482826" y="2251392"/>
+            <a:ext cx="1712328" cy="1862048"/>
+          </a:xfrm>
+          <a:prstGeom prst="rect">
+            <a:avLst/>
+          </a:prstGeom>
+          <a:noFill/>
+        </p:spPr>
+        <p:txBody>
+          <a:bodyPr wrap="none" rtlCol="0">
+            <a:spAutoFit/>
+          </a:bodyPr>
+          <a:lstStyle/>
+          <a:p>
+            <a:pPr algn="ctr"/>
+            <a:r>
+              <a:rPr lang="en-US" altLang="zh-CN" sz="11500" dirty="0">
+                <a:solidFill>
+                  <a:srgbClr val="FF9933"/>
+                </a:solidFill>
+                <a:latin typeface="Impact" panose="020B0806030902050204" pitchFamily="34" charset="0"/>
+              </a:rPr>
+              <a:t>04</a:t>
+            </a:r>
+          </a:p>
+        </p:txBody>
+      </p:sp>
+      <p:sp>
+        <p:nvSpPr>
+          <p:cNvPr id="5" name="文本框 4"/>
+          <p:cNvSpPr txBox="1"/>
+          <p:nvPr/>
+        </p:nvSpPr>
+        <p:spPr>
+          <a:xfrm>
+            <a:off x="3226435" y="2465070"/>
+            <a:ext cx="4943475" cy="922020"/>
+          </a:xfrm>
+          <a:prstGeom prst="rect">
+            <a:avLst/>
+          </a:prstGeom>
+          <a:noFill/>
+        </p:spPr>
+        <p:txBody>
+          <a:bodyPr wrap="square" rtlCol="0">
+            <a:spAutoFit/>
+            <a:scene3d>
+              <a:camera prst="orthographicFront"/>
+              <a:lightRig rig="threePt" dir="t"/>
+            </a:scene3d>
+            <a:sp3d contourW="12700"/>
+          </a:bodyPr>
+          <a:lstStyle/>
+          <a:p>
+            <a:r>
+              <a:rPr lang="en-US" altLang="zh-CN" sz="5400" b="1" dirty="0">
+                <a:solidFill>
+                  <a:schemeClr val="tx1"/>
+                </a:solidFill>
+              </a:rPr>
+              <a:t>React</a:t>
+            </a:r>
+            <a:r>
+              <a:rPr lang="zh-CN" altLang="en-US" sz="5400" b="1" dirty="0">
+                <a:solidFill>
+                  <a:schemeClr val="tx1"/>
+                </a:solidFill>
+              </a:rPr>
+              <a:t>进阶</a:t>
+            </a:r>
+          </a:p>
+        </p:txBody>
+      </p:sp>
+      <p:sp>
+        <p:nvSpPr>
+          <p:cNvPr id="2" name="文本框 1"/>
+          <p:cNvSpPr txBox="1"/>
+          <p:nvPr/>
+        </p:nvSpPr>
+        <p:spPr>
+          <a:xfrm>
+            <a:off x="2957331" y="3429000"/>
+            <a:ext cx="4595150" cy="1076325"/>
+          </a:xfrm>
+          <a:prstGeom prst="rect">
+            <a:avLst/>
+          </a:prstGeom>
+          <a:noFill/>
+        </p:spPr>
+        <p:txBody>
+          <a:bodyPr wrap="square" rtlCol="0">
+            <a:spAutoFit/>
+          </a:bodyPr>
+          <a:lstStyle/>
+          <a:p>
+            <a:pPr marL="742950" lvl="1" indent="-285750">
+              <a:buFont typeface="Arial" panose="020B0604020202020204" pitchFamily="34" charset="0"/>
+              <a:buChar char="•"/>
+            </a:pPr>
+            <a:r>
+              <a:rPr lang="zh-CN" sz="1600" dirty="0">
+                <a:solidFill>
+                  <a:schemeClr val="bg2"/>
+                </a:solidFill>
+              </a:rPr>
+              <a:t>组件化开发</a:t>
+            </a:r>
+          </a:p>
+          <a:p>
+            <a:pPr marL="742950" lvl="1" indent="-285750">
+              <a:buFont typeface="Arial" panose="020B0604020202020204" pitchFamily="34" charset="0"/>
+              <a:buChar char="•"/>
+            </a:pPr>
+            <a:r>
+              <a:rPr lang="zh-CN" sz="1600" dirty="0">
+                <a:solidFill>
+                  <a:schemeClr val="bg2"/>
+                </a:solidFill>
+              </a:rPr>
+              <a:t>组件通信方式</a:t>
+            </a:r>
+          </a:p>
+          <a:p>
+            <a:pPr marL="742950" lvl="1" indent="-285750">
+              <a:buFont typeface="Arial" panose="020B0604020202020204" pitchFamily="34" charset="0"/>
+              <a:buChar char="•"/>
+            </a:pPr>
+            <a:r>
+              <a:rPr lang="zh-CN" sz="1600" dirty="0">
+                <a:solidFill>
+                  <a:schemeClr val="bg2"/>
+                </a:solidFill>
+              </a:rPr>
+              <a:t>路由</a:t>
+            </a:r>
+          </a:p>
+          <a:p>
+            <a:pPr marL="742950" lvl="1" indent="-285750">
+              <a:buFont typeface="Arial" panose="020B0604020202020204" pitchFamily="34" charset="0"/>
+              <a:buChar char="•"/>
+            </a:pPr>
+            <a:endParaRPr lang="en-US" altLang="zh-CN" sz="1600" dirty="0">
+              <a:solidFill>
+                <a:schemeClr val="bg2"/>
+              </a:solidFill>
+            </a:endParaRPr>
+          </a:p>
+        </p:txBody>
+      </p:sp>
+    </p:spTree>
+  </p:cSld>
+  <p:clrMapOvr>
+    <a:masterClrMapping/>
+  </p:clrMapOvr>
+</p:sld>
+</file>
+
+<file path=ppt/slides/slide25.xml><?xml version="1.0" encoding="utf-8"?>
+<p:sld xmlns:a="http://schemas.openxmlformats.org/drawingml/2006/main" xmlns:r="http://schemas.openxmlformats.org/officeDocument/2006/relationships" xmlns:p="http://schemas.openxmlformats.org/presentationml/2006/main">
+  <p:cSld>
+    <p:spTree>
+      <p:nvGrpSpPr>
+        <p:cNvPr id="1" name=""/>
+        <p:cNvGrpSpPr/>
+        <p:nvPr/>
+      </p:nvGrpSpPr>
+      <p:grpSpPr>
+        <a:xfrm>
+          <a:off x="0" y="0"/>
+          <a:ext cx="0" cy="0"/>
+          <a:chOff x="0" y="0"/>
+          <a:chExt cx="0" cy="0"/>
+        </a:xfrm>
+      </p:grpSpPr>
+      <p:sp>
+        <p:nvSpPr>
+          <p:cNvPr id="2" name="标题 1"/>
+          <p:cNvSpPr>
+            <a:spLocks noGrp="1"/>
+          </p:cNvSpPr>
+          <p:nvPr>
+            <p:ph type="title"/>
+          </p:nvPr>
+        </p:nvSpPr>
+        <p:spPr/>
+        <p:txBody>
+          <a:bodyPr/>
+          <a:lstStyle/>
+          <a:p>
+            <a:r>
+              <a:rPr lang="en-US" altLang="zh-CN" dirty="0"/>
+              <a:t>React</a:t>
+            </a:r>
+            <a:r>
+              <a:rPr lang="zh-CN" altLang="en-US" dirty="0"/>
+              <a:t>进阶</a:t>
+            </a:r>
+            <a:endParaRPr lang="zh-CN" altLang="en-US" sz="2400" b="1" dirty="0">
+              <a:solidFill>
+                <a:schemeClr val="tx1"/>
+              </a:solidFill>
+            </a:endParaRPr>
+          </a:p>
+        </p:txBody>
+      </p:sp>
+      <p:sp>
+        <p:nvSpPr>
+          <p:cNvPr id="3" name="文本框 2">
+            <a:extLst>
+              <a:ext uri="{FF2B5EF4-FFF2-40B4-BE49-F238E27FC236}">
+                <a16:creationId xmlns:a16="http://schemas.microsoft.com/office/drawing/2014/main" id="{2D8317DA-A896-C16B-5BC0-C4A9FD1F7426}"/>
+              </a:ext>
+            </a:extLst>
+          </p:cNvPr>
+          <p:cNvSpPr txBox="1"/>
+          <p:nvPr/>
+        </p:nvSpPr>
+        <p:spPr>
+          <a:xfrm>
+            <a:off x="401351" y="685165"/>
+            <a:ext cx="3963463" cy="8125301"/>
+          </a:xfrm>
+          <a:prstGeom prst="rect">
+            <a:avLst/>
+          </a:prstGeom>
+          <a:noFill/>
+        </p:spPr>
+        <p:txBody>
+          <a:bodyPr wrap="square" rtlCol="0">
+            <a:spAutoFit/>
+          </a:bodyPr>
+          <a:lstStyle/>
+          <a:p>
+            <a:r>
+              <a:rPr lang="en-US" altLang="zh-CN" dirty="0"/>
+              <a:t>1</a:t>
+            </a:r>
+            <a:r>
+              <a:rPr lang="zh-CN" altLang="en-US" dirty="0"/>
+              <a:t>、</a:t>
+            </a:r>
+            <a:r>
+              <a:rPr lang="en-US" altLang="zh-CN" dirty="0"/>
+              <a:t> </a:t>
+            </a:r>
+            <a:r>
+              <a:rPr lang="zh-CN" altLang="en-US" dirty="0"/>
+              <a:t>组件化开发</a:t>
+            </a:r>
+            <a:r>
+              <a:rPr lang="en-US" altLang="zh-CN" dirty="0"/>
+              <a:t>[1]</a:t>
+            </a:r>
+          </a:p>
+          <a:p>
+            <a:r>
+              <a:rPr lang="en-US" altLang="zh-CN" dirty="0"/>
+              <a:t>                              </a:t>
+            </a:r>
+          </a:p>
+          <a:p>
+            <a:endParaRPr lang="en-US" altLang="zh-CN" dirty="0"/>
+          </a:p>
+          <a:p>
+            <a:r>
+              <a:rPr lang="zh-CN" altLang="en-US" dirty="0">
+                <a:solidFill>
+                  <a:srgbClr val="FF0000"/>
+                </a:solidFill>
+              </a:rPr>
+              <a:t>注意：组件名必须大写</a:t>
+            </a:r>
+            <a:endParaRPr lang="en-US" altLang="zh-CN" dirty="0">
+              <a:solidFill>
+                <a:srgbClr val="FF0000"/>
+              </a:solidFill>
+            </a:endParaRPr>
+          </a:p>
+          <a:p>
+            <a:endParaRPr lang="en-US" altLang="zh-CN" dirty="0"/>
+          </a:p>
+          <a:p>
+            <a:r>
+              <a:rPr lang="zh-CN" altLang="en-US" dirty="0"/>
+              <a:t>复用、代码清晰作用</a:t>
+            </a:r>
+            <a:endParaRPr lang="en-US" altLang="zh-CN" dirty="0"/>
+          </a:p>
+          <a:p>
+            <a:endParaRPr lang="en-US" altLang="zh-CN" dirty="0"/>
+          </a:p>
+          <a:p>
+            <a:endParaRPr lang="en-US" altLang="zh-CN" dirty="0"/>
+          </a:p>
+          <a:p>
+            <a:endParaRPr lang="en-US" altLang="zh-CN" dirty="0"/>
+          </a:p>
+          <a:p>
+            <a:endParaRPr lang="en-US" altLang="zh-CN" dirty="0"/>
+          </a:p>
+          <a:p>
+            <a:endParaRPr lang="en-US" altLang="zh-CN" dirty="0"/>
+          </a:p>
+          <a:p>
+            <a:endParaRPr lang="en-US" altLang="zh-CN" dirty="0"/>
+          </a:p>
+          <a:p>
+            <a:endParaRPr lang="en-US" altLang="zh-CN" dirty="0"/>
+          </a:p>
+          <a:p>
+            <a:endParaRPr lang="en-US" altLang="zh-CN" dirty="0"/>
+          </a:p>
+          <a:p>
+            <a:endParaRPr lang="en-US" altLang="zh-CN" dirty="0"/>
+          </a:p>
+          <a:p>
+            <a:endParaRPr lang="en-US" altLang="zh-CN" dirty="0"/>
+          </a:p>
+          <a:p>
+            <a:endParaRPr lang="en-US" altLang="zh-CN" dirty="0"/>
+          </a:p>
+          <a:p>
+            <a:endParaRPr lang="en-US" altLang="zh-CN" dirty="0"/>
+          </a:p>
+          <a:p>
+            <a:endParaRPr lang="en-US" altLang="zh-CN" dirty="0"/>
+          </a:p>
+          <a:p>
+            <a:endParaRPr lang="en-US" altLang="zh-CN" dirty="0"/>
+          </a:p>
+          <a:p>
+            <a:endParaRPr lang="en-US" altLang="zh-CN" dirty="0"/>
+          </a:p>
+          <a:p>
+            <a:endParaRPr lang="en-US" altLang="zh-CN" dirty="0"/>
+          </a:p>
+          <a:p>
+            <a:endParaRPr lang="en-US" altLang="zh-CN" dirty="0"/>
+          </a:p>
+          <a:p>
+            <a:endParaRPr lang="en-US" altLang="zh-CN" dirty="0"/>
+          </a:p>
+          <a:p>
+            <a:endParaRPr lang="zh-CN" altLang="en-US" dirty="0"/>
+          </a:p>
+          <a:p>
+            <a:pPr marL="285750" indent="-285750">
+              <a:buFont typeface="Arial" panose="020B0604020202020204" pitchFamily="34" charset="0"/>
+              <a:buChar char="•"/>
+            </a:pPr>
+            <a:endParaRPr lang="en-US" altLang="zh-CN" dirty="0"/>
+          </a:p>
+          <a:p>
+            <a:endParaRPr lang="en-US" altLang="zh-CN" dirty="0"/>
+          </a:p>
+          <a:p>
+            <a:endParaRPr lang="en-US" altLang="zh-CN" dirty="0"/>
+          </a:p>
+          <a:p>
+            <a:endParaRPr lang="zh-CN" altLang="en-US" dirty="0"/>
+          </a:p>
+        </p:txBody>
+      </p:sp>
       <p:pic>
         <p:nvPicPr>
-          <p:cNvPr id="11" name="图片 10" descr="6"/>
+          <p:cNvPr id="6" name="图片 5">
+            <a:extLst>
+              <a:ext uri="{FF2B5EF4-FFF2-40B4-BE49-F238E27FC236}">
+                <a16:creationId xmlns:a16="http://schemas.microsoft.com/office/drawing/2014/main" id="{EAF17B0C-8694-1863-0C07-1187490EC310}"/>
+              </a:ext>
+            </a:extLst>
+          </p:cNvPr>
           <p:cNvPicPr>
             <a:picLocks noChangeAspect="1"/>
           </p:cNvPicPr>
           <p:nvPr/>
         </p:nvPicPr>
         <p:blipFill>
-          <a:blip r:embed="rId3">
-            <a:grayscl/>
-          </a:blip>
-          <a:srcRect l="18807" t="10567"/>
+          <a:blip r:embed="rId3"/>
           <a:stretch>
             <a:fillRect/>
           </a:stretch>
         </p:blipFill>
         <p:spPr>
           <a:xfrm>
-            <a:off x="-76200" y="-10795"/>
-            <a:ext cx="9493250" cy="6971665"/>
+            <a:off x="6207622" y="945715"/>
+            <a:ext cx="2766758" cy="4612905"/>
           </a:xfrm>
           <a:prstGeom prst="rect">
             <a:avLst/>
           </a:prstGeom>
         </p:spPr>
       </p:pic>
-      <p:sp>
-        <p:nvSpPr>
-          <p:cNvPr id="6" name="矩形 5"/>
-          <p:cNvSpPr/>
-          <p:nvPr/>
-        </p:nvSpPr>
-        <p:spPr>
-          <a:xfrm>
-            <a:off x="-123825" y="-59690"/>
-            <a:ext cx="9582150" cy="7132320"/>
-          </a:xfrm>
-          <a:prstGeom prst="rect">
-            <a:avLst/>
-          </a:prstGeom>
-          <a:solidFill>
-            <a:schemeClr val="tx1">
-              <a:lumMod val="65000"/>
-              <a:lumOff val="35000"/>
-              <a:alpha val="78000"/>
-            </a:schemeClr>
-          </a:solidFill>
-          <a:ln>
-            <a:noFill/>
-          </a:ln>
-        </p:spPr>
-        <p:style>
-          <a:lnRef idx="2">
-            <a:schemeClr val="accent1">
-              <a:shade val="50000"/>
-            </a:schemeClr>
-          </a:lnRef>
-          <a:fillRef idx="1">
-            <a:schemeClr val="accent1"/>
-          </a:fillRef>
-          <a:effectRef idx="0">
-            <a:schemeClr val="accent1"/>
-          </a:effectRef>
-          <a:fontRef idx="minor">
-            <a:schemeClr val="lt1"/>
-          </a:fontRef>
-        </p:style>
-        <p:txBody>
-          <a:bodyPr rtlCol="0" anchor="ctr"/>
-          <a:lstStyle/>
-          <a:p>
-            <a:pPr algn="ctr"/>
-            <a:endParaRPr lang="zh-CN" altLang="en-US"/>
-          </a:p>
-        </p:txBody>
-      </p:sp>
       <p:pic>
         <p:nvPicPr>
-          <p:cNvPr id="7" name="图片 6" descr="PPT尾页"/>
+          <p:cNvPr id="8" name="图片 7">
+            <a:extLst>
+              <a:ext uri="{FF2B5EF4-FFF2-40B4-BE49-F238E27FC236}">
+                <a16:creationId xmlns:a16="http://schemas.microsoft.com/office/drawing/2014/main" id="{C48AA26D-2ECF-AC79-B03C-520C01BED919}"/>
+              </a:ext>
+            </a:extLst>
+          </p:cNvPr>
           <p:cNvPicPr>
             <a:picLocks noChangeAspect="1"/>
           </p:cNvPicPr>
@@ -5233,70 +8135,91 @@
         </p:blipFill>
         <p:spPr>
           <a:xfrm>
-            <a:off x="3143250" y="3968115"/>
-            <a:ext cx="5471160" cy="1463040"/>
+            <a:off x="3045306" y="641324"/>
+            <a:ext cx="3053388" cy="5835230"/>
           </a:xfrm>
           <a:prstGeom prst="rect">
             <a:avLst/>
           </a:prstGeom>
         </p:spPr>
       </p:pic>
-      <p:sp>
-        <p:nvSpPr>
-          <p:cNvPr id="8" name="矩形 7"/>
-          <p:cNvSpPr/>
+    </p:spTree>
+    <p:extLst>
+      <p:ext uri="{BB962C8B-B14F-4D97-AF65-F5344CB8AC3E}">
+        <p14:creationId xmlns:p14="http://schemas.microsoft.com/office/powerpoint/2010/main" val="624613540"/>
+      </p:ext>
+    </p:extLst>
+  </p:cSld>
+  <p:clrMapOvr>
+    <a:masterClrMapping/>
+  </p:clrMapOvr>
+</p:sld>
+</file>
+
+<file path=ppt/slides/slide26.xml><?xml version="1.0" encoding="utf-8"?>
+<p:sld xmlns:a="http://schemas.openxmlformats.org/drawingml/2006/main" xmlns:r="http://schemas.openxmlformats.org/officeDocument/2006/relationships" xmlns:p="http://schemas.openxmlformats.org/presentationml/2006/main">
+  <p:cSld>
+    <p:spTree>
+      <p:nvGrpSpPr>
+        <p:cNvPr id="1" name=""/>
+        <p:cNvGrpSpPr/>
+        <p:nvPr/>
+      </p:nvGrpSpPr>
+      <p:grpSpPr>
+        <a:xfrm>
+          <a:off x="0" y="0"/>
+          <a:ext cx="0" cy="0"/>
+          <a:chOff x="0" y="0"/>
+          <a:chExt cx="0" cy="0"/>
+        </a:xfrm>
+      </p:grpSpPr>
+      <p:sp>
+        <p:nvSpPr>
+          <p:cNvPr id="2" name="标题 1"/>
+          <p:cNvSpPr>
+            <a:spLocks noGrp="1"/>
+          </p:cNvSpPr>
+          <p:nvPr>
+            <p:ph type="title"/>
+          </p:nvPr>
+        </p:nvSpPr>
+        <p:spPr/>
+        <p:txBody>
+          <a:bodyPr/>
+          <a:lstStyle/>
+          <a:p>
+            <a:r>
+              <a:rPr lang="en-US" altLang="zh-CN" dirty="0"/>
+              <a:t>React</a:t>
+            </a:r>
+            <a:r>
+              <a:rPr lang="zh-CN" altLang="en-US" dirty="0"/>
+              <a:t>进阶</a:t>
+            </a:r>
+            <a:endParaRPr lang="zh-CN" altLang="en-US" sz="2400" b="1" dirty="0">
+              <a:solidFill>
+                <a:schemeClr val="tx1"/>
+              </a:solidFill>
+            </a:endParaRPr>
+          </a:p>
+        </p:txBody>
+      </p:sp>
+      <p:sp>
+        <p:nvSpPr>
+          <p:cNvPr id="3" name="文本框 2">
+            <a:extLst>
+              <a:ext uri="{FF2B5EF4-FFF2-40B4-BE49-F238E27FC236}">
+                <a16:creationId xmlns:a16="http://schemas.microsoft.com/office/drawing/2014/main" id="{2D8317DA-A896-C16B-5BC0-C4A9FD1F7426}"/>
+              </a:ext>
+            </a:extLst>
+          </p:cNvPr>
+          <p:cNvSpPr txBox="1"/>
           <p:nvPr/>
         </p:nvSpPr>
         <p:spPr>
           <a:xfrm>
-            <a:off x="-247015" y="1267460"/>
-            <a:ext cx="4175760" cy="1167765"/>
-          </a:xfrm>
-          <a:prstGeom prst="rect">
-            <a:avLst/>
-          </a:prstGeom>
-          <a:solidFill>
-            <a:srgbClr val="FF9935"/>
-          </a:solidFill>
-          <a:ln>
-            <a:noFill/>
-          </a:ln>
-        </p:spPr>
-        <p:style>
-          <a:lnRef idx="2">
-            <a:schemeClr val="accent1">
-              <a:shade val="50000"/>
-            </a:schemeClr>
-          </a:lnRef>
-          <a:fillRef idx="1">
-            <a:schemeClr val="accent1"/>
-          </a:fillRef>
-          <a:effectRef idx="0">
-            <a:schemeClr val="accent1"/>
-          </a:effectRef>
-          <a:fontRef idx="minor">
-            <a:schemeClr val="lt1"/>
-          </a:fontRef>
-        </p:style>
-        <p:txBody>
-          <a:bodyPr rtlCol="0" anchor="ctr"/>
-          <a:lstStyle/>
-          <a:p>
-            <a:pPr algn="ctr"/>
-            <a:endParaRPr lang="zh-CN" altLang="en-US"/>
-          </a:p>
-        </p:txBody>
-      </p:sp>
-      <p:sp>
-        <p:nvSpPr>
-          <p:cNvPr id="10" name="文本框 9"/>
-          <p:cNvSpPr txBox="1"/>
-          <p:nvPr/>
-        </p:nvSpPr>
-        <p:spPr>
-          <a:xfrm>
-            <a:off x="514985" y="1403350"/>
-            <a:ext cx="3230880" cy="922020"/>
+            <a:off x="401351" y="603746"/>
+            <a:ext cx="8742649" cy="7848302"/>
           </a:xfrm>
           <a:prstGeom prst="rect">
             <a:avLst/>
@@ -5304,27 +8227,1082 @@
           <a:noFill/>
         </p:spPr>
         <p:txBody>
-          <a:bodyPr wrap="none" rtlCol="0">
+          <a:bodyPr wrap="square" rtlCol="0">
             <a:spAutoFit/>
           </a:bodyPr>
           <a:lstStyle/>
           <a:p>
-            <a:pPr algn="dist"/>
-            <a:r>
-              <a:rPr lang="en-US" altLang="zh-CN" sz="5400" b="1">
+            <a:r>
+              <a:rPr lang="en-US" altLang="zh-CN" dirty="0"/>
+              <a:t>2</a:t>
+            </a:r>
+            <a:r>
+              <a:rPr lang="zh-CN" altLang="en-US" dirty="0"/>
+              <a:t>、</a:t>
+            </a:r>
+            <a:r>
+              <a:rPr lang="en-US" altLang="zh-CN" dirty="0"/>
+              <a:t> </a:t>
+            </a:r>
+            <a:r>
+              <a:rPr lang="zh-CN" altLang="en-US" dirty="0"/>
+              <a:t>组件通信方式</a:t>
+            </a:r>
+            <a:r>
+              <a:rPr lang="en-US" altLang="zh-CN" dirty="0"/>
+              <a:t>[1]</a:t>
+            </a:r>
+          </a:p>
+          <a:p>
+            <a:r>
+              <a:rPr lang="en-US" altLang="zh-CN" dirty="0"/>
+              <a:t>                              </a:t>
+            </a:r>
+          </a:p>
+          <a:p>
+            <a:r>
+              <a:rPr lang="zh-CN" altLang="en-US" dirty="0"/>
+              <a:t>父子通信：</a:t>
+            </a:r>
+            <a:r>
+              <a:rPr lang="zh-CN" altLang="en-US" b="0" i="0" dirty="0">
                 <a:solidFill>
-                  <a:schemeClr val="bg1"/>
+                  <a:srgbClr val="333333"/>
                 </a:solidFill>
+                <a:effectLst/>
+                <a:latin typeface="Helvetica Neue"/>
               </a:rPr>
-              <a:t>THANKS.</a:t>
-            </a:r>
-          </a:p>
-        </p:txBody>
-      </p:sp>
+              <a:t>① 在父组件上使用 </a:t>
+            </a:r>
+            <a:r>
+              <a:rPr lang="en-US" altLang="zh-CN" b="0" i="0" dirty="0">
+                <a:solidFill>
+                  <a:srgbClr val="333333"/>
+                </a:solidFill>
+                <a:effectLst/>
+                <a:latin typeface="Helvetica Neue"/>
+              </a:rPr>
+              <a:t>key="value"</a:t>
+            </a:r>
+            <a:r>
+              <a:rPr lang="zh-CN" altLang="en-US" b="0" i="0" dirty="0">
+                <a:solidFill>
+                  <a:srgbClr val="333333"/>
+                </a:solidFill>
+                <a:effectLst/>
+                <a:latin typeface="Helvetica Neue"/>
+              </a:rPr>
+              <a:t>的形式传递 </a:t>
+            </a:r>
+            <a:r>
+              <a:rPr lang="en-US" altLang="zh-CN" b="0" i="0" dirty="0">
+                <a:solidFill>
+                  <a:srgbClr val="333333"/>
+                </a:solidFill>
+                <a:effectLst/>
+                <a:latin typeface="Helvetica Neue"/>
+              </a:rPr>
+              <a:t>props</a:t>
+            </a:r>
+            <a:r>
+              <a:rPr lang="zh-CN" altLang="en-US" b="0" i="0" dirty="0">
+                <a:solidFill>
+                  <a:srgbClr val="333333"/>
+                </a:solidFill>
+                <a:effectLst/>
+                <a:latin typeface="Helvetica Neue"/>
+              </a:rPr>
+              <a:t>，子组件通过 </a:t>
+            </a:r>
+            <a:r>
+              <a:rPr lang="en-US" altLang="zh-CN" b="0" i="0" dirty="0">
+                <a:solidFill>
+                  <a:srgbClr val="333333"/>
+                </a:solidFill>
+                <a:effectLst/>
+                <a:latin typeface="Helvetica Neue"/>
+              </a:rPr>
+              <a:t>props </a:t>
+            </a:r>
+            <a:r>
+              <a:rPr lang="zh-CN" altLang="en-US" b="0" i="0" dirty="0">
+                <a:solidFill>
+                  <a:srgbClr val="333333"/>
+                </a:solidFill>
+                <a:effectLst/>
+                <a:latin typeface="Helvetica Neue"/>
+              </a:rPr>
+              <a:t>接收</a:t>
+            </a:r>
+            <a:r>
+              <a:rPr lang="en-US" altLang="zh-CN" b="0" i="0" dirty="0">
+                <a:solidFill>
+                  <a:srgbClr val="333333"/>
+                </a:solidFill>
+                <a:effectLst/>
+                <a:latin typeface="Helvetica Neue"/>
+              </a:rPr>
+              <a:t>【</a:t>
+            </a:r>
+            <a:r>
+              <a:rPr lang="zh-CN" altLang="en-US" b="0" i="0" dirty="0">
+                <a:solidFill>
+                  <a:srgbClr val="333333"/>
+                </a:solidFill>
+                <a:effectLst/>
+                <a:latin typeface="Helvetica Neue"/>
+              </a:rPr>
+              <a:t>父传子</a:t>
+            </a:r>
+            <a:r>
+              <a:rPr lang="en-US" altLang="zh-CN" b="0" i="0" dirty="0">
+                <a:solidFill>
+                  <a:srgbClr val="333333"/>
+                </a:solidFill>
+                <a:effectLst/>
+                <a:latin typeface="Helvetica Neue"/>
+              </a:rPr>
+              <a:t>】</a:t>
+            </a:r>
+            <a:r>
+              <a:rPr lang="zh-CN" altLang="en-US" b="0" i="0" dirty="0">
+                <a:solidFill>
+                  <a:srgbClr val="333333"/>
+                </a:solidFill>
+                <a:effectLst/>
+                <a:latin typeface="Helvetica Neue"/>
+              </a:rPr>
+              <a:t>。在父组件上定义一个回调函数，子组件通过 </a:t>
+            </a:r>
+            <a:r>
+              <a:rPr lang="en-US" altLang="zh-CN" b="0" i="0" dirty="0">
+                <a:solidFill>
+                  <a:srgbClr val="333333"/>
+                </a:solidFill>
+                <a:effectLst/>
+                <a:latin typeface="Helvetica Neue"/>
+              </a:rPr>
+              <a:t>props </a:t>
+            </a:r>
+            <a:r>
+              <a:rPr lang="zh-CN" altLang="en-US" b="0" i="0" dirty="0">
+                <a:solidFill>
+                  <a:srgbClr val="333333"/>
+                </a:solidFill>
+                <a:effectLst/>
+                <a:latin typeface="Helvetica Neue"/>
+              </a:rPr>
+              <a:t>接收父组件的回调函数传递参数给父组件</a:t>
+            </a:r>
+            <a:r>
+              <a:rPr lang="en-US" altLang="zh-CN" b="0" i="0" dirty="0">
+                <a:solidFill>
+                  <a:srgbClr val="333333"/>
+                </a:solidFill>
+                <a:effectLst/>
+                <a:latin typeface="Helvetica Neue"/>
+              </a:rPr>
+              <a:t>【</a:t>
+            </a:r>
+            <a:r>
+              <a:rPr lang="zh-CN" altLang="en-US" b="0" i="0" dirty="0">
+                <a:solidFill>
+                  <a:srgbClr val="333333"/>
+                </a:solidFill>
+                <a:effectLst/>
+                <a:latin typeface="Helvetica Neue"/>
+              </a:rPr>
+              <a:t>子传父</a:t>
+            </a:r>
+            <a:r>
+              <a:rPr lang="en-US" altLang="zh-CN" b="0" i="0" dirty="0">
+                <a:solidFill>
+                  <a:srgbClr val="333333"/>
+                </a:solidFill>
+                <a:effectLst/>
+                <a:latin typeface="Helvetica Neue"/>
+              </a:rPr>
+              <a:t>】</a:t>
+            </a:r>
+            <a:endParaRPr lang="en-US" altLang="zh-CN" dirty="0"/>
+          </a:p>
+          <a:p>
+            <a:endParaRPr lang="en-US" altLang="zh-CN" dirty="0"/>
+          </a:p>
+          <a:p>
+            <a:endParaRPr lang="en-US" altLang="zh-CN" dirty="0"/>
+          </a:p>
+          <a:p>
+            <a:endParaRPr lang="en-US" altLang="zh-CN" dirty="0"/>
+          </a:p>
+          <a:p>
+            <a:endParaRPr lang="en-US" altLang="zh-CN" dirty="0"/>
+          </a:p>
+          <a:p>
+            <a:endParaRPr lang="en-US" altLang="zh-CN" dirty="0"/>
+          </a:p>
+          <a:p>
+            <a:endParaRPr lang="en-US" altLang="zh-CN" dirty="0"/>
+          </a:p>
+          <a:p>
+            <a:endParaRPr lang="en-US" altLang="zh-CN" dirty="0"/>
+          </a:p>
+          <a:p>
+            <a:endParaRPr lang="en-US" altLang="zh-CN" dirty="0"/>
+          </a:p>
+          <a:p>
+            <a:endParaRPr lang="en-US" altLang="zh-CN" dirty="0"/>
+          </a:p>
+          <a:p>
+            <a:endParaRPr lang="en-US" altLang="zh-CN" dirty="0"/>
+          </a:p>
+          <a:p>
+            <a:endParaRPr lang="en-US" altLang="zh-CN" dirty="0"/>
+          </a:p>
+          <a:p>
+            <a:endParaRPr lang="en-US" altLang="zh-CN" dirty="0"/>
+          </a:p>
+          <a:p>
+            <a:endParaRPr lang="en-US" altLang="zh-CN" dirty="0"/>
+          </a:p>
+          <a:p>
+            <a:endParaRPr lang="en-US" altLang="zh-CN" dirty="0"/>
+          </a:p>
+          <a:p>
+            <a:endParaRPr lang="en-US" altLang="zh-CN" dirty="0"/>
+          </a:p>
+          <a:p>
+            <a:endParaRPr lang="en-US" altLang="zh-CN" dirty="0"/>
+          </a:p>
+          <a:p>
+            <a:endParaRPr lang="en-US" altLang="zh-CN" dirty="0"/>
+          </a:p>
+          <a:p>
+            <a:endParaRPr lang="zh-CN" altLang="en-US" dirty="0"/>
+          </a:p>
+          <a:p>
+            <a:pPr marL="285750" indent="-285750">
+              <a:buFont typeface="Arial" panose="020B0604020202020204" pitchFamily="34" charset="0"/>
+              <a:buChar char="•"/>
+            </a:pPr>
+            <a:endParaRPr lang="en-US" altLang="zh-CN" dirty="0"/>
+          </a:p>
+          <a:p>
+            <a:endParaRPr lang="en-US" altLang="zh-CN" dirty="0"/>
+          </a:p>
+          <a:p>
+            <a:endParaRPr lang="en-US" altLang="zh-CN" dirty="0"/>
+          </a:p>
+          <a:p>
+            <a:endParaRPr lang="zh-CN" altLang="en-US" dirty="0"/>
+          </a:p>
+        </p:txBody>
+      </p:sp>
+      <p:pic>
+        <p:nvPicPr>
+          <p:cNvPr id="5" name="图片 4">
+            <a:extLst>
+              <a:ext uri="{FF2B5EF4-FFF2-40B4-BE49-F238E27FC236}">
+                <a16:creationId xmlns:a16="http://schemas.microsoft.com/office/drawing/2014/main" id="{0F3033E3-F9AE-E7D2-FD75-B7C3CAE12F09}"/>
+              </a:ext>
+            </a:extLst>
+          </p:cNvPr>
+          <p:cNvPicPr>
+            <a:picLocks noChangeAspect="1"/>
+          </p:cNvPicPr>
+          <p:nvPr/>
+        </p:nvPicPr>
+        <p:blipFill>
+          <a:blip r:embed="rId3"/>
+          <a:stretch>
+            <a:fillRect/>
+          </a:stretch>
+        </p:blipFill>
+        <p:spPr>
+          <a:xfrm>
+            <a:off x="519829" y="2209070"/>
+            <a:ext cx="3613760" cy="4554017"/>
+          </a:xfrm>
+          <a:prstGeom prst="rect">
+            <a:avLst/>
+          </a:prstGeom>
+        </p:spPr>
+      </p:pic>
+      <p:pic>
+        <p:nvPicPr>
+          <p:cNvPr id="9" name="图片 8">
+            <a:extLst>
+              <a:ext uri="{FF2B5EF4-FFF2-40B4-BE49-F238E27FC236}">
+                <a16:creationId xmlns:a16="http://schemas.microsoft.com/office/drawing/2014/main" id="{02685E53-8B62-FFAC-BDFD-ED91FBAF5D4F}"/>
+              </a:ext>
+            </a:extLst>
+          </p:cNvPr>
+          <p:cNvPicPr>
+            <a:picLocks noChangeAspect="1"/>
+          </p:cNvPicPr>
+          <p:nvPr/>
+        </p:nvPicPr>
+        <p:blipFill>
+          <a:blip r:embed="rId4"/>
+          <a:stretch>
+            <a:fillRect/>
+          </a:stretch>
+        </p:blipFill>
+        <p:spPr>
+          <a:xfrm>
+            <a:off x="4485559" y="1902988"/>
+            <a:ext cx="3105214" cy="4860099"/>
+          </a:xfrm>
+          <a:prstGeom prst="rect">
+            <a:avLst/>
+          </a:prstGeom>
+        </p:spPr>
+      </p:pic>
     </p:spTree>
-    <p:custDataLst>
-      <p:tags r:id="rId1"/>
-    </p:custDataLst>
+    <p:extLst>
+      <p:ext uri="{BB962C8B-B14F-4D97-AF65-F5344CB8AC3E}">
+        <p14:creationId xmlns:p14="http://schemas.microsoft.com/office/powerpoint/2010/main" val="4055551162"/>
+      </p:ext>
+    </p:extLst>
+  </p:cSld>
+  <p:clrMapOvr>
+    <a:masterClrMapping/>
+  </p:clrMapOvr>
+</p:sld>
+</file>
+
+<file path=ppt/slides/slide27.xml><?xml version="1.0" encoding="utf-8"?>
+<p:sld xmlns:a="http://schemas.openxmlformats.org/drawingml/2006/main" xmlns:r="http://schemas.openxmlformats.org/officeDocument/2006/relationships" xmlns:p="http://schemas.openxmlformats.org/presentationml/2006/main">
+  <p:cSld>
+    <p:spTree>
+      <p:nvGrpSpPr>
+        <p:cNvPr id="1" name=""/>
+        <p:cNvGrpSpPr/>
+        <p:nvPr/>
+      </p:nvGrpSpPr>
+      <p:grpSpPr>
+        <a:xfrm>
+          <a:off x="0" y="0"/>
+          <a:ext cx="0" cy="0"/>
+          <a:chOff x="0" y="0"/>
+          <a:chExt cx="0" cy="0"/>
+        </a:xfrm>
+      </p:grpSpPr>
+      <p:sp>
+        <p:nvSpPr>
+          <p:cNvPr id="2" name="标题 1"/>
+          <p:cNvSpPr>
+            <a:spLocks noGrp="1"/>
+          </p:cNvSpPr>
+          <p:nvPr>
+            <p:ph type="title"/>
+          </p:nvPr>
+        </p:nvSpPr>
+        <p:spPr/>
+        <p:txBody>
+          <a:bodyPr/>
+          <a:lstStyle/>
+          <a:p>
+            <a:r>
+              <a:rPr lang="en-US" altLang="zh-CN" dirty="0"/>
+              <a:t>React</a:t>
+            </a:r>
+            <a:r>
+              <a:rPr lang="zh-CN" altLang="en-US" dirty="0"/>
+              <a:t>进阶</a:t>
+            </a:r>
+            <a:endParaRPr lang="zh-CN" altLang="en-US" sz="2400" b="1" dirty="0">
+              <a:solidFill>
+                <a:schemeClr val="tx1"/>
+              </a:solidFill>
+            </a:endParaRPr>
+          </a:p>
+        </p:txBody>
+      </p:sp>
+      <p:sp>
+        <p:nvSpPr>
+          <p:cNvPr id="3" name="文本框 2">
+            <a:extLst>
+              <a:ext uri="{FF2B5EF4-FFF2-40B4-BE49-F238E27FC236}">
+                <a16:creationId xmlns:a16="http://schemas.microsoft.com/office/drawing/2014/main" id="{2D8317DA-A896-C16B-5BC0-C4A9FD1F7426}"/>
+              </a:ext>
+            </a:extLst>
+          </p:cNvPr>
+          <p:cNvSpPr txBox="1"/>
+          <p:nvPr/>
+        </p:nvSpPr>
+        <p:spPr>
+          <a:xfrm>
+            <a:off x="401351" y="603746"/>
+            <a:ext cx="8742649" cy="6740307"/>
+          </a:xfrm>
+          <a:prstGeom prst="rect">
+            <a:avLst/>
+          </a:prstGeom>
+          <a:noFill/>
+        </p:spPr>
+        <p:txBody>
+          <a:bodyPr wrap="square" rtlCol="0">
+            <a:spAutoFit/>
+          </a:bodyPr>
+          <a:lstStyle/>
+          <a:p>
+            <a:r>
+              <a:rPr lang="en-US" altLang="zh-CN" dirty="0"/>
+              <a:t>2</a:t>
+            </a:r>
+            <a:r>
+              <a:rPr lang="zh-CN" altLang="en-US" dirty="0"/>
+              <a:t>、</a:t>
+            </a:r>
+            <a:r>
+              <a:rPr lang="en-US" altLang="zh-CN" dirty="0"/>
+              <a:t> </a:t>
+            </a:r>
+            <a:r>
+              <a:rPr lang="zh-CN" altLang="en-US" dirty="0"/>
+              <a:t>组件通信方式</a:t>
+            </a:r>
+            <a:endParaRPr lang="en-US" altLang="zh-CN" dirty="0"/>
+          </a:p>
+          <a:p>
+            <a:r>
+              <a:rPr lang="en-US" altLang="zh-CN" dirty="0"/>
+              <a:t>                              </a:t>
+            </a:r>
+          </a:p>
+          <a:p>
+            <a:r>
+              <a:rPr lang="zh-CN" altLang="en-US" dirty="0"/>
+              <a:t>特殊的</a:t>
+            </a:r>
+            <a:r>
+              <a:rPr lang="en-US" altLang="zh-CN" dirty="0"/>
+              <a:t>props</a:t>
+            </a:r>
+            <a:r>
+              <a:rPr lang="zh-CN" altLang="en-US" dirty="0"/>
+              <a:t>：</a:t>
+            </a:r>
+            <a:r>
+              <a:rPr lang="en-US" altLang="zh-CN" dirty="0"/>
+              <a:t>children-</a:t>
+            </a:r>
+            <a:r>
+              <a:rPr lang="zh-CN" altLang="en-US" dirty="0"/>
+              <a:t>其实类似</a:t>
+            </a:r>
+            <a:r>
+              <a:rPr lang="en-US" altLang="zh-CN" dirty="0" err="1"/>
+              <a:t>vue</a:t>
+            </a:r>
+            <a:r>
+              <a:rPr lang="zh-CN" altLang="en-US" dirty="0"/>
+              <a:t>的插槽</a:t>
+            </a:r>
+            <a:endParaRPr lang="en-US" altLang="zh-CN" dirty="0"/>
+          </a:p>
+          <a:p>
+            <a:endParaRPr lang="en-US" altLang="zh-CN" dirty="0"/>
+          </a:p>
+          <a:p>
+            <a:endParaRPr lang="en-US" altLang="zh-CN" dirty="0"/>
+          </a:p>
+          <a:p>
+            <a:endParaRPr lang="en-US" altLang="zh-CN" dirty="0"/>
+          </a:p>
+          <a:p>
+            <a:endParaRPr lang="en-US" altLang="zh-CN" dirty="0"/>
+          </a:p>
+          <a:p>
+            <a:endParaRPr lang="en-US" altLang="zh-CN" dirty="0"/>
+          </a:p>
+          <a:p>
+            <a:endParaRPr lang="en-US" altLang="zh-CN" dirty="0"/>
+          </a:p>
+          <a:p>
+            <a:endParaRPr lang="en-US" altLang="zh-CN" dirty="0"/>
+          </a:p>
+          <a:p>
+            <a:endParaRPr lang="en-US" altLang="zh-CN" dirty="0"/>
+          </a:p>
+          <a:p>
+            <a:endParaRPr lang="en-US" altLang="zh-CN" dirty="0"/>
+          </a:p>
+          <a:p>
+            <a:endParaRPr lang="en-US" altLang="zh-CN" dirty="0"/>
+          </a:p>
+          <a:p>
+            <a:endParaRPr lang="en-US" altLang="zh-CN" dirty="0"/>
+          </a:p>
+          <a:p>
+            <a:endParaRPr lang="en-US" altLang="zh-CN" dirty="0"/>
+          </a:p>
+          <a:p>
+            <a:endParaRPr lang="en-US" altLang="zh-CN" dirty="0"/>
+          </a:p>
+          <a:p>
+            <a:endParaRPr lang="en-US" altLang="zh-CN" dirty="0"/>
+          </a:p>
+          <a:p>
+            <a:endParaRPr lang="en-US" altLang="zh-CN" dirty="0"/>
+          </a:p>
+          <a:p>
+            <a:endParaRPr lang="en-US" altLang="zh-CN" dirty="0"/>
+          </a:p>
+          <a:p>
+            <a:endParaRPr lang="zh-CN" altLang="en-US" dirty="0"/>
+          </a:p>
+          <a:p>
+            <a:pPr marL="285750" indent="-285750">
+              <a:buFont typeface="Arial" panose="020B0604020202020204" pitchFamily="34" charset="0"/>
+              <a:buChar char="•"/>
+            </a:pPr>
+            <a:endParaRPr lang="en-US" altLang="zh-CN" dirty="0"/>
+          </a:p>
+          <a:p>
+            <a:endParaRPr lang="en-US" altLang="zh-CN" dirty="0"/>
+          </a:p>
+          <a:p>
+            <a:endParaRPr lang="en-US" altLang="zh-CN" dirty="0"/>
+          </a:p>
+          <a:p>
+            <a:endParaRPr lang="zh-CN" altLang="en-US" dirty="0"/>
+          </a:p>
+        </p:txBody>
+      </p:sp>
+      <p:pic>
+        <p:nvPicPr>
+          <p:cNvPr id="6" name="图片 5">
+            <a:extLst>
+              <a:ext uri="{FF2B5EF4-FFF2-40B4-BE49-F238E27FC236}">
+                <a16:creationId xmlns:a16="http://schemas.microsoft.com/office/drawing/2014/main" id="{D911D68B-2777-48FB-24E8-45F7D5E7B1B2}"/>
+              </a:ext>
+            </a:extLst>
+          </p:cNvPr>
+          <p:cNvPicPr>
+            <a:picLocks noChangeAspect="1"/>
+          </p:cNvPicPr>
+          <p:nvPr/>
+        </p:nvPicPr>
+        <p:blipFill>
+          <a:blip r:embed="rId3"/>
+          <a:stretch>
+            <a:fillRect/>
+          </a:stretch>
+        </p:blipFill>
+        <p:spPr>
+          <a:xfrm>
+            <a:off x="4850786" y="636976"/>
+            <a:ext cx="4195455" cy="5813927"/>
+          </a:xfrm>
+          <a:prstGeom prst="rect">
+            <a:avLst/>
+          </a:prstGeom>
+        </p:spPr>
+      </p:pic>
+    </p:spTree>
+    <p:extLst>
+      <p:ext uri="{BB962C8B-B14F-4D97-AF65-F5344CB8AC3E}">
+        <p14:creationId xmlns:p14="http://schemas.microsoft.com/office/powerpoint/2010/main" val="1011739944"/>
+      </p:ext>
+    </p:extLst>
+  </p:cSld>
+  <p:clrMapOvr>
+    <a:masterClrMapping/>
+  </p:clrMapOvr>
+</p:sld>
+</file>
+
+<file path=ppt/slides/slide28.xml><?xml version="1.0" encoding="utf-8"?>
+<p:sld xmlns:a="http://schemas.openxmlformats.org/drawingml/2006/main" xmlns:r="http://schemas.openxmlformats.org/officeDocument/2006/relationships" xmlns:p="http://schemas.openxmlformats.org/presentationml/2006/main">
+  <p:cSld>
+    <p:spTree>
+      <p:nvGrpSpPr>
+        <p:cNvPr id="1" name=""/>
+        <p:cNvGrpSpPr/>
+        <p:nvPr/>
+      </p:nvGrpSpPr>
+      <p:grpSpPr>
+        <a:xfrm>
+          <a:off x="0" y="0"/>
+          <a:ext cx="0" cy="0"/>
+          <a:chOff x="0" y="0"/>
+          <a:chExt cx="0" cy="0"/>
+        </a:xfrm>
+      </p:grpSpPr>
+      <p:sp>
+        <p:nvSpPr>
+          <p:cNvPr id="2" name="标题 1"/>
+          <p:cNvSpPr>
+            <a:spLocks noGrp="1"/>
+          </p:cNvSpPr>
+          <p:nvPr>
+            <p:ph type="title"/>
+          </p:nvPr>
+        </p:nvSpPr>
+        <p:spPr/>
+        <p:txBody>
+          <a:bodyPr/>
+          <a:lstStyle/>
+          <a:p>
+            <a:r>
+              <a:rPr lang="en-US" altLang="zh-CN" dirty="0"/>
+              <a:t>React</a:t>
+            </a:r>
+            <a:r>
+              <a:rPr lang="zh-CN" altLang="en-US" dirty="0"/>
+              <a:t>进阶</a:t>
+            </a:r>
+            <a:endParaRPr lang="zh-CN" altLang="en-US" sz="2400" b="1" dirty="0">
+              <a:solidFill>
+                <a:schemeClr val="tx1"/>
+              </a:solidFill>
+            </a:endParaRPr>
+          </a:p>
+        </p:txBody>
+      </p:sp>
+      <p:sp>
+        <p:nvSpPr>
+          <p:cNvPr id="3" name="文本框 2">
+            <a:extLst>
+              <a:ext uri="{FF2B5EF4-FFF2-40B4-BE49-F238E27FC236}">
+                <a16:creationId xmlns:a16="http://schemas.microsoft.com/office/drawing/2014/main" id="{2D8317DA-A896-C16B-5BC0-C4A9FD1F7426}"/>
+              </a:ext>
+            </a:extLst>
+          </p:cNvPr>
+          <p:cNvSpPr txBox="1"/>
+          <p:nvPr/>
+        </p:nvSpPr>
+        <p:spPr>
+          <a:xfrm>
+            <a:off x="401351" y="603746"/>
+            <a:ext cx="8348079" cy="6740307"/>
+          </a:xfrm>
+          <a:prstGeom prst="rect">
+            <a:avLst/>
+          </a:prstGeom>
+          <a:noFill/>
+        </p:spPr>
+        <p:txBody>
+          <a:bodyPr wrap="square" rtlCol="0">
+            <a:spAutoFit/>
+          </a:bodyPr>
+          <a:lstStyle/>
+          <a:p>
+            <a:r>
+              <a:rPr lang="en-US" altLang="zh-CN" dirty="0"/>
+              <a:t>2</a:t>
+            </a:r>
+            <a:r>
+              <a:rPr lang="zh-CN" altLang="en-US" dirty="0"/>
+              <a:t>、</a:t>
+            </a:r>
+            <a:r>
+              <a:rPr lang="en-US" altLang="zh-CN" dirty="0"/>
+              <a:t> </a:t>
+            </a:r>
+            <a:r>
+              <a:rPr lang="zh-CN" altLang="en-US" dirty="0"/>
+              <a:t>组件通信方式</a:t>
+            </a:r>
+            <a:endParaRPr lang="en-US" altLang="zh-CN" dirty="0"/>
+          </a:p>
+          <a:p>
+            <a:r>
+              <a:rPr lang="en-US" altLang="zh-CN" dirty="0"/>
+              <a:t>                              </a:t>
+            </a:r>
+          </a:p>
+          <a:p>
+            <a:r>
+              <a:rPr lang="zh-CN" altLang="en-US" dirty="0"/>
+              <a:t>父子通信：</a:t>
+            </a:r>
+            <a:r>
+              <a:rPr lang="zh-CN" altLang="en-US" b="0" i="0" dirty="0">
+                <a:solidFill>
+                  <a:srgbClr val="333333"/>
+                </a:solidFill>
+                <a:effectLst/>
+                <a:latin typeface="Helvetica Neue"/>
+              </a:rPr>
+              <a:t>② 父组件引用 </a:t>
+            </a:r>
+            <a:r>
+              <a:rPr lang="en-US" altLang="zh-CN" b="0" i="0" dirty="0">
+                <a:solidFill>
+                  <a:srgbClr val="333333"/>
+                </a:solidFill>
+                <a:effectLst/>
+                <a:latin typeface="Helvetica Neue"/>
+              </a:rPr>
+              <a:t>ref </a:t>
+            </a:r>
+            <a:r>
+              <a:rPr lang="zh-CN" altLang="en-US" b="0" i="0" dirty="0">
+                <a:solidFill>
+                  <a:srgbClr val="333333"/>
+                </a:solidFill>
+                <a:effectLst/>
+                <a:latin typeface="Helvetica Neue"/>
+              </a:rPr>
+              <a:t>获取子组件的实例，得到子组件的所有属性</a:t>
+            </a:r>
+            <a:r>
+              <a:rPr lang="en-US" altLang="zh-CN" b="0" i="0" dirty="0">
+                <a:solidFill>
+                  <a:srgbClr val="333333"/>
+                </a:solidFill>
+                <a:effectLst/>
+                <a:latin typeface="Helvetica Neue"/>
+              </a:rPr>
+              <a:t>[1]</a:t>
+            </a:r>
+            <a:endParaRPr lang="en-US" altLang="zh-CN" dirty="0"/>
+          </a:p>
+          <a:p>
+            <a:endParaRPr lang="en-US" altLang="zh-CN" dirty="0"/>
+          </a:p>
+          <a:p>
+            <a:endParaRPr lang="en-US" altLang="zh-CN" dirty="0"/>
+          </a:p>
+          <a:p>
+            <a:endParaRPr lang="en-US" altLang="zh-CN" dirty="0"/>
+          </a:p>
+          <a:p>
+            <a:endParaRPr lang="en-US" altLang="zh-CN" dirty="0"/>
+          </a:p>
+          <a:p>
+            <a:endParaRPr lang="en-US" altLang="zh-CN" dirty="0"/>
+          </a:p>
+          <a:p>
+            <a:endParaRPr lang="en-US" altLang="zh-CN" dirty="0"/>
+          </a:p>
+          <a:p>
+            <a:endParaRPr lang="en-US" altLang="zh-CN" dirty="0"/>
+          </a:p>
+          <a:p>
+            <a:endParaRPr lang="en-US" altLang="zh-CN" dirty="0"/>
+          </a:p>
+          <a:p>
+            <a:endParaRPr lang="en-US" altLang="zh-CN" dirty="0"/>
+          </a:p>
+          <a:p>
+            <a:endParaRPr lang="en-US" altLang="zh-CN" dirty="0"/>
+          </a:p>
+          <a:p>
+            <a:endParaRPr lang="en-US" altLang="zh-CN" dirty="0"/>
+          </a:p>
+          <a:p>
+            <a:endParaRPr lang="en-US" altLang="zh-CN" dirty="0"/>
+          </a:p>
+          <a:p>
+            <a:endParaRPr lang="en-US" altLang="zh-CN" dirty="0"/>
+          </a:p>
+          <a:p>
+            <a:endParaRPr lang="en-US" altLang="zh-CN" dirty="0"/>
+          </a:p>
+          <a:p>
+            <a:endParaRPr lang="en-US" altLang="zh-CN" dirty="0"/>
+          </a:p>
+          <a:p>
+            <a:endParaRPr lang="en-US" altLang="zh-CN" dirty="0"/>
+          </a:p>
+          <a:p>
+            <a:endParaRPr lang="zh-CN" altLang="en-US" dirty="0"/>
+          </a:p>
+          <a:p>
+            <a:pPr marL="285750" indent="-285750">
+              <a:buFont typeface="Arial" panose="020B0604020202020204" pitchFamily="34" charset="0"/>
+              <a:buChar char="•"/>
+            </a:pPr>
+            <a:endParaRPr lang="en-US" altLang="zh-CN" dirty="0"/>
+          </a:p>
+          <a:p>
+            <a:endParaRPr lang="en-US" altLang="zh-CN" dirty="0"/>
+          </a:p>
+          <a:p>
+            <a:endParaRPr lang="en-US" altLang="zh-CN" dirty="0"/>
+          </a:p>
+          <a:p>
+            <a:endParaRPr lang="zh-CN" altLang="en-US" dirty="0"/>
+          </a:p>
+        </p:txBody>
+      </p:sp>
+    </p:spTree>
+    <p:extLst>
+      <p:ext uri="{BB962C8B-B14F-4D97-AF65-F5344CB8AC3E}">
+        <p14:creationId xmlns:p14="http://schemas.microsoft.com/office/powerpoint/2010/main" val="2028554489"/>
+      </p:ext>
+    </p:extLst>
+  </p:cSld>
+  <p:clrMapOvr>
+    <a:masterClrMapping/>
+  </p:clrMapOvr>
+</p:sld>
+</file>
+
+<file path=ppt/slides/slide29.xml><?xml version="1.0" encoding="utf-8"?>
+<p:sld xmlns:a="http://schemas.openxmlformats.org/drawingml/2006/main" xmlns:r="http://schemas.openxmlformats.org/officeDocument/2006/relationships" xmlns:p="http://schemas.openxmlformats.org/presentationml/2006/main">
+  <p:cSld>
+    <p:spTree>
+      <p:nvGrpSpPr>
+        <p:cNvPr id="1" name=""/>
+        <p:cNvGrpSpPr/>
+        <p:nvPr/>
+      </p:nvGrpSpPr>
+      <p:grpSpPr>
+        <a:xfrm>
+          <a:off x="0" y="0"/>
+          <a:ext cx="0" cy="0"/>
+          <a:chOff x="0" y="0"/>
+          <a:chExt cx="0" cy="0"/>
+        </a:xfrm>
+      </p:grpSpPr>
+      <p:sp>
+        <p:nvSpPr>
+          <p:cNvPr id="2" name="标题 1"/>
+          <p:cNvSpPr>
+            <a:spLocks noGrp="1"/>
+          </p:cNvSpPr>
+          <p:nvPr>
+            <p:ph type="title"/>
+          </p:nvPr>
+        </p:nvSpPr>
+        <p:spPr/>
+        <p:txBody>
+          <a:bodyPr/>
+          <a:lstStyle/>
+          <a:p>
+            <a:r>
+              <a:rPr lang="en-US" altLang="zh-CN" dirty="0"/>
+              <a:t>React</a:t>
+            </a:r>
+            <a:r>
+              <a:rPr lang="zh-CN" altLang="en-US" dirty="0"/>
+              <a:t>进阶</a:t>
+            </a:r>
+            <a:endParaRPr lang="zh-CN" altLang="en-US" sz="2400" b="1" dirty="0">
+              <a:solidFill>
+                <a:schemeClr val="tx1"/>
+              </a:solidFill>
+            </a:endParaRPr>
+          </a:p>
+        </p:txBody>
+      </p:sp>
+      <p:sp>
+        <p:nvSpPr>
+          <p:cNvPr id="3" name="文本框 2">
+            <a:extLst>
+              <a:ext uri="{FF2B5EF4-FFF2-40B4-BE49-F238E27FC236}">
+                <a16:creationId xmlns:a16="http://schemas.microsoft.com/office/drawing/2014/main" id="{2D8317DA-A896-C16B-5BC0-C4A9FD1F7426}"/>
+              </a:ext>
+            </a:extLst>
+          </p:cNvPr>
+          <p:cNvSpPr txBox="1"/>
+          <p:nvPr/>
+        </p:nvSpPr>
+        <p:spPr>
+          <a:xfrm>
+            <a:off x="401351" y="603746"/>
+            <a:ext cx="8348079" cy="6463308"/>
+          </a:xfrm>
+          <a:prstGeom prst="rect">
+            <a:avLst/>
+          </a:prstGeom>
+          <a:noFill/>
+        </p:spPr>
+        <p:txBody>
+          <a:bodyPr wrap="square" rtlCol="0">
+            <a:spAutoFit/>
+          </a:bodyPr>
+          <a:lstStyle/>
+          <a:p>
+            <a:r>
+              <a:rPr lang="en-US" altLang="zh-CN" dirty="0"/>
+              <a:t>2</a:t>
+            </a:r>
+            <a:r>
+              <a:rPr lang="zh-CN" altLang="en-US" dirty="0"/>
+              <a:t>、</a:t>
+            </a:r>
+            <a:r>
+              <a:rPr lang="en-US" altLang="zh-CN" dirty="0"/>
+              <a:t> </a:t>
+            </a:r>
+            <a:r>
+              <a:rPr lang="zh-CN" altLang="en-US" dirty="0"/>
+              <a:t>组件通信方式</a:t>
+            </a:r>
+            <a:endParaRPr lang="en-US" altLang="zh-CN" dirty="0"/>
+          </a:p>
+          <a:p>
+            <a:r>
+              <a:rPr lang="en-US" altLang="zh-CN" dirty="0"/>
+              <a:t>                              </a:t>
+            </a:r>
+          </a:p>
+          <a:p>
+            <a:r>
+              <a:rPr lang="zh-CN" altLang="en-US" dirty="0"/>
+              <a:t>兄弟通信：通过父组件中间人模式通信，兄弟</a:t>
+            </a:r>
+            <a:r>
+              <a:rPr lang="en-US" altLang="zh-CN" dirty="0"/>
+              <a:t>A</a:t>
+            </a:r>
+            <a:r>
+              <a:rPr lang="zh-CN" altLang="en-US" dirty="0"/>
+              <a:t>组件回调给父组件，父组件再传递</a:t>
+            </a:r>
+            <a:r>
+              <a:rPr lang="en-US" altLang="zh-CN" dirty="0"/>
+              <a:t>props</a:t>
+            </a:r>
+            <a:r>
+              <a:rPr lang="zh-CN" altLang="en-US" dirty="0"/>
+              <a:t>给兄弟</a:t>
+            </a:r>
+            <a:r>
+              <a:rPr lang="en-US" altLang="zh-CN" dirty="0"/>
+              <a:t>B</a:t>
+            </a:r>
+            <a:r>
+              <a:rPr lang="zh-CN" altLang="en-US" dirty="0"/>
+              <a:t>组件。这种适用于父组件内只有一层子组件的情况。</a:t>
+            </a:r>
+            <a:endParaRPr lang="en-US" altLang="zh-CN" dirty="0"/>
+          </a:p>
+          <a:p>
+            <a:endParaRPr lang="en-US" altLang="zh-CN" dirty="0"/>
+          </a:p>
+          <a:p>
+            <a:endParaRPr lang="en-US" altLang="zh-CN" dirty="0"/>
+          </a:p>
+          <a:p>
+            <a:endParaRPr lang="en-US" altLang="zh-CN" dirty="0"/>
+          </a:p>
+          <a:p>
+            <a:endParaRPr lang="en-US" altLang="zh-CN" dirty="0"/>
+          </a:p>
+          <a:p>
+            <a:endParaRPr lang="en-US" altLang="zh-CN" dirty="0"/>
+          </a:p>
+          <a:p>
+            <a:endParaRPr lang="en-US" altLang="zh-CN" dirty="0"/>
+          </a:p>
+          <a:p>
+            <a:endParaRPr lang="en-US" altLang="zh-CN" dirty="0"/>
+          </a:p>
+          <a:p>
+            <a:endParaRPr lang="en-US" altLang="zh-CN" dirty="0"/>
+          </a:p>
+          <a:p>
+            <a:endParaRPr lang="en-US" altLang="zh-CN" dirty="0"/>
+          </a:p>
+          <a:p>
+            <a:endParaRPr lang="en-US" altLang="zh-CN" dirty="0"/>
+          </a:p>
+          <a:p>
+            <a:endParaRPr lang="en-US" altLang="zh-CN" dirty="0"/>
+          </a:p>
+          <a:p>
+            <a:endParaRPr lang="en-US" altLang="zh-CN" dirty="0"/>
+          </a:p>
+          <a:p>
+            <a:endParaRPr lang="en-US" altLang="zh-CN" dirty="0"/>
+          </a:p>
+          <a:p>
+            <a:endParaRPr lang="en-US" altLang="zh-CN" dirty="0"/>
+          </a:p>
+          <a:p>
+            <a:endParaRPr lang="zh-CN" altLang="en-US" dirty="0"/>
+          </a:p>
+          <a:p>
+            <a:pPr marL="285750" indent="-285750">
+              <a:buFont typeface="Arial" panose="020B0604020202020204" pitchFamily="34" charset="0"/>
+              <a:buChar char="•"/>
+            </a:pPr>
+            <a:endParaRPr lang="en-US" altLang="zh-CN" dirty="0"/>
+          </a:p>
+          <a:p>
+            <a:endParaRPr lang="en-US" altLang="zh-CN" dirty="0"/>
+          </a:p>
+          <a:p>
+            <a:endParaRPr lang="en-US" altLang="zh-CN" dirty="0"/>
+          </a:p>
+          <a:p>
+            <a:endParaRPr lang="zh-CN" altLang="en-US" dirty="0"/>
+          </a:p>
+        </p:txBody>
+      </p:sp>
+      <p:pic>
+        <p:nvPicPr>
+          <p:cNvPr id="5" name="图片 4">
+            <a:extLst>
+              <a:ext uri="{FF2B5EF4-FFF2-40B4-BE49-F238E27FC236}">
+                <a16:creationId xmlns:a16="http://schemas.microsoft.com/office/drawing/2014/main" id="{607F2A50-1ACF-0218-0A2E-09E8D1627BAD}"/>
+              </a:ext>
+            </a:extLst>
+          </p:cNvPr>
+          <p:cNvPicPr>
+            <a:picLocks noChangeAspect="1"/>
+          </p:cNvPicPr>
+          <p:nvPr/>
+        </p:nvPicPr>
+        <p:blipFill>
+          <a:blip r:embed="rId3"/>
+          <a:stretch>
+            <a:fillRect/>
+          </a:stretch>
+        </p:blipFill>
+        <p:spPr>
+          <a:xfrm>
+            <a:off x="519831" y="1806302"/>
+            <a:ext cx="3017088" cy="4920174"/>
+          </a:xfrm>
+          <a:prstGeom prst="rect">
+            <a:avLst/>
+          </a:prstGeom>
+        </p:spPr>
+      </p:pic>
+      <p:pic>
+        <p:nvPicPr>
+          <p:cNvPr id="7" name="图片 6">
+            <a:extLst>
+              <a:ext uri="{FF2B5EF4-FFF2-40B4-BE49-F238E27FC236}">
+                <a16:creationId xmlns:a16="http://schemas.microsoft.com/office/drawing/2014/main" id="{8BDB1B6A-A35D-FA74-1757-4258E0F7CCC9}"/>
+              </a:ext>
+            </a:extLst>
+          </p:cNvPr>
+          <p:cNvPicPr>
+            <a:picLocks noChangeAspect="1"/>
+          </p:cNvPicPr>
+          <p:nvPr/>
+        </p:nvPicPr>
+        <p:blipFill>
+          <a:blip r:embed="rId4"/>
+          <a:stretch>
+            <a:fillRect/>
+          </a:stretch>
+        </p:blipFill>
+        <p:spPr>
+          <a:xfrm>
+            <a:off x="3655399" y="1841542"/>
+            <a:ext cx="5321918" cy="4559258"/>
+          </a:xfrm>
+          <a:prstGeom prst="rect">
+            <a:avLst/>
+          </a:prstGeom>
+        </p:spPr>
+      </p:pic>
+    </p:spTree>
+    <p:extLst>
+      <p:ext uri="{BB962C8B-B14F-4D97-AF65-F5344CB8AC3E}">
+        <p14:creationId xmlns:p14="http://schemas.microsoft.com/office/powerpoint/2010/main" val="1438235174"/>
+      </p:ext>
+    </p:extLst>
   </p:cSld>
   <p:clrMapOvr>
     <a:masterClrMapping/>
@@ -6111,6 +10089,1257 @@
 </p:sld>
 </file>
 
+<file path=ppt/slides/slide30.xml><?xml version="1.0" encoding="utf-8"?>
+<p:sld xmlns:a="http://schemas.openxmlformats.org/drawingml/2006/main" xmlns:r="http://schemas.openxmlformats.org/officeDocument/2006/relationships" xmlns:p="http://schemas.openxmlformats.org/presentationml/2006/main">
+  <p:cSld>
+    <p:spTree>
+      <p:nvGrpSpPr>
+        <p:cNvPr id="1" name=""/>
+        <p:cNvGrpSpPr/>
+        <p:nvPr/>
+      </p:nvGrpSpPr>
+      <p:grpSpPr>
+        <a:xfrm>
+          <a:off x="0" y="0"/>
+          <a:ext cx="0" cy="0"/>
+          <a:chOff x="0" y="0"/>
+          <a:chExt cx="0" cy="0"/>
+        </a:xfrm>
+      </p:grpSpPr>
+      <p:sp>
+        <p:nvSpPr>
+          <p:cNvPr id="2" name="标题 1"/>
+          <p:cNvSpPr>
+            <a:spLocks noGrp="1"/>
+          </p:cNvSpPr>
+          <p:nvPr>
+            <p:ph type="title"/>
+          </p:nvPr>
+        </p:nvSpPr>
+        <p:spPr/>
+        <p:txBody>
+          <a:bodyPr/>
+          <a:lstStyle/>
+          <a:p>
+            <a:r>
+              <a:rPr lang="en-US" altLang="zh-CN" dirty="0"/>
+              <a:t>React</a:t>
+            </a:r>
+            <a:r>
+              <a:rPr lang="zh-CN" altLang="en-US" dirty="0"/>
+              <a:t>进阶</a:t>
+            </a:r>
+            <a:endParaRPr lang="zh-CN" altLang="en-US" sz="2400" b="1" dirty="0">
+              <a:solidFill>
+                <a:schemeClr val="tx1"/>
+              </a:solidFill>
+            </a:endParaRPr>
+          </a:p>
+        </p:txBody>
+      </p:sp>
+      <p:sp>
+        <p:nvSpPr>
+          <p:cNvPr id="3" name="文本框 2">
+            <a:extLst>
+              <a:ext uri="{FF2B5EF4-FFF2-40B4-BE49-F238E27FC236}">
+                <a16:creationId xmlns:a16="http://schemas.microsoft.com/office/drawing/2014/main" id="{2D8317DA-A896-C16B-5BC0-C4A9FD1F7426}"/>
+              </a:ext>
+            </a:extLst>
+          </p:cNvPr>
+          <p:cNvSpPr txBox="1"/>
+          <p:nvPr/>
+        </p:nvSpPr>
+        <p:spPr>
+          <a:xfrm>
+            <a:off x="401351" y="603746"/>
+            <a:ext cx="8348079" cy="5909310"/>
+          </a:xfrm>
+          <a:prstGeom prst="rect">
+            <a:avLst/>
+          </a:prstGeom>
+          <a:noFill/>
+        </p:spPr>
+        <p:txBody>
+          <a:bodyPr wrap="square" rtlCol="0">
+            <a:spAutoFit/>
+          </a:bodyPr>
+          <a:lstStyle/>
+          <a:p>
+            <a:r>
+              <a:rPr lang="en-US" altLang="zh-CN" dirty="0"/>
+              <a:t>2</a:t>
+            </a:r>
+            <a:r>
+              <a:rPr lang="zh-CN" altLang="en-US" dirty="0"/>
+              <a:t>、</a:t>
+            </a:r>
+            <a:r>
+              <a:rPr lang="en-US" altLang="zh-CN" dirty="0"/>
+              <a:t> </a:t>
+            </a:r>
+            <a:r>
+              <a:rPr lang="zh-CN" altLang="en-US" dirty="0"/>
+              <a:t>组件通信方式</a:t>
+            </a:r>
+            <a:endParaRPr lang="en-US" altLang="zh-CN" dirty="0"/>
+          </a:p>
+          <a:p>
+            <a:r>
+              <a:rPr lang="en-US" altLang="zh-CN" dirty="0"/>
+              <a:t>                              </a:t>
+            </a:r>
+          </a:p>
+          <a:p>
+            <a:r>
+              <a:rPr lang="zh-CN" altLang="en-US" dirty="0"/>
+              <a:t>跨组件通信：通过</a:t>
+            </a:r>
+            <a:r>
+              <a:rPr lang="en-US" altLang="zh-CN" dirty="0"/>
+              <a:t>context</a:t>
+            </a:r>
+            <a:r>
+              <a:rPr lang="zh-CN" altLang="en-US" dirty="0"/>
+              <a:t>上下文。</a:t>
+            </a:r>
+            <a:r>
+              <a:rPr lang="zh-CN" altLang="en-US" b="0" i="0" dirty="0">
+                <a:solidFill>
+                  <a:srgbClr val="333333"/>
+                </a:solidFill>
+                <a:effectLst/>
+                <a:latin typeface="Helvetica Neue"/>
+              </a:rPr>
+              <a:t>用于嵌套层级较深的组件间，比较方便</a:t>
+            </a:r>
+            <a:r>
+              <a:rPr lang="en-US" altLang="zh-CN" dirty="0">
+                <a:solidFill>
+                  <a:srgbClr val="333333"/>
+                </a:solidFill>
+                <a:latin typeface="Helvetica Neue"/>
+              </a:rPr>
+              <a:t>[1]</a:t>
+            </a:r>
+            <a:endParaRPr lang="en-US" altLang="zh-CN" dirty="0"/>
+          </a:p>
+          <a:p>
+            <a:endParaRPr lang="en-US" altLang="zh-CN" dirty="0"/>
+          </a:p>
+          <a:p>
+            <a:endParaRPr lang="en-US" altLang="zh-CN" dirty="0"/>
+          </a:p>
+          <a:p>
+            <a:endParaRPr lang="en-US" altLang="zh-CN" dirty="0"/>
+          </a:p>
+          <a:p>
+            <a:endParaRPr lang="en-US" altLang="zh-CN" dirty="0"/>
+          </a:p>
+          <a:p>
+            <a:endParaRPr lang="en-US" altLang="zh-CN" dirty="0"/>
+          </a:p>
+          <a:p>
+            <a:endParaRPr lang="en-US" altLang="zh-CN" dirty="0"/>
+          </a:p>
+          <a:p>
+            <a:endParaRPr lang="en-US" altLang="zh-CN" dirty="0"/>
+          </a:p>
+          <a:p>
+            <a:endParaRPr lang="en-US" altLang="zh-CN" dirty="0"/>
+          </a:p>
+          <a:p>
+            <a:endParaRPr lang="en-US" altLang="zh-CN" dirty="0"/>
+          </a:p>
+          <a:p>
+            <a:endParaRPr lang="en-US" altLang="zh-CN" dirty="0"/>
+          </a:p>
+          <a:p>
+            <a:endParaRPr lang="en-US" altLang="zh-CN" dirty="0"/>
+          </a:p>
+          <a:p>
+            <a:endParaRPr lang="en-US" altLang="zh-CN" dirty="0"/>
+          </a:p>
+          <a:p>
+            <a:endParaRPr lang="en-US" altLang="zh-CN" dirty="0"/>
+          </a:p>
+          <a:p>
+            <a:endParaRPr lang="zh-CN" altLang="en-US" dirty="0"/>
+          </a:p>
+          <a:p>
+            <a:pPr marL="285750" indent="-285750">
+              <a:buFont typeface="Arial" panose="020B0604020202020204" pitchFamily="34" charset="0"/>
+              <a:buChar char="•"/>
+            </a:pPr>
+            <a:endParaRPr lang="en-US" altLang="zh-CN" dirty="0"/>
+          </a:p>
+          <a:p>
+            <a:endParaRPr lang="en-US" altLang="zh-CN" dirty="0"/>
+          </a:p>
+          <a:p>
+            <a:endParaRPr lang="en-US" altLang="zh-CN" dirty="0"/>
+          </a:p>
+          <a:p>
+            <a:endParaRPr lang="zh-CN" altLang="en-US" dirty="0"/>
+          </a:p>
+        </p:txBody>
+      </p:sp>
+    </p:spTree>
+    <p:extLst>
+      <p:ext uri="{BB962C8B-B14F-4D97-AF65-F5344CB8AC3E}">
+        <p14:creationId xmlns:p14="http://schemas.microsoft.com/office/powerpoint/2010/main" val="3433054769"/>
+      </p:ext>
+    </p:extLst>
+  </p:cSld>
+  <p:clrMapOvr>
+    <a:masterClrMapping/>
+  </p:clrMapOvr>
+</p:sld>
+</file>
+
+<file path=ppt/slides/slide31.xml><?xml version="1.0" encoding="utf-8"?>
+<p:sld xmlns:a="http://schemas.openxmlformats.org/drawingml/2006/main" xmlns:r="http://schemas.openxmlformats.org/officeDocument/2006/relationships" xmlns:p="http://schemas.openxmlformats.org/presentationml/2006/main">
+  <p:cSld>
+    <p:spTree>
+      <p:nvGrpSpPr>
+        <p:cNvPr id="1" name=""/>
+        <p:cNvGrpSpPr/>
+        <p:nvPr/>
+      </p:nvGrpSpPr>
+      <p:grpSpPr>
+        <a:xfrm>
+          <a:off x="0" y="0"/>
+          <a:ext cx="0" cy="0"/>
+          <a:chOff x="0" y="0"/>
+          <a:chExt cx="0" cy="0"/>
+        </a:xfrm>
+      </p:grpSpPr>
+      <p:sp>
+        <p:nvSpPr>
+          <p:cNvPr id="4" name="文本框 3"/>
+          <p:cNvSpPr txBox="1"/>
+          <p:nvPr/>
+        </p:nvSpPr>
+        <p:spPr>
+          <a:xfrm>
+            <a:off x="1455575" y="2251392"/>
+            <a:ext cx="1766830" cy="1862048"/>
+          </a:xfrm>
+          <a:prstGeom prst="rect">
+            <a:avLst/>
+          </a:prstGeom>
+          <a:noFill/>
+        </p:spPr>
+        <p:txBody>
+          <a:bodyPr wrap="none" rtlCol="0">
+            <a:spAutoFit/>
+          </a:bodyPr>
+          <a:lstStyle/>
+          <a:p>
+            <a:pPr algn="ctr"/>
+            <a:r>
+              <a:rPr lang="en-US" altLang="zh-CN" sz="11500" dirty="0">
+                <a:solidFill>
+                  <a:srgbClr val="FF9933"/>
+                </a:solidFill>
+                <a:latin typeface="Impact" panose="020B0806030902050204" pitchFamily="34" charset="0"/>
+              </a:rPr>
+              <a:t>05</a:t>
+            </a:r>
+          </a:p>
+        </p:txBody>
+      </p:sp>
+      <p:sp>
+        <p:nvSpPr>
+          <p:cNvPr id="5" name="文本框 4"/>
+          <p:cNvSpPr txBox="1"/>
+          <p:nvPr/>
+        </p:nvSpPr>
+        <p:spPr>
+          <a:xfrm>
+            <a:off x="3226435" y="2465070"/>
+            <a:ext cx="4900295" cy="1014730"/>
+          </a:xfrm>
+          <a:prstGeom prst="rect">
+            <a:avLst/>
+          </a:prstGeom>
+          <a:noFill/>
+        </p:spPr>
+        <p:txBody>
+          <a:bodyPr wrap="square" rtlCol="0">
+            <a:spAutoFit/>
+            <a:scene3d>
+              <a:camera prst="orthographicFront"/>
+              <a:lightRig rig="threePt" dir="t"/>
+            </a:scene3d>
+            <a:sp3d contourW="12700"/>
+          </a:bodyPr>
+          <a:lstStyle/>
+          <a:p>
+            <a:r>
+              <a:rPr lang="zh-CN" altLang="en-US" sz="6000" b="1" dirty="0">
+                <a:solidFill>
+                  <a:schemeClr val="tx1"/>
+                </a:solidFill>
+              </a:rPr>
+              <a:t>实践演练</a:t>
+            </a:r>
+            <a:r>
+              <a:rPr lang="en-US" altLang="zh-CN" sz="6000" b="1" dirty="0">
+                <a:solidFill>
+                  <a:schemeClr val="tx1"/>
+                </a:solidFill>
+              </a:rPr>
+              <a:t>2</a:t>
+            </a:r>
+          </a:p>
+        </p:txBody>
+      </p:sp>
+      <p:sp>
+        <p:nvSpPr>
+          <p:cNvPr id="3" name="文本框 2"/>
+          <p:cNvSpPr txBox="1"/>
+          <p:nvPr/>
+        </p:nvSpPr>
+        <p:spPr>
+          <a:xfrm>
+            <a:off x="2929842" y="3562638"/>
+            <a:ext cx="4574892" cy="369332"/>
+          </a:xfrm>
+          <a:prstGeom prst="rect">
+            <a:avLst/>
+          </a:prstGeom>
+          <a:noFill/>
+        </p:spPr>
+        <p:txBody>
+          <a:bodyPr wrap="square">
+            <a:spAutoFit/>
+          </a:bodyPr>
+          <a:lstStyle/>
+          <a:p>
+            <a:pPr marL="742950" lvl="1" indent="-285750">
+              <a:buFont typeface="Arial" panose="020B0604020202020204" pitchFamily="34" charset="0"/>
+              <a:buChar char="•"/>
+            </a:pPr>
+            <a:r>
+              <a:rPr lang="zh-CN" altLang="en-US" dirty="0">
+                <a:solidFill>
+                  <a:schemeClr val="bg2"/>
+                </a:solidFill>
+              </a:rPr>
+              <a:t>组件复用场景</a:t>
+            </a:r>
+          </a:p>
+        </p:txBody>
+      </p:sp>
+    </p:spTree>
+  </p:cSld>
+  <p:clrMapOvr>
+    <a:masterClrMapping/>
+  </p:clrMapOvr>
+</p:sld>
+</file>
+
+<file path=ppt/slides/slide32.xml><?xml version="1.0" encoding="utf-8"?>
+<p:sld xmlns:a="http://schemas.openxmlformats.org/drawingml/2006/main" xmlns:r="http://schemas.openxmlformats.org/officeDocument/2006/relationships" xmlns:p="http://schemas.openxmlformats.org/presentationml/2006/main">
+  <p:cSld>
+    <p:spTree>
+      <p:nvGrpSpPr>
+        <p:cNvPr id="1" name=""/>
+        <p:cNvGrpSpPr/>
+        <p:nvPr/>
+      </p:nvGrpSpPr>
+      <p:grpSpPr>
+        <a:xfrm>
+          <a:off x="0" y="0"/>
+          <a:ext cx="0" cy="0"/>
+          <a:chOff x="0" y="0"/>
+          <a:chExt cx="0" cy="0"/>
+        </a:xfrm>
+      </p:grpSpPr>
+      <p:sp>
+        <p:nvSpPr>
+          <p:cNvPr id="4" name="文本框 3"/>
+          <p:cNvSpPr txBox="1"/>
+          <p:nvPr/>
+        </p:nvSpPr>
+        <p:spPr>
+          <a:xfrm>
+            <a:off x="1452369" y="2251392"/>
+            <a:ext cx="1773242" cy="1862048"/>
+          </a:xfrm>
+          <a:prstGeom prst="rect">
+            <a:avLst/>
+          </a:prstGeom>
+          <a:noFill/>
+        </p:spPr>
+        <p:txBody>
+          <a:bodyPr wrap="none" rtlCol="0">
+            <a:spAutoFit/>
+          </a:bodyPr>
+          <a:lstStyle/>
+          <a:p>
+            <a:pPr algn="ctr"/>
+            <a:r>
+              <a:rPr lang="en-US" altLang="zh-CN" sz="11500" dirty="0">
+                <a:solidFill>
+                  <a:srgbClr val="FF9933"/>
+                </a:solidFill>
+                <a:latin typeface="Impact" panose="020B0806030902050204" pitchFamily="34" charset="0"/>
+              </a:rPr>
+              <a:t>06</a:t>
+            </a:r>
+          </a:p>
+        </p:txBody>
+      </p:sp>
+      <p:sp>
+        <p:nvSpPr>
+          <p:cNvPr id="5" name="文本框 4"/>
+          <p:cNvSpPr txBox="1"/>
+          <p:nvPr/>
+        </p:nvSpPr>
+        <p:spPr>
+          <a:xfrm>
+            <a:off x="3225800" y="2160270"/>
+            <a:ext cx="5217160" cy="1753235"/>
+          </a:xfrm>
+          <a:prstGeom prst="rect">
+            <a:avLst/>
+          </a:prstGeom>
+          <a:noFill/>
+        </p:spPr>
+        <p:txBody>
+          <a:bodyPr wrap="square" rtlCol="0">
+            <a:spAutoFit/>
+            <a:scene3d>
+              <a:camera prst="orthographicFront"/>
+              <a:lightRig rig="threePt" dir="t"/>
+            </a:scene3d>
+            <a:sp3d contourW="12700"/>
+          </a:bodyPr>
+          <a:lstStyle/>
+          <a:p>
+            <a:r>
+              <a:rPr lang="en-US" altLang="zh-CN" sz="5400" b="1" dirty="0" err="1"/>
+              <a:t>Ant</a:t>
+            </a:r>
+            <a:r>
+              <a:rPr lang="en-US" altLang="zh-CN" sz="5400" b="1" dirty="0"/>
+              <a:t> Design &amp; Procomponent</a:t>
+            </a:r>
+            <a:endParaRPr lang="zh-CN" altLang="en-US" sz="5400" b="1" dirty="0">
+              <a:solidFill>
+                <a:schemeClr val="tx1"/>
+              </a:solidFill>
+            </a:endParaRPr>
+          </a:p>
+        </p:txBody>
+      </p:sp>
+      <p:sp>
+        <p:nvSpPr>
+          <p:cNvPr id="2" name="文本框 1"/>
+          <p:cNvSpPr txBox="1"/>
+          <p:nvPr/>
+        </p:nvSpPr>
+        <p:spPr>
+          <a:xfrm>
+            <a:off x="3225941" y="3913801"/>
+            <a:ext cx="5054596" cy="1476375"/>
+          </a:xfrm>
+          <a:prstGeom prst="rect">
+            <a:avLst/>
+          </a:prstGeom>
+          <a:noFill/>
+        </p:spPr>
+        <p:txBody>
+          <a:bodyPr wrap="square">
+            <a:spAutoFit/>
+          </a:bodyPr>
+          <a:lstStyle/>
+          <a:p>
+            <a:pPr marL="742950" lvl="1" indent="-285750">
+              <a:buFont typeface="Arial" panose="020B0604020202020204" pitchFamily="34" charset="0"/>
+              <a:buChar char="•"/>
+            </a:pPr>
+            <a:r>
+              <a:rPr lang="zh-CN" altLang="en-US" dirty="0">
+                <a:solidFill>
+                  <a:schemeClr val="bg2"/>
+                </a:solidFill>
+              </a:rPr>
+              <a:t>文档阅读</a:t>
+            </a:r>
+            <a:endParaRPr lang="en-US" altLang="zh-CN" dirty="0">
+              <a:solidFill>
+                <a:schemeClr val="bg2"/>
+              </a:solidFill>
+            </a:endParaRPr>
+          </a:p>
+          <a:p>
+            <a:pPr marL="742950" lvl="1" indent="-285750">
+              <a:buFont typeface="Arial" panose="020B0604020202020204" pitchFamily="34" charset="0"/>
+              <a:buChar char="•"/>
+            </a:pPr>
+            <a:r>
+              <a:rPr lang="zh-CN" altLang="en-US" dirty="0">
+                <a:solidFill>
+                  <a:schemeClr val="bg2"/>
+                </a:solidFill>
+              </a:rPr>
+              <a:t>介绍常用的蚂蚁组件，实践演练</a:t>
+            </a:r>
+          </a:p>
+          <a:p>
+            <a:pPr marL="742950" lvl="1" indent="-285750">
+              <a:buFont typeface="Arial" panose="020B0604020202020204" pitchFamily="34" charset="0"/>
+              <a:buChar char="•"/>
+            </a:pPr>
+            <a:r>
+              <a:rPr lang="zh-CN" altLang="en-US" dirty="0">
+                <a:solidFill>
+                  <a:schemeClr val="bg2"/>
+                </a:solidFill>
+              </a:rPr>
+              <a:t>修改蚂蚁组件的样式</a:t>
+            </a:r>
+            <a:r>
+              <a:rPr lang="en-US" altLang="zh-CN" dirty="0">
+                <a:solidFill>
+                  <a:schemeClr val="bg2"/>
+                </a:solidFill>
+              </a:rPr>
+              <a:t> </a:t>
+            </a:r>
+            <a:r>
+              <a:rPr lang="zh-CN" altLang="en-US" dirty="0">
+                <a:solidFill>
+                  <a:schemeClr val="bg2"/>
+                </a:solidFill>
+              </a:rPr>
+              <a:t>【挂在</a:t>
+            </a:r>
+            <a:r>
+              <a:rPr lang="en-US" altLang="zh-CN" dirty="0">
+                <a:solidFill>
+                  <a:schemeClr val="bg2"/>
+                </a:solidFill>
+              </a:rPr>
+              <a:t>React.Portal</a:t>
+            </a:r>
+            <a:r>
+              <a:rPr lang="zh-CN" altLang="en-US" dirty="0">
+                <a:solidFill>
+                  <a:schemeClr val="bg2"/>
+                </a:solidFill>
+              </a:rPr>
+              <a:t>的特殊点】</a:t>
+            </a:r>
+            <a:endParaRPr lang="en-US" altLang="zh-CN" dirty="0">
+              <a:solidFill>
+                <a:schemeClr val="bg2"/>
+              </a:solidFill>
+            </a:endParaRPr>
+          </a:p>
+          <a:p>
+            <a:pPr marL="742950" lvl="1" indent="-285750">
+              <a:buFont typeface="Arial" panose="020B0604020202020204" pitchFamily="34" charset="0"/>
+              <a:buChar char="•"/>
+            </a:pPr>
+            <a:r>
+              <a:rPr lang="en-US" altLang="zh-CN" dirty="0" err="1">
+                <a:solidFill>
+                  <a:schemeClr val="bg2"/>
+                </a:solidFill>
+              </a:rPr>
+              <a:t>Antd</a:t>
+            </a:r>
+            <a:r>
+              <a:rPr lang="en-US" altLang="zh-CN" dirty="0">
+                <a:solidFill>
+                  <a:schemeClr val="bg2"/>
+                </a:solidFill>
+              </a:rPr>
+              <a:t> Design</a:t>
+            </a:r>
+            <a:r>
+              <a:rPr lang="zh-CN" altLang="en-US" dirty="0">
+                <a:solidFill>
+                  <a:schemeClr val="bg2"/>
+                </a:solidFill>
+              </a:rPr>
+              <a:t>与</a:t>
+            </a:r>
+            <a:r>
+              <a:rPr lang="en-US" altLang="zh-CN" dirty="0" err="1">
+                <a:solidFill>
+                  <a:schemeClr val="bg2"/>
+                </a:solidFill>
+              </a:rPr>
+              <a:t>ProComponent</a:t>
+            </a:r>
+            <a:r>
+              <a:rPr lang="zh-CN" altLang="en-US" dirty="0">
+                <a:solidFill>
+                  <a:schemeClr val="bg2"/>
+                </a:solidFill>
+              </a:rPr>
+              <a:t>的关系</a:t>
+            </a:r>
+            <a:endParaRPr lang="en-US" altLang="zh-CN" dirty="0">
+              <a:solidFill>
+                <a:schemeClr val="bg2"/>
+              </a:solidFill>
+            </a:endParaRPr>
+          </a:p>
+        </p:txBody>
+      </p:sp>
+    </p:spTree>
+  </p:cSld>
+  <p:clrMapOvr>
+    <a:masterClrMapping/>
+  </p:clrMapOvr>
+</p:sld>
+</file>
+
+<file path=ppt/slides/slide33.xml><?xml version="1.0" encoding="utf-8"?>
+<p:sld xmlns:a="http://schemas.openxmlformats.org/drawingml/2006/main" xmlns:r="http://schemas.openxmlformats.org/officeDocument/2006/relationships" xmlns:p="http://schemas.openxmlformats.org/presentationml/2006/main">
+  <p:cSld>
+    <p:spTree>
+      <p:nvGrpSpPr>
+        <p:cNvPr id="1" name=""/>
+        <p:cNvGrpSpPr/>
+        <p:nvPr/>
+      </p:nvGrpSpPr>
+      <p:grpSpPr>
+        <a:xfrm>
+          <a:off x="0" y="0"/>
+          <a:ext cx="0" cy="0"/>
+          <a:chOff x="0" y="0"/>
+          <a:chExt cx="0" cy="0"/>
+        </a:xfrm>
+      </p:grpSpPr>
+      <p:sp>
+        <p:nvSpPr>
+          <p:cNvPr id="4" name="文本框 3"/>
+          <p:cNvSpPr txBox="1"/>
+          <p:nvPr/>
+        </p:nvSpPr>
+        <p:spPr>
+          <a:xfrm>
+            <a:off x="1562976" y="2251392"/>
+            <a:ext cx="1552028" cy="1862048"/>
+          </a:xfrm>
+          <a:prstGeom prst="rect">
+            <a:avLst/>
+          </a:prstGeom>
+          <a:noFill/>
+        </p:spPr>
+        <p:txBody>
+          <a:bodyPr wrap="none" rtlCol="0">
+            <a:spAutoFit/>
+          </a:bodyPr>
+          <a:lstStyle/>
+          <a:p>
+            <a:pPr algn="ctr"/>
+            <a:r>
+              <a:rPr lang="en-US" altLang="zh-CN" sz="11500" dirty="0">
+                <a:solidFill>
+                  <a:srgbClr val="FF9933"/>
+                </a:solidFill>
+                <a:latin typeface="Impact" panose="020B0806030902050204" pitchFamily="34" charset="0"/>
+              </a:rPr>
+              <a:t>07</a:t>
+            </a:r>
+          </a:p>
+        </p:txBody>
+      </p:sp>
+      <p:sp>
+        <p:nvSpPr>
+          <p:cNvPr id="5" name="文本框 4"/>
+          <p:cNvSpPr txBox="1"/>
+          <p:nvPr/>
+        </p:nvSpPr>
+        <p:spPr>
+          <a:xfrm>
+            <a:off x="3226435" y="2465070"/>
+            <a:ext cx="4900295" cy="922020"/>
+          </a:xfrm>
+          <a:prstGeom prst="rect">
+            <a:avLst/>
+          </a:prstGeom>
+          <a:noFill/>
+        </p:spPr>
+        <p:txBody>
+          <a:bodyPr wrap="square" rtlCol="0">
+            <a:spAutoFit/>
+            <a:scene3d>
+              <a:camera prst="orthographicFront"/>
+              <a:lightRig rig="threePt" dir="t"/>
+            </a:scene3d>
+            <a:sp3d contourW="12700"/>
+          </a:bodyPr>
+          <a:lstStyle/>
+          <a:p>
+            <a:r>
+              <a:rPr lang="zh-CN" altLang="en-US" sz="5400" b="1" dirty="0">
+                <a:solidFill>
+                  <a:schemeClr val="tx1"/>
+                </a:solidFill>
+              </a:rPr>
+              <a:t>总结</a:t>
+            </a:r>
+          </a:p>
+        </p:txBody>
+      </p:sp>
+      <p:sp>
+        <p:nvSpPr>
+          <p:cNvPr id="2" name="文本框 1"/>
+          <p:cNvSpPr txBox="1"/>
+          <p:nvPr>
+            <p:custDataLst>
+              <p:tags r:id="rId1"/>
+            </p:custDataLst>
+          </p:nvPr>
+        </p:nvSpPr>
+        <p:spPr>
+          <a:xfrm>
+            <a:off x="3225941" y="3480096"/>
+            <a:ext cx="5054596" cy="645160"/>
+          </a:xfrm>
+          <a:prstGeom prst="rect">
+            <a:avLst/>
+          </a:prstGeom>
+          <a:noFill/>
+        </p:spPr>
+        <p:txBody>
+          <a:bodyPr wrap="square">
+            <a:spAutoFit/>
+          </a:bodyPr>
+          <a:lstStyle/>
+          <a:p>
+            <a:pPr marL="742950" lvl="1" indent="-285750">
+              <a:buFont typeface="Arial" panose="020B0604020202020204" pitchFamily="34" charset="0"/>
+              <a:buChar char="•"/>
+            </a:pPr>
+            <a:r>
+              <a:rPr lang="zh-CN" dirty="0">
+                <a:solidFill>
+                  <a:schemeClr val="bg2"/>
+                </a:solidFill>
+              </a:rPr>
+              <a:t>开发规范</a:t>
+            </a:r>
+          </a:p>
+          <a:p>
+            <a:pPr marL="742950" lvl="1" indent="-285750">
+              <a:buFont typeface="Arial" panose="020B0604020202020204" pitchFamily="34" charset="0"/>
+              <a:buChar char="•"/>
+            </a:pPr>
+            <a:r>
+              <a:rPr lang="zh-CN" dirty="0">
+                <a:solidFill>
+                  <a:schemeClr val="bg2"/>
+                </a:solidFill>
+              </a:rPr>
+              <a:t>学习资源推荐</a:t>
+            </a:r>
+          </a:p>
+        </p:txBody>
+      </p:sp>
+    </p:spTree>
+  </p:cSld>
+  <p:clrMapOvr>
+    <a:masterClrMapping/>
+  </p:clrMapOvr>
+</p:sld>
+</file>
+
+<file path=ppt/slides/slide34.xml><?xml version="1.0" encoding="utf-8"?>
+<p:sld xmlns:a="http://schemas.openxmlformats.org/drawingml/2006/main" xmlns:r="http://schemas.openxmlformats.org/officeDocument/2006/relationships" xmlns:p="http://schemas.openxmlformats.org/presentationml/2006/main">
+  <p:cSld>
+    <p:spTree>
+      <p:nvGrpSpPr>
+        <p:cNvPr id="1" name=""/>
+        <p:cNvGrpSpPr/>
+        <p:nvPr/>
+      </p:nvGrpSpPr>
+      <p:grpSpPr>
+        <a:xfrm>
+          <a:off x="0" y="0"/>
+          <a:ext cx="0" cy="0"/>
+          <a:chOff x="0" y="0"/>
+          <a:chExt cx="0" cy="0"/>
+        </a:xfrm>
+      </p:grpSpPr>
+      <p:sp>
+        <p:nvSpPr>
+          <p:cNvPr id="2" name="标题 1"/>
+          <p:cNvSpPr>
+            <a:spLocks noGrp="1"/>
+          </p:cNvSpPr>
+          <p:nvPr>
+            <p:ph type="title"/>
+          </p:nvPr>
+        </p:nvSpPr>
+        <p:spPr/>
+        <p:txBody>
+          <a:bodyPr/>
+          <a:lstStyle/>
+          <a:p>
+            <a:r>
+              <a:rPr lang="en-US" altLang="zh-CN" dirty="0"/>
+              <a:t>React</a:t>
+            </a:r>
+            <a:r>
+              <a:rPr lang="zh-CN" altLang="en-US" dirty="0"/>
+              <a:t>基础</a:t>
+            </a:r>
+            <a:endParaRPr lang="zh-CN" altLang="en-US" sz="2400" b="1" dirty="0">
+              <a:solidFill>
+                <a:schemeClr val="tx1"/>
+              </a:solidFill>
+            </a:endParaRPr>
+          </a:p>
+        </p:txBody>
+      </p:sp>
+      <p:sp>
+        <p:nvSpPr>
+          <p:cNvPr id="3" name="文本框 2"/>
+          <p:cNvSpPr txBox="1"/>
+          <p:nvPr/>
+        </p:nvSpPr>
+        <p:spPr>
+          <a:xfrm>
+            <a:off x="515073" y="685165"/>
+            <a:ext cx="7552481" cy="1754326"/>
+          </a:xfrm>
+          <a:prstGeom prst="rect">
+            <a:avLst/>
+          </a:prstGeom>
+          <a:noFill/>
+        </p:spPr>
+        <p:txBody>
+          <a:bodyPr wrap="square" rtlCol="0">
+            <a:spAutoFit/>
+          </a:bodyPr>
+          <a:lstStyle/>
+          <a:p>
+            <a:r>
+              <a:rPr lang="en-US" altLang="zh-CN" dirty="0"/>
+              <a:t>1</a:t>
+            </a:r>
+            <a:r>
+              <a:rPr lang="zh-CN" altLang="en-US" dirty="0"/>
+              <a:t>、</a:t>
+            </a:r>
+            <a:r>
+              <a:rPr lang="en-US" altLang="zh-CN" dirty="0"/>
+              <a:t>React</a:t>
+            </a:r>
+            <a:r>
+              <a:rPr lang="zh-CN" altLang="en-US" dirty="0"/>
+              <a:t>起源与发展</a:t>
+            </a:r>
+            <a:endParaRPr lang="en-US" altLang="zh-CN" dirty="0"/>
+          </a:p>
+          <a:p>
+            <a:r>
+              <a:rPr lang="en-US" altLang="zh-CN" b="1" i="0" dirty="0">
+                <a:effectLst/>
+              </a:rPr>
+              <a:t>      </a:t>
+            </a:r>
+            <a:r>
+              <a:rPr lang="en-US" altLang="zh-CN" dirty="0"/>
+              <a:t>2013 </a:t>
+            </a:r>
+            <a:r>
+              <a:rPr lang="zh-CN" altLang="en-US" dirty="0"/>
+              <a:t>年 </a:t>
+            </a:r>
+            <a:r>
+              <a:rPr lang="en-US" altLang="zh-CN" dirty="0"/>
+              <a:t>5 </a:t>
+            </a:r>
+            <a:r>
+              <a:rPr lang="zh-CN" altLang="en-US" dirty="0"/>
+              <a:t>月起源于 </a:t>
+            </a:r>
+            <a:r>
+              <a:rPr lang="en-US" altLang="zh-CN" dirty="0"/>
+              <a:t>Facebook </a:t>
+            </a:r>
+            <a:r>
+              <a:rPr lang="zh-CN" altLang="en-US" dirty="0"/>
+              <a:t>的内部项目</a:t>
+            </a:r>
+          </a:p>
+          <a:p>
+            <a:endParaRPr lang="en-US" altLang="zh-CN" dirty="0"/>
+          </a:p>
+          <a:p>
+            <a:r>
+              <a:rPr lang="en-US" altLang="zh-CN" dirty="0"/>
+              <a:t>2</a:t>
+            </a:r>
+            <a:r>
+              <a:rPr lang="zh-CN" altLang="en-US" dirty="0"/>
+              <a:t>、学习资源</a:t>
+            </a:r>
+            <a:endParaRPr lang="en-US" altLang="zh-CN" dirty="0"/>
+          </a:p>
+          <a:p>
+            <a:r>
+              <a:rPr lang="en-US" altLang="zh-CN" dirty="0"/>
+              <a:t>  react</a:t>
+            </a:r>
+            <a:r>
+              <a:rPr lang="zh-CN" altLang="en-US" dirty="0"/>
+              <a:t>中文网：</a:t>
+            </a:r>
+            <a:r>
+              <a:rPr lang="en-US" altLang="zh-CN" dirty="0">
+                <a:hlinkClick r:id="rId2"/>
+              </a:rPr>
+              <a:t>https://react.docschina.org/learn#updating-the-screen</a:t>
+            </a:r>
+            <a:endParaRPr lang="en-US" altLang="zh-CN" dirty="0"/>
+          </a:p>
+          <a:p>
+            <a:r>
+              <a:rPr lang="en-US" altLang="zh-CN" dirty="0"/>
+              <a:t>  Hooks</a:t>
+            </a:r>
+            <a:r>
+              <a:rPr lang="zh-CN" altLang="en-US" dirty="0"/>
+              <a:t>：</a:t>
+            </a:r>
+            <a:r>
+              <a:rPr lang="en-US" altLang="zh-CN" dirty="0"/>
+              <a:t>https://react.docschina.org/reference/react/hooks</a:t>
+            </a:r>
+          </a:p>
+        </p:txBody>
+      </p:sp>
+    </p:spTree>
+    <p:extLst>
+      <p:ext uri="{BB962C8B-B14F-4D97-AF65-F5344CB8AC3E}">
+        <p14:creationId xmlns:p14="http://schemas.microsoft.com/office/powerpoint/2010/main" val="3408414575"/>
+      </p:ext>
+    </p:extLst>
+  </p:cSld>
+  <p:clrMapOvr>
+    <a:masterClrMapping/>
+  </p:clrMapOvr>
+</p:sld>
+</file>
+
+<file path=ppt/slides/slide35.xml><?xml version="1.0" encoding="utf-8"?>
+<p:sld xmlns:a="http://schemas.openxmlformats.org/drawingml/2006/main" xmlns:r="http://schemas.openxmlformats.org/officeDocument/2006/relationships" xmlns:p="http://schemas.openxmlformats.org/presentationml/2006/main">
+  <p:cSld>
+    <p:spTree>
+      <p:nvGrpSpPr>
+        <p:cNvPr id="1" name=""/>
+        <p:cNvGrpSpPr/>
+        <p:nvPr/>
+      </p:nvGrpSpPr>
+      <p:grpSpPr>
+        <a:xfrm>
+          <a:off x="0" y="0"/>
+          <a:ext cx="0" cy="0"/>
+          <a:chOff x="0" y="0"/>
+          <a:chExt cx="0" cy="0"/>
+        </a:xfrm>
+      </p:grpSpPr>
+      <p:sp>
+        <p:nvSpPr>
+          <p:cNvPr id="4" name="文本框 3"/>
+          <p:cNvSpPr txBox="1"/>
+          <p:nvPr/>
+        </p:nvSpPr>
+        <p:spPr>
+          <a:xfrm>
+            <a:off x="1457178" y="2251392"/>
+            <a:ext cx="1763624" cy="1862048"/>
+          </a:xfrm>
+          <a:prstGeom prst="rect">
+            <a:avLst/>
+          </a:prstGeom>
+          <a:noFill/>
+        </p:spPr>
+        <p:txBody>
+          <a:bodyPr wrap="none" rtlCol="0">
+            <a:spAutoFit/>
+          </a:bodyPr>
+          <a:lstStyle/>
+          <a:p>
+            <a:pPr algn="ctr"/>
+            <a:r>
+              <a:rPr lang="en-US" altLang="zh-CN" sz="11500" dirty="0">
+                <a:solidFill>
+                  <a:srgbClr val="FF9933"/>
+                </a:solidFill>
+                <a:latin typeface="Impact" panose="020B0806030902050204" pitchFamily="34" charset="0"/>
+              </a:rPr>
+              <a:t>08</a:t>
+            </a:r>
+          </a:p>
+        </p:txBody>
+      </p:sp>
+      <p:sp>
+        <p:nvSpPr>
+          <p:cNvPr id="5" name="文本框 4"/>
+          <p:cNvSpPr txBox="1"/>
+          <p:nvPr/>
+        </p:nvSpPr>
+        <p:spPr>
+          <a:xfrm>
+            <a:off x="3226435" y="2465070"/>
+            <a:ext cx="4900295" cy="1014730"/>
+          </a:xfrm>
+          <a:prstGeom prst="rect">
+            <a:avLst/>
+          </a:prstGeom>
+          <a:noFill/>
+        </p:spPr>
+        <p:txBody>
+          <a:bodyPr wrap="square" rtlCol="0">
+            <a:spAutoFit/>
+            <a:scene3d>
+              <a:camera prst="orthographicFront"/>
+              <a:lightRig rig="threePt" dir="t"/>
+            </a:scene3d>
+            <a:sp3d contourW="12700"/>
+          </a:bodyPr>
+          <a:lstStyle/>
+          <a:p>
+            <a:r>
+              <a:rPr lang="zh-CN" altLang="en-US" sz="6000" b="1" dirty="0">
+                <a:solidFill>
+                  <a:schemeClr val="tx1"/>
+                </a:solidFill>
+              </a:rPr>
+              <a:t>答疑</a:t>
+            </a:r>
+          </a:p>
+        </p:txBody>
+      </p:sp>
+    </p:spTree>
+  </p:cSld>
+  <p:clrMapOvr>
+    <a:masterClrMapping/>
+  </p:clrMapOvr>
+</p:sld>
+</file>
+
+<file path=ppt/slides/slide36.xml><?xml version="1.0" encoding="utf-8"?>
+<p:sld xmlns:a="http://schemas.openxmlformats.org/drawingml/2006/main" xmlns:r="http://schemas.openxmlformats.org/officeDocument/2006/relationships" xmlns:p="http://schemas.openxmlformats.org/presentationml/2006/main">
+  <p:cSld>
+    <p:spTree>
+      <p:nvGrpSpPr>
+        <p:cNvPr id="1" name=""/>
+        <p:cNvGrpSpPr/>
+        <p:nvPr/>
+      </p:nvGrpSpPr>
+      <p:grpSpPr>
+        <a:xfrm>
+          <a:off x="0" y="0"/>
+          <a:ext cx="0" cy="0"/>
+          <a:chOff x="0" y="0"/>
+          <a:chExt cx="0" cy="0"/>
+        </a:xfrm>
+      </p:grpSpPr>
+      <p:pic>
+        <p:nvPicPr>
+          <p:cNvPr id="11" name="图片 10" descr="6"/>
+          <p:cNvPicPr>
+            <a:picLocks noChangeAspect="1"/>
+          </p:cNvPicPr>
+          <p:nvPr/>
+        </p:nvPicPr>
+        <p:blipFill>
+          <a:blip r:embed="rId3">
+            <a:grayscl/>
+          </a:blip>
+          <a:srcRect l="18807" t="10567"/>
+          <a:stretch>
+            <a:fillRect/>
+          </a:stretch>
+        </p:blipFill>
+        <p:spPr>
+          <a:xfrm>
+            <a:off x="-76200" y="-10795"/>
+            <a:ext cx="9493250" cy="6971665"/>
+          </a:xfrm>
+          <a:prstGeom prst="rect">
+            <a:avLst/>
+          </a:prstGeom>
+        </p:spPr>
+      </p:pic>
+      <p:sp>
+        <p:nvSpPr>
+          <p:cNvPr id="6" name="矩形 5"/>
+          <p:cNvSpPr/>
+          <p:nvPr/>
+        </p:nvSpPr>
+        <p:spPr>
+          <a:xfrm>
+            <a:off x="-123825" y="-59690"/>
+            <a:ext cx="9582150" cy="7132320"/>
+          </a:xfrm>
+          <a:prstGeom prst="rect">
+            <a:avLst/>
+          </a:prstGeom>
+          <a:solidFill>
+            <a:schemeClr val="tx1">
+              <a:lumMod val="65000"/>
+              <a:lumOff val="35000"/>
+              <a:alpha val="78000"/>
+            </a:schemeClr>
+          </a:solidFill>
+          <a:ln>
+            <a:noFill/>
+          </a:ln>
+        </p:spPr>
+        <p:style>
+          <a:lnRef idx="2">
+            <a:schemeClr val="accent1">
+              <a:shade val="50000"/>
+            </a:schemeClr>
+          </a:lnRef>
+          <a:fillRef idx="1">
+            <a:schemeClr val="accent1"/>
+          </a:fillRef>
+          <a:effectRef idx="0">
+            <a:schemeClr val="accent1"/>
+          </a:effectRef>
+          <a:fontRef idx="minor">
+            <a:schemeClr val="lt1"/>
+          </a:fontRef>
+        </p:style>
+        <p:txBody>
+          <a:bodyPr rtlCol="0" anchor="ctr"/>
+          <a:lstStyle/>
+          <a:p>
+            <a:pPr algn="ctr"/>
+            <a:endParaRPr lang="zh-CN" altLang="en-US"/>
+          </a:p>
+        </p:txBody>
+      </p:sp>
+      <p:pic>
+        <p:nvPicPr>
+          <p:cNvPr id="7" name="图片 6" descr="PPT尾页"/>
+          <p:cNvPicPr>
+            <a:picLocks noChangeAspect="1"/>
+          </p:cNvPicPr>
+          <p:nvPr/>
+        </p:nvPicPr>
+        <p:blipFill>
+          <a:blip r:embed="rId4"/>
+          <a:stretch>
+            <a:fillRect/>
+          </a:stretch>
+        </p:blipFill>
+        <p:spPr>
+          <a:xfrm>
+            <a:off x="3143250" y="3968115"/>
+            <a:ext cx="5471160" cy="1463040"/>
+          </a:xfrm>
+          <a:prstGeom prst="rect">
+            <a:avLst/>
+          </a:prstGeom>
+        </p:spPr>
+      </p:pic>
+      <p:sp>
+        <p:nvSpPr>
+          <p:cNvPr id="8" name="矩形 7"/>
+          <p:cNvSpPr/>
+          <p:nvPr/>
+        </p:nvSpPr>
+        <p:spPr>
+          <a:xfrm>
+            <a:off x="-247015" y="1267460"/>
+            <a:ext cx="4175760" cy="1167765"/>
+          </a:xfrm>
+          <a:prstGeom prst="rect">
+            <a:avLst/>
+          </a:prstGeom>
+          <a:solidFill>
+            <a:srgbClr val="FF9935"/>
+          </a:solidFill>
+          <a:ln>
+            <a:noFill/>
+          </a:ln>
+        </p:spPr>
+        <p:style>
+          <a:lnRef idx="2">
+            <a:schemeClr val="accent1">
+              <a:shade val="50000"/>
+            </a:schemeClr>
+          </a:lnRef>
+          <a:fillRef idx="1">
+            <a:schemeClr val="accent1"/>
+          </a:fillRef>
+          <a:effectRef idx="0">
+            <a:schemeClr val="accent1"/>
+          </a:effectRef>
+          <a:fontRef idx="minor">
+            <a:schemeClr val="lt1"/>
+          </a:fontRef>
+        </p:style>
+        <p:txBody>
+          <a:bodyPr rtlCol="0" anchor="ctr"/>
+          <a:lstStyle/>
+          <a:p>
+            <a:pPr algn="ctr"/>
+            <a:endParaRPr lang="zh-CN" altLang="en-US"/>
+          </a:p>
+        </p:txBody>
+      </p:sp>
+      <p:sp>
+        <p:nvSpPr>
+          <p:cNvPr id="10" name="文本框 9"/>
+          <p:cNvSpPr txBox="1"/>
+          <p:nvPr/>
+        </p:nvSpPr>
+        <p:spPr>
+          <a:xfrm>
+            <a:off x="514985" y="1403350"/>
+            <a:ext cx="3230880" cy="922020"/>
+          </a:xfrm>
+          <a:prstGeom prst="rect">
+            <a:avLst/>
+          </a:prstGeom>
+          <a:noFill/>
+        </p:spPr>
+        <p:txBody>
+          <a:bodyPr wrap="none" rtlCol="0">
+            <a:spAutoFit/>
+          </a:bodyPr>
+          <a:lstStyle/>
+          <a:p>
+            <a:pPr algn="dist"/>
+            <a:r>
+              <a:rPr lang="en-US" altLang="zh-CN" sz="5400" b="1">
+                <a:solidFill>
+                  <a:schemeClr val="bg1"/>
+                </a:solidFill>
+              </a:rPr>
+              <a:t>THANKS.</a:t>
+            </a:r>
+          </a:p>
+        </p:txBody>
+      </p:sp>
+    </p:spTree>
+    <p:custDataLst>
+      <p:tags r:id="rId1"/>
+    </p:custDataLst>
+  </p:cSld>
+  <p:clrMapOvr>
+    <a:masterClrMapping/>
+  </p:clrMapOvr>
+</p:sld>
+</file>
+
 <file path=ppt/slides/slide4.xml><?xml version="1.0" encoding="utf-8"?>
 <p:sld xmlns:a="http://schemas.openxmlformats.org/drawingml/2006/main" xmlns:r="http://schemas.openxmlformats.org/officeDocument/2006/relationships" xmlns:p="http://schemas.openxmlformats.org/presentationml/2006/main">
   <p:cSld>
@@ -6362,7 +11591,7 @@
         <p:spPr>
           <a:xfrm>
             <a:off x="515073" y="685165"/>
-            <a:ext cx="8513180" cy="4801314"/>
+            <a:ext cx="8513180" cy="4247317"/>
           </a:xfrm>
           <a:prstGeom prst="rect">
             <a:avLst/>
@@ -6617,31 +11846,6 @@
             <a:endParaRPr lang="en-US" altLang="zh-CN" dirty="0"/>
           </a:p>
           <a:p>
-            <a:endParaRPr lang="en-US" altLang="zh-CN" dirty="0"/>
-          </a:p>
-          <a:p>
-            <a:r>
-              <a:rPr lang="en-US" altLang="zh-CN" dirty="0"/>
-              <a:t>3</a:t>
-            </a:r>
-            <a:r>
-              <a:rPr lang="zh-CN" altLang="en-US" dirty="0"/>
-              <a:t>、虚拟</a:t>
-            </a:r>
-            <a:r>
-              <a:rPr lang="en-US" altLang="zh-CN" dirty="0"/>
-              <a:t>Dom</a:t>
-            </a:r>
-          </a:p>
-          <a:p>
-            <a:r>
-              <a:rPr lang="en-US" altLang="zh-CN" dirty="0"/>
-              <a:t>	</a:t>
-            </a:r>
-            <a:r>
-              <a:rPr lang="zh-CN" altLang="en-US" dirty="0"/>
-              <a:t>想一下怎么讲，画个图吧</a:t>
-            </a:r>
             <a:endParaRPr lang="en-US" altLang="zh-CN" dirty="0"/>
           </a:p>
           <a:p>
@@ -6764,7 +11968,7 @@
         <p:spPr>
           <a:xfrm>
             <a:off x="3379007" y="3540993"/>
-            <a:ext cx="4595150" cy="2308324"/>
+            <a:ext cx="4595150" cy="2062103"/>
           </a:xfrm>
           <a:prstGeom prst="rect">
             <a:avLst/>
@@ -7005,22 +12209,6 @@
                 <a:schemeClr val="bg2"/>
               </a:solidFill>
             </a:endParaRPr>
-          </a:p>
-          <a:p>
-            <a:pPr marL="285750" indent="-285750">
-              <a:buFont typeface="Arial" panose="020B0604020202020204" pitchFamily="34" charset="0"/>
-              <a:buChar char="•"/>
-            </a:pPr>
-            <a:r>
-              <a:rPr lang="zh-CN" altLang="en-US" sz="1600" dirty="0">
-                <a:solidFill>
-                  <a:schemeClr val="bg2"/>
-                </a:solidFill>
-                <a:sym typeface="+mn-ea"/>
-              </a:rPr>
-              <a:t>表单受控</a:t>
-            </a:r>
-            <a:endParaRPr lang="en-US" altLang="zh-CN" dirty="0"/>
           </a:p>
         </p:txBody>
       </p:sp>

--- a/PPT内容.pptx
+++ b/PPT内容.pptx
@@ -10802,7 +10802,7 @@
         </p:nvSpPr>
         <p:spPr>
           <a:xfrm>
-            <a:off x="3225941" y="3480096"/>
+            <a:off x="3115004" y="3517674"/>
             <a:ext cx="5054596" cy="645160"/>
           </a:xfrm>
           <a:prstGeom prst="rect">
@@ -10821,26 +10821,31 @@
               <a:buChar char="•"/>
             </a:pPr>
             <a:r>
+              <a:rPr lang="zh-CN" altLang="en-US" dirty="0">
+                <a:solidFill>
+                  <a:schemeClr val="bg2"/>
+                </a:solidFill>
+              </a:rPr>
+              <a:t>小结</a:t>
+            </a:r>
+            <a:endParaRPr lang="zh-CN" dirty="0">
+              <a:solidFill>
+                <a:schemeClr val="bg2"/>
+              </a:solidFill>
+            </a:endParaRPr>
+          </a:p>
+          <a:p>
+            <a:pPr marL="742950" lvl="1" indent="-285750">
+              <a:buFont typeface="Arial" panose="020B0604020202020204" pitchFamily="34" charset="0"/>
+              <a:buChar char="•"/>
+            </a:pPr>
+            <a:r>
               <a:rPr lang="zh-CN" dirty="0">
                 <a:solidFill>
                   <a:schemeClr val="bg2"/>
                 </a:solidFill>
               </a:rPr>
-              <a:t>开发规范</a:t>
-            </a:r>
-          </a:p>
-          <a:p>
-            <a:pPr marL="742950" lvl="1" indent="-285750">
-              <a:buFont typeface="Arial" panose="020B0604020202020204" pitchFamily="34" charset="0"/>
-              <a:buChar char="•"/>
-            </a:pPr>
-            <a:r>
-              <a:rPr lang="zh-CN" dirty="0">
-                <a:solidFill>
-                  <a:schemeClr val="bg2"/>
-                </a:solidFill>
-              </a:rPr>
-              <a:t>学习资源推荐</a:t>
+              <a:t>学习资源</a:t>
             </a:r>
           </a:p>
         </p:txBody>
@@ -10909,8 +10914,8 @@
         </p:nvSpPr>
         <p:spPr>
           <a:xfrm>
-            <a:off x="515073" y="685165"/>
-            <a:ext cx="7552481" cy="1754326"/>
+            <a:off x="546388" y="685165"/>
+            <a:ext cx="7552481" cy="4524315"/>
           </a:xfrm>
           <a:prstGeom prst="rect">
             <a:avLst/>
@@ -10929,49 +10934,55 @@
             </a:r>
             <a:r>
               <a:rPr lang="zh-CN" altLang="en-US" dirty="0"/>
-              <a:t>、</a:t>
-            </a:r>
-            <a:r>
-              <a:rPr lang="en-US" altLang="zh-CN" dirty="0"/>
-              <a:t>React</a:t>
-            </a:r>
-            <a:r>
-              <a:rPr lang="zh-CN" altLang="en-US" dirty="0"/>
-              <a:t>起源与发展</a:t>
-            </a:r>
-            <a:endParaRPr lang="en-US" altLang="zh-CN" dirty="0"/>
-          </a:p>
-          <a:p>
-            <a:r>
-              <a:rPr lang="en-US" altLang="zh-CN" b="1" i="0" dirty="0">
-                <a:effectLst/>
-              </a:rPr>
-              <a:t>      </a:t>
-            </a:r>
-            <a:r>
-              <a:rPr lang="en-US" altLang="zh-CN" dirty="0"/>
-              <a:t>2013 </a:t>
-            </a:r>
-            <a:r>
-              <a:rPr lang="zh-CN" altLang="en-US" dirty="0"/>
-              <a:t>年 </a:t>
-            </a:r>
-            <a:r>
-              <a:rPr lang="en-US" altLang="zh-CN" dirty="0"/>
-              <a:t>5 </a:t>
-            </a:r>
-            <a:r>
-              <a:rPr lang="zh-CN" altLang="en-US" dirty="0"/>
-              <a:t>月起源于 </a:t>
-            </a:r>
-            <a:r>
-              <a:rPr lang="en-US" altLang="zh-CN" dirty="0"/>
-              <a:t>Facebook </a:t>
-            </a:r>
-            <a:r>
-              <a:rPr lang="zh-CN" altLang="en-US" dirty="0"/>
-              <a:t>的内部项目</a:t>
-            </a:r>
+              <a:t>、小结</a:t>
+            </a:r>
+            <a:endParaRPr lang="en-US" altLang="zh-CN" dirty="0"/>
+          </a:p>
+          <a:p>
+            <a:r>
+              <a:rPr lang="en-US" altLang="zh-CN" dirty="0"/>
+              <a:t>     </a:t>
+            </a:r>
+            <a:r>
+              <a:rPr lang="zh-CN" altLang="en-US" dirty="0"/>
+              <a:t>本次培训对</a:t>
+            </a:r>
+            <a:r>
+              <a:rPr lang="en-US" altLang="zh-CN" dirty="0"/>
+              <a:t>react</a:t>
+            </a:r>
+            <a:r>
+              <a:rPr lang="zh-CN" altLang="en-US" dirty="0"/>
+              <a:t>基础知识、</a:t>
+            </a:r>
+            <a:r>
+              <a:rPr lang="en-US" altLang="zh-CN" dirty="0"/>
+              <a:t>hooks</a:t>
+            </a:r>
+            <a:r>
+              <a:rPr lang="zh-CN" altLang="en-US" dirty="0"/>
+              <a:t>、组件化开发、组件间通信、</a:t>
+            </a:r>
+            <a:r>
+              <a:rPr lang="en-US" altLang="zh-CN" dirty="0"/>
+              <a:t>ant design</a:t>
+            </a:r>
+            <a:r>
+              <a:rPr lang="zh-CN" altLang="en-US" dirty="0"/>
+              <a:t>简单的做了一些介绍，然后大家可以去看看官方文档或者慕课网，</a:t>
+            </a:r>
+            <a:r>
+              <a:rPr lang="en-US" altLang="zh-CN" dirty="0"/>
+              <a:t>b</a:t>
+            </a:r>
+            <a:r>
+              <a:rPr lang="zh-CN" altLang="en-US" dirty="0"/>
+              <a:t>站的一些视频。</a:t>
+            </a:r>
+            <a:endParaRPr lang="en-US" altLang="zh-CN" dirty="0"/>
+          </a:p>
+          <a:p>
+            <a:endParaRPr lang="en-US" altLang="zh-CN" dirty="0"/>
           </a:p>
           <a:p>
             <a:endParaRPr lang="en-US" altLang="zh-CN" dirty="0"/>
@@ -11014,9 +11025,95 @@
               <a:t>：</a:t>
             </a:r>
             <a:r>
-              <a:rPr lang="en-US" altLang="zh-CN" dirty="0"/>
+              <a:rPr lang="en-US" altLang="zh-CN" dirty="0">
+                <a:hlinkClick r:id="rId3"/>
+              </a:rPr>
               <a:t>https://react.docschina.org/reference/react/hooks</a:t>
             </a:r>
+            <a:endParaRPr lang="en-US" altLang="zh-CN" dirty="0"/>
+          </a:p>
+          <a:p>
+            <a:r>
+              <a:rPr lang="en-US" altLang="zh-CN" dirty="0"/>
+              <a:t>  Ant Design</a:t>
+            </a:r>
+            <a:r>
+              <a:rPr lang="zh-CN" altLang="en-US" dirty="0"/>
+              <a:t>：</a:t>
+            </a:r>
+            <a:r>
+              <a:rPr lang="en-US" altLang="zh-CN" dirty="0">
+                <a:hlinkClick r:id="rId4"/>
+              </a:rPr>
+              <a:t>https://ant-design.antgroup.com/index-cn</a:t>
+            </a:r>
+            <a:endParaRPr lang="en-US" altLang="zh-CN" dirty="0"/>
+          </a:p>
+          <a:p>
+            <a:r>
+              <a:rPr lang="en-US" altLang="zh-CN" dirty="0"/>
+              <a:t>  Ant Design Mobile</a:t>
+            </a:r>
+            <a:r>
+              <a:rPr lang="zh-CN" altLang="en-US" dirty="0"/>
+              <a:t>：</a:t>
+            </a:r>
+            <a:r>
+              <a:rPr lang="en-US" altLang="zh-CN" dirty="0">
+                <a:hlinkClick r:id="rId5"/>
+              </a:rPr>
+              <a:t>https://ant-design-mobile.antgroup.com/zh</a:t>
+            </a:r>
+            <a:endParaRPr lang="en-US" altLang="zh-CN" dirty="0"/>
+          </a:p>
+          <a:p>
+            <a:r>
+              <a:rPr lang="en-US" altLang="zh-CN" dirty="0"/>
+              <a:t>  </a:t>
+            </a:r>
+            <a:r>
+              <a:rPr lang="en-US" altLang="zh-CN" dirty="0" err="1"/>
+              <a:t>ProComponents</a:t>
+            </a:r>
+            <a:r>
+              <a:rPr lang="zh-CN" altLang="en-US" dirty="0"/>
+              <a:t>：</a:t>
+            </a:r>
+            <a:r>
+              <a:rPr lang="en-US" altLang="zh-CN" dirty="0">
+                <a:hlinkClick r:id="rId6"/>
+              </a:rPr>
+              <a:t>https://pro-components.antdigital.dev/</a:t>
+            </a:r>
+            <a:endParaRPr lang="en-US" altLang="zh-CN" dirty="0"/>
+          </a:p>
+          <a:p>
+            <a:r>
+              <a:rPr lang="en-US" altLang="zh-CN" dirty="0"/>
+              <a:t>  b</a:t>
+            </a:r>
+            <a:r>
+              <a:rPr lang="zh-CN" altLang="en-US" dirty="0"/>
+              <a:t>站</a:t>
+            </a:r>
+            <a:r>
+              <a:rPr lang="en-US" altLang="zh-CN" dirty="0"/>
+              <a:t>react</a:t>
+            </a:r>
+            <a:r>
+              <a:rPr lang="zh-CN" altLang="en-US" dirty="0"/>
+              <a:t>视频：</a:t>
+            </a:r>
+            <a:r>
+              <a:rPr lang="en-US" altLang="zh-CN" dirty="0">
+                <a:hlinkClick r:id="rId7"/>
+              </a:rPr>
+              <a:t>https://www.bilibili.com/video/BV1wy4y1D7JT/?spm_id_from=333.337.search-card.all.click&amp;vd_source=4d5c061fec36da1e35ddbcf17f07f1ee</a:t>
+            </a:r>
+            <a:endParaRPr lang="en-US" altLang="zh-CN" dirty="0"/>
+          </a:p>
+          <a:p>
+            <a:endParaRPr lang="en-US" altLang="zh-CN" dirty="0"/>
           </a:p>
         </p:txBody>
       </p:sp>

--- a/PPT内容.pptx
+++ b/PPT内容.pptx
@@ -5,7 +5,7 @@
     <p:sldMasterId id="2147483648" r:id="rId1"/>
   </p:sldMasterIdLst>
   <p:notesMasterIdLst>
-    <p:notesMasterId r:id="rId38"/>
+    <p:notesMasterId r:id="rId42"/>
   </p:notesMasterIdLst>
   <p:sldIdLst>
     <p:sldId id="422" r:id="rId2"/>
@@ -38,17 +38,21 @@
     <p:sldId id="457" r:id="rId29"/>
     <p:sldId id="458" r:id="rId30"/>
     <p:sldId id="459" r:id="rId31"/>
-    <p:sldId id="432" r:id="rId32"/>
-    <p:sldId id="434" r:id="rId33"/>
-    <p:sldId id="435" r:id="rId34"/>
-    <p:sldId id="439" r:id="rId35"/>
-    <p:sldId id="436" r:id="rId36"/>
-    <p:sldId id="357" r:id="rId37"/>
+    <p:sldId id="462" r:id="rId32"/>
+    <p:sldId id="432" r:id="rId33"/>
+    <p:sldId id="463" r:id="rId34"/>
+    <p:sldId id="434" r:id="rId35"/>
+    <p:sldId id="464" r:id="rId36"/>
+    <p:sldId id="465" r:id="rId37"/>
+    <p:sldId id="435" r:id="rId38"/>
+    <p:sldId id="439" r:id="rId39"/>
+    <p:sldId id="436" r:id="rId40"/>
+    <p:sldId id="357" r:id="rId41"/>
   </p:sldIdLst>
   <p:sldSz cx="9144000" cy="6858000" type="screen4x3"/>
   <p:notesSz cx="6858000" cy="9144000"/>
   <p:custDataLst>
-    <p:tags r:id="rId39"/>
+    <p:tags r:id="rId43"/>
   </p:custDataLst>
   <p:defaultTextStyle>
     <a:defPPr>
@@ -246,7 +250,7 @@
           <a:p>
             <a:fld id="{7F25A8C7-CC1A-4A08-9B4B-31F43B054C7F}" type="datetimeFigureOut">
               <a:rPr lang="zh-CN" altLang="en-US" smtClean="0"/>
-              <a:t>2024/1/1</a:t>
+              <a:t>2024/1/2</a:t>
             </a:fld>
             <a:endParaRPr lang="zh-CN" altLang="en-US"/>
           </a:p>
@@ -1935,6 +1939,543 @@
 </p:notes>
 </file>
 
+<file path=ppt/notesSlides/notesSlide23.xml><?xml version="1.0" encoding="utf-8"?>
+<p:notes xmlns:a="http://schemas.openxmlformats.org/drawingml/2006/main" xmlns:r="http://schemas.openxmlformats.org/officeDocument/2006/relationships" xmlns:p="http://schemas.openxmlformats.org/presentationml/2006/main">
+  <p:cSld>
+    <p:spTree>
+      <p:nvGrpSpPr>
+        <p:cNvPr id="1" name=""/>
+        <p:cNvGrpSpPr/>
+        <p:nvPr/>
+      </p:nvGrpSpPr>
+      <p:grpSpPr>
+        <a:xfrm>
+          <a:off x="0" y="0"/>
+          <a:ext cx="0" cy="0"/>
+          <a:chOff x="0" y="0"/>
+          <a:chExt cx="0" cy="0"/>
+        </a:xfrm>
+      </p:grpSpPr>
+      <p:sp>
+        <p:nvSpPr>
+          <p:cNvPr id="2" name="幻灯片图像占位符 1"/>
+          <p:cNvSpPr>
+            <a:spLocks noGrp="1" noRot="1" noChangeAspect="1"/>
+          </p:cNvSpPr>
+          <p:nvPr>
+            <p:ph type="sldImg"/>
+          </p:nvPr>
+        </p:nvSpPr>
+        <p:spPr/>
+      </p:sp>
+      <p:sp>
+        <p:nvSpPr>
+          <p:cNvPr id="3" name="备注占位符 2"/>
+          <p:cNvSpPr>
+            <a:spLocks noGrp="1"/>
+          </p:cNvSpPr>
+          <p:nvPr>
+            <p:ph type="body" idx="1"/>
+          </p:nvPr>
+        </p:nvSpPr>
+        <p:spPr/>
+        <p:txBody>
+          <a:bodyPr/>
+          <a:lstStyle/>
+          <a:p>
+            <a:r>
+              <a:rPr lang="en-US" altLang="zh-CN" dirty="0"/>
+              <a:t>[1]</a:t>
+            </a:r>
+            <a:r>
+              <a:rPr lang="zh-CN" altLang="en-US" dirty="0"/>
+              <a:t>其实还有一些第三方的其它方法可以进行组件通信的，比如</a:t>
+            </a:r>
+            <a:r>
+              <a:rPr lang="en-US" altLang="zh-CN" dirty="0" err="1"/>
+              <a:t>mobx</a:t>
+            </a:r>
+            <a:r>
+              <a:rPr lang="zh-CN" altLang="en-US" dirty="0"/>
+              <a:t>，</a:t>
+            </a:r>
+            <a:r>
+              <a:rPr lang="en-US" altLang="zh-CN" dirty="0"/>
+              <a:t>redux</a:t>
+            </a:r>
+            <a:r>
+              <a:rPr lang="zh-CN" altLang="en-US" dirty="0"/>
+              <a:t>，</a:t>
+            </a:r>
+            <a:r>
+              <a:rPr lang="en-US" altLang="zh-CN" dirty="0" err="1"/>
+              <a:t>umi</a:t>
+            </a:r>
+            <a:r>
+              <a:rPr lang="zh-CN" altLang="en-US" dirty="0"/>
+              <a:t>中的</a:t>
+            </a:r>
+            <a:r>
+              <a:rPr lang="en-US" altLang="zh-CN" dirty="0" err="1"/>
+              <a:t>useMedel</a:t>
+            </a:r>
+            <a:r>
+              <a:rPr lang="zh-CN" altLang="en-US" dirty="0"/>
+              <a:t>，</a:t>
+            </a:r>
+            <a:r>
+              <a:rPr lang="en-US" altLang="zh-CN" dirty="0" err="1"/>
+              <a:t>dva</a:t>
+            </a:r>
+            <a:r>
+              <a:rPr lang="zh-CN" altLang="en-US" dirty="0"/>
+              <a:t>等</a:t>
+            </a:r>
+          </a:p>
+        </p:txBody>
+      </p:sp>
+      <p:sp>
+        <p:nvSpPr>
+          <p:cNvPr id="4" name="灯片编号占位符 3"/>
+          <p:cNvSpPr>
+            <a:spLocks noGrp="1"/>
+          </p:cNvSpPr>
+          <p:nvPr>
+            <p:ph type="sldNum" sz="quarter" idx="5"/>
+          </p:nvPr>
+        </p:nvSpPr>
+        <p:spPr/>
+        <p:txBody>
+          <a:bodyPr/>
+          <a:lstStyle/>
+          <a:p>
+            <a:fld id="{F9E1B693-632D-4080-9CF6-EA28B66DC801}" type="slidenum">
+              <a:rPr lang="zh-CN" altLang="en-US" smtClean="0"/>
+              <a:t>31</a:t>
+            </a:fld>
+            <a:endParaRPr lang="zh-CN" altLang="en-US"/>
+          </a:p>
+        </p:txBody>
+      </p:sp>
+    </p:spTree>
+    <p:extLst>
+      <p:ext uri="{BB962C8B-B14F-4D97-AF65-F5344CB8AC3E}">
+        <p14:creationId xmlns:p14="http://schemas.microsoft.com/office/powerpoint/2010/main" val="4002968178"/>
+      </p:ext>
+    </p:extLst>
+  </p:cSld>
+  <p:clrMapOvr>
+    <a:masterClrMapping/>
+  </p:clrMapOvr>
+</p:notes>
+</file>
+
+<file path=ppt/notesSlides/notesSlide24.xml><?xml version="1.0" encoding="utf-8"?>
+<p:notes xmlns:a="http://schemas.openxmlformats.org/drawingml/2006/main" xmlns:r="http://schemas.openxmlformats.org/officeDocument/2006/relationships" xmlns:p="http://schemas.openxmlformats.org/presentationml/2006/main">
+  <p:cSld>
+    <p:spTree>
+      <p:nvGrpSpPr>
+        <p:cNvPr id="1" name=""/>
+        <p:cNvGrpSpPr/>
+        <p:nvPr/>
+      </p:nvGrpSpPr>
+      <p:grpSpPr>
+        <a:xfrm>
+          <a:off x="0" y="0"/>
+          <a:ext cx="0" cy="0"/>
+          <a:chOff x="0" y="0"/>
+          <a:chExt cx="0" cy="0"/>
+        </a:xfrm>
+      </p:grpSpPr>
+      <p:sp>
+        <p:nvSpPr>
+          <p:cNvPr id="2" name="幻灯片图像占位符 1"/>
+          <p:cNvSpPr>
+            <a:spLocks noGrp="1" noRot="1" noChangeAspect="1"/>
+          </p:cNvSpPr>
+          <p:nvPr>
+            <p:ph type="sldImg"/>
+          </p:nvPr>
+        </p:nvSpPr>
+        <p:spPr/>
+      </p:sp>
+      <p:sp>
+        <p:nvSpPr>
+          <p:cNvPr id="3" name="备注占位符 2"/>
+          <p:cNvSpPr>
+            <a:spLocks noGrp="1"/>
+          </p:cNvSpPr>
+          <p:nvPr>
+            <p:ph type="body" idx="1"/>
+          </p:nvPr>
+        </p:nvSpPr>
+        <p:spPr/>
+        <p:txBody>
+          <a:bodyPr/>
+          <a:lstStyle/>
+          <a:p>
+            <a:pPr marL="0" marR="0" lvl="0" indent="0" algn="l" defTabSz="914400" rtl="0" eaLnBrk="1" fontAlgn="auto" latinLnBrk="0" hangingPunct="1">
+              <a:lnSpc>
+                <a:spcPct val="100000"/>
+              </a:lnSpc>
+              <a:spcBef>
+                <a:spcPts val="0"/>
+              </a:spcBef>
+              <a:spcAft>
+                <a:spcPts val="0"/>
+              </a:spcAft>
+              <a:buClrTx/>
+              <a:buSzTx/>
+              <a:buFontTx/>
+              <a:buNone/>
+              <a:tabLst/>
+              <a:defRPr/>
+            </a:pPr>
+            <a:r>
+              <a:rPr lang="en-US" altLang="zh-CN" dirty="0"/>
+              <a:t>[1]</a:t>
+            </a:r>
+            <a:r>
+              <a:rPr lang="zh-CN" altLang="en-US" b="0" dirty="0">
+                <a:solidFill>
+                  <a:srgbClr val="6A9955"/>
+                </a:solidFill>
+                <a:effectLst/>
+                <a:latin typeface="Consolas" panose="020B0609020204030204" pitchFamily="49" charset="0"/>
+              </a:rPr>
+              <a:t>通过这个案例，我们对组件化开发、组件</a:t>
+            </a:r>
+            <a:r>
+              <a:rPr lang="en-US" altLang="zh-CN" b="0" dirty="0">
+                <a:solidFill>
+                  <a:srgbClr val="6A9955"/>
+                </a:solidFill>
+                <a:effectLst/>
+                <a:latin typeface="Consolas" panose="020B0609020204030204" pitchFamily="49" charset="0"/>
+              </a:rPr>
+              <a:t>props</a:t>
+            </a:r>
+            <a:r>
+              <a:rPr lang="zh-CN" altLang="en-US" b="0" dirty="0">
+                <a:solidFill>
+                  <a:srgbClr val="6A9955"/>
+                </a:solidFill>
+                <a:effectLst/>
+                <a:latin typeface="Consolas" panose="020B0609020204030204" pitchFamily="49" charset="0"/>
+              </a:rPr>
+              <a:t>传参、组件通信方式等知识进行了练习。那其实</a:t>
+            </a:r>
+            <a:r>
+              <a:rPr lang="en-US" altLang="zh-CN" b="0" dirty="0">
+                <a:solidFill>
+                  <a:srgbClr val="6A9955"/>
+                </a:solidFill>
+                <a:effectLst/>
+                <a:latin typeface="Consolas" panose="020B0609020204030204" pitchFamily="49" charset="0"/>
+              </a:rPr>
+              <a:t>react</a:t>
+            </a:r>
+            <a:r>
+              <a:rPr lang="zh-CN" altLang="en-US" b="0" dirty="0">
+                <a:solidFill>
+                  <a:srgbClr val="6A9955"/>
+                </a:solidFill>
+                <a:effectLst/>
+                <a:latin typeface="Consolas" panose="020B0609020204030204" pitchFamily="49" charset="0"/>
+              </a:rPr>
+              <a:t>也有对应的</a:t>
+            </a:r>
+            <a:r>
+              <a:rPr lang="en-US" altLang="zh-CN" b="0" dirty="0" err="1">
+                <a:solidFill>
+                  <a:srgbClr val="6A9955"/>
+                </a:solidFill>
+                <a:effectLst/>
+                <a:latin typeface="Consolas" panose="020B0609020204030204" pitchFamily="49" charset="0"/>
+              </a:rPr>
+              <a:t>ui</a:t>
+            </a:r>
+            <a:r>
+              <a:rPr lang="zh-CN" altLang="en-US" b="0" dirty="0">
+                <a:solidFill>
+                  <a:srgbClr val="6A9955"/>
+                </a:solidFill>
+                <a:effectLst/>
+                <a:latin typeface="Consolas" panose="020B0609020204030204" pitchFamily="49" charset="0"/>
+              </a:rPr>
+              <a:t>库</a:t>
+            </a:r>
+            <a:r>
+              <a:rPr lang="en-US" altLang="zh-CN" b="0" dirty="0" err="1">
+                <a:solidFill>
+                  <a:srgbClr val="6A9955"/>
+                </a:solidFill>
+                <a:effectLst/>
+                <a:latin typeface="Consolas" panose="020B0609020204030204" pitchFamily="49" charset="0"/>
+              </a:rPr>
+              <a:t>Antd</a:t>
+            </a:r>
+            <a:r>
+              <a:rPr lang="zh-CN" altLang="en-US" b="0" dirty="0">
+                <a:solidFill>
+                  <a:srgbClr val="6A9955"/>
+                </a:solidFill>
+                <a:effectLst/>
+                <a:latin typeface="Consolas" panose="020B0609020204030204" pitchFamily="49" charset="0"/>
+              </a:rPr>
+              <a:t>，下面来看看</a:t>
+            </a:r>
+            <a:endParaRPr lang="zh-CN" altLang="en-US" b="0" dirty="0">
+              <a:solidFill>
+                <a:srgbClr val="CCCCCC"/>
+              </a:solidFill>
+              <a:effectLst/>
+              <a:latin typeface="Consolas" panose="020B0609020204030204" pitchFamily="49" charset="0"/>
+            </a:endParaRPr>
+          </a:p>
+          <a:p>
+            <a:endParaRPr lang="zh-CN" altLang="en-US" dirty="0"/>
+          </a:p>
+        </p:txBody>
+      </p:sp>
+      <p:sp>
+        <p:nvSpPr>
+          <p:cNvPr id="4" name="灯片编号占位符 3"/>
+          <p:cNvSpPr>
+            <a:spLocks noGrp="1"/>
+          </p:cNvSpPr>
+          <p:nvPr>
+            <p:ph type="sldNum" sz="quarter" idx="5"/>
+          </p:nvPr>
+        </p:nvSpPr>
+        <p:spPr/>
+        <p:txBody>
+          <a:bodyPr/>
+          <a:lstStyle/>
+          <a:p>
+            <a:fld id="{F9E1B693-632D-4080-9CF6-EA28B66DC801}" type="slidenum">
+              <a:rPr lang="zh-CN" altLang="en-US" smtClean="0"/>
+              <a:t>33</a:t>
+            </a:fld>
+            <a:endParaRPr lang="zh-CN" altLang="en-US"/>
+          </a:p>
+        </p:txBody>
+      </p:sp>
+    </p:spTree>
+    <p:extLst>
+      <p:ext uri="{BB962C8B-B14F-4D97-AF65-F5344CB8AC3E}">
+        <p14:creationId xmlns:p14="http://schemas.microsoft.com/office/powerpoint/2010/main" val="2247963627"/>
+      </p:ext>
+    </p:extLst>
+  </p:cSld>
+  <p:clrMapOvr>
+    <a:masterClrMapping/>
+  </p:clrMapOvr>
+</p:notes>
+</file>
+
+<file path=ppt/notesSlides/notesSlide25.xml><?xml version="1.0" encoding="utf-8"?>
+<p:notes xmlns:a="http://schemas.openxmlformats.org/drawingml/2006/main" xmlns:r="http://schemas.openxmlformats.org/officeDocument/2006/relationships" xmlns:p="http://schemas.openxmlformats.org/presentationml/2006/main">
+  <p:cSld>
+    <p:spTree>
+      <p:nvGrpSpPr>
+        <p:cNvPr id="1" name=""/>
+        <p:cNvGrpSpPr/>
+        <p:nvPr/>
+      </p:nvGrpSpPr>
+      <p:grpSpPr>
+        <a:xfrm>
+          <a:off x="0" y="0"/>
+          <a:ext cx="0" cy="0"/>
+          <a:chOff x="0" y="0"/>
+          <a:chExt cx="0" cy="0"/>
+        </a:xfrm>
+      </p:grpSpPr>
+      <p:sp>
+        <p:nvSpPr>
+          <p:cNvPr id="2" name="幻灯片图像占位符 1"/>
+          <p:cNvSpPr>
+            <a:spLocks noGrp="1" noRot="1" noChangeAspect="1"/>
+          </p:cNvSpPr>
+          <p:nvPr>
+            <p:ph type="sldImg"/>
+          </p:nvPr>
+        </p:nvSpPr>
+        <p:spPr/>
+      </p:sp>
+      <p:sp>
+        <p:nvSpPr>
+          <p:cNvPr id="3" name="备注占位符 2"/>
+          <p:cNvSpPr>
+            <a:spLocks noGrp="1"/>
+          </p:cNvSpPr>
+          <p:nvPr>
+            <p:ph type="body" idx="1"/>
+          </p:nvPr>
+        </p:nvSpPr>
+        <p:spPr/>
+        <p:txBody>
+          <a:bodyPr/>
+          <a:lstStyle/>
+          <a:p>
+            <a:pPr marL="0" marR="0" lvl="0" indent="0" algn="l" defTabSz="914400" rtl="0" eaLnBrk="1" fontAlgn="auto" latinLnBrk="0" hangingPunct="1">
+              <a:lnSpc>
+                <a:spcPct val="100000"/>
+              </a:lnSpc>
+              <a:spcBef>
+                <a:spcPts val="0"/>
+              </a:spcBef>
+              <a:spcAft>
+                <a:spcPts val="0"/>
+              </a:spcAft>
+              <a:buClrTx/>
+              <a:buSzTx/>
+              <a:buFontTx/>
+              <a:buNone/>
+              <a:tabLst/>
+              <a:defRPr/>
+            </a:pPr>
+            <a:endParaRPr lang="zh-CN" altLang="en-US" dirty="0"/>
+          </a:p>
+        </p:txBody>
+      </p:sp>
+      <p:sp>
+        <p:nvSpPr>
+          <p:cNvPr id="4" name="灯片编号占位符 3"/>
+          <p:cNvSpPr>
+            <a:spLocks noGrp="1"/>
+          </p:cNvSpPr>
+          <p:nvPr>
+            <p:ph type="sldNum" sz="quarter" idx="5"/>
+          </p:nvPr>
+        </p:nvSpPr>
+        <p:spPr/>
+        <p:txBody>
+          <a:bodyPr/>
+          <a:lstStyle/>
+          <a:p>
+            <a:fld id="{F9E1B693-632D-4080-9CF6-EA28B66DC801}" type="slidenum">
+              <a:rPr lang="zh-CN" altLang="en-US" smtClean="0"/>
+              <a:t>35</a:t>
+            </a:fld>
+            <a:endParaRPr lang="zh-CN" altLang="en-US"/>
+          </a:p>
+        </p:txBody>
+      </p:sp>
+    </p:spTree>
+    <p:extLst>
+      <p:ext uri="{BB962C8B-B14F-4D97-AF65-F5344CB8AC3E}">
+        <p14:creationId xmlns:p14="http://schemas.microsoft.com/office/powerpoint/2010/main" val="932352610"/>
+      </p:ext>
+    </p:extLst>
+  </p:cSld>
+  <p:clrMapOvr>
+    <a:masterClrMapping/>
+  </p:clrMapOvr>
+</p:notes>
+</file>
+
+<file path=ppt/notesSlides/notesSlide26.xml><?xml version="1.0" encoding="utf-8"?>
+<p:notes xmlns:a="http://schemas.openxmlformats.org/drawingml/2006/main" xmlns:r="http://schemas.openxmlformats.org/officeDocument/2006/relationships" xmlns:p="http://schemas.openxmlformats.org/presentationml/2006/main">
+  <p:cSld>
+    <p:spTree>
+      <p:nvGrpSpPr>
+        <p:cNvPr id="1" name=""/>
+        <p:cNvGrpSpPr/>
+        <p:nvPr/>
+      </p:nvGrpSpPr>
+      <p:grpSpPr>
+        <a:xfrm>
+          <a:off x="0" y="0"/>
+          <a:ext cx="0" cy="0"/>
+          <a:chOff x="0" y="0"/>
+          <a:chExt cx="0" cy="0"/>
+        </a:xfrm>
+      </p:grpSpPr>
+      <p:sp>
+        <p:nvSpPr>
+          <p:cNvPr id="2" name="幻灯片图像占位符 1"/>
+          <p:cNvSpPr>
+            <a:spLocks noGrp="1" noRot="1" noChangeAspect="1"/>
+          </p:cNvSpPr>
+          <p:nvPr>
+            <p:ph type="sldImg"/>
+          </p:nvPr>
+        </p:nvSpPr>
+        <p:spPr/>
+      </p:sp>
+      <p:sp>
+        <p:nvSpPr>
+          <p:cNvPr id="3" name="备注占位符 2"/>
+          <p:cNvSpPr>
+            <a:spLocks noGrp="1"/>
+          </p:cNvSpPr>
+          <p:nvPr>
+            <p:ph type="body" idx="1"/>
+          </p:nvPr>
+        </p:nvSpPr>
+        <p:spPr/>
+        <p:txBody>
+          <a:bodyPr/>
+          <a:lstStyle/>
+          <a:p>
+            <a:pPr marL="0" marR="0" lvl="0" indent="0" algn="l" defTabSz="914400" rtl="0" eaLnBrk="1" fontAlgn="auto" latinLnBrk="0" hangingPunct="1">
+              <a:lnSpc>
+                <a:spcPct val="100000"/>
+              </a:lnSpc>
+              <a:spcBef>
+                <a:spcPts val="0"/>
+              </a:spcBef>
+              <a:spcAft>
+                <a:spcPts val="0"/>
+              </a:spcAft>
+              <a:buClrTx/>
+              <a:buSzTx/>
+              <a:buFontTx/>
+              <a:buNone/>
+              <a:tabLst/>
+              <a:defRPr/>
+            </a:pPr>
+            <a:endParaRPr lang="zh-CN" altLang="en-US" dirty="0"/>
+          </a:p>
+        </p:txBody>
+      </p:sp>
+      <p:sp>
+        <p:nvSpPr>
+          <p:cNvPr id="4" name="灯片编号占位符 3"/>
+          <p:cNvSpPr>
+            <a:spLocks noGrp="1"/>
+          </p:cNvSpPr>
+          <p:nvPr>
+            <p:ph type="sldNum" sz="quarter" idx="5"/>
+          </p:nvPr>
+        </p:nvSpPr>
+        <p:spPr/>
+        <p:txBody>
+          <a:bodyPr/>
+          <a:lstStyle/>
+          <a:p>
+            <a:fld id="{F9E1B693-632D-4080-9CF6-EA28B66DC801}" type="slidenum">
+              <a:rPr lang="zh-CN" altLang="en-US" smtClean="0"/>
+              <a:t>36</a:t>
+            </a:fld>
+            <a:endParaRPr lang="zh-CN" altLang="en-US"/>
+          </a:p>
+        </p:txBody>
+      </p:sp>
+    </p:spTree>
+    <p:extLst>
+      <p:ext uri="{BB962C8B-B14F-4D97-AF65-F5344CB8AC3E}">
+        <p14:creationId xmlns:p14="http://schemas.microsoft.com/office/powerpoint/2010/main" val="1196615466"/>
+      </p:ext>
+    </p:extLst>
+  </p:cSld>
+  <p:clrMapOvr>
+    <a:masterClrMapping/>
+  </p:clrMapOvr>
+</p:notes>
+</file>
+
 <file path=ppt/notesSlides/notesSlide3.xml><?xml version="1.0" encoding="utf-8"?>
 <p:notes xmlns:a="http://schemas.openxmlformats.org/drawingml/2006/main" xmlns:r="http://schemas.openxmlformats.org/officeDocument/2006/relationships" xmlns:p="http://schemas.openxmlformats.org/presentationml/2006/main">
   <p:cSld>
@@ -2808,7 +3349,7 @@
           <a:p>
             <a:fld id="{760FBDFE-C587-4B4C-A407-44438C67B59E}" type="datetimeFigureOut">
               <a:rPr lang="zh-CN" altLang="en-US" smtClean="0"/>
-              <a:t>2024/1/1</a:t>
+              <a:t>2024/1/2</a:t>
             </a:fld>
             <a:endParaRPr lang="zh-CN" altLang="en-US" dirty="0"/>
           </a:p>
@@ -2966,7 +3507,7 @@
           <a:p>
             <a:fld id="{D997B5FA-0921-464F-AAE1-844C04324D75}" type="datetimeFigureOut">
               <a:rPr lang="zh-CN" altLang="en-US" smtClean="0"/>
-              <a:t>2024/1/1</a:t>
+              <a:t>2024/1/2</a:t>
             </a:fld>
             <a:endParaRPr lang="zh-CN" altLang="en-US" dirty="0"/>
           </a:p>
@@ -3056,7 +3597,7 @@
           <a:p>
             <a:fld id="{D997B5FA-0921-464F-AAE1-844C04324D75}" type="datetimeFigureOut">
               <a:rPr lang="zh-CN" altLang="en-US" smtClean="0"/>
-              <a:t>2024/1/1</a:t>
+              <a:t>2024/1/2</a:t>
             </a:fld>
             <a:endParaRPr lang="zh-CN" altLang="en-US" dirty="0"/>
           </a:p>
@@ -3334,7 +3875,7 @@
           <a:p>
             <a:fld id="{D997B5FA-0921-464F-AAE1-844C04324D75}" type="datetimeFigureOut">
               <a:rPr lang="zh-CN" altLang="en-US" smtClean="0"/>
-              <a:t>2024/1/1</a:t>
+              <a:t>2024/1/2</a:t>
             </a:fld>
             <a:endParaRPr lang="zh-CN" altLang="en-US" dirty="0"/>
           </a:p>
@@ -3492,7 +4033,7 @@
           <a:p>
             <a:fld id="{D997B5FA-0921-464F-AAE1-844C04324D75}" type="datetimeFigureOut">
               <a:rPr lang="zh-CN" altLang="en-US" smtClean="0"/>
-              <a:t>2024/1/1</a:t>
+              <a:t>2024/1/2</a:t>
             </a:fld>
             <a:endParaRPr lang="zh-CN" altLang="en-US" dirty="0"/>
           </a:p>
@@ -3697,7 +4238,7 @@
           <a:p>
             <a:fld id="{D997B5FA-0921-464F-AAE1-844C04324D75}" type="datetimeFigureOut">
               <a:rPr lang="zh-CN" altLang="en-US" smtClean="0"/>
-              <a:t>2024/1/1</a:t>
+              <a:t>2024/1/2</a:t>
             </a:fld>
             <a:endParaRPr lang="zh-CN" altLang="en-US" dirty="0"/>
           </a:p>
@@ -7132,10 +7673,10 @@
       </p:sp>
       <p:pic>
         <p:nvPicPr>
-          <p:cNvPr id="6" name="图片 5">
+          <p:cNvPr id="5" name="图片 4">
             <a:extLst>
               <a:ext uri="{FF2B5EF4-FFF2-40B4-BE49-F238E27FC236}">
-                <a16:creationId xmlns:a16="http://schemas.microsoft.com/office/drawing/2014/main" id="{F8DEEA57-6EB9-3638-3061-03893322021D}"/>
+                <a16:creationId xmlns:a16="http://schemas.microsoft.com/office/drawing/2014/main" id="{1C5C0583-485E-6D37-0CE3-F64144A787B5}"/>
               </a:ext>
             </a:extLst>
           </p:cNvPr>
@@ -7152,8 +7693,8 @@
         </p:blipFill>
         <p:spPr>
           <a:xfrm>
-            <a:off x="5676332" y="601249"/>
-            <a:ext cx="3422548" cy="6036047"/>
+            <a:off x="5706205" y="685165"/>
+            <a:ext cx="3375383" cy="5960690"/>
           </a:xfrm>
           <a:prstGeom prst="rect">
             <a:avLst/>
@@ -7162,10 +7703,10 @@
       </p:pic>
       <p:pic>
         <p:nvPicPr>
-          <p:cNvPr id="8" name="图片 7">
+          <p:cNvPr id="9" name="图片 8">
             <a:extLst>
               <a:ext uri="{FF2B5EF4-FFF2-40B4-BE49-F238E27FC236}">
-                <a16:creationId xmlns:a16="http://schemas.microsoft.com/office/drawing/2014/main" id="{D1EBBB05-1B89-BFBA-CB8F-00F7D076FEA5}"/>
+                <a16:creationId xmlns:a16="http://schemas.microsoft.com/office/drawing/2014/main" id="{511EA729-3FA4-F26C-9FEA-64010E787F88}"/>
               </a:ext>
             </a:extLst>
           </p:cNvPr>
@@ -7182,8 +7723,8 @@
         </p:blipFill>
         <p:spPr>
           <a:xfrm>
-            <a:off x="2929535" y="1903956"/>
-            <a:ext cx="2671641" cy="4824562"/>
+            <a:off x="2337498" y="1870403"/>
+            <a:ext cx="3074766" cy="4078771"/>
           </a:xfrm>
           <a:prstGeom prst="rect">
             <a:avLst/>
@@ -7192,10 +7733,10 @@
       </p:pic>
       <p:pic>
         <p:nvPicPr>
-          <p:cNvPr id="10" name="图片 9">
+          <p:cNvPr id="12" name="图片 11">
             <a:extLst>
               <a:ext uri="{FF2B5EF4-FFF2-40B4-BE49-F238E27FC236}">
-                <a16:creationId xmlns:a16="http://schemas.microsoft.com/office/drawing/2014/main" id="{401C9B94-9C47-5201-80C3-A26CBD00ED92}"/>
+                <a16:creationId xmlns:a16="http://schemas.microsoft.com/office/drawing/2014/main" id="{243EFBB5-CA65-8A6F-2939-F0135F937A1D}"/>
               </a:ext>
             </a:extLst>
           </p:cNvPr>
@@ -7212,8 +7753,8 @@
         </p:blipFill>
         <p:spPr>
           <a:xfrm>
-            <a:off x="266479" y="3619272"/>
-            <a:ext cx="4305521" cy="1860646"/>
+            <a:off x="408462" y="5791160"/>
+            <a:ext cx="3753043" cy="1098606"/>
           </a:xfrm>
           <a:prstGeom prst="rect">
             <a:avLst/>
@@ -7290,7 +7831,7 @@
         <p:spPr>
           <a:xfrm>
             <a:off x="451962" y="685165"/>
-            <a:ext cx="4771391" cy="7294305"/>
+            <a:ext cx="4771391" cy="8956298"/>
           </a:xfrm>
           <a:prstGeom prst="rect">
             <a:avLst/>
@@ -7340,64 +7881,86 @@
               <a:buFont typeface="Arial" panose="020B0604020202020204" pitchFamily="34" charset="0"/>
               <a:buChar char="•"/>
             </a:pPr>
-            <a:endParaRPr lang="en-US" altLang="zh-CN" dirty="0"/>
-          </a:p>
-          <a:p>
-            <a:endParaRPr lang="en-US" altLang="zh-CN" dirty="0"/>
-          </a:p>
-          <a:p>
-            <a:endParaRPr lang="en-US" altLang="zh-CN" dirty="0"/>
-          </a:p>
-          <a:p>
-            <a:endParaRPr lang="en-US" altLang="zh-CN" dirty="0"/>
-          </a:p>
-          <a:p>
-            <a:endParaRPr lang="en-US" altLang="zh-CN" dirty="0"/>
-          </a:p>
-          <a:p>
-            <a:endParaRPr lang="en-US" altLang="zh-CN" dirty="0"/>
-          </a:p>
-          <a:p>
-            <a:endParaRPr lang="en-US" altLang="zh-CN" dirty="0"/>
-          </a:p>
-          <a:p>
-            <a:endParaRPr lang="en-US" altLang="zh-CN" dirty="0"/>
-          </a:p>
-          <a:p>
-            <a:endParaRPr lang="en-US" altLang="zh-CN" dirty="0"/>
-          </a:p>
-          <a:p>
-            <a:endParaRPr lang="en-US" altLang="zh-CN" dirty="0"/>
-          </a:p>
-          <a:p>
-            <a:endParaRPr lang="en-US" altLang="zh-CN" dirty="0"/>
-          </a:p>
-          <a:p>
-            <a:endParaRPr lang="en-US" altLang="zh-CN" dirty="0"/>
-          </a:p>
-          <a:p>
-            <a:endParaRPr lang="en-US" altLang="zh-CN" dirty="0"/>
-          </a:p>
-          <a:p>
-            <a:endParaRPr lang="en-US" altLang="zh-CN" dirty="0"/>
-          </a:p>
-          <a:p>
-            <a:endParaRPr lang="en-US" altLang="zh-CN" dirty="0"/>
-          </a:p>
-          <a:p>
-            <a:endParaRPr lang="en-US" altLang="zh-CN" dirty="0"/>
-          </a:p>
-          <a:p>
-            <a:endParaRPr lang="en-US" altLang="zh-CN" dirty="0"/>
-          </a:p>
-          <a:p>
-            <a:endParaRPr lang="en-US" altLang="zh-CN" dirty="0"/>
-          </a:p>
-          <a:p>
-            <a:endParaRPr lang="en-US" altLang="zh-CN" dirty="0"/>
-          </a:p>
-          <a:p>
-            <a:endParaRPr lang="zh-CN" altLang="en-US" dirty="0"/>
+            <a:r>
+              <a:rPr lang="zh-CN" altLang="en-US" dirty="0"/>
+              <a:t>通过表单的 </a:t>
+            </a:r>
+            <a:r>
+              <a:rPr lang="en-US" altLang="zh-CN" dirty="0"/>
+              <a:t>value </a:t>
+            </a:r>
+            <a:r>
+              <a:rPr lang="zh-CN" altLang="en-US" dirty="0"/>
+              <a:t>属性以及 </a:t>
+            </a:r>
+            <a:r>
+              <a:rPr lang="en-US" altLang="zh-CN" dirty="0" err="1"/>
+              <a:t>onChange</a:t>
+            </a:r>
+            <a:r>
+              <a:rPr lang="en-US" altLang="zh-CN" dirty="0"/>
+              <a:t> </a:t>
+            </a:r>
+            <a:r>
+              <a:rPr lang="zh-CN" altLang="en-US" dirty="0"/>
+              <a:t>事件，</a:t>
+            </a:r>
+            <a:r>
+              <a:rPr lang="en-US" altLang="zh-CN" dirty="0"/>
+              <a:t>value </a:t>
+            </a:r>
+            <a:r>
+              <a:rPr lang="zh-CN" altLang="en-US" dirty="0"/>
+              <a:t>的值由 </a:t>
+            </a:r>
+            <a:r>
+              <a:rPr lang="en-US" altLang="zh-CN" dirty="0"/>
+              <a:t>state </a:t>
+            </a:r>
+            <a:r>
+              <a:rPr lang="zh-CN" altLang="en-US" dirty="0"/>
+              <a:t>控制，调用 </a:t>
+            </a:r>
+            <a:r>
+              <a:rPr lang="en-US" altLang="zh-CN" dirty="0" err="1"/>
+              <a:t>onChange</a:t>
+            </a:r>
+            <a:r>
+              <a:rPr lang="en-US" altLang="zh-CN" dirty="0"/>
+              <a:t> </a:t>
+            </a:r>
+            <a:r>
+              <a:rPr lang="zh-CN" altLang="en-US" dirty="0"/>
+              <a:t>去修改 </a:t>
+            </a:r>
+            <a:r>
+              <a:rPr lang="en-US" altLang="zh-CN" dirty="0"/>
+              <a:t>state </a:t>
+            </a:r>
+            <a:r>
+              <a:rPr lang="zh-CN" altLang="en-US" dirty="0"/>
+              <a:t>的值，</a:t>
+            </a:r>
+            <a:r>
+              <a:rPr lang="en-US" altLang="zh-CN" dirty="0" err="1"/>
+              <a:t>setState</a:t>
+            </a:r>
+            <a:r>
+              <a:rPr lang="en-US" altLang="zh-CN" dirty="0"/>
+              <a:t> </a:t>
+            </a:r>
+            <a:r>
+              <a:rPr lang="zh-CN" altLang="en-US" dirty="0"/>
+              <a:t>每次改变都会引起 </a:t>
+            </a:r>
+            <a:r>
+              <a:rPr lang="en-US" altLang="zh-CN" dirty="0"/>
+              <a:t>render </a:t>
+            </a:r>
+            <a:r>
+              <a:rPr lang="zh-CN" altLang="en-US" dirty="0"/>
+              <a:t>重新渲染，所以表单拿到的永远是你输入的最新值。</a:t>
+            </a:r>
           </a:p>
           <a:p>
             <a:pPr marL="285750" indent="-285750">
@@ -7413,10 +7976,104 @@
             <a:endParaRPr lang="en-US" altLang="zh-CN" dirty="0"/>
           </a:p>
           <a:p>
+            <a:endParaRPr lang="en-US" altLang="zh-CN" dirty="0"/>
+          </a:p>
+          <a:p>
+            <a:endParaRPr lang="en-US" altLang="zh-CN" dirty="0"/>
+          </a:p>
+          <a:p>
+            <a:endParaRPr lang="en-US" altLang="zh-CN" dirty="0"/>
+          </a:p>
+          <a:p>
+            <a:endParaRPr lang="en-US" altLang="zh-CN" dirty="0"/>
+          </a:p>
+          <a:p>
+            <a:endParaRPr lang="en-US" altLang="zh-CN" dirty="0"/>
+          </a:p>
+          <a:p>
+            <a:endParaRPr lang="en-US" altLang="zh-CN" dirty="0"/>
+          </a:p>
+          <a:p>
+            <a:endParaRPr lang="en-US" altLang="zh-CN" dirty="0"/>
+          </a:p>
+          <a:p>
+            <a:endParaRPr lang="en-US" altLang="zh-CN" dirty="0"/>
+          </a:p>
+          <a:p>
+            <a:endParaRPr lang="en-US" altLang="zh-CN" dirty="0"/>
+          </a:p>
+          <a:p>
+            <a:endParaRPr lang="en-US" altLang="zh-CN" dirty="0"/>
+          </a:p>
+          <a:p>
+            <a:endParaRPr lang="en-US" altLang="zh-CN" dirty="0"/>
+          </a:p>
+          <a:p>
+            <a:endParaRPr lang="en-US" altLang="zh-CN" dirty="0"/>
+          </a:p>
+          <a:p>
+            <a:endParaRPr lang="en-US" altLang="zh-CN" dirty="0"/>
+          </a:p>
+          <a:p>
+            <a:endParaRPr lang="en-US" altLang="zh-CN" dirty="0"/>
+          </a:p>
+          <a:p>
+            <a:endParaRPr lang="en-US" altLang="zh-CN" dirty="0"/>
+          </a:p>
+          <a:p>
+            <a:endParaRPr lang="en-US" altLang="zh-CN" dirty="0"/>
+          </a:p>
+          <a:p>
             <a:endParaRPr lang="zh-CN" altLang="en-US" dirty="0"/>
           </a:p>
-        </p:txBody>
-      </p:sp>
+          <a:p>
+            <a:pPr marL="285750" indent="-285750">
+              <a:buFont typeface="Arial" panose="020B0604020202020204" pitchFamily="34" charset="0"/>
+              <a:buChar char="•"/>
+            </a:pPr>
+            <a:endParaRPr lang="en-US" altLang="zh-CN" dirty="0"/>
+          </a:p>
+          <a:p>
+            <a:endParaRPr lang="en-US" altLang="zh-CN" dirty="0"/>
+          </a:p>
+          <a:p>
+            <a:endParaRPr lang="en-US" altLang="zh-CN" dirty="0"/>
+          </a:p>
+          <a:p>
+            <a:endParaRPr lang="zh-CN" altLang="en-US" dirty="0"/>
+          </a:p>
+        </p:txBody>
+      </p:sp>
+      <p:pic>
+        <p:nvPicPr>
+          <p:cNvPr id="5" name="图片 4">
+            <a:extLst>
+              <a:ext uri="{FF2B5EF4-FFF2-40B4-BE49-F238E27FC236}">
+                <a16:creationId xmlns:a16="http://schemas.microsoft.com/office/drawing/2014/main" id="{41B53D44-80A7-BA82-DA0C-F2D36ABC2531}"/>
+              </a:ext>
+            </a:extLst>
+          </p:cNvPr>
+          <p:cNvPicPr>
+            <a:picLocks noChangeAspect="1"/>
+          </p:cNvPicPr>
+          <p:nvPr/>
+        </p:nvPicPr>
+        <p:blipFill>
+          <a:blip r:embed="rId3"/>
+          <a:stretch>
+            <a:fillRect/>
+          </a:stretch>
+        </p:blipFill>
+        <p:spPr>
+          <a:xfrm>
+            <a:off x="4178218" y="2573906"/>
+            <a:ext cx="4896102" cy="4127712"/>
+          </a:xfrm>
+          <a:prstGeom prst="rect">
+            <a:avLst/>
+          </a:prstGeom>
+        </p:spPr>
+      </p:pic>
     </p:spTree>
     <p:extLst>
       <p:ext uri="{BB962C8B-B14F-4D97-AF65-F5344CB8AC3E}">
@@ -7802,7 +8459,7 @@
         <p:spPr>
           <a:xfrm>
             <a:off x="2957331" y="3429000"/>
-            <a:ext cx="4595150" cy="1076325"/>
+            <a:ext cx="4595150" cy="830997"/>
           </a:xfrm>
           <a:prstGeom prst="rect">
             <a:avLst/>
@@ -7843,24 +8500,7 @@
             </a:r>
           </a:p>
           <a:p>
-            <a:pPr marL="742950" lvl="1" indent="-285750">
-              <a:buFont typeface="Arial" panose="020B0604020202020204" pitchFamily="34" charset="0"/>
-              <a:buChar char="•"/>
-            </a:pPr>
-            <a:r>
-              <a:rPr lang="zh-CN" sz="1600" dirty="0">
-                <a:solidFill>
-                  <a:schemeClr val="bg2"/>
-                </a:solidFill>
-              </a:rPr>
-              <a:t>路由</a:t>
-            </a:r>
-          </a:p>
-          <a:p>
-            <a:pPr marL="742950" lvl="1" indent="-285750">
-              <a:buFont typeface="Arial" panose="020B0604020202020204" pitchFamily="34" charset="0"/>
-              <a:buChar char="•"/>
-            </a:pPr>
+            <a:pPr lvl="1"/>
             <a:endParaRPr lang="en-US" altLang="zh-CN" sz="1600" dirty="0">
               <a:solidFill>
                 <a:schemeClr val="bg2"/>
@@ -10315,14 +10955,51 @@
       </p:grpSpPr>
       <p:sp>
         <p:nvSpPr>
-          <p:cNvPr id="4" name="文本框 3"/>
+          <p:cNvPr id="2" name="标题 1"/>
+          <p:cNvSpPr>
+            <a:spLocks noGrp="1"/>
+          </p:cNvSpPr>
+          <p:nvPr>
+            <p:ph type="title"/>
+          </p:nvPr>
+        </p:nvSpPr>
+        <p:spPr/>
+        <p:txBody>
+          <a:bodyPr/>
+          <a:lstStyle/>
+          <a:p>
+            <a:r>
+              <a:rPr lang="en-US" altLang="zh-CN" dirty="0"/>
+              <a:t>React</a:t>
+            </a:r>
+            <a:r>
+              <a:rPr lang="zh-CN" altLang="en-US" dirty="0"/>
+              <a:t>进阶</a:t>
+            </a:r>
+            <a:endParaRPr lang="zh-CN" altLang="en-US" sz="2400" b="1" dirty="0">
+              <a:solidFill>
+                <a:schemeClr val="tx1"/>
+              </a:solidFill>
+            </a:endParaRPr>
+          </a:p>
+        </p:txBody>
+      </p:sp>
+      <p:sp>
+        <p:nvSpPr>
+          <p:cNvPr id="3" name="文本框 2">
+            <a:extLst>
+              <a:ext uri="{FF2B5EF4-FFF2-40B4-BE49-F238E27FC236}">
+                <a16:creationId xmlns:a16="http://schemas.microsoft.com/office/drawing/2014/main" id="{2D8317DA-A896-C16B-5BC0-C4A9FD1F7426}"/>
+              </a:ext>
+            </a:extLst>
+          </p:cNvPr>
           <p:cNvSpPr txBox="1"/>
           <p:nvPr/>
         </p:nvSpPr>
         <p:spPr>
           <a:xfrm>
-            <a:off x="1455575" y="2251392"/>
-            <a:ext cx="1766830" cy="1862048"/>
+            <a:off x="401351" y="603746"/>
+            <a:ext cx="8348079" cy="5355312"/>
           </a:xfrm>
           <a:prstGeom prst="rect">
             <a:avLst/>
@@ -10330,108 +11007,105 @@
           <a:noFill/>
         </p:spPr>
         <p:txBody>
-          <a:bodyPr wrap="none" rtlCol="0">
+          <a:bodyPr wrap="square" rtlCol="0">
             <a:spAutoFit/>
           </a:bodyPr>
           <a:lstStyle/>
           <a:p>
-            <a:pPr algn="ctr"/>
-            <a:r>
-              <a:rPr lang="en-US" altLang="zh-CN" sz="11500" dirty="0">
-                <a:solidFill>
-                  <a:srgbClr val="FF9933"/>
-                </a:solidFill>
-                <a:latin typeface="Impact" panose="020B0806030902050204" pitchFamily="34" charset="0"/>
-              </a:rPr>
-              <a:t>05</a:t>
-            </a:r>
-          </a:p>
-        </p:txBody>
-      </p:sp>
-      <p:sp>
-        <p:nvSpPr>
-          <p:cNvPr id="5" name="文本框 4"/>
-          <p:cNvSpPr txBox="1"/>
-          <p:nvPr/>
-        </p:nvSpPr>
-        <p:spPr>
-          <a:xfrm>
-            <a:off x="3226435" y="2465070"/>
-            <a:ext cx="4900295" cy="1014730"/>
-          </a:xfrm>
-          <a:prstGeom prst="rect">
-            <a:avLst/>
-          </a:prstGeom>
-          <a:noFill/>
-        </p:spPr>
-        <p:txBody>
-          <a:bodyPr wrap="square" rtlCol="0">
-            <a:spAutoFit/>
-            <a:scene3d>
-              <a:camera prst="orthographicFront"/>
-              <a:lightRig rig="threePt" dir="t"/>
-            </a:scene3d>
-            <a:sp3d contourW="12700"/>
-          </a:bodyPr>
-          <a:lstStyle/>
-          <a:p>
-            <a:r>
-              <a:rPr lang="zh-CN" altLang="en-US" sz="6000" b="1" dirty="0">
-                <a:solidFill>
-                  <a:schemeClr val="tx1"/>
-                </a:solidFill>
-              </a:rPr>
-              <a:t>实践演练</a:t>
-            </a:r>
-            <a:r>
-              <a:rPr lang="en-US" altLang="zh-CN" sz="6000" b="1" dirty="0">
-                <a:solidFill>
-                  <a:schemeClr val="tx1"/>
-                </a:solidFill>
-              </a:rPr>
+            <a:r>
+              <a:rPr lang="en-US" altLang="zh-CN" dirty="0"/>
               <a:t>2</a:t>
             </a:r>
-          </a:p>
-        </p:txBody>
-      </p:sp>
-      <p:sp>
-        <p:nvSpPr>
-          <p:cNvPr id="3" name="文本框 2"/>
-          <p:cNvSpPr txBox="1"/>
-          <p:nvPr/>
-        </p:nvSpPr>
-        <p:spPr>
-          <a:xfrm>
-            <a:off x="2929842" y="3562638"/>
-            <a:ext cx="4574892" cy="369332"/>
-          </a:xfrm>
-          <a:prstGeom prst="rect">
-            <a:avLst/>
-          </a:prstGeom>
-          <a:noFill/>
-        </p:spPr>
-        <p:txBody>
-          <a:bodyPr wrap="square">
-            <a:spAutoFit/>
-          </a:bodyPr>
-          <a:lstStyle/>
-          <a:p>
-            <a:pPr marL="742950" lvl="1" indent="-285750">
+            <a:r>
+              <a:rPr lang="zh-CN" altLang="en-US" dirty="0"/>
+              <a:t>、</a:t>
+            </a:r>
+            <a:r>
+              <a:rPr lang="en-US" altLang="zh-CN" dirty="0"/>
+              <a:t> </a:t>
+            </a:r>
+            <a:r>
+              <a:rPr lang="zh-CN" altLang="en-US" dirty="0"/>
+              <a:t>组件通信方式</a:t>
+            </a:r>
+            <a:endParaRPr lang="en-US" altLang="zh-CN" dirty="0"/>
+          </a:p>
+          <a:p>
+            <a:r>
+              <a:rPr lang="en-US" altLang="zh-CN" dirty="0"/>
+              <a:t>                              </a:t>
+            </a:r>
+          </a:p>
+          <a:p>
+            <a:r>
+              <a:rPr lang="zh-CN" altLang="en-US" dirty="0"/>
+              <a:t>全局状态管理</a:t>
+            </a:r>
+            <a:r>
+              <a:rPr lang="en-US" altLang="zh-CN" dirty="0"/>
+              <a:t>[1]</a:t>
+            </a:r>
+          </a:p>
+          <a:p>
+            <a:endParaRPr lang="en-US" altLang="zh-CN" dirty="0"/>
+          </a:p>
+          <a:p>
+            <a:endParaRPr lang="en-US" altLang="zh-CN" dirty="0"/>
+          </a:p>
+          <a:p>
+            <a:endParaRPr lang="en-US" altLang="zh-CN" dirty="0"/>
+          </a:p>
+          <a:p>
+            <a:endParaRPr lang="en-US" altLang="zh-CN" dirty="0"/>
+          </a:p>
+          <a:p>
+            <a:endParaRPr lang="en-US" altLang="zh-CN" dirty="0"/>
+          </a:p>
+          <a:p>
+            <a:endParaRPr lang="en-US" altLang="zh-CN" dirty="0"/>
+          </a:p>
+          <a:p>
+            <a:endParaRPr lang="en-US" altLang="zh-CN" dirty="0"/>
+          </a:p>
+          <a:p>
+            <a:endParaRPr lang="en-US" altLang="zh-CN" dirty="0"/>
+          </a:p>
+          <a:p>
+            <a:endParaRPr lang="en-US" altLang="zh-CN" dirty="0"/>
+          </a:p>
+          <a:p>
+            <a:endParaRPr lang="en-US" altLang="zh-CN" dirty="0"/>
+          </a:p>
+          <a:p>
+            <a:endParaRPr lang="en-US" altLang="zh-CN" dirty="0"/>
+          </a:p>
+          <a:p>
+            <a:endParaRPr lang="zh-CN" altLang="en-US" dirty="0"/>
+          </a:p>
+          <a:p>
+            <a:pPr marL="285750" indent="-285750">
               <a:buFont typeface="Arial" panose="020B0604020202020204" pitchFamily="34" charset="0"/>
               <a:buChar char="•"/>
             </a:pPr>
-            <a:r>
-              <a:rPr lang="zh-CN" altLang="en-US" dirty="0">
-                <a:solidFill>
-                  <a:schemeClr val="bg2"/>
-                </a:solidFill>
-              </a:rPr>
-              <a:t>组件复用场景</a:t>
-            </a:r>
+            <a:endParaRPr lang="en-US" altLang="zh-CN" dirty="0"/>
+          </a:p>
+          <a:p>
+            <a:endParaRPr lang="en-US" altLang="zh-CN" dirty="0"/>
+          </a:p>
+          <a:p>
+            <a:endParaRPr lang="en-US" altLang="zh-CN" dirty="0"/>
+          </a:p>
+          <a:p>
+            <a:endParaRPr lang="zh-CN" altLang="en-US" dirty="0"/>
           </a:p>
         </p:txBody>
       </p:sp>
     </p:spTree>
+    <p:extLst>
+      <p:ext uri="{BB962C8B-B14F-4D97-AF65-F5344CB8AC3E}">
+        <p14:creationId xmlns:p14="http://schemas.microsoft.com/office/powerpoint/2010/main" val="1391756237"/>
+      </p:ext>
+    </p:extLst>
   </p:cSld>
   <p:clrMapOvr>
     <a:masterClrMapping/>
@@ -10464,8 +11138,8 @@
         </p:nvSpPr>
         <p:spPr>
           <a:xfrm>
-            <a:off x="1452369" y="2251392"/>
-            <a:ext cx="1773242" cy="1862048"/>
+            <a:off x="1455575" y="2251392"/>
+            <a:ext cx="1766830" cy="1862048"/>
           </a:xfrm>
           <a:prstGeom prst="rect">
             <a:avLst/>
@@ -10486,7 +11160,7 @@
                 </a:solidFill>
                 <a:latin typeface="Impact" panose="020B0806030902050204" pitchFamily="34" charset="0"/>
               </a:rPr>
-              <a:t>06</a:t>
+              <a:t>05</a:t>
             </a:r>
           </a:p>
         </p:txBody>
@@ -10499,8 +11173,8 @@
         </p:nvSpPr>
         <p:spPr>
           <a:xfrm>
-            <a:off x="3225800" y="2160270"/>
-            <a:ext cx="5217160" cy="1753235"/>
+            <a:off x="3226435" y="2465070"/>
+            <a:ext cx="4900295" cy="1014730"/>
           </a:xfrm>
           <a:prstGeom prst="rect">
             <a:avLst/>
@@ -10519,31 +11193,34 @@
           <a:lstStyle/>
           <a:p>
             <a:r>
-              <a:rPr lang="en-US" altLang="zh-CN" sz="5400" b="1" dirty="0" err="1"/>
-              <a:t>Ant</a:t>
-            </a:r>
-            <a:r>
-              <a:rPr lang="en-US" altLang="zh-CN" sz="5400" b="1" dirty="0"/>
-              <a:t> Design &amp; Procomponent</a:t>
-            </a:r>
-            <a:endParaRPr lang="zh-CN" altLang="en-US" sz="5400" b="1" dirty="0">
-              <a:solidFill>
-                <a:schemeClr val="tx1"/>
-              </a:solidFill>
-            </a:endParaRPr>
-          </a:p>
-        </p:txBody>
-      </p:sp>
-      <p:sp>
-        <p:nvSpPr>
-          <p:cNvPr id="2" name="文本框 1"/>
+              <a:rPr lang="zh-CN" altLang="en-US" sz="6000" b="1" dirty="0">
+                <a:solidFill>
+                  <a:schemeClr val="tx1"/>
+                </a:solidFill>
+              </a:rPr>
+              <a:t>实践演练</a:t>
+            </a:r>
+            <a:r>
+              <a:rPr lang="en-US" altLang="zh-CN" sz="6000" b="1" dirty="0">
+                <a:solidFill>
+                  <a:schemeClr val="tx1"/>
+                </a:solidFill>
+              </a:rPr>
+              <a:t>2</a:t>
+            </a:r>
+          </a:p>
+        </p:txBody>
+      </p:sp>
+      <p:sp>
+        <p:nvSpPr>
+          <p:cNvPr id="3" name="文本框 2"/>
           <p:cNvSpPr txBox="1"/>
           <p:nvPr/>
         </p:nvSpPr>
         <p:spPr>
           <a:xfrm>
-            <a:off x="3225941" y="3913801"/>
-            <a:ext cx="5054596" cy="1476375"/>
+            <a:off x="2929842" y="3562638"/>
+            <a:ext cx="4574892" cy="369332"/>
           </a:xfrm>
           <a:prstGeom prst="rect">
             <a:avLst/>
@@ -10566,129 +11243,8 @@
                   <a:schemeClr val="bg2"/>
                 </a:solidFill>
               </a:rPr>
-              <a:t>文档阅读</a:t>
-            </a:r>
-            <a:endParaRPr lang="en-US" altLang="zh-CN" dirty="0">
-              <a:solidFill>
-                <a:schemeClr val="bg2"/>
-              </a:solidFill>
-            </a:endParaRPr>
-          </a:p>
-          <a:p>
-            <a:pPr marL="742950" lvl="1" indent="-285750">
-              <a:buFont typeface="Arial" panose="020B0604020202020204" pitchFamily="34" charset="0"/>
-              <a:buChar char="•"/>
-            </a:pPr>
-            <a:r>
-              <a:rPr lang="zh-CN" altLang="en-US" dirty="0">
-                <a:solidFill>
-                  <a:schemeClr val="bg2"/>
-                </a:solidFill>
-              </a:rPr>
-              <a:t>介绍常用的蚂蚁组件，实践演练</a:t>
-            </a:r>
-          </a:p>
-          <a:p>
-            <a:pPr marL="742950" lvl="1" indent="-285750">
-              <a:buFont typeface="Arial" panose="020B0604020202020204" pitchFamily="34" charset="0"/>
-              <a:buChar char="•"/>
-            </a:pPr>
-            <a:r>
-              <a:rPr lang="zh-CN" altLang="en-US" dirty="0">
-                <a:solidFill>
-                  <a:schemeClr val="bg2"/>
-                </a:solidFill>
-              </a:rPr>
-              <a:t>修改蚂蚁组件的样式</a:t>
-            </a:r>
-            <a:r>
-              <a:rPr lang="en-US" altLang="zh-CN" dirty="0">
-                <a:solidFill>
-                  <a:schemeClr val="bg2"/>
-                </a:solidFill>
-              </a:rPr>
-              <a:t> </a:t>
-            </a:r>
-            <a:r>
-              <a:rPr lang="zh-CN" altLang="en-US" dirty="0">
-                <a:solidFill>
-                  <a:schemeClr val="bg2"/>
-                </a:solidFill>
-              </a:rPr>
-              <a:t>【挂在</a:t>
-            </a:r>
-            <a:r>
-              <a:rPr lang="en-US" altLang="zh-CN" dirty="0">
-                <a:solidFill>
-                  <a:schemeClr val="bg2"/>
-                </a:solidFill>
-              </a:rPr>
-              <a:t>React.Portal</a:t>
-            </a:r>
-            <a:r>
-              <a:rPr lang="zh-CN" altLang="en-US" dirty="0">
-                <a:solidFill>
-                  <a:schemeClr val="bg2"/>
-                </a:solidFill>
-              </a:rPr>
-              <a:t>的特殊点】</a:t>
-            </a:r>
-            <a:endParaRPr lang="en-US" altLang="zh-CN" dirty="0">
-              <a:solidFill>
-                <a:schemeClr val="bg2"/>
-              </a:solidFill>
-            </a:endParaRPr>
-          </a:p>
-          <a:p>
-            <a:pPr marL="742950" lvl="1" indent="-285750">
-              <a:buFont typeface="Arial" panose="020B0604020202020204" pitchFamily="34" charset="0"/>
-              <a:buChar char="•"/>
-            </a:pPr>
-            <a:r>
-              <a:rPr lang="en-US" altLang="zh-CN" dirty="0" err="1">
-                <a:solidFill>
-                  <a:schemeClr val="bg2"/>
-                </a:solidFill>
-              </a:rPr>
-              <a:t>Antd</a:t>
-            </a:r>
-            <a:r>
-              <a:rPr lang="en-US" altLang="zh-CN" dirty="0">
-                <a:solidFill>
-                  <a:schemeClr val="bg2"/>
-                </a:solidFill>
-              </a:rPr>
-              <a:t> Design</a:t>
-            </a:r>
-            <a:r>
-              <a:rPr lang="zh-CN" altLang="en-US" dirty="0">
-                <a:solidFill>
-                  <a:schemeClr val="bg2"/>
-                </a:solidFill>
-              </a:rPr>
-              <a:t>与</a:t>
-            </a:r>
-            <a:r>
-              <a:rPr lang="en-US" altLang="zh-CN" dirty="0" err="1">
-                <a:solidFill>
-                  <a:schemeClr val="bg2"/>
-                </a:solidFill>
-              </a:rPr>
-              <a:t>ProComponent</a:t>
-            </a:r>
-            <a:r>
-              <a:rPr lang="zh-CN" altLang="en-US" dirty="0">
-                <a:solidFill>
-                  <a:schemeClr val="bg2"/>
-                </a:solidFill>
-              </a:rPr>
-              <a:t>的关系</a:t>
-            </a:r>
-            <a:endParaRPr lang="en-US" altLang="zh-CN" dirty="0">
-              <a:solidFill>
-                <a:schemeClr val="bg2"/>
-              </a:solidFill>
-            </a:endParaRPr>
+              <a:t>组件复用场景</a:t>
+            </a:r>
           </a:p>
         </p:txBody>
       </p:sp>
@@ -10719,14 +11275,59 @@
       </p:grpSpPr>
       <p:sp>
         <p:nvSpPr>
-          <p:cNvPr id="4" name="文本框 3"/>
+          <p:cNvPr id="2" name="标题 1"/>
+          <p:cNvSpPr>
+            <a:spLocks noGrp="1"/>
+          </p:cNvSpPr>
+          <p:nvPr>
+            <p:ph type="title"/>
+          </p:nvPr>
+        </p:nvSpPr>
+        <p:spPr/>
+        <p:txBody>
+          <a:bodyPr/>
+          <a:lstStyle/>
+          <a:p>
+            <a:r>
+              <a:rPr lang="zh-CN" altLang="en-US" sz="2400" b="1" dirty="0">
+                <a:solidFill>
+                  <a:schemeClr val="tx1"/>
+                </a:solidFill>
+              </a:rPr>
+              <a:t>实践演练</a:t>
+            </a:r>
+            <a:r>
+              <a:rPr lang="en-US" altLang="zh-CN" sz="2400" b="1" dirty="0">
+                <a:solidFill>
+                  <a:schemeClr val="tx1"/>
+                </a:solidFill>
+              </a:rPr>
+              <a:t>2</a:t>
+            </a:r>
+            <a:endParaRPr lang="zh-CN" altLang="en-US" sz="2400" b="1" dirty="0">
+              <a:solidFill>
+                <a:schemeClr val="tx1"/>
+              </a:solidFill>
+            </a:endParaRPr>
+          </a:p>
+        </p:txBody>
+      </p:sp>
+      <p:sp>
+        <p:nvSpPr>
+          <p:cNvPr id="4" name="文本框 3">
+            <a:extLst>
+              <a:ext uri="{FF2B5EF4-FFF2-40B4-BE49-F238E27FC236}">
+                <a16:creationId xmlns:a16="http://schemas.microsoft.com/office/drawing/2014/main" id="{F7E3F668-EE69-6E63-DADB-FEAC0EC47563}"/>
+              </a:ext>
+            </a:extLst>
+          </p:cNvPr>
           <p:cNvSpPr txBox="1"/>
           <p:nvPr/>
         </p:nvSpPr>
         <p:spPr>
           <a:xfrm>
-            <a:off x="1562976" y="2251392"/>
-            <a:ext cx="1552028" cy="1862048"/>
+            <a:off x="657616" y="970767"/>
+            <a:ext cx="3914384" cy="369332"/>
           </a:xfrm>
           <a:prstGeom prst="rect">
             <a:avLst/>
@@ -10734,123 +11335,37 @@
           <a:noFill/>
         </p:spPr>
         <p:txBody>
-          <a:bodyPr wrap="none" rtlCol="0">
+          <a:bodyPr wrap="square" rtlCol="0">
             <a:spAutoFit/>
           </a:bodyPr>
           <a:lstStyle/>
           <a:p>
-            <a:pPr algn="ctr"/>
-            <a:r>
-              <a:rPr lang="en-US" altLang="zh-CN" sz="11500" dirty="0">
-                <a:solidFill>
-                  <a:srgbClr val="FF9933"/>
-                </a:solidFill>
-                <a:latin typeface="Impact" panose="020B0806030902050204" pitchFamily="34" charset="0"/>
-              </a:rPr>
-              <a:t>07</a:t>
-            </a:r>
-          </a:p>
-        </p:txBody>
-      </p:sp>
-      <p:sp>
-        <p:nvSpPr>
-          <p:cNvPr id="5" name="文本框 4"/>
-          <p:cNvSpPr txBox="1"/>
-          <p:nvPr/>
-        </p:nvSpPr>
-        <p:spPr>
-          <a:xfrm>
-            <a:off x="3226435" y="2465070"/>
-            <a:ext cx="4900295" cy="922020"/>
-          </a:xfrm>
-          <a:prstGeom prst="rect">
-            <a:avLst/>
-          </a:prstGeom>
-          <a:noFill/>
-        </p:spPr>
-        <p:txBody>
-          <a:bodyPr wrap="square" rtlCol="0">
-            <a:spAutoFit/>
-            <a:scene3d>
-              <a:camera prst="orthographicFront"/>
-              <a:lightRig rig="threePt" dir="t"/>
-            </a:scene3d>
-            <a:sp3d contourW="12700"/>
-          </a:bodyPr>
-          <a:lstStyle/>
-          <a:p>
-            <a:r>
-              <a:rPr lang="zh-CN" altLang="en-US" sz="5400" b="1" dirty="0">
-                <a:solidFill>
-                  <a:schemeClr val="tx1"/>
-                </a:solidFill>
-              </a:rPr>
-              <a:t>总结</a:t>
-            </a:r>
-          </a:p>
-        </p:txBody>
-      </p:sp>
-      <p:sp>
-        <p:nvSpPr>
-          <p:cNvPr id="2" name="文本框 1"/>
-          <p:cNvSpPr txBox="1"/>
-          <p:nvPr>
-            <p:custDataLst>
-              <p:tags r:id="rId1"/>
-            </p:custDataLst>
-          </p:nvPr>
-        </p:nvSpPr>
-        <p:spPr>
-          <a:xfrm>
-            <a:off x="3115004" y="3517674"/>
-            <a:ext cx="5054596" cy="645160"/>
-          </a:xfrm>
-          <a:prstGeom prst="rect">
-            <a:avLst/>
-          </a:prstGeom>
-          <a:noFill/>
-        </p:spPr>
-        <p:txBody>
-          <a:bodyPr wrap="square">
-            <a:spAutoFit/>
-          </a:bodyPr>
-          <a:lstStyle/>
-          <a:p>
-            <a:pPr marL="742950" lvl="1" indent="-285750">
-              <a:buFont typeface="Arial" panose="020B0604020202020204" pitchFamily="34" charset="0"/>
-              <a:buChar char="•"/>
-            </a:pPr>
-            <a:r>
-              <a:rPr lang="zh-CN" altLang="en-US" dirty="0">
-                <a:solidFill>
-                  <a:schemeClr val="bg2"/>
-                </a:solidFill>
-              </a:rPr>
-              <a:t>小结</a:t>
-            </a:r>
-            <a:endParaRPr lang="zh-CN" dirty="0">
-              <a:solidFill>
-                <a:schemeClr val="bg2"/>
-              </a:solidFill>
-            </a:endParaRPr>
-          </a:p>
-          <a:p>
-            <a:pPr marL="742950" lvl="1" indent="-285750">
-              <a:buFont typeface="Arial" panose="020B0604020202020204" pitchFamily="34" charset="0"/>
-              <a:buChar char="•"/>
-            </a:pPr>
-            <a:r>
-              <a:rPr lang="zh-CN" dirty="0">
-                <a:solidFill>
-                  <a:schemeClr val="bg2"/>
-                </a:solidFill>
-              </a:rPr>
-              <a:t>学习资源</a:t>
-            </a:r>
+            <a:r>
+              <a:rPr lang="zh-CN" altLang="en-US" dirty="0"/>
+              <a:t>移步代码</a:t>
+            </a:r>
+            <a:r>
+              <a:rPr lang="en-US" altLang="zh-CN" dirty="0"/>
+              <a:t>TodoList2</a:t>
+            </a:r>
+            <a:r>
+              <a:rPr lang="zh-CN" altLang="en-US" dirty="0"/>
+              <a:t>案例</a:t>
+            </a:r>
+            <a:r>
+              <a:rPr lang="en-US" altLang="zh-CN" dirty="0"/>
+              <a:t>[1]</a:t>
+            </a:r>
+            <a:endParaRPr lang="zh-CN" altLang="en-US" dirty="0"/>
           </a:p>
         </p:txBody>
       </p:sp>
     </p:spTree>
+    <p:extLst>
+      <p:ext uri="{BB962C8B-B14F-4D97-AF65-F5344CB8AC3E}">
+        <p14:creationId xmlns:p14="http://schemas.microsoft.com/office/powerpoint/2010/main" val="2925212786"/>
+      </p:ext>
+    </p:extLst>
   </p:cSld>
   <p:clrMapOvr>
     <a:masterClrMapping/>
@@ -10877,45 +11392,14 @@
       </p:grpSpPr>
       <p:sp>
         <p:nvSpPr>
-          <p:cNvPr id="2" name="标题 1"/>
-          <p:cNvSpPr>
-            <a:spLocks noGrp="1"/>
-          </p:cNvSpPr>
-          <p:nvPr>
-            <p:ph type="title"/>
-          </p:nvPr>
-        </p:nvSpPr>
-        <p:spPr/>
-        <p:txBody>
-          <a:bodyPr/>
-          <a:lstStyle/>
-          <a:p>
-            <a:r>
-              <a:rPr lang="en-US" altLang="zh-CN" dirty="0"/>
-              <a:t>React</a:t>
-            </a:r>
-            <a:r>
-              <a:rPr lang="zh-CN" altLang="en-US" dirty="0"/>
-              <a:t>基础</a:t>
-            </a:r>
-            <a:endParaRPr lang="zh-CN" altLang="en-US" sz="2400" b="1" dirty="0">
-              <a:solidFill>
-                <a:schemeClr val="tx1"/>
-              </a:solidFill>
-            </a:endParaRPr>
-          </a:p>
-        </p:txBody>
-      </p:sp>
-      <p:sp>
-        <p:nvSpPr>
-          <p:cNvPr id="3" name="文本框 2"/>
+          <p:cNvPr id="4" name="文本框 3"/>
           <p:cNvSpPr txBox="1"/>
           <p:nvPr/>
         </p:nvSpPr>
         <p:spPr>
           <a:xfrm>
-            <a:off x="546388" y="685165"/>
-            <a:ext cx="7552481" cy="4524315"/>
+            <a:off x="1452369" y="2251392"/>
+            <a:ext cx="1773242" cy="1862048"/>
           </a:xfrm>
           <a:prstGeom prst="rect">
             <a:avLst/>
@@ -10923,206 +11407,164 @@
           <a:noFill/>
         </p:spPr>
         <p:txBody>
+          <a:bodyPr wrap="none" rtlCol="0">
+            <a:spAutoFit/>
+          </a:bodyPr>
+          <a:lstStyle/>
+          <a:p>
+            <a:pPr algn="ctr"/>
+            <a:r>
+              <a:rPr lang="en-US" altLang="zh-CN" sz="11500" dirty="0">
+                <a:solidFill>
+                  <a:srgbClr val="FF9933"/>
+                </a:solidFill>
+                <a:latin typeface="Impact" panose="020B0806030902050204" pitchFamily="34" charset="0"/>
+              </a:rPr>
+              <a:t>06</a:t>
+            </a:r>
+          </a:p>
+        </p:txBody>
+      </p:sp>
+      <p:sp>
+        <p:nvSpPr>
+          <p:cNvPr id="5" name="文本框 4"/>
+          <p:cNvSpPr txBox="1"/>
+          <p:nvPr/>
+        </p:nvSpPr>
+        <p:spPr>
+          <a:xfrm>
+            <a:off x="3225800" y="2160270"/>
+            <a:ext cx="5217160" cy="1753235"/>
+          </a:xfrm>
+          <a:prstGeom prst="rect">
+            <a:avLst/>
+          </a:prstGeom>
+          <a:noFill/>
+        </p:spPr>
+        <p:txBody>
           <a:bodyPr wrap="square" rtlCol="0">
             <a:spAutoFit/>
+            <a:scene3d>
+              <a:camera prst="orthographicFront"/>
+              <a:lightRig rig="threePt" dir="t"/>
+            </a:scene3d>
+            <a:sp3d contourW="12700"/>
           </a:bodyPr>
           <a:lstStyle/>
           <a:p>
             <a:r>
-              <a:rPr lang="en-US" altLang="zh-CN" dirty="0"/>
-              <a:t>1</a:t>
-            </a:r>
-            <a:r>
-              <a:rPr lang="zh-CN" altLang="en-US" dirty="0"/>
-              <a:t>、小结</a:t>
-            </a:r>
-            <a:endParaRPr lang="en-US" altLang="zh-CN" dirty="0"/>
-          </a:p>
-          <a:p>
-            <a:r>
-              <a:rPr lang="en-US" altLang="zh-CN" dirty="0"/>
-              <a:t>     </a:t>
-            </a:r>
-            <a:r>
-              <a:rPr lang="zh-CN" altLang="en-US" dirty="0"/>
-              <a:t>本次培训对</a:t>
-            </a:r>
-            <a:r>
-              <a:rPr lang="en-US" altLang="zh-CN" dirty="0"/>
-              <a:t>react</a:t>
-            </a:r>
-            <a:r>
-              <a:rPr lang="zh-CN" altLang="en-US" dirty="0"/>
-              <a:t>基础知识、</a:t>
-            </a:r>
-            <a:r>
-              <a:rPr lang="en-US" altLang="zh-CN" dirty="0"/>
-              <a:t>hooks</a:t>
-            </a:r>
-            <a:r>
-              <a:rPr lang="zh-CN" altLang="en-US" dirty="0"/>
-              <a:t>、组件化开发、组件间通信、</a:t>
-            </a:r>
-            <a:r>
-              <a:rPr lang="en-US" altLang="zh-CN" dirty="0"/>
-              <a:t>ant design</a:t>
-            </a:r>
-            <a:r>
-              <a:rPr lang="zh-CN" altLang="en-US" dirty="0"/>
-              <a:t>简单的做了一些介绍，然后大家可以去看看官方文档或者慕课网，</a:t>
-            </a:r>
-            <a:r>
-              <a:rPr lang="en-US" altLang="zh-CN" dirty="0"/>
-              <a:t>b</a:t>
-            </a:r>
-            <a:r>
-              <a:rPr lang="zh-CN" altLang="en-US" dirty="0"/>
-              <a:t>站的一些视频。</a:t>
-            </a:r>
-            <a:endParaRPr lang="en-US" altLang="zh-CN" dirty="0"/>
-          </a:p>
-          <a:p>
-            <a:endParaRPr lang="en-US" altLang="zh-CN" dirty="0"/>
-          </a:p>
-          <a:p>
-            <a:endParaRPr lang="en-US" altLang="zh-CN" dirty="0"/>
-          </a:p>
-          <a:p>
-            <a:r>
-              <a:rPr lang="en-US" altLang="zh-CN" dirty="0"/>
-              <a:t>2</a:t>
-            </a:r>
-            <a:r>
-              <a:rPr lang="zh-CN" altLang="en-US" dirty="0"/>
-              <a:t>、学习资源</a:t>
-            </a:r>
-            <a:endParaRPr lang="en-US" altLang="zh-CN" dirty="0"/>
-          </a:p>
-          <a:p>
-            <a:r>
-              <a:rPr lang="en-US" altLang="zh-CN" dirty="0"/>
-              <a:t>  react</a:t>
-            </a:r>
-            <a:r>
-              <a:rPr lang="zh-CN" altLang="en-US" dirty="0"/>
-              <a:t>中文网：</a:t>
+              <a:rPr lang="en-US" altLang="zh-CN" sz="5400" b="1" dirty="0" err="1"/>
+              <a:t>Ant</a:t>
+            </a:r>
+            <a:r>
+              <a:rPr lang="en-US" altLang="zh-CN" sz="5400" b="1" dirty="0"/>
+              <a:t> Design &amp; Procomponent</a:t>
+            </a:r>
+            <a:endParaRPr lang="zh-CN" altLang="en-US" sz="5400" b="1" dirty="0">
+              <a:solidFill>
+                <a:schemeClr val="tx1"/>
+              </a:solidFill>
+            </a:endParaRPr>
+          </a:p>
+        </p:txBody>
+      </p:sp>
+      <p:sp>
+        <p:nvSpPr>
+          <p:cNvPr id="2" name="文本框 1"/>
+          <p:cNvSpPr txBox="1"/>
+          <p:nvPr/>
+        </p:nvSpPr>
+        <p:spPr>
+          <a:xfrm>
+            <a:off x="3225941" y="3913801"/>
+            <a:ext cx="4872136" cy="923330"/>
+          </a:xfrm>
+          <a:prstGeom prst="rect">
+            <a:avLst/>
+          </a:prstGeom>
+          <a:noFill/>
+        </p:spPr>
+        <p:txBody>
+          <a:bodyPr wrap="square">
+            <a:spAutoFit/>
+          </a:bodyPr>
+          <a:lstStyle/>
+          <a:p>
+            <a:pPr marL="742950" lvl="1" indent="-285750">
+              <a:buFont typeface="Arial" panose="020B0604020202020204" pitchFamily="34" charset="0"/>
+              <a:buChar char="•"/>
+            </a:pPr>
+            <a:r>
+              <a:rPr lang="zh-CN" altLang="en-US" dirty="0">
+                <a:solidFill>
+                  <a:schemeClr val="bg2"/>
+                </a:solidFill>
+              </a:rPr>
+              <a:t>文档阅读，</a:t>
+            </a:r>
+            <a:r>
+              <a:rPr lang="en-US" altLang="zh-CN" dirty="0" err="1">
+                <a:solidFill>
+                  <a:schemeClr val="bg2"/>
+                </a:solidFill>
+              </a:rPr>
+              <a:t>Antd</a:t>
             </a:r>
             <a:r>
               <a:rPr lang="en-US" altLang="zh-CN" dirty="0">
-                <a:hlinkClick r:id="rId2"/>
+                <a:solidFill>
+                  <a:schemeClr val="bg2"/>
+                </a:solidFill>
               </a:rPr>
-              <a:t>https://react.docschina.org/learn#updating-the-screen</a:t>
-            </a:r>
-            <a:endParaRPr lang="en-US" altLang="zh-CN" dirty="0"/>
-          </a:p>
-          <a:p>
-            <a:r>
-              <a:rPr lang="en-US" altLang="zh-CN" dirty="0"/>
-              <a:t>  Hooks</a:t>
-            </a:r>
-            <a:r>
-              <a:rPr lang="zh-CN" altLang="en-US" dirty="0"/>
-              <a:t>：</a:t>
-            </a:r>
-            <a:r>
-              <a:rPr lang="en-US" altLang="zh-CN" dirty="0">
-                <a:hlinkClick r:id="rId3"/>
+              <a:t> Design</a:t>
+            </a:r>
+            <a:r>
+              <a:rPr lang="zh-CN" altLang="en-US" dirty="0">
+                <a:solidFill>
+                  <a:schemeClr val="bg2"/>
+                </a:solidFill>
               </a:rPr>
-              <a:t>https://react.docschina.org/reference/react/hooks</a:t>
-            </a:r>
-            <a:endParaRPr lang="en-US" altLang="zh-CN" dirty="0"/>
-          </a:p>
-          <a:p>
-            <a:r>
-              <a:rPr lang="en-US" altLang="zh-CN" dirty="0"/>
-              <a:t>  Ant Design</a:t>
-            </a:r>
-            <a:r>
-              <a:rPr lang="zh-CN" altLang="en-US" dirty="0"/>
-              <a:t>：</a:t>
-            </a:r>
-            <a:r>
-              <a:rPr lang="en-US" altLang="zh-CN" dirty="0">
-                <a:hlinkClick r:id="rId4"/>
+              <a:t>与</a:t>
+            </a:r>
+            <a:r>
+              <a:rPr lang="en-US" altLang="zh-CN" dirty="0" err="1">
+                <a:solidFill>
+                  <a:schemeClr val="bg2"/>
+                </a:solidFill>
               </a:rPr>
-              <a:t>https://ant-design.antgroup.com/index-cn</a:t>
-            </a:r>
-            <a:endParaRPr lang="en-US" altLang="zh-CN" dirty="0"/>
-          </a:p>
-          <a:p>
-            <a:r>
-              <a:rPr lang="en-US" altLang="zh-CN" dirty="0"/>
-              <a:t>  Ant Design Mobile</a:t>
-            </a:r>
-            <a:r>
-              <a:rPr lang="zh-CN" altLang="en-US" dirty="0"/>
-              <a:t>：</a:t>
-            </a:r>
-            <a:r>
-              <a:rPr lang="en-US" altLang="zh-CN" dirty="0">
-                <a:hlinkClick r:id="rId5"/>
+              <a:t>ProComponent</a:t>
+            </a:r>
+            <a:r>
+              <a:rPr lang="zh-CN" altLang="en-US" dirty="0">
+                <a:solidFill>
+                  <a:schemeClr val="bg2"/>
+                </a:solidFill>
               </a:rPr>
-              <a:t>https://ant-design-mobile.antgroup.com/zh</a:t>
-            </a:r>
-            <a:endParaRPr lang="en-US" altLang="zh-CN" dirty="0"/>
-          </a:p>
-          <a:p>
-            <a:r>
-              <a:rPr lang="en-US" altLang="zh-CN" dirty="0"/>
-              <a:t>  </a:t>
-            </a:r>
-            <a:r>
-              <a:rPr lang="en-US" altLang="zh-CN" dirty="0" err="1"/>
-              <a:t>ProComponents</a:t>
-            </a:r>
-            <a:r>
-              <a:rPr lang="zh-CN" altLang="en-US" dirty="0"/>
-              <a:t>：</a:t>
-            </a:r>
-            <a:r>
-              <a:rPr lang="en-US" altLang="zh-CN" dirty="0">
-                <a:hlinkClick r:id="rId6"/>
+              <a:t>的关系</a:t>
+            </a:r>
+            <a:endParaRPr lang="en-US" altLang="zh-CN" dirty="0">
+              <a:solidFill>
+                <a:schemeClr val="bg2"/>
+              </a:solidFill>
+            </a:endParaRPr>
+          </a:p>
+          <a:p>
+            <a:pPr marL="742950" lvl="1" indent="-285750">
+              <a:buFont typeface="Arial" panose="020B0604020202020204" pitchFamily="34" charset="0"/>
+              <a:buChar char="•"/>
+            </a:pPr>
+            <a:r>
+              <a:rPr lang="zh-CN" altLang="en-US" dirty="0">
+                <a:solidFill>
+                  <a:schemeClr val="bg2"/>
+                </a:solidFill>
               </a:rPr>
-              <a:t>https://pro-components.antdigital.dev/</a:t>
-            </a:r>
-            <a:endParaRPr lang="en-US" altLang="zh-CN" dirty="0"/>
-          </a:p>
-          <a:p>
-            <a:r>
-              <a:rPr lang="en-US" altLang="zh-CN" dirty="0"/>
-              <a:t>  b</a:t>
-            </a:r>
-            <a:r>
-              <a:rPr lang="zh-CN" altLang="en-US" dirty="0"/>
-              <a:t>站</a:t>
-            </a:r>
-            <a:r>
-              <a:rPr lang="en-US" altLang="zh-CN" dirty="0"/>
-              <a:t>react</a:t>
-            </a:r>
-            <a:r>
-              <a:rPr lang="zh-CN" altLang="en-US" dirty="0"/>
-              <a:t>视频：</a:t>
-            </a:r>
-            <a:r>
-              <a:rPr lang="en-US" altLang="zh-CN" dirty="0">
-                <a:hlinkClick r:id="rId7"/>
-              </a:rPr>
-              <a:t>https://www.bilibili.com/video/BV1wy4y1D7JT/?spm_id_from=333.337.search-card.all.click&amp;vd_source=4d5c061fec36da1e35ddbcf17f07f1ee</a:t>
-            </a:r>
-            <a:endParaRPr lang="en-US" altLang="zh-CN" dirty="0"/>
-          </a:p>
-          <a:p>
-            <a:endParaRPr lang="en-US" altLang="zh-CN" dirty="0"/>
+              <a:t>介绍常用的蚂蚁组件，实践演练</a:t>
+            </a:r>
           </a:p>
         </p:txBody>
       </p:sp>
     </p:spTree>
-    <p:extLst>
-      <p:ext uri="{BB962C8B-B14F-4D97-AF65-F5344CB8AC3E}">
-        <p14:creationId xmlns:p14="http://schemas.microsoft.com/office/powerpoint/2010/main" val="3408414575"/>
-      </p:ext>
-    </p:extLst>
   </p:cSld>
   <p:clrMapOvr>
     <a:masterClrMapping/>
@@ -11149,6 +11591,924 @@
       </p:grpSpPr>
       <p:sp>
         <p:nvSpPr>
+          <p:cNvPr id="2" name="标题 1"/>
+          <p:cNvSpPr>
+            <a:spLocks noGrp="1"/>
+          </p:cNvSpPr>
+          <p:nvPr>
+            <p:ph type="title"/>
+          </p:nvPr>
+        </p:nvSpPr>
+        <p:spPr/>
+        <p:txBody>
+          <a:bodyPr/>
+          <a:lstStyle/>
+          <a:p>
+            <a:r>
+              <a:rPr lang="en-US" altLang="zh-CN" sz="2400" b="1" dirty="0">
+                <a:hlinkClick r:id="rId3"/>
+              </a:rPr>
+              <a:t>Ant Design </a:t>
+            </a:r>
+            <a:r>
+              <a:rPr lang="en-US" altLang="zh-CN" sz="2400" b="1" dirty="0"/>
+              <a:t>&amp; </a:t>
+            </a:r>
+            <a:r>
+              <a:rPr lang="en-US" altLang="zh-CN" sz="2400" b="1" dirty="0" err="1">
+                <a:hlinkClick r:id="rId4"/>
+              </a:rPr>
+              <a:t>Procomponent</a:t>
+            </a:r>
+            <a:endParaRPr lang="zh-CN" altLang="en-US" sz="2400" b="1" dirty="0">
+              <a:solidFill>
+                <a:schemeClr val="tx1"/>
+              </a:solidFill>
+            </a:endParaRPr>
+          </a:p>
+        </p:txBody>
+      </p:sp>
+      <p:sp>
+        <p:nvSpPr>
+          <p:cNvPr id="5" name="文本框 4">
+            <a:extLst>
+              <a:ext uri="{FF2B5EF4-FFF2-40B4-BE49-F238E27FC236}">
+                <a16:creationId xmlns:a16="http://schemas.microsoft.com/office/drawing/2014/main" id="{C8C11884-A39D-5F01-183C-A1A8DA67C5C9}"/>
+              </a:ext>
+            </a:extLst>
+          </p:cNvPr>
+          <p:cNvSpPr txBox="1"/>
+          <p:nvPr/>
+        </p:nvSpPr>
+        <p:spPr>
+          <a:xfrm>
+            <a:off x="451961" y="958241"/>
+            <a:ext cx="8097053" cy="5632311"/>
+          </a:xfrm>
+          <a:prstGeom prst="rect">
+            <a:avLst/>
+          </a:prstGeom>
+          <a:noFill/>
+        </p:spPr>
+        <p:txBody>
+          <a:bodyPr wrap="square" rtlCol="0">
+            <a:spAutoFit/>
+          </a:bodyPr>
+          <a:lstStyle/>
+          <a:p>
+            <a:r>
+              <a:rPr lang="en-US" altLang="zh-CN" dirty="0"/>
+              <a:t>1</a:t>
+            </a:r>
+            <a:r>
+              <a:rPr lang="zh-CN" altLang="en-US" dirty="0"/>
+              <a:t>、文档阅读：</a:t>
+            </a:r>
+            <a:r>
+              <a:rPr lang="en-US" altLang="zh-CN" dirty="0"/>
+              <a:t> </a:t>
+            </a:r>
+            <a:r>
+              <a:rPr lang="en-US" altLang="zh-CN" dirty="0">
+                <a:hlinkClick r:id="rId5"/>
+              </a:rPr>
+              <a:t>https://ant-design.antgroup.com/docs/react/getting-started-cn</a:t>
+            </a:r>
+            <a:endParaRPr lang="en-US" altLang="zh-CN" dirty="0"/>
+          </a:p>
+          <a:p>
+            <a:endParaRPr lang="en-US" altLang="zh-CN" dirty="0"/>
+          </a:p>
+          <a:p>
+            <a:endParaRPr lang="en-US" altLang="zh-CN" dirty="0"/>
+          </a:p>
+          <a:p>
+            <a:endParaRPr lang="en-US" altLang="zh-CN" dirty="0"/>
+          </a:p>
+          <a:p>
+            <a:r>
+              <a:rPr lang="zh-CN" altLang="en-US" dirty="0"/>
+              <a:t>很多重复的轮子，</a:t>
+            </a:r>
+            <a:r>
+              <a:rPr lang="en-US" altLang="zh-CN" dirty="0" err="1"/>
+              <a:t>Antd</a:t>
+            </a:r>
+            <a:r>
+              <a:rPr lang="en-US" altLang="zh-CN" dirty="0"/>
+              <a:t> </a:t>
+            </a:r>
+            <a:r>
+              <a:rPr lang="zh-CN" altLang="en-US" dirty="0"/>
+              <a:t>组件都有，然后看这个快速入手，使用这套组件库，需要先掌握 </a:t>
+            </a:r>
+            <a:r>
+              <a:rPr lang="en-US" altLang="zh-CN" dirty="0"/>
+              <a:t>React </a:t>
+            </a:r>
+            <a:r>
+              <a:rPr lang="zh-CN" altLang="en-US" dirty="0"/>
+              <a:t>以及 </a:t>
+            </a:r>
+            <a:r>
+              <a:rPr lang="en-US" altLang="zh-CN" dirty="0"/>
+              <a:t>ES6</a:t>
+            </a:r>
+            <a:r>
+              <a:rPr lang="zh-CN" altLang="en-US" dirty="0"/>
+              <a:t>。</a:t>
+            </a:r>
+            <a:r>
+              <a:rPr lang="en-US" altLang="zh-CN" dirty="0" err="1"/>
+              <a:t>Antd</a:t>
+            </a:r>
+            <a:r>
+              <a:rPr lang="en-US" altLang="zh-CN" dirty="0"/>
+              <a:t> </a:t>
+            </a:r>
+            <a:r>
+              <a:rPr lang="zh-CN" altLang="en-US" dirty="0"/>
+              <a:t>是一个设计规范，提供了很多基础组件，我们可以看这个组件这个 </a:t>
+            </a:r>
+            <a:r>
+              <a:rPr lang="en-US" altLang="zh-CN" dirty="0"/>
+              <a:t>tab</a:t>
+            </a:r>
+            <a:r>
+              <a:rPr lang="zh-CN" altLang="en-US" dirty="0"/>
+              <a:t>，有通用、布局、导航、表单录入等，省去了很多开发时间。</a:t>
+            </a:r>
+            <a:endParaRPr lang="en-US" altLang="zh-CN" dirty="0"/>
+          </a:p>
+          <a:p>
+            <a:endParaRPr lang="en-US" altLang="zh-CN" dirty="0"/>
+          </a:p>
+          <a:p>
+            <a:r>
+              <a:rPr lang="zh-CN" altLang="en-US" dirty="0"/>
+              <a:t>然后我们项目中使用了</a:t>
+            </a:r>
+            <a:r>
+              <a:rPr lang="en-US" altLang="zh-CN" dirty="0" err="1">
+                <a:hlinkClick r:id="rId6"/>
+              </a:rPr>
+              <a:t>Procomponent</a:t>
+            </a:r>
+            <a:r>
+              <a:rPr lang="zh-CN" altLang="en-US" dirty="0"/>
+              <a:t>，它是基于 </a:t>
+            </a:r>
+            <a:r>
+              <a:rPr lang="en-US" altLang="zh-CN" dirty="0"/>
+              <a:t>Ant Design </a:t>
+            </a:r>
+            <a:r>
+              <a:rPr lang="zh-CN" altLang="en-US" dirty="0"/>
+              <a:t>而开发的模板组件，提供了更高级别的抽象支持，开箱即用。可以显著地提升制作 </a:t>
+            </a:r>
+            <a:r>
+              <a:rPr lang="en-US" altLang="zh-CN" dirty="0"/>
+              <a:t>CRUD </a:t>
+            </a:r>
+            <a:r>
+              <a:rPr lang="zh-CN" altLang="en-US" dirty="0"/>
+              <a:t>页面的效率，更加专注于页面。</a:t>
+            </a:r>
+            <a:endParaRPr lang="en-US" altLang="zh-CN" dirty="0"/>
+          </a:p>
+          <a:p>
+            <a:endParaRPr lang="en-US" altLang="zh-CN" dirty="0"/>
+          </a:p>
+          <a:p>
+            <a:r>
+              <a:rPr lang="zh-CN" altLang="en-US" dirty="0"/>
+              <a:t>现在我们 </a:t>
+            </a:r>
+            <a:r>
+              <a:rPr lang="en-US" altLang="zh-CN" dirty="0"/>
+              <a:t>pc </a:t>
+            </a:r>
+            <a:r>
+              <a:rPr lang="zh-CN" altLang="en-US" dirty="0"/>
+              <a:t>端的项目的话大多都是使用 </a:t>
+            </a:r>
+            <a:r>
+              <a:rPr lang="en-US" altLang="zh-CN" dirty="0" err="1"/>
+              <a:t>Procomponents</a:t>
+            </a:r>
+            <a:r>
+              <a:rPr lang="zh-CN" altLang="en-US" dirty="0"/>
+              <a:t>，像比如表格，表单啊，</a:t>
+            </a:r>
+            <a:r>
+              <a:rPr lang="en-US" altLang="zh-CN" dirty="0" err="1"/>
+              <a:t>Procomponent</a:t>
+            </a:r>
+            <a:r>
+              <a:rPr lang="en-US" altLang="zh-CN" dirty="0"/>
+              <a:t> </a:t>
+            </a:r>
+            <a:r>
+              <a:rPr lang="zh-CN" altLang="en-US" dirty="0"/>
+              <a:t>都帮我们内置了很多逻辑在里面，然后像抽屉的话，如果说抽屉里面是有表单，那还是推荐使用 </a:t>
+            </a:r>
+            <a:r>
+              <a:rPr lang="en-US" altLang="zh-CN" dirty="0" err="1"/>
+              <a:t>DrawerForm</a:t>
+            </a:r>
+            <a:r>
+              <a:rPr lang="zh-CN" altLang="en-US" dirty="0"/>
+              <a:t>，如果只是纯抽屉，那可以使用 </a:t>
+            </a:r>
+            <a:r>
+              <a:rPr lang="en-US" altLang="zh-CN" dirty="0"/>
+              <a:t>Drawer</a:t>
+            </a:r>
+            <a:r>
+              <a:rPr lang="zh-CN" altLang="en-US" dirty="0"/>
+              <a:t>。</a:t>
+            </a:r>
+            <a:endParaRPr lang="en-US" altLang="zh-CN" dirty="0"/>
+          </a:p>
+          <a:p>
+            <a:endParaRPr lang="zh-CN" altLang="en-US" dirty="0"/>
+          </a:p>
+          <a:p>
+            <a:endParaRPr lang="zh-CN" altLang="en-US" dirty="0"/>
+          </a:p>
+          <a:p>
+            <a:endParaRPr lang="zh-CN" altLang="en-US" dirty="0"/>
+          </a:p>
+        </p:txBody>
+      </p:sp>
+    </p:spTree>
+    <p:extLst>
+      <p:ext uri="{BB962C8B-B14F-4D97-AF65-F5344CB8AC3E}">
+        <p14:creationId xmlns:p14="http://schemas.microsoft.com/office/powerpoint/2010/main" val="3091229430"/>
+      </p:ext>
+    </p:extLst>
+  </p:cSld>
+  <p:clrMapOvr>
+    <a:masterClrMapping/>
+  </p:clrMapOvr>
+</p:sld>
+</file>
+
+<file path=ppt/slides/slide36.xml><?xml version="1.0" encoding="utf-8"?>
+<p:sld xmlns:a="http://schemas.openxmlformats.org/drawingml/2006/main" xmlns:r="http://schemas.openxmlformats.org/officeDocument/2006/relationships" xmlns:p="http://schemas.openxmlformats.org/presentationml/2006/main">
+  <p:cSld>
+    <p:spTree>
+      <p:nvGrpSpPr>
+        <p:cNvPr id="1" name=""/>
+        <p:cNvGrpSpPr/>
+        <p:nvPr/>
+      </p:nvGrpSpPr>
+      <p:grpSpPr>
+        <a:xfrm>
+          <a:off x="0" y="0"/>
+          <a:ext cx="0" cy="0"/>
+          <a:chOff x="0" y="0"/>
+          <a:chExt cx="0" cy="0"/>
+        </a:xfrm>
+      </p:grpSpPr>
+      <p:sp>
+        <p:nvSpPr>
+          <p:cNvPr id="2" name="标题 1"/>
+          <p:cNvSpPr>
+            <a:spLocks noGrp="1"/>
+          </p:cNvSpPr>
+          <p:nvPr>
+            <p:ph type="title"/>
+          </p:nvPr>
+        </p:nvSpPr>
+        <p:spPr/>
+        <p:txBody>
+          <a:bodyPr/>
+          <a:lstStyle/>
+          <a:p>
+            <a:r>
+              <a:rPr lang="en-US" altLang="zh-CN" sz="2400" b="1" dirty="0">
+                <a:hlinkClick r:id="rId3"/>
+              </a:rPr>
+              <a:t>Ant Design </a:t>
+            </a:r>
+            <a:r>
+              <a:rPr lang="en-US" altLang="zh-CN" sz="2400" b="1" dirty="0"/>
+              <a:t>&amp; </a:t>
+            </a:r>
+            <a:r>
+              <a:rPr lang="en-US" altLang="zh-CN" sz="2400" b="1" dirty="0" err="1">
+                <a:hlinkClick r:id="rId4"/>
+              </a:rPr>
+              <a:t>Procomponent</a:t>
+            </a:r>
+            <a:endParaRPr lang="zh-CN" altLang="en-US" sz="2400" b="1" dirty="0">
+              <a:solidFill>
+                <a:schemeClr val="tx1"/>
+              </a:solidFill>
+            </a:endParaRPr>
+          </a:p>
+        </p:txBody>
+      </p:sp>
+      <p:sp>
+        <p:nvSpPr>
+          <p:cNvPr id="5" name="文本框 4">
+            <a:extLst>
+              <a:ext uri="{FF2B5EF4-FFF2-40B4-BE49-F238E27FC236}">
+                <a16:creationId xmlns:a16="http://schemas.microsoft.com/office/drawing/2014/main" id="{C8C11884-A39D-5F01-183C-A1A8DA67C5C9}"/>
+              </a:ext>
+            </a:extLst>
+          </p:cNvPr>
+          <p:cNvSpPr txBox="1"/>
+          <p:nvPr/>
+        </p:nvSpPr>
+        <p:spPr>
+          <a:xfrm>
+            <a:off x="451961" y="958241"/>
+            <a:ext cx="8097053" cy="2585323"/>
+          </a:xfrm>
+          <a:prstGeom prst="rect">
+            <a:avLst/>
+          </a:prstGeom>
+          <a:noFill/>
+        </p:spPr>
+        <p:txBody>
+          <a:bodyPr wrap="square" rtlCol="0">
+            <a:spAutoFit/>
+          </a:bodyPr>
+          <a:lstStyle/>
+          <a:p>
+            <a:r>
+              <a:rPr lang="en-US" altLang="zh-CN" dirty="0"/>
+              <a:t>2</a:t>
+            </a:r>
+            <a:r>
+              <a:rPr lang="zh-CN" altLang="en-US" dirty="0"/>
+              <a:t>、使用常用的蚂蚁组件</a:t>
+            </a:r>
+            <a:endParaRPr lang="en-US" altLang="zh-CN" dirty="0"/>
+          </a:p>
+          <a:p>
+            <a:r>
+              <a:rPr lang="zh-CN" altLang="en-US" dirty="0"/>
+              <a:t> 见代码</a:t>
+            </a:r>
+            <a:endParaRPr lang="en-US" altLang="zh-CN" dirty="0"/>
+          </a:p>
+          <a:p>
+            <a:endParaRPr lang="en-US" altLang="zh-CN" dirty="0"/>
+          </a:p>
+          <a:p>
+            <a:endParaRPr lang="en-US" altLang="zh-CN" dirty="0"/>
+          </a:p>
+          <a:p>
+            <a:endParaRPr lang="en-US" altLang="zh-CN" dirty="0"/>
+          </a:p>
+          <a:p>
+            <a:r>
+              <a:rPr lang="en-US" altLang="zh-CN" dirty="0"/>
+              <a:t>3</a:t>
+            </a:r>
+            <a:r>
+              <a:rPr lang="zh-CN" altLang="en-US" dirty="0"/>
+              <a:t>、修改</a:t>
+            </a:r>
+            <a:r>
+              <a:rPr lang="en-US" altLang="zh-CN" dirty="0" err="1"/>
+              <a:t>Antd</a:t>
+            </a:r>
+            <a:r>
+              <a:rPr lang="zh-CN" altLang="en-US" dirty="0"/>
+              <a:t>的样式</a:t>
+            </a:r>
+            <a:endParaRPr lang="en-US" altLang="zh-CN" dirty="0"/>
+          </a:p>
+          <a:p>
+            <a:r>
+              <a:rPr lang="en-US" altLang="zh-CN" dirty="0"/>
+              <a:t>Modal</a:t>
+            </a:r>
+            <a:r>
+              <a:rPr lang="zh-CN" altLang="en-US" dirty="0"/>
+              <a:t>、</a:t>
+            </a:r>
+            <a:r>
+              <a:rPr lang="en-US" altLang="zh-CN" dirty="0"/>
+              <a:t>Drawer</a:t>
+            </a:r>
+            <a:r>
+              <a:rPr lang="zh-CN" altLang="en-US" dirty="0"/>
+              <a:t>是挂在全局</a:t>
+            </a:r>
+            <a:r>
+              <a:rPr lang="en-US" altLang="zh-CN" dirty="0"/>
+              <a:t>body</a:t>
+            </a:r>
+            <a:r>
+              <a:rPr lang="zh-CN" altLang="en-US" dirty="0"/>
+              <a:t>下的，它的修改样式比较特殊。</a:t>
+            </a:r>
+          </a:p>
+          <a:p>
+            <a:endParaRPr lang="zh-CN" altLang="en-US" dirty="0"/>
+          </a:p>
+          <a:p>
+            <a:endParaRPr lang="zh-CN" altLang="en-US" dirty="0"/>
+          </a:p>
+        </p:txBody>
+      </p:sp>
+      <p:pic>
+        <p:nvPicPr>
+          <p:cNvPr id="4" name="图片 3">
+            <a:extLst>
+              <a:ext uri="{FF2B5EF4-FFF2-40B4-BE49-F238E27FC236}">
+                <a16:creationId xmlns:a16="http://schemas.microsoft.com/office/drawing/2014/main" id="{237A38E5-EBD1-93A8-A384-E6AEA05014E9}"/>
+              </a:ext>
+            </a:extLst>
+          </p:cNvPr>
+          <p:cNvPicPr>
+            <a:picLocks noChangeAspect="1"/>
+          </p:cNvPicPr>
+          <p:nvPr/>
+        </p:nvPicPr>
+        <p:blipFill>
+          <a:blip r:embed="rId5"/>
+          <a:stretch>
+            <a:fillRect/>
+          </a:stretch>
+        </p:blipFill>
+        <p:spPr>
+          <a:xfrm>
+            <a:off x="784151" y="2984420"/>
+            <a:ext cx="2876698" cy="3086259"/>
+          </a:xfrm>
+          <a:prstGeom prst="rect">
+            <a:avLst/>
+          </a:prstGeom>
+        </p:spPr>
+      </p:pic>
+    </p:spTree>
+    <p:extLst>
+      <p:ext uri="{BB962C8B-B14F-4D97-AF65-F5344CB8AC3E}">
+        <p14:creationId xmlns:p14="http://schemas.microsoft.com/office/powerpoint/2010/main" val="2448928662"/>
+      </p:ext>
+    </p:extLst>
+  </p:cSld>
+  <p:clrMapOvr>
+    <a:masterClrMapping/>
+  </p:clrMapOvr>
+</p:sld>
+</file>
+
+<file path=ppt/slides/slide37.xml><?xml version="1.0" encoding="utf-8"?>
+<p:sld xmlns:a="http://schemas.openxmlformats.org/drawingml/2006/main" xmlns:r="http://schemas.openxmlformats.org/officeDocument/2006/relationships" xmlns:p="http://schemas.openxmlformats.org/presentationml/2006/main">
+  <p:cSld>
+    <p:spTree>
+      <p:nvGrpSpPr>
+        <p:cNvPr id="1" name=""/>
+        <p:cNvGrpSpPr/>
+        <p:nvPr/>
+      </p:nvGrpSpPr>
+      <p:grpSpPr>
+        <a:xfrm>
+          <a:off x="0" y="0"/>
+          <a:ext cx="0" cy="0"/>
+          <a:chOff x="0" y="0"/>
+          <a:chExt cx="0" cy="0"/>
+        </a:xfrm>
+      </p:grpSpPr>
+      <p:sp>
+        <p:nvSpPr>
+          <p:cNvPr id="4" name="文本框 3"/>
+          <p:cNvSpPr txBox="1"/>
+          <p:nvPr/>
+        </p:nvSpPr>
+        <p:spPr>
+          <a:xfrm>
+            <a:off x="1562976" y="2251392"/>
+            <a:ext cx="1552028" cy="1862048"/>
+          </a:xfrm>
+          <a:prstGeom prst="rect">
+            <a:avLst/>
+          </a:prstGeom>
+          <a:noFill/>
+        </p:spPr>
+        <p:txBody>
+          <a:bodyPr wrap="none" rtlCol="0">
+            <a:spAutoFit/>
+          </a:bodyPr>
+          <a:lstStyle/>
+          <a:p>
+            <a:pPr algn="ctr"/>
+            <a:r>
+              <a:rPr lang="en-US" altLang="zh-CN" sz="11500" dirty="0">
+                <a:solidFill>
+                  <a:srgbClr val="FF9933"/>
+                </a:solidFill>
+                <a:latin typeface="Impact" panose="020B0806030902050204" pitchFamily="34" charset="0"/>
+              </a:rPr>
+              <a:t>07</a:t>
+            </a:r>
+          </a:p>
+        </p:txBody>
+      </p:sp>
+      <p:sp>
+        <p:nvSpPr>
+          <p:cNvPr id="5" name="文本框 4"/>
+          <p:cNvSpPr txBox="1"/>
+          <p:nvPr/>
+        </p:nvSpPr>
+        <p:spPr>
+          <a:xfrm>
+            <a:off x="3226435" y="2465070"/>
+            <a:ext cx="4900295" cy="922020"/>
+          </a:xfrm>
+          <a:prstGeom prst="rect">
+            <a:avLst/>
+          </a:prstGeom>
+          <a:noFill/>
+        </p:spPr>
+        <p:txBody>
+          <a:bodyPr wrap="square" rtlCol="0">
+            <a:spAutoFit/>
+            <a:scene3d>
+              <a:camera prst="orthographicFront"/>
+              <a:lightRig rig="threePt" dir="t"/>
+            </a:scene3d>
+            <a:sp3d contourW="12700"/>
+          </a:bodyPr>
+          <a:lstStyle/>
+          <a:p>
+            <a:r>
+              <a:rPr lang="zh-CN" altLang="en-US" sz="5400" b="1" dirty="0">
+                <a:solidFill>
+                  <a:schemeClr val="tx1"/>
+                </a:solidFill>
+              </a:rPr>
+              <a:t>总结</a:t>
+            </a:r>
+          </a:p>
+        </p:txBody>
+      </p:sp>
+      <p:sp>
+        <p:nvSpPr>
+          <p:cNvPr id="2" name="文本框 1"/>
+          <p:cNvSpPr txBox="1"/>
+          <p:nvPr>
+            <p:custDataLst>
+              <p:tags r:id="rId1"/>
+            </p:custDataLst>
+          </p:nvPr>
+        </p:nvSpPr>
+        <p:spPr>
+          <a:xfrm>
+            <a:off x="3115004" y="3517674"/>
+            <a:ext cx="5054596" cy="645160"/>
+          </a:xfrm>
+          <a:prstGeom prst="rect">
+            <a:avLst/>
+          </a:prstGeom>
+          <a:noFill/>
+        </p:spPr>
+        <p:txBody>
+          <a:bodyPr wrap="square">
+            <a:spAutoFit/>
+          </a:bodyPr>
+          <a:lstStyle/>
+          <a:p>
+            <a:pPr marL="742950" lvl="1" indent="-285750">
+              <a:buFont typeface="Arial" panose="020B0604020202020204" pitchFamily="34" charset="0"/>
+              <a:buChar char="•"/>
+            </a:pPr>
+            <a:r>
+              <a:rPr lang="zh-CN" altLang="en-US" dirty="0">
+                <a:solidFill>
+                  <a:schemeClr val="bg2"/>
+                </a:solidFill>
+              </a:rPr>
+              <a:t>小结</a:t>
+            </a:r>
+            <a:endParaRPr lang="zh-CN" dirty="0">
+              <a:solidFill>
+                <a:schemeClr val="bg2"/>
+              </a:solidFill>
+            </a:endParaRPr>
+          </a:p>
+          <a:p>
+            <a:pPr marL="742950" lvl="1" indent="-285750">
+              <a:buFont typeface="Arial" panose="020B0604020202020204" pitchFamily="34" charset="0"/>
+              <a:buChar char="•"/>
+            </a:pPr>
+            <a:r>
+              <a:rPr lang="zh-CN" dirty="0">
+                <a:solidFill>
+                  <a:schemeClr val="bg2"/>
+                </a:solidFill>
+              </a:rPr>
+              <a:t>学习资源</a:t>
+            </a:r>
+          </a:p>
+        </p:txBody>
+      </p:sp>
+    </p:spTree>
+  </p:cSld>
+  <p:clrMapOvr>
+    <a:masterClrMapping/>
+  </p:clrMapOvr>
+</p:sld>
+</file>
+
+<file path=ppt/slides/slide38.xml><?xml version="1.0" encoding="utf-8"?>
+<p:sld xmlns:a="http://schemas.openxmlformats.org/drawingml/2006/main" xmlns:r="http://schemas.openxmlformats.org/officeDocument/2006/relationships" xmlns:p="http://schemas.openxmlformats.org/presentationml/2006/main">
+  <p:cSld>
+    <p:spTree>
+      <p:nvGrpSpPr>
+        <p:cNvPr id="1" name=""/>
+        <p:cNvGrpSpPr/>
+        <p:nvPr/>
+      </p:nvGrpSpPr>
+      <p:grpSpPr>
+        <a:xfrm>
+          <a:off x="0" y="0"/>
+          <a:ext cx="0" cy="0"/>
+          <a:chOff x="0" y="0"/>
+          <a:chExt cx="0" cy="0"/>
+        </a:xfrm>
+      </p:grpSpPr>
+      <p:sp>
+        <p:nvSpPr>
+          <p:cNvPr id="2" name="标题 1"/>
+          <p:cNvSpPr>
+            <a:spLocks noGrp="1"/>
+          </p:cNvSpPr>
+          <p:nvPr>
+            <p:ph type="title"/>
+          </p:nvPr>
+        </p:nvSpPr>
+        <p:spPr/>
+        <p:txBody>
+          <a:bodyPr/>
+          <a:lstStyle/>
+          <a:p>
+            <a:r>
+              <a:rPr lang="en-US" altLang="zh-CN" dirty="0"/>
+              <a:t>React</a:t>
+            </a:r>
+            <a:r>
+              <a:rPr lang="zh-CN" altLang="en-US" dirty="0"/>
+              <a:t>基础</a:t>
+            </a:r>
+            <a:endParaRPr lang="zh-CN" altLang="en-US" sz="2400" b="1" dirty="0">
+              <a:solidFill>
+                <a:schemeClr val="tx1"/>
+              </a:solidFill>
+            </a:endParaRPr>
+          </a:p>
+        </p:txBody>
+      </p:sp>
+      <p:sp>
+        <p:nvSpPr>
+          <p:cNvPr id="3" name="文本框 2"/>
+          <p:cNvSpPr txBox="1"/>
+          <p:nvPr/>
+        </p:nvSpPr>
+        <p:spPr>
+          <a:xfrm>
+            <a:off x="546388" y="685165"/>
+            <a:ext cx="7552481" cy="4524315"/>
+          </a:xfrm>
+          <a:prstGeom prst="rect">
+            <a:avLst/>
+          </a:prstGeom>
+          <a:noFill/>
+        </p:spPr>
+        <p:txBody>
+          <a:bodyPr wrap="square" rtlCol="0">
+            <a:spAutoFit/>
+          </a:bodyPr>
+          <a:lstStyle/>
+          <a:p>
+            <a:r>
+              <a:rPr lang="en-US" altLang="zh-CN" dirty="0"/>
+              <a:t>1</a:t>
+            </a:r>
+            <a:r>
+              <a:rPr lang="zh-CN" altLang="en-US" dirty="0"/>
+              <a:t>、小结</a:t>
+            </a:r>
+            <a:endParaRPr lang="en-US" altLang="zh-CN" dirty="0"/>
+          </a:p>
+          <a:p>
+            <a:r>
+              <a:rPr lang="en-US" altLang="zh-CN" dirty="0"/>
+              <a:t>     </a:t>
+            </a:r>
+            <a:r>
+              <a:rPr lang="zh-CN" altLang="en-US" dirty="0"/>
+              <a:t>本次培训对</a:t>
+            </a:r>
+            <a:r>
+              <a:rPr lang="en-US" altLang="zh-CN" dirty="0"/>
+              <a:t>react</a:t>
+            </a:r>
+            <a:r>
+              <a:rPr lang="zh-CN" altLang="en-US" dirty="0"/>
+              <a:t>基础知识、</a:t>
+            </a:r>
+            <a:r>
+              <a:rPr lang="en-US" altLang="zh-CN" dirty="0"/>
+              <a:t>hooks</a:t>
+            </a:r>
+            <a:r>
+              <a:rPr lang="zh-CN" altLang="en-US" dirty="0"/>
+              <a:t>、组件化开发、组件间通信、</a:t>
+            </a:r>
+            <a:r>
+              <a:rPr lang="en-US" altLang="zh-CN" dirty="0"/>
+              <a:t>ant design</a:t>
+            </a:r>
+            <a:r>
+              <a:rPr lang="zh-CN" altLang="en-US" dirty="0"/>
+              <a:t>简单的做了一些介绍，然后大家可以去看看官方文档或者慕课网，</a:t>
+            </a:r>
+            <a:r>
+              <a:rPr lang="en-US" altLang="zh-CN" dirty="0"/>
+              <a:t>b</a:t>
+            </a:r>
+            <a:r>
+              <a:rPr lang="zh-CN" altLang="en-US" dirty="0"/>
+              <a:t>站的一些视频。</a:t>
+            </a:r>
+            <a:endParaRPr lang="en-US" altLang="zh-CN" dirty="0"/>
+          </a:p>
+          <a:p>
+            <a:endParaRPr lang="en-US" altLang="zh-CN" dirty="0"/>
+          </a:p>
+          <a:p>
+            <a:endParaRPr lang="en-US" altLang="zh-CN" dirty="0"/>
+          </a:p>
+          <a:p>
+            <a:r>
+              <a:rPr lang="en-US" altLang="zh-CN" dirty="0"/>
+              <a:t>2</a:t>
+            </a:r>
+            <a:r>
+              <a:rPr lang="zh-CN" altLang="en-US" dirty="0"/>
+              <a:t>、学习资源</a:t>
+            </a:r>
+            <a:endParaRPr lang="en-US" altLang="zh-CN" dirty="0"/>
+          </a:p>
+          <a:p>
+            <a:r>
+              <a:rPr lang="en-US" altLang="zh-CN" dirty="0"/>
+              <a:t>  react</a:t>
+            </a:r>
+            <a:r>
+              <a:rPr lang="zh-CN" altLang="en-US" dirty="0"/>
+              <a:t>中文网：</a:t>
+            </a:r>
+            <a:r>
+              <a:rPr lang="en-US" altLang="zh-CN" dirty="0">
+                <a:hlinkClick r:id="rId2"/>
+              </a:rPr>
+              <a:t>https://react.docschina.org/learn#updating-the-screen</a:t>
+            </a:r>
+            <a:endParaRPr lang="en-US" altLang="zh-CN" dirty="0"/>
+          </a:p>
+          <a:p>
+            <a:r>
+              <a:rPr lang="en-US" altLang="zh-CN" dirty="0"/>
+              <a:t>  Hooks</a:t>
+            </a:r>
+            <a:r>
+              <a:rPr lang="zh-CN" altLang="en-US" dirty="0"/>
+              <a:t>：</a:t>
+            </a:r>
+            <a:r>
+              <a:rPr lang="en-US" altLang="zh-CN" dirty="0">
+                <a:hlinkClick r:id="rId3"/>
+              </a:rPr>
+              <a:t>https://react.docschina.org/reference/react/hooks</a:t>
+            </a:r>
+            <a:endParaRPr lang="en-US" altLang="zh-CN" dirty="0"/>
+          </a:p>
+          <a:p>
+            <a:r>
+              <a:rPr lang="en-US" altLang="zh-CN" dirty="0"/>
+              <a:t>  Ant Design</a:t>
+            </a:r>
+            <a:r>
+              <a:rPr lang="zh-CN" altLang="en-US" dirty="0"/>
+              <a:t>：</a:t>
+            </a:r>
+            <a:r>
+              <a:rPr lang="en-US" altLang="zh-CN" dirty="0">
+                <a:hlinkClick r:id="rId4"/>
+              </a:rPr>
+              <a:t>https://ant-design.antgroup.com/index-cn</a:t>
+            </a:r>
+            <a:endParaRPr lang="en-US" altLang="zh-CN" dirty="0"/>
+          </a:p>
+          <a:p>
+            <a:r>
+              <a:rPr lang="en-US" altLang="zh-CN" dirty="0"/>
+              <a:t>  Ant Design Mobile</a:t>
+            </a:r>
+            <a:r>
+              <a:rPr lang="zh-CN" altLang="en-US" dirty="0"/>
+              <a:t>：</a:t>
+            </a:r>
+            <a:r>
+              <a:rPr lang="en-US" altLang="zh-CN" dirty="0">
+                <a:hlinkClick r:id="rId5"/>
+              </a:rPr>
+              <a:t>https://ant-design-mobile.antgroup.com/zh</a:t>
+            </a:r>
+            <a:endParaRPr lang="en-US" altLang="zh-CN" dirty="0"/>
+          </a:p>
+          <a:p>
+            <a:r>
+              <a:rPr lang="en-US" altLang="zh-CN" dirty="0"/>
+              <a:t>  </a:t>
+            </a:r>
+            <a:r>
+              <a:rPr lang="en-US" altLang="zh-CN" dirty="0" err="1"/>
+              <a:t>ProComponents</a:t>
+            </a:r>
+            <a:r>
+              <a:rPr lang="zh-CN" altLang="en-US" dirty="0"/>
+              <a:t>：</a:t>
+            </a:r>
+            <a:r>
+              <a:rPr lang="en-US" altLang="zh-CN" dirty="0">
+                <a:hlinkClick r:id="rId6"/>
+              </a:rPr>
+              <a:t>https://pro-components.antdigital.dev/</a:t>
+            </a:r>
+            <a:endParaRPr lang="en-US" altLang="zh-CN" dirty="0"/>
+          </a:p>
+          <a:p>
+            <a:r>
+              <a:rPr lang="en-US" altLang="zh-CN" dirty="0"/>
+              <a:t>  b</a:t>
+            </a:r>
+            <a:r>
+              <a:rPr lang="zh-CN" altLang="en-US" dirty="0"/>
+              <a:t>站</a:t>
+            </a:r>
+            <a:r>
+              <a:rPr lang="en-US" altLang="zh-CN" dirty="0"/>
+              <a:t>react</a:t>
+            </a:r>
+            <a:r>
+              <a:rPr lang="zh-CN" altLang="en-US" dirty="0"/>
+              <a:t>视频：</a:t>
+            </a:r>
+            <a:r>
+              <a:rPr lang="en-US" altLang="zh-CN" dirty="0">
+                <a:hlinkClick r:id="rId7"/>
+              </a:rPr>
+              <a:t>https://www.bilibili.com/video/BV1wy4y1D7JT/?spm_id_from=333.337.search-card.all.click&amp;vd_source=4d5c061fec36da1e35ddbcf17f07f1ee</a:t>
+            </a:r>
+            <a:endParaRPr lang="en-US" altLang="zh-CN" dirty="0"/>
+          </a:p>
+          <a:p>
+            <a:endParaRPr lang="en-US" altLang="zh-CN" dirty="0"/>
+          </a:p>
+        </p:txBody>
+      </p:sp>
+    </p:spTree>
+    <p:extLst>
+      <p:ext uri="{BB962C8B-B14F-4D97-AF65-F5344CB8AC3E}">
+        <p14:creationId xmlns:p14="http://schemas.microsoft.com/office/powerpoint/2010/main" val="3408414575"/>
+      </p:ext>
+    </p:extLst>
+  </p:cSld>
+  <p:clrMapOvr>
+    <a:masterClrMapping/>
+  </p:clrMapOvr>
+</p:sld>
+</file>
+
+<file path=ppt/slides/slide39.xml><?xml version="1.0" encoding="utf-8"?>
+<p:sld xmlns:a="http://schemas.openxmlformats.org/drawingml/2006/main" xmlns:r="http://schemas.openxmlformats.org/officeDocument/2006/relationships" xmlns:p="http://schemas.openxmlformats.org/presentationml/2006/main">
+  <p:cSld>
+    <p:spTree>
+      <p:nvGrpSpPr>
+        <p:cNvPr id="1" name=""/>
+        <p:cNvGrpSpPr/>
+        <p:nvPr/>
+      </p:nvGrpSpPr>
+      <p:grpSpPr>
+        <a:xfrm>
+          <a:off x="0" y="0"/>
+          <a:ext cx="0" cy="0"/>
+          <a:chOff x="0" y="0"/>
+          <a:chExt cx="0" cy="0"/>
+        </a:xfrm>
+      </p:grpSpPr>
+      <p:sp>
+        <p:nvSpPr>
           <p:cNvPr id="4" name="文本框 3"/>
           <p:cNvSpPr txBox="1"/>
           <p:nvPr/>
@@ -11228,7 +12588,194 @@
 </p:sld>
 </file>
 
-<file path=ppt/slides/slide36.xml><?xml version="1.0" encoding="utf-8"?>
+<file path=ppt/slides/slide4.xml><?xml version="1.0" encoding="utf-8"?>
+<p:sld xmlns:a="http://schemas.openxmlformats.org/drawingml/2006/main" xmlns:r="http://schemas.openxmlformats.org/officeDocument/2006/relationships" xmlns:p="http://schemas.openxmlformats.org/presentationml/2006/main">
+  <p:cSld>
+    <p:spTree>
+      <p:nvGrpSpPr>
+        <p:cNvPr id="1" name=""/>
+        <p:cNvGrpSpPr/>
+        <p:nvPr/>
+      </p:nvGrpSpPr>
+      <p:grpSpPr>
+        <a:xfrm>
+          <a:off x="0" y="0"/>
+          <a:ext cx="0" cy="0"/>
+          <a:chOff x="0" y="0"/>
+          <a:chExt cx="0" cy="0"/>
+        </a:xfrm>
+      </p:grpSpPr>
+      <p:sp>
+        <p:nvSpPr>
+          <p:cNvPr id="4" name="文本框 3"/>
+          <p:cNvSpPr txBox="1"/>
+          <p:nvPr/>
+        </p:nvSpPr>
+        <p:spPr>
+          <a:xfrm>
+            <a:off x="1577943" y="2251392"/>
+            <a:ext cx="1522095" cy="1861185"/>
+          </a:xfrm>
+          <a:prstGeom prst="rect">
+            <a:avLst/>
+          </a:prstGeom>
+          <a:noFill/>
+        </p:spPr>
+        <p:txBody>
+          <a:bodyPr wrap="none" rtlCol="0">
+            <a:spAutoFit/>
+          </a:bodyPr>
+          <a:lstStyle/>
+          <a:p>
+            <a:pPr algn="ctr"/>
+            <a:r>
+              <a:rPr lang="en-US" altLang="zh-CN" sz="11500" dirty="0">
+                <a:solidFill>
+                  <a:srgbClr val="FF9933"/>
+                </a:solidFill>
+                <a:latin typeface="Impact" panose="020B0806030902050204" pitchFamily="34" charset="0"/>
+              </a:rPr>
+              <a:t>01</a:t>
+            </a:r>
+          </a:p>
+        </p:txBody>
+      </p:sp>
+      <p:sp>
+        <p:nvSpPr>
+          <p:cNvPr id="5" name="文本框 4"/>
+          <p:cNvSpPr txBox="1"/>
+          <p:nvPr/>
+        </p:nvSpPr>
+        <p:spPr>
+          <a:xfrm>
+            <a:off x="3226435" y="2465070"/>
+            <a:ext cx="4900295" cy="922020"/>
+          </a:xfrm>
+          <a:prstGeom prst="rect">
+            <a:avLst/>
+          </a:prstGeom>
+          <a:noFill/>
+        </p:spPr>
+        <p:txBody>
+          <a:bodyPr wrap="square" rtlCol="0">
+            <a:spAutoFit/>
+            <a:scene3d>
+              <a:camera prst="orthographicFront"/>
+              <a:lightRig rig="threePt" dir="t"/>
+            </a:scene3d>
+            <a:sp3d contourW="12700"/>
+          </a:bodyPr>
+          <a:lstStyle/>
+          <a:p>
+            <a:r>
+              <a:rPr lang="en-US" altLang="zh-CN" sz="5400" b="1" dirty="0">
+                <a:solidFill>
+                  <a:schemeClr val="tx1"/>
+                </a:solidFill>
+              </a:rPr>
+              <a:t>React</a:t>
+            </a:r>
+            <a:r>
+              <a:rPr lang="zh-CN" altLang="en-US" sz="5400" b="1" dirty="0"/>
+              <a:t>介绍</a:t>
+            </a:r>
+            <a:endParaRPr lang="zh-CN" altLang="en-US" sz="5400" b="1" dirty="0">
+              <a:solidFill>
+                <a:schemeClr val="tx1"/>
+              </a:solidFill>
+            </a:endParaRPr>
+          </a:p>
+        </p:txBody>
+      </p:sp>
+      <p:sp>
+        <p:nvSpPr>
+          <p:cNvPr id="2" name="文本框 1"/>
+          <p:cNvSpPr txBox="1"/>
+          <p:nvPr/>
+        </p:nvSpPr>
+        <p:spPr>
+          <a:xfrm>
+            <a:off x="3391382" y="3479800"/>
+            <a:ext cx="4595150" cy="1198880"/>
+          </a:xfrm>
+          <a:prstGeom prst="rect">
+            <a:avLst/>
+          </a:prstGeom>
+          <a:noFill/>
+        </p:spPr>
+        <p:txBody>
+          <a:bodyPr wrap="square" rtlCol="0">
+            <a:spAutoFit/>
+          </a:bodyPr>
+          <a:lstStyle/>
+          <a:p>
+            <a:pPr marL="285750" indent="-285750">
+              <a:buFont typeface="Arial" panose="020B0604020202020204" pitchFamily="34" charset="0"/>
+              <a:buChar char="•"/>
+            </a:pPr>
+            <a:r>
+              <a:rPr lang="en-US" altLang="zh-CN" sz="2400" dirty="0">
+                <a:solidFill>
+                  <a:schemeClr val="bg2"/>
+                </a:solidFill>
+              </a:rPr>
+              <a:t>React</a:t>
+            </a:r>
+            <a:r>
+              <a:rPr lang="zh-CN" altLang="en-US" sz="2400" dirty="0">
+                <a:solidFill>
+                  <a:schemeClr val="bg2"/>
+                </a:solidFill>
+              </a:rPr>
+              <a:t>起源与发展</a:t>
+            </a:r>
+            <a:endParaRPr lang="en-US" altLang="zh-CN" sz="2400" dirty="0">
+              <a:solidFill>
+                <a:schemeClr val="bg2"/>
+              </a:solidFill>
+            </a:endParaRPr>
+          </a:p>
+          <a:p>
+            <a:pPr marL="285750" indent="-285750">
+              <a:buFont typeface="Arial" panose="020B0604020202020204" pitchFamily="34" charset="0"/>
+              <a:buChar char="•"/>
+            </a:pPr>
+            <a:r>
+              <a:rPr lang="en-US" altLang="zh-CN" sz="2400" dirty="0">
+                <a:solidFill>
+                  <a:schemeClr val="bg2"/>
+                </a:solidFill>
+              </a:rPr>
+              <a:t>React</a:t>
+            </a:r>
+            <a:r>
+              <a:rPr lang="zh-CN" altLang="en-US" sz="2400" dirty="0">
+                <a:solidFill>
+                  <a:schemeClr val="bg2"/>
+                </a:solidFill>
+              </a:rPr>
+              <a:t>的特性</a:t>
+            </a:r>
+            <a:endParaRPr lang="en-US" altLang="zh-CN" sz="2400" dirty="0">
+              <a:solidFill>
+                <a:schemeClr val="bg2"/>
+              </a:solidFill>
+            </a:endParaRPr>
+          </a:p>
+          <a:p>
+            <a:endParaRPr lang="zh-CN" altLang="en-US" sz="2400" dirty="0"/>
+          </a:p>
+        </p:txBody>
+      </p:sp>
+    </p:spTree>
+  </p:cSld>
+  <p:clrMapOvr>
+    <a:masterClrMapping/>
+  </p:clrMapOvr>
+</p:sld>
+</file>
+
+<file path=ppt/slides/slide40.xml><?xml version="1.0" encoding="utf-8"?>
 <p:sld xmlns:a="http://schemas.openxmlformats.org/drawingml/2006/main" xmlns:r="http://schemas.openxmlformats.org/officeDocument/2006/relationships" xmlns:p="http://schemas.openxmlformats.org/presentationml/2006/main">
   <p:cSld>
     <p:spTree>
@@ -11430,193 +12977,6 @@
     <p:custDataLst>
       <p:tags r:id="rId1"/>
     </p:custDataLst>
-  </p:cSld>
-  <p:clrMapOvr>
-    <a:masterClrMapping/>
-  </p:clrMapOvr>
-</p:sld>
-</file>
-
-<file path=ppt/slides/slide4.xml><?xml version="1.0" encoding="utf-8"?>
-<p:sld xmlns:a="http://schemas.openxmlformats.org/drawingml/2006/main" xmlns:r="http://schemas.openxmlformats.org/officeDocument/2006/relationships" xmlns:p="http://schemas.openxmlformats.org/presentationml/2006/main">
-  <p:cSld>
-    <p:spTree>
-      <p:nvGrpSpPr>
-        <p:cNvPr id="1" name=""/>
-        <p:cNvGrpSpPr/>
-        <p:nvPr/>
-      </p:nvGrpSpPr>
-      <p:grpSpPr>
-        <a:xfrm>
-          <a:off x="0" y="0"/>
-          <a:ext cx="0" cy="0"/>
-          <a:chOff x="0" y="0"/>
-          <a:chExt cx="0" cy="0"/>
-        </a:xfrm>
-      </p:grpSpPr>
-      <p:sp>
-        <p:nvSpPr>
-          <p:cNvPr id="4" name="文本框 3"/>
-          <p:cNvSpPr txBox="1"/>
-          <p:nvPr/>
-        </p:nvSpPr>
-        <p:spPr>
-          <a:xfrm>
-            <a:off x="1577943" y="2251392"/>
-            <a:ext cx="1522095" cy="1861185"/>
-          </a:xfrm>
-          <a:prstGeom prst="rect">
-            <a:avLst/>
-          </a:prstGeom>
-          <a:noFill/>
-        </p:spPr>
-        <p:txBody>
-          <a:bodyPr wrap="none" rtlCol="0">
-            <a:spAutoFit/>
-          </a:bodyPr>
-          <a:lstStyle/>
-          <a:p>
-            <a:pPr algn="ctr"/>
-            <a:r>
-              <a:rPr lang="en-US" altLang="zh-CN" sz="11500" dirty="0">
-                <a:solidFill>
-                  <a:srgbClr val="FF9933"/>
-                </a:solidFill>
-                <a:latin typeface="Impact" panose="020B0806030902050204" pitchFamily="34" charset="0"/>
-              </a:rPr>
-              <a:t>01</a:t>
-            </a:r>
-          </a:p>
-        </p:txBody>
-      </p:sp>
-      <p:sp>
-        <p:nvSpPr>
-          <p:cNvPr id="5" name="文本框 4"/>
-          <p:cNvSpPr txBox="1"/>
-          <p:nvPr/>
-        </p:nvSpPr>
-        <p:spPr>
-          <a:xfrm>
-            <a:off x="3226435" y="2465070"/>
-            <a:ext cx="4900295" cy="922020"/>
-          </a:xfrm>
-          <a:prstGeom prst="rect">
-            <a:avLst/>
-          </a:prstGeom>
-          <a:noFill/>
-        </p:spPr>
-        <p:txBody>
-          <a:bodyPr wrap="square" rtlCol="0">
-            <a:spAutoFit/>
-            <a:scene3d>
-              <a:camera prst="orthographicFront"/>
-              <a:lightRig rig="threePt" dir="t"/>
-            </a:scene3d>
-            <a:sp3d contourW="12700"/>
-          </a:bodyPr>
-          <a:lstStyle/>
-          <a:p>
-            <a:r>
-              <a:rPr lang="en-US" altLang="zh-CN" sz="5400" b="1" dirty="0">
-                <a:solidFill>
-                  <a:schemeClr val="tx1"/>
-                </a:solidFill>
-              </a:rPr>
-              <a:t>React</a:t>
-            </a:r>
-            <a:r>
-              <a:rPr lang="zh-CN" altLang="en-US" sz="5400" b="1" dirty="0"/>
-              <a:t>介绍</a:t>
-            </a:r>
-            <a:endParaRPr lang="zh-CN" altLang="en-US" sz="5400" b="1" dirty="0">
-              <a:solidFill>
-                <a:schemeClr val="tx1"/>
-              </a:solidFill>
-            </a:endParaRPr>
-          </a:p>
-        </p:txBody>
-      </p:sp>
-      <p:sp>
-        <p:nvSpPr>
-          <p:cNvPr id="2" name="文本框 1"/>
-          <p:cNvSpPr txBox="1"/>
-          <p:nvPr/>
-        </p:nvSpPr>
-        <p:spPr>
-          <a:xfrm>
-            <a:off x="3391382" y="3479800"/>
-            <a:ext cx="4595150" cy="1198880"/>
-          </a:xfrm>
-          <a:prstGeom prst="rect">
-            <a:avLst/>
-          </a:prstGeom>
-          <a:noFill/>
-        </p:spPr>
-        <p:txBody>
-          <a:bodyPr wrap="square" rtlCol="0">
-            <a:spAutoFit/>
-          </a:bodyPr>
-          <a:lstStyle/>
-          <a:p>
-            <a:pPr marL="285750" indent="-285750">
-              <a:buFont typeface="Arial" panose="020B0604020202020204" pitchFamily="34" charset="0"/>
-              <a:buChar char="•"/>
-            </a:pPr>
-            <a:r>
-              <a:rPr lang="en-US" altLang="zh-CN" sz="2400" dirty="0">
-                <a:solidFill>
-                  <a:schemeClr val="bg2"/>
-                </a:solidFill>
-              </a:rPr>
-              <a:t>React</a:t>
-            </a:r>
-            <a:r>
-              <a:rPr lang="zh-CN" altLang="en-US" sz="2400" dirty="0">
-                <a:solidFill>
-                  <a:schemeClr val="bg2"/>
-                </a:solidFill>
-              </a:rPr>
-              <a:t>起源与发展</a:t>
-            </a:r>
-            <a:endParaRPr lang="en-US" altLang="zh-CN" sz="2400" dirty="0">
-              <a:solidFill>
-                <a:schemeClr val="bg2"/>
-              </a:solidFill>
-            </a:endParaRPr>
-          </a:p>
-          <a:p>
-            <a:pPr marL="285750" indent="-285750">
-              <a:buFont typeface="Arial" panose="020B0604020202020204" pitchFamily="34" charset="0"/>
-              <a:buChar char="•"/>
-            </a:pPr>
-            <a:r>
-              <a:rPr lang="en-US" altLang="zh-CN" sz="2400" dirty="0">
-                <a:solidFill>
-                  <a:schemeClr val="bg2"/>
-                </a:solidFill>
-              </a:rPr>
-              <a:t>React</a:t>
-            </a:r>
-            <a:r>
-              <a:rPr lang="zh-CN" altLang="en-US" sz="2400" dirty="0">
-                <a:solidFill>
-                  <a:schemeClr val="bg2"/>
-                </a:solidFill>
-              </a:rPr>
-              <a:t>的特性</a:t>
-            </a:r>
-            <a:endParaRPr lang="en-US" altLang="zh-CN" sz="2400" dirty="0">
-              <a:solidFill>
-                <a:schemeClr val="bg2"/>
-              </a:solidFill>
-            </a:endParaRPr>
-          </a:p>
-          <a:p>
-            <a:endParaRPr lang="zh-CN" altLang="en-US" sz="2400" dirty="0"/>
-          </a:p>
-        </p:txBody>
-      </p:sp>
-    </p:spTree>
   </p:cSld>
   <p:clrMapOvr>
     <a:masterClrMapping/>

--- a/PPT内容.pptx
+++ b/PPT内容.pptx
@@ -5,7 +5,7 @@
     <p:sldMasterId id="2147483648" r:id="rId1"/>
   </p:sldMasterIdLst>
   <p:notesMasterIdLst>
-    <p:notesMasterId r:id="rId42"/>
+    <p:notesMasterId r:id="rId43"/>
   </p:notesMasterIdLst>
   <p:sldIdLst>
     <p:sldId id="422" r:id="rId2"/>
@@ -15,44 +15,45 @@
     <p:sldId id="429" r:id="rId6"/>
     <p:sldId id="430" r:id="rId7"/>
     <p:sldId id="438" r:id="rId8"/>
-    <p:sldId id="442" r:id="rId9"/>
-    <p:sldId id="440" r:id="rId10"/>
+    <p:sldId id="440" r:id="rId9"/>
+    <p:sldId id="442" r:id="rId10"/>
     <p:sldId id="441" r:id="rId11"/>
     <p:sldId id="443" r:id="rId12"/>
     <p:sldId id="444" r:id="rId13"/>
     <p:sldId id="445" r:id="rId14"/>
-    <p:sldId id="446" r:id="rId15"/>
-    <p:sldId id="448" r:id="rId16"/>
-    <p:sldId id="452" r:id="rId17"/>
-    <p:sldId id="449" r:id="rId18"/>
-    <p:sldId id="450" r:id="rId19"/>
-    <p:sldId id="451" r:id="rId20"/>
-    <p:sldId id="454" r:id="rId21"/>
-    <p:sldId id="461" r:id="rId22"/>
-    <p:sldId id="431" r:id="rId23"/>
-    <p:sldId id="453" r:id="rId24"/>
-    <p:sldId id="437" r:id="rId25"/>
-    <p:sldId id="455" r:id="rId26"/>
-    <p:sldId id="456" r:id="rId27"/>
-    <p:sldId id="460" r:id="rId28"/>
-    <p:sldId id="457" r:id="rId29"/>
-    <p:sldId id="458" r:id="rId30"/>
-    <p:sldId id="459" r:id="rId31"/>
-    <p:sldId id="462" r:id="rId32"/>
-    <p:sldId id="432" r:id="rId33"/>
-    <p:sldId id="463" r:id="rId34"/>
-    <p:sldId id="434" r:id="rId35"/>
-    <p:sldId id="464" r:id="rId36"/>
-    <p:sldId id="465" r:id="rId37"/>
-    <p:sldId id="435" r:id="rId38"/>
-    <p:sldId id="439" r:id="rId39"/>
-    <p:sldId id="436" r:id="rId40"/>
-    <p:sldId id="357" r:id="rId41"/>
+    <p:sldId id="466" r:id="rId15"/>
+    <p:sldId id="446" r:id="rId16"/>
+    <p:sldId id="448" r:id="rId17"/>
+    <p:sldId id="452" r:id="rId18"/>
+    <p:sldId id="449" r:id="rId19"/>
+    <p:sldId id="450" r:id="rId20"/>
+    <p:sldId id="451" r:id="rId21"/>
+    <p:sldId id="454" r:id="rId22"/>
+    <p:sldId id="461" r:id="rId23"/>
+    <p:sldId id="431" r:id="rId24"/>
+    <p:sldId id="453" r:id="rId25"/>
+    <p:sldId id="437" r:id="rId26"/>
+    <p:sldId id="455" r:id="rId27"/>
+    <p:sldId id="456" r:id="rId28"/>
+    <p:sldId id="460" r:id="rId29"/>
+    <p:sldId id="457" r:id="rId30"/>
+    <p:sldId id="458" r:id="rId31"/>
+    <p:sldId id="459" r:id="rId32"/>
+    <p:sldId id="467" r:id="rId33"/>
+    <p:sldId id="432" r:id="rId34"/>
+    <p:sldId id="463" r:id="rId35"/>
+    <p:sldId id="434" r:id="rId36"/>
+    <p:sldId id="464" r:id="rId37"/>
+    <p:sldId id="465" r:id="rId38"/>
+    <p:sldId id="435" r:id="rId39"/>
+    <p:sldId id="439" r:id="rId40"/>
+    <p:sldId id="436" r:id="rId41"/>
+    <p:sldId id="357" r:id="rId42"/>
   </p:sldIdLst>
   <p:sldSz cx="9144000" cy="6858000" type="screen4x3"/>
   <p:notesSz cx="6858000" cy="9144000"/>
   <p:custDataLst>
-    <p:tags r:id="rId43"/>
+    <p:tags r:id="rId44"/>
   </p:custDataLst>
   <p:defaultTextStyle>
     <a:defPPr>
@@ -640,14 +641,7 @@
           <a:bodyPr/>
           <a:lstStyle/>
           <a:p>
-            <a:r>
-              <a:rPr lang="en-US" altLang="zh-CN" dirty="0"/>
-              <a:t>[1]</a:t>
-            </a:r>
-            <a:r>
-              <a:rPr lang="zh-CN" altLang="en-US" dirty="0"/>
-              <a:t>涉及到父子组件，后面讲</a:t>
-            </a:r>
+            <a:endParaRPr lang="zh-CN" altLang="en-US" dirty="0"/>
           </a:p>
         </p:txBody>
       </p:sp>
@@ -677,7 +671,7 @@
     </p:spTree>
     <p:extLst>
       <p:ext uri="{BB962C8B-B14F-4D97-AF65-F5344CB8AC3E}">
-        <p14:creationId xmlns:p14="http://schemas.microsoft.com/office/powerpoint/2010/main" val="3887661602"/>
+        <p14:creationId xmlns:p14="http://schemas.microsoft.com/office/powerpoint/2010/main" val="910686043"/>
       </p:ext>
     </p:extLst>
   </p:cSld>
@@ -731,7 +725,14 @@
           <a:bodyPr/>
           <a:lstStyle/>
           <a:p>
-            <a:endParaRPr lang="zh-CN" altLang="en-US" dirty="0"/>
+            <a:r>
+              <a:rPr lang="en-US" altLang="zh-CN" dirty="0"/>
+              <a:t>[1]</a:t>
+            </a:r>
+            <a:r>
+              <a:rPr lang="zh-CN" altLang="en-US" dirty="0"/>
+              <a:t>涉及到父子组件，后面讲</a:t>
+            </a:r>
           </a:p>
         </p:txBody>
       </p:sp>
@@ -761,7 +762,7 @@
     </p:spTree>
     <p:extLst>
       <p:ext uri="{BB962C8B-B14F-4D97-AF65-F5344CB8AC3E}">
-        <p14:creationId xmlns:p14="http://schemas.microsoft.com/office/powerpoint/2010/main" val="2002208467"/>
+        <p14:creationId xmlns:p14="http://schemas.microsoft.com/office/powerpoint/2010/main" val="3887661602"/>
       </p:ext>
     </p:extLst>
   </p:cSld>
@@ -845,7 +846,7 @@
     </p:spTree>
     <p:extLst>
       <p:ext uri="{BB962C8B-B14F-4D97-AF65-F5344CB8AC3E}">
-        <p14:creationId xmlns:p14="http://schemas.microsoft.com/office/powerpoint/2010/main" val="1585967685"/>
+        <p14:creationId xmlns:p14="http://schemas.microsoft.com/office/powerpoint/2010/main" val="2002208467"/>
       </p:ext>
     </p:extLst>
   </p:cSld>
@@ -899,14 +900,7 @@
           <a:bodyPr/>
           <a:lstStyle/>
           <a:p>
-            <a:r>
-              <a:rPr lang="en-US" altLang="zh-CN" dirty="0"/>
-              <a:t>[1]</a:t>
-            </a:r>
-            <a:r>
-              <a:rPr lang="zh-CN" altLang="en-US" dirty="0"/>
-              <a:t> 模拟到组件通信，后面讲</a:t>
-            </a:r>
+            <a:endParaRPr lang="zh-CN" altLang="en-US" dirty="0"/>
           </a:p>
         </p:txBody>
       </p:sp>
@@ -936,7 +930,7 @@
     </p:spTree>
     <p:extLst>
       <p:ext uri="{BB962C8B-B14F-4D97-AF65-F5344CB8AC3E}">
-        <p14:creationId xmlns:p14="http://schemas.microsoft.com/office/powerpoint/2010/main" val="1278806417"/>
+        <p14:creationId xmlns:p14="http://schemas.microsoft.com/office/powerpoint/2010/main" val="1585967685"/>
       </p:ext>
     </p:extLst>
   </p:cSld>
@@ -990,7 +984,14 @@
           <a:bodyPr/>
           <a:lstStyle/>
           <a:p>
-            <a:endParaRPr lang="zh-CN" altLang="en-US" dirty="0"/>
+            <a:r>
+              <a:rPr lang="en-US" altLang="zh-CN" dirty="0"/>
+              <a:t>[1]</a:t>
+            </a:r>
+            <a:r>
+              <a:rPr lang="zh-CN" altLang="en-US" dirty="0"/>
+              <a:t> 模拟到组件通信，后面讲</a:t>
+            </a:r>
           </a:p>
         </p:txBody>
       </p:sp>
@@ -1020,7 +1021,7 @@
     </p:spTree>
     <p:extLst>
       <p:ext uri="{BB962C8B-B14F-4D97-AF65-F5344CB8AC3E}">
-        <p14:creationId xmlns:p14="http://schemas.microsoft.com/office/powerpoint/2010/main" val="3032576476"/>
+        <p14:creationId xmlns:p14="http://schemas.microsoft.com/office/powerpoint/2010/main" val="1278806417"/>
       </p:ext>
     </p:extLst>
   </p:cSld>
@@ -1104,7 +1105,7 @@
     </p:spTree>
     <p:extLst>
       <p:ext uri="{BB962C8B-B14F-4D97-AF65-F5344CB8AC3E}">
-        <p14:creationId xmlns:p14="http://schemas.microsoft.com/office/powerpoint/2010/main" val="1042035529"/>
+        <p14:creationId xmlns:p14="http://schemas.microsoft.com/office/powerpoint/2010/main" val="3032576476"/>
       </p:ext>
     </p:extLst>
   </p:cSld>
@@ -1158,82 +1159,6 @@
           <a:bodyPr/>
           <a:lstStyle/>
           <a:p>
-            <a:pPr marL="0" marR="0" lvl="0" indent="0" algn="l" defTabSz="914400" rtl="0" eaLnBrk="1" fontAlgn="auto" latinLnBrk="0" hangingPunct="1">
-              <a:lnSpc>
-                <a:spcPct val="100000"/>
-              </a:lnSpc>
-              <a:spcBef>
-                <a:spcPts val="0"/>
-              </a:spcBef>
-              <a:spcAft>
-                <a:spcPts val="0"/>
-              </a:spcAft>
-              <a:buClrTx/>
-              <a:buSzTx/>
-              <a:buFontTx/>
-              <a:buNone/>
-              <a:tabLst/>
-              <a:defRPr/>
-            </a:pPr>
-            <a:r>
-              <a:rPr lang="zh-CN" altLang="en-US" b="0" dirty="0">
-                <a:solidFill>
-                  <a:srgbClr val="6A9955"/>
-                </a:solidFill>
-                <a:effectLst/>
-                <a:latin typeface="Consolas" panose="020B0609020204030204" pitchFamily="49" charset="0"/>
-              </a:rPr>
-              <a:t>通过这个案例，我们对</a:t>
-            </a:r>
-            <a:r>
-              <a:rPr lang="en-US" altLang="zh-CN" b="0" dirty="0">
-                <a:solidFill>
-                  <a:srgbClr val="6A9955"/>
-                </a:solidFill>
-                <a:effectLst/>
-                <a:latin typeface="Consolas" panose="020B0609020204030204" pitchFamily="49" charset="0"/>
-              </a:rPr>
-              <a:t>JSX</a:t>
-            </a:r>
-            <a:r>
-              <a:rPr lang="zh-CN" altLang="en-US" b="0" dirty="0">
-                <a:solidFill>
-                  <a:srgbClr val="6A9955"/>
-                </a:solidFill>
-                <a:effectLst/>
-                <a:latin typeface="Consolas" panose="020B0609020204030204" pitchFamily="49" charset="0"/>
-              </a:rPr>
-              <a:t>，组件样式，条件渲染，列表渲染，事件点击，表单受控等知识进行了练习，接下来进入</a:t>
-            </a:r>
-            <a:r>
-              <a:rPr lang="en-US" altLang="zh-CN" b="0" dirty="0">
-                <a:solidFill>
-                  <a:srgbClr val="6A9955"/>
-                </a:solidFill>
-                <a:effectLst/>
-                <a:latin typeface="Consolas" panose="020B0609020204030204" pitchFamily="49" charset="0"/>
-              </a:rPr>
-              <a:t>react</a:t>
-            </a:r>
-            <a:r>
-              <a:rPr lang="zh-CN" altLang="en-US" b="0" dirty="0">
-                <a:solidFill>
-                  <a:srgbClr val="6A9955"/>
-                </a:solidFill>
-                <a:effectLst/>
-                <a:latin typeface="Consolas" panose="020B0609020204030204" pitchFamily="49" charset="0"/>
-              </a:rPr>
-              <a:t>进阶模块。</a:t>
-            </a:r>
-            <a:endParaRPr lang="zh-CN" altLang="en-US" b="0" dirty="0">
-              <a:solidFill>
-                <a:srgbClr val="CCCCCC"/>
-              </a:solidFill>
-              <a:effectLst/>
-              <a:latin typeface="Consolas" panose="020B0609020204030204" pitchFamily="49" charset="0"/>
-            </a:endParaRPr>
-          </a:p>
-          <a:p>
             <a:endParaRPr lang="zh-CN" altLang="en-US" dirty="0"/>
           </a:p>
         </p:txBody>
@@ -1255,7 +1180,7 @@
           <a:p>
             <a:fld id="{F9E1B693-632D-4080-9CF6-EA28B66DC801}" type="slidenum">
               <a:rPr lang="zh-CN" altLang="en-US" smtClean="0"/>
-              <a:t>23</a:t>
+              <a:t>22</a:t>
             </a:fld>
             <a:endParaRPr lang="zh-CN" altLang="en-US"/>
           </a:p>
@@ -1264,7 +1189,7 @@
     </p:spTree>
     <p:extLst>
       <p:ext uri="{BB962C8B-B14F-4D97-AF65-F5344CB8AC3E}">
-        <p14:creationId xmlns:p14="http://schemas.microsoft.com/office/powerpoint/2010/main" val="3280530011"/>
+        <p14:creationId xmlns:p14="http://schemas.microsoft.com/office/powerpoint/2010/main" val="1042035529"/>
       </p:ext>
     </p:extLst>
   </p:cSld>
@@ -1318,26 +1243,82 @@
           <a:bodyPr/>
           <a:lstStyle/>
           <a:p>
-            <a:r>
-              <a:rPr lang="en-US" altLang="zh-CN" dirty="0"/>
-              <a:t>[1]</a:t>
-            </a:r>
-            <a:r>
-              <a:rPr lang="zh-CN" altLang="en-US" dirty="0"/>
-              <a:t>在</a:t>
-            </a:r>
-            <a:r>
-              <a:rPr lang="en-US" altLang="zh-CN" dirty="0"/>
+            <a:pPr marL="0" marR="0" lvl="0" indent="0" algn="l" defTabSz="914400" rtl="0" eaLnBrk="1" fontAlgn="auto" latinLnBrk="0" hangingPunct="1">
+              <a:lnSpc>
+                <a:spcPct val="100000"/>
+              </a:lnSpc>
+              <a:spcBef>
+                <a:spcPts val="0"/>
+              </a:spcBef>
+              <a:spcAft>
+                <a:spcPts val="0"/>
+              </a:spcAft>
+              <a:buClrTx/>
+              <a:buSzTx/>
+              <a:buFontTx/>
+              <a:buNone/>
+              <a:tabLst/>
+              <a:defRPr/>
+            </a:pPr>
+            <a:r>
+              <a:rPr lang="zh-CN" altLang="en-US" b="0" dirty="0">
+                <a:solidFill>
+                  <a:srgbClr val="6A9955"/>
+                </a:solidFill>
+                <a:effectLst/>
+                <a:latin typeface="Consolas" panose="020B0609020204030204" pitchFamily="49" charset="0"/>
+              </a:rPr>
+              <a:t>通过这个案例，我们对</a:t>
+            </a:r>
+            <a:r>
+              <a:rPr lang="en-US" altLang="zh-CN" b="0" dirty="0">
+                <a:solidFill>
+                  <a:srgbClr val="6A9955"/>
+                </a:solidFill>
+                <a:effectLst/>
+                <a:latin typeface="Consolas" panose="020B0609020204030204" pitchFamily="49" charset="0"/>
+              </a:rPr>
+              <a:t>JSX</a:t>
+            </a:r>
+            <a:r>
+              <a:rPr lang="zh-CN" altLang="en-US" b="0" dirty="0">
+                <a:solidFill>
+                  <a:srgbClr val="6A9955"/>
+                </a:solidFill>
+                <a:effectLst/>
+                <a:latin typeface="Consolas" panose="020B0609020204030204" pitchFamily="49" charset="0"/>
+              </a:rPr>
+              <a:t>，组件样式，条件渲染，列表渲染，事件点击，表单受控等知识进行了练习，接下来进入</a:t>
+            </a:r>
+            <a:r>
+              <a:rPr lang="en-US" altLang="zh-CN" b="0" dirty="0">
+                <a:solidFill>
+                  <a:srgbClr val="6A9955"/>
+                </a:solidFill>
+                <a:effectLst/>
+                <a:latin typeface="Consolas" panose="020B0609020204030204" pitchFamily="49" charset="0"/>
+              </a:rPr>
               <a:t>react</a:t>
             </a:r>
             <a:r>
-              <a:rPr lang="zh-CN" altLang="en-US" dirty="0"/>
-              <a:t>中，万物皆组件化，一个函数就是一个组件，在这之前的案例其实已经感受到了。一个页面你可以拆成多个组件去写，组件可以实现代码复用的功能，另外还有让代码结构更清晰，一块都可以拆成一个组件。组件内可以套用组件，每个组件都有自己的实例。 看这张原型图，讲</a:t>
-            </a:r>
-            <a:r>
-              <a:rPr lang="en-US" altLang="zh-CN" dirty="0"/>
-              <a:t>….</a:t>
-            </a:r>
+              <a:rPr lang="zh-CN" altLang="en-US" b="0" dirty="0">
+                <a:solidFill>
+                  <a:srgbClr val="6A9955"/>
+                </a:solidFill>
+                <a:effectLst/>
+                <a:latin typeface="Consolas" panose="020B0609020204030204" pitchFamily="49" charset="0"/>
+              </a:rPr>
+              <a:t>进阶模块。</a:t>
+            </a:r>
+            <a:endParaRPr lang="zh-CN" altLang="en-US" b="0" dirty="0">
+              <a:solidFill>
+                <a:srgbClr val="CCCCCC"/>
+              </a:solidFill>
+              <a:effectLst/>
+              <a:latin typeface="Consolas" panose="020B0609020204030204" pitchFamily="49" charset="0"/>
+            </a:endParaRPr>
+          </a:p>
+          <a:p>
             <a:endParaRPr lang="zh-CN" altLang="en-US" dirty="0"/>
           </a:p>
         </p:txBody>
@@ -1359,7 +1340,7 @@
           <a:p>
             <a:fld id="{F9E1B693-632D-4080-9CF6-EA28B66DC801}" type="slidenum">
               <a:rPr lang="zh-CN" altLang="en-US" smtClean="0"/>
-              <a:t>25</a:t>
+              <a:t>24</a:t>
             </a:fld>
             <a:endParaRPr lang="zh-CN" altLang="en-US"/>
           </a:p>
@@ -1368,7 +1349,7 @@
     </p:spTree>
     <p:extLst>
       <p:ext uri="{BB962C8B-B14F-4D97-AF65-F5344CB8AC3E}">
-        <p14:creationId xmlns:p14="http://schemas.microsoft.com/office/powerpoint/2010/main" val="297479630"/>
+        <p14:creationId xmlns:p14="http://schemas.microsoft.com/office/powerpoint/2010/main" val="3280530011"/>
       </p:ext>
     </p:extLst>
   </p:cSld>
@@ -1428,8 +1409,21 @@
             </a:r>
             <a:r>
               <a:rPr lang="zh-CN" altLang="en-US" dirty="0"/>
-              <a:t>既然都是组件化开发，那组件间怎么通信呢？</a:t>
-            </a:r>
+              <a:t>在</a:t>
+            </a:r>
+            <a:r>
+              <a:rPr lang="en-US" altLang="zh-CN" dirty="0"/>
+              <a:t>react</a:t>
+            </a:r>
+            <a:r>
+              <a:rPr lang="zh-CN" altLang="en-US" dirty="0"/>
+              <a:t>中，万物皆组件化，一个函数就是一个组件，在这之前的案例其实已经感受到了。一个页面你可以拆成多个组件去写，组件可以实现代码复用的功能，另外还有让代码结构更清晰，一块都可以拆成一个组件。组件内可以套用组件，每个组件都有自己的实例。 看这张原型图，讲</a:t>
+            </a:r>
+            <a:r>
+              <a:rPr lang="en-US" altLang="zh-CN" dirty="0"/>
+              <a:t>….</a:t>
+            </a:r>
+            <a:endParaRPr lang="zh-CN" altLang="en-US" dirty="0"/>
           </a:p>
         </p:txBody>
       </p:sp>
@@ -1459,7 +1453,7 @@
     </p:spTree>
     <p:extLst>
       <p:ext uri="{BB962C8B-B14F-4D97-AF65-F5344CB8AC3E}">
-        <p14:creationId xmlns:p14="http://schemas.microsoft.com/office/powerpoint/2010/main" val="2947814344"/>
+        <p14:creationId xmlns:p14="http://schemas.microsoft.com/office/powerpoint/2010/main" val="297479630"/>
       </p:ext>
     </p:extLst>
   </p:cSld>
@@ -1513,7 +1507,14 @@
           <a:bodyPr/>
           <a:lstStyle/>
           <a:p>
-            <a:endParaRPr lang="zh-CN" altLang="en-US" dirty="0"/>
+            <a:r>
+              <a:rPr lang="en-US" altLang="zh-CN" dirty="0"/>
+              <a:t>[1]</a:t>
+            </a:r>
+            <a:r>
+              <a:rPr lang="zh-CN" altLang="en-US" dirty="0"/>
+              <a:t>既然都是组件化开发，那组件间怎么通信呢？</a:t>
+            </a:r>
           </a:p>
         </p:txBody>
       </p:sp>
@@ -1543,7 +1544,7 @@
     </p:spTree>
     <p:extLst>
       <p:ext uri="{BB962C8B-B14F-4D97-AF65-F5344CB8AC3E}">
-        <p14:creationId xmlns:p14="http://schemas.microsoft.com/office/powerpoint/2010/main" val="2605058571"/>
+        <p14:creationId xmlns:p14="http://schemas.microsoft.com/office/powerpoint/2010/main" val="2947814344"/>
       </p:ext>
     </p:extLst>
   </p:cSld>
@@ -1599,23 +1600,7 @@
           <a:p>
             <a:r>
               <a:rPr lang="en-US" altLang="zh-CN" dirty="0"/>
-              <a:t>[1]</a:t>
-            </a:r>
-            <a:r>
-              <a:rPr lang="zh-CN" altLang="en-US" dirty="0"/>
-              <a:t>在</a:t>
-            </a:r>
-            <a:r>
-              <a:rPr lang="en-US" altLang="zh-CN" dirty="0"/>
-              <a:t>react</a:t>
-            </a:r>
-            <a:r>
-              <a:rPr lang="zh-CN" altLang="en-US" dirty="0"/>
-              <a:t>中不管是个处理事件、一个方法、乃至一个组件，都推崇函数式编程的写法。那先来看看官方的函数式组件怎么写  在</a:t>
-            </a:r>
-            <a:r>
-              <a:rPr lang="en-US" altLang="zh-CN" dirty="0" err="1"/>
-              <a:t>App.tsx</a:t>
+              <a:t>[1]return export div</a:t>
             </a:r>
             <a:endParaRPr lang="zh-CN" altLang="en-US" dirty="0"/>
           </a:p>
@@ -1647,7 +1632,7 @@
     </p:spTree>
     <p:extLst>
       <p:ext uri="{BB962C8B-B14F-4D97-AF65-F5344CB8AC3E}">
-        <p14:creationId xmlns:p14="http://schemas.microsoft.com/office/powerpoint/2010/main" val="1148448319"/>
+        <p14:creationId xmlns:p14="http://schemas.microsoft.com/office/powerpoint/2010/main" val="3309156422"/>
       </p:ext>
     </p:extLst>
   </p:cSld>
@@ -1701,22 +1686,7 @@
           <a:bodyPr/>
           <a:lstStyle/>
           <a:p>
-            <a:r>
-              <a:rPr lang="en-US" altLang="zh-CN" dirty="0"/>
-              <a:t>[1]</a:t>
-            </a:r>
-            <a:r>
-              <a:rPr lang="zh-CN" altLang="en-US" dirty="0"/>
-              <a:t>见</a:t>
-            </a:r>
-            <a:r>
-              <a:rPr lang="en-US" altLang="zh-CN" dirty="0"/>
-              <a:t>19</a:t>
-            </a:r>
-            <a:r>
-              <a:rPr lang="zh-CN" altLang="en-US" dirty="0"/>
-              <a:t>页</a:t>
-            </a:r>
+            <a:endParaRPr lang="zh-CN" altLang="en-US" dirty="0"/>
           </a:p>
         </p:txBody>
       </p:sp>
@@ -1746,7 +1716,7 @@
     </p:spTree>
     <p:extLst>
       <p:ext uri="{BB962C8B-B14F-4D97-AF65-F5344CB8AC3E}">
-        <p14:creationId xmlns:p14="http://schemas.microsoft.com/office/powerpoint/2010/main" val="3759162428"/>
+        <p14:creationId xmlns:p14="http://schemas.microsoft.com/office/powerpoint/2010/main" val="2605058571"/>
       </p:ext>
     </p:extLst>
   </p:cSld>
@@ -1800,7 +1770,22 @@
           <a:bodyPr/>
           <a:lstStyle/>
           <a:p>
-            <a:endParaRPr lang="zh-CN" altLang="en-US" dirty="0"/>
+            <a:r>
+              <a:rPr lang="en-US" altLang="zh-CN" dirty="0"/>
+              <a:t>[1]</a:t>
+            </a:r>
+            <a:r>
+              <a:rPr lang="zh-CN" altLang="en-US" dirty="0"/>
+              <a:t>见</a:t>
+            </a:r>
+            <a:r>
+              <a:rPr lang="en-US" altLang="zh-CN" dirty="0"/>
+              <a:t>19</a:t>
+            </a:r>
+            <a:r>
+              <a:rPr lang="zh-CN" altLang="en-US" dirty="0"/>
+              <a:t>页</a:t>
+            </a:r>
           </a:p>
         </p:txBody>
       </p:sp>
@@ -1830,7 +1815,7 @@
     </p:spTree>
     <p:extLst>
       <p:ext uri="{BB962C8B-B14F-4D97-AF65-F5344CB8AC3E}">
-        <p14:creationId xmlns:p14="http://schemas.microsoft.com/office/powerpoint/2010/main" val="2553569737"/>
+        <p14:creationId xmlns:p14="http://schemas.microsoft.com/office/powerpoint/2010/main" val="3759162428"/>
       </p:ext>
     </p:extLst>
   </p:cSld>
@@ -1884,22 +1869,7 @@
           <a:bodyPr/>
           <a:lstStyle/>
           <a:p>
-            <a:r>
-              <a:rPr lang="en-US" altLang="zh-CN" dirty="0"/>
-              <a:t>[1]</a:t>
-            </a:r>
-            <a:r>
-              <a:rPr lang="zh-CN" altLang="en-US" dirty="0"/>
-              <a:t>见</a:t>
-            </a:r>
-            <a:r>
-              <a:rPr lang="en-US" altLang="zh-CN" dirty="0"/>
-              <a:t>20</a:t>
-            </a:r>
-            <a:r>
-              <a:rPr lang="zh-CN" altLang="en-US" dirty="0"/>
-              <a:t>页</a:t>
-            </a:r>
+            <a:endParaRPr lang="zh-CN" altLang="en-US" dirty="0"/>
           </a:p>
         </p:txBody>
       </p:sp>
@@ -1929,7 +1899,7 @@
     </p:spTree>
     <p:extLst>
       <p:ext uri="{BB962C8B-B14F-4D97-AF65-F5344CB8AC3E}">
-        <p14:creationId xmlns:p14="http://schemas.microsoft.com/office/powerpoint/2010/main" val="122962551"/>
+        <p14:creationId xmlns:p14="http://schemas.microsoft.com/office/powerpoint/2010/main" val="2553569737"/>
       </p:ext>
     </p:extLst>
   </p:cSld>
@@ -1989,47 +1959,15 @@
             </a:r>
             <a:r>
               <a:rPr lang="zh-CN" altLang="en-US" dirty="0"/>
-              <a:t>其实还有一些第三方的其它方法可以进行组件通信的，比如</a:t>
-            </a:r>
-            <a:r>
-              <a:rPr lang="en-US" altLang="zh-CN" dirty="0" err="1"/>
-              <a:t>mobx</a:t>
-            </a:r>
-            <a:r>
-              <a:rPr lang="zh-CN" altLang="en-US" dirty="0"/>
-              <a:t>，</a:t>
-            </a:r>
-            <a:r>
-              <a:rPr lang="en-US" altLang="zh-CN" dirty="0"/>
-              <a:t>redux</a:t>
-            </a:r>
-            <a:r>
-              <a:rPr lang="zh-CN" altLang="en-US" dirty="0"/>
-              <a:t>，</a:t>
-            </a:r>
-            <a:r>
-              <a:rPr lang="en-US" altLang="zh-CN" dirty="0" err="1"/>
-              <a:t>umi</a:t>
-            </a:r>
-            <a:r>
-              <a:rPr lang="zh-CN" altLang="en-US" dirty="0"/>
-              <a:t>中的</a:t>
-            </a:r>
-            <a:r>
-              <a:rPr lang="en-US" altLang="zh-CN" dirty="0" err="1"/>
-              <a:t>useMedel</a:t>
-            </a:r>
-            <a:r>
-              <a:rPr lang="zh-CN" altLang="en-US" dirty="0"/>
-              <a:t>，</a:t>
-            </a:r>
-            <a:r>
-              <a:rPr lang="en-US" altLang="zh-CN" dirty="0" err="1"/>
-              <a:t>dva</a:t>
-            </a:r>
-            <a:r>
-              <a:rPr lang="zh-CN" altLang="en-US" dirty="0"/>
-              <a:t>等</a:t>
+              <a:t>见</a:t>
+            </a:r>
+            <a:r>
+              <a:rPr lang="en-US" altLang="zh-CN" dirty="0"/>
+              <a:t>20</a:t>
+            </a:r>
+            <a:r>
+              <a:rPr lang="zh-CN" altLang="en-US" dirty="0"/>
+              <a:t>页</a:t>
             </a:r>
           </a:p>
         </p:txBody>
@@ -2060,7 +1998,7 @@
     </p:spTree>
     <p:extLst>
       <p:ext uri="{BB962C8B-B14F-4D97-AF65-F5344CB8AC3E}">
-        <p14:creationId xmlns:p14="http://schemas.microsoft.com/office/powerpoint/2010/main" val="4002968178"/>
+        <p14:creationId xmlns:p14="http://schemas.microsoft.com/office/powerpoint/2010/main" val="122962551"/>
       </p:ext>
     </p:extLst>
   </p:cSld>
@@ -2114,127 +2052,22 @@
           <a:bodyPr/>
           <a:lstStyle/>
           <a:p>
-            <a:pPr marL="0" marR="0" lvl="0" indent="0" algn="l" defTabSz="914400" rtl="0" eaLnBrk="1" fontAlgn="auto" latinLnBrk="0" hangingPunct="1">
-              <a:lnSpc>
-                <a:spcPct val="100000"/>
-              </a:lnSpc>
-              <a:spcBef>
-                <a:spcPts val="0"/>
-              </a:spcBef>
-              <a:spcAft>
-                <a:spcPts val="0"/>
-              </a:spcAft>
-              <a:buClrTx/>
-              <a:buSzTx/>
-              <a:buFontTx/>
-              <a:buNone/>
-              <a:tabLst/>
-              <a:defRPr/>
-            </a:pPr>
             <a:r>
               <a:rPr lang="en-US" altLang="zh-CN" dirty="0"/>
               <a:t>[1]</a:t>
             </a:r>
             <a:r>
-              <a:rPr lang="zh-CN" altLang="en-US" b="0" dirty="0">
-                <a:solidFill>
-                  <a:srgbClr val="6A9955"/>
-                </a:solidFill>
-                <a:effectLst/>
-                <a:latin typeface="Consolas" panose="020B0609020204030204" pitchFamily="49" charset="0"/>
-              </a:rPr>
-              <a:t>通过这个案例，我们对组件化开发、组件</a:t>
-            </a:r>
-            <a:r>
-              <a:rPr lang="en-US" altLang="zh-CN" b="0" dirty="0">
-                <a:solidFill>
-                  <a:srgbClr val="6A9955"/>
-                </a:solidFill>
-                <a:effectLst/>
-                <a:latin typeface="Consolas" panose="020B0609020204030204" pitchFamily="49" charset="0"/>
-              </a:rPr>
-              <a:t>props</a:t>
-            </a:r>
-            <a:r>
-              <a:rPr lang="zh-CN" altLang="en-US" b="0" dirty="0">
-                <a:solidFill>
-                  <a:srgbClr val="6A9955"/>
-                </a:solidFill>
-                <a:effectLst/>
-                <a:latin typeface="Consolas" panose="020B0609020204030204" pitchFamily="49" charset="0"/>
-              </a:rPr>
-              <a:t>传参、组件通信方式等知识进行了练习。那其实</a:t>
-            </a:r>
-            <a:r>
-              <a:rPr lang="en-US" altLang="zh-CN" b="0" dirty="0">
-                <a:solidFill>
-                  <a:srgbClr val="6A9955"/>
-                </a:solidFill>
-                <a:effectLst/>
-                <a:latin typeface="Consolas" panose="020B0609020204030204" pitchFamily="49" charset="0"/>
-              </a:rPr>
-              <a:t>react</a:t>
-            </a:r>
-            <a:r>
-              <a:rPr lang="zh-CN" altLang="en-US" b="0" dirty="0">
-                <a:solidFill>
-                  <a:srgbClr val="6A9955"/>
-                </a:solidFill>
-                <a:effectLst/>
-                <a:latin typeface="Consolas" panose="020B0609020204030204" pitchFamily="49" charset="0"/>
-              </a:rPr>
-              <a:t>也有对应的</a:t>
-            </a:r>
-            <a:r>
-              <a:rPr lang="en-US" altLang="zh-CN" b="0" dirty="0" err="1">
-                <a:solidFill>
-                  <a:srgbClr val="6A9955"/>
-                </a:solidFill>
-                <a:effectLst/>
-                <a:latin typeface="Consolas" panose="020B0609020204030204" pitchFamily="49" charset="0"/>
-              </a:rPr>
-              <a:t>ui</a:t>
-            </a:r>
-            <a:r>
-              <a:rPr lang="zh-CN" altLang="en-US" b="0" dirty="0">
-                <a:solidFill>
-                  <a:srgbClr val="6A9955"/>
-                </a:solidFill>
-                <a:effectLst/>
-                <a:latin typeface="Consolas" panose="020B0609020204030204" pitchFamily="49" charset="0"/>
-              </a:rPr>
-              <a:t>库</a:t>
-            </a:r>
-            <a:r>
-              <a:rPr lang="en-US" altLang="zh-CN" b="0" dirty="0" err="1">
-                <a:solidFill>
-                  <a:srgbClr val="6A9955"/>
-                </a:solidFill>
-                <a:effectLst/>
-                <a:latin typeface="Consolas" panose="020B0609020204030204" pitchFamily="49" charset="0"/>
-              </a:rPr>
-              <a:t>Antd</a:t>
-            </a:r>
-            <a:r>
-              <a:rPr lang="zh-CN" altLang="en-US" b="0" dirty="0">
-                <a:solidFill>
-                  <a:srgbClr val="6A9955"/>
-                </a:solidFill>
-                <a:effectLst/>
-                <a:latin typeface="Consolas" panose="020B0609020204030204" pitchFamily="49" charset="0"/>
-              </a:rPr>
-              <a:t>，下面来看看</a:t>
-            </a:r>
-            <a:endParaRPr lang="zh-CN" altLang="en-US" b="0" dirty="0">
-              <a:solidFill>
-                <a:srgbClr val="CCCCCC"/>
-              </a:solidFill>
-              <a:effectLst/>
-              <a:latin typeface="Consolas" panose="020B0609020204030204" pitchFamily="49" charset="0"/>
-            </a:endParaRPr>
-          </a:p>
-          <a:p>
-            <a:endParaRPr lang="zh-CN" altLang="en-US" dirty="0"/>
+              <a:rPr lang="zh-CN" altLang="en-US" dirty="0"/>
+              <a:t>见</a:t>
+            </a:r>
+            <a:r>
+              <a:rPr lang="en-US" altLang="zh-CN" dirty="0"/>
+              <a:t>20</a:t>
+            </a:r>
+            <a:r>
+              <a:rPr lang="zh-CN" altLang="en-US" dirty="0"/>
+              <a:t>页</a:t>
+            </a:r>
           </a:p>
         </p:txBody>
       </p:sp>
@@ -2255,7 +2088,7 @@
           <a:p>
             <a:fld id="{F9E1B693-632D-4080-9CF6-EA28B66DC801}" type="slidenum">
               <a:rPr lang="zh-CN" altLang="en-US" smtClean="0"/>
-              <a:t>33</a:t>
+              <a:t>32</a:t>
             </a:fld>
             <a:endParaRPr lang="zh-CN" altLang="en-US"/>
           </a:p>
@@ -2264,7 +2097,7 @@
     </p:spTree>
     <p:extLst>
       <p:ext uri="{BB962C8B-B14F-4D97-AF65-F5344CB8AC3E}">
-        <p14:creationId xmlns:p14="http://schemas.microsoft.com/office/powerpoint/2010/main" val="2247963627"/>
+        <p14:creationId xmlns:p14="http://schemas.microsoft.com/office/powerpoint/2010/main" val="1724430315"/>
       </p:ext>
     </p:extLst>
   </p:cSld>
@@ -2335,6 +2168,109 @@
               <a:tabLst/>
               <a:defRPr/>
             </a:pPr>
+            <a:r>
+              <a:rPr lang="en-US" altLang="zh-CN" dirty="0"/>
+              <a:t>[1]</a:t>
+            </a:r>
+            <a:r>
+              <a:rPr lang="zh-CN" altLang="en-US" b="0" dirty="0">
+                <a:solidFill>
+                  <a:srgbClr val="6A9955"/>
+                </a:solidFill>
+                <a:effectLst/>
+                <a:latin typeface="Consolas" panose="020B0609020204030204" pitchFamily="49" charset="0"/>
+              </a:rPr>
+              <a:t>通过这个案例，我们对组件化开发、组件</a:t>
+            </a:r>
+            <a:r>
+              <a:rPr lang="en-US" altLang="zh-CN" b="0" dirty="0">
+                <a:solidFill>
+                  <a:srgbClr val="6A9955"/>
+                </a:solidFill>
+                <a:effectLst/>
+                <a:latin typeface="Consolas" panose="020B0609020204030204" pitchFamily="49" charset="0"/>
+              </a:rPr>
+              <a:t>props</a:t>
+            </a:r>
+            <a:r>
+              <a:rPr lang="zh-CN" altLang="en-US" b="0" dirty="0">
+                <a:solidFill>
+                  <a:srgbClr val="6A9955"/>
+                </a:solidFill>
+                <a:effectLst/>
+                <a:latin typeface="Consolas" panose="020B0609020204030204" pitchFamily="49" charset="0"/>
+              </a:rPr>
+              <a:t>传参、组件通信方式等知识进行了练习。那其实</a:t>
+            </a:r>
+            <a:r>
+              <a:rPr lang="en-US" altLang="zh-CN" b="0" dirty="0">
+                <a:solidFill>
+                  <a:srgbClr val="6A9955"/>
+                </a:solidFill>
+                <a:effectLst/>
+                <a:latin typeface="Consolas" panose="020B0609020204030204" pitchFamily="49" charset="0"/>
+              </a:rPr>
+              <a:t>react</a:t>
+            </a:r>
+            <a:r>
+              <a:rPr lang="zh-CN" altLang="en-US" b="0" dirty="0">
+                <a:solidFill>
+                  <a:srgbClr val="6A9955"/>
+                </a:solidFill>
+                <a:effectLst/>
+                <a:latin typeface="Consolas" panose="020B0609020204030204" pitchFamily="49" charset="0"/>
+              </a:rPr>
+              <a:t>也有对应的</a:t>
+            </a:r>
+            <a:r>
+              <a:rPr lang="en-US" altLang="zh-CN" b="0" dirty="0" err="1">
+                <a:solidFill>
+                  <a:srgbClr val="6A9955"/>
+                </a:solidFill>
+                <a:effectLst/>
+                <a:latin typeface="Consolas" panose="020B0609020204030204" pitchFamily="49" charset="0"/>
+              </a:rPr>
+              <a:t>ui</a:t>
+            </a:r>
+            <a:r>
+              <a:rPr lang="zh-CN" altLang="en-US" b="0" dirty="0">
+                <a:solidFill>
+                  <a:srgbClr val="6A9955"/>
+                </a:solidFill>
+                <a:effectLst/>
+                <a:latin typeface="Consolas" panose="020B0609020204030204" pitchFamily="49" charset="0"/>
+              </a:rPr>
+              <a:t>库</a:t>
+            </a:r>
+            <a:r>
+              <a:rPr lang="en-US" altLang="zh-CN" b="0" dirty="0" err="1">
+                <a:solidFill>
+                  <a:srgbClr val="6A9955"/>
+                </a:solidFill>
+                <a:effectLst/>
+                <a:latin typeface="Consolas" panose="020B0609020204030204" pitchFamily="49" charset="0"/>
+              </a:rPr>
+              <a:t>Antd</a:t>
+            </a:r>
+            <a:r>
+              <a:rPr lang="zh-CN" altLang="en-US" b="0" dirty="0">
+                <a:solidFill>
+                  <a:srgbClr val="6A9955"/>
+                </a:solidFill>
+                <a:effectLst/>
+                <a:latin typeface="Consolas" panose="020B0609020204030204" pitchFamily="49" charset="0"/>
+              </a:rPr>
+              <a:t>，下面来看看</a:t>
+            </a:r>
+            <a:endParaRPr lang="zh-CN" altLang="en-US" b="0" dirty="0">
+              <a:solidFill>
+                <a:srgbClr val="CCCCCC"/>
+              </a:solidFill>
+              <a:effectLst/>
+              <a:latin typeface="Consolas" panose="020B0609020204030204" pitchFamily="49" charset="0"/>
+            </a:endParaRPr>
+          </a:p>
+          <a:p>
             <a:endParaRPr lang="zh-CN" altLang="en-US" dirty="0"/>
           </a:p>
         </p:txBody>
@@ -2356,7 +2292,7 @@
           <a:p>
             <a:fld id="{F9E1B693-632D-4080-9CF6-EA28B66DC801}" type="slidenum">
               <a:rPr lang="zh-CN" altLang="en-US" smtClean="0"/>
-              <a:t>35</a:t>
+              <a:t>34</a:t>
             </a:fld>
             <a:endParaRPr lang="zh-CN" altLang="en-US"/>
           </a:p>
@@ -2365,7 +2301,7 @@
     </p:spTree>
     <p:extLst>
       <p:ext uri="{BB962C8B-B14F-4D97-AF65-F5344CB8AC3E}">
-        <p14:creationId xmlns:p14="http://schemas.microsoft.com/office/powerpoint/2010/main" val="932352610"/>
+        <p14:creationId xmlns:p14="http://schemas.microsoft.com/office/powerpoint/2010/main" val="2247963627"/>
       </p:ext>
     </p:extLst>
   </p:cSld>
@@ -2458,6 +2394,107 @@
             <a:fld id="{F9E1B693-632D-4080-9CF6-EA28B66DC801}" type="slidenum">
               <a:rPr lang="zh-CN" altLang="en-US" smtClean="0"/>
               <a:t>36</a:t>
+            </a:fld>
+            <a:endParaRPr lang="zh-CN" altLang="en-US"/>
+          </a:p>
+        </p:txBody>
+      </p:sp>
+    </p:spTree>
+    <p:extLst>
+      <p:ext uri="{BB962C8B-B14F-4D97-AF65-F5344CB8AC3E}">
+        <p14:creationId xmlns:p14="http://schemas.microsoft.com/office/powerpoint/2010/main" val="932352610"/>
+      </p:ext>
+    </p:extLst>
+  </p:cSld>
+  <p:clrMapOvr>
+    <a:masterClrMapping/>
+  </p:clrMapOvr>
+</p:notes>
+</file>
+
+<file path=ppt/notesSlides/notesSlide27.xml><?xml version="1.0" encoding="utf-8"?>
+<p:notes xmlns:a="http://schemas.openxmlformats.org/drawingml/2006/main" xmlns:r="http://schemas.openxmlformats.org/officeDocument/2006/relationships" xmlns:p="http://schemas.openxmlformats.org/presentationml/2006/main">
+  <p:cSld>
+    <p:spTree>
+      <p:nvGrpSpPr>
+        <p:cNvPr id="1" name=""/>
+        <p:cNvGrpSpPr/>
+        <p:nvPr/>
+      </p:nvGrpSpPr>
+      <p:grpSpPr>
+        <a:xfrm>
+          <a:off x="0" y="0"/>
+          <a:ext cx="0" cy="0"/>
+          <a:chOff x="0" y="0"/>
+          <a:chExt cx="0" cy="0"/>
+        </a:xfrm>
+      </p:grpSpPr>
+      <p:sp>
+        <p:nvSpPr>
+          <p:cNvPr id="2" name="幻灯片图像占位符 1"/>
+          <p:cNvSpPr>
+            <a:spLocks noGrp="1" noRot="1" noChangeAspect="1"/>
+          </p:cNvSpPr>
+          <p:nvPr>
+            <p:ph type="sldImg"/>
+          </p:nvPr>
+        </p:nvSpPr>
+        <p:spPr/>
+      </p:sp>
+      <p:sp>
+        <p:nvSpPr>
+          <p:cNvPr id="3" name="备注占位符 2"/>
+          <p:cNvSpPr>
+            <a:spLocks noGrp="1"/>
+          </p:cNvSpPr>
+          <p:nvPr>
+            <p:ph type="body" idx="1"/>
+          </p:nvPr>
+        </p:nvSpPr>
+        <p:spPr/>
+        <p:txBody>
+          <a:bodyPr/>
+          <a:lstStyle/>
+          <a:p>
+            <a:pPr marL="0" marR="0" lvl="0" indent="0" algn="l" defTabSz="914400" rtl="0" eaLnBrk="1" fontAlgn="auto" latinLnBrk="0" hangingPunct="1">
+              <a:lnSpc>
+                <a:spcPct val="100000"/>
+              </a:lnSpc>
+              <a:spcBef>
+                <a:spcPts val="0"/>
+              </a:spcBef>
+              <a:spcAft>
+                <a:spcPts val="0"/>
+              </a:spcAft>
+              <a:buClrTx/>
+              <a:buSzTx/>
+              <a:buFontTx/>
+              <a:buNone/>
+              <a:tabLst/>
+              <a:defRPr/>
+            </a:pPr>
+            <a:endParaRPr lang="zh-CN" altLang="en-US" dirty="0"/>
+          </a:p>
+        </p:txBody>
+      </p:sp>
+      <p:sp>
+        <p:nvSpPr>
+          <p:cNvPr id="4" name="灯片编号占位符 3"/>
+          <p:cNvSpPr>
+            <a:spLocks noGrp="1"/>
+          </p:cNvSpPr>
+          <p:nvPr>
+            <p:ph type="sldNum" sz="quarter" idx="5"/>
+          </p:nvPr>
+        </p:nvSpPr>
+        <p:spPr/>
+        <p:txBody>
+          <a:bodyPr/>
+          <a:lstStyle/>
+          <a:p>
+            <a:fld id="{F9E1B693-632D-4080-9CF6-EA28B66DC801}" type="slidenum">
+              <a:rPr lang="zh-CN" altLang="en-US" smtClean="0"/>
+              <a:t>37</a:t>
             </a:fld>
             <a:endParaRPr lang="zh-CN" altLang="en-US"/>
           </a:p>
@@ -2526,7 +2563,7 @@
             </a:r>
             <a:r>
               <a:rPr lang="zh-CN" altLang="en-US" dirty="0"/>
-              <a:t>但其实这种写法是比较难维护和读懂的，那</a:t>
+              <a:t>在</a:t>
             </a:r>
             <a:r>
               <a:rPr lang="en-US" altLang="zh-CN" dirty="0"/>
@@ -2534,27 +2571,13 @@
             </a:r>
             <a:r>
               <a:rPr lang="zh-CN" altLang="en-US" dirty="0"/>
-              <a:t>是否还有别的方法去编写</a:t>
-            </a:r>
-            <a:r>
-              <a:rPr lang="en-US" altLang="zh-CN" dirty="0"/>
-              <a:t>HTML</a:t>
-            </a:r>
-            <a:r>
-              <a:rPr lang="zh-CN" altLang="en-US" dirty="0"/>
-              <a:t>呢？</a:t>
-            </a:r>
-            <a:endParaRPr lang="en-US" altLang="zh-CN" dirty="0"/>
-          </a:p>
-          <a:p>
-            <a:r>
-              <a:rPr lang="en-US" altLang="zh-CN" dirty="0"/>
-              <a:t>[2]React</a:t>
-            </a:r>
-            <a:r>
-              <a:rPr lang="zh-CN" altLang="en-US" dirty="0"/>
-              <a:t>编程也强烈推荐使用它，它让代码更易于编写和阅读。</a:t>
-            </a:r>
+              <a:t>中不管是个处理事件、一个方法、乃至一个组件，都推崇函数式编程的写法。那先来看看官方的函数式组件怎么写  在</a:t>
+            </a:r>
+            <a:r>
+              <a:rPr lang="en-US" altLang="zh-CN" dirty="0" err="1"/>
+              <a:t>App.tsx</a:t>
+            </a:r>
+            <a:endParaRPr lang="zh-CN" altLang="en-US" dirty="0"/>
           </a:p>
         </p:txBody>
       </p:sp>
@@ -2584,7 +2607,7 @@
     </p:spTree>
     <p:extLst>
       <p:ext uri="{BB962C8B-B14F-4D97-AF65-F5344CB8AC3E}">
-        <p14:creationId xmlns:p14="http://schemas.microsoft.com/office/powerpoint/2010/main" val="3309156422"/>
+        <p14:creationId xmlns:p14="http://schemas.microsoft.com/office/powerpoint/2010/main" val="1148448319"/>
       </p:ext>
     </p:extLst>
   </p:cSld>
@@ -3110,53 +3133,8 @@
             </a:r>
             <a:r>
               <a:rPr lang="zh-CN" altLang="en-US" dirty="0"/>
-              <a:t>在这之前我们写的函数组件都是无状态的纯函数组件，那如果想让一个组件它有自己的状态和副作用呢，那就需要使用到</a:t>
-            </a:r>
-            <a:r>
-              <a:rPr lang="en-US" altLang="zh-CN" dirty="0"/>
-              <a:t>hooks</a:t>
-            </a:r>
-            <a:r>
-              <a:rPr lang="zh-CN" altLang="en-US" dirty="0"/>
-              <a:t>了，</a:t>
-            </a:r>
-            <a:r>
-              <a:rPr lang="en-US" altLang="zh-CN" dirty="0"/>
-              <a:t>hooks</a:t>
-            </a:r>
-            <a:r>
-              <a:rPr lang="zh-CN" altLang="en-US" dirty="0"/>
-              <a:t>是</a:t>
-            </a:r>
-            <a:r>
-              <a:rPr lang="en-US" altLang="zh-CN" dirty="0"/>
-              <a:t>react16.8</a:t>
-            </a:r>
-            <a:r>
-              <a:rPr lang="zh-CN" altLang="en-US" dirty="0"/>
-              <a:t>版本之后出来的，它的标志是必须以</a:t>
-            </a:r>
-            <a:r>
-              <a:rPr lang="en-US" altLang="zh-CN" dirty="0"/>
-              <a:t>use</a:t>
-            </a:r>
-            <a:r>
-              <a:rPr lang="zh-CN" altLang="en-US" dirty="0"/>
-              <a:t>开头的。然后我们来看看</a:t>
-            </a:r>
-            <a:r>
-              <a:rPr lang="en-US" altLang="zh-CN" dirty="0"/>
-              <a:t>react</a:t>
-            </a:r>
-            <a:r>
-              <a:rPr lang="zh-CN" altLang="en-US" dirty="0"/>
-              <a:t>提供的最基本的几个</a:t>
-            </a:r>
-            <a:r>
-              <a:rPr lang="en-US" altLang="zh-CN" dirty="0"/>
-              <a:t>hooks</a:t>
-            </a:r>
-            <a:endParaRPr lang="zh-CN" altLang="en-US" dirty="0"/>
+              <a:t>然后现在来看看函数式组件中怎么绑定事件的，看看代码：</a:t>
+            </a:r>
           </a:p>
         </p:txBody>
       </p:sp>
@@ -3186,7 +3164,7 @@
     </p:spTree>
     <p:extLst>
       <p:ext uri="{BB962C8B-B14F-4D97-AF65-F5344CB8AC3E}">
-        <p14:creationId xmlns:p14="http://schemas.microsoft.com/office/powerpoint/2010/main" val="362164744"/>
+        <p14:creationId xmlns:p14="http://schemas.microsoft.com/office/powerpoint/2010/main" val="1853445337"/>
       </p:ext>
     </p:extLst>
   </p:cSld>
@@ -3240,6 +3218,58 @@
           <a:bodyPr/>
           <a:lstStyle/>
           <a:p>
+            <a:r>
+              <a:rPr lang="en-US" altLang="zh-CN" dirty="0"/>
+              <a:t>[1]</a:t>
+            </a:r>
+            <a:r>
+              <a:rPr lang="zh-CN" altLang="en-US" dirty="0"/>
+              <a:t>在这之前我们写的函数组件都是无状态的纯函数组件，那如果想让一个组件它有自己的状态和副作用呢，那就需要使用到</a:t>
+            </a:r>
+            <a:r>
+              <a:rPr lang="en-US" altLang="zh-CN" dirty="0"/>
+              <a:t>hooks</a:t>
+            </a:r>
+            <a:r>
+              <a:rPr lang="zh-CN" altLang="en-US" dirty="0"/>
+              <a:t>了，</a:t>
+            </a:r>
+            <a:r>
+              <a:rPr lang="en-US" altLang="zh-CN" dirty="0"/>
+              <a:t>hooks</a:t>
+            </a:r>
+            <a:r>
+              <a:rPr lang="zh-CN" altLang="en-US" dirty="0"/>
+              <a:t>是</a:t>
+            </a:r>
+            <a:r>
+              <a:rPr lang="en-US" altLang="zh-CN" dirty="0"/>
+              <a:t>react16.8</a:t>
+            </a:r>
+            <a:r>
+              <a:rPr lang="zh-CN" altLang="en-US" dirty="0"/>
+              <a:t>版本之后出来的，它的标志是必须以</a:t>
+            </a:r>
+            <a:r>
+              <a:rPr lang="en-US" altLang="zh-CN" dirty="0"/>
+              <a:t>use</a:t>
+            </a:r>
+            <a:r>
+              <a:rPr lang="zh-CN" altLang="en-US" dirty="0"/>
+              <a:t>开头的。然后我们来看看</a:t>
+            </a:r>
+            <a:r>
+              <a:rPr lang="en-US" altLang="zh-CN" dirty="0"/>
+              <a:t>react</a:t>
+            </a:r>
+            <a:r>
+              <a:rPr lang="zh-CN" altLang="en-US" dirty="0"/>
+              <a:t>提供的最基本的几个</a:t>
+            </a:r>
+            <a:r>
+              <a:rPr lang="en-US" altLang="zh-CN" dirty="0"/>
+              <a:t>hooks</a:t>
+            </a:r>
             <a:endParaRPr lang="zh-CN" altLang="en-US" dirty="0"/>
           </a:p>
         </p:txBody>
@@ -3270,7 +3300,7 @@
     </p:spTree>
     <p:extLst>
       <p:ext uri="{BB962C8B-B14F-4D97-AF65-F5344CB8AC3E}">
-        <p14:creationId xmlns:p14="http://schemas.microsoft.com/office/powerpoint/2010/main" val="910686043"/>
+        <p14:creationId xmlns:p14="http://schemas.microsoft.com/office/powerpoint/2010/main" val="362164744"/>
       </p:ext>
     </p:extLst>
   </p:cSld>
@@ -5624,6 +5654,130 @@
         <p:spPr>
           <a:xfrm>
             <a:off x="451961" y="685165"/>
+            <a:ext cx="8460307" cy="1200329"/>
+          </a:xfrm>
+          <a:prstGeom prst="rect">
+            <a:avLst/>
+          </a:prstGeom>
+          <a:noFill/>
+        </p:spPr>
+        <p:txBody>
+          <a:bodyPr wrap="square" rtlCol="0">
+            <a:spAutoFit/>
+          </a:bodyPr>
+          <a:lstStyle/>
+          <a:p>
+            <a:r>
+              <a:rPr lang="zh-CN" altLang="en-US" dirty="0"/>
+              <a:t>什么是</a:t>
+            </a:r>
+            <a:r>
+              <a:rPr lang="en-US" altLang="zh-CN" dirty="0"/>
+              <a:t>hooks</a:t>
+            </a:r>
+            <a:r>
+              <a:rPr lang="zh-CN" altLang="en-US" dirty="0"/>
+              <a:t>，</a:t>
+            </a:r>
+            <a:r>
+              <a:rPr lang="en-US" altLang="zh-CN" dirty="0"/>
+              <a:t>hooks</a:t>
+            </a:r>
+            <a:r>
+              <a:rPr lang="zh-CN" altLang="en-US" dirty="0"/>
+              <a:t>解决了什么问题，常见的</a:t>
+            </a:r>
+            <a:r>
+              <a:rPr lang="en-US" altLang="zh-CN" dirty="0"/>
+              <a:t>hooks</a:t>
+            </a:r>
+            <a:r>
+              <a:rPr lang="zh-CN" altLang="en-US" dirty="0"/>
+              <a:t>有几个</a:t>
+            </a:r>
+            <a:endParaRPr lang="en-US" altLang="zh-CN" dirty="0"/>
+          </a:p>
+          <a:p>
+            <a:endParaRPr lang="en-US" altLang="zh-CN" dirty="0"/>
+          </a:p>
+          <a:p>
+            <a:endParaRPr lang="en-US" altLang="zh-CN" dirty="0"/>
+          </a:p>
+          <a:p>
+            <a:endParaRPr lang="zh-CN" altLang="en-US" dirty="0"/>
+          </a:p>
+        </p:txBody>
+      </p:sp>
+    </p:spTree>
+    <p:extLst>
+      <p:ext uri="{BB962C8B-B14F-4D97-AF65-F5344CB8AC3E}">
+        <p14:creationId xmlns:p14="http://schemas.microsoft.com/office/powerpoint/2010/main" val="2222759530"/>
+      </p:ext>
+    </p:extLst>
+  </p:cSld>
+  <p:clrMapOvr>
+    <a:masterClrMapping/>
+  </p:clrMapOvr>
+</p:sld>
+</file>
+
+<file path=ppt/slides/slide15.xml><?xml version="1.0" encoding="utf-8"?>
+<p:sld xmlns:a="http://schemas.openxmlformats.org/drawingml/2006/main" xmlns:r="http://schemas.openxmlformats.org/officeDocument/2006/relationships" xmlns:p="http://schemas.openxmlformats.org/presentationml/2006/main">
+  <p:cSld>
+    <p:spTree>
+      <p:nvGrpSpPr>
+        <p:cNvPr id="1" name=""/>
+        <p:cNvGrpSpPr/>
+        <p:nvPr/>
+      </p:nvGrpSpPr>
+      <p:grpSpPr>
+        <a:xfrm>
+          <a:off x="0" y="0"/>
+          <a:ext cx="0" cy="0"/>
+          <a:chOff x="0" y="0"/>
+          <a:chExt cx="0" cy="0"/>
+        </a:xfrm>
+      </p:grpSpPr>
+      <p:sp>
+        <p:nvSpPr>
+          <p:cNvPr id="2" name="标题 1"/>
+          <p:cNvSpPr>
+            <a:spLocks noGrp="1"/>
+          </p:cNvSpPr>
+          <p:nvPr>
+            <p:ph type="title"/>
+          </p:nvPr>
+        </p:nvSpPr>
+        <p:spPr/>
+        <p:txBody>
+          <a:bodyPr/>
+          <a:lstStyle/>
+          <a:p>
+            <a:r>
+              <a:rPr lang="en-US" altLang="zh-CN" dirty="0"/>
+              <a:t>React</a:t>
+            </a:r>
+            <a:r>
+              <a:rPr lang="zh-CN" altLang="en-US" dirty="0"/>
+              <a:t>基础</a:t>
+            </a:r>
+            <a:endParaRPr lang="zh-CN" altLang="en-US" sz="2400" b="1" dirty="0">
+              <a:solidFill>
+                <a:schemeClr val="tx1"/>
+              </a:solidFill>
+            </a:endParaRPr>
+          </a:p>
+        </p:txBody>
+      </p:sp>
+      <p:sp>
+        <p:nvSpPr>
+          <p:cNvPr id="3" name="文本框 2"/>
+          <p:cNvSpPr txBox="1"/>
+          <p:nvPr/>
+        </p:nvSpPr>
+        <p:spPr>
+          <a:xfrm>
+            <a:off x="451961" y="685165"/>
             <a:ext cx="4282877" cy="4247317"/>
           </a:xfrm>
           <a:prstGeom prst="rect">
@@ -5826,7 +5980,7 @@
 </p:sld>
 </file>
 
-<file path=ppt/slides/slide15.xml><?xml version="1.0" encoding="utf-8"?>
+<file path=ppt/slides/slide16.xml><?xml version="1.0" encoding="utf-8"?>
 <p:sld xmlns:a="http://schemas.openxmlformats.org/drawingml/2006/main" xmlns:r="http://schemas.openxmlformats.org/officeDocument/2006/relationships" xmlns:p="http://schemas.openxmlformats.org/presentationml/2006/main">
   <p:cSld>
     <p:spTree>
@@ -6131,7 +6285,7 @@
 </p:sld>
 </file>
 
-<file path=ppt/slides/slide16.xml><?xml version="1.0" encoding="utf-8"?>
+<file path=ppt/slides/slide17.xml><?xml version="1.0" encoding="utf-8"?>
 <p:sld xmlns:a="http://schemas.openxmlformats.org/drawingml/2006/main" xmlns:r="http://schemas.openxmlformats.org/officeDocument/2006/relationships" xmlns:p="http://schemas.openxmlformats.org/presentationml/2006/main">
   <p:cSld>
     <p:spTree>
@@ -6347,7 +6501,7 @@
 </p:sld>
 </file>
 
-<file path=ppt/slides/slide17.xml><?xml version="1.0" encoding="utf-8"?>
+<file path=ppt/slides/slide18.xml><?xml version="1.0" encoding="utf-8"?>
 <p:sld xmlns:a="http://schemas.openxmlformats.org/drawingml/2006/main" xmlns:r="http://schemas.openxmlformats.org/officeDocument/2006/relationships" xmlns:p="http://schemas.openxmlformats.org/presentationml/2006/main">
   <p:cSld>
     <p:spTree>
@@ -6556,7 +6710,7 @@
 </p:sld>
 </file>
 
-<file path=ppt/slides/slide18.xml><?xml version="1.0" encoding="utf-8"?>
+<file path=ppt/slides/slide19.xml><?xml version="1.0" encoding="utf-8"?>
 <p:sld xmlns:a="http://schemas.openxmlformats.org/drawingml/2006/main" xmlns:r="http://schemas.openxmlformats.org/officeDocument/2006/relationships" xmlns:p="http://schemas.openxmlformats.org/presentationml/2006/main">
   <p:cSld>
     <p:spTree>
@@ -6852,7 +7006,334 @@
 </p:sld>
 </file>
 
-<file path=ppt/slides/slide19.xml><?xml version="1.0" encoding="utf-8"?>
+<file path=ppt/slides/slide2.xml><?xml version="1.0" encoding="utf-8"?>
+<p:sld xmlns:a="http://schemas.openxmlformats.org/drawingml/2006/main" xmlns:r="http://schemas.openxmlformats.org/officeDocument/2006/relationships" xmlns:p="http://schemas.openxmlformats.org/presentationml/2006/main">
+  <p:cSld>
+    <p:spTree>
+      <p:nvGrpSpPr>
+        <p:cNvPr id="1" name=""/>
+        <p:cNvGrpSpPr/>
+        <p:nvPr/>
+      </p:nvGrpSpPr>
+      <p:grpSpPr>
+        <a:xfrm>
+          <a:off x="0" y="0"/>
+          <a:ext cx="0" cy="0"/>
+          <a:chOff x="0" y="0"/>
+          <a:chExt cx="0" cy="0"/>
+        </a:xfrm>
+      </p:grpSpPr>
+      <p:pic>
+        <p:nvPicPr>
+          <p:cNvPr id="3" name="图片 2" descr="6"/>
+          <p:cNvPicPr>
+            <a:picLocks noChangeAspect="1"/>
+          </p:cNvPicPr>
+          <p:nvPr/>
+        </p:nvPicPr>
+        <p:blipFill>
+          <a:blip r:embed="rId3"/>
+          <a:srcRect l="15166" t="34009" r="7362"/>
+          <a:stretch>
+            <a:fillRect/>
+          </a:stretch>
+        </p:blipFill>
+        <p:spPr>
+          <a:xfrm>
+            <a:off x="-22860" y="417195"/>
+            <a:ext cx="9215755" cy="5233670"/>
+          </a:xfrm>
+          <a:prstGeom prst="rect">
+            <a:avLst/>
+          </a:prstGeom>
+        </p:spPr>
+      </p:pic>
+      <p:sp>
+        <p:nvSpPr>
+          <p:cNvPr id="9" name="矩形 8"/>
+          <p:cNvSpPr/>
+          <p:nvPr/>
+        </p:nvSpPr>
+        <p:spPr>
+          <a:xfrm>
+            <a:off x="-6985" y="-81280"/>
+            <a:ext cx="9193530" cy="989965"/>
+          </a:xfrm>
+          <a:prstGeom prst="rect">
+            <a:avLst/>
+          </a:prstGeom>
+          <a:solidFill>
+            <a:schemeClr val="bg1"/>
+          </a:solidFill>
+          <a:ln>
+            <a:noFill/>
+          </a:ln>
+        </p:spPr>
+        <p:style>
+          <a:lnRef idx="2">
+            <a:schemeClr val="accent1">
+              <a:shade val="50000"/>
+            </a:schemeClr>
+          </a:lnRef>
+          <a:fillRef idx="1">
+            <a:schemeClr val="accent1"/>
+          </a:fillRef>
+          <a:effectRef idx="0">
+            <a:schemeClr val="accent1"/>
+          </a:effectRef>
+          <a:fontRef idx="minor">
+            <a:schemeClr val="lt1"/>
+          </a:fontRef>
+        </p:style>
+        <p:txBody>
+          <a:bodyPr rtlCol="0" anchor="ctr"/>
+          <a:lstStyle/>
+          <a:p>
+            <a:pPr algn="ctr"/>
+            <a:endParaRPr lang="zh-CN" altLang="en-US"/>
+          </a:p>
+        </p:txBody>
+      </p:sp>
+      <p:sp>
+        <p:nvSpPr>
+          <p:cNvPr id="2" name="矩形 1"/>
+          <p:cNvSpPr/>
+          <p:nvPr/>
+        </p:nvSpPr>
+        <p:spPr>
+          <a:xfrm>
+            <a:off x="-22225" y="5529580"/>
+            <a:ext cx="9214485" cy="1493520"/>
+          </a:xfrm>
+          <a:prstGeom prst="rect">
+            <a:avLst/>
+          </a:prstGeom>
+          <a:solidFill>
+            <a:schemeClr val="bg1"/>
+          </a:solidFill>
+          <a:ln>
+            <a:noFill/>
+          </a:ln>
+        </p:spPr>
+        <p:style>
+          <a:lnRef idx="2">
+            <a:schemeClr val="accent1">
+              <a:shade val="50000"/>
+            </a:schemeClr>
+          </a:lnRef>
+          <a:fillRef idx="1">
+            <a:schemeClr val="accent1"/>
+          </a:fillRef>
+          <a:effectRef idx="0">
+            <a:schemeClr val="accent1"/>
+          </a:effectRef>
+          <a:fontRef idx="minor">
+            <a:schemeClr val="lt1"/>
+          </a:fontRef>
+        </p:style>
+        <p:txBody>
+          <a:bodyPr rtlCol="0" anchor="ctr"/>
+          <a:lstStyle/>
+          <a:p>
+            <a:pPr algn="ctr"/>
+            <a:endParaRPr lang="zh-CN" altLang="en-US"/>
+          </a:p>
+        </p:txBody>
+      </p:sp>
+      <p:sp>
+        <p:nvSpPr>
+          <p:cNvPr id="4" name="矩形 3"/>
+          <p:cNvSpPr/>
+          <p:nvPr/>
+        </p:nvSpPr>
+        <p:spPr>
+          <a:xfrm>
+            <a:off x="-7620" y="3959225"/>
+            <a:ext cx="9168765" cy="1578610"/>
+          </a:xfrm>
+          <a:prstGeom prst="rect">
+            <a:avLst/>
+          </a:prstGeom>
+          <a:solidFill>
+            <a:srgbClr val="FF9935"/>
+          </a:solidFill>
+          <a:ln>
+            <a:noFill/>
+          </a:ln>
+        </p:spPr>
+        <p:style>
+          <a:lnRef idx="2">
+            <a:schemeClr val="accent1">
+              <a:shade val="50000"/>
+            </a:schemeClr>
+          </a:lnRef>
+          <a:fillRef idx="1">
+            <a:schemeClr val="accent1"/>
+          </a:fillRef>
+          <a:effectRef idx="0">
+            <a:schemeClr val="accent1"/>
+          </a:effectRef>
+          <a:fontRef idx="minor">
+            <a:schemeClr val="lt1"/>
+          </a:fontRef>
+        </p:style>
+        <p:txBody>
+          <a:bodyPr rtlCol="0" anchor="ctr"/>
+          <a:lstStyle/>
+          <a:p>
+            <a:pPr algn="ctr"/>
+            <a:endParaRPr lang="zh-CN" altLang="en-US"/>
+          </a:p>
+        </p:txBody>
+      </p:sp>
+      <p:sp>
+        <p:nvSpPr>
+          <p:cNvPr id="12" name="文本框 11"/>
+          <p:cNvSpPr txBox="1"/>
+          <p:nvPr/>
+        </p:nvSpPr>
+        <p:spPr>
+          <a:xfrm>
+            <a:off x="49847" y="4456662"/>
+            <a:ext cx="9158605" cy="645160"/>
+          </a:xfrm>
+          <a:prstGeom prst="rect">
+            <a:avLst/>
+          </a:prstGeom>
+          <a:noFill/>
+        </p:spPr>
+        <p:txBody>
+          <a:bodyPr wrap="square" rtlCol="0">
+            <a:spAutoFit/>
+          </a:bodyPr>
+          <a:lstStyle/>
+          <a:p>
+            <a:pPr algn="ctr"/>
+            <a:r>
+              <a:rPr lang="zh-CN" altLang="en-US" sz="3600" b="1" dirty="0">
+                <a:solidFill>
+                  <a:schemeClr val="bg1"/>
+                </a:solidFill>
+              </a:rPr>
+              <a:t>前端</a:t>
+            </a:r>
+            <a:r>
+              <a:rPr lang="en-US" altLang="zh-CN" sz="3600" b="1" dirty="0">
+                <a:solidFill>
+                  <a:schemeClr val="bg1"/>
+                </a:solidFill>
+              </a:rPr>
+              <a:t>-react</a:t>
+            </a:r>
+            <a:r>
+              <a:rPr lang="zh-CN" altLang="en-US" sz="3600" b="1" dirty="0">
+                <a:solidFill>
+                  <a:schemeClr val="bg1"/>
+                </a:solidFill>
+              </a:rPr>
+              <a:t>和</a:t>
+            </a:r>
+            <a:r>
+              <a:rPr lang="en-US" altLang="zh-CN" sz="3600" b="1" dirty="0" err="1">
+                <a:solidFill>
+                  <a:schemeClr val="bg1"/>
+                </a:solidFill>
+              </a:rPr>
+              <a:t>ant design</a:t>
+            </a:r>
+            <a:r>
+              <a:rPr lang="zh-CN" altLang="en-US" sz="3600" b="1" dirty="0">
+                <a:solidFill>
+                  <a:schemeClr val="bg1"/>
+                </a:solidFill>
+              </a:rPr>
+              <a:t>入门</a:t>
+            </a:r>
+          </a:p>
+        </p:txBody>
+      </p:sp>
+      <p:pic>
+        <p:nvPicPr>
+          <p:cNvPr id="16" name="图片 15" descr="IFCA logo_2018"/>
+          <p:cNvPicPr>
+            <a:picLocks noChangeAspect="1"/>
+          </p:cNvPicPr>
+          <p:nvPr/>
+        </p:nvPicPr>
+        <p:blipFill>
+          <a:blip r:embed="rId4"/>
+          <a:stretch>
+            <a:fillRect/>
+          </a:stretch>
+        </p:blipFill>
+        <p:spPr>
+          <a:xfrm>
+            <a:off x="6326138" y="210352"/>
+            <a:ext cx="2438400" cy="466090"/>
+          </a:xfrm>
+          <a:prstGeom prst="rect">
+            <a:avLst/>
+          </a:prstGeom>
+        </p:spPr>
+      </p:pic>
+      <p:sp>
+        <p:nvSpPr>
+          <p:cNvPr id="18" name="文本框 17"/>
+          <p:cNvSpPr txBox="1"/>
+          <p:nvPr/>
+        </p:nvSpPr>
+        <p:spPr>
+          <a:xfrm>
+            <a:off x="0" y="5640070"/>
+            <a:ext cx="9093200" cy="368300"/>
+          </a:xfrm>
+          <a:prstGeom prst="rect">
+            <a:avLst/>
+          </a:prstGeom>
+          <a:noFill/>
+        </p:spPr>
+        <p:txBody>
+          <a:bodyPr wrap="square" rtlCol="0">
+            <a:spAutoFit/>
+          </a:bodyPr>
+          <a:lstStyle/>
+          <a:p>
+            <a:pPr algn="ctr"/>
+            <a:r>
+              <a:rPr lang="zh-CN" altLang="en-US" dirty="0">
+                <a:solidFill>
+                  <a:schemeClr val="accent4">
+                    <a:lumMod val="75000"/>
+                  </a:schemeClr>
+                </a:solidFill>
+              </a:rPr>
+              <a:t>陈秋丽  </a:t>
+            </a:r>
+            <a:r>
+              <a:rPr lang="en-US" altLang="zh-CN" dirty="0">
+                <a:solidFill>
+                  <a:schemeClr val="accent4">
+                    <a:lumMod val="75000"/>
+                  </a:schemeClr>
+                </a:solidFill>
+              </a:rPr>
+              <a:t>2024.01.02</a:t>
+            </a:r>
+          </a:p>
+        </p:txBody>
+      </p:sp>
+    </p:spTree>
+    <p:custDataLst>
+      <p:tags r:id="rId1"/>
+    </p:custDataLst>
+  </p:cSld>
+  <p:clrMapOvr>
+    <a:masterClrMapping/>
+  </p:clrMapOvr>
+</p:sld>
+</file>
+
+<file path=ppt/slides/slide20.xml><?xml version="1.0" encoding="utf-8"?>
 <p:sld xmlns:a="http://schemas.openxmlformats.org/drawingml/2006/main" xmlns:r="http://schemas.openxmlformats.org/officeDocument/2006/relationships" xmlns:p="http://schemas.openxmlformats.org/presentationml/2006/main">
   <p:cSld>
     <p:spTree>
@@ -7142,334 +7623,7 @@
 </p:sld>
 </file>
 
-<file path=ppt/slides/slide2.xml><?xml version="1.0" encoding="utf-8"?>
-<p:sld xmlns:a="http://schemas.openxmlformats.org/drawingml/2006/main" xmlns:r="http://schemas.openxmlformats.org/officeDocument/2006/relationships" xmlns:p="http://schemas.openxmlformats.org/presentationml/2006/main">
-  <p:cSld>
-    <p:spTree>
-      <p:nvGrpSpPr>
-        <p:cNvPr id="1" name=""/>
-        <p:cNvGrpSpPr/>
-        <p:nvPr/>
-      </p:nvGrpSpPr>
-      <p:grpSpPr>
-        <a:xfrm>
-          <a:off x="0" y="0"/>
-          <a:ext cx="0" cy="0"/>
-          <a:chOff x="0" y="0"/>
-          <a:chExt cx="0" cy="0"/>
-        </a:xfrm>
-      </p:grpSpPr>
-      <p:pic>
-        <p:nvPicPr>
-          <p:cNvPr id="3" name="图片 2" descr="6"/>
-          <p:cNvPicPr>
-            <a:picLocks noChangeAspect="1"/>
-          </p:cNvPicPr>
-          <p:nvPr/>
-        </p:nvPicPr>
-        <p:blipFill>
-          <a:blip r:embed="rId3"/>
-          <a:srcRect l="15166" t="34009" r="7362"/>
-          <a:stretch>
-            <a:fillRect/>
-          </a:stretch>
-        </p:blipFill>
-        <p:spPr>
-          <a:xfrm>
-            <a:off x="-22860" y="417195"/>
-            <a:ext cx="9215755" cy="5233670"/>
-          </a:xfrm>
-          <a:prstGeom prst="rect">
-            <a:avLst/>
-          </a:prstGeom>
-        </p:spPr>
-      </p:pic>
-      <p:sp>
-        <p:nvSpPr>
-          <p:cNvPr id="9" name="矩形 8"/>
-          <p:cNvSpPr/>
-          <p:nvPr/>
-        </p:nvSpPr>
-        <p:spPr>
-          <a:xfrm>
-            <a:off x="-6985" y="-81280"/>
-            <a:ext cx="9193530" cy="989965"/>
-          </a:xfrm>
-          <a:prstGeom prst="rect">
-            <a:avLst/>
-          </a:prstGeom>
-          <a:solidFill>
-            <a:schemeClr val="bg1"/>
-          </a:solidFill>
-          <a:ln>
-            <a:noFill/>
-          </a:ln>
-        </p:spPr>
-        <p:style>
-          <a:lnRef idx="2">
-            <a:schemeClr val="accent1">
-              <a:shade val="50000"/>
-            </a:schemeClr>
-          </a:lnRef>
-          <a:fillRef idx="1">
-            <a:schemeClr val="accent1"/>
-          </a:fillRef>
-          <a:effectRef idx="0">
-            <a:schemeClr val="accent1"/>
-          </a:effectRef>
-          <a:fontRef idx="minor">
-            <a:schemeClr val="lt1"/>
-          </a:fontRef>
-        </p:style>
-        <p:txBody>
-          <a:bodyPr rtlCol="0" anchor="ctr"/>
-          <a:lstStyle/>
-          <a:p>
-            <a:pPr algn="ctr"/>
-            <a:endParaRPr lang="zh-CN" altLang="en-US"/>
-          </a:p>
-        </p:txBody>
-      </p:sp>
-      <p:sp>
-        <p:nvSpPr>
-          <p:cNvPr id="2" name="矩形 1"/>
-          <p:cNvSpPr/>
-          <p:nvPr/>
-        </p:nvSpPr>
-        <p:spPr>
-          <a:xfrm>
-            <a:off x="-22225" y="5529580"/>
-            <a:ext cx="9214485" cy="1493520"/>
-          </a:xfrm>
-          <a:prstGeom prst="rect">
-            <a:avLst/>
-          </a:prstGeom>
-          <a:solidFill>
-            <a:schemeClr val="bg1"/>
-          </a:solidFill>
-          <a:ln>
-            <a:noFill/>
-          </a:ln>
-        </p:spPr>
-        <p:style>
-          <a:lnRef idx="2">
-            <a:schemeClr val="accent1">
-              <a:shade val="50000"/>
-            </a:schemeClr>
-          </a:lnRef>
-          <a:fillRef idx="1">
-            <a:schemeClr val="accent1"/>
-          </a:fillRef>
-          <a:effectRef idx="0">
-            <a:schemeClr val="accent1"/>
-          </a:effectRef>
-          <a:fontRef idx="minor">
-            <a:schemeClr val="lt1"/>
-          </a:fontRef>
-        </p:style>
-        <p:txBody>
-          <a:bodyPr rtlCol="0" anchor="ctr"/>
-          <a:lstStyle/>
-          <a:p>
-            <a:pPr algn="ctr"/>
-            <a:endParaRPr lang="zh-CN" altLang="en-US"/>
-          </a:p>
-        </p:txBody>
-      </p:sp>
-      <p:sp>
-        <p:nvSpPr>
-          <p:cNvPr id="4" name="矩形 3"/>
-          <p:cNvSpPr/>
-          <p:nvPr/>
-        </p:nvSpPr>
-        <p:spPr>
-          <a:xfrm>
-            <a:off x="-7620" y="3959225"/>
-            <a:ext cx="9168765" cy="1578610"/>
-          </a:xfrm>
-          <a:prstGeom prst="rect">
-            <a:avLst/>
-          </a:prstGeom>
-          <a:solidFill>
-            <a:srgbClr val="FF9935"/>
-          </a:solidFill>
-          <a:ln>
-            <a:noFill/>
-          </a:ln>
-        </p:spPr>
-        <p:style>
-          <a:lnRef idx="2">
-            <a:schemeClr val="accent1">
-              <a:shade val="50000"/>
-            </a:schemeClr>
-          </a:lnRef>
-          <a:fillRef idx="1">
-            <a:schemeClr val="accent1"/>
-          </a:fillRef>
-          <a:effectRef idx="0">
-            <a:schemeClr val="accent1"/>
-          </a:effectRef>
-          <a:fontRef idx="minor">
-            <a:schemeClr val="lt1"/>
-          </a:fontRef>
-        </p:style>
-        <p:txBody>
-          <a:bodyPr rtlCol="0" anchor="ctr"/>
-          <a:lstStyle/>
-          <a:p>
-            <a:pPr algn="ctr"/>
-            <a:endParaRPr lang="zh-CN" altLang="en-US"/>
-          </a:p>
-        </p:txBody>
-      </p:sp>
-      <p:sp>
-        <p:nvSpPr>
-          <p:cNvPr id="12" name="文本框 11"/>
-          <p:cNvSpPr txBox="1"/>
-          <p:nvPr/>
-        </p:nvSpPr>
-        <p:spPr>
-          <a:xfrm>
-            <a:off x="49847" y="4456662"/>
-            <a:ext cx="9158605" cy="645160"/>
-          </a:xfrm>
-          <a:prstGeom prst="rect">
-            <a:avLst/>
-          </a:prstGeom>
-          <a:noFill/>
-        </p:spPr>
-        <p:txBody>
-          <a:bodyPr wrap="square" rtlCol="0">
-            <a:spAutoFit/>
-          </a:bodyPr>
-          <a:lstStyle/>
-          <a:p>
-            <a:pPr algn="ctr"/>
-            <a:r>
-              <a:rPr lang="zh-CN" altLang="en-US" sz="3600" b="1" dirty="0">
-                <a:solidFill>
-                  <a:schemeClr val="bg1"/>
-                </a:solidFill>
-              </a:rPr>
-              <a:t>前端</a:t>
-            </a:r>
-            <a:r>
-              <a:rPr lang="en-US" altLang="zh-CN" sz="3600" b="1" dirty="0">
-                <a:solidFill>
-                  <a:schemeClr val="bg1"/>
-                </a:solidFill>
-              </a:rPr>
-              <a:t>-react</a:t>
-            </a:r>
-            <a:r>
-              <a:rPr lang="zh-CN" altLang="en-US" sz="3600" b="1" dirty="0">
-                <a:solidFill>
-                  <a:schemeClr val="bg1"/>
-                </a:solidFill>
-              </a:rPr>
-              <a:t>和</a:t>
-            </a:r>
-            <a:r>
-              <a:rPr lang="en-US" altLang="zh-CN" sz="3600" b="1" dirty="0" err="1">
-                <a:solidFill>
-                  <a:schemeClr val="bg1"/>
-                </a:solidFill>
-              </a:rPr>
-              <a:t>ant design</a:t>
-            </a:r>
-            <a:r>
-              <a:rPr lang="zh-CN" altLang="en-US" sz="3600" b="1" dirty="0">
-                <a:solidFill>
-                  <a:schemeClr val="bg1"/>
-                </a:solidFill>
-              </a:rPr>
-              <a:t>入门</a:t>
-            </a:r>
-          </a:p>
-        </p:txBody>
-      </p:sp>
-      <p:pic>
-        <p:nvPicPr>
-          <p:cNvPr id="16" name="图片 15" descr="IFCA logo_2018"/>
-          <p:cNvPicPr>
-            <a:picLocks noChangeAspect="1"/>
-          </p:cNvPicPr>
-          <p:nvPr/>
-        </p:nvPicPr>
-        <p:blipFill>
-          <a:blip r:embed="rId4"/>
-          <a:stretch>
-            <a:fillRect/>
-          </a:stretch>
-        </p:blipFill>
-        <p:spPr>
-          <a:xfrm>
-            <a:off x="6326138" y="210352"/>
-            <a:ext cx="2438400" cy="466090"/>
-          </a:xfrm>
-          <a:prstGeom prst="rect">
-            <a:avLst/>
-          </a:prstGeom>
-        </p:spPr>
-      </p:pic>
-      <p:sp>
-        <p:nvSpPr>
-          <p:cNvPr id="18" name="文本框 17"/>
-          <p:cNvSpPr txBox="1"/>
-          <p:nvPr/>
-        </p:nvSpPr>
-        <p:spPr>
-          <a:xfrm>
-            <a:off x="0" y="5640070"/>
-            <a:ext cx="9093200" cy="368300"/>
-          </a:xfrm>
-          <a:prstGeom prst="rect">
-            <a:avLst/>
-          </a:prstGeom>
-          <a:noFill/>
-        </p:spPr>
-        <p:txBody>
-          <a:bodyPr wrap="square" rtlCol="0">
-            <a:spAutoFit/>
-          </a:bodyPr>
-          <a:lstStyle/>
-          <a:p>
-            <a:pPr algn="ctr"/>
-            <a:r>
-              <a:rPr lang="zh-CN" altLang="en-US" dirty="0">
-                <a:solidFill>
-                  <a:schemeClr val="accent4">
-                    <a:lumMod val="75000"/>
-                  </a:schemeClr>
-                </a:solidFill>
-              </a:rPr>
-              <a:t>陈秋丽  </a:t>
-            </a:r>
-            <a:r>
-              <a:rPr lang="en-US" altLang="zh-CN" dirty="0">
-                <a:solidFill>
-                  <a:schemeClr val="accent4">
-                    <a:lumMod val="75000"/>
-                  </a:schemeClr>
-                </a:solidFill>
-              </a:rPr>
-              <a:t>2024.01.02</a:t>
-            </a:r>
-          </a:p>
-        </p:txBody>
-      </p:sp>
-    </p:spTree>
-    <p:custDataLst>
-      <p:tags r:id="rId1"/>
-    </p:custDataLst>
-  </p:cSld>
-  <p:clrMapOvr>
-    <a:masterClrMapping/>
-  </p:clrMapOvr>
-</p:sld>
-</file>
-
-<file path=ppt/slides/slide20.xml><?xml version="1.0" encoding="utf-8"?>
+<file path=ppt/slides/slide21.xml><?xml version="1.0" encoding="utf-8"?>
 <p:sld xmlns:a="http://schemas.openxmlformats.org/drawingml/2006/main" xmlns:r="http://schemas.openxmlformats.org/officeDocument/2006/relationships" xmlns:p="http://schemas.openxmlformats.org/presentationml/2006/main">
   <p:cSld>
     <p:spTree>
@@ -7774,7 +7928,7 @@
 </p:sld>
 </file>
 
-<file path=ppt/slides/slide21.xml><?xml version="1.0" encoding="utf-8"?>
+<file path=ppt/slides/slide22.xml><?xml version="1.0" encoding="utf-8"?>
 <p:sld xmlns:a="http://schemas.openxmlformats.org/drawingml/2006/main" xmlns:r="http://schemas.openxmlformats.org/officeDocument/2006/relationships" xmlns:p="http://schemas.openxmlformats.org/presentationml/2006/main">
   <p:cSld>
     <p:spTree>
@@ -8087,162 +8241,6 @@
 </p:sld>
 </file>
 
-<file path=ppt/slides/slide22.xml><?xml version="1.0" encoding="utf-8"?>
-<p:sld xmlns:a="http://schemas.openxmlformats.org/drawingml/2006/main" xmlns:r="http://schemas.openxmlformats.org/officeDocument/2006/relationships" xmlns:p="http://schemas.openxmlformats.org/presentationml/2006/main">
-  <p:cSld>
-    <p:spTree>
-      <p:nvGrpSpPr>
-        <p:cNvPr id="1" name=""/>
-        <p:cNvGrpSpPr/>
-        <p:nvPr/>
-      </p:nvGrpSpPr>
-      <p:grpSpPr>
-        <a:xfrm>
-          <a:off x="0" y="0"/>
-          <a:ext cx="0" cy="0"/>
-          <a:chOff x="0" y="0"/>
-          <a:chExt cx="0" cy="0"/>
-        </a:xfrm>
-      </p:grpSpPr>
-      <p:sp>
-        <p:nvSpPr>
-          <p:cNvPr id="4" name="文本框 3"/>
-          <p:cNvSpPr txBox="1"/>
-          <p:nvPr/>
-        </p:nvSpPr>
-        <p:spPr>
-          <a:xfrm>
-            <a:off x="1460384" y="2251392"/>
-            <a:ext cx="1757212" cy="1862048"/>
-          </a:xfrm>
-          <a:prstGeom prst="rect">
-            <a:avLst/>
-          </a:prstGeom>
-          <a:noFill/>
-        </p:spPr>
-        <p:txBody>
-          <a:bodyPr wrap="none" rtlCol="0">
-            <a:spAutoFit/>
-          </a:bodyPr>
-          <a:lstStyle/>
-          <a:p>
-            <a:pPr algn="ctr"/>
-            <a:r>
-              <a:rPr lang="en-US" altLang="zh-CN" sz="11500" dirty="0">
-                <a:solidFill>
-                  <a:srgbClr val="FF9933"/>
-                </a:solidFill>
-                <a:latin typeface="Impact" panose="020B0806030902050204" pitchFamily="34" charset="0"/>
-              </a:rPr>
-              <a:t>03</a:t>
-            </a:r>
-          </a:p>
-        </p:txBody>
-      </p:sp>
-      <p:sp>
-        <p:nvSpPr>
-          <p:cNvPr id="5" name="文本框 4"/>
-          <p:cNvSpPr txBox="1"/>
-          <p:nvPr/>
-        </p:nvSpPr>
-        <p:spPr>
-          <a:xfrm>
-            <a:off x="3226435" y="2465070"/>
-            <a:ext cx="4900295" cy="922020"/>
-          </a:xfrm>
-          <a:prstGeom prst="rect">
-            <a:avLst/>
-          </a:prstGeom>
-          <a:noFill/>
-        </p:spPr>
-        <p:txBody>
-          <a:bodyPr wrap="square" rtlCol="0">
-            <a:spAutoFit/>
-            <a:scene3d>
-              <a:camera prst="orthographicFront"/>
-              <a:lightRig rig="threePt" dir="t"/>
-            </a:scene3d>
-            <a:sp3d contourW="12700"/>
-          </a:bodyPr>
-          <a:lstStyle/>
-          <a:p>
-            <a:r>
-              <a:rPr lang="zh-CN" altLang="en-US" sz="5400" b="1" dirty="0">
-                <a:solidFill>
-                  <a:schemeClr val="tx1"/>
-                </a:solidFill>
-              </a:rPr>
-              <a:t>实践演练</a:t>
-            </a:r>
-            <a:r>
-              <a:rPr lang="en-US" altLang="zh-CN" sz="5400" b="1" dirty="0">
-                <a:solidFill>
-                  <a:schemeClr val="tx1"/>
-                </a:solidFill>
-              </a:rPr>
-              <a:t>1</a:t>
-            </a:r>
-          </a:p>
-        </p:txBody>
-      </p:sp>
-      <p:sp>
-        <p:nvSpPr>
-          <p:cNvPr id="2" name="文本框 1"/>
-          <p:cNvSpPr txBox="1"/>
-          <p:nvPr/>
-        </p:nvSpPr>
-        <p:spPr>
-          <a:xfrm>
-            <a:off x="3287210" y="3429000"/>
-            <a:ext cx="4595150" cy="337185"/>
-          </a:xfrm>
-          <a:prstGeom prst="rect">
-            <a:avLst/>
-          </a:prstGeom>
-          <a:noFill/>
-        </p:spPr>
-        <p:txBody>
-          <a:bodyPr wrap="square" rtlCol="0">
-            <a:spAutoFit/>
-          </a:bodyPr>
-          <a:lstStyle/>
-          <a:p>
-            <a:pPr marL="285750" indent="-285750">
-              <a:buFont typeface="Arial" panose="020B0604020202020204" pitchFamily="34" charset="0"/>
-              <a:buChar char="•"/>
-            </a:pPr>
-            <a:r>
-              <a:rPr lang="en-US" altLang="zh-CN" sz="1600" dirty="0">
-                <a:solidFill>
-                  <a:schemeClr val="bg2"/>
-                </a:solidFill>
-              </a:rPr>
-              <a:t>TodoList</a:t>
-            </a:r>
-            <a:r>
-              <a:rPr lang="zh-CN" altLang="en-US" sz="1600" dirty="0">
-                <a:solidFill>
-                  <a:schemeClr val="bg2"/>
-                </a:solidFill>
-              </a:rPr>
-              <a:t>案例 </a:t>
-            </a:r>
-            <a:endParaRPr lang="en-US" altLang="zh-CN" sz="1600" dirty="0">
-              <a:solidFill>
-                <a:schemeClr val="bg2"/>
-              </a:solidFill>
-            </a:endParaRPr>
-          </a:p>
-        </p:txBody>
-      </p:sp>
-    </p:spTree>
-  </p:cSld>
-  <p:clrMapOvr>
-    <a:masterClrMapping/>
-  </p:clrMapOvr>
-</p:sld>
-</file>
-
 <file path=ppt/slides/slide23.xml><?xml version="1.0" encoding="utf-8"?>
 <p:sld xmlns:a="http://schemas.openxmlformats.org/drawingml/2006/main" xmlns:r="http://schemas.openxmlformats.org/officeDocument/2006/relationships" xmlns:p="http://schemas.openxmlformats.org/presentationml/2006/main">
   <p:cSld>
@@ -8262,51 +8260,14 @@
       </p:grpSpPr>
       <p:sp>
         <p:nvSpPr>
-          <p:cNvPr id="2" name="标题 1"/>
-          <p:cNvSpPr>
-            <a:spLocks noGrp="1"/>
-          </p:cNvSpPr>
-          <p:nvPr>
-            <p:ph type="title"/>
-          </p:nvPr>
-        </p:nvSpPr>
-        <p:spPr/>
-        <p:txBody>
-          <a:bodyPr/>
-          <a:lstStyle/>
-          <a:p>
-            <a:r>
-              <a:rPr lang="zh-CN" altLang="en-US" dirty="0"/>
-              <a:t>实践演练</a:t>
-            </a:r>
-            <a:r>
-              <a:rPr lang="en-US" altLang="zh-CN" dirty="0"/>
-              <a:t>1</a:t>
-            </a:r>
-            <a:endParaRPr lang="zh-CN" altLang="en-US" sz="2400" b="1" dirty="0">
-              <a:solidFill>
-                <a:schemeClr val="tx1"/>
-              </a:solidFill>
-            </a:endParaRPr>
-          </a:p>
-        </p:txBody>
-      </p:sp>
-      <p:sp>
-        <p:nvSpPr>
-          <p:cNvPr id="4" name="文本框 3">
-            <a:extLst>
-              <a:ext uri="{FF2B5EF4-FFF2-40B4-BE49-F238E27FC236}">
-                <a16:creationId xmlns:a16="http://schemas.microsoft.com/office/drawing/2014/main" id="{73341736-9E32-BC10-BE30-23B9D182274A}"/>
-              </a:ext>
-            </a:extLst>
-          </p:cNvPr>
+          <p:cNvPr id="4" name="文本框 3"/>
           <p:cNvSpPr txBox="1"/>
           <p:nvPr/>
         </p:nvSpPr>
         <p:spPr>
           <a:xfrm>
-            <a:off x="657616" y="970767"/>
-            <a:ext cx="3914384" cy="369332"/>
+            <a:off x="1460384" y="2251392"/>
+            <a:ext cx="1757212" cy="1862048"/>
           </a:xfrm>
           <a:prstGeom prst="rect">
             <a:avLst/>
@@ -8314,37 +8275,121 @@
           <a:noFill/>
         </p:spPr>
         <p:txBody>
+          <a:bodyPr wrap="none" rtlCol="0">
+            <a:spAutoFit/>
+          </a:bodyPr>
+          <a:lstStyle/>
+          <a:p>
+            <a:pPr algn="ctr"/>
+            <a:r>
+              <a:rPr lang="en-US" altLang="zh-CN" sz="11500" dirty="0">
+                <a:solidFill>
+                  <a:srgbClr val="FF9933"/>
+                </a:solidFill>
+                <a:latin typeface="Impact" panose="020B0806030902050204" pitchFamily="34" charset="0"/>
+              </a:rPr>
+              <a:t>03</a:t>
+            </a:r>
+          </a:p>
+        </p:txBody>
+      </p:sp>
+      <p:sp>
+        <p:nvSpPr>
+          <p:cNvPr id="5" name="文本框 4"/>
+          <p:cNvSpPr txBox="1"/>
+          <p:nvPr/>
+        </p:nvSpPr>
+        <p:spPr>
+          <a:xfrm>
+            <a:off x="3226435" y="2465070"/>
+            <a:ext cx="4900295" cy="922020"/>
+          </a:xfrm>
+          <a:prstGeom prst="rect">
+            <a:avLst/>
+          </a:prstGeom>
+          <a:noFill/>
+        </p:spPr>
+        <p:txBody>
+          <a:bodyPr wrap="square" rtlCol="0">
+            <a:spAutoFit/>
+            <a:scene3d>
+              <a:camera prst="orthographicFront"/>
+              <a:lightRig rig="threePt" dir="t"/>
+            </a:scene3d>
+            <a:sp3d contourW="12700"/>
+          </a:bodyPr>
+          <a:lstStyle/>
+          <a:p>
+            <a:r>
+              <a:rPr lang="zh-CN" altLang="en-US" sz="5400" b="1" dirty="0">
+                <a:solidFill>
+                  <a:schemeClr val="tx1"/>
+                </a:solidFill>
+              </a:rPr>
+              <a:t>实践演练</a:t>
+            </a:r>
+            <a:r>
+              <a:rPr lang="en-US" altLang="zh-CN" sz="5400" b="1" dirty="0">
+                <a:solidFill>
+                  <a:schemeClr val="tx1"/>
+                </a:solidFill>
+              </a:rPr>
+              <a:t>1</a:t>
+            </a:r>
+          </a:p>
+        </p:txBody>
+      </p:sp>
+      <p:sp>
+        <p:nvSpPr>
+          <p:cNvPr id="2" name="文本框 1"/>
+          <p:cNvSpPr txBox="1"/>
+          <p:nvPr/>
+        </p:nvSpPr>
+        <p:spPr>
+          <a:xfrm>
+            <a:off x="3287210" y="3429000"/>
+            <a:ext cx="4595150" cy="337185"/>
+          </a:xfrm>
+          <a:prstGeom prst="rect">
+            <a:avLst/>
+          </a:prstGeom>
+          <a:noFill/>
+        </p:spPr>
+        <p:txBody>
           <a:bodyPr wrap="square" rtlCol="0">
             <a:spAutoFit/>
           </a:bodyPr>
           <a:lstStyle/>
           <a:p>
-            <a:r>
-              <a:rPr lang="zh-CN" altLang="en-US" dirty="0"/>
-              <a:t>移步代码</a:t>
-            </a:r>
-            <a:r>
-              <a:rPr lang="en-US" altLang="zh-CN" dirty="0" err="1"/>
+            <a:pPr marL="285750" indent="-285750">
+              <a:buFont typeface="Arial" panose="020B0604020202020204" pitchFamily="34" charset="0"/>
+              <a:buChar char="•"/>
+            </a:pPr>
+            <a:r>
+              <a:rPr lang="en-US" altLang="zh-CN" sz="1600" dirty="0">
+                <a:solidFill>
+                  <a:schemeClr val="bg2"/>
+                </a:solidFill>
+              </a:rPr>
               <a:t>TodoList</a:t>
             </a:r>
             <a:r>
-              <a:rPr lang="zh-CN" altLang="en-US" dirty="0"/>
-              <a:t>案例</a:t>
-            </a:r>
-            <a:r>
-              <a:rPr lang="en-US" altLang="zh-CN" dirty="0"/>
-              <a:t>[1]</a:t>
-            </a:r>
-            <a:endParaRPr lang="zh-CN" altLang="en-US" dirty="0"/>
+              <a:rPr lang="zh-CN" altLang="en-US" sz="1600" dirty="0">
+                <a:solidFill>
+                  <a:schemeClr val="bg2"/>
+                </a:solidFill>
+              </a:rPr>
+              <a:t>案例 </a:t>
+            </a:r>
+            <a:endParaRPr lang="en-US" altLang="zh-CN" sz="1600" dirty="0">
+              <a:solidFill>
+                <a:schemeClr val="bg2"/>
+              </a:solidFill>
+            </a:endParaRPr>
           </a:p>
         </p:txBody>
       </p:sp>
     </p:spTree>
-    <p:extLst>
-      <p:ext uri="{BB962C8B-B14F-4D97-AF65-F5344CB8AC3E}">
-        <p14:creationId xmlns:p14="http://schemas.microsoft.com/office/powerpoint/2010/main" val="2308301348"/>
-      </p:ext>
-    </p:extLst>
   </p:cSld>
   <p:clrMapOvr>
     <a:masterClrMapping/>
@@ -8371,6 +8416,118 @@
       </p:grpSpPr>
       <p:sp>
         <p:nvSpPr>
+          <p:cNvPr id="2" name="标题 1"/>
+          <p:cNvSpPr>
+            <a:spLocks noGrp="1"/>
+          </p:cNvSpPr>
+          <p:nvPr>
+            <p:ph type="title"/>
+          </p:nvPr>
+        </p:nvSpPr>
+        <p:spPr/>
+        <p:txBody>
+          <a:bodyPr/>
+          <a:lstStyle/>
+          <a:p>
+            <a:r>
+              <a:rPr lang="zh-CN" altLang="en-US" dirty="0"/>
+              <a:t>实践演练</a:t>
+            </a:r>
+            <a:r>
+              <a:rPr lang="en-US" altLang="zh-CN" dirty="0"/>
+              <a:t>1</a:t>
+            </a:r>
+            <a:endParaRPr lang="zh-CN" altLang="en-US" sz="2400" b="1" dirty="0">
+              <a:solidFill>
+                <a:schemeClr val="tx1"/>
+              </a:solidFill>
+            </a:endParaRPr>
+          </a:p>
+        </p:txBody>
+      </p:sp>
+      <p:sp>
+        <p:nvSpPr>
+          <p:cNvPr id="4" name="文本框 3">
+            <a:extLst>
+              <a:ext uri="{FF2B5EF4-FFF2-40B4-BE49-F238E27FC236}">
+                <a16:creationId xmlns:a16="http://schemas.microsoft.com/office/drawing/2014/main" id="{73341736-9E32-BC10-BE30-23B9D182274A}"/>
+              </a:ext>
+            </a:extLst>
+          </p:cNvPr>
+          <p:cNvSpPr txBox="1"/>
+          <p:nvPr/>
+        </p:nvSpPr>
+        <p:spPr>
+          <a:xfrm>
+            <a:off x="657616" y="970767"/>
+            <a:ext cx="3914384" cy="646331"/>
+          </a:xfrm>
+          <a:prstGeom prst="rect">
+            <a:avLst/>
+          </a:prstGeom>
+          <a:noFill/>
+        </p:spPr>
+        <p:txBody>
+          <a:bodyPr wrap="square" rtlCol="0">
+            <a:spAutoFit/>
+          </a:bodyPr>
+          <a:lstStyle/>
+          <a:p>
+            <a:r>
+              <a:rPr lang="zh-CN" altLang="en-US" dirty="0"/>
+              <a:t>移步代码</a:t>
+            </a:r>
+            <a:r>
+              <a:rPr lang="en-US" altLang="zh-CN" dirty="0" err="1"/>
+              <a:t>TodoList</a:t>
+            </a:r>
+            <a:r>
+              <a:rPr lang="zh-CN" altLang="en-US" dirty="0"/>
+              <a:t>案例</a:t>
+            </a:r>
+            <a:r>
+              <a:rPr lang="en-US" altLang="zh-CN" dirty="0"/>
+              <a:t>[1]</a:t>
+            </a:r>
+            <a:r>
+              <a:rPr lang="zh-CN" altLang="en-US" dirty="0"/>
+              <a:t>，讲一下这里面有什么功能</a:t>
+            </a:r>
+          </a:p>
+        </p:txBody>
+      </p:sp>
+    </p:spTree>
+    <p:extLst>
+      <p:ext uri="{BB962C8B-B14F-4D97-AF65-F5344CB8AC3E}">
+        <p14:creationId xmlns:p14="http://schemas.microsoft.com/office/powerpoint/2010/main" val="2308301348"/>
+      </p:ext>
+    </p:extLst>
+  </p:cSld>
+  <p:clrMapOvr>
+    <a:masterClrMapping/>
+  </p:clrMapOvr>
+</p:sld>
+</file>
+
+<file path=ppt/slides/slide25.xml><?xml version="1.0" encoding="utf-8"?>
+<p:sld xmlns:a="http://schemas.openxmlformats.org/drawingml/2006/main" xmlns:r="http://schemas.openxmlformats.org/officeDocument/2006/relationships" xmlns:p="http://schemas.openxmlformats.org/presentationml/2006/main">
+  <p:cSld>
+    <p:spTree>
+      <p:nvGrpSpPr>
+        <p:cNvPr id="1" name=""/>
+        <p:cNvGrpSpPr/>
+        <p:nvPr/>
+      </p:nvGrpSpPr>
+      <p:grpSpPr>
+        <a:xfrm>
+          <a:off x="0" y="0"/>
+          <a:ext cx="0" cy="0"/>
+          <a:chOff x="0" y="0"/>
+          <a:chExt cx="0" cy="0"/>
+        </a:xfrm>
+      </p:grpSpPr>
+      <p:sp>
+        <p:nvSpPr>
           <p:cNvPr id="4" name="文本框 3"/>
           <p:cNvSpPr txBox="1"/>
           <p:nvPr/>
@@ -8459,7 +8616,7 @@
         <p:spPr>
           <a:xfrm>
             <a:off x="2957331" y="3429000"/>
-            <a:ext cx="4595150" cy="830997"/>
+            <a:ext cx="4595150" cy="1077218"/>
           </a:xfrm>
           <a:prstGeom prst="rect">
             <a:avLst/>
@@ -8498,6 +8655,30 @@
               </a:rPr>
               <a:t>组件通信方式</a:t>
             </a:r>
+            <a:endParaRPr lang="en-US" altLang="zh-CN" sz="1600" dirty="0">
+              <a:solidFill>
+                <a:schemeClr val="bg2"/>
+              </a:solidFill>
+            </a:endParaRPr>
+          </a:p>
+          <a:p>
+            <a:pPr marL="742950" lvl="1" indent="-285750">
+              <a:buFont typeface="Arial" panose="020B0604020202020204" pitchFamily="34" charset="0"/>
+              <a:buChar char="•"/>
+            </a:pPr>
+            <a:r>
+              <a:rPr lang="zh-CN" altLang="en-US" sz="1600" dirty="0">
+                <a:solidFill>
+                  <a:schemeClr val="bg2"/>
+                </a:solidFill>
+              </a:rPr>
+              <a:t>路由跳转</a:t>
+            </a:r>
+            <a:endParaRPr lang="zh-CN" sz="1600" dirty="0">
+              <a:solidFill>
+                <a:schemeClr val="bg2"/>
+              </a:solidFill>
+            </a:endParaRPr>
           </a:p>
           <a:p>
             <a:pPr lvl="1"/>
@@ -8517,7 +8698,7 @@
 </p:sld>
 </file>
 
-<file path=ppt/slides/slide25.xml><?xml version="1.0" encoding="utf-8"?>
+<file path=ppt/slides/slide26.xml><?xml version="1.0" encoding="utf-8"?>
 <p:sld xmlns:a="http://schemas.openxmlformats.org/drawingml/2006/main" xmlns:r="http://schemas.openxmlformats.org/officeDocument/2006/relationships" xmlns:p="http://schemas.openxmlformats.org/presentationml/2006/main">
   <p:cSld>
     <p:spTree>
@@ -8796,7 +8977,7 @@
 </p:sld>
 </file>
 
-<file path=ppt/slides/slide26.xml><?xml version="1.0" encoding="utf-8"?>
+<file path=ppt/slides/slide27.xml><?xml version="1.0" encoding="utf-8"?>
 <p:sld xmlns:a="http://schemas.openxmlformats.org/drawingml/2006/main" xmlns:r="http://schemas.openxmlformats.org/officeDocument/2006/relationships" xmlns:p="http://schemas.openxmlformats.org/presentationml/2006/main">
   <p:cSld>
     <p:spTree>
@@ -9211,7 +9392,7 @@
 </p:sld>
 </file>
 
-<file path=ppt/slides/slide27.xml><?xml version="1.0" encoding="utf-8"?>
+<file path=ppt/slides/slide28.xml><?xml version="1.0" encoding="utf-8"?>
 <p:sld xmlns:a="http://schemas.openxmlformats.org/drawingml/2006/main" xmlns:r="http://schemas.openxmlformats.org/officeDocument/2006/relationships" xmlns:p="http://schemas.openxmlformats.org/presentationml/2006/main">
   <p:cSld>
     <p:spTree>
@@ -9454,235 +9635,6 @@
 </p:sld>
 </file>
 
-<file path=ppt/slides/slide28.xml><?xml version="1.0" encoding="utf-8"?>
-<p:sld xmlns:a="http://schemas.openxmlformats.org/drawingml/2006/main" xmlns:r="http://schemas.openxmlformats.org/officeDocument/2006/relationships" xmlns:p="http://schemas.openxmlformats.org/presentationml/2006/main">
-  <p:cSld>
-    <p:spTree>
-      <p:nvGrpSpPr>
-        <p:cNvPr id="1" name=""/>
-        <p:cNvGrpSpPr/>
-        <p:nvPr/>
-      </p:nvGrpSpPr>
-      <p:grpSpPr>
-        <a:xfrm>
-          <a:off x="0" y="0"/>
-          <a:ext cx="0" cy="0"/>
-          <a:chOff x="0" y="0"/>
-          <a:chExt cx="0" cy="0"/>
-        </a:xfrm>
-      </p:grpSpPr>
-      <p:sp>
-        <p:nvSpPr>
-          <p:cNvPr id="2" name="标题 1"/>
-          <p:cNvSpPr>
-            <a:spLocks noGrp="1"/>
-          </p:cNvSpPr>
-          <p:nvPr>
-            <p:ph type="title"/>
-          </p:nvPr>
-        </p:nvSpPr>
-        <p:spPr/>
-        <p:txBody>
-          <a:bodyPr/>
-          <a:lstStyle/>
-          <a:p>
-            <a:r>
-              <a:rPr lang="en-US" altLang="zh-CN" dirty="0"/>
-              <a:t>React</a:t>
-            </a:r>
-            <a:r>
-              <a:rPr lang="zh-CN" altLang="en-US" dirty="0"/>
-              <a:t>进阶</a:t>
-            </a:r>
-            <a:endParaRPr lang="zh-CN" altLang="en-US" sz="2400" b="1" dirty="0">
-              <a:solidFill>
-                <a:schemeClr val="tx1"/>
-              </a:solidFill>
-            </a:endParaRPr>
-          </a:p>
-        </p:txBody>
-      </p:sp>
-      <p:sp>
-        <p:nvSpPr>
-          <p:cNvPr id="3" name="文本框 2">
-            <a:extLst>
-              <a:ext uri="{FF2B5EF4-FFF2-40B4-BE49-F238E27FC236}">
-                <a16:creationId xmlns:a16="http://schemas.microsoft.com/office/drawing/2014/main" id="{2D8317DA-A896-C16B-5BC0-C4A9FD1F7426}"/>
-              </a:ext>
-            </a:extLst>
-          </p:cNvPr>
-          <p:cNvSpPr txBox="1"/>
-          <p:nvPr/>
-        </p:nvSpPr>
-        <p:spPr>
-          <a:xfrm>
-            <a:off x="401351" y="603746"/>
-            <a:ext cx="8348079" cy="6740307"/>
-          </a:xfrm>
-          <a:prstGeom prst="rect">
-            <a:avLst/>
-          </a:prstGeom>
-          <a:noFill/>
-        </p:spPr>
-        <p:txBody>
-          <a:bodyPr wrap="square" rtlCol="0">
-            <a:spAutoFit/>
-          </a:bodyPr>
-          <a:lstStyle/>
-          <a:p>
-            <a:r>
-              <a:rPr lang="en-US" altLang="zh-CN" dirty="0"/>
-              <a:t>2</a:t>
-            </a:r>
-            <a:r>
-              <a:rPr lang="zh-CN" altLang="en-US" dirty="0"/>
-              <a:t>、</a:t>
-            </a:r>
-            <a:r>
-              <a:rPr lang="en-US" altLang="zh-CN" dirty="0"/>
-              <a:t> </a:t>
-            </a:r>
-            <a:r>
-              <a:rPr lang="zh-CN" altLang="en-US" dirty="0"/>
-              <a:t>组件通信方式</a:t>
-            </a:r>
-            <a:endParaRPr lang="en-US" altLang="zh-CN" dirty="0"/>
-          </a:p>
-          <a:p>
-            <a:r>
-              <a:rPr lang="en-US" altLang="zh-CN" dirty="0"/>
-              <a:t>                              </a:t>
-            </a:r>
-          </a:p>
-          <a:p>
-            <a:r>
-              <a:rPr lang="zh-CN" altLang="en-US" dirty="0"/>
-              <a:t>父子通信：</a:t>
-            </a:r>
-            <a:r>
-              <a:rPr lang="zh-CN" altLang="en-US" b="0" i="0" dirty="0">
-                <a:solidFill>
-                  <a:srgbClr val="333333"/>
-                </a:solidFill>
-                <a:effectLst/>
-                <a:latin typeface="Helvetica Neue"/>
-              </a:rPr>
-              <a:t>② 父组件引用 </a:t>
-            </a:r>
-            <a:r>
-              <a:rPr lang="en-US" altLang="zh-CN" b="0" i="0" dirty="0">
-                <a:solidFill>
-                  <a:srgbClr val="333333"/>
-                </a:solidFill>
-                <a:effectLst/>
-                <a:latin typeface="Helvetica Neue"/>
-              </a:rPr>
-              <a:t>ref </a:t>
-            </a:r>
-            <a:r>
-              <a:rPr lang="zh-CN" altLang="en-US" b="0" i="0" dirty="0">
-                <a:solidFill>
-                  <a:srgbClr val="333333"/>
-                </a:solidFill>
-                <a:effectLst/>
-                <a:latin typeface="Helvetica Neue"/>
-              </a:rPr>
-              <a:t>获取子组件的实例，得到子组件的所有属性</a:t>
-            </a:r>
-            <a:r>
-              <a:rPr lang="en-US" altLang="zh-CN" b="0" i="0" dirty="0">
-                <a:solidFill>
-                  <a:srgbClr val="333333"/>
-                </a:solidFill>
-                <a:effectLst/>
-                <a:latin typeface="Helvetica Neue"/>
-              </a:rPr>
-              <a:t>[1]</a:t>
-            </a:r>
-            <a:endParaRPr lang="en-US" altLang="zh-CN" dirty="0"/>
-          </a:p>
-          <a:p>
-            <a:endParaRPr lang="en-US" altLang="zh-CN" dirty="0"/>
-          </a:p>
-          <a:p>
-            <a:endParaRPr lang="en-US" altLang="zh-CN" dirty="0"/>
-          </a:p>
-          <a:p>
-            <a:endParaRPr lang="en-US" altLang="zh-CN" dirty="0"/>
-          </a:p>
-          <a:p>
-            <a:endParaRPr lang="en-US" altLang="zh-CN" dirty="0"/>
-          </a:p>
-          <a:p>
-            <a:endParaRPr lang="en-US" altLang="zh-CN" dirty="0"/>
-          </a:p>
-          <a:p>
-            <a:endParaRPr lang="en-US" altLang="zh-CN" dirty="0"/>
-          </a:p>
-          <a:p>
-            <a:endParaRPr lang="en-US" altLang="zh-CN" dirty="0"/>
-          </a:p>
-          <a:p>
-            <a:endParaRPr lang="en-US" altLang="zh-CN" dirty="0"/>
-          </a:p>
-          <a:p>
-            <a:endParaRPr lang="en-US" altLang="zh-CN" dirty="0"/>
-          </a:p>
-          <a:p>
-            <a:endParaRPr lang="en-US" altLang="zh-CN" dirty="0"/>
-          </a:p>
-          <a:p>
-            <a:endParaRPr lang="en-US" altLang="zh-CN" dirty="0"/>
-          </a:p>
-          <a:p>
-            <a:endParaRPr lang="en-US" altLang="zh-CN" dirty="0"/>
-          </a:p>
-          <a:p>
-            <a:endParaRPr lang="en-US" altLang="zh-CN" dirty="0"/>
-          </a:p>
-          <a:p>
-            <a:endParaRPr lang="en-US" altLang="zh-CN" dirty="0"/>
-          </a:p>
-          <a:p>
-            <a:endParaRPr lang="en-US" altLang="zh-CN" dirty="0"/>
-          </a:p>
-          <a:p>
-            <a:endParaRPr lang="en-US" altLang="zh-CN" dirty="0"/>
-          </a:p>
-          <a:p>
-            <a:endParaRPr lang="zh-CN" altLang="en-US" dirty="0"/>
-          </a:p>
-          <a:p>
-            <a:pPr marL="285750" indent="-285750">
-              <a:buFont typeface="Arial" panose="020B0604020202020204" pitchFamily="34" charset="0"/>
-              <a:buChar char="•"/>
-            </a:pPr>
-            <a:endParaRPr lang="en-US" altLang="zh-CN" dirty="0"/>
-          </a:p>
-          <a:p>
-            <a:endParaRPr lang="en-US" altLang="zh-CN" dirty="0"/>
-          </a:p>
-          <a:p>
-            <a:endParaRPr lang="en-US" altLang="zh-CN" dirty="0"/>
-          </a:p>
-          <a:p>
-            <a:endParaRPr lang="zh-CN" altLang="en-US" dirty="0"/>
-          </a:p>
-        </p:txBody>
-      </p:sp>
-    </p:spTree>
-    <p:extLst>
-      <p:ext uri="{BB962C8B-B14F-4D97-AF65-F5344CB8AC3E}">
-        <p14:creationId xmlns:p14="http://schemas.microsoft.com/office/powerpoint/2010/main" val="2028554489"/>
-      </p:ext>
-    </p:extLst>
-  </p:cSld>
-  <p:clrMapOvr>
-    <a:masterClrMapping/>
-  </p:clrMapOvr>
-</p:sld>
-</file>
-
 <file path=ppt/slides/slide29.xml><?xml version="1.0" encoding="utf-8"?>
 <p:sld xmlns:a="http://schemas.openxmlformats.org/drawingml/2006/main" xmlns:r="http://schemas.openxmlformats.org/officeDocument/2006/relationships" xmlns:p="http://schemas.openxmlformats.org/presentationml/2006/main">
   <p:cSld>
@@ -9746,7 +9698,7 @@
         <p:spPr>
           <a:xfrm>
             <a:off x="401351" y="603746"/>
-            <a:ext cx="8348079" cy="6463308"/>
+            <a:ext cx="8348079" cy="6740307"/>
           </a:xfrm>
           <a:prstGeom prst="rect">
             <a:avLst/>
@@ -9786,31 +9738,65 @@
           <a:p>
             <a:r>
               <a:rPr lang="zh-CN" altLang="en-US" dirty="0"/>
-              <a:t>兄弟通信：通过父组件中间人模式通信，兄弟</a:t>
-            </a:r>
-            <a:r>
-              <a:rPr lang="en-US" altLang="zh-CN" dirty="0"/>
-              <a:t>A</a:t>
-            </a:r>
-            <a:r>
-              <a:rPr lang="zh-CN" altLang="en-US" dirty="0"/>
-              <a:t>组件回调给父组件，父组件再传递</a:t>
-            </a:r>
-            <a:r>
-              <a:rPr lang="en-US" altLang="zh-CN" dirty="0"/>
-              <a:t>props</a:t>
-            </a:r>
-            <a:r>
-              <a:rPr lang="zh-CN" altLang="en-US" dirty="0"/>
-              <a:t>给兄弟</a:t>
-            </a:r>
-            <a:r>
-              <a:rPr lang="en-US" altLang="zh-CN" dirty="0"/>
-              <a:t>B</a:t>
-            </a:r>
-            <a:r>
-              <a:rPr lang="zh-CN" altLang="en-US" dirty="0"/>
-              <a:t>组件。这种适用于父组件内只有一层子组件的情况。</a:t>
+              <a:t>父子通信：</a:t>
+            </a:r>
+            <a:r>
+              <a:rPr lang="zh-CN" altLang="en-US" b="0" i="0" dirty="0">
+                <a:solidFill>
+                  <a:srgbClr val="333333"/>
+                </a:solidFill>
+                <a:effectLst/>
+                <a:latin typeface="Helvetica Neue"/>
+              </a:rPr>
+              <a:t>② 父组件引用 </a:t>
+            </a:r>
+            <a:r>
+              <a:rPr lang="en-US" altLang="zh-CN" b="0" i="0" dirty="0">
+                <a:solidFill>
+                  <a:srgbClr val="333333"/>
+                </a:solidFill>
+                <a:effectLst/>
+                <a:latin typeface="Helvetica Neue"/>
+              </a:rPr>
+              <a:t>ref </a:t>
+            </a:r>
+            <a:r>
+              <a:rPr lang="zh-CN" altLang="en-US" b="0" i="0" dirty="0">
+                <a:solidFill>
+                  <a:srgbClr val="333333"/>
+                </a:solidFill>
+                <a:effectLst/>
+                <a:latin typeface="Helvetica Neue"/>
+              </a:rPr>
+              <a:t>获取子组件的实例，得到子组件的所有属性</a:t>
+            </a:r>
+            <a:r>
+              <a:rPr lang="en-US" altLang="zh-CN" b="0" i="0" dirty="0">
+                <a:solidFill>
+                  <a:srgbClr val="333333"/>
+                </a:solidFill>
+                <a:effectLst/>
+                <a:latin typeface="Helvetica Neue"/>
+              </a:rPr>
+              <a:t>[1]</a:t>
+            </a:r>
+            <a:endParaRPr lang="en-US" altLang="zh-CN" dirty="0"/>
+          </a:p>
+          <a:p>
+            <a:endParaRPr lang="en-US" altLang="zh-CN" dirty="0"/>
+          </a:p>
+          <a:p>
+            <a:r>
+              <a:rPr lang="zh-CN" altLang="en-US" dirty="0"/>
+              <a:t>不讲 </a:t>
+            </a:r>
+            <a:r>
+              <a:rPr lang="en-US" altLang="zh-CN" dirty="0" err="1"/>
+              <a:t>useRef</a:t>
+            </a:r>
+            <a:r>
+              <a:rPr lang="zh-CN" altLang="en-US" dirty="0"/>
+              <a:t>不讲</a:t>
             </a:r>
             <a:endParaRPr lang="en-US" altLang="zh-CN" dirty="0"/>
           </a:p>
@@ -9877,70 +9863,10 @@
           </a:p>
         </p:txBody>
       </p:sp>
-      <p:pic>
-        <p:nvPicPr>
-          <p:cNvPr id="5" name="图片 4">
-            <a:extLst>
-              <a:ext uri="{FF2B5EF4-FFF2-40B4-BE49-F238E27FC236}">
-                <a16:creationId xmlns:a16="http://schemas.microsoft.com/office/drawing/2014/main" id="{607F2A50-1ACF-0218-0A2E-09E8D1627BAD}"/>
-              </a:ext>
-            </a:extLst>
-          </p:cNvPr>
-          <p:cNvPicPr>
-            <a:picLocks noChangeAspect="1"/>
-          </p:cNvPicPr>
-          <p:nvPr/>
-        </p:nvPicPr>
-        <p:blipFill>
-          <a:blip r:embed="rId3"/>
-          <a:stretch>
-            <a:fillRect/>
-          </a:stretch>
-        </p:blipFill>
-        <p:spPr>
-          <a:xfrm>
-            <a:off x="519831" y="1806302"/>
-            <a:ext cx="3017088" cy="4920174"/>
-          </a:xfrm>
-          <a:prstGeom prst="rect">
-            <a:avLst/>
-          </a:prstGeom>
-        </p:spPr>
-      </p:pic>
-      <p:pic>
-        <p:nvPicPr>
-          <p:cNvPr id="7" name="图片 6">
-            <a:extLst>
-              <a:ext uri="{FF2B5EF4-FFF2-40B4-BE49-F238E27FC236}">
-                <a16:creationId xmlns:a16="http://schemas.microsoft.com/office/drawing/2014/main" id="{8BDB1B6A-A35D-FA74-1757-4258E0F7CCC9}"/>
-              </a:ext>
-            </a:extLst>
-          </p:cNvPr>
-          <p:cNvPicPr>
-            <a:picLocks noChangeAspect="1"/>
-          </p:cNvPicPr>
-          <p:nvPr/>
-        </p:nvPicPr>
-        <p:blipFill>
-          <a:blip r:embed="rId4"/>
-          <a:stretch>
-            <a:fillRect/>
-          </a:stretch>
-        </p:blipFill>
-        <p:spPr>
-          <a:xfrm>
-            <a:off x="3655399" y="1841542"/>
-            <a:ext cx="5321918" cy="4559258"/>
-          </a:xfrm>
-          <a:prstGeom prst="rect">
-            <a:avLst/>
-          </a:prstGeom>
-        </p:spPr>
-      </p:pic>
     </p:spTree>
     <p:extLst>
       <p:ext uri="{BB962C8B-B14F-4D97-AF65-F5344CB8AC3E}">
-        <p14:creationId xmlns:p14="http://schemas.microsoft.com/office/powerpoint/2010/main" val="1438235174"/>
+        <p14:creationId xmlns:p14="http://schemas.microsoft.com/office/powerpoint/2010/main" val="2028554489"/>
       </p:ext>
     </p:extLst>
   </p:cSld>
@@ -10792,7 +10718,7 @@
         <p:spPr>
           <a:xfrm>
             <a:off x="401351" y="603746"/>
-            <a:ext cx="8348079" cy="5909310"/>
+            <a:ext cx="8348079" cy="6463308"/>
           </a:xfrm>
           <a:prstGeom prst="rect">
             <a:avLst/>
@@ -10832,35 +10758,35 @@
           <a:p>
             <a:r>
               <a:rPr lang="zh-CN" altLang="en-US" dirty="0"/>
-              <a:t>跨组件通信：通过</a:t>
-            </a:r>
-            <a:r>
-              <a:rPr lang="en-US" altLang="zh-CN" dirty="0"/>
-              <a:t>context</a:t>
-            </a:r>
-            <a:r>
-              <a:rPr lang="zh-CN" altLang="en-US" dirty="0"/>
-              <a:t>上下文。</a:t>
-            </a:r>
-            <a:r>
-              <a:rPr lang="zh-CN" altLang="en-US" b="0" i="0" dirty="0">
-                <a:solidFill>
-                  <a:srgbClr val="333333"/>
-                </a:solidFill>
-                <a:effectLst/>
-                <a:latin typeface="Helvetica Neue"/>
-              </a:rPr>
-              <a:t>用于嵌套层级较深的组件间，比较方便</a:t>
-            </a:r>
-            <a:r>
-              <a:rPr lang="en-US" altLang="zh-CN" dirty="0">
-                <a:solidFill>
-                  <a:srgbClr val="333333"/>
-                </a:solidFill>
-                <a:latin typeface="Helvetica Neue"/>
-              </a:rPr>
-              <a:t>[1]</a:t>
-            </a:r>
+              <a:t>兄弟通信：通过父组件中间人模式通信，兄弟</a:t>
+            </a:r>
+            <a:r>
+              <a:rPr lang="en-US" altLang="zh-CN" dirty="0"/>
+              <a:t>A</a:t>
+            </a:r>
+            <a:r>
+              <a:rPr lang="zh-CN" altLang="en-US" dirty="0"/>
+              <a:t>组件回调给父组件，父组件再传递</a:t>
+            </a:r>
+            <a:r>
+              <a:rPr lang="en-US" altLang="zh-CN" dirty="0"/>
+              <a:t>props</a:t>
+            </a:r>
+            <a:r>
+              <a:rPr lang="zh-CN" altLang="en-US" dirty="0"/>
+              <a:t>给兄弟</a:t>
+            </a:r>
+            <a:r>
+              <a:rPr lang="en-US" altLang="zh-CN" dirty="0"/>
+              <a:t>B</a:t>
+            </a:r>
+            <a:r>
+              <a:rPr lang="zh-CN" altLang="en-US" dirty="0"/>
+              <a:t>组件。这种适用于父组件内只有一层子组件的情况。</a:t>
+            </a:r>
+            <a:endParaRPr lang="en-US" altLang="zh-CN" dirty="0"/>
+          </a:p>
+          <a:p>
             <a:endParaRPr lang="en-US" altLang="zh-CN" dirty="0"/>
           </a:p>
           <a:p>
@@ -10923,10 +10849,70 @@
           </a:p>
         </p:txBody>
       </p:sp>
+      <p:pic>
+        <p:nvPicPr>
+          <p:cNvPr id="5" name="图片 4">
+            <a:extLst>
+              <a:ext uri="{FF2B5EF4-FFF2-40B4-BE49-F238E27FC236}">
+                <a16:creationId xmlns:a16="http://schemas.microsoft.com/office/drawing/2014/main" id="{607F2A50-1ACF-0218-0A2E-09E8D1627BAD}"/>
+              </a:ext>
+            </a:extLst>
+          </p:cNvPr>
+          <p:cNvPicPr>
+            <a:picLocks noChangeAspect="1"/>
+          </p:cNvPicPr>
+          <p:nvPr/>
+        </p:nvPicPr>
+        <p:blipFill>
+          <a:blip r:embed="rId3"/>
+          <a:stretch>
+            <a:fillRect/>
+          </a:stretch>
+        </p:blipFill>
+        <p:spPr>
+          <a:xfrm>
+            <a:off x="519831" y="1806302"/>
+            <a:ext cx="3017088" cy="4920174"/>
+          </a:xfrm>
+          <a:prstGeom prst="rect">
+            <a:avLst/>
+          </a:prstGeom>
+        </p:spPr>
+      </p:pic>
+      <p:pic>
+        <p:nvPicPr>
+          <p:cNvPr id="7" name="图片 6">
+            <a:extLst>
+              <a:ext uri="{FF2B5EF4-FFF2-40B4-BE49-F238E27FC236}">
+                <a16:creationId xmlns:a16="http://schemas.microsoft.com/office/drawing/2014/main" id="{8BDB1B6A-A35D-FA74-1757-4258E0F7CCC9}"/>
+              </a:ext>
+            </a:extLst>
+          </p:cNvPr>
+          <p:cNvPicPr>
+            <a:picLocks noChangeAspect="1"/>
+          </p:cNvPicPr>
+          <p:nvPr/>
+        </p:nvPicPr>
+        <p:blipFill>
+          <a:blip r:embed="rId4"/>
+          <a:stretch>
+            <a:fillRect/>
+          </a:stretch>
+        </p:blipFill>
+        <p:spPr>
+          <a:xfrm>
+            <a:off x="3655399" y="1841542"/>
+            <a:ext cx="5321918" cy="4559258"/>
+          </a:xfrm>
+          <a:prstGeom prst="rect">
+            <a:avLst/>
+          </a:prstGeom>
+        </p:spPr>
+      </p:pic>
     </p:spTree>
     <p:extLst>
       <p:ext uri="{BB962C8B-B14F-4D97-AF65-F5344CB8AC3E}">
-        <p14:creationId xmlns:p14="http://schemas.microsoft.com/office/powerpoint/2010/main" val="3433054769"/>
+        <p14:creationId xmlns:p14="http://schemas.microsoft.com/office/powerpoint/2010/main" val="1438235174"/>
       </p:ext>
     </p:extLst>
   </p:cSld>
@@ -10999,7 +10985,7 @@
         <p:spPr>
           <a:xfrm>
             <a:off x="401351" y="603746"/>
-            <a:ext cx="8348079" cy="5355312"/>
+            <a:ext cx="8348079" cy="5909310"/>
           </a:xfrm>
           <a:prstGeom prst="rect">
             <a:avLst/>
@@ -11039,26 +11025,68 @@
           <a:p>
             <a:r>
               <a:rPr lang="zh-CN" altLang="en-US" dirty="0"/>
-              <a:t>全局状态管理</a:t>
-            </a:r>
-            <a:r>
-              <a:rPr lang="en-US" altLang="zh-CN" dirty="0"/>
+              <a:t>跨组件通信：通过</a:t>
+            </a:r>
+            <a:r>
+              <a:rPr lang="en-US" altLang="zh-CN" dirty="0"/>
+              <a:t>context</a:t>
+            </a:r>
+            <a:r>
+              <a:rPr lang="zh-CN" altLang="en-US" dirty="0"/>
+              <a:t>上下文。</a:t>
+            </a:r>
+            <a:r>
+              <a:rPr lang="zh-CN" altLang="en-US" b="0" i="0" dirty="0">
+                <a:solidFill>
+                  <a:srgbClr val="333333"/>
+                </a:solidFill>
+                <a:effectLst/>
+                <a:latin typeface="Helvetica Neue"/>
+              </a:rPr>
+              <a:t>用于嵌套层级较深的组件间，比较方便</a:t>
+            </a:r>
+            <a:r>
+              <a:rPr lang="en-US" altLang="zh-CN" dirty="0">
+                <a:solidFill>
+                  <a:srgbClr val="333333"/>
+                </a:solidFill>
+                <a:latin typeface="Helvetica Neue"/>
+              </a:rPr>
               <a:t>[1]</a:t>
             </a:r>
-          </a:p>
-          <a:p>
-            <a:endParaRPr lang="en-US" altLang="zh-CN" dirty="0"/>
-          </a:p>
-          <a:p>
-            <a:endParaRPr lang="en-US" altLang="zh-CN" dirty="0"/>
-          </a:p>
-          <a:p>
-            <a:endParaRPr lang="en-US" altLang="zh-CN" dirty="0"/>
-          </a:p>
-          <a:p>
-            <a:endParaRPr lang="en-US" altLang="zh-CN" dirty="0"/>
-          </a:p>
-          <a:p>
+            <a:endParaRPr lang="en-US" altLang="zh-CN" dirty="0"/>
+          </a:p>
+          <a:p>
+            <a:endParaRPr lang="en-US" altLang="zh-CN" dirty="0"/>
+          </a:p>
+          <a:p>
+            <a:endParaRPr lang="en-US" altLang="zh-CN" dirty="0"/>
+          </a:p>
+          <a:p>
+            <a:endParaRPr lang="en-US" altLang="zh-CN" dirty="0"/>
+          </a:p>
+          <a:p>
+            <a:endParaRPr lang="en-US" altLang="zh-CN" dirty="0"/>
+          </a:p>
+          <a:p>
+            <a:endParaRPr lang="en-US" altLang="zh-CN" dirty="0"/>
+          </a:p>
+          <a:p>
+            <a:endParaRPr lang="en-US" altLang="zh-CN" dirty="0"/>
+          </a:p>
+          <a:p>
+            <a:r>
+              <a:rPr lang="zh-CN" altLang="en-US" dirty="0"/>
+              <a:t>不讲 </a:t>
+            </a:r>
+            <a:r>
+              <a:rPr lang="en-US" altLang="zh-CN" dirty="0" err="1"/>
+              <a:t>useContext</a:t>
+            </a:r>
+            <a:r>
+              <a:rPr lang="zh-CN" altLang="en-US" dirty="0"/>
+              <a:t>不讲</a:t>
+            </a:r>
             <a:endParaRPr lang="en-US" altLang="zh-CN" dirty="0"/>
           </a:p>
           <a:p>
@@ -11103,7 +11131,7 @@
     </p:spTree>
     <p:extLst>
       <p:ext uri="{BB962C8B-B14F-4D97-AF65-F5344CB8AC3E}">
-        <p14:creationId xmlns:p14="http://schemas.microsoft.com/office/powerpoint/2010/main" val="1391756237"/>
+        <p14:creationId xmlns:p14="http://schemas.microsoft.com/office/powerpoint/2010/main" val="3433054769"/>
       </p:ext>
     </p:extLst>
   </p:cSld>
@@ -11132,14 +11160,51 @@
       </p:grpSpPr>
       <p:sp>
         <p:nvSpPr>
-          <p:cNvPr id="4" name="文本框 3"/>
+          <p:cNvPr id="2" name="标题 1"/>
+          <p:cNvSpPr>
+            <a:spLocks noGrp="1"/>
+          </p:cNvSpPr>
+          <p:nvPr>
+            <p:ph type="title"/>
+          </p:nvPr>
+        </p:nvSpPr>
+        <p:spPr/>
+        <p:txBody>
+          <a:bodyPr/>
+          <a:lstStyle/>
+          <a:p>
+            <a:r>
+              <a:rPr lang="en-US" altLang="zh-CN" dirty="0"/>
+              <a:t>React</a:t>
+            </a:r>
+            <a:r>
+              <a:rPr lang="zh-CN" altLang="en-US" dirty="0"/>
+              <a:t>进阶</a:t>
+            </a:r>
+            <a:endParaRPr lang="zh-CN" altLang="en-US" sz="2400" b="1" dirty="0">
+              <a:solidFill>
+                <a:schemeClr val="tx1"/>
+              </a:solidFill>
+            </a:endParaRPr>
+          </a:p>
+        </p:txBody>
+      </p:sp>
+      <p:sp>
+        <p:nvSpPr>
+          <p:cNvPr id="3" name="文本框 2">
+            <a:extLst>
+              <a:ext uri="{FF2B5EF4-FFF2-40B4-BE49-F238E27FC236}">
+                <a16:creationId xmlns:a16="http://schemas.microsoft.com/office/drawing/2014/main" id="{2D8317DA-A896-C16B-5BC0-C4A9FD1F7426}"/>
+              </a:ext>
+            </a:extLst>
+          </p:cNvPr>
           <p:cNvSpPr txBox="1"/>
           <p:nvPr/>
         </p:nvSpPr>
         <p:spPr>
           <a:xfrm>
-            <a:off x="1455575" y="2251392"/>
-            <a:ext cx="1766830" cy="1862048"/>
+            <a:off x="401351" y="603746"/>
+            <a:ext cx="8348079" cy="6740307"/>
           </a:xfrm>
           <a:prstGeom prst="rect">
             <a:avLst/>
@@ -11147,108 +11212,117 @@
           <a:noFill/>
         </p:spPr>
         <p:txBody>
-          <a:bodyPr wrap="none" rtlCol="0">
+          <a:bodyPr wrap="square" rtlCol="0">
             <a:spAutoFit/>
           </a:bodyPr>
           <a:lstStyle/>
           <a:p>
-            <a:pPr algn="ctr"/>
-            <a:r>
-              <a:rPr lang="en-US" altLang="zh-CN" sz="11500" dirty="0">
-                <a:solidFill>
-                  <a:srgbClr val="FF9933"/>
-                </a:solidFill>
-                <a:latin typeface="Impact" panose="020B0806030902050204" pitchFamily="34" charset="0"/>
-              </a:rPr>
-              <a:t>05</a:t>
-            </a:r>
-          </a:p>
-        </p:txBody>
-      </p:sp>
-      <p:sp>
-        <p:nvSpPr>
-          <p:cNvPr id="5" name="文本框 4"/>
-          <p:cNvSpPr txBox="1"/>
-          <p:nvPr/>
-        </p:nvSpPr>
-        <p:spPr>
-          <a:xfrm>
-            <a:off x="3226435" y="2465070"/>
-            <a:ext cx="4900295" cy="1014730"/>
-          </a:xfrm>
-          <a:prstGeom prst="rect">
-            <a:avLst/>
-          </a:prstGeom>
-          <a:noFill/>
-        </p:spPr>
-        <p:txBody>
-          <a:bodyPr wrap="square" rtlCol="0">
-            <a:spAutoFit/>
-            <a:scene3d>
-              <a:camera prst="orthographicFront"/>
-              <a:lightRig rig="threePt" dir="t"/>
-            </a:scene3d>
-            <a:sp3d contourW="12700"/>
-          </a:bodyPr>
-          <a:lstStyle/>
-          <a:p>
-            <a:r>
-              <a:rPr lang="zh-CN" altLang="en-US" sz="6000" b="1" dirty="0">
-                <a:solidFill>
-                  <a:schemeClr val="tx1"/>
-                </a:solidFill>
-              </a:rPr>
-              <a:t>实践演练</a:t>
-            </a:r>
-            <a:r>
-              <a:rPr lang="en-US" altLang="zh-CN" sz="6000" b="1" dirty="0">
-                <a:solidFill>
-                  <a:schemeClr val="tx1"/>
-                </a:solidFill>
-              </a:rPr>
-              <a:t>2</a:t>
-            </a:r>
-          </a:p>
-        </p:txBody>
-      </p:sp>
-      <p:sp>
-        <p:nvSpPr>
-          <p:cNvPr id="3" name="文本框 2"/>
-          <p:cNvSpPr txBox="1"/>
-          <p:nvPr/>
-        </p:nvSpPr>
-        <p:spPr>
-          <a:xfrm>
-            <a:off x="2929842" y="3562638"/>
-            <a:ext cx="4574892" cy="369332"/>
-          </a:xfrm>
-          <a:prstGeom prst="rect">
-            <a:avLst/>
-          </a:prstGeom>
-          <a:noFill/>
-        </p:spPr>
-        <p:txBody>
-          <a:bodyPr wrap="square">
-            <a:spAutoFit/>
-          </a:bodyPr>
-          <a:lstStyle/>
-          <a:p>
-            <a:pPr marL="742950" lvl="1" indent="-285750">
+            <a:r>
+              <a:rPr lang="en-US" altLang="zh-CN" dirty="0"/>
+              <a:t>3</a:t>
+            </a:r>
+            <a:r>
+              <a:rPr lang="zh-CN" altLang="en-US" dirty="0"/>
+              <a:t>、路由 补</a:t>
+            </a:r>
+            <a:endParaRPr lang="en-US" altLang="zh-CN" dirty="0"/>
+          </a:p>
+          <a:p>
+            <a:r>
+              <a:rPr lang="en-US" altLang="zh-CN" dirty="0"/>
+              <a:t>                              </a:t>
+            </a:r>
+          </a:p>
+          <a:p>
+            <a:r>
+              <a:rPr lang="zh-CN" altLang="en-US" dirty="0"/>
+              <a:t>路由跳转：</a:t>
+            </a:r>
+            <a:endParaRPr lang="en-US" altLang="zh-CN" dirty="0"/>
+          </a:p>
+          <a:p>
+            <a:endParaRPr lang="en-US" altLang="zh-CN" dirty="0"/>
+          </a:p>
+          <a:p>
+            <a:r>
+              <a:rPr lang="zh-CN" altLang="en-US" dirty="0"/>
+              <a:t>路由传参：</a:t>
+            </a:r>
+            <a:endParaRPr lang="en-US" altLang="zh-CN" dirty="0"/>
+          </a:p>
+          <a:p>
+            <a:endParaRPr lang="en-US" altLang="zh-CN" dirty="0"/>
+          </a:p>
+          <a:p>
+            <a:r>
+              <a:rPr lang="zh-CN" altLang="en-US" dirty="0"/>
+              <a:t>路由接收参数：</a:t>
+            </a:r>
+            <a:endParaRPr lang="en-US" altLang="zh-CN" dirty="0"/>
+          </a:p>
+          <a:p>
+            <a:endParaRPr lang="en-US" altLang="zh-CN" dirty="0"/>
+          </a:p>
+          <a:p>
+            <a:endParaRPr lang="en-US" altLang="zh-CN" dirty="0"/>
+          </a:p>
+          <a:p>
+            <a:endParaRPr lang="en-US" altLang="zh-CN" dirty="0"/>
+          </a:p>
+          <a:p>
+            <a:endParaRPr lang="en-US" altLang="zh-CN" dirty="0"/>
+          </a:p>
+          <a:p>
+            <a:endParaRPr lang="en-US" altLang="zh-CN" dirty="0"/>
+          </a:p>
+          <a:p>
+            <a:endParaRPr lang="en-US" altLang="zh-CN" dirty="0"/>
+          </a:p>
+          <a:p>
+            <a:endParaRPr lang="en-US" altLang="zh-CN" dirty="0"/>
+          </a:p>
+          <a:p>
+            <a:endParaRPr lang="en-US" altLang="zh-CN" dirty="0"/>
+          </a:p>
+          <a:p>
+            <a:endParaRPr lang="en-US" altLang="zh-CN" dirty="0"/>
+          </a:p>
+          <a:p>
+            <a:endParaRPr lang="en-US" altLang="zh-CN" dirty="0"/>
+          </a:p>
+          <a:p>
+            <a:endParaRPr lang="en-US" altLang="zh-CN" dirty="0"/>
+          </a:p>
+          <a:p>
+            <a:endParaRPr lang="en-US" altLang="zh-CN" dirty="0"/>
+          </a:p>
+          <a:p>
+            <a:endParaRPr lang="zh-CN" altLang="en-US" dirty="0"/>
+          </a:p>
+          <a:p>
+            <a:pPr marL="285750" indent="-285750">
               <a:buFont typeface="Arial" panose="020B0604020202020204" pitchFamily="34" charset="0"/>
               <a:buChar char="•"/>
             </a:pPr>
-            <a:r>
-              <a:rPr lang="zh-CN" altLang="en-US" dirty="0">
-                <a:solidFill>
-                  <a:schemeClr val="bg2"/>
-                </a:solidFill>
-              </a:rPr>
-              <a:t>组件复用场景</a:t>
-            </a:r>
+            <a:endParaRPr lang="en-US" altLang="zh-CN" dirty="0"/>
+          </a:p>
+          <a:p>
+            <a:endParaRPr lang="en-US" altLang="zh-CN" dirty="0"/>
+          </a:p>
+          <a:p>
+            <a:endParaRPr lang="en-US" altLang="zh-CN" dirty="0"/>
+          </a:p>
+          <a:p>
+            <a:endParaRPr lang="zh-CN" altLang="en-US" dirty="0"/>
           </a:p>
         </p:txBody>
       </p:sp>
     </p:spTree>
+    <p:extLst>
+      <p:ext uri="{BB962C8B-B14F-4D97-AF65-F5344CB8AC3E}">
+        <p14:creationId xmlns:p14="http://schemas.microsoft.com/office/powerpoint/2010/main" val="1728097441"/>
+      </p:ext>
+    </p:extLst>
   </p:cSld>
   <p:clrMapOvr>
     <a:masterClrMapping/>
@@ -11275,59 +11349,14 @@
       </p:grpSpPr>
       <p:sp>
         <p:nvSpPr>
-          <p:cNvPr id="2" name="标题 1"/>
-          <p:cNvSpPr>
-            <a:spLocks noGrp="1"/>
-          </p:cNvSpPr>
-          <p:nvPr>
-            <p:ph type="title"/>
-          </p:nvPr>
-        </p:nvSpPr>
-        <p:spPr/>
-        <p:txBody>
-          <a:bodyPr/>
-          <a:lstStyle/>
-          <a:p>
-            <a:r>
-              <a:rPr lang="zh-CN" altLang="en-US" sz="2400" b="1" dirty="0">
-                <a:solidFill>
-                  <a:schemeClr val="tx1"/>
-                </a:solidFill>
-              </a:rPr>
-              <a:t>实践演练</a:t>
-            </a:r>
-            <a:r>
-              <a:rPr lang="en-US" altLang="zh-CN" sz="2400" b="1" dirty="0">
-                <a:solidFill>
-                  <a:schemeClr val="tx1"/>
-                </a:solidFill>
-              </a:rPr>
-              <a:t>2</a:t>
-            </a:r>
-            <a:endParaRPr lang="zh-CN" altLang="en-US" sz="2400" b="1" dirty="0">
-              <a:solidFill>
-                <a:schemeClr val="tx1"/>
-              </a:solidFill>
-            </a:endParaRPr>
-          </a:p>
-        </p:txBody>
-      </p:sp>
-      <p:sp>
-        <p:nvSpPr>
-          <p:cNvPr id="4" name="文本框 3">
-            <a:extLst>
-              <a:ext uri="{FF2B5EF4-FFF2-40B4-BE49-F238E27FC236}">
-                <a16:creationId xmlns:a16="http://schemas.microsoft.com/office/drawing/2014/main" id="{F7E3F668-EE69-6E63-DADB-FEAC0EC47563}"/>
-              </a:ext>
-            </a:extLst>
-          </p:cNvPr>
+          <p:cNvPr id="4" name="文本框 3"/>
           <p:cNvSpPr txBox="1"/>
           <p:nvPr/>
         </p:nvSpPr>
         <p:spPr>
           <a:xfrm>
-            <a:off x="657616" y="970767"/>
-            <a:ext cx="3914384" cy="369332"/>
+            <a:off x="1455575" y="2251392"/>
+            <a:ext cx="1766830" cy="1862048"/>
           </a:xfrm>
           <a:prstGeom prst="rect">
             <a:avLst/>
@@ -11335,37 +11364,108 @@
           <a:noFill/>
         </p:spPr>
         <p:txBody>
+          <a:bodyPr wrap="none" rtlCol="0">
+            <a:spAutoFit/>
+          </a:bodyPr>
+          <a:lstStyle/>
+          <a:p>
+            <a:pPr algn="ctr"/>
+            <a:r>
+              <a:rPr lang="en-US" altLang="zh-CN" sz="11500" dirty="0">
+                <a:solidFill>
+                  <a:srgbClr val="FF9933"/>
+                </a:solidFill>
+                <a:latin typeface="Impact" panose="020B0806030902050204" pitchFamily="34" charset="0"/>
+              </a:rPr>
+              <a:t>05</a:t>
+            </a:r>
+          </a:p>
+        </p:txBody>
+      </p:sp>
+      <p:sp>
+        <p:nvSpPr>
+          <p:cNvPr id="5" name="文本框 4"/>
+          <p:cNvSpPr txBox="1"/>
+          <p:nvPr/>
+        </p:nvSpPr>
+        <p:spPr>
+          <a:xfrm>
+            <a:off x="3226435" y="2465070"/>
+            <a:ext cx="4900295" cy="1014730"/>
+          </a:xfrm>
+          <a:prstGeom prst="rect">
+            <a:avLst/>
+          </a:prstGeom>
+          <a:noFill/>
+        </p:spPr>
+        <p:txBody>
           <a:bodyPr wrap="square" rtlCol="0">
             <a:spAutoFit/>
+            <a:scene3d>
+              <a:camera prst="orthographicFront"/>
+              <a:lightRig rig="threePt" dir="t"/>
+            </a:scene3d>
+            <a:sp3d contourW="12700"/>
           </a:bodyPr>
           <a:lstStyle/>
           <a:p>
             <a:r>
-              <a:rPr lang="zh-CN" altLang="en-US" dirty="0"/>
-              <a:t>移步代码</a:t>
-            </a:r>
-            <a:r>
-              <a:rPr lang="en-US" altLang="zh-CN" dirty="0"/>
-              <a:t>TodoList2</a:t>
-            </a:r>
-            <a:r>
-              <a:rPr lang="zh-CN" altLang="en-US" dirty="0"/>
-              <a:t>案例</a:t>
-            </a:r>
-            <a:r>
-              <a:rPr lang="en-US" altLang="zh-CN" dirty="0"/>
-              <a:t>[1]</a:t>
-            </a:r>
-            <a:endParaRPr lang="zh-CN" altLang="en-US" dirty="0"/>
+              <a:rPr lang="zh-CN" altLang="en-US" sz="6000" b="1" dirty="0">
+                <a:solidFill>
+                  <a:schemeClr val="tx1"/>
+                </a:solidFill>
+              </a:rPr>
+              <a:t>实践演练</a:t>
+            </a:r>
+            <a:r>
+              <a:rPr lang="en-US" altLang="zh-CN" sz="6000" b="1" dirty="0">
+                <a:solidFill>
+                  <a:schemeClr val="tx1"/>
+                </a:solidFill>
+              </a:rPr>
+              <a:t>2</a:t>
+            </a:r>
+          </a:p>
+        </p:txBody>
+      </p:sp>
+      <p:sp>
+        <p:nvSpPr>
+          <p:cNvPr id="3" name="文本框 2"/>
+          <p:cNvSpPr txBox="1"/>
+          <p:nvPr/>
+        </p:nvSpPr>
+        <p:spPr>
+          <a:xfrm>
+            <a:off x="2929842" y="3562638"/>
+            <a:ext cx="4574892" cy="369332"/>
+          </a:xfrm>
+          <a:prstGeom prst="rect">
+            <a:avLst/>
+          </a:prstGeom>
+          <a:noFill/>
+        </p:spPr>
+        <p:txBody>
+          <a:bodyPr wrap="square">
+            <a:spAutoFit/>
+          </a:bodyPr>
+          <a:lstStyle/>
+          <a:p>
+            <a:pPr marL="742950" lvl="1" indent="-285750">
+              <a:buFont typeface="Arial" panose="020B0604020202020204" pitchFamily="34" charset="0"/>
+              <a:buChar char="•"/>
+            </a:pPr>
+            <a:r>
+              <a:rPr lang="zh-CN" altLang="en-US" dirty="0">
+                <a:solidFill>
+                  <a:schemeClr val="bg2"/>
+                </a:solidFill>
+              </a:rPr>
+              <a:t>组件复用场景</a:t>
+            </a:r>
           </a:p>
         </p:txBody>
       </p:sp>
     </p:spTree>
-    <p:extLst>
-      <p:ext uri="{BB962C8B-B14F-4D97-AF65-F5344CB8AC3E}">
-        <p14:creationId xmlns:p14="http://schemas.microsoft.com/office/powerpoint/2010/main" val="2925212786"/>
-      </p:ext>
-    </p:extLst>
   </p:cSld>
   <p:clrMapOvr>
     <a:masterClrMapping/>
@@ -11392,14 +11492,59 @@
       </p:grpSpPr>
       <p:sp>
         <p:nvSpPr>
-          <p:cNvPr id="4" name="文本框 3"/>
+          <p:cNvPr id="2" name="标题 1"/>
+          <p:cNvSpPr>
+            <a:spLocks noGrp="1"/>
+          </p:cNvSpPr>
+          <p:nvPr>
+            <p:ph type="title"/>
+          </p:nvPr>
+        </p:nvSpPr>
+        <p:spPr/>
+        <p:txBody>
+          <a:bodyPr/>
+          <a:lstStyle/>
+          <a:p>
+            <a:r>
+              <a:rPr lang="zh-CN" altLang="en-US" sz="2400" b="1" dirty="0">
+                <a:solidFill>
+                  <a:schemeClr val="tx1"/>
+                </a:solidFill>
+              </a:rPr>
+              <a:t>实践演练</a:t>
+            </a:r>
+            <a:r>
+              <a:rPr lang="en-US" altLang="zh-CN" sz="2400" b="1" dirty="0">
+                <a:solidFill>
+                  <a:schemeClr val="tx1"/>
+                </a:solidFill>
+              </a:rPr>
+              <a:t>2</a:t>
+            </a:r>
+            <a:endParaRPr lang="zh-CN" altLang="en-US" sz="2400" b="1" dirty="0">
+              <a:solidFill>
+                <a:schemeClr val="tx1"/>
+              </a:solidFill>
+            </a:endParaRPr>
+          </a:p>
+        </p:txBody>
+      </p:sp>
+      <p:sp>
+        <p:nvSpPr>
+          <p:cNvPr id="4" name="文本框 3">
+            <a:extLst>
+              <a:ext uri="{FF2B5EF4-FFF2-40B4-BE49-F238E27FC236}">
+                <a16:creationId xmlns:a16="http://schemas.microsoft.com/office/drawing/2014/main" id="{F7E3F668-EE69-6E63-DADB-FEAC0EC47563}"/>
+              </a:ext>
+            </a:extLst>
+          </p:cNvPr>
           <p:cNvSpPr txBox="1"/>
           <p:nvPr/>
         </p:nvSpPr>
         <p:spPr>
           <a:xfrm>
-            <a:off x="1452369" y="2251392"/>
-            <a:ext cx="1773242" cy="1862048"/>
+            <a:off x="657616" y="970767"/>
+            <a:ext cx="3914384" cy="369332"/>
           </a:xfrm>
           <a:prstGeom prst="rect">
             <a:avLst/>
@@ -11407,164 +11552,37 @@
           <a:noFill/>
         </p:spPr>
         <p:txBody>
-          <a:bodyPr wrap="none" rtlCol="0">
+          <a:bodyPr wrap="square" rtlCol="0">
             <a:spAutoFit/>
           </a:bodyPr>
           <a:lstStyle/>
           <a:p>
-            <a:pPr algn="ctr"/>
-            <a:r>
-              <a:rPr lang="en-US" altLang="zh-CN" sz="11500" dirty="0">
-                <a:solidFill>
-                  <a:srgbClr val="FF9933"/>
-                </a:solidFill>
-                <a:latin typeface="Impact" panose="020B0806030902050204" pitchFamily="34" charset="0"/>
-              </a:rPr>
-              <a:t>06</a:t>
-            </a:r>
-          </a:p>
-        </p:txBody>
-      </p:sp>
-      <p:sp>
-        <p:nvSpPr>
-          <p:cNvPr id="5" name="文本框 4"/>
-          <p:cNvSpPr txBox="1"/>
-          <p:nvPr/>
-        </p:nvSpPr>
-        <p:spPr>
-          <a:xfrm>
-            <a:off x="3225800" y="2160270"/>
-            <a:ext cx="5217160" cy="1753235"/>
-          </a:xfrm>
-          <a:prstGeom prst="rect">
-            <a:avLst/>
-          </a:prstGeom>
-          <a:noFill/>
-        </p:spPr>
-        <p:txBody>
-          <a:bodyPr wrap="square" rtlCol="0">
-            <a:spAutoFit/>
-            <a:scene3d>
-              <a:camera prst="orthographicFront"/>
-              <a:lightRig rig="threePt" dir="t"/>
-            </a:scene3d>
-            <a:sp3d contourW="12700"/>
-          </a:bodyPr>
-          <a:lstStyle/>
-          <a:p>
-            <a:r>
-              <a:rPr lang="en-US" altLang="zh-CN" sz="5400" b="1" dirty="0" err="1"/>
-              <a:t>Ant</a:t>
-            </a:r>
-            <a:r>
-              <a:rPr lang="en-US" altLang="zh-CN" sz="5400" b="1" dirty="0"/>
-              <a:t> Design &amp; Procomponent</a:t>
-            </a:r>
-            <a:endParaRPr lang="zh-CN" altLang="en-US" sz="5400" b="1" dirty="0">
-              <a:solidFill>
-                <a:schemeClr val="tx1"/>
-              </a:solidFill>
-            </a:endParaRPr>
-          </a:p>
-        </p:txBody>
-      </p:sp>
-      <p:sp>
-        <p:nvSpPr>
-          <p:cNvPr id="2" name="文本框 1"/>
-          <p:cNvSpPr txBox="1"/>
-          <p:nvPr/>
-        </p:nvSpPr>
-        <p:spPr>
-          <a:xfrm>
-            <a:off x="3225941" y="3913801"/>
-            <a:ext cx="4872136" cy="923330"/>
-          </a:xfrm>
-          <a:prstGeom prst="rect">
-            <a:avLst/>
-          </a:prstGeom>
-          <a:noFill/>
-        </p:spPr>
-        <p:txBody>
-          <a:bodyPr wrap="square">
-            <a:spAutoFit/>
-          </a:bodyPr>
-          <a:lstStyle/>
-          <a:p>
-            <a:pPr marL="742950" lvl="1" indent="-285750">
-              <a:buFont typeface="Arial" panose="020B0604020202020204" pitchFamily="34" charset="0"/>
-              <a:buChar char="•"/>
-            </a:pPr>
-            <a:r>
-              <a:rPr lang="zh-CN" altLang="en-US" dirty="0">
-                <a:solidFill>
-                  <a:schemeClr val="bg2"/>
-                </a:solidFill>
-              </a:rPr>
-              <a:t>文档阅读，</a:t>
-            </a:r>
-            <a:r>
-              <a:rPr lang="en-US" altLang="zh-CN" dirty="0" err="1">
-                <a:solidFill>
-                  <a:schemeClr val="bg2"/>
-                </a:solidFill>
-              </a:rPr>
-              <a:t>Antd</a:t>
-            </a:r>
-            <a:r>
-              <a:rPr lang="en-US" altLang="zh-CN" dirty="0">
-                <a:solidFill>
-                  <a:schemeClr val="bg2"/>
-                </a:solidFill>
-              </a:rPr>
-              <a:t> Design</a:t>
-            </a:r>
-            <a:r>
-              <a:rPr lang="zh-CN" altLang="en-US" dirty="0">
-                <a:solidFill>
-                  <a:schemeClr val="bg2"/>
-                </a:solidFill>
-              </a:rPr>
-              <a:t>与</a:t>
-            </a:r>
-            <a:r>
-              <a:rPr lang="en-US" altLang="zh-CN" dirty="0" err="1">
-                <a:solidFill>
-                  <a:schemeClr val="bg2"/>
-                </a:solidFill>
-              </a:rPr>
-              <a:t>ProComponent</a:t>
-            </a:r>
-            <a:r>
-              <a:rPr lang="zh-CN" altLang="en-US" dirty="0">
-                <a:solidFill>
-                  <a:schemeClr val="bg2"/>
-                </a:solidFill>
-              </a:rPr>
-              <a:t>的关系</a:t>
-            </a:r>
-            <a:endParaRPr lang="en-US" altLang="zh-CN" dirty="0">
-              <a:solidFill>
-                <a:schemeClr val="bg2"/>
-              </a:solidFill>
-            </a:endParaRPr>
-          </a:p>
-          <a:p>
-            <a:pPr marL="742950" lvl="1" indent="-285750">
-              <a:buFont typeface="Arial" panose="020B0604020202020204" pitchFamily="34" charset="0"/>
-              <a:buChar char="•"/>
-            </a:pPr>
-            <a:r>
-              <a:rPr lang="zh-CN" altLang="en-US" dirty="0">
-                <a:solidFill>
-                  <a:schemeClr val="bg2"/>
-                </a:solidFill>
-              </a:rPr>
-              <a:t>介绍常用的蚂蚁组件，实践演练</a:t>
-            </a:r>
+            <a:r>
+              <a:rPr lang="zh-CN" altLang="en-US" dirty="0"/>
+              <a:t>移步代码</a:t>
+            </a:r>
+            <a:r>
+              <a:rPr lang="en-US" altLang="zh-CN" dirty="0"/>
+              <a:t>TodoList2</a:t>
+            </a:r>
+            <a:r>
+              <a:rPr lang="zh-CN" altLang="en-US" dirty="0"/>
+              <a:t>案例</a:t>
+            </a:r>
+            <a:r>
+              <a:rPr lang="en-US" altLang="zh-CN" dirty="0"/>
+              <a:t>[1]</a:t>
+            </a:r>
+            <a:endParaRPr lang="zh-CN" altLang="en-US" dirty="0"/>
           </a:p>
         </p:txBody>
       </p:sp>
     </p:spTree>
+    <p:extLst>
+      <p:ext uri="{BB962C8B-B14F-4D97-AF65-F5344CB8AC3E}">
+        <p14:creationId xmlns:p14="http://schemas.microsoft.com/office/powerpoint/2010/main" val="2925212786"/>
+      </p:ext>
+    </p:extLst>
   </p:cSld>
   <p:clrMapOvr>
     <a:masterClrMapping/>
@@ -11591,59 +11609,14 @@
       </p:grpSpPr>
       <p:sp>
         <p:nvSpPr>
-          <p:cNvPr id="2" name="标题 1"/>
-          <p:cNvSpPr>
-            <a:spLocks noGrp="1"/>
-          </p:cNvSpPr>
-          <p:nvPr>
-            <p:ph type="title"/>
-          </p:nvPr>
-        </p:nvSpPr>
-        <p:spPr/>
-        <p:txBody>
-          <a:bodyPr/>
-          <a:lstStyle/>
-          <a:p>
-            <a:r>
-              <a:rPr lang="en-US" altLang="zh-CN" sz="2400" b="1" dirty="0">
-                <a:hlinkClick r:id="rId3"/>
-              </a:rPr>
-              <a:t>Ant Design </a:t>
-            </a:r>
-            <a:r>
-              <a:rPr lang="en-US" altLang="zh-CN" sz="2400" b="1" dirty="0"/>
-              <a:t>&amp; </a:t>
-            </a:r>
-            <a:r>
-              <a:rPr lang="en-US" altLang="zh-CN" sz="2400" b="1" dirty="0" err="1">
-                <a:hlinkClick r:id="rId4"/>
-              </a:rPr>
-              <a:t>Procomponent</a:t>
-            </a:r>
-            <a:endParaRPr lang="zh-CN" altLang="en-US" sz="2400" b="1" dirty="0">
-              <a:solidFill>
-                <a:schemeClr val="tx1"/>
-              </a:solidFill>
-            </a:endParaRPr>
-          </a:p>
-        </p:txBody>
-      </p:sp>
-      <p:sp>
-        <p:nvSpPr>
-          <p:cNvPr id="5" name="文本框 4">
-            <a:extLst>
-              <a:ext uri="{FF2B5EF4-FFF2-40B4-BE49-F238E27FC236}">
-                <a16:creationId xmlns:a16="http://schemas.microsoft.com/office/drawing/2014/main" id="{C8C11884-A39D-5F01-183C-A1A8DA67C5C9}"/>
-              </a:ext>
-            </a:extLst>
-          </p:cNvPr>
+          <p:cNvPr id="4" name="文本框 3"/>
           <p:cNvSpPr txBox="1"/>
           <p:nvPr/>
         </p:nvSpPr>
         <p:spPr>
           <a:xfrm>
-            <a:off x="451961" y="958241"/>
-            <a:ext cx="8097053" cy="5632311"/>
+            <a:off x="1452369" y="2251392"/>
+            <a:ext cx="1773242" cy="1862048"/>
           </a:xfrm>
           <a:prstGeom prst="rect">
             <a:avLst/>
@@ -11651,202 +11624,180 @@
           <a:noFill/>
         </p:spPr>
         <p:txBody>
+          <a:bodyPr wrap="none" rtlCol="0">
+            <a:spAutoFit/>
+          </a:bodyPr>
+          <a:lstStyle/>
+          <a:p>
+            <a:pPr algn="ctr"/>
+            <a:r>
+              <a:rPr lang="en-US" altLang="zh-CN" sz="11500" dirty="0">
+                <a:solidFill>
+                  <a:srgbClr val="FF9933"/>
+                </a:solidFill>
+                <a:latin typeface="Impact" panose="020B0806030902050204" pitchFamily="34" charset="0"/>
+              </a:rPr>
+              <a:t>06</a:t>
+            </a:r>
+          </a:p>
+        </p:txBody>
+      </p:sp>
+      <p:sp>
+        <p:nvSpPr>
+          <p:cNvPr id="5" name="文本框 4"/>
+          <p:cNvSpPr txBox="1"/>
+          <p:nvPr/>
+        </p:nvSpPr>
+        <p:spPr>
+          <a:xfrm>
+            <a:off x="3225800" y="2160270"/>
+            <a:ext cx="5217160" cy="1753235"/>
+          </a:xfrm>
+          <a:prstGeom prst="rect">
+            <a:avLst/>
+          </a:prstGeom>
+          <a:noFill/>
+        </p:spPr>
+        <p:txBody>
           <a:bodyPr wrap="square" rtlCol="0">
             <a:spAutoFit/>
+            <a:scene3d>
+              <a:camera prst="orthographicFront"/>
+              <a:lightRig rig="threePt" dir="t"/>
+            </a:scene3d>
+            <a:sp3d contourW="12700"/>
           </a:bodyPr>
           <a:lstStyle/>
           <a:p>
             <a:r>
-              <a:rPr lang="en-US" altLang="zh-CN" dirty="0"/>
-              <a:t>1</a:t>
-            </a:r>
-            <a:r>
-              <a:rPr lang="zh-CN" altLang="en-US" dirty="0"/>
-              <a:t>、文档阅读：</a:t>
-            </a:r>
-            <a:r>
-              <a:rPr lang="en-US" altLang="zh-CN" dirty="0"/>
-              <a:t> </a:t>
+              <a:rPr lang="en-US" altLang="zh-CN" sz="5400" b="1" dirty="0" err="1"/>
+              <a:t>Ant</a:t>
+            </a:r>
+            <a:r>
+              <a:rPr lang="en-US" altLang="zh-CN" sz="5400" b="1" dirty="0"/>
+              <a:t> Design &amp; Procomponent</a:t>
+            </a:r>
+            <a:endParaRPr lang="zh-CN" altLang="en-US" sz="5400" b="1" dirty="0">
+              <a:solidFill>
+                <a:schemeClr val="tx1"/>
+              </a:solidFill>
+            </a:endParaRPr>
+          </a:p>
+        </p:txBody>
+      </p:sp>
+      <p:sp>
+        <p:nvSpPr>
+          <p:cNvPr id="2" name="文本框 1"/>
+          <p:cNvSpPr txBox="1"/>
+          <p:nvPr/>
+        </p:nvSpPr>
+        <p:spPr>
+          <a:xfrm>
+            <a:off x="3225611" y="3913505"/>
+            <a:ext cx="4872136" cy="923330"/>
+          </a:xfrm>
+          <a:prstGeom prst="rect">
+            <a:avLst/>
+          </a:prstGeom>
+          <a:noFill/>
+        </p:spPr>
+        <p:txBody>
+          <a:bodyPr wrap="square">
+            <a:spAutoFit/>
+          </a:bodyPr>
+          <a:lstStyle/>
+          <a:p>
+            <a:pPr marL="742950" lvl="1" indent="-285750">
+              <a:buFont typeface="Arial" panose="020B0604020202020204" pitchFamily="34" charset="0"/>
+              <a:buChar char="•"/>
+            </a:pPr>
+            <a:r>
+              <a:rPr lang="zh-CN" altLang="en-US" dirty="0">
+                <a:solidFill>
+                  <a:schemeClr val="bg2"/>
+                </a:solidFill>
+              </a:rPr>
+              <a:t>文档阅读，</a:t>
+            </a:r>
+            <a:r>
+              <a:rPr lang="en-US" altLang="zh-CN" dirty="0" err="1">
+                <a:solidFill>
+                  <a:schemeClr val="bg2"/>
+                </a:solidFill>
+              </a:rPr>
+              <a:t>Antd</a:t>
             </a:r>
             <a:r>
               <a:rPr lang="en-US" altLang="zh-CN" dirty="0">
-                <a:hlinkClick r:id="rId5"/>
+                <a:solidFill>
+                  <a:schemeClr val="bg2"/>
+                </a:solidFill>
               </a:rPr>
-              <a:t>https://ant-design.antgroup.com/docs/react/getting-started-cn</a:t>
-            </a:r>
-            <a:endParaRPr lang="en-US" altLang="zh-CN" dirty="0"/>
-          </a:p>
-          <a:p>
-            <a:endParaRPr lang="en-US" altLang="zh-CN" dirty="0"/>
-          </a:p>
-          <a:p>
-            <a:endParaRPr lang="en-US" altLang="zh-CN" dirty="0"/>
-          </a:p>
-          <a:p>
-            <a:endParaRPr lang="en-US" altLang="zh-CN" dirty="0"/>
-          </a:p>
-          <a:p>
-            <a:r>
-              <a:rPr lang="zh-CN" altLang="en-US" dirty="0"/>
-              <a:t>很多重复的轮子，</a:t>
-            </a:r>
-            <a:r>
-              <a:rPr lang="en-US" altLang="zh-CN" dirty="0" err="1"/>
-              <a:t>Antd</a:t>
-            </a:r>
-            <a:r>
-              <a:rPr lang="en-US" altLang="zh-CN" dirty="0"/>
-              <a:t> </a:t>
-            </a:r>
-            <a:r>
-              <a:rPr lang="zh-CN" altLang="en-US" dirty="0"/>
-              <a:t>组件都有，然后看这个快速入手，使用这套组件库，需要先掌握 </a:t>
-            </a:r>
-            <a:r>
-              <a:rPr lang="en-US" altLang="zh-CN" dirty="0"/>
-              <a:t>React </a:t>
-            </a:r>
-            <a:r>
-              <a:rPr lang="zh-CN" altLang="en-US" dirty="0"/>
-              <a:t>以及 </a:t>
-            </a:r>
-            <a:r>
-              <a:rPr lang="en-US" altLang="zh-CN" dirty="0"/>
-              <a:t>ES6</a:t>
-            </a:r>
-            <a:r>
-              <a:rPr lang="zh-CN" altLang="en-US" dirty="0"/>
-              <a:t>。</a:t>
-            </a:r>
-            <a:r>
-              <a:rPr lang="en-US" altLang="zh-CN" dirty="0" err="1"/>
-              <a:t>Antd</a:t>
-            </a:r>
-            <a:r>
-              <a:rPr lang="en-US" altLang="zh-CN" dirty="0"/>
-              <a:t> </a:t>
-            </a:r>
-            <a:r>
-              <a:rPr lang="zh-CN" altLang="en-US" dirty="0"/>
-              <a:t>是一个设计规范，提供了很多基础组件，我们可以看这个组件这个 </a:t>
-            </a:r>
-            <a:r>
-              <a:rPr lang="en-US" altLang="zh-CN" dirty="0"/>
-              <a:t>tab</a:t>
-            </a:r>
-            <a:r>
-              <a:rPr lang="zh-CN" altLang="en-US" dirty="0"/>
-              <a:t>，有通用、布局、导航、表单录入等，省去了很多开发时间。</a:t>
-            </a:r>
-            <a:endParaRPr lang="en-US" altLang="zh-CN" dirty="0"/>
-          </a:p>
-          <a:p>
-            <a:endParaRPr lang="en-US" altLang="zh-CN" dirty="0"/>
-          </a:p>
-          <a:p>
-            <a:r>
-              <a:rPr lang="zh-CN" altLang="en-US" dirty="0"/>
-              <a:t>然后我们项目中使用了</a:t>
+              <a:t> Design</a:t>
+            </a:r>
+            <a:r>
+              <a:rPr lang="zh-CN" altLang="en-US" dirty="0">
+                <a:solidFill>
+                  <a:schemeClr val="bg2"/>
+                </a:solidFill>
+              </a:rPr>
+              <a:t>与</a:t>
             </a:r>
             <a:r>
               <a:rPr lang="en-US" altLang="zh-CN" dirty="0" err="1">
-                <a:hlinkClick r:id="rId6"/>
+                <a:solidFill>
+                  <a:schemeClr val="bg2"/>
+                </a:solidFill>
               </a:rPr>
-              <a:t>Procomponent</a:t>
-            </a:r>
-            <a:r>
-              <a:rPr lang="zh-CN" altLang="en-US" dirty="0"/>
-              <a:t>，它是基于 </a:t>
-            </a:r>
-            <a:r>
-              <a:rPr lang="en-US" altLang="zh-CN" dirty="0"/>
-              <a:t>Ant Design </a:t>
-            </a:r>
-            <a:r>
-              <a:rPr lang="zh-CN" altLang="en-US" dirty="0"/>
-              <a:t>而开发的模板组件，提供了更高级别的抽象支持，开箱即用。可以显著地提升制作 </a:t>
-            </a:r>
-            <a:r>
-              <a:rPr lang="en-US" altLang="zh-CN" dirty="0"/>
-              <a:t>CRUD </a:t>
-            </a:r>
-            <a:r>
-              <a:rPr lang="zh-CN" altLang="en-US" dirty="0"/>
-              <a:t>页面的效率，更加专注于页面。</a:t>
-            </a:r>
-            <a:endParaRPr lang="en-US" altLang="zh-CN" dirty="0"/>
-          </a:p>
-          <a:p>
-            <a:endParaRPr lang="en-US" altLang="zh-CN" dirty="0"/>
-          </a:p>
-          <a:p>
-            <a:r>
-              <a:rPr lang="zh-CN" altLang="en-US" dirty="0"/>
-              <a:t>现在我们 </a:t>
-            </a:r>
-            <a:r>
-              <a:rPr lang="en-US" altLang="zh-CN" dirty="0"/>
-              <a:t>pc </a:t>
-            </a:r>
-            <a:r>
-              <a:rPr lang="zh-CN" altLang="en-US" dirty="0"/>
-              <a:t>端的项目的话大多都是使用 </a:t>
-            </a:r>
-            <a:r>
-              <a:rPr lang="en-US" altLang="zh-CN" dirty="0" err="1"/>
-              <a:t>Procomponents</a:t>
-            </a:r>
-            <a:r>
-              <a:rPr lang="zh-CN" altLang="en-US" dirty="0"/>
-              <a:t>，像比如表格，表单啊，</a:t>
-            </a:r>
-            <a:r>
-              <a:rPr lang="en-US" altLang="zh-CN" dirty="0" err="1"/>
-              <a:t>Procomponent</a:t>
-            </a:r>
-            <a:r>
-              <a:rPr lang="en-US" altLang="zh-CN" dirty="0"/>
-              <a:t> </a:t>
-            </a:r>
-            <a:r>
-              <a:rPr lang="zh-CN" altLang="en-US" dirty="0"/>
-              <a:t>都帮我们内置了很多逻辑在里面，然后像抽屉的话，如果说抽屉里面是有表单，那还是推荐使用 </a:t>
-            </a:r>
-            <a:r>
-              <a:rPr lang="en-US" altLang="zh-CN" dirty="0" err="1"/>
-              <a:t>DrawerForm</a:t>
-            </a:r>
-            <a:r>
-              <a:rPr lang="zh-CN" altLang="en-US" dirty="0"/>
-              <a:t>，如果只是纯抽屉，那可以使用 </a:t>
-            </a:r>
-            <a:r>
-              <a:rPr lang="en-US" altLang="zh-CN" dirty="0"/>
-              <a:t>Drawer</a:t>
-            </a:r>
-            <a:r>
-              <a:rPr lang="zh-CN" altLang="en-US" dirty="0"/>
-              <a:t>。</a:t>
-            </a:r>
-            <a:endParaRPr lang="en-US" altLang="zh-CN" dirty="0"/>
-          </a:p>
-          <a:p>
-            <a:endParaRPr lang="zh-CN" altLang="en-US" dirty="0"/>
-          </a:p>
-          <a:p>
-            <a:endParaRPr lang="zh-CN" altLang="en-US" dirty="0"/>
-          </a:p>
-          <a:p>
-            <a:endParaRPr lang="zh-CN" altLang="en-US" dirty="0"/>
+              <a:t>ProComponent</a:t>
+            </a:r>
+            <a:r>
+              <a:rPr lang="zh-CN" altLang="en-US" dirty="0">
+                <a:solidFill>
+                  <a:schemeClr val="bg2"/>
+                </a:solidFill>
+              </a:rPr>
+              <a:t>的关系</a:t>
+            </a:r>
+            <a:endParaRPr lang="en-US" altLang="zh-CN" dirty="0">
+              <a:solidFill>
+                <a:schemeClr val="bg2"/>
+              </a:solidFill>
+            </a:endParaRPr>
+          </a:p>
+          <a:p>
+            <a:pPr marL="742950" lvl="1" indent="-285750">
+              <a:buFont typeface="Arial" panose="020B0604020202020204" pitchFamily="34" charset="0"/>
+              <a:buChar char="•"/>
+            </a:pPr>
+            <a:r>
+              <a:rPr lang="zh-CN" altLang="en-US" dirty="0">
+                <a:solidFill>
+                  <a:schemeClr val="bg2"/>
+                </a:solidFill>
+              </a:rPr>
+              <a:t>实践演练</a:t>
+            </a:r>
+            <a:r>
+              <a:rPr lang="en-US" altLang="zh-CN" dirty="0" err="1">
+                <a:solidFill>
+                  <a:schemeClr val="bg2"/>
+                </a:solidFill>
+              </a:rPr>
+              <a:t>TodoList</a:t>
+            </a:r>
+            <a:r>
+              <a:rPr lang="zh-CN" altLang="en-US" dirty="0">
+                <a:solidFill>
+                  <a:schemeClr val="bg2"/>
+                </a:solidFill>
+              </a:rPr>
+              <a:t>案例换标签</a:t>
+            </a:r>
           </a:p>
         </p:txBody>
       </p:sp>
     </p:spTree>
-    <p:extLst>
-      <p:ext uri="{BB962C8B-B14F-4D97-AF65-F5344CB8AC3E}">
-        <p14:creationId xmlns:p14="http://schemas.microsoft.com/office/powerpoint/2010/main" val="3091229430"/>
-      </p:ext>
-    </p:extLst>
   </p:cSld>
   <p:clrMapOvr>
     <a:masterClrMapping/>
@@ -11925,6 +11876,288 @@
         <p:spPr>
           <a:xfrm>
             <a:off x="451961" y="958241"/>
+            <a:ext cx="8097053" cy="5632311"/>
+          </a:xfrm>
+          <a:prstGeom prst="rect">
+            <a:avLst/>
+          </a:prstGeom>
+          <a:noFill/>
+        </p:spPr>
+        <p:txBody>
+          <a:bodyPr wrap="square" rtlCol="0">
+            <a:spAutoFit/>
+          </a:bodyPr>
+          <a:lstStyle/>
+          <a:p>
+            <a:r>
+              <a:rPr lang="en-US" altLang="zh-CN" dirty="0"/>
+              <a:t>1</a:t>
+            </a:r>
+            <a:r>
+              <a:rPr lang="zh-CN" altLang="en-US" dirty="0"/>
+              <a:t>、文档阅读：</a:t>
+            </a:r>
+            <a:r>
+              <a:rPr lang="en-US" altLang="zh-CN" dirty="0"/>
+              <a:t> </a:t>
+            </a:r>
+            <a:r>
+              <a:rPr lang="en-US" altLang="zh-CN" dirty="0">
+                <a:hlinkClick r:id="rId5"/>
+              </a:rPr>
+              <a:t>https://ant-design.antgroup.com/docs/react/getting-started-cn</a:t>
+            </a:r>
+            <a:endParaRPr lang="en-US" altLang="zh-CN" dirty="0"/>
+          </a:p>
+          <a:p>
+            <a:endParaRPr lang="en-US" altLang="zh-CN" dirty="0"/>
+          </a:p>
+          <a:p>
+            <a:endParaRPr lang="en-US" altLang="zh-CN" dirty="0"/>
+          </a:p>
+          <a:p>
+            <a:endParaRPr lang="en-US" altLang="zh-CN" dirty="0"/>
+          </a:p>
+          <a:p>
+            <a:r>
+              <a:rPr lang="zh-CN" altLang="en-US" dirty="0"/>
+              <a:t>很多重复的轮子，</a:t>
+            </a:r>
+            <a:r>
+              <a:rPr lang="en-US" altLang="zh-CN" dirty="0" err="1"/>
+              <a:t>Antd</a:t>
+            </a:r>
+            <a:r>
+              <a:rPr lang="en-US" altLang="zh-CN" dirty="0"/>
+              <a:t> </a:t>
+            </a:r>
+            <a:r>
+              <a:rPr lang="zh-CN" altLang="en-US" dirty="0"/>
+              <a:t>组件都有，然后看这个快速入手，使用这套组件库，需要先掌握 </a:t>
+            </a:r>
+            <a:r>
+              <a:rPr lang="en-US" altLang="zh-CN" dirty="0"/>
+              <a:t>React </a:t>
+            </a:r>
+            <a:r>
+              <a:rPr lang="zh-CN" altLang="en-US" dirty="0"/>
+              <a:t>以及 </a:t>
+            </a:r>
+            <a:r>
+              <a:rPr lang="en-US" altLang="zh-CN" dirty="0"/>
+              <a:t>ES6</a:t>
+            </a:r>
+            <a:r>
+              <a:rPr lang="zh-CN" altLang="en-US" dirty="0"/>
+              <a:t>。</a:t>
+            </a:r>
+            <a:r>
+              <a:rPr lang="en-US" altLang="zh-CN" dirty="0" err="1"/>
+              <a:t>Antd</a:t>
+            </a:r>
+            <a:r>
+              <a:rPr lang="en-US" altLang="zh-CN" dirty="0"/>
+              <a:t> </a:t>
+            </a:r>
+            <a:r>
+              <a:rPr lang="zh-CN" altLang="en-US" dirty="0"/>
+              <a:t>是一个设计规范，提供了很多基础组件，我们可以看这个组件这个 </a:t>
+            </a:r>
+            <a:r>
+              <a:rPr lang="en-US" altLang="zh-CN" dirty="0"/>
+              <a:t>tab</a:t>
+            </a:r>
+            <a:r>
+              <a:rPr lang="zh-CN" altLang="en-US" dirty="0"/>
+              <a:t>，有通用、布局、导航、表单录入等，省去了很多开发时间。</a:t>
+            </a:r>
+            <a:endParaRPr lang="en-US" altLang="zh-CN" dirty="0"/>
+          </a:p>
+          <a:p>
+            <a:endParaRPr lang="en-US" altLang="zh-CN" dirty="0"/>
+          </a:p>
+          <a:p>
+            <a:r>
+              <a:rPr lang="zh-CN" altLang="en-US" dirty="0"/>
+              <a:t>然后我们项目中使用了</a:t>
+            </a:r>
+            <a:r>
+              <a:rPr lang="en-US" altLang="zh-CN" dirty="0" err="1">
+                <a:hlinkClick r:id="rId6"/>
+              </a:rPr>
+              <a:t>Procomponent</a:t>
+            </a:r>
+            <a:r>
+              <a:rPr lang="zh-CN" altLang="en-US" dirty="0"/>
+              <a:t>，它是基于 </a:t>
+            </a:r>
+            <a:r>
+              <a:rPr lang="en-US" altLang="zh-CN" dirty="0"/>
+              <a:t>Ant Design </a:t>
+            </a:r>
+            <a:r>
+              <a:rPr lang="zh-CN" altLang="en-US" dirty="0"/>
+              <a:t>而开发的模板组件，提供了更高级别的抽象支持，开箱即用。可以显著地提升制作 </a:t>
+            </a:r>
+            <a:r>
+              <a:rPr lang="en-US" altLang="zh-CN" dirty="0"/>
+              <a:t>CRUD </a:t>
+            </a:r>
+            <a:r>
+              <a:rPr lang="zh-CN" altLang="en-US" dirty="0"/>
+              <a:t>页面的效率，更加专注于页面。</a:t>
+            </a:r>
+            <a:endParaRPr lang="en-US" altLang="zh-CN" dirty="0"/>
+          </a:p>
+          <a:p>
+            <a:endParaRPr lang="en-US" altLang="zh-CN" dirty="0"/>
+          </a:p>
+          <a:p>
+            <a:r>
+              <a:rPr lang="zh-CN" altLang="en-US" dirty="0"/>
+              <a:t>现在我们 </a:t>
+            </a:r>
+            <a:r>
+              <a:rPr lang="en-US" altLang="zh-CN" dirty="0"/>
+              <a:t>pc </a:t>
+            </a:r>
+            <a:r>
+              <a:rPr lang="zh-CN" altLang="en-US" dirty="0"/>
+              <a:t>端的项目的话大多都是使用 </a:t>
+            </a:r>
+            <a:r>
+              <a:rPr lang="en-US" altLang="zh-CN" dirty="0" err="1"/>
+              <a:t>Procomponents</a:t>
+            </a:r>
+            <a:r>
+              <a:rPr lang="zh-CN" altLang="en-US" dirty="0"/>
+              <a:t>，像比如表格，表单啊，</a:t>
+            </a:r>
+            <a:r>
+              <a:rPr lang="en-US" altLang="zh-CN" dirty="0" err="1"/>
+              <a:t>Procomponent</a:t>
+            </a:r>
+            <a:r>
+              <a:rPr lang="en-US" altLang="zh-CN" dirty="0"/>
+              <a:t> </a:t>
+            </a:r>
+            <a:r>
+              <a:rPr lang="zh-CN" altLang="en-US" dirty="0"/>
+              <a:t>都帮我们内置了很多逻辑在里面，然后像抽屉的话，如果说抽屉里面是有表单，那还是推荐使用 </a:t>
+            </a:r>
+            <a:r>
+              <a:rPr lang="en-US" altLang="zh-CN" dirty="0" err="1"/>
+              <a:t>DrawerForm</a:t>
+            </a:r>
+            <a:r>
+              <a:rPr lang="zh-CN" altLang="en-US" dirty="0"/>
+              <a:t>，如果只是纯抽屉，那可以使用 </a:t>
+            </a:r>
+            <a:r>
+              <a:rPr lang="en-US" altLang="zh-CN" dirty="0"/>
+              <a:t>Drawer</a:t>
+            </a:r>
+            <a:r>
+              <a:rPr lang="zh-CN" altLang="en-US" dirty="0"/>
+              <a:t>。</a:t>
+            </a:r>
+            <a:endParaRPr lang="en-US" altLang="zh-CN" dirty="0"/>
+          </a:p>
+          <a:p>
+            <a:endParaRPr lang="zh-CN" altLang="en-US" dirty="0"/>
+          </a:p>
+          <a:p>
+            <a:endParaRPr lang="zh-CN" altLang="en-US" dirty="0"/>
+          </a:p>
+          <a:p>
+            <a:endParaRPr lang="zh-CN" altLang="en-US" dirty="0"/>
+          </a:p>
+        </p:txBody>
+      </p:sp>
+    </p:spTree>
+    <p:extLst>
+      <p:ext uri="{BB962C8B-B14F-4D97-AF65-F5344CB8AC3E}">
+        <p14:creationId xmlns:p14="http://schemas.microsoft.com/office/powerpoint/2010/main" val="3091229430"/>
+      </p:ext>
+    </p:extLst>
+  </p:cSld>
+  <p:clrMapOvr>
+    <a:masterClrMapping/>
+  </p:clrMapOvr>
+</p:sld>
+</file>
+
+<file path=ppt/slides/slide37.xml><?xml version="1.0" encoding="utf-8"?>
+<p:sld xmlns:a="http://schemas.openxmlformats.org/drawingml/2006/main" xmlns:r="http://schemas.openxmlformats.org/officeDocument/2006/relationships" xmlns:p="http://schemas.openxmlformats.org/presentationml/2006/main">
+  <p:cSld>
+    <p:spTree>
+      <p:nvGrpSpPr>
+        <p:cNvPr id="1" name=""/>
+        <p:cNvGrpSpPr/>
+        <p:nvPr/>
+      </p:nvGrpSpPr>
+      <p:grpSpPr>
+        <a:xfrm>
+          <a:off x="0" y="0"/>
+          <a:ext cx="0" cy="0"/>
+          <a:chOff x="0" y="0"/>
+          <a:chExt cx="0" cy="0"/>
+        </a:xfrm>
+      </p:grpSpPr>
+      <p:sp>
+        <p:nvSpPr>
+          <p:cNvPr id="2" name="标题 1"/>
+          <p:cNvSpPr>
+            <a:spLocks noGrp="1"/>
+          </p:cNvSpPr>
+          <p:nvPr>
+            <p:ph type="title"/>
+          </p:nvPr>
+        </p:nvSpPr>
+        <p:spPr/>
+        <p:txBody>
+          <a:bodyPr/>
+          <a:lstStyle/>
+          <a:p>
+            <a:r>
+              <a:rPr lang="en-US" altLang="zh-CN" sz="2400" b="1" dirty="0">
+                <a:hlinkClick r:id="rId3"/>
+              </a:rPr>
+              <a:t>Ant Design </a:t>
+            </a:r>
+            <a:r>
+              <a:rPr lang="en-US" altLang="zh-CN" sz="2400" b="1" dirty="0"/>
+              <a:t>&amp; </a:t>
+            </a:r>
+            <a:r>
+              <a:rPr lang="en-US" altLang="zh-CN" sz="2400" b="1" dirty="0" err="1">
+                <a:hlinkClick r:id="rId4"/>
+              </a:rPr>
+              <a:t>Procomponent</a:t>
+            </a:r>
+            <a:endParaRPr lang="zh-CN" altLang="en-US" sz="2400" b="1" dirty="0">
+              <a:solidFill>
+                <a:schemeClr val="tx1"/>
+              </a:solidFill>
+            </a:endParaRPr>
+          </a:p>
+        </p:txBody>
+      </p:sp>
+      <p:sp>
+        <p:nvSpPr>
+          <p:cNvPr id="5" name="文本框 4">
+            <a:extLst>
+              <a:ext uri="{FF2B5EF4-FFF2-40B4-BE49-F238E27FC236}">
+                <a16:creationId xmlns:a16="http://schemas.microsoft.com/office/drawing/2014/main" id="{C8C11884-A39D-5F01-183C-A1A8DA67C5C9}"/>
+              </a:ext>
+            </a:extLst>
+          </p:cNvPr>
+          <p:cNvSpPr txBox="1"/>
+          <p:nvPr/>
+        </p:nvSpPr>
+        <p:spPr>
+          <a:xfrm>
+            <a:off x="451961" y="958241"/>
             <a:ext cx="8097053" cy="2585323"/>
           </a:xfrm>
           <a:prstGeom prst="rect">
@@ -11951,7 +12184,15 @@
           <a:p>
             <a:r>
               <a:rPr lang="zh-CN" altLang="en-US" dirty="0"/>
-              <a:t> 见代码</a:t>
+              <a:t> 把</a:t>
+            </a:r>
+            <a:r>
+              <a:rPr lang="en-US" altLang="zh-CN" dirty="0" err="1"/>
+              <a:t>TodoList</a:t>
+            </a:r>
+            <a:r>
+              <a:rPr lang="zh-CN" altLang="en-US" dirty="0"/>
+              <a:t>的普通按钮，输入框换成蚂蚁的</a:t>
             </a:r>
             <a:endParaRPr lang="en-US" altLang="zh-CN" dirty="0"/>
           </a:p>
@@ -12060,164 +12301,6 @@
 </p:sld>
 </file>
 
-<file path=ppt/slides/slide37.xml><?xml version="1.0" encoding="utf-8"?>
-<p:sld xmlns:a="http://schemas.openxmlformats.org/drawingml/2006/main" xmlns:r="http://schemas.openxmlformats.org/officeDocument/2006/relationships" xmlns:p="http://schemas.openxmlformats.org/presentationml/2006/main">
-  <p:cSld>
-    <p:spTree>
-      <p:nvGrpSpPr>
-        <p:cNvPr id="1" name=""/>
-        <p:cNvGrpSpPr/>
-        <p:nvPr/>
-      </p:nvGrpSpPr>
-      <p:grpSpPr>
-        <a:xfrm>
-          <a:off x="0" y="0"/>
-          <a:ext cx="0" cy="0"/>
-          <a:chOff x="0" y="0"/>
-          <a:chExt cx="0" cy="0"/>
-        </a:xfrm>
-      </p:grpSpPr>
-      <p:sp>
-        <p:nvSpPr>
-          <p:cNvPr id="4" name="文本框 3"/>
-          <p:cNvSpPr txBox="1"/>
-          <p:nvPr/>
-        </p:nvSpPr>
-        <p:spPr>
-          <a:xfrm>
-            <a:off x="1562976" y="2251392"/>
-            <a:ext cx="1552028" cy="1862048"/>
-          </a:xfrm>
-          <a:prstGeom prst="rect">
-            <a:avLst/>
-          </a:prstGeom>
-          <a:noFill/>
-        </p:spPr>
-        <p:txBody>
-          <a:bodyPr wrap="none" rtlCol="0">
-            <a:spAutoFit/>
-          </a:bodyPr>
-          <a:lstStyle/>
-          <a:p>
-            <a:pPr algn="ctr"/>
-            <a:r>
-              <a:rPr lang="en-US" altLang="zh-CN" sz="11500" dirty="0">
-                <a:solidFill>
-                  <a:srgbClr val="FF9933"/>
-                </a:solidFill>
-                <a:latin typeface="Impact" panose="020B0806030902050204" pitchFamily="34" charset="0"/>
-              </a:rPr>
-              <a:t>07</a:t>
-            </a:r>
-          </a:p>
-        </p:txBody>
-      </p:sp>
-      <p:sp>
-        <p:nvSpPr>
-          <p:cNvPr id="5" name="文本框 4"/>
-          <p:cNvSpPr txBox="1"/>
-          <p:nvPr/>
-        </p:nvSpPr>
-        <p:spPr>
-          <a:xfrm>
-            <a:off x="3226435" y="2465070"/>
-            <a:ext cx="4900295" cy="922020"/>
-          </a:xfrm>
-          <a:prstGeom prst="rect">
-            <a:avLst/>
-          </a:prstGeom>
-          <a:noFill/>
-        </p:spPr>
-        <p:txBody>
-          <a:bodyPr wrap="square" rtlCol="0">
-            <a:spAutoFit/>
-            <a:scene3d>
-              <a:camera prst="orthographicFront"/>
-              <a:lightRig rig="threePt" dir="t"/>
-            </a:scene3d>
-            <a:sp3d contourW="12700"/>
-          </a:bodyPr>
-          <a:lstStyle/>
-          <a:p>
-            <a:r>
-              <a:rPr lang="zh-CN" altLang="en-US" sz="5400" b="1" dirty="0">
-                <a:solidFill>
-                  <a:schemeClr val="tx1"/>
-                </a:solidFill>
-              </a:rPr>
-              <a:t>总结</a:t>
-            </a:r>
-          </a:p>
-        </p:txBody>
-      </p:sp>
-      <p:sp>
-        <p:nvSpPr>
-          <p:cNvPr id="2" name="文本框 1"/>
-          <p:cNvSpPr txBox="1"/>
-          <p:nvPr>
-            <p:custDataLst>
-              <p:tags r:id="rId1"/>
-            </p:custDataLst>
-          </p:nvPr>
-        </p:nvSpPr>
-        <p:spPr>
-          <a:xfrm>
-            <a:off x="3115004" y="3517674"/>
-            <a:ext cx="5054596" cy="645160"/>
-          </a:xfrm>
-          <a:prstGeom prst="rect">
-            <a:avLst/>
-          </a:prstGeom>
-          <a:noFill/>
-        </p:spPr>
-        <p:txBody>
-          <a:bodyPr wrap="square">
-            <a:spAutoFit/>
-          </a:bodyPr>
-          <a:lstStyle/>
-          <a:p>
-            <a:pPr marL="742950" lvl="1" indent="-285750">
-              <a:buFont typeface="Arial" panose="020B0604020202020204" pitchFamily="34" charset="0"/>
-              <a:buChar char="•"/>
-            </a:pPr>
-            <a:r>
-              <a:rPr lang="zh-CN" altLang="en-US" dirty="0">
-                <a:solidFill>
-                  <a:schemeClr val="bg2"/>
-                </a:solidFill>
-              </a:rPr>
-              <a:t>小结</a:t>
-            </a:r>
-            <a:endParaRPr lang="zh-CN" dirty="0">
-              <a:solidFill>
-                <a:schemeClr val="bg2"/>
-              </a:solidFill>
-            </a:endParaRPr>
-          </a:p>
-          <a:p>
-            <a:pPr marL="742950" lvl="1" indent="-285750">
-              <a:buFont typeface="Arial" panose="020B0604020202020204" pitchFamily="34" charset="0"/>
-              <a:buChar char="•"/>
-            </a:pPr>
-            <a:r>
-              <a:rPr lang="zh-CN" dirty="0">
-                <a:solidFill>
-                  <a:schemeClr val="bg2"/>
-                </a:solidFill>
-              </a:rPr>
-              <a:t>学习资源</a:t>
-            </a:r>
-          </a:p>
-        </p:txBody>
-      </p:sp>
-    </p:spTree>
-  </p:cSld>
-  <p:clrMapOvr>
-    <a:masterClrMapping/>
-  </p:clrMapOvr>
-</p:sld>
-</file>
-
 <file path=ppt/slides/slide38.xml><?xml version="1.0" encoding="utf-8"?>
 <p:sld xmlns:a="http://schemas.openxmlformats.org/drawingml/2006/main" xmlns:r="http://schemas.openxmlformats.org/officeDocument/2006/relationships" xmlns:p="http://schemas.openxmlformats.org/presentationml/2006/main">
   <p:cSld>
@@ -12237,45 +12320,14 @@
       </p:grpSpPr>
       <p:sp>
         <p:nvSpPr>
-          <p:cNvPr id="2" name="标题 1"/>
-          <p:cNvSpPr>
-            <a:spLocks noGrp="1"/>
-          </p:cNvSpPr>
-          <p:nvPr>
-            <p:ph type="title"/>
-          </p:nvPr>
-        </p:nvSpPr>
-        <p:spPr/>
-        <p:txBody>
-          <a:bodyPr/>
-          <a:lstStyle/>
-          <a:p>
-            <a:r>
-              <a:rPr lang="en-US" altLang="zh-CN" dirty="0"/>
-              <a:t>React</a:t>
-            </a:r>
-            <a:r>
-              <a:rPr lang="zh-CN" altLang="en-US" dirty="0"/>
-              <a:t>基础</a:t>
-            </a:r>
-            <a:endParaRPr lang="zh-CN" altLang="en-US" sz="2400" b="1" dirty="0">
-              <a:solidFill>
-                <a:schemeClr val="tx1"/>
-              </a:solidFill>
-            </a:endParaRPr>
-          </a:p>
-        </p:txBody>
-      </p:sp>
-      <p:sp>
-        <p:nvSpPr>
-          <p:cNvPr id="3" name="文本框 2"/>
+          <p:cNvPr id="4" name="文本框 3"/>
           <p:cNvSpPr txBox="1"/>
           <p:nvPr/>
         </p:nvSpPr>
         <p:spPr>
           <a:xfrm>
-            <a:off x="546388" y="685165"/>
-            <a:ext cx="7552481" cy="4524315"/>
+            <a:off x="1562976" y="2251392"/>
+            <a:ext cx="1552028" cy="1862048"/>
           </a:xfrm>
           <a:prstGeom prst="rect">
             <a:avLst/>
@@ -12283,206 +12335,123 @@
           <a:noFill/>
         </p:spPr>
         <p:txBody>
+          <a:bodyPr wrap="none" rtlCol="0">
+            <a:spAutoFit/>
+          </a:bodyPr>
+          <a:lstStyle/>
+          <a:p>
+            <a:pPr algn="ctr"/>
+            <a:r>
+              <a:rPr lang="en-US" altLang="zh-CN" sz="11500" dirty="0">
+                <a:solidFill>
+                  <a:srgbClr val="FF9933"/>
+                </a:solidFill>
+                <a:latin typeface="Impact" panose="020B0806030902050204" pitchFamily="34" charset="0"/>
+              </a:rPr>
+              <a:t>07</a:t>
+            </a:r>
+          </a:p>
+        </p:txBody>
+      </p:sp>
+      <p:sp>
+        <p:nvSpPr>
+          <p:cNvPr id="5" name="文本框 4"/>
+          <p:cNvSpPr txBox="1"/>
+          <p:nvPr/>
+        </p:nvSpPr>
+        <p:spPr>
+          <a:xfrm>
+            <a:off x="3226435" y="2465070"/>
+            <a:ext cx="4900295" cy="922020"/>
+          </a:xfrm>
+          <a:prstGeom prst="rect">
+            <a:avLst/>
+          </a:prstGeom>
+          <a:noFill/>
+        </p:spPr>
+        <p:txBody>
           <a:bodyPr wrap="square" rtlCol="0">
             <a:spAutoFit/>
+            <a:scene3d>
+              <a:camera prst="orthographicFront"/>
+              <a:lightRig rig="threePt" dir="t"/>
+            </a:scene3d>
+            <a:sp3d contourW="12700"/>
           </a:bodyPr>
           <a:lstStyle/>
           <a:p>
             <a:r>
-              <a:rPr lang="en-US" altLang="zh-CN" dirty="0"/>
-              <a:t>1</a:t>
-            </a:r>
-            <a:r>
-              <a:rPr lang="zh-CN" altLang="en-US" dirty="0"/>
-              <a:t>、小结</a:t>
-            </a:r>
-            <a:endParaRPr lang="en-US" altLang="zh-CN" dirty="0"/>
-          </a:p>
-          <a:p>
-            <a:r>
-              <a:rPr lang="en-US" altLang="zh-CN" dirty="0"/>
-              <a:t>     </a:t>
-            </a:r>
-            <a:r>
-              <a:rPr lang="zh-CN" altLang="en-US" dirty="0"/>
-              <a:t>本次培训对</a:t>
-            </a:r>
-            <a:r>
-              <a:rPr lang="en-US" altLang="zh-CN" dirty="0"/>
-              <a:t>react</a:t>
-            </a:r>
-            <a:r>
-              <a:rPr lang="zh-CN" altLang="en-US" dirty="0"/>
-              <a:t>基础知识、</a:t>
-            </a:r>
-            <a:r>
-              <a:rPr lang="en-US" altLang="zh-CN" dirty="0"/>
-              <a:t>hooks</a:t>
-            </a:r>
-            <a:r>
-              <a:rPr lang="zh-CN" altLang="en-US" dirty="0"/>
-              <a:t>、组件化开发、组件间通信、</a:t>
-            </a:r>
-            <a:r>
-              <a:rPr lang="en-US" altLang="zh-CN" dirty="0"/>
-              <a:t>ant design</a:t>
-            </a:r>
-            <a:r>
-              <a:rPr lang="zh-CN" altLang="en-US" dirty="0"/>
-              <a:t>简单的做了一些介绍，然后大家可以去看看官方文档或者慕课网，</a:t>
-            </a:r>
-            <a:r>
-              <a:rPr lang="en-US" altLang="zh-CN" dirty="0"/>
-              <a:t>b</a:t>
-            </a:r>
-            <a:r>
-              <a:rPr lang="zh-CN" altLang="en-US" dirty="0"/>
-              <a:t>站的一些视频。</a:t>
-            </a:r>
-            <a:endParaRPr lang="en-US" altLang="zh-CN" dirty="0"/>
-          </a:p>
-          <a:p>
-            <a:endParaRPr lang="en-US" altLang="zh-CN" dirty="0"/>
-          </a:p>
-          <a:p>
-            <a:endParaRPr lang="en-US" altLang="zh-CN" dirty="0"/>
-          </a:p>
-          <a:p>
-            <a:r>
-              <a:rPr lang="en-US" altLang="zh-CN" dirty="0"/>
-              <a:t>2</a:t>
-            </a:r>
-            <a:r>
-              <a:rPr lang="zh-CN" altLang="en-US" dirty="0"/>
-              <a:t>、学习资源</a:t>
-            </a:r>
-            <a:endParaRPr lang="en-US" altLang="zh-CN" dirty="0"/>
-          </a:p>
-          <a:p>
-            <a:r>
-              <a:rPr lang="en-US" altLang="zh-CN" dirty="0"/>
-              <a:t>  react</a:t>
-            </a:r>
-            <a:r>
-              <a:rPr lang="zh-CN" altLang="en-US" dirty="0"/>
-              <a:t>中文网：</a:t>
-            </a:r>
-            <a:r>
-              <a:rPr lang="en-US" altLang="zh-CN" dirty="0">
-                <a:hlinkClick r:id="rId2"/>
+              <a:rPr lang="zh-CN" altLang="en-US" sz="5400" b="1" dirty="0">
+                <a:solidFill>
+                  <a:schemeClr val="tx1"/>
+                </a:solidFill>
               </a:rPr>
-              <a:t>https://react.docschina.org/learn#updating-the-screen</a:t>
-            </a:r>
-            <a:endParaRPr lang="en-US" altLang="zh-CN" dirty="0"/>
-          </a:p>
-          <a:p>
-            <a:r>
-              <a:rPr lang="en-US" altLang="zh-CN" dirty="0"/>
-              <a:t>  Hooks</a:t>
-            </a:r>
-            <a:r>
-              <a:rPr lang="zh-CN" altLang="en-US" dirty="0"/>
-              <a:t>：</a:t>
-            </a:r>
-            <a:r>
-              <a:rPr lang="en-US" altLang="zh-CN" dirty="0">
-                <a:hlinkClick r:id="rId3"/>
+              <a:t>总结</a:t>
+            </a:r>
+          </a:p>
+        </p:txBody>
+      </p:sp>
+      <p:sp>
+        <p:nvSpPr>
+          <p:cNvPr id="2" name="文本框 1"/>
+          <p:cNvSpPr txBox="1"/>
+          <p:nvPr>
+            <p:custDataLst>
+              <p:tags r:id="rId1"/>
+            </p:custDataLst>
+          </p:nvPr>
+        </p:nvSpPr>
+        <p:spPr>
+          <a:xfrm>
+            <a:off x="3115004" y="3517674"/>
+            <a:ext cx="5054596" cy="645160"/>
+          </a:xfrm>
+          <a:prstGeom prst="rect">
+            <a:avLst/>
+          </a:prstGeom>
+          <a:noFill/>
+        </p:spPr>
+        <p:txBody>
+          <a:bodyPr wrap="square">
+            <a:spAutoFit/>
+          </a:bodyPr>
+          <a:lstStyle/>
+          <a:p>
+            <a:pPr marL="742950" lvl="1" indent="-285750">
+              <a:buFont typeface="Arial" panose="020B0604020202020204" pitchFamily="34" charset="0"/>
+              <a:buChar char="•"/>
+            </a:pPr>
+            <a:r>
+              <a:rPr lang="zh-CN" altLang="en-US" dirty="0">
+                <a:solidFill>
+                  <a:schemeClr val="bg2"/>
+                </a:solidFill>
               </a:rPr>
-              <a:t>https://react.docschina.org/reference/react/hooks</a:t>
-            </a:r>
-            <a:endParaRPr lang="en-US" altLang="zh-CN" dirty="0"/>
-          </a:p>
-          <a:p>
-            <a:r>
-              <a:rPr lang="en-US" altLang="zh-CN" dirty="0"/>
-              <a:t>  Ant Design</a:t>
-            </a:r>
-            <a:r>
-              <a:rPr lang="zh-CN" altLang="en-US" dirty="0"/>
-              <a:t>：</a:t>
-            </a:r>
-            <a:r>
-              <a:rPr lang="en-US" altLang="zh-CN" dirty="0">
-                <a:hlinkClick r:id="rId4"/>
+              <a:t>小结</a:t>
+            </a:r>
+            <a:endParaRPr lang="zh-CN" dirty="0">
+              <a:solidFill>
+                <a:schemeClr val="bg2"/>
+              </a:solidFill>
+            </a:endParaRPr>
+          </a:p>
+          <a:p>
+            <a:pPr marL="742950" lvl="1" indent="-285750">
+              <a:buFont typeface="Arial" panose="020B0604020202020204" pitchFamily="34" charset="0"/>
+              <a:buChar char="•"/>
+            </a:pPr>
+            <a:r>
+              <a:rPr lang="zh-CN" dirty="0">
+                <a:solidFill>
+                  <a:schemeClr val="bg2"/>
+                </a:solidFill>
               </a:rPr>
-              <a:t>https://ant-design.antgroup.com/index-cn</a:t>
-            </a:r>
-            <a:endParaRPr lang="en-US" altLang="zh-CN" dirty="0"/>
-          </a:p>
-          <a:p>
-            <a:r>
-              <a:rPr lang="en-US" altLang="zh-CN" dirty="0"/>
-              <a:t>  Ant Design Mobile</a:t>
-            </a:r>
-            <a:r>
-              <a:rPr lang="zh-CN" altLang="en-US" dirty="0"/>
-              <a:t>：</a:t>
-            </a:r>
-            <a:r>
-              <a:rPr lang="en-US" altLang="zh-CN" dirty="0">
-                <a:hlinkClick r:id="rId5"/>
-              </a:rPr>
-              <a:t>https://ant-design-mobile.antgroup.com/zh</a:t>
-            </a:r>
-            <a:endParaRPr lang="en-US" altLang="zh-CN" dirty="0"/>
-          </a:p>
-          <a:p>
-            <a:r>
-              <a:rPr lang="en-US" altLang="zh-CN" dirty="0"/>
-              <a:t>  </a:t>
-            </a:r>
-            <a:r>
-              <a:rPr lang="en-US" altLang="zh-CN" dirty="0" err="1"/>
-              <a:t>ProComponents</a:t>
-            </a:r>
-            <a:r>
-              <a:rPr lang="zh-CN" altLang="en-US" dirty="0"/>
-              <a:t>：</a:t>
-            </a:r>
-            <a:r>
-              <a:rPr lang="en-US" altLang="zh-CN" dirty="0">
-                <a:hlinkClick r:id="rId6"/>
-              </a:rPr>
-              <a:t>https://pro-components.antdigital.dev/</a:t>
-            </a:r>
-            <a:endParaRPr lang="en-US" altLang="zh-CN" dirty="0"/>
-          </a:p>
-          <a:p>
-            <a:r>
-              <a:rPr lang="en-US" altLang="zh-CN" dirty="0"/>
-              <a:t>  b</a:t>
-            </a:r>
-            <a:r>
-              <a:rPr lang="zh-CN" altLang="en-US" dirty="0"/>
-              <a:t>站</a:t>
-            </a:r>
-            <a:r>
-              <a:rPr lang="en-US" altLang="zh-CN" dirty="0"/>
-              <a:t>react</a:t>
-            </a:r>
-            <a:r>
-              <a:rPr lang="zh-CN" altLang="en-US" dirty="0"/>
-              <a:t>视频：</a:t>
-            </a:r>
-            <a:r>
-              <a:rPr lang="en-US" altLang="zh-CN" dirty="0">
-                <a:hlinkClick r:id="rId7"/>
-              </a:rPr>
-              <a:t>https://www.bilibili.com/video/BV1wy4y1D7JT/?spm_id_from=333.337.search-card.all.click&amp;vd_source=4d5c061fec36da1e35ddbcf17f07f1ee</a:t>
-            </a:r>
-            <a:endParaRPr lang="en-US" altLang="zh-CN" dirty="0"/>
-          </a:p>
-          <a:p>
-            <a:endParaRPr lang="en-US" altLang="zh-CN" dirty="0"/>
+              <a:t>学习资源</a:t>
+            </a:r>
           </a:p>
         </p:txBody>
       </p:sp>
     </p:spTree>
-    <p:extLst>
-      <p:ext uri="{BB962C8B-B14F-4D97-AF65-F5344CB8AC3E}">
-        <p14:creationId xmlns:p14="http://schemas.microsoft.com/office/powerpoint/2010/main" val="3408414575"/>
-      </p:ext>
-    </p:extLst>
   </p:cSld>
   <p:clrMapOvr>
     <a:masterClrMapping/>
@@ -12509,14 +12478,45 @@
       </p:grpSpPr>
       <p:sp>
         <p:nvSpPr>
-          <p:cNvPr id="4" name="文本框 3"/>
+          <p:cNvPr id="2" name="标题 1"/>
+          <p:cNvSpPr>
+            <a:spLocks noGrp="1"/>
+          </p:cNvSpPr>
+          <p:nvPr>
+            <p:ph type="title"/>
+          </p:nvPr>
+        </p:nvSpPr>
+        <p:spPr/>
+        <p:txBody>
+          <a:bodyPr/>
+          <a:lstStyle/>
+          <a:p>
+            <a:r>
+              <a:rPr lang="en-US" altLang="zh-CN" dirty="0"/>
+              <a:t>React</a:t>
+            </a:r>
+            <a:r>
+              <a:rPr lang="zh-CN" altLang="en-US" dirty="0"/>
+              <a:t>基础</a:t>
+            </a:r>
+            <a:endParaRPr lang="zh-CN" altLang="en-US" sz="2400" b="1" dirty="0">
+              <a:solidFill>
+                <a:schemeClr val="tx1"/>
+              </a:solidFill>
+            </a:endParaRPr>
+          </a:p>
+        </p:txBody>
+      </p:sp>
+      <p:sp>
+        <p:nvSpPr>
+          <p:cNvPr id="3" name="文本框 2"/>
           <p:cNvSpPr txBox="1"/>
           <p:nvPr/>
         </p:nvSpPr>
         <p:spPr>
           <a:xfrm>
-            <a:off x="1457178" y="2251392"/>
-            <a:ext cx="1763624" cy="1862048"/>
+            <a:off x="546388" y="685165"/>
+            <a:ext cx="7552481" cy="4524315"/>
           </a:xfrm>
           <a:prstGeom prst="rect">
             <a:avLst/>
@@ -12524,63 +12524,206 @@
           <a:noFill/>
         </p:spPr>
         <p:txBody>
-          <a:bodyPr wrap="none" rtlCol="0">
+          <a:bodyPr wrap="square" rtlCol="0">
             <a:spAutoFit/>
           </a:bodyPr>
           <a:lstStyle/>
           <a:p>
-            <a:pPr algn="ctr"/>
-            <a:r>
-              <a:rPr lang="en-US" altLang="zh-CN" sz="11500" dirty="0">
-                <a:solidFill>
-                  <a:srgbClr val="FF9933"/>
-                </a:solidFill>
-                <a:latin typeface="Impact" panose="020B0806030902050204" pitchFamily="34" charset="0"/>
+            <a:r>
+              <a:rPr lang="en-US" altLang="zh-CN" dirty="0"/>
+              <a:t>1</a:t>
+            </a:r>
+            <a:r>
+              <a:rPr lang="zh-CN" altLang="en-US" dirty="0"/>
+              <a:t>、小结</a:t>
+            </a:r>
+            <a:endParaRPr lang="en-US" altLang="zh-CN" dirty="0"/>
+          </a:p>
+          <a:p>
+            <a:r>
+              <a:rPr lang="en-US" altLang="zh-CN" dirty="0"/>
+              <a:t>     </a:t>
+            </a:r>
+            <a:r>
+              <a:rPr lang="zh-CN" altLang="en-US" dirty="0"/>
+              <a:t>本次培训对</a:t>
+            </a:r>
+            <a:r>
+              <a:rPr lang="en-US" altLang="zh-CN" dirty="0"/>
+              <a:t>react</a:t>
+            </a:r>
+            <a:r>
+              <a:rPr lang="zh-CN" altLang="en-US" dirty="0"/>
+              <a:t>基础知识、</a:t>
+            </a:r>
+            <a:r>
+              <a:rPr lang="en-US" altLang="zh-CN" dirty="0"/>
+              <a:t>hooks</a:t>
+            </a:r>
+            <a:r>
+              <a:rPr lang="zh-CN" altLang="en-US" dirty="0"/>
+              <a:t>、组件化开发、组件间通信、</a:t>
+            </a:r>
+            <a:r>
+              <a:rPr lang="en-US" altLang="zh-CN" dirty="0"/>
+              <a:t>ant design</a:t>
+            </a:r>
+            <a:r>
+              <a:rPr lang="zh-CN" altLang="en-US" dirty="0"/>
+              <a:t>简单的做了一些介绍，然后大家可以去看看官方文档或者慕课网，</a:t>
+            </a:r>
+            <a:r>
+              <a:rPr lang="en-US" altLang="zh-CN" dirty="0"/>
+              <a:t>b</a:t>
+            </a:r>
+            <a:r>
+              <a:rPr lang="zh-CN" altLang="en-US" dirty="0"/>
+              <a:t>站的一些视频。</a:t>
+            </a:r>
+            <a:endParaRPr lang="en-US" altLang="zh-CN" dirty="0"/>
+          </a:p>
+          <a:p>
+            <a:endParaRPr lang="en-US" altLang="zh-CN" dirty="0"/>
+          </a:p>
+          <a:p>
+            <a:endParaRPr lang="en-US" altLang="zh-CN" dirty="0"/>
+          </a:p>
+          <a:p>
+            <a:r>
+              <a:rPr lang="en-US" altLang="zh-CN" dirty="0"/>
+              <a:t>2</a:t>
+            </a:r>
+            <a:r>
+              <a:rPr lang="zh-CN" altLang="en-US" dirty="0"/>
+              <a:t>、学习资源</a:t>
+            </a:r>
+            <a:endParaRPr lang="en-US" altLang="zh-CN" dirty="0"/>
+          </a:p>
+          <a:p>
+            <a:r>
+              <a:rPr lang="en-US" altLang="zh-CN" dirty="0"/>
+              <a:t>  react</a:t>
+            </a:r>
+            <a:r>
+              <a:rPr lang="zh-CN" altLang="en-US" dirty="0"/>
+              <a:t>中文网：</a:t>
+            </a:r>
+            <a:r>
+              <a:rPr lang="en-US" altLang="zh-CN" dirty="0">
+                <a:hlinkClick r:id="rId2"/>
               </a:rPr>
-              <a:t>08</a:t>
-            </a:r>
-          </a:p>
-        </p:txBody>
-      </p:sp>
-      <p:sp>
-        <p:nvSpPr>
-          <p:cNvPr id="5" name="文本框 4"/>
-          <p:cNvSpPr txBox="1"/>
-          <p:nvPr/>
-        </p:nvSpPr>
-        <p:spPr>
-          <a:xfrm>
-            <a:off x="3226435" y="2465070"/>
-            <a:ext cx="4900295" cy="1014730"/>
-          </a:xfrm>
-          <a:prstGeom prst="rect">
-            <a:avLst/>
-          </a:prstGeom>
-          <a:noFill/>
-        </p:spPr>
-        <p:txBody>
-          <a:bodyPr wrap="square" rtlCol="0">
-            <a:spAutoFit/>
-            <a:scene3d>
-              <a:camera prst="orthographicFront"/>
-              <a:lightRig rig="threePt" dir="t"/>
-            </a:scene3d>
-            <a:sp3d contourW="12700"/>
-          </a:bodyPr>
-          <a:lstStyle/>
-          <a:p>
-            <a:r>
-              <a:rPr lang="zh-CN" altLang="en-US" sz="6000" b="1" dirty="0">
-                <a:solidFill>
-                  <a:schemeClr val="tx1"/>
-                </a:solidFill>
+              <a:t>https://react.docschina.org/learn#updating-the-screen</a:t>
+            </a:r>
+            <a:endParaRPr lang="en-US" altLang="zh-CN" dirty="0"/>
+          </a:p>
+          <a:p>
+            <a:r>
+              <a:rPr lang="en-US" altLang="zh-CN" dirty="0"/>
+              <a:t>  Hooks</a:t>
+            </a:r>
+            <a:r>
+              <a:rPr lang="zh-CN" altLang="en-US" dirty="0"/>
+              <a:t>：</a:t>
+            </a:r>
+            <a:r>
+              <a:rPr lang="en-US" altLang="zh-CN" dirty="0">
+                <a:hlinkClick r:id="rId3"/>
               </a:rPr>
-              <a:t>答疑</a:t>
-            </a:r>
+              <a:t>https://react.docschina.org/reference/react/hooks</a:t>
+            </a:r>
+            <a:endParaRPr lang="en-US" altLang="zh-CN" dirty="0"/>
+          </a:p>
+          <a:p>
+            <a:r>
+              <a:rPr lang="en-US" altLang="zh-CN" dirty="0"/>
+              <a:t>  Ant Design</a:t>
+            </a:r>
+            <a:r>
+              <a:rPr lang="zh-CN" altLang="en-US" dirty="0"/>
+              <a:t>：</a:t>
+            </a:r>
+            <a:r>
+              <a:rPr lang="en-US" altLang="zh-CN" dirty="0">
+                <a:hlinkClick r:id="rId4"/>
+              </a:rPr>
+              <a:t>https://ant-design.antgroup.com/index-cn</a:t>
+            </a:r>
+            <a:endParaRPr lang="en-US" altLang="zh-CN" dirty="0"/>
+          </a:p>
+          <a:p>
+            <a:r>
+              <a:rPr lang="en-US" altLang="zh-CN" dirty="0"/>
+              <a:t>  Ant Design Mobile</a:t>
+            </a:r>
+            <a:r>
+              <a:rPr lang="zh-CN" altLang="en-US" dirty="0"/>
+              <a:t>：</a:t>
+            </a:r>
+            <a:r>
+              <a:rPr lang="en-US" altLang="zh-CN" dirty="0">
+                <a:hlinkClick r:id="rId5"/>
+              </a:rPr>
+              <a:t>https://ant-design-mobile.antgroup.com/zh</a:t>
+            </a:r>
+            <a:endParaRPr lang="en-US" altLang="zh-CN" dirty="0"/>
+          </a:p>
+          <a:p>
+            <a:r>
+              <a:rPr lang="en-US" altLang="zh-CN" dirty="0"/>
+              <a:t>  </a:t>
+            </a:r>
+            <a:r>
+              <a:rPr lang="en-US" altLang="zh-CN" dirty="0" err="1"/>
+              <a:t>ProComponents</a:t>
+            </a:r>
+            <a:r>
+              <a:rPr lang="zh-CN" altLang="en-US" dirty="0"/>
+              <a:t>：</a:t>
+            </a:r>
+            <a:r>
+              <a:rPr lang="en-US" altLang="zh-CN" dirty="0">
+                <a:hlinkClick r:id="rId6"/>
+              </a:rPr>
+              <a:t>https://pro-components.antdigital.dev/</a:t>
+            </a:r>
+            <a:endParaRPr lang="en-US" altLang="zh-CN" dirty="0"/>
+          </a:p>
+          <a:p>
+            <a:r>
+              <a:rPr lang="en-US" altLang="zh-CN" dirty="0"/>
+              <a:t>  b</a:t>
+            </a:r>
+            <a:r>
+              <a:rPr lang="zh-CN" altLang="en-US" dirty="0"/>
+              <a:t>站</a:t>
+            </a:r>
+            <a:r>
+              <a:rPr lang="en-US" altLang="zh-CN" dirty="0"/>
+              <a:t>react</a:t>
+            </a:r>
+            <a:r>
+              <a:rPr lang="zh-CN" altLang="en-US" dirty="0"/>
+              <a:t>视频：</a:t>
+            </a:r>
+            <a:r>
+              <a:rPr lang="en-US" altLang="zh-CN" dirty="0">
+                <a:hlinkClick r:id="rId7"/>
+              </a:rPr>
+              <a:t>https://www.bilibili.com/video/BV1wy4y1D7JT/?spm_id_from=333.337.search-card.all.click&amp;vd_source=4d5c061fec36da1e35ddbcf17f07f1ee</a:t>
+            </a:r>
+            <a:endParaRPr lang="en-US" altLang="zh-CN" dirty="0"/>
+          </a:p>
+          <a:p>
+            <a:endParaRPr lang="en-US" altLang="zh-CN" dirty="0"/>
           </a:p>
         </p:txBody>
       </p:sp>
     </p:spTree>
+    <p:extLst>
+      <p:ext uri="{BB962C8B-B14F-4D97-AF65-F5344CB8AC3E}">
+        <p14:creationId xmlns:p14="http://schemas.microsoft.com/office/powerpoint/2010/main" val="3408414575"/>
+      </p:ext>
+    </p:extLst>
   </p:cSld>
   <p:clrMapOvr>
     <a:masterClrMapping/>
@@ -12776,6 +12919,104 @@
 </file>
 
 <file path=ppt/slides/slide40.xml><?xml version="1.0" encoding="utf-8"?>
+<p:sld xmlns:a="http://schemas.openxmlformats.org/drawingml/2006/main" xmlns:r="http://schemas.openxmlformats.org/officeDocument/2006/relationships" xmlns:p="http://schemas.openxmlformats.org/presentationml/2006/main">
+  <p:cSld>
+    <p:spTree>
+      <p:nvGrpSpPr>
+        <p:cNvPr id="1" name=""/>
+        <p:cNvGrpSpPr/>
+        <p:nvPr/>
+      </p:nvGrpSpPr>
+      <p:grpSpPr>
+        <a:xfrm>
+          <a:off x="0" y="0"/>
+          <a:ext cx="0" cy="0"/>
+          <a:chOff x="0" y="0"/>
+          <a:chExt cx="0" cy="0"/>
+        </a:xfrm>
+      </p:grpSpPr>
+      <p:sp>
+        <p:nvSpPr>
+          <p:cNvPr id="4" name="文本框 3"/>
+          <p:cNvSpPr txBox="1"/>
+          <p:nvPr/>
+        </p:nvSpPr>
+        <p:spPr>
+          <a:xfrm>
+            <a:off x="1457178" y="2251392"/>
+            <a:ext cx="1763624" cy="1862048"/>
+          </a:xfrm>
+          <a:prstGeom prst="rect">
+            <a:avLst/>
+          </a:prstGeom>
+          <a:noFill/>
+        </p:spPr>
+        <p:txBody>
+          <a:bodyPr wrap="none" rtlCol="0">
+            <a:spAutoFit/>
+          </a:bodyPr>
+          <a:lstStyle/>
+          <a:p>
+            <a:pPr algn="ctr"/>
+            <a:r>
+              <a:rPr lang="en-US" altLang="zh-CN" sz="11500" dirty="0">
+                <a:solidFill>
+                  <a:srgbClr val="FF9933"/>
+                </a:solidFill>
+                <a:latin typeface="Impact" panose="020B0806030902050204" pitchFamily="34" charset="0"/>
+              </a:rPr>
+              <a:t>08</a:t>
+            </a:r>
+          </a:p>
+        </p:txBody>
+      </p:sp>
+      <p:sp>
+        <p:nvSpPr>
+          <p:cNvPr id="5" name="文本框 4"/>
+          <p:cNvSpPr txBox="1"/>
+          <p:nvPr/>
+        </p:nvSpPr>
+        <p:spPr>
+          <a:xfrm>
+            <a:off x="3226435" y="2465070"/>
+            <a:ext cx="4900295" cy="1014730"/>
+          </a:xfrm>
+          <a:prstGeom prst="rect">
+            <a:avLst/>
+          </a:prstGeom>
+          <a:noFill/>
+        </p:spPr>
+        <p:txBody>
+          <a:bodyPr wrap="square" rtlCol="0">
+            <a:spAutoFit/>
+            <a:scene3d>
+              <a:camera prst="orthographicFront"/>
+              <a:lightRig rig="threePt" dir="t"/>
+            </a:scene3d>
+            <a:sp3d contourW="12700"/>
+          </a:bodyPr>
+          <a:lstStyle/>
+          <a:p>
+            <a:r>
+              <a:rPr lang="zh-CN" altLang="en-US" sz="6000" b="1" dirty="0">
+                <a:solidFill>
+                  <a:schemeClr val="tx1"/>
+                </a:solidFill>
+              </a:rPr>
+              <a:t>答疑</a:t>
+            </a:r>
+          </a:p>
+        </p:txBody>
+      </p:sp>
+    </p:spTree>
+  </p:cSld>
+  <p:clrMapOvr>
+    <a:masterClrMapping/>
+  </p:clrMapOvr>
+</p:sld>
+</file>
+
+<file path=ppt/slides/slide41.xml><?xml version="1.0" encoding="utf-8"?>
 <p:sld xmlns:a="http://schemas.openxmlformats.org/drawingml/2006/main" xmlns:r="http://schemas.openxmlformats.org/officeDocument/2006/relationships" xmlns:p="http://schemas.openxmlformats.org/presentationml/2006/main">
   <p:cSld>
     <p:spTree>
@@ -14087,6 +14328,196 @@
         <p:spPr>
           <a:xfrm>
             <a:off x="515073" y="685165"/>
+            <a:ext cx="7552481" cy="2308324"/>
+          </a:xfrm>
+          <a:prstGeom prst="rect">
+            <a:avLst/>
+          </a:prstGeom>
+          <a:noFill/>
+        </p:spPr>
+        <p:txBody>
+          <a:bodyPr wrap="square" rtlCol="0">
+            <a:spAutoFit/>
+          </a:bodyPr>
+          <a:lstStyle/>
+          <a:p>
+            <a:r>
+              <a:rPr lang="en-US" altLang="zh-CN" dirty="0"/>
+              <a:t>3</a:t>
+            </a:r>
+            <a:r>
+              <a:rPr lang="zh-CN" altLang="en-US" dirty="0"/>
+              <a:t>、</a:t>
+            </a:r>
+            <a:r>
+              <a:rPr lang="en-US" altLang="zh-CN" dirty="0"/>
+              <a:t>JSX</a:t>
+            </a:r>
+            <a:r>
+              <a:rPr lang="zh-CN" altLang="en-US" dirty="0"/>
+              <a:t>语法</a:t>
+            </a:r>
+            <a:endParaRPr lang="en-US" altLang="zh-CN" dirty="0"/>
+          </a:p>
+          <a:p>
+            <a:endParaRPr lang="en-US" altLang="zh-CN" dirty="0"/>
+          </a:p>
+          <a:p>
+            <a:r>
+              <a:rPr lang="en-US" altLang="zh-CN" dirty="0"/>
+              <a:t>JSX</a:t>
+            </a:r>
+            <a:r>
+              <a:rPr lang="zh-CN" altLang="en-US" dirty="0"/>
+              <a:t>是</a:t>
+            </a:r>
+            <a:r>
+              <a:rPr lang="en-US" altLang="zh-CN" dirty="0"/>
+              <a:t>JavaScript</a:t>
+            </a:r>
+            <a:r>
+              <a:rPr lang="zh-CN" altLang="en-US" dirty="0"/>
+              <a:t>语法的扩展，它可以让我们在</a:t>
+            </a:r>
+            <a:r>
+              <a:rPr lang="en-US" altLang="zh-CN" dirty="0"/>
+              <a:t>JavaScript</a:t>
+            </a:r>
+            <a:r>
+              <a:rPr lang="zh-CN" altLang="en-US" dirty="0"/>
+              <a:t>中编写类似</a:t>
+            </a:r>
+            <a:r>
+              <a:rPr lang="en-US" altLang="zh-CN" dirty="0"/>
+              <a:t>HTML</a:t>
+            </a:r>
+            <a:r>
+              <a:rPr lang="zh-CN" altLang="en-US" dirty="0"/>
+              <a:t>的代码。</a:t>
+            </a:r>
+            <a:endParaRPr lang="en-US" altLang="zh-CN" dirty="0"/>
+          </a:p>
+          <a:p>
+            <a:endParaRPr lang="en-US" altLang="zh-CN" dirty="0"/>
+          </a:p>
+          <a:p>
+            <a:r>
+              <a:rPr lang="zh-CN" altLang="en-US" dirty="0"/>
+              <a:t>现代写法：</a:t>
+            </a:r>
+            <a:r>
+              <a:rPr lang="en-US" altLang="zh-CN" dirty="0"/>
+              <a:t>[2]</a:t>
+            </a:r>
+          </a:p>
+          <a:p>
+            <a:endParaRPr lang="en-US" altLang="zh-CN" dirty="0"/>
+          </a:p>
+          <a:p>
+            <a:endParaRPr lang="zh-CN" altLang="en-US" dirty="0"/>
+          </a:p>
+        </p:txBody>
+      </p:sp>
+      <p:pic>
+        <p:nvPicPr>
+          <p:cNvPr id="5" name="图片 4">
+            <a:extLst>
+              <a:ext uri="{FF2B5EF4-FFF2-40B4-BE49-F238E27FC236}">
+                <a16:creationId xmlns:a16="http://schemas.microsoft.com/office/drawing/2014/main" id="{591D6F09-2C53-D716-39AA-C3F2636FBB6B}"/>
+              </a:ext>
+            </a:extLst>
+          </p:cNvPr>
+          <p:cNvPicPr>
+            <a:picLocks noChangeAspect="1"/>
+          </p:cNvPicPr>
+          <p:nvPr/>
+        </p:nvPicPr>
+        <p:blipFill>
+          <a:blip r:embed="rId3"/>
+          <a:stretch>
+            <a:fillRect/>
+          </a:stretch>
+        </p:blipFill>
+        <p:spPr>
+          <a:xfrm>
+            <a:off x="2358300" y="1972251"/>
+            <a:ext cx="4515082" cy="4642089"/>
+          </a:xfrm>
+          <a:prstGeom prst="rect">
+            <a:avLst/>
+          </a:prstGeom>
+        </p:spPr>
+      </p:pic>
+    </p:spTree>
+    <p:extLst>
+      <p:ext uri="{BB962C8B-B14F-4D97-AF65-F5344CB8AC3E}">
+        <p14:creationId xmlns:p14="http://schemas.microsoft.com/office/powerpoint/2010/main" val="4145618858"/>
+      </p:ext>
+    </p:extLst>
+  </p:cSld>
+  <p:clrMapOvr>
+    <a:masterClrMapping/>
+  </p:clrMapOvr>
+</p:sld>
+</file>
+
+<file path=ppt/slides/slide9.xml><?xml version="1.0" encoding="utf-8"?>
+<p:sld xmlns:a="http://schemas.openxmlformats.org/drawingml/2006/main" xmlns:r="http://schemas.openxmlformats.org/officeDocument/2006/relationships" xmlns:p="http://schemas.openxmlformats.org/presentationml/2006/main">
+  <p:cSld>
+    <p:spTree>
+      <p:nvGrpSpPr>
+        <p:cNvPr id="1" name=""/>
+        <p:cNvGrpSpPr/>
+        <p:nvPr/>
+      </p:nvGrpSpPr>
+      <p:grpSpPr>
+        <a:xfrm>
+          <a:off x="0" y="0"/>
+          <a:ext cx="0" cy="0"/>
+          <a:chOff x="0" y="0"/>
+          <a:chExt cx="0" cy="0"/>
+        </a:xfrm>
+      </p:grpSpPr>
+      <p:sp>
+        <p:nvSpPr>
+          <p:cNvPr id="2" name="标题 1"/>
+          <p:cNvSpPr>
+            <a:spLocks noGrp="1"/>
+          </p:cNvSpPr>
+          <p:nvPr>
+            <p:ph type="title"/>
+          </p:nvPr>
+        </p:nvSpPr>
+        <p:spPr/>
+        <p:txBody>
+          <a:bodyPr/>
+          <a:lstStyle/>
+          <a:p>
+            <a:r>
+              <a:rPr lang="en-US" altLang="zh-CN" dirty="0"/>
+              <a:t>React</a:t>
+            </a:r>
+            <a:r>
+              <a:rPr lang="zh-CN" altLang="en-US" dirty="0"/>
+              <a:t>基础</a:t>
+            </a:r>
+            <a:endParaRPr lang="zh-CN" altLang="en-US" sz="2400" b="1" dirty="0">
+              <a:solidFill>
+                <a:schemeClr val="tx1"/>
+              </a:solidFill>
+            </a:endParaRPr>
+          </a:p>
+        </p:txBody>
+      </p:sp>
+      <p:sp>
+        <p:nvSpPr>
+          <p:cNvPr id="3" name="文本框 2"/>
+          <p:cNvSpPr txBox="1"/>
+          <p:nvPr/>
+        </p:nvSpPr>
+        <p:spPr>
+          <a:xfrm>
+            <a:off x="451961" y="685165"/>
             <a:ext cx="7552481" cy="646331"/>
           </a:xfrm>
           <a:prstGeom prst="rect">
@@ -14158,234 +14589,6 @@
     <p:extLst>
       <p:ext uri="{BB962C8B-B14F-4D97-AF65-F5344CB8AC3E}">
         <p14:creationId xmlns:p14="http://schemas.microsoft.com/office/powerpoint/2010/main" val="3251142193"/>
-      </p:ext>
-    </p:extLst>
-  </p:cSld>
-  <p:clrMapOvr>
-    <a:masterClrMapping/>
-  </p:clrMapOvr>
-</p:sld>
-</file>
-
-<file path=ppt/slides/slide9.xml><?xml version="1.0" encoding="utf-8"?>
-<p:sld xmlns:a="http://schemas.openxmlformats.org/drawingml/2006/main" xmlns:r="http://schemas.openxmlformats.org/officeDocument/2006/relationships" xmlns:p="http://schemas.openxmlformats.org/presentationml/2006/main">
-  <p:cSld>
-    <p:spTree>
-      <p:nvGrpSpPr>
-        <p:cNvPr id="1" name=""/>
-        <p:cNvGrpSpPr/>
-        <p:nvPr/>
-      </p:nvGrpSpPr>
-      <p:grpSpPr>
-        <a:xfrm>
-          <a:off x="0" y="0"/>
-          <a:ext cx="0" cy="0"/>
-          <a:chOff x="0" y="0"/>
-          <a:chExt cx="0" cy="0"/>
-        </a:xfrm>
-      </p:grpSpPr>
-      <p:sp>
-        <p:nvSpPr>
-          <p:cNvPr id="2" name="标题 1"/>
-          <p:cNvSpPr>
-            <a:spLocks noGrp="1"/>
-          </p:cNvSpPr>
-          <p:nvPr>
-            <p:ph type="title"/>
-          </p:nvPr>
-        </p:nvSpPr>
-        <p:spPr/>
-        <p:txBody>
-          <a:bodyPr/>
-          <a:lstStyle/>
-          <a:p>
-            <a:r>
-              <a:rPr lang="en-US" altLang="zh-CN" dirty="0"/>
-              <a:t>React</a:t>
-            </a:r>
-            <a:r>
-              <a:rPr lang="zh-CN" altLang="en-US" dirty="0"/>
-              <a:t>基础</a:t>
-            </a:r>
-            <a:endParaRPr lang="zh-CN" altLang="en-US" sz="2400" b="1" dirty="0">
-              <a:solidFill>
-                <a:schemeClr val="tx1"/>
-              </a:solidFill>
-            </a:endParaRPr>
-          </a:p>
-        </p:txBody>
-      </p:sp>
-      <p:sp>
-        <p:nvSpPr>
-          <p:cNvPr id="3" name="文本框 2"/>
-          <p:cNvSpPr txBox="1"/>
-          <p:nvPr/>
-        </p:nvSpPr>
-        <p:spPr>
-          <a:xfrm>
-            <a:off x="515073" y="685165"/>
-            <a:ext cx="7552481" cy="2308324"/>
-          </a:xfrm>
-          <a:prstGeom prst="rect">
-            <a:avLst/>
-          </a:prstGeom>
-          <a:noFill/>
-        </p:spPr>
-        <p:txBody>
-          <a:bodyPr wrap="square" rtlCol="0">
-            <a:spAutoFit/>
-          </a:bodyPr>
-          <a:lstStyle/>
-          <a:p>
-            <a:r>
-              <a:rPr lang="en-US" altLang="zh-CN" dirty="0"/>
-              <a:t>3</a:t>
-            </a:r>
-            <a:r>
-              <a:rPr lang="zh-CN" altLang="en-US" dirty="0"/>
-              <a:t>、</a:t>
-            </a:r>
-            <a:r>
-              <a:rPr lang="en-US" altLang="zh-CN" dirty="0"/>
-              <a:t>JSX</a:t>
-            </a:r>
-            <a:r>
-              <a:rPr lang="zh-CN" altLang="en-US" dirty="0"/>
-              <a:t>语法</a:t>
-            </a:r>
-            <a:endParaRPr lang="en-US" altLang="zh-CN" dirty="0"/>
-          </a:p>
-          <a:p>
-            <a:endParaRPr lang="en-US" altLang="zh-CN" dirty="0"/>
-          </a:p>
-          <a:p>
-            <a:r>
-              <a:rPr lang="en-US" altLang="zh-CN" dirty="0"/>
-              <a:t>JSX</a:t>
-            </a:r>
-            <a:r>
-              <a:rPr lang="zh-CN" altLang="en-US" dirty="0"/>
-              <a:t>是</a:t>
-            </a:r>
-            <a:r>
-              <a:rPr lang="en-US" altLang="zh-CN" dirty="0"/>
-              <a:t>JavaScript</a:t>
-            </a:r>
-            <a:r>
-              <a:rPr lang="zh-CN" altLang="en-US" dirty="0"/>
-              <a:t>语法的扩展，它可以让我们在</a:t>
-            </a:r>
-            <a:r>
-              <a:rPr lang="en-US" altLang="zh-CN" dirty="0"/>
-              <a:t>JavaScript</a:t>
-            </a:r>
-            <a:r>
-              <a:rPr lang="zh-CN" altLang="en-US" dirty="0"/>
-              <a:t>中编写类似</a:t>
-            </a:r>
-            <a:r>
-              <a:rPr lang="en-US" altLang="zh-CN" dirty="0"/>
-              <a:t>HTML</a:t>
-            </a:r>
-            <a:r>
-              <a:rPr lang="zh-CN" altLang="en-US" dirty="0"/>
-              <a:t>的代码。</a:t>
-            </a:r>
-            <a:endParaRPr lang="en-US" altLang="zh-CN" dirty="0"/>
-          </a:p>
-          <a:p>
-            <a:endParaRPr lang="en-US" altLang="zh-CN" dirty="0"/>
-          </a:p>
-          <a:p>
-            <a:r>
-              <a:rPr lang="zh-CN" altLang="en-US" dirty="0"/>
-              <a:t>原始写法： </a:t>
-            </a:r>
-            <a:r>
-              <a:rPr lang="en-US" altLang="zh-CN" dirty="0"/>
-              <a:t>[1]			  	</a:t>
-            </a:r>
-            <a:r>
-              <a:rPr lang="zh-CN" altLang="en-US" dirty="0"/>
-              <a:t>现代写法：</a:t>
-            </a:r>
-            <a:r>
-              <a:rPr lang="en-US" altLang="zh-CN" dirty="0"/>
-              <a:t>[2]</a:t>
-            </a:r>
-          </a:p>
-          <a:p>
-            <a:endParaRPr lang="en-US" altLang="zh-CN" dirty="0"/>
-          </a:p>
-          <a:p>
-            <a:endParaRPr lang="zh-CN" altLang="en-US" dirty="0"/>
-          </a:p>
-        </p:txBody>
-      </p:sp>
-      <p:pic>
-        <p:nvPicPr>
-          <p:cNvPr id="6" name="图片 5">
-            <a:extLst>
-              <a:ext uri="{FF2B5EF4-FFF2-40B4-BE49-F238E27FC236}">
-                <a16:creationId xmlns:a16="http://schemas.microsoft.com/office/drawing/2014/main" id="{DB118E3D-A931-2793-31C1-17941DFD0F70}"/>
-              </a:ext>
-            </a:extLst>
-          </p:cNvPr>
-          <p:cNvPicPr>
-            <a:picLocks noChangeAspect="1"/>
-          </p:cNvPicPr>
-          <p:nvPr/>
-        </p:nvPicPr>
-        <p:blipFill>
-          <a:blip r:embed="rId3"/>
-          <a:stretch>
-            <a:fillRect/>
-          </a:stretch>
-        </p:blipFill>
-        <p:spPr>
-          <a:xfrm>
-            <a:off x="515073" y="2504891"/>
-            <a:ext cx="3922183" cy="3265090"/>
-          </a:xfrm>
-          <a:prstGeom prst="rect">
-            <a:avLst/>
-          </a:prstGeom>
-        </p:spPr>
-      </p:pic>
-      <p:pic>
-        <p:nvPicPr>
-          <p:cNvPr id="9" name="图片 8">
-            <a:extLst>
-              <a:ext uri="{FF2B5EF4-FFF2-40B4-BE49-F238E27FC236}">
-                <a16:creationId xmlns:a16="http://schemas.microsoft.com/office/drawing/2014/main" id="{72F85291-A585-F5A2-DCEE-D8FCE1577F12}"/>
-              </a:ext>
-            </a:extLst>
-          </p:cNvPr>
-          <p:cNvPicPr>
-            <a:picLocks noChangeAspect="1"/>
-          </p:cNvPicPr>
-          <p:nvPr/>
-        </p:nvPicPr>
-        <p:blipFill>
-          <a:blip r:embed="rId4"/>
-          <a:stretch>
-            <a:fillRect/>
-          </a:stretch>
-        </p:blipFill>
-        <p:spPr>
-          <a:xfrm>
-            <a:off x="4881173" y="2504892"/>
-            <a:ext cx="3980958" cy="3105820"/>
-          </a:xfrm>
-          <a:prstGeom prst="rect">
-            <a:avLst/>
-          </a:prstGeom>
-        </p:spPr>
-      </p:pic>
-    </p:spTree>
-    <p:extLst>
-      <p:ext uri="{BB962C8B-B14F-4D97-AF65-F5344CB8AC3E}">
-        <p14:creationId xmlns:p14="http://schemas.microsoft.com/office/powerpoint/2010/main" val="4145618858"/>
       </p:ext>
     </p:extLst>
   </p:cSld>

--- a/PPT内容.pptx
+++ b/PPT内容.pptx
@@ -634,14 +634,7 @@
           <a:bodyPr/>
           <a:lstStyle/>
           <a:p>
-            <a:r>
-              <a:rPr lang="en-US" altLang="zh-CN" dirty="0"/>
-              <a:t>[1]</a:t>
-            </a:r>
-            <a:r>
-              <a:rPr lang="zh-CN" altLang="en-US" dirty="0"/>
-              <a:t>涉及到父子组件，后面讲</a:t>
-            </a:r>
+            <a:endParaRPr lang="zh-CN" altLang="en-US" dirty="0"/>
           </a:p>
         </p:txBody>
       </p:sp>
@@ -875,92 +868,6 @@
             </a:endParaRPr>
           </a:p>
           <a:p>
-            <a:pPr marL="0" marR="0" lvl="0" indent="0" algn="l" defTabSz="914400" rtl="0" eaLnBrk="1" fontAlgn="auto" latinLnBrk="0" hangingPunct="1">
-              <a:lnSpc>
-                <a:spcPct val="100000"/>
-              </a:lnSpc>
-              <a:spcBef>
-                <a:spcPts val="0"/>
-              </a:spcBef>
-              <a:spcAft>
-                <a:spcPts val="0"/>
-              </a:spcAft>
-              <a:buClrTx/>
-              <a:buSzTx/>
-              <a:buFontTx/>
-              <a:buNone/>
-              <a:tabLst/>
-              <a:defRPr/>
-            </a:pPr>
-            <a:r>
-              <a:rPr lang="en-US" altLang="zh-CN" b="0" dirty="0">
-                <a:solidFill>
-                  <a:srgbClr val="6A9955"/>
-                </a:solidFill>
-                <a:effectLst/>
-                <a:latin typeface="Consolas" panose="020B0609020204030204" pitchFamily="49" charset="0"/>
-              </a:rPr>
-              <a:t>[2]</a:t>
-            </a:r>
-            <a:r>
-              <a:rPr lang="zh-CN" altLang="en-US" b="0" dirty="0">
-                <a:solidFill>
-                  <a:srgbClr val="6A9955"/>
-                </a:solidFill>
-                <a:effectLst/>
-                <a:latin typeface="Consolas" panose="020B0609020204030204" pitchFamily="49" charset="0"/>
-              </a:rPr>
-              <a:t>通过这个案例，我们对</a:t>
-            </a:r>
-            <a:r>
-              <a:rPr lang="en-US" altLang="zh-CN" b="0" dirty="0">
-                <a:solidFill>
-                  <a:srgbClr val="6A9955"/>
-                </a:solidFill>
-                <a:effectLst/>
-                <a:latin typeface="Consolas" panose="020B0609020204030204" pitchFamily="49" charset="0"/>
-              </a:rPr>
-              <a:t>JSX</a:t>
-            </a:r>
-            <a:r>
-              <a:rPr lang="zh-CN" altLang="en-US" b="0" dirty="0">
-                <a:solidFill>
-                  <a:srgbClr val="6A9955"/>
-                </a:solidFill>
-                <a:effectLst/>
-                <a:latin typeface="Consolas" panose="020B0609020204030204" pitchFamily="49" charset="0"/>
-              </a:rPr>
-              <a:t>，组件样式，条件渲染，列表渲染，事件点击，表单受控等知识进行了练习，接下来进入</a:t>
-            </a:r>
-            <a:r>
-              <a:rPr lang="en-US" altLang="zh-CN" b="0" dirty="0">
-                <a:solidFill>
-                  <a:srgbClr val="6A9955"/>
-                </a:solidFill>
-                <a:effectLst/>
-                <a:latin typeface="Consolas" panose="020B0609020204030204" pitchFamily="49" charset="0"/>
-              </a:rPr>
-              <a:t>react</a:t>
-            </a:r>
-            <a:r>
-              <a:rPr lang="zh-CN" altLang="en-US" b="0" dirty="0">
-                <a:solidFill>
-                  <a:srgbClr val="6A9955"/>
-                </a:solidFill>
-                <a:effectLst/>
-                <a:latin typeface="Consolas" panose="020B0609020204030204" pitchFamily="49" charset="0"/>
-              </a:rPr>
-              <a:t>进阶模块。</a:t>
-            </a:r>
-            <a:endParaRPr lang="zh-CN" altLang="en-US" b="0" dirty="0">
-              <a:solidFill>
-                <a:srgbClr val="CCCCCC"/>
-              </a:solidFill>
-              <a:effectLst/>
-              <a:latin typeface="Consolas" panose="020B0609020204030204" pitchFamily="49" charset="0"/>
-            </a:endParaRPr>
-          </a:p>
-          <a:p>
             <a:endParaRPr lang="zh-CN" altLang="en-US" dirty="0"/>
           </a:p>
         </p:txBody>
@@ -982,7 +889,7 @@
           <a:p>
             <a:fld id="{F9E1B693-632D-4080-9CF6-EA28B66DC801}" type="slidenum">
               <a:rPr lang="zh-CN" altLang="en-US" smtClean="0"/>
-              <a:t>19</a:t>
+              <a:t>18</a:t>
             </a:fld>
             <a:endParaRPr lang="zh-CN" altLang="en-US"/>
           </a:p>
@@ -991,7 +898,7 @@
     </p:spTree>
     <p:extLst>
       <p:ext uri="{BB962C8B-B14F-4D97-AF65-F5344CB8AC3E}">
-        <p14:creationId xmlns:p14="http://schemas.microsoft.com/office/powerpoint/2010/main" val="3280530011"/>
+        <p14:creationId xmlns:p14="http://schemas.microsoft.com/office/powerpoint/2010/main" val="3884710734"/>
       </p:ext>
     </p:extLst>
   </p:cSld>
@@ -1063,58 +970,64 @@
               <a:defRPr/>
             </a:pPr>
             <a:r>
-              <a:rPr lang="en-US" altLang="zh-CN" dirty="0"/>
-              <a:t>[1]</a:t>
-            </a:r>
-            <a:r>
-              <a:rPr lang="zh-CN" altLang="en-US" b="1" dirty="0">
-                <a:solidFill>
-                  <a:srgbClr val="569CD6"/>
+              <a:rPr lang="en-US" altLang="zh-CN" b="0" dirty="0">
+                <a:solidFill>
+                  <a:srgbClr val="6A9955"/>
                 </a:solidFill>
                 <a:effectLst/>
                 <a:latin typeface="Consolas" panose="020B0609020204030204" pitchFamily="49" charset="0"/>
               </a:rPr>
-              <a:t>讲到这里，大家对</a:t>
-            </a:r>
-            <a:r>
-              <a:rPr lang="en-US" altLang="zh-CN" b="1" dirty="0">
-                <a:solidFill>
-                  <a:srgbClr val="569CD6"/>
+              <a:t>[2]</a:t>
+            </a:r>
+            <a:r>
+              <a:rPr lang="zh-CN" altLang="en-US" b="0" dirty="0">
+                <a:solidFill>
+                  <a:srgbClr val="6A9955"/>
                 </a:solidFill>
                 <a:effectLst/>
                 <a:latin typeface="Consolas" panose="020B0609020204030204" pitchFamily="49" charset="0"/>
               </a:rPr>
-              <a:t>JSX</a:t>
-            </a:r>
-            <a:r>
-              <a:rPr lang="zh-CN" altLang="en-US" b="1" dirty="0">
-                <a:solidFill>
-                  <a:srgbClr val="569CD6"/>
+              <a:t>通过这个案例，我们对</a:t>
+            </a:r>
+            <a:r>
+              <a:rPr lang="en-US" altLang="zh-CN" b="0" dirty="0">
+                <a:solidFill>
+                  <a:srgbClr val="6A9955"/>
                 </a:solidFill>
                 <a:effectLst/>
                 <a:latin typeface="Consolas" panose="020B0609020204030204" pitchFamily="49" charset="0"/>
               </a:rPr>
-              <a:t>，</a:t>
-            </a:r>
-            <a:r>
-              <a:rPr lang="en-US" altLang="zh-CN" b="1" dirty="0">
-                <a:solidFill>
-                  <a:srgbClr val="569CD6"/>
+              <a:t>JSX</a:t>
+            </a:r>
+            <a:r>
+              <a:rPr lang="zh-CN" altLang="en-US" b="0" dirty="0">
+                <a:solidFill>
+                  <a:srgbClr val="6A9955"/>
                 </a:solidFill>
                 <a:effectLst/>
                 <a:latin typeface="Consolas" panose="020B0609020204030204" pitchFamily="49" charset="0"/>
               </a:rPr>
-              <a:t>hooks</a:t>
-            </a:r>
-            <a:r>
-              <a:rPr lang="zh-CN" altLang="en-US" b="1" dirty="0">
-                <a:solidFill>
-                  <a:srgbClr val="569CD6"/>
+              <a:t>，组件样式，条件渲染，列表渲染，事件点击，表单受控等知识进行了练习，接下来进入</a:t>
+            </a:r>
+            <a:r>
+              <a:rPr lang="en-US" altLang="zh-CN" b="0" dirty="0">
+                <a:solidFill>
+                  <a:srgbClr val="6A9955"/>
                 </a:solidFill>
                 <a:effectLst/>
                 <a:latin typeface="Consolas" panose="020B0609020204030204" pitchFamily="49" charset="0"/>
               </a:rPr>
-              <a:t>，都有了初步的认识，那现在给大家讲讲组件化开发</a:t>
+              <a:t>react</a:t>
+            </a:r>
+            <a:r>
+              <a:rPr lang="zh-CN" altLang="en-US" b="0" dirty="0">
+                <a:solidFill>
+                  <a:srgbClr val="6A9955"/>
+                </a:solidFill>
+                <a:effectLst/>
+                <a:latin typeface="Consolas" panose="020B0609020204030204" pitchFamily="49" charset="0"/>
+              </a:rPr>
+              <a:t>进阶模块。</a:t>
             </a:r>
             <a:endParaRPr lang="zh-CN" altLang="en-US" b="0" dirty="0">
               <a:solidFill>
@@ -1146,7 +1059,7 @@
           <a:p>
             <a:fld id="{F9E1B693-632D-4080-9CF6-EA28B66DC801}" type="slidenum">
               <a:rPr lang="zh-CN" altLang="en-US" smtClean="0"/>
-              <a:t>20</a:t>
+              <a:t>19</a:t>
             </a:fld>
             <a:endParaRPr lang="zh-CN" altLang="en-US"/>
           </a:p>
@@ -1155,7 +1068,7 @@
     </p:spTree>
     <p:extLst>
       <p:ext uri="{BB962C8B-B14F-4D97-AF65-F5344CB8AC3E}">
-        <p14:creationId xmlns:p14="http://schemas.microsoft.com/office/powerpoint/2010/main" val="1888118156"/>
+        <p14:creationId xmlns:p14="http://schemas.microsoft.com/office/powerpoint/2010/main" val="3280530011"/>
       </p:ext>
     </p:extLst>
   </p:cSld>
@@ -1209,26 +1122,86 @@
           <a:bodyPr/>
           <a:lstStyle/>
           <a:p>
+            <a:pPr marL="0" marR="0" lvl="0" indent="0" algn="l" defTabSz="914400" rtl="0" eaLnBrk="1" fontAlgn="auto" latinLnBrk="0" hangingPunct="1">
+              <a:lnSpc>
+                <a:spcPct val="100000"/>
+              </a:lnSpc>
+              <a:spcBef>
+                <a:spcPts val="0"/>
+              </a:spcBef>
+              <a:spcAft>
+                <a:spcPts val="0"/>
+              </a:spcAft>
+              <a:buClrTx/>
+              <a:buSzTx/>
+              <a:buFontTx/>
+              <a:buNone/>
+              <a:tabLst/>
+              <a:defRPr/>
+            </a:pPr>
             <a:r>
               <a:rPr lang="en-US" altLang="zh-CN" dirty="0"/>
               <a:t>[1]</a:t>
             </a:r>
             <a:r>
-              <a:rPr lang="zh-CN" altLang="en-US" dirty="0"/>
-              <a:t>在</a:t>
-            </a:r>
-            <a:r>
-              <a:rPr lang="en-US" altLang="zh-CN" dirty="0"/>
-              <a:t>react</a:t>
-            </a:r>
-            <a:r>
-              <a:rPr lang="zh-CN" altLang="en-US" dirty="0"/>
-              <a:t>中，万物皆组件化，一个函数就是一个组件，在这之前的案例其实已经感受到了。一个页面你可以拆成多个组件去写，组件可以实现代码复用的功能，另外还有让代码结构更清晰，一块都可以拆成一个组件。组件内可以套用组件，每个组件都有自己的实例。 看这张原型图，讲</a:t>
-            </a:r>
-            <a:r>
-              <a:rPr lang="en-US" altLang="zh-CN" dirty="0"/>
-              <a:t>….</a:t>
-            </a:r>
+              <a:rPr lang="zh-CN" altLang="en-US" b="1" dirty="0">
+                <a:solidFill>
+                  <a:srgbClr val="569CD6"/>
+                </a:solidFill>
+                <a:effectLst/>
+                <a:latin typeface="Consolas" panose="020B0609020204030204" pitchFamily="49" charset="0"/>
+              </a:rPr>
+              <a:t>讲到这里，大家对</a:t>
+            </a:r>
+            <a:r>
+              <a:rPr lang="en-US" altLang="zh-CN" b="1" dirty="0">
+                <a:solidFill>
+                  <a:srgbClr val="569CD6"/>
+                </a:solidFill>
+                <a:effectLst/>
+                <a:latin typeface="Consolas" panose="020B0609020204030204" pitchFamily="49" charset="0"/>
+              </a:rPr>
+              <a:t>JSX</a:t>
+            </a:r>
+            <a:r>
+              <a:rPr lang="zh-CN" altLang="en-US" b="1" dirty="0">
+                <a:solidFill>
+                  <a:srgbClr val="569CD6"/>
+                </a:solidFill>
+                <a:effectLst/>
+                <a:latin typeface="Consolas" panose="020B0609020204030204" pitchFamily="49" charset="0"/>
+              </a:rPr>
+              <a:t>，</a:t>
+            </a:r>
+            <a:r>
+              <a:rPr lang="en-US" altLang="zh-CN" b="1" dirty="0">
+                <a:solidFill>
+                  <a:srgbClr val="569CD6"/>
+                </a:solidFill>
+                <a:effectLst/>
+                <a:latin typeface="Consolas" panose="020B0609020204030204" pitchFamily="49" charset="0"/>
+              </a:rPr>
+              <a:t>hooks</a:t>
+            </a:r>
+            <a:r>
+              <a:rPr lang="zh-CN" altLang="en-US" b="1" dirty="0">
+                <a:solidFill>
+                  <a:srgbClr val="569CD6"/>
+                </a:solidFill>
+                <a:effectLst/>
+                <a:latin typeface="Consolas" panose="020B0609020204030204" pitchFamily="49" charset="0"/>
+              </a:rPr>
+              <a:t>，都有了初步的认识，那现在给大家讲讲组件化开发，怎么通信和路由跳转</a:t>
+            </a:r>
+            <a:endParaRPr lang="zh-CN" altLang="en-US" b="0" dirty="0">
+              <a:solidFill>
+                <a:srgbClr val="CCCCCC"/>
+              </a:solidFill>
+              <a:effectLst/>
+              <a:latin typeface="Consolas" panose="020B0609020204030204" pitchFamily="49" charset="0"/>
+            </a:endParaRPr>
+          </a:p>
+          <a:p>
             <a:endParaRPr lang="zh-CN" altLang="en-US" dirty="0"/>
           </a:p>
         </p:txBody>
@@ -1250,7 +1223,7 @@
           <a:p>
             <a:fld id="{F9E1B693-632D-4080-9CF6-EA28B66DC801}" type="slidenum">
               <a:rPr lang="zh-CN" altLang="en-US" smtClean="0"/>
-              <a:t>21</a:t>
+              <a:t>20</a:t>
             </a:fld>
             <a:endParaRPr lang="zh-CN" altLang="en-US"/>
           </a:p>
@@ -1259,7 +1232,7 @@
     </p:spTree>
     <p:extLst>
       <p:ext uri="{BB962C8B-B14F-4D97-AF65-F5344CB8AC3E}">
-        <p14:creationId xmlns:p14="http://schemas.microsoft.com/office/powerpoint/2010/main" val="297479630"/>
+        <p14:creationId xmlns:p14="http://schemas.microsoft.com/office/powerpoint/2010/main" val="1888118156"/>
       </p:ext>
     </p:extLst>
   </p:cSld>
@@ -1313,6 +1286,26 @@
           <a:bodyPr/>
           <a:lstStyle/>
           <a:p>
+            <a:r>
+              <a:rPr lang="en-US" altLang="zh-CN" dirty="0"/>
+              <a:t>[1]</a:t>
+            </a:r>
+            <a:r>
+              <a:rPr lang="zh-CN" altLang="en-US" dirty="0"/>
+              <a:t>在</a:t>
+            </a:r>
+            <a:r>
+              <a:rPr lang="en-US" altLang="zh-CN" dirty="0"/>
+              <a:t>react</a:t>
+            </a:r>
+            <a:r>
+              <a:rPr lang="zh-CN" altLang="en-US" dirty="0"/>
+              <a:t>中，万物皆组件化，一个函数就是一个组件，在这之前的案例其实已经感受到了。一个页面你可以拆成多个组件去写，组件可以实现代码复用的功能，另外还有让代码结构更清晰，一块都可以拆成一个组件。组件内可以套用组件，每个组件都有自己的实例。 看这张原型图，讲</a:t>
+            </a:r>
+            <a:r>
+              <a:rPr lang="en-US" altLang="zh-CN" dirty="0"/>
+              <a:t>….</a:t>
+            </a:r>
             <a:endParaRPr lang="zh-CN" altLang="en-US" dirty="0"/>
           </a:p>
         </p:txBody>
@@ -1334,7 +1327,7 @@
           <a:p>
             <a:fld id="{F9E1B693-632D-4080-9CF6-EA28B66DC801}" type="slidenum">
               <a:rPr lang="zh-CN" altLang="en-US" smtClean="0"/>
-              <a:t>22</a:t>
+              <a:t>21</a:t>
             </a:fld>
             <a:endParaRPr lang="zh-CN" altLang="en-US"/>
           </a:p>
@@ -1343,7 +1336,7 @@
     </p:spTree>
     <p:extLst>
       <p:ext uri="{BB962C8B-B14F-4D97-AF65-F5344CB8AC3E}">
-        <p14:creationId xmlns:p14="http://schemas.microsoft.com/office/powerpoint/2010/main" val="2605058571"/>
+        <p14:creationId xmlns:p14="http://schemas.microsoft.com/office/powerpoint/2010/main" val="297479630"/>
       </p:ext>
     </p:extLst>
   </p:cSld>
@@ -1397,14 +1390,7 @@
           <a:bodyPr/>
           <a:lstStyle/>
           <a:p>
-            <a:r>
-              <a:rPr lang="en-US" altLang="zh-CN" dirty="0"/>
-              <a:t>[1]</a:t>
-            </a:r>
-            <a:r>
-              <a:rPr lang="zh-CN" altLang="en-US" dirty="0"/>
-              <a:t>既然都是组件化开发，那组件间怎么通信呢？</a:t>
-            </a:r>
+            <a:endParaRPr lang="zh-CN" altLang="en-US" dirty="0"/>
           </a:p>
         </p:txBody>
       </p:sp>
@@ -1425,7 +1411,7 @@
           <a:p>
             <a:fld id="{F9E1B693-632D-4080-9CF6-EA28B66DC801}" type="slidenum">
               <a:rPr lang="zh-CN" altLang="en-US" smtClean="0"/>
-              <a:t>23</a:t>
+              <a:t>22</a:t>
             </a:fld>
             <a:endParaRPr lang="zh-CN" altLang="en-US"/>
           </a:p>
@@ -1434,7 +1420,7 @@
     </p:spTree>
     <p:extLst>
       <p:ext uri="{BB962C8B-B14F-4D97-AF65-F5344CB8AC3E}">
-        <p14:creationId xmlns:p14="http://schemas.microsoft.com/office/powerpoint/2010/main" val="2947814344"/>
+        <p14:creationId xmlns:p14="http://schemas.microsoft.com/office/powerpoint/2010/main" val="2605058571"/>
       </p:ext>
     </p:extLst>
   </p:cSld>
@@ -1488,7 +1474,14 @@
           <a:bodyPr/>
           <a:lstStyle/>
           <a:p>
-            <a:endParaRPr lang="zh-CN" altLang="en-US" dirty="0"/>
+            <a:r>
+              <a:rPr lang="en-US" altLang="zh-CN" dirty="0"/>
+              <a:t>[1]</a:t>
+            </a:r>
+            <a:r>
+              <a:rPr lang="zh-CN" altLang="en-US" dirty="0"/>
+              <a:t>既然都是组件化开发，那组件间怎么通信呢？</a:t>
+            </a:r>
           </a:p>
         </p:txBody>
       </p:sp>
@@ -1509,7 +1502,7 @@
           <a:p>
             <a:fld id="{F9E1B693-632D-4080-9CF6-EA28B66DC801}" type="slidenum">
               <a:rPr lang="zh-CN" altLang="en-US" smtClean="0"/>
-              <a:t>24</a:t>
+              <a:t>23</a:t>
             </a:fld>
             <a:endParaRPr lang="zh-CN" altLang="en-US"/>
           </a:p>
@@ -1518,7 +1511,7 @@
     </p:spTree>
     <p:extLst>
       <p:ext uri="{BB962C8B-B14F-4D97-AF65-F5344CB8AC3E}">
-        <p14:creationId xmlns:p14="http://schemas.microsoft.com/office/powerpoint/2010/main" val="2553569737"/>
+        <p14:creationId xmlns:p14="http://schemas.microsoft.com/office/powerpoint/2010/main" val="2947814344"/>
       </p:ext>
     </p:extLst>
   </p:cSld>
@@ -1572,22 +1565,7 @@
           <a:bodyPr/>
           <a:lstStyle/>
           <a:p>
-            <a:r>
-              <a:rPr lang="en-US" altLang="zh-CN" dirty="0"/>
-              <a:t>[1]</a:t>
-            </a:r>
-            <a:r>
-              <a:rPr lang="zh-CN" altLang="en-US" dirty="0"/>
-              <a:t>见</a:t>
-            </a:r>
-            <a:r>
-              <a:rPr lang="en-US" altLang="zh-CN" dirty="0"/>
-              <a:t>20</a:t>
-            </a:r>
-            <a:r>
-              <a:rPr lang="zh-CN" altLang="en-US" dirty="0"/>
-              <a:t>页</a:t>
-            </a:r>
+            <a:endParaRPr lang="zh-CN" altLang="en-US" dirty="0"/>
           </a:p>
         </p:txBody>
       </p:sp>
@@ -1608,7 +1586,7 @@
           <a:p>
             <a:fld id="{F9E1B693-632D-4080-9CF6-EA28B66DC801}" type="slidenum">
               <a:rPr lang="zh-CN" altLang="en-US" smtClean="0"/>
-              <a:t>25</a:t>
+              <a:t>24</a:t>
             </a:fld>
             <a:endParaRPr lang="zh-CN" altLang="en-US"/>
           </a:p>
@@ -1617,7 +1595,7 @@
     </p:spTree>
     <p:extLst>
       <p:ext uri="{BB962C8B-B14F-4D97-AF65-F5344CB8AC3E}">
-        <p14:creationId xmlns:p14="http://schemas.microsoft.com/office/powerpoint/2010/main" val="1724430315"/>
+        <p14:creationId xmlns:p14="http://schemas.microsoft.com/office/powerpoint/2010/main" val="2553569737"/>
       </p:ext>
     </p:extLst>
   </p:cSld>
@@ -1671,157 +1649,22 @@
           <a:bodyPr/>
           <a:lstStyle/>
           <a:p>
-            <a:pPr marL="0" marR="0" lvl="0" indent="0" algn="l" defTabSz="914400" rtl="0" eaLnBrk="1" fontAlgn="auto" latinLnBrk="0" hangingPunct="1">
-              <a:lnSpc>
-                <a:spcPct val="100000"/>
-              </a:lnSpc>
-              <a:spcBef>
-                <a:spcPts val="0"/>
-              </a:spcBef>
-              <a:spcAft>
-                <a:spcPts val="0"/>
-              </a:spcAft>
-              <a:buClrTx/>
-              <a:buSzTx/>
-              <a:buFontTx/>
-              <a:buNone/>
-              <a:tabLst/>
-              <a:defRPr/>
-            </a:pPr>
             <a:r>
               <a:rPr lang="en-US" altLang="zh-CN" dirty="0"/>
               <a:t>[1]</a:t>
             </a:r>
             <a:r>
               <a:rPr lang="zh-CN" altLang="en-US" dirty="0"/>
-              <a:t>这个案例是在第一个案例</a:t>
-            </a:r>
-            <a:r>
-              <a:rPr lang="en-US" altLang="zh-CN" dirty="0" err="1"/>
-              <a:t>TodoList</a:t>
-            </a:r>
-            <a:r>
-              <a:rPr lang="zh-CN" altLang="en-US" dirty="0"/>
-              <a:t>的基础上进行的，对</a:t>
-            </a:r>
-            <a:r>
-              <a:rPr lang="en-US" altLang="zh-CN" dirty="0" err="1"/>
-              <a:t>TodoList</a:t>
-            </a:r>
-            <a:r>
-              <a:rPr lang="zh-CN" altLang="en-US" dirty="0"/>
-              <a:t>案例模拟进行了组件拆分，以及演练组件间如何通信和复用。</a:t>
-            </a:r>
-            <a:endParaRPr lang="en-US" altLang="zh-CN" dirty="0"/>
-          </a:p>
-          <a:p>
-            <a:pPr marL="0" marR="0" lvl="0" indent="0" algn="l" defTabSz="914400" rtl="0" eaLnBrk="1" fontAlgn="auto" latinLnBrk="0" hangingPunct="1">
-              <a:lnSpc>
-                <a:spcPct val="100000"/>
-              </a:lnSpc>
-              <a:spcBef>
-                <a:spcPts val="0"/>
-              </a:spcBef>
-              <a:spcAft>
-                <a:spcPts val="0"/>
-              </a:spcAft>
-              <a:buClrTx/>
-              <a:buSzTx/>
-              <a:buFontTx/>
-              <a:buNone/>
-              <a:tabLst/>
-              <a:defRPr/>
-            </a:pPr>
-            <a:r>
-              <a:rPr lang="en-US" altLang="zh-CN" b="0" dirty="0">
-                <a:solidFill>
-                  <a:srgbClr val="6A9955"/>
-                </a:solidFill>
-                <a:effectLst/>
-                <a:latin typeface="Consolas" panose="020B0609020204030204" pitchFamily="49" charset="0"/>
-              </a:rPr>
-              <a:t>[2]</a:t>
-            </a:r>
-            <a:r>
-              <a:rPr lang="zh-CN" altLang="en-US" b="0" dirty="0">
-                <a:solidFill>
-                  <a:srgbClr val="6A9955"/>
-                </a:solidFill>
-                <a:effectLst/>
-                <a:latin typeface="Consolas" panose="020B0609020204030204" pitchFamily="49" charset="0"/>
-              </a:rPr>
-              <a:t>通过这个案例，我们对组件化开发、组件通信方式等知识进行了练习。那其实</a:t>
-            </a:r>
-            <a:r>
-              <a:rPr lang="en-US" altLang="zh-CN" b="0" dirty="0">
-                <a:solidFill>
-                  <a:srgbClr val="6A9955"/>
-                </a:solidFill>
-                <a:effectLst/>
-                <a:latin typeface="Consolas" panose="020B0609020204030204" pitchFamily="49" charset="0"/>
-              </a:rPr>
-              <a:t>react</a:t>
-            </a:r>
-            <a:r>
-              <a:rPr lang="zh-CN" altLang="en-US" b="0" dirty="0">
-                <a:solidFill>
-                  <a:srgbClr val="6A9955"/>
-                </a:solidFill>
-                <a:effectLst/>
-                <a:latin typeface="Consolas" panose="020B0609020204030204" pitchFamily="49" charset="0"/>
-              </a:rPr>
-              <a:t>也有对应的</a:t>
-            </a:r>
-            <a:r>
-              <a:rPr lang="en-US" altLang="zh-CN" b="0" dirty="0" err="1">
-                <a:solidFill>
-                  <a:srgbClr val="6A9955"/>
-                </a:solidFill>
-                <a:effectLst/>
-                <a:latin typeface="Consolas" panose="020B0609020204030204" pitchFamily="49" charset="0"/>
-              </a:rPr>
-              <a:t>ui</a:t>
-            </a:r>
-            <a:r>
-              <a:rPr lang="zh-CN" altLang="en-US" b="0" dirty="0">
-                <a:solidFill>
-                  <a:srgbClr val="6A9955"/>
-                </a:solidFill>
-                <a:effectLst/>
-                <a:latin typeface="Consolas" panose="020B0609020204030204" pitchFamily="49" charset="0"/>
-              </a:rPr>
-              <a:t>库</a:t>
-            </a:r>
-            <a:r>
-              <a:rPr lang="en-US" altLang="zh-CN" b="0" dirty="0" err="1">
-                <a:solidFill>
-                  <a:srgbClr val="6A9955"/>
-                </a:solidFill>
-                <a:effectLst/>
-                <a:latin typeface="Consolas" panose="020B0609020204030204" pitchFamily="49" charset="0"/>
-              </a:rPr>
-              <a:t>Antd</a:t>
-            </a:r>
-            <a:r>
-              <a:rPr lang="zh-CN" altLang="en-US" b="0" dirty="0">
-                <a:solidFill>
-                  <a:srgbClr val="6A9955"/>
-                </a:solidFill>
-                <a:effectLst/>
-                <a:latin typeface="Consolas" panose="020B0609020204030204" pitchFamily="49" charset="0"/>
-              </a:rPr>
-              <a:t>，下面来看看</a:t>
-            </a:r>
-            <a:endParaRPr lang="zh-CN" altLang="en-US" b="0" dirty="0">
-              <a:solidFill>
-                <a:srgbClr val="CCCCCC"/>
-              </a:solidFill>
-              <a:effectLst/>
-              <a:latin typeface="Consolas" panose="020B0609020204030204" pitchFamily="49" charset="0"/>
-            </a:endParaRPr>
-          </a:p>
-          <a:p>
-            <a:endParaRPr lang="zh-CN" altLang="en-US" dirty="0"/>
+              <a:t>见</a:t>
+            </a:r>
+            <a:r>
+              <a:rPr lang="en-US" altLang="zh-CN" dirty="0"/>
+              <a:t>20</a:t>
+            </a:r>
+            <a:r>
+              <a:rPr lang="zh-CN" altLang="en-US" dirty="0"/>
+              <a:t>页</a:t>
+            </a:r>
           </a:p>
         </p:txBody>
       </p:sp>
@@ -1842,7 +1685,7 @@
           <a:p>
             <a:fld id="{F9E1B693-632D-4080-9CF6-EA28B66DC801}" type="slidenum">
               <a:rPr lang="zh-CN" altLang="en-US" smtClean="0"/>
-              <a:t>27</a:t>
+              <a:t>25</a:t>
             </a:fld>
             <a:endParaRPr lang="zh-CN" altLang="en-US"/>
           </a:p>
@@ -1851,7 +1694,7 @@
     </p:spTree>
     <p:extLst>
       <p:ext uri="{BB962C8B-B14F-4D97-AF65-F5344CB8AC3E}">
-        <p14:creationId xmlns:p14="http://schemas.microsoft.com/office/powerpoint/2010/main" val="2247963627"/>
+        <p14:creationId xmlns:p14="http://schemas.microsoft.com/office/powerpoint/2010/main" val="1724430315"/>
       </p:ext>
     </p:extLst>
   </p:cSld>
@@ -2241,6 +2084,347 @@
               <a:tabLst/>
               <a:defRPr/>
             </a:pPr>
+            <a:r>
+              <a:rPr lang="en-US" altLang="zh-CN" dirty="0"/>
+              <a:t>[1]</a:t>
+            </a:r>
+            <a:r>
+              <a:rPr lang="zh-CN" altLang="en-US" dirty="0"/>
+              <a:t>这个案例是在第一个案例</a:t>
+            </a:r>
+            <a:r>
+              <a:rPr lang="en-US" altLang="zh-CN" dirty="0" err="1"/>
+              <a:t>TodoList</a:t>
+            </a:r>
+            <a:r>
+              <a:rPr lang="zh-CN" altLang="en-US" dirty="0"/>
+              <a:t>的基础上进行的，对</a:t>
+            </a:r>
+            <a:r>
+              <a:rPr lang="en-US" altLang="zh-CN" dirty="0" err="1"/>
+              <a:t>TodoList</a:t>
+            </a:r>
+            <a:r>
+              <a:rPr lang="zh-CN" altLang="en-US" dirty="0"/>
+              <a:t>案例模拟进行了组件拆分，以及演练组件间如何通信和复用。点击每一个列表模拟跳转详情的</a:t>
+            </a:r>
+            <a:r>
+              <a:rPr lang="en-US" altLang="zh-CN" dirty="0"/>
+              <a:t>demo</a:t>
+            </a:r>
+          </a:p>
+          <a:p>
+            <a:endParaRPr lang="zh-CN" altLang="en-US" dirty="0"/>
+          </a:p>
+        </p:txBody>
+      </p:sp>
+      <p:sp>
+        <p:nvSpPr>
+          <p:cNvPr id="4" name="灯片编号占位符 3"/>
+          <p:cNvSpPr>
+            <a:spLocks noGrp="1"/>
+          </p:cNvSpPr>
+          <p:nvPr>
+            <p:ph type="sldNum" sz="quarter" idx="5"/>
+          </p:nvPr>
+        </p:nvSpPr>
+        <p:spPr/>
+        <p:txBody>
+          <a:bodyPr/>
+          <a:lstStyle/>
+          <a:p>
+            <a:fld id="{F9E1B693-632D-4080-9CF6-EA28B66DC801}" type="slidenum">
+              <a:rPr lang="zh-CN" altLang="en-US" smtClean="0"/>
+              <a:t>26</a:t>
+            </a:fld>
+            <a:endParaRPr lang="zh-CN" altLang="en-US"/>
+          </a:p>
+        </p:txBody>
+      </p:sp>
+    </p:spTree>
+    <p:extLst>
+      <p:ext uri="{BB962C8B-B14F-4D97-AF65-F5344CB8AC3E}">
+        <p14:creationId xmlns:p14="http://schemas.microsoft.com/office/powerpoint/2010/main" val="2551145485"/>
+      </p:ext>
+    </p:extLst>
+  </p:cSld>
+  <p:clrMapOvr>
+    <a:masterClrMapping/>
+  </p:clrMapOvr>
+</p:notes>
+</file>
+
+<file path=ppt/notesSlides/notesSlide21.xml><?xml version="1.0" encoding="utf-8"?>
+<p:notes xmlns:a="http://schemas.openxmlformats.org/drawingml/2006/main" xmlns:r="http://schemas.openxmlformats.org/officeDocument/2006/relationships" xmlns:p="http://schemas.openxmlformats.org/presentationml/2006/main">
+  <p:cSld>
+    <p:spTree>
+      <p:nvGrpSpPr>
+        <p:cNvPr id="1" name=""/>
+        <p:cNvGrpSpPr/>
+        <p:nvPr/>
+      </p:nvGrpSpPr>
+      <p:grpSpPr>
+        <a:xfrm>
+          <a:off x="0" y="0"/>
+          <a:ext cx="0" cy="0"/>
+          <a:chOff x="0" y="0"/>
+          <a:chExt cx="0" cy="0"/>
+        </a:xfrm>
+      </p:grpSpPr>
+      <p:sp>
+        <p:nvSpPr>
+          <p:cNvPr id="2" name="幻灯片图像占位符 1"/>
+          <p:cNvSpPr>
+            <a:spLocks noGrp="1" noRot="1" noChangeAspect="1"/>
+          </p:cNvSpPr>
+          <p:nvPr>
+            <p:ph type="sldImg"/>
+          </p:nvPr>
+        </p:nvSpPr>
+        <p:spPr/>
+      </p:sp>
+      <p:sp>
+        <p:nvSpPr>
+          <p:cNvPr id="3" name="备注占位符 2"/>
+          <p:cNvSpPr>
+            <a:spLocks noGrp="1"/>
+          </p:cNvSpPr>
+          <p:nvPr>
+            <p:ph type="body" idx="1"/>
+          </p:nvPr>
+        </p:nvSpPr>
+        <p:spPr/>
+        <p:txBody>
+          <a:bodyPr/>
+          <a:lstStyle/>
+          <a:p>
+            <a:pPr marL="0" marR="0" lvl="0" indent="0" algn="l" defTabSz="914400" rtl="0" eaLnBrk="1" fontAlgn="auto" latinLnBrk="0" hangingPunct="1">
+              <a:lnSpc>
+                <a:spcPct val="100000"/>
+              </a:lnSpc>
+              <a:spcBef>
+                <a:spcPts val="0"/>
+              </a:spcBef>
+              <a:spcAft>
+                <a:spcPts val="0"/>
+              </a:spcAft>
+              <a:buClrTx/>
+              <a:buSzTx/>
+              <a:buFontTx/>
+              <a:buNone/>
+              <a:tabLst/>
+              <a:defRPr/>
+            </a:pPr>
+            <a:endParaRPr lang="en-US" altLang="zh-CN" dirty="0"/>
+          </a:p>
+          <a:p>
+            <a:pPr marL="0" marR="0" lvl="0" indent="0" algn="l" defTabSz="914400" rtl="0" eaLnBrk="1" fontAlgn="auto" latinLnBrk="0" hangingPunct="1">
+              <a:lnSpc>
+                <a:spcPct val="100000"/>
+              </a:lnSpc>
+              <a:spcBef>
+                <a:spcPts val="0"/>
+              </a:spcBef>
+              <a:spcAft>
+                <a:spcPts val="0"/>
+              </a:spcAft>
+              <a:buClrTx/>
+              <a:buSzTx/>
+              <a:buFontTx/>
+              <a:buNone/>
+              <a:tabLst/>
+              <a:defRPr/>
+            </a:pPr>
+            <a:r>
+              <a:rPr lang="en-US" altLang="zh-CN" b="0" dirty="0">
+                <a:solidFill>
+                  <a:srgbClr val="6A9955"/>
+                </a:solidFill>
+                <a:effectLst/>
+                <a:latin typeface="Consolas" panose="020B0609020204030204" pitchFamily="49" charset="0"/>
+              </a:rPr>
+              <a:t>[2]</a:t>
+            </a:r>
+            <a:r>
+              <a:rPr lang="zh-CN" altLang="en-US" b="0" dirty="0">
+                <a:solidFill>
+                  <a:srgbClr val="6A9955"/>
+                </a:solidFill>
+                <a:effectLst/>
+                <a:latin typeface="Consolas" panose="020B0609020204030204" pitchFamily="49" charset="0"/>
+              </a:rPr>
+              <a:t>通过这个案例，我们对组件化开发、组件通信方式等知识进行了练习。那其实</a:t>
+            </a:r>
+            <a:r>
+              <a:rPr lang="en-US" altLang="zh-CN" b="0" dirty="0">
+                <a:solidFill>
+                  <a:srgbClr val="6A9955"/>
+                </a:solidFill>
+                <a:effectLst/>
+                <a:latin typeface="Consolas" panose="020B0609020204030204" pitchFamily="49" charset="0"/>
+              </a:rPr>
+              <a:t>react</a:t>
+            </a:r>
+            <a:r>
+              <a:rPr lang="zh-CN" altLang="en-US" b="0" dirty="0">
+                <a:solidFill>
+                  <a:srgbClr val="6A9955"/>
+                </a:solidFill>
+                <a:effectLst/>
+                <a:latin typeface="Consolas" panose="020B0609020204030204" pitchFamily="49" charset="0"/>
+              </a:rPr>
+              <a:t>也有对应的</a:t>
+            </a:r>
+            <a:r>
+              <a:rPr lang="en-US" altLang="zh-CN" b="0" dirty="0" err="1">
+                <a:solidFill>
+                  <a:srgbClr val="6A9955"/>
+                </a:solidFill>
+                <a:effectLst/>
+                <a:latin typeface="Consolas" panose="020B0609020204030204" pitchFamily="49" charset="0"/>
+              </a:rPr>
+              <a:t>ui</a:t>
+            </a:r>
+            <a:r>
+              <a:rPr lang="zh-CN" altLang="en-US" b="0" dirty="0">
+                <a:solidFill>
+                  <a:srgbClr val="6A9955"/>
+                </a:solidFill>
+                <a:effectLst/>
+                <a:latin typeface="Consolas" panose="020B0609020204030204" pitchFamily="49" charset="0"/>
+              </a:rPr>
+              <a:t>库</a:t>
+            </a:r>
+            <a:r>
+              <a:rPr lang="en-US" altLang="zh-CN" b="0" dirty="0" err="1">
+                <a:solidFill>
+                  <a:srgbClr val="6A9955"/>
+                </a:solidFill>
+                <a:effectLst/>
+                <a:latin typeface="Consolas" panose="020B0609020204030204" pitchFamily="49" charset="0"/>
+              </a:rPr>
+              <a:t>Antd</a:t>
+            </a:r>
+            <a:r>
+              <a:rPr lang="zh-CN" altLang="en-US" b="0" dirty="0">
+                <a:solidFill>
+                  <a:srgbClr val="6A9955"/>
+                </a:solidFill>
+                <a:effectLst/>
+                <a:latin typeface="Consolas" panose="020B0609020204030204" pitchFamily="49" charset="0"/>
+              </a:rPr>
+              <a:t>，下面来看看</a:t>
+            </a:r>
+            <a:endParaRPr lang="zh-CN" altLang="en-US" b="0" dirty="0">
+              <a:solidFill>
+                <a:srgbClr val="CCCCCC"/>
+              </a:solidFill>
+              <a:effectLst/>
+              <a:latin typeface="Consolas" panose="020B0609020204030204" pitchFamily="49" charset="0"/>
+            </a:endParaRPr>
+          </a:p>
+          <a:p>
+            <a:endParaRPr lang="zh-CN" altLang="en-US" dirty="0"/>
+          </a:p>
+        </p:txBody>
+      </p:sp>
+      <p:sp>
+        <p:nvSpPr>
+          <p:cNvPr id="4" name="灯片编号占位符 3"/>
+          <p:cNvSpPr>
+            <a:spLocks noGrp="1"/>
+          </p:cNvSpPr>
+          <p:nvPr>
+            <p:ph type="sldNum" sz="quarter" idx="5"/>
+          </p:nvPr>
+        </p:nvSpPr>
+        <p:spPr/>
+        <p:txBody>
+          <a:bodyPr/>
+          <a:lstStyle/>
+          <a:p>
+            <a:fld id="{F9E1B693-632D-4080-9CF6-EA28B66DC801}" type="slidenum">
+              <a:rPr lang="zh-CN" altLang="en-US" smtClean="0"/>
+              <a:t>27</a:t>
+            </a:fld>
+            <a:endParaRPr lang="zh-CN" altLang="en-US"/>
+          </a:p>
+        </p:txBody>
+      </p:sp>
+    </p:spTree>
+    <p:extLst>
+      <p:ext uri="{BB962C8B-B14F-4D97-AF65-F5344CB8AC3E}">
+        <p14:creationId xmlns:p14="http://schemas.microsoft.com/office/powerpoint/2010/main" val="2247963627"/>
+      </p:ext>
+    </p:extLst>
+  </p:cSld>
+  <p:clrMapOvr>
+    <a:masterClrMapping/>
+  </p:clrMapOvr>
+</p:notes>
+</file>
+
+<file path=ppt/notesSlides/notesSlide22.xml><?xml version="1.0" encoding="utf-8"?>
+<p:notes xmlns:a="http://schemas.openxmlformats.org/drawingml/2006/main" xmlns:r="http://schemas.openxmlformats.org/officeDocument/2006/relationships" xmlns:p="http://schemas.openxmlformats.org/presentationml/2006/main">
+  <p:cSld>
+    <p:spTree>
+      <p:nvGrpSpPr>
+        <p:cNvPr id="1" name=""/>
+        <p:cNvGrpSpPr/>
+        <p:nvPr/>
+      </p:nvGrpSpPr>
+      <p:grpSpPr>
+        <a:xfrm>
+          <a:off x="0" y="0"/>
+          <a:ext cx="0" cy="0"/>
+          <a:chOff x="0" y="0"/>
+          <a:chExt cx="0" cy="0"/>
+        </a:xfrm>
+      </p:grpSpPr>
+      <p:sp>
+        <p:nvSpPr>
+          <p:cNvPr id="2" name="幻灯片图像占位符 1"/>
+          <p:cNvSpPr>
+            <a:spLocks noGrp="1" noRot="1" noChangeAspect="1"/>
+          </p:cNvSpPr>
+          <p:nvPr>
+            <p:ph type="sldImg"/>
+          </p:nvPr>
+        </p:nvSpPr>
+        <p:spPr/>
+      </p:sp>
+      <p:sp>
+        <p:nvSpPr>
+          <p:cNvPr id="3" name="备注占位符 2"/>
+          <p:cNvSpPr>
+            <a:spLocks noGrp="1"/>
+          </p:cNvSpPr>
+          <p:nvPr>
+            <p:ph type="body" idx="1"/>
+          </p:nvPr>
+        </p:nvSpPr>
+        <p:spPr/>
+        <p:txBody>
+          <a:bodyPr/>
+          <a:lstStyle/>
+          <a:p>
+            <a:pPr marL="0" marR="0" lvl="0" indent="0" algn="l" defTabSz="914400" rtl="0" eaLnBrk="1" fontAlgn="auto" latinLnBrk="0" hangingPunct="1">
+              <a:lnSpc>
+                <a:spcPct val="100000"/>
+              </a:lnSpc>
+              <a:spcBef>
+                <a:spcPts val="0"/>
+              </a:spcBef>
+              <a:spcAft>
+                <a:spcPts val="0"/>
+              </a:spcAft>
+              <a:buClrTx/>
+              <a:buSzTx/>
+              <a:buFontTx/>
+              <a:buNone/>
+              <a:tabLst/>
+              <a:defRPr/>
+            </a:pPr>
             <a:endParaRPr lang="zh-CN" altLang="en-US" dirty="0"/>
           </a:p>
         </p:txBody>
@@ -2281,7 +2465,7 @@
 </p:notes>
 </file>
 
-<file path=ppt/notesSlides/notesSlide21.xml><?xml version="1.0" encoding="utf-8"?>
+<file path=ppt/notesSlides/notesSlide23.xml><?xml version="1.0" encoding="utf-8"?>
 <p:notes xmlns:a="http://schemas.openxmlformats.org/drawingml/2006/main" xmlns:r="http://schemas.openxmlformats.org/officeDocument/2006/relationships" xmlns:p="http://schemas.openxmlformats.org/presentationml/2006/main">
   <p:cSld>
     <p:spTree>
@@ -5974,7 +6158,7 @@
             </a:r>
             <a:r>
               <a:rPr lang="en-US" altLang="zh-CN" dirty="0"/>
-              <a:t> [1]</a:t>
+              <a:t> </a:t>
             </a:r>
             <a:r>
               <a:rPr lang="zh-CN" altLang="en-US" dirty="0"/>
@@ -6285,7 +6469,7 @@
             </a:r>
             <a:r>
               <a:rPr lang="en-US" altLang="zh-CN" dirty="0"/>
-              <a:t> [1]</a:t>
+              <a:t> </a:t>
             </a:r>
             <a:r>
               <a:rPr lang="zh-CN" altLang="en-US" dirty="0"/>
@@ -6844,12 +7028,28 @@
               <a:buChar char="•"/>
             </a:pPr>
             <a:r>
+              <a:rPr lang="en-US" altLang="zh-CN" sz="1600" dirty="0" err="1">
+                <a:solidFill>
+                  <a:schemeClr val="bg2"/>
+                </a:solidFill>
+              </a:rPr>
+              <a:t>TodoList</a:t>
+            </a:r>
+            <a:r>
+              <a:rPr lang="zh-CN" altLang="en-US" sz="1600" dirty="0">
+                <a:solidFill>
+                  <a:schemeClr val="bg2"/>
+                </a:solidFill>
+              </a:rPr>
+              <a:t>案例</a:t>
+            </a:r>
+            <a:r>
               <a:rPr lang="en-US" altLang="zh-CN" sz="1600" dirty="0">
                 <a:solidFill>
                   <a:schemeClr val="bg2"/>
                 </a:solidFill>
               </a:rPr>
-              <a:t>TodoList</a:t>
+              <a:t>[1]</a:t>
             </a:r>
             <a:r>
               <a:rPr lang="zh-CN" altLang="en-US" sz="1600" dirty="0">
@@ -6857,7 +7057,7 @@
                   <a:schemeClr val="bg2"/>
                 </a:solidFill>
               </a:rPr>
-              <a:t>案例 </a:t>
+              <a:t> </a:t>
             </a:r>
             <a:endParaRPr lang="en-US" altLang="zh-CN" sz="1600" dirty="0">
               <a:solidFill>
@@ -6913,7 +7113,7 @@
             </a:r>
             <a:r>
               <a:rPr lang="en-US" altLang="zh-CN" dirty="0"/>
-              <a:t>1 [1]</a:t>
+              <a:t>1</a:t>
             </a:r>
             <a:endParaRPr lang="zh-CN" altLang="en-US" sz="2400" b="1" dirty="0">
               <a:solidFill>
@@ -9047,11 +9247,14 @@
               </a:rPr>
               <a:t>组件复用场景</a:t>
             </a:r>
-            <a:endParaRPr lang="en-US" altLang="zh-CN" dirty="0">
-              <a:solidFill>
-                <a:schemeClr val="bg2"/>
-              </a:solidFill>
-            </a:endParaRPr>
+            <a:r>
+              <a:rPr lang="en-US" altLang="zh-CN" dirty="0">
+                <a:solidFill>
+                  <a:schemeClr val="bg2"/>
+                </a:solidFill>
+              </a:rPr>
+              <a:t>[1]</a:t>
+            </a:r>
           </a:p>
           <a:p>
             <a:pPr marL="742950" lvl="1" indent="-285750">
@@ -9123,7 +9326,7 @@
                   <a:schemeClr val="tx1"/>
                 </a:solidFill>
               </a:rPr>
-              <a:t>2[1]</a:t>
+              <a:t>2</a:t>
             </a:r>
             <a:endParaRPr lang="zh-CN" altLang="en-US" sz="2400" b="1" dirty="0">
               <a:solidFill>
@@ -9175,7 +9378,7 @@
             </a:r>
             <a:r>
               <a:rPr lang="en-US" altLang="zh-CN" dirty="0"/>
-              <a:t>[1]</a:t>
+              <a:t>[2]</a:t>
             </a:r>
             <a:endParaRPr lang="zh-CN" altLang="en-US" dirty="0"/>
           </a:p>
